--- a/slides/00-CourseIntroduction.pptx
+++ b/slides/00-CourseIntroduction.pptx
@@ -5,36 +5,38 @@
     <p:sldMasterId id="2147484006" r:id="rId1"/>
   </p:sldMasterIdLst>
   <p:notesMasterIdLst>
-    <p:notesMasterId r:id="rId29"/>
+    <p:notesMasterId r:id="rId31"/>
   </p:notesMasterIdLst>
   <p:sldIdLst>
     <p:sldId id="256" r:id="rId2"/>
-    <p:sldId id="484" r:id="rId3"/>
-    <p:sldId id="505" r:id="rId4"/>
-    <p:sldId id="504" r:id="rId5"/>
-    <p:sldId id="426" r:id="rId6"/>
-    <p:sldId id="403" r:id="rId7"/>
-    <p:sldId id="470" r:id="rId8"/>
-    <p:sldId id="495" r:id="rId9"/>
-    <p:sldId id="474" r:id="rId10"/>
-    <p:sldId id="497" r:id="rId11"/>
-    <p:sldId id="487" r:id="rId12"/>
-    <p:sldId id="498" r:id="rId13"/>
-    <p:sldId id="490" r:id="rId14"/>
-    <p:sldId id="488" r:id="rId15"/>
-    <p:sldId id="489" r:id="rId16"/>
-    <p:sldId id="501" r:id="rId17"/>
-    <p:sldId id="506" r:id="rId18"/>
-    <p:sldId id="491" r:id="rId19"/>
-    <p:sldId id="496" r:id="rId20"/>
-    <p:sldId id="471" r:id="rId21"/>
-    <p:sldId id="485" r:id="rId22"/>
-    <p:sldId id="463" r:id="rId23"/>
-    <p:sldId id="502" r:id="rId24"/>
-    <p:sldId id="464" r:id="rId25"/>
-    <p:sldId id="507" r:id="rId26"/>
-    <p:sldId id="508" r:id="rId27"/>
-    <p:sldId id="509" r:id="rId28"/>
+    <p:sldId id="505" r:id="rId3"/>
+    <p:sldId id="513" r:id="rId4"/>
+    <p:sldId id="507" r:id="rId5"/>
+    <p:sldId id="508" r:id="rId6"/>
+    <p:sldId id="511" r:id="rId7"/>
+    <p:sldId id="512" r:id="rId8"/>
+    <p:sldId id="510" r:id="rId9"/>
+    <p:sldId id="504" r:id="rId10"/>
+    <p:sldId id="426" r:id="rId11"/>
+    <p:sldId id="403" r:id="rId12"/>
+    <p:sldId id="470" r:id="rId13"/>
+    <p:sldId id="495" r:id="rId14"/>
+    <p:sldId id="474" r:id="rId15"/>
+    <p:sldId id="497" r:id="rId16"/>
+    <p:sldId id="487" r:id="rId17"/>
+    <p:sldId id="498" r:id="rId18"/>
+    <p:sldId id="490" r:id="rId19"/>
+    <p:sldId id="488" r:id="rId20"/>
+    <p:sldId id="489" r:id="rId21"/>
+    <p:sldId id="501" r:id="rId22"/>
+    <p:sldId id="506" r:id="rId23"/>
+    <p:sldId id="491" r:id="rId24"/>
+    <p:sldId id="496" r:id="rId25"/>
+    <p:sldId id="471" r:id="rId26"/>
+    <p:sldId id="485" r:id="rId27"/>
+    <p:sldId id="463" r:id="rId28"/>
+    <p:sldId id="502" r:id="rId29"/>
+    <p:sldId id="464" r:id="rId30"/>
   </p:sldIdLst>
   <p:sldSz cx="12192000" cy="6858000"/>
   <p:notesSz cx="6858000" cy="9144000"/>
@@ -223,7 +225,7 @@
           <a:p>
             <a:fld id="{C5B45307-6ED4-B142-BD64-10F739779302}" type="datetimeFigureOut">
               <a:rPr lang="en-US" smtClean="0"/>
-              <a:t>8/9/23</a:t>
+              <a:t>8/21/23</a:t>
             </a:fld>
             <a:endParaRPr lang="en-US"/>
           </a:p>
@@ -650,7 +652,7 @@
               <a:pPr>
                 <a:defRPr/>
               </a:pPr>
-              <a:t>10</a:t>
+              <a:t>15</a:t>
             </a:fld>
             <a:endParaRPr lang="en-US"/>
           </a:p>
@@ -726,7 +728,7 @@
           <a:noFill/>
           <a:extLst>
             <a:ext uri="{909E8E84-426E-40dd-AFC4-6F175D3DCCD1}">
-              <a14:hiddenFill xmlns="" xmlns:a14="http://schemas.microsoft.com/office/drawing/2010/main">
+              <a14:hiddenFill xmlns:a14="http://schemas.microsoft.com/office/drawing/2010/main" xmlns="">
                 <a:solidFill>
                   <a:srgbClr val="FFFFFF"/>
                 </a:solidFill>
@@ -785,7 +787,7 @@
             </a:ln>
             <a:extLst>
               <a:ext uri="{91240B29-F687-4f45-9708-019B960494DF}">
-                <a14:hiddenLine xmlns="" xmlns:a14="http://schemas.microsoft.com/office/drawing/2010/main" w="9525">
+                <a14:hiddenLine xmlns:a14="http://schemas.microsoft.com/office/drawing/2010/main" xmlns="" w="9525">
                   <a:solidFill>
                     <a:srgbClr val="000000"/>
                   </a:solidFill>
@@ -875,7 +877,7 @@
             </a:ln>
             <a:extLst>
               <a:ext uri="{91240B29-F687-4f45-9708-019B960494DF}">
-                <a14:hiddenLine xmlns="" xmlns:a14="http://schemas.microsoft.com/office/drawing/2010/main" w="9525">
+                <a14:hiddenLine xmlns:a14="http://schemas.microsoft.com/office/drawing/2010/main" xmlns="" w="9525">
                   <a:solidFill>
                     <a:srgbClr val="000000"/>
                   </a:solidFill>
@@ -965,7 +967,7 @@
             </a:ln>
             <a:extLst>
               <a:ext uri="{91240B29-F687-4f45-9708-019B960494DF}">
-                <a14:hiddenLine xmlns="" xmlns:a14="http://schemas.microsoft.com/office/drawing/2010/main" w="9525">
+                <a14:hiddenLine xmlns:a14="http://schemas.microsoft.com/office/drawing/2010/main" xmlns="" w="9525">
                   <a:solidFill>
                     <a:srgbClr val="000000"/>
                   </a:solidFill>
@@ -999,7 +1001,7 @@
             </a:ln>
             <a:extLst>
               <a:ext uri="{91240B29-F687-4f45-9708-019B960494DF}">
-                <a14:hiddenLine xmlns="" xmlns:a14="http://schemas.microsoft.com/office/drawing/2010/main" w="9525">
+                <a14:hiddenLine xmlns:a14="http://schemas.microsoft.com/office/drawing/2010/main" xmlns="" w="9525">
                   <a:solidFill>
                     <a:srgbClr val="000000"/>
                   </a:solidFill>
@@ -1089,7 +1091,7 @@
             </a:ln>
             <a:extLst>
               <a:ext uri="{91240B29-F687-4f45-9708-019B960494DF}">
-                <a14:hiddenLine xmlns="" xmlns:a14="http://schemas.microsoft.com/office/drawing/2010/main" w="9525">
+                <a14:hiddenLine xmlns:a14="http://schemas.microsoft.com/office/drawing/2010/main" xmlns="" w="9525">
                   <a:solidFill>
                     <a:srgbClr val="000000"/>
                   </a:solidFill>
@@ -1151,7 +1153,7 @@
             </a:ln>
             <a:extLst>
               <a:ext uri="{91240B29-F687-4f45-9708-019B960494DF}">
-                <a14:hiddenLine xmlns="" xmlns:a14="http://schemas.microsoft.com/office/drawing/2010/main" w="9525">
+                <a14:hiddenLine xmlns:a14="http://schemas.microsoft.com/office/drawing/2010/main" xmlns="" w="9525">
                   <a:solidFill>
                     <a:srgbClr val="000000"/>
                   </a:solidFill>
@@ -1213,7 +1215,7 @@
             </a:ln>
             <a:extLst>
               <a:ext uri="{91240B29-F687-4f45-9708-019B960494DF}">
-                <a14:hiddenLine xmlns="" xmlns:a14="http://schemas.microsoft.com/office/drawing/2010/main" w="9525">
+                <a14:hiddenLine xmlns:a14="http://schemas.microsoft.com/office/drawing/2010/main" xmlns="" w="9525">
                   <a:solidFill>
                     <a:srgbClr val="000000"/>
                   </a:solidFill>
@@ -1303,7 +1305,7 @@
             </a:ln>
             <a:extLst>
               <a:ext uri="{91240B29-F687-4f45-9708-019B960494DF}">
-                <a14:hiddenLine xmlns="" xmlns:a14="http://schemas.microsoft.com/office/drawing/2010/main" w="9525">
+                <a14:hiddenLine xmlns:a14="http://schemas.microsoft.com/office/drawing/2010/main" xmlns="" w="9525">
                   <a:solidFill>
                     <a:srgbClr val="000000"/>
                   </a:solidFill>
@@ -1365,7 +1367,7 @@
             </a:ln>
             <a:extLst>
               <a:ext uri="{91240B29-F687-4f45-9708-019B960494DF}">
-                <a14:hiddenLine xmlns="" xmlns:a14="http://schemas.microsoft.com/office/drawing/2010/main" w="9525">
+                <a14:hiddenLine xmlns:a14="http://schemas.microsoft.com/office/drawing/2010/main" xmlns="" w="9525">
                   <a:solidFill>
                     <a:srgbClr val="000000"/>
                   </a:solidFill>
@@ -1427,7 +1429,7 @@
             </a:ln>
             <a:extLst>
               <a:ext uri="{91240B29-F687-4f45-9708-019B960494DF}">
-                <a14:hiddenLine xmlns="" xmlns:a14="http://schemas.microsoft.com/office/drawing/2010/main" w="9525">
+                <a14:hiddenLine xmlns:a14="http://schemas.microsoft.com/office/drawing/2010/main" xmlns="" w="9525">
                   <a:solidFill>
                     <a:srgbClr val="000000"/>
                   </a:solidFill>
@@ -1517,7 +1519,7 @@
             </a:ln>
             <a:extLst>
               <a:ext uri="{91240B29-F687-4f45-9708-019B960494DF}">
-                <a14:hiddenLine xmlns="" xmlns:a14="http://schemas.microsoft.com/office/drawing/2010/main" w="9525">
+                <a14:hiddenLine xmlns:a14="http://schemas.microsoft.com/office/drawing/2010/main" xmlns="" w="9525">
                   <a:solidFill>
                     <a:srgbClr val="000000"/>
                   </a:solidFill>
@@ -1607,7 +1609,7 @@
             </a:ln>
             <a:extLst>
               <a:ext uri="{91240B29-F687-4f45-9708-019B960494DF}">
-                <a14:hiddenLine xmlns="" xmlns:a14="http://schemas.microsoft.com/office/drawing/2010/main" w="9525">
+                <a14:hiddenLine xmlns:a14="http://schemas.microsoft.com/office/drawing/2010/main" xmlns="" w="9525">
                   <a:solidFill>
                     <a:srgbClr val="000000"/>
                   </a:solidFill>
@@ -1669,7 +1671,7 @@
             </a:ln>
             <a:extLst>
               <a:ext uri="{91240B29-F687-4f45-9708-019B960494DF}">
-                <a14:hiddenLine xmlns="" xmlns:a14="http://schemas.microsoft.com/office/drawing/2010/main" w="9525">
+                <a14:hiddenLine xmlns:a14="http://schemas.microsoft.com/office/drawing/2010/main" xmlns="" w="9525">
                   <a:solidFill>
                     <a:srgbClr val="000000"/>
                   </a:solidFill>
@@ -1779,7 +1781,7 @@
             </a:ln>
             <a:extLst>
               <a:ext uri="{91240B29-F687-4f45-9708-019B960494DF}">
-                <a14:hiddenLine xmlns="" xmlns:a14="http://schemas.microsoft.com/office/drawing/2010/main" w="9525">
+                <a14:hiddenLine xmlns:a14="http://schemas.microsoft.com/office/drawing/2010/main" xmlns="" w="9525">
                   <a:solidFill>
                     <a:srgbClr val="000000"/>
                   </a:solidFill>
@@ -1841,7 +1843,7 @@
             </a:ln>
             <a:extLst>
               <a:ext uri="{91240B29-F687-4f45-9708-019B960494DF}">
-                <a14:hiddenLine xmlns="" xmlns:a14="http://schemas.microsoft.com/office/drawing/2010/main" w="9525">
+                <a14:hiddenLine xmlns:a14="http://schemas.microsoft.com/office/drawing/2010/main" xmlns="" w="9525">
                   <a:solidFill>
                     <a:srgbClr val="000000"/>
                   </a:solidFill>
@@ -1931,7 +1933,7 @@
             </a:ln>
             <a:extLst>
               <a:ext uri="{91240B29-F687-4f45-9708-019B960494DF}">
-                <a14:hiddenLine xmlns="" xmlns:a14="http://schemas.microsoft.com/office/drawing/2010/main" w="9525">
+                <a14:hiddenLine xmlns:a14="http://schemas.microsoft.com/office/drawing/2010/main" xmlns="" w="9525">
                   <a:solidFill>
                     <a:srgbClr val="000000"/>
                   </a:solidFill>
@@ -2021,7 +2023,7 @@
             </a:ln>
             <a:extLst>
               <a:ext uri="{91240B29-F687-4f45-9708-019B960494DF}">
-                <a14:hiddenLine xmlns="" xmlns:a14="http://schemas.microsoft.com/office/drawing/2010/main" w="9525">
+                <a14:hiddenLine xmlns:a14="http://schemas.microsoft.com/office/drawing/2010/main" xmlns="" w="9525">
                   <a:solidFill>
                     <a:srgbClr val="000000"/>
                   </a:solidFill>
@@ -2083,7 +2085,7 @@
             </a:ln>
             <a:extLst>
               <a:ext uri="{91240B29-F687-4f45-9708-019B960494DF}">
-                <a14:hiddenLine xmlns="" xmlns:a14="http://schemas.microsoft.com/office/drawing/2010/main" w="9525">
+                <a14:hiddenLine xmlns:a14="http://schemas.microsoft.com/office/drawing/2010/main" xmlns="" w="9525">
                   <a:solidFill>
                     <a:srgbClr val="000000"/>
                   </a:solidFill>
@@ -2173,7 +2175,7 @@
             </a:ln>
             <a:extLst>
               <a:ext uri="{91240B29-F687-4f45-9708-019B960494DF}">
-                <a14:hiddenLine xmlns="" xmlns:a14="http://schemas.microsoft.com/office/drawing/2010/main" w="9525">
+                <a14:hiddenLine xmlns:a14="http://schemas.microsoft.com/office/drawing/2010/main" xmlns="" w="9525">
                   <a:solidFill>
                     <a:srgbClr val="000000"/>
                   </a:solidFill>
@@ -2263,7 +2265,7 @@
             </a:ln>
             <a:extLst>
               <a:ext uri="{91240B29-F687-4f45-9708-019B960494DF}">
-                <a14:hiddenLine xmlns="" xmlns:a14="http://schemas.microsoft.com/office/drawing/2010/main" w="9525">
+                <a14:hiddenLine xmlns:a14="http://schemas.microsoft.com/office/drawing/2010/main" xmlns="" w="9525">
                   <a:solidFill>
                     <a:srgbClr val="000000"/>
                   </a:solidFill>
@@ -2319,7 +2321,7 @@
             </a:ln>
             <a:extLst>
               <a:ext uri="{91240B29-F687-4f45-9708-019B960494DF}">
-                <a14:hiddenLine xmlns="" xmlns:a14="http://schemas.microsoft.com/office/drawing/2010/main" w="9525">
+                <a14:hiddenLine xmlns:a14="http://schemas.microsoft.com/office/drawing/2010/main" xmlns="" w="9525">
                   <a:solidFill>
                     <a:srgbClr val="000000"/>
                   </a:solidFill>
@@ -2409,7 +2411,7 @@
             </a:ln>
             <a:extLst>
               <a:ext uri="{91240B29-F687-4f45-9708-019B960494DF}">
-                <a14:hiddenLine xmlns="" xmlns:a14="http://schemas.microsoft.com/office/drawing/2010/main" w="9525">
+                <a14:hiddenLine xmlns:a14="http://schemas.microsoft.com/office/drawing/2010/main" xmlns="" w="9525">
                   <a:solidFill>
                     <a:srgbClr val="000000"/>
                   </a:solidFill>
@@ -2465,7 +2467,7 @@
             </a:ln>
             <a:extLst>
               <a:ext uri="{91240B29-F687-4f45-9708-019B960494DF}">
-                <a14:hiddenLine xmlns="" xmlns:a14="http://schemas.microsoft.com/office/drawing/2010/main" w="9525">
+                <a14:hiddenLine xmlns:a14="http://schemas.microsoft.com/office/drawing/2010/main" xmlns="" w="9525">
                   <a:solidFill>
                     <a:srgbClr val="000000"/>
                   </a:solidFill>
@@ -2555,7 +2557,7 @@
             </a:ln>
             <a:extLst>
               <a:ext uri="{91240B29-F687-4f45-9708-019B960494DF}">
-                <a14:hiddenLine xmlns="" xmlns:a14="http://schemas.microsoft.com/office/drawing/2010/main" w="9525">
+                <a14:hiddenLine xmlns:a14="http://schemas.microsoft.com/office/drawing/2010/main" xmlns="" w="9525">
                   <a:solidFill>
                     <a:srgbClr val="000000"/>
                   </a:solidFill>
@@ -2623,7 +2625,7 @@
             </a:ln>
             <a:extLst>
               <a:ext uri="{91240B29-F687-4f45-9708-019B960494DF}">
-                <a14:hiddenLine xmlns="" xmlns:a14="http://schemas.microsoft.com/office/drawing/2010/main" w="9525">
+                <a14:hiddenLine xmlns:a14="http://schemas.microsoft.com/office/drawing/2010/main" xmlns="" w="9525">
                   <a:solidFill>
                     <a:srgbClr val="000000"/>
                   </a:solidFill>
@@ -2713,7 +2715,7 @@
             </a:ln>
             <a:extLst>
               <a:ext uri="{91240B29-F687-4f45-9708-019B960494DF}">
-                <a14:hiddenLine xmlns="" xmlns:a14="http://schemas.microsoft.com/office/drawing/2010/main" w="9525">
+                <a14:hiddenLine xmlns:a14="http://schemas.microsoft.com/office/drawing/2010/main" xmlns="" w="9525">
                   <a:solidFill>
                     <a:srgbClr val="000000"/>
                   </a:solidFill>
@@ -2781,7 +2783,7 @@
             </a:ln>
             <a:extLst>
               <a:ext uri="{91240B29-F687-4f45-9708-019B960494DF}">
-                <a14:hiddenLine xmlns="" xmlns:a14="http://schemas.microsoft.com/office/drawing/2010/main" w="9525">
+                <a14:hiddenLine xmlns:a14="http://schemas.microsoft.com/office/drawing/2010/main" xmlns="" w="9525">
                   <a:solidFill>
                     <a:srgbClr val="000000"/>
                   </a:solidFill>
@@ -2871,7 +2873,7 @@
             </a:ln>
             <a:extLst>
               <a:ext uri="{91240B29-F687-4f45-9708-019B960494DF}">
-                <a14:hiddenLine xmlns="" xmlns:a14="http://schemas.microsoft.com/office/drawing/2010/main" w="9525">
+                <a14:hiddenLine xmlns:a14="http://schemas.microsoft.com/office/drawing/2010/main" xmlns="" w="9525">
                   <a:solidFill>
                     <a:srgbClr val="000000"/>
                   </a:solidFill>
@@ -2905,7 +2907,7 @@
             </a:ln>
             <a:extLst>
               <a:ext uri="{91240B29-F687-4f45-9708-019B960494DF}">
-                <a14:hiddenLine xmlns="" xmlns:a14="http://schemas.microsoft.com/office/drawing/2010/main" w="9525">
+                <a14:hiddenLine xmlns:a14="http://schemas.microsoft.com/office/drawing/2010/main" xmlns="" w="9525">
                   <a:solidFill>
                     <a:srgbClr val="000000"/>
                   </a:solidFill>
@@ -2995,7 +2997,7 @@
             </a:ln>
             <a:extLst>
               <a:ext uri="{91240B29-F687-4f45-9708-019B960494DF}">
-                <a14:hiddenLine xmlns="" xmlns:a14="http://schemas.microsoft.com/office/drawing/2010/main" w="9525">
+                <a14:hiddenLine xmlns:a14="http://schemas.microsoft.com/office/drawing/2010/main" xmlns="" w="9525">
                   <a:solidFill>
                     <a:srgbClr val="000000"/>
                   </a:solidFill>
@@ -3057,7 +3059,7 @@
             </a:ln>
             <a:extLst>
               <a:ext uri="{91240B29-F687-4f45-9708-019B960494DF}">
-                <a14:hiddenLine xmlns="" xmlns:a14="http://schemas.microsoft.com/office/drawing/2010/main" w="9525">
+                <a14:hiddenLine xmlns:a14="http://schemas.microsoft.com/office/drawing/2010/main" xmlns="" w="9525">
                   <a:solidFill>
                     <a:srgbClr val="000000"/>
                   </a:solidFill>
@@ -3119,7 +3121,7 @@
             </a:ln>
             <a:extLst>
               <a:ext uri="{91240B29-F687-4f45-9708-019B960494DF}">
-                <a14:hiddenLine xmlns="" xmlns:a14="http://schemas.microsoft.com/office/drawing/2010/main" w="9525">
+                <a14:hiddenLine xmlns:a14="http://schemas.microsoft.com/office/drawing/2010/main" xmlns="" w="9525">
                   <a:solidFill>
                     <a:srgbClr val="000000"/>
                   </a:solidFill>
@@ -3209,7 +3211,7 @@
             </a:ln>
             <a:extLst>
               <a:ext uri="{91240B29-F687-4f45-9708-019B960494DF}">
-                <a14:hiddenLine xmlns="" xmlns:a14="http://schemas.microsoft.com/office/drawing/2010/main" w="9525">
+                <a14:hiddenLine xmlns:a14="http://schemas.microsoft.com/office/drawing/2010/main" xmlns="" w="9525">
                   <a:solidFill>
                     <a:srgbClr val="000000"/>
                   </a:solidFill>
@@ -3277,7 +3279,7 @@
             </a:ln>
             <a:extLst>
               <a:ext uri="{91240B29-F687-4f45-9708-019B960494DF}">
-                <a14:hiddenLine xmlns="" xmlns:a14="http://schemas.microsoft.com/office/drawing/2010/main" w="9525">
+                <a14:hiddenLine xmlns:a14="http://schemas.microsoft.com/office/drawing/2010/main" xmlns="" w="9525">
                   <a:solidFill>
                     <a:srgbClr val="000000"/>
                   </a:solidFill>
@@ -3339,7 +3341,7 @@
             </a:ln>
             <a:extLst>
               <a:ext uri="{91240B29-F687-4f45-9708-019B960494DF}">
-                <a14:hiddenLine xmlns="" xmlns:a14="http://schemas.microsoft.com/office/drawing/2010/main" w="9525">
+                <a14:hiddenLine xmlns:a14="http://schemas.microsoft.com/office/drawing/2010/main" xmlns="" w="9525">
                   <a:solidFill>
                     <a:srgbClr val="000000"/>
                   </a:solidFill>
@@ -3429,7 +3431,7 @@
             </a:ln>
             <a:extLst>
               <a:ext uri="{91240B29-F687-4f45-9708-019B960494DF}">
-                <a14:hiddenLine xmlns="" xmlns:a14="http://schemas.microsoft.com/office/drawing/2010/main" w="9525">
+                <a14:hiddenLine xmlns:a14="http://schemas.microsoft.com/office/drawing/2010/main" xmlns="" w="9525">
                   <a:solidFill>
                     <a:srgbClr val="000000"/>
                   </a:solidFill>
@@ -3491,7 +3493,7 @@
             </a:ln>
             <a:extLst>
               <a:ext uri="{91240B29-F687-4f45-9708-019B960494DF}">
-                <a14:hiddenLine xmlns="" xmlns:a14="http://schemas.microsoft.com/office/drawing/2010/main" w="9525">
+                <a14:hiddenLine xmlns:a14="http://schemas.microsoft.com/office/drawing/2010/main" xmlns="" w="9525">
                   <a:solidFill>
                     <a:srgbClr val="000000"/>
                   </a:solidFill>
@@ -3581,7 +3583,7 @@
             </a:ln>
             <a:extLst>
               <a:ext uri="{91240B29-F687-4f45-9708-019B960494DF}">
-                <a14:hiddenLine xmlns="" xmlns:a14="http://schemas.microsoft.com/office/drawing/2010/main" w="9525">
+                <a14:hiddenLine xmlns:a14="http://schemas.microsoft.com/office/drawing/2010/main" xmlns="" w="9525">
                   <a:solidFill>
                     <a:srgbClr val="000000"/>
                   </a:solidFill>
@@ -3643,7 +3645,7 @@
             </a:ln>
             <a:extLst>
               <a:ext uri="{91240B29-F687-4f45-9708-019B960494DF}">
-                <a14:hiddenLine xmlns="" xmlns:a14="http://schemas.microsoft.com/office/drawing/2010/main" w="9525">
+                <a14:hiddenLine xmlns:a14="http://schemas.microsoft.com/office/drawing/2010/main" xmlns="" w="9525">
                   <a:solidFill>
                     <a:srgbClr val="000000"/>
                   </a:solidFill>
@@ -3733,7 +3735,7 @@
             </a:ln>
             <a:extLst>
               <a:ext uri="{91240B29-F687-4f45-9708-019B960494DF}">
-                <a14:hiddenLine xmlns="" xmlns:a14="http://schemas.microsoft.com/office/drawing/2010/main" w="9525">
+                <a14:hiddenLine xmlns:a14="http://schemas.microsoft.com/office/drawing/2010/main" xmlns="" w="9525">
                   <a:solidFill>
                     <a:srgbClr val="000000"/>
                   </a:solidFill>
@@ -3767,7 +3769,7 @@
             </a:ln>
             <a:extLst>
               <a:ext uri="{91240B29-F687-4f45-9708-019B960494DF}">
-                <a14:hiddenLine xmlns="" xmlns:a14="http://schemas.microsoft.com/office/drawing/2010/main" w="9525">
+                <a14:hiddenLine xmlns:a14="http://schemas.microsoft.com/office/drawing/2010/main" xmlns="" w="9525">
                   <a:solidFill>
                     <a:srgbClr val="000000"/>
                   </a:solidFill>
@@ -3832,7 +3834,7 @@
             </a:ln>
             <a:extLst>
               <a:ext uri="{91240B29-F687-4f45-9708-019B960494DF}">
-                <a14:hiddenLine xmlns="" xmlns:a14="http://schemas.microsoft.com/office/drawing/2010/main" w="9525">
+                <a14:hiddenLine xmlns:a14="http://schemas.microsoft.com/office/drawing/2010/main" xmlns="" w="9525">
                   <a:solidFill>
                     <a:srgbClr val="000000"/>
                   </a:solidFill>
@@ -3922,7 +3924,7 @@
             </a:ln>
             <a:extLst>
               <a:ext uri="{91240B29-F687-4f45-9708-019B960494DF}">
-                <a14:hiddenLine xmlns="" xmlns:a14="http://schemas.microsoft.com/office/drawing/2010/main" w="9525">
+                <a14:hiddenLine xmlns:a14="http://schemas.microsoft.com/office/drawing/2010/main" xmlns="" w="9525">
                   <a:solidFill>
                     <a:srgbClr val="000000"/>
                   </a:solidFill>
@@ -3984,7 +3986,7 @@
             </a:ln>
             <a:extLst>
               <a:ext uri="{91240B29-F687-4f45-9708-019B960494DF}">
-                <a14:hiddenLine xmlns="" xmlns:a14="http://schemas.microsoft.com/office/drawing/2010/main" w="9525">
+                <a14:hiddenLine xmlns:a14="http://schemas.microsoft.com/office/drawing/2010/main" xmlns="" w="9525">
                   <a:solidFill>
                     <a:srgbClr val="000000"/>
                   </a:solidFill>
@@ -4074,7 +4076,7 @@
             </a:ln>
             <a:extLst>
               <a:ext uri="{91240B29-F687-4f45-9708-019B960494DF}">
-                <a14:hiddenLine xmlns="" xmlns:a14="http://schemas.microsoft.com/office/drawing/2010/main" w="9525">
+                <a14:hiddenLine xmlns:a14="http://schemas.microsoft.com/office/drawing/2010/main" xmlns="" w="9525">
                   <a:solidFill>
                     <a:srgbClr val="000000"/>
                   </a:solidFill>
@@ -4164,7 +4166,7 @@
             </a:ln>
             <a:extLst>
               <a:ext uri="{91240B29-F687-4f45-9708-019B960494DF}">
-                <a14:hiddenLine xmlns="" xmlns:a14="http://schemas.microsoft.com/office/drawing/2010/main" w="9525">
+                <a14:hiddenLine xmlns:a14="http://schemas.microsoft.com/office/drawing/2010/main" xmlns="" w="9525">
                   <a:solidFill>
                     <a:srgbClr val="000000"/>
                   </a:solidFill>
@@ -4229,7 +4231,7 @@
             </a:ln>
             <a:extLst>
               <a:ext uri="{91240B29-F687-4f45-9708-019B960494DF}">
-                <a14:hiddenLine xmlns="" xmlns:a14="http://schemas.microsoft.com/office/drawing/2010/main" w="9525">
+                <a14:hiddenLine xmlns:a14="http://schemas.microsoft.com/office/drawing/2010/main" xmlns="" w="9525">
                   <a:solidFill>
                     <a:srgbClr val="000000"/>
                   </a:solidFill>
@@ -4291,7 +4293,7 @@
             </a:ln>
             <a:extLst>
               <a:ext uri="{91240B29-F687-4f45-9708-019B960494DF}">
-                <a14:hiddenLine xmlns="" xmlns:a14="http://schemas.microsoft.com/office/drawing/2010/main" w="9525">
+                <a14:hiddenLine xmlns:a14="http://schemas.microsoft.com/office/drawing/2010/main" xmlns="" w="9525">
                   <a:solidFill>
                     <a:srgbClr val="000000"/>
                   </a:solidFill>
@@ -4381,7 +4383,7 @@
             </a:ln>
             <a:extLst>
               <a:ext uri="{91240B29-F687-4f45-9708-019B960494DF}">
-                <a14:hiddenLine xmlns="" xmlns:a14="http://schemas.microsoft.com/office/drawing/2010/main" w="9525">
+                <a14:hiddenLine xmlns:a14="http://schemas.microsoft.com/office/drawing/2010/main" xmlns="" w="9525">
                   <a:solidFill>
                     <a:srgbClr val="000000"/>
                   </a:solidFill>
@@ -4471,7 +4473,7 @@
             </a:ln>
             <a:extLst>
               <a:ext uri="{91240B29-F687-4f45-9708-019B960494DF}">
-                <a14:hiddenLine xmlns="" xmlns:a14="http://schemas.microsoft.com/office/drawing/2010/main" w="9525">
+                <a14:hiddenLine xmlns:a14="http://schemas.microsoft.com/office/drawing/2010/main" xmlns="" w="9525">
                   <a:solidFill>
                     <a:srgbClr val="000000"/>
                   </a:solidFill>
@@ -4533,7 +4535,7 @@
             </a:ln>
             <a:extLst>
               <a:ext uri="{91240B29-F687-4f45-9708-019B960494DF}">
-                <a14:hiddenLine xmlns="" xmlns:a14="http://schemas.microsoft.com/office/drawing/2010/main" w="9525">
+                <a14:hiddenLine xmlns:a14="http://schemas.microsoft.com/office/drawing/2010/main" xmlns="" w="9525">
                   <a:solidFill>
                     <a:srgbClr val="000000"/>
                   </a:solidFill>
@@ -4653,7 +4655,7 @@
             </a:ln>
             <a:extLst>
               <a:ext uri="{91240B29-F687-4f45-9708-019B960494DF}">
-                <a14:hiddenLine xmlns="" xmlns:a14="http://schemas.microsoft.com/office/drawing/2010/main" w="9525">
+                <a14:hiddenLine xmlns:a14="http://schemas.microsoft.com/office/drawing/2010/main" xmlns="" w="9525">
                   <a:solidFill>
                     <a:srgbClr val="000000"/>
                   </a:solidFill>
@@ -4721,7 +4723,7 @@
             </a:ln>
             <a:extLst>
               <a:ext uri="{91240B29-F687-4f45-9708-019B960494DF}">
-                <a14:hiddenLine xmlns="" xmlns:a14="http://schemas.microsoft.com/office/drawing/2010/main" w="9525">
+                <a14:hiddenLine xmlns:a14="http://schemas.microsoft.com/office/drawing/2010/main" xmlns="" w="9525">
                   <a:solidFill>
                     <a:srgbClr val="000000"/>
                   </a:solidFill>
@@ -4811,7 +4813,7 @@
             </a:ln>
             <a:extLst>
               <a:ext uri="{91240B29-F687-4f45-9708-019B960494DF}">
-                <a14:hiddenLine xmlns="" xmlns:a14="http://schemas.microsoft.com/office/drawing/2010/main" w="9525">
+                <a14:hiddenLine xmlns:a14="http://schemas.microsoft.com/office/drawing/2010/main" xmlns="" w="9525">
                   <a:solidFill>
                     <a:srgbClr val="000000"/>
                   </a:solidFill>
@@ -4951,7 +4953,7 @@
           <a:p>
             <a:fld id="{EC4347D3-4C9A-C240-8F14-750059DFEEB0}" type="datetimeFigureOut">
               <a:rPr lang="en-US" smtClean="0"/>
-              <a:t>8/9/23</a:t>
+              <a:t>8/21/23</a:t>
             </a:fld>
             <a:endParaRPr lang="en-US"/>
           </a:p>
@@ -5218,7 +5220,7 @@
           <a:p>
             <a:fld id="{EC4347D3-4C9A-C240-8F14-750059DFEEB0}" type="datetimeFigureOut">
               <a:rPr lang="en-US" smtClean="0"/>
-              <a:t>8/9/23</a:t>
+              <a:t>8/21/23</a:t>
             </a:fld>
             <a:endParaRPr lang="en-US"/>
           </a:p>
@@ -5414,7 +5416,7 @@
           <a:p>
             <a:fld id="{EC4347D3-4C9A-C240-8F14-750059DFEEB0}" type="datetimeFigureOut">
               <a:rPr lang="en-US" smtClean="0"/>
-              <a:t>8/9/23</a:t>
+              <a:t>8/21/23</a:t>
             </a:fld>
             <a:endParaRPr lang="en-US"/>
           </a:p>
@@ -5677,7 +5679,7 @@
           <a:p>
             <a:fld id="{EC4347D3-4C9A-C240-8F14-750059DFEEB0}" type="datetimeFigureOut">
               <a:rPr lang="en-US" smtClean="0"/>
-              <a:t>8/9/23</a:t>
+              <a:t>8/21/23</a:t>
             </a:fld>
             <a:endParaRPr lang="en-US"/>
           </a:p>
@@ -6111,7 +6113,7 @@
           <a:p>
             <a:fld id="{EC4347D3-4C9A-C240-8F14-750059DFEEB0}" type="datetimeFigureOut">
               <a:rPr lang="en-US" smtClean="0"/>
-              <a:t>8/9/23</a:t>
+              <a:t>8/21/23</a:t>
             </a:fld>
             <a:endParaRPr lang="en-US"/>
           </a:p>
@@ -6657,7 +6659,7 @@
           <a:p>
             <a:fld id="{EC4347D3-4C9A-C240-8F14-750059DFEEB0}" type="datetimeFigureOut">
               <a:rPr lang="en-US" smtClean="0"/>
-              <a:t>8/9/23</a:t>
+              <a:t>8/21/23</a:t>
             </a:fld>
             <a:endParaRPr lang="en-US"/>
           </a:p>
@@ -7377,7 +7379,7 @@
           <a:p>
             <a:fld id="{EC4347D3-4C9A-C240-8F14-750059DFEEB0}" type="datetimeFigureOut">
               <a:rPr lang="en-US" smtClean="0"/>
-              <a:t>8/9/23</a:t>
+              <a:t>8/21/23</a:t>
             </a:fld>
             <a:endParaRPr lang="en-US"/>
           </a:p>
@@ -7547,7 +7549,7 @@
           <a:p>
             <a:fld id="{EC4347D3-4C9A-C240-8F14-750059DFEEB0}" type="datetimeFigureOut">
               <a:rPr lang="en-US" smtClean="0"/>
-              <a:t>8/9/23</a:t>
+              <a:t>8/21/23</a:t>
             </a:fld>
             <a:endParaRPr lang="en-US"/>
           </a:p>
@@ -7727,7 +7729,7 @@
           <a:p>
             <a:fld id="{EC4347D3-4C9A-C240-8F14-750059DFEEB0}" type="datetimeFigureOut">
               <a:rPr lang="en-US" smtClean="0"/>
-              <a:t>8/9/23</a:t>
+              <a:t>8/21/23</a:t>
             </a:fld>
             <a:endParaRPr lang="en-US"/>
           </a:p>
@@ -7897,7 +7899,7 @@
           <a:p>
             <a:fld id="{EC4347D3-4C9A-C240-8F14-750059DFEEB0}" type="datetimeFigureOut">
               <a:rPr lang="en-US" smtClean="0"/>
-              <a:t>8/9/23</a:t>
+              <a:t>8/21/23</a:t>
             </a:fld>
             <a:endParaRPr lang="en-US"/>
           </a:p>
@@ -8147,7 +8149,7 @@
           <a:p>
             <a:fld id="{EC4347D3-4C9A-C240-8F14-750059DFEEB0}" type="datetimeFigureOut">
               <a:rPr lang="en-US" smtClean="0"/>
-              <a:t>8/9/23</a:t>
+              <a:t>8/21/23</a:t>
             </a:fld>
             <a:endParaRPr lang="en-US"/>
           </a:p>
@@ -8379,7 +8381,7 @@
           <a:p>
             <a:fld id="{EC4347D3-4C9A-C240-8F14-750059DFEEB0}" type="datetimeFigureOut">
               <a:rPr lang="en-US" smtClean="0"/>
-              <a:t>8/9/23</a:t>
+              <a:t>8/21/23</a:t>
             </a:fld>
             <a:endParaRPr lang="en-US"/>
           </a:p>
@@ -8765,7 +8767,7 @@
           <a:p>
             <a:fld id="{EC4347D3-4C9A-C240-8F14-750059DFEEB0}" type="datetimeFigureOut">
               <a:rPr lang="en-US" smtClean="0"/>
-              <a:t>8/9/23</a:t>
+              <a:t>8/21/23</a:t>
             </a:fld>
             <a:endParaRPr lang="en-US"/>
           </a:p>
@@ -8888,7 +8890,7 @@
           <a:p>
             <a:fld id="{EC4347D3-4C9A-C240-8F14-750059DFEEB0}" type="datetimeFigureOut">
               <a:rPr lang="en-US" smtClean="0"/>
-              <a:t>8/9/23</a:t>
+              <a:t>8/21/23</a:t>
             </a:fld>
             <a:endParaRPr lang="en-US"/>
           </a:p>
@@ -8983,7 +8985,7 @@
           <a:p>
             <a:fld id="{EC4347D3-4C9A-C240-8F14-750059DFEEB0}" type="datetimeFigureOut">
               <a:rPr lang="en-US" smtClean="0"/>
-              <a:t>8/9/23</a:t>
+              <a:t>8/21/23</a:t>
             </a:fld>
             <a:endParaRPr lang="en-US"/>
           </a:p>
@@ -9232,7 +9234,7 @@
           <a:p>
             <a:fld id="{EC4347D3-4C9A-C240-8F14-750059DFEEB0}" type="datetimeFigureOut">
               <a:rPr lang="en-US" smtClean="0"/>
-              <a:t>8/9/23</a:t>
+              <a:t>8/21/23</a:t>
             </a:fld>
             <a:endParaRPr lang="en-US"/>
           </a:p>
@@ -9517,7 +9519,7 @@
           <a:p>
             <a:fld id="{EC4347D3-4C9A-C240-8F14-750059DFEEB0}" type="datetimeFigureOut">
               <a:rPr lang="en-US" smtClean="0"/>
-              <a:t>8/9/23</a:t>
+              <a:t>8/21/23</a:t>
             </a:fld>
             <a:endParaRPr lang="en-US"/>
           </a:p>
@@ -9640,7 +9642,7 @@
           <a:noFill/>
           <a:extLst>
             <a:ext uri="{909E8E84-426E-40dd-AFC4-6F175D3DCCD1}">
-              <a14:hiddenFill xmlns="" xmlns:a14="http://schemas.microsoft.com/office/drawing/2010/main">
+              <a14:hiddenFill xmlns:a14="http://schemas.microsoft.com/office/drawing/2010/main" xmlns="">
                 <a:solidFill>
                   <a:srgbClr val="FFFFFF"/>
                 </a:solidFill>
@@ -9714,7 +9716,7 @@
               </a:ln>
               <a:extLst>
                 <a:ext uri="{91240B29-F687-4f45-9708-019B960494DF}">
-                  <a14:hiddenLine xmlns="" xmlns:a14="http://schemas.microsoft.com/office/drawing/2010/main" w="9525">
+                  <a14:hiddenLine xmlns:a14="http://schemas.microsoft.com/office/drawing/2010/main" xmlns="" w="9525">
                     <a:solidFill>
                       <a:srgbClr val="000000"/>
                     </a:solidFill>
@@ -9804,7 +9806,7 @@
               </a:ln>
               <a:extLst>
                 <a:ext uri="{91240B29-F687-4f45-9708-019B960494DF}">
-                  <a14:hiddenLine xmlns="" xmlns:a14="http://schemas.microsoft.com/office/drawing/2010/main" w="9525">
+                  <a14:hiddenLine xmlns:a14="http://schemas.microsoft.com/office/drawing/2010/main" xmlns="" w="9525">
                     <a:solidFill>
                       <a:srgbClr val="000000"/>
                     </a:solidFill>
@@ -9894,7 +9896,7 @@
               </a:ln>
               <a:extLst>
                 <a:ext uri="{91240B29-F687-4f45-9708-019B960494DF}">
-                  <a14:hiddenLine xmlns="" xmlns:a14="http://schemas.microsoft.com/office/drawing/2010/main" w="9525">
+                  <a14:hiddenLine xmlns:a14="http://schemas.microsoft.com/office/drawing/2010/main" xmlns="" w="9525">
                     <a:solidFill>
                       <a:srgbClr val="000000"/>
                     </a:solidFill>
@@ -9956,7 +9958,7 @@
               </a:ln>
               <a:extLst>
                 <a:ext uri="{91240B29-F687-4f45-9708-019B960494DF}">
-                  <a14:hiddenLine xmlns="" xmlns:a14="http://schemas.microsoft.com/office/drawing/2010/main" w="9525">
+                  <a14:hiddenLine xmlns:a14="http://schemas.microsoft.com/office/drawing/2010/main" xmlns="" w="9525">
                     <a:solidFill>
                       <a:srgbClr val="000000"/>
                     </a:solidFill>
@@ -10046,7 +10048,7 @@
               </a:ln>
               <a:extLst>
                 <a:ext uri="{91240B29-F687-4f45-9708-019B960494DF}">
-                  <a14:hiddenLine xmlns="" xmlns:a14="http://schemas.microsoft.com/office/drawing/2010/main" w="9525">
+                  <a14:hiddenLine xmlns:a14="http://schemas.microsoft.com/office/drawing/2010/main" xmlns="" w="9525">
                     <a:solidFill>
                       <a:srgbClr val="000000"/>
                     </a:solidFill>
@@ -10108,7 +10110,7 @@
               </a:ln>
               <a:extLst>
                 <a:ext uri="{91240B29-F687-4f45-9708-019B960494DF}">
-                  <a14:hiddenLine xmlns="" xmlns:a14="http://schemas.microsoft.com/office/drawing/2010/main" w="9525">
+                  <a14:hiddenLine xmlns:a14="http://schemas.microsoft.com/office/drawing/2010/main" xmlns="" w="9525">
                     <a:solidFill>
                       <a:srgbClr val="000000"/>
                     </a:solidFill>
@@ -10170,7 +10172,7 @@
               </a:ln>
               <a:extLst>
                 <a:ext uri="{91240B29-F687-4f45-9708-019B960494DF}">
-                  <a14:hiddenLine xmlns="" xmlns:a14="http://schemas.microsoft.com/office/drawing/2010/main" w="9525">
+                  <a14:hiddenLine xmlns:a14="http://schemas.microsoft.com/office/drawing/2010/main" xmlns="" w="9525">
                     <a:solidFill>
                       <a:srgbClr val="000000"/>
                     </a:solidFill>
@@ -10260,7 +10262,7 @@
               </a:ln>
               <a:extLst>
                 <a:ext uri="{91240B29-F687-4f45-9708-019B960494DF}">
-                  <a14:hiddenLine xmlns="" xmlns:a14="http://schemas.microsoft.com/office/drawing/2010/main" w="9525">
+                  <a14:hiddenLine xmlns:a14="http://schemas.microsoft.com/office/drawing/2010/main" xmlns="" w="9525">
                     <a:solidFill>
                       <a:srgbClr val="000000"/>
                     </a:solidFill>
@@ -10350,7 +10352,7 @@
               </a:ln>
               <a:extLst>
                 <a:ext uri="{91240B29-F687-4f45-9708-019B960494DF}">
-                  <a14:hiddenLine xmlns="" xmlns:a14="http://schemas.microsoft.com/office/drawing/2010/main" w="9525">
+                  <a14:hiddenLine xmlns:a14="http://schemas.microsoft.com/office/drawing/2010/main" xmlns="" w="9525">
                     <a:solidFill>
                       <a:srgbClr val="000000"/>
                     </a:solidFill>
@@ -10412,7 +10414,7 @@
               </a:ln>
               <a:extLst>
                 <a:ext uri="{91240B29-F687-4f45-9708-019B960494DF}">
-                  <a14:hiddenLine xmlns="" xmlns:a14="http://schemas.microsoft.com/office/drawing/2010/main" w="9525">
+                  <a14:hiddenLine xmlns:a14="http://schemas.microsoft.com/office/drawing/2010/main" xmlns="" w="9525">
                     <a:solidFill>
                       <a:srgbClr val="000000"/>
                     </a:solidFill>
@@ -10522,7 +10524,7 @@
               </a:ln>
               <a:extLst>
                 <a:ext uri="{91240B29-F687-4f45-9708-019B960494DF}">
-                  <a14:hiddenLine xmlns="" xmlns:a14="http://schemas.microsoft.com/office/drawing/2010/main" w="9525">
+                  <a14:hiddenLine xmlns:a14="http://schemas.microsoft.com/office/drawing/2010/main" xmlns="" w="9525">
                     <a:solidFill>
                       <a:srgbClr val="000000"/>
                     </a:solidFill>
@@ -10606,7 +10608,7 @@
               </a:ln>
               <a:extLst>
                 <a:ext uri="{91240B29-F687-4f45-9708-019B960494DF}">
-                  <a14:hiddenLine xmlns="" xmlns:a14="http://schemas.microsoft.com/office/drawing/2010/main" w="9525">
+                  <a14:hiddenLine xmlns:a14="http://schemas.microsoft.com/office/drawing/2010/main" xmlns="" w="9525">
                     <a:solidFill>
                       <a:srgbClr val="000000"/>
                     </a:solidFill>
@@ -10668,7 +10670,7 @@
               </a:ln>
               <a:extLst>
                 <a:ext uri="{91240B29-F687-4f45-9708-019B960494DF}">
-                  <a14:hiddenLine xmlns="" xmlns:a14="http://schemas.microsoft.com/office/drawing/2010/main" w="9525">
+                  <a14:hiddenLine xmlns:a14="http://schemas.microsoft.com/office/drawing/2010/main" xmlns="" w="9525">
                     <a:solidFill>
                       <a:srgbClr val="000000"/>
                     </a:solidFill>
@@ -10730,7 +10732,7 @@
               </a:ln>
               <a:extLst>
                 <a:ext uri="{91240B29-F687-4f45-9708-019B960494DF}">
-                  <a14:hiddenLine xmlns="" xmlns:a14="http://schemas.microsoft.com/office/drawing/2010/main" w="9525">
+                  <a14:hiddenLine xmlns:a14="http://schemas.microsoft.com/office/drawing/2010/main" xmlns="" w="9525">
                     <a:solidFill>
                       <a:srgbClr val="000000"/>
                     </a:solidFill>
@@ -10820,7 +10822,7 @@
               </a:ln>
               <a:extLst>
                 <a:ext uri="{91240B29-F687-4f45-9708-019B960494DF}">
-                  <a14:hiddenLine xmlns="" xmlns:a14="http://schemas.microsoft.com/office/drawing/2010/main" w="9525">
+                  <a14:hiddenLine xmlns:a14="http://schemas.microsoft.com/office/drawing/2010/main" xmlns="" w="9525">
                     <a:solidFill>
                       <a:srgbClr val="000000"/>
                     </a:solidFill>
@@ -10854,7 +10856,7 @@
               </a:ln>
               <a:extLst>
                 <a:ext uri="{91240B29-F687-4f45-9708-019B960494DF}">
-                  <a14:hiddenLine xmlns="" xmlns:a14="http://schemas.microsoft.com/office/drawing/2010/main" w="9525">
+                  <a14:hiddenLine xmlns:a14="http://schemas.microsoft.com/office/drawing/2010/main" xmlns="" w="9525">
                     <a:solidFill>
                       <a:srgbClr val="000000"/>
                     </a:solidFill>
@@ -10919,7 +10921,7 @@
               </a:ln>
               <a:extLst>
                 <a:ext uri="{91240B29-F687-4f45-9708-019B960494DF}">
-                  <a14:hiddenLine xmlns="" xmlns:a14="http://schemas.microsoft.com/office/drawing/2010/main" w="9525">
+                  <a14:hiddenLine xmlns:a14="http://schemas.microsoft.com/office/drawing/2010/main" xmlns="" w="9525">
                     <a:solidFill>
                       <a:srgbClr val="000000"/>
                     </a:solidFill>
@@ -11009,7 +11011,7 @@
               </a:ln>
               <a:extLst>
                 <a:ext uri="{91240B29-F687-4f45-9708-019B960494DF}">
-                  <a14:hiddenLine xmlns="" xmlns:a14="http://schemas.microsoft.com/office/drawing/2010/main" w="9525">
+                  <a14:hiddenLine xmlns:a14="http://schemas.microsoft.com/office/drawing/2010/main" xmlns="" w="9525">
                     <a:solidFill>
                       <a:srgbClr val="000000"/>
                     </a:solidFill>
@@ -11071,7 +11073,7 @@
               </a:ln>
               <a:extLst>
                 <a:ext uri="{91240B29-F687-4f45-9708-019B960494DF}">
-                  <a14:hiddenLine xmlns="" xmlns:a14="http://schemas.microsoft.com/office/drawing/2010/main" w="9525">
+                  <a14:hiddenLine xmlns:a14="http://schemas.microsoft.com/office/drawing/2010/main" xmlns="" w="9525">
                     <a:solidFill>
                       <a:srgbClr val="000000"/>
                     </a:solidFill>
@@ -11161,7 +11163,7 @@
               </a:ln>
               <a:extLst>
                 <a:ext uri="{91240B29-F687-4f45-9708-019B960494DF}">
-                  <a14:hiddenLine xmlns="" xmlns:a14="http://schemas.microsoft.com/office/drawing/2010/main" w="9525">
+                  <a14:hiddenLine xmlns:a14="http://schemas.microsoft.com/office/drawing/2010/main" xmlns="" w="9525">
                     <a:solidFill>
                       <a:srgbClr val="000000"/>
                     </a:solidFill>
@@ -11226,7 +11228,7 @@
               </a:ln>
               <a:extLst>
                 <a:ext uri="{91240B29-F687-4f45-9708-019B960494DF}">
-                  <a14:hiddenLine xmlns="" xmlns:a14="http://schemas.microsoft.com/office/drawing/2010/main" w="9525">
+                  <a14:hiddenLine xmlns:a14="http://schemas.microsoft.com/office/drawing/2010/main" xmlns="" w="9525">
                     <a:solidFill>
                       <a:srgbClr val="000000"/>
                     </a:solidFill>
@@ -11288,7 +11290,7 @@
               </a:ln>
               <a:extLst>
                 <a:ext uri="{91240B29-F687-4f45-9708-019B960494DF}">
-                  <a14:hiddenLine xmlns="" xmlns:a14="http://schemas.microsoft.com/office/drawing/2010/main" w="9525">
+                  <a14:hiddenLine xmlns:a14="http://schemas.microsoft.com/office/drawing/2010/main" xmlns="" w="9525">
                     <a:solidFill>
                       <a:srgbClr val="000000"/>
                     </a:solidFill>
@@ -11378,7 +11380,7 @@
               </a:ln>
               <a:extLst>
                 <a:ext uri="{91240B29-F687-4f45-9708-019B960494DF}">
-                  <a14:hiddenLine xmlns="" xmlns:a14="http://schemas.microsoft.com/office/drawing/2010/main" w="9525">
+                  <a14:hiddenLine xmlns:a14="http://schemas.microsoft.com/office/drawing/2010/main" xmlns="" w="9525">
                     <a:solidFill>
                       <a:srgbClr val="000000"/>
                     </a:solidFill>
@@ -11468,7 +11470,7 @@
               </a:ln>
               <a:extLst>
                 <a:ext uri="{91240B29-F687-4f45-9708-019B960494DF}">
-                  <a14:hiddenLine xmlns="" xmlns:a14="http://schemas.microsoft.com/office/drawing/2010/main" w="9525">
+                  <a14:hiddenLine xmlns:a14="http://schemas.microsoft.com/office/drawing/2010/main" xmlns="" w="9525">
                     <a:solidFill>
                       <a:srgbClr val="000000"/>
                     </a:solidFill>
@@ -11533,7 +11535,7 @@
               </a:ln>
               <a:extLst>
                 <a:ext uri="{91240B29-F687-4f45-9708-019B960494DF}">
-                  <a14:hiddenLine xmlns="" xmlns:a14="http://schemas.microsoft.com/office/drawing/2010/main" w="9525">
+                  <a14:hiddenLine xmlns:a14="http://schemas.microsoft.com/office/drawing/2010/main" xmlns="" w="9525">
                     <a:solidFill>
                       <a:srgbClr val="000000"/>
                     </a:solidFill>
@@ -11653,7 +11655,7 @@
               </a:ln>
               <a:extLst>
                 <a:ext uri="{91240B29-F687-4f45-9708-019B960494DF}">
-                  <a14:hiddenLine xmlns="" xmlns:a14="http://schemas.microsoft.com/office/drawing/2010/main" w="9525">
+                  <a14:hiddenLine xmlns:a14="http://schemas.microsoft.com/office/drawing/2010/main" xmlns="" w="9525">
                     <a:solidFill>
                       <a:srgbClr val="000000"/>
                     </a:solidFill>
@@ -11734,7 +11736,7 @@
               </a:ln>
               <a:extLst>
                 <a:ext uri="{91240B29-F687-4f45-9708-019B960494DF}">
-                  <a14:hiddenLine xmlns="" xmlns:a14="http://schemas.microsoft.com/office/drawing/2010/main" w="9525">
+                  <a14:hiddenLine xmlns:a14="http://schemas.microsoft.com/office/drawing/2010/main" xmlns="" w="9525">
                     <a:solidFill>
                       <a:srgbClr val="000000"/>
                     </a:solidFill>
@@ -11849,7 +11851,7 @@
               </a:ln>
               <a:extLst>
                 <a:ext uri="{91240B29-F687-4f45-9708-019B960494DF}">
-                  <a14:hiddenLine xmlns="" xmlns:a14="http://schemas.microsoft.com/office/drawing/2010/main" w="9525">
+                  <a14:hiddenLine xmlns:a14="http://schemas.microsoft.com/office/drawing/2010/main" xmlns="" w="9525">
                     <a:solidFill>
                       <a:srgbClr val="000000"/>
                     </a:solidFill>
@@ -11939,7 +11941,7 @@
               </a:ln>
               <a:extLst>
                 <a:ext uri="{91240B29-F687-4f45-9708-019B960494DF}">
-                  <a14:hiddenLine xmlns="" xmlns:a14="http://schemas.microsoft.com/office/drawing/2010/main" w="9525">
+                  <a14:hiddenLine xmlns:a14="http://schemas.microsoft.com/office/drawing/2010/main" xmlns="" w="9525">
                     <a:solidFill>
                       <a:srgbClr val="000000"/>
                     </a:solidFill>
@@ -12004,7 +12006,7 @@
               </a:ln>
               <a:extLst>
                 <a:ext uri="{91240B29-F687-4f45-9708-019B960494DF}">
-                  <a14:hiddenLine xmlns="" xmlns:a14="http://schemas.microsoft.com/office/drawing/2010/main" w="9525">
+                  <a14:hiddenLine xmlns:a14="http://schemas.microsoft.com/office/drawing/2010/main" xmlns="" w="9525">
                     <a:solidFill>
                       <a:srgbClr val="000000"/>
                     </a:solidFill>
@@ -12094,7 +12096,7 @@
               </a:ln>
               <a:extLst>
                 <a:ext uri="{91240B29-F687-4f45-9708-019B960494DF}">
-                  <a14:hiddenLine xmlns="" xmlns:a14="http://schemas.microsoft.com/office/drawing/2010/main" w="9525">
+                  <a14:hiddenLine xmlns:a14="http://schemas.microsoft.com/office/drawing/2010/main" xmlns="" w="9525">
                     <a:solidFill>
                       <a:srgbClr val="000000"/>
                     </a:solidFill>
@@ -12162,7 +12164,7 @@
               </a:ln>
               <a:extLst>
                 <a:ext uri="{91240B29-F687-4f45-9708-019B960494DF}">
-                  <a14:hiddenLine xmlns="" xmlns:a14="http://schemas.microsoft.com/office/drawing/2010/main" w="9525">
+                  <a14:hiddenLine xmlns:a14="http://schemas.microsoft.com/office/drawing/2010/main" xmlns="" w="9525">
                     <a:solidFill>
                       <a:srgbClr val="000000"/>
                     </a:solidFill>
@@ -12252,7 +12254,7 @@
               </a:ln>
               <a:extLst>
                 <a:ext uri="{91240B29-F687-4f45-9708-019B960494DF}">
-                  <a14:hiddenLine xmlns="" xmlns:a14="http://schemas.microsoft.com/office/drawing/2010/main" w="9525">
+                  <a14:hiddenLine xmlns:a14="http://schemas.microsoft.com/office/drawing/2010/main" xmlns="" w="9525">
                     <a:solidFill>
                       <a:srgbClr val="000000"/>
                     </a:solidFill>
@@ -12320,7 +12322,7 @@
               </a:ln>
               <a:extLst>
                 <a:ext uri="{91240B29-F687-4f45-9708-019B960494DF}">
-                  <a14:hiddenLine xmlns="" xmlns:a14="http://schemas.microsoft.com/office/drawing/2010/main" w="9525">
+                  <a14:hiddenLine xmlns:a14="http://schemas.microsoft.com/office/drawing/2010/main" xmlns="" w="9525">
                     <a:solidFill>
                       <a:srgbClr val="000000"/>
                     </a:solidFill>
@@ -12410,7 +12412,7 @@
               </a:ln>
               <a:extLst>
                 <a:ext uri="{91240B29-F687-4f45-9708-019B960494DF}">
-                  <a14:hiddenLine xmlns="" xmlns:a14="http://schemas.microsoft.com/office/drawing/2010/main" w="9525">
+                  <a14:hiddenLine xmlns:a14="http://schemas.microsoft.com/office/drawing/2010/main" xmlns="" w="9525">
                     <a:solidFill>
                       <a:srgbClr val="000000"/>
                     </a:solidFill>
@@ -12444,7 +12446,7 @@
               </a:ln>
               <a:extLst>
                 <a:ext uri="{91240B29-F687-4f45-9708-019B960494DF}">
-                  <a14:hiddenLine xmlns="" xmlns:a14="http://schemas.microsoft.com/office/drawing/2010/main" w="9525">
+                  <a14:hiddenLine xmlns:a14="http://schemas.microsoft.com/office/drawing/2010/main" xmlns="" w="9525">
                     <a:solidFill>
                       <a:srgbClr val="000000"/>
                     </a:solidFill>
@@ -12584,7 +12586,7 @@
           <a:p>
             <a:fld id="{EC4347D3-4C9A-C240-8F14-750059DFEEB0}" type="datetimeFigureOut">
               <a:rPr lang="en-US" smtClean="0"/>
-              <a:t>8/9/23</a:t>
+              <a:t>8/21/23</a:t>
             </a:fld>
             <a:endParaRPr lang="en-US"/>
           </a:p>
@@ -13120,3364 +13122,6 @@
       </p:grpSpPr>
       <p:sp>
         <p:nvSpPr>
-          <p:cNvPr id="2" name="Title 1"/>
-          <p:cNvSpPr>
-            <a:spLocks noGrp="1"/>
-          </p:cNvSpPr>
-          <p:nvPr>
-            <p:ph type="title"/>
-          </p:nvPr>
-        </p:nvSpPr>
-        <p:spPr>
-          <a:xfrm>
-            <a:off x="1141413" y="417551"/>
-            <a:ext cx="9905998" cy="783227"/>
-          </a:xfrm>
-        </p:spPr>
-        <p:txBody>
-          <a:bodyPr>
-            <a:normAutofit/>
-          </a:bodyPr>
-          <a:lstStyle/>
-          <a:p>
-            <a:pPr algn="ctr"/>
-            <a:r>
-              <a:rPr lang="en-US" dirty="0"/>
-              <a:t>Modules (Cont’d)</a:t>
-            </a:r>
-          </a:p>
-        </p:txBody>
-      </p:sp>
-      <p:sp>
-        <p:nvSpPr>
-          <p:cNvPr id="3" name="Content Placeholder 2"/>
-          <p:cNvSpPr>
-            <a:spLocks noGrp="1"/>
-          </p:cNvSpPr>
-          <p:nvPr>
-            <p:ph idx="1"/>
-          </p:nvPr>
-        </p:nvSpPr>
-        <p:spPr>
-          <a:xfrm>
-            <a:off x="1905000" y="1600200"/>
-            <a:ext cx="8665139" cy="4449744"/>
-          </a:xfrm>
-        </p:spPr>
-        <p:txBody>
-          <a:bodyPr>
-            <a:normAutofit/>
-          </a:bodyPr>
-          <a:lstStyle/>
-          <a:p>
-            <a:r>
-              <a:rPr lang="en-US" i="1" dirty="0"/>
-              <a:t>Most modules are 4-6 lectures worth of content, some are a bit more.</a:t>
-            </a:r>
-          </a:p>
-          <a:p>
-            <a:endParaRPr lang="en-US" i="1" dirty="0"/>
-          </a:p>
-          <a:p>
-            <a:r>
-              <a:rPr lang="en-US" i="1" dirty="0"/>
-              <a:t>Each module involves:</a:t>
-            </a:r>
-          </a:p>
-          <a:p>
-            <a:pPr lvl="1"/>
-            <a:r>
-              <a:rPr lang="en-US" i="1" dirty="0"/>
-              <a:t>~5 lectures worth of content</a:t>
-            </a:r>
-          </a:p>
-          <a:p>
-            <a:pPr lvl="1"/>
-            <a:r>
-              <a:rPr lang="en-US" i="1" dirty="0"/>
-              <a:t>1 or 2 </a:t>
-            </a:r>
-            <a:r>
-              <a:rPr lang="en-US" dirty="0"/>
-              <a:t>homework assignments (usually just one though)</a:t>
-            </a:r>
-          </a:p>
-          <a:p>
-            <a:pPr lvl="1"/>
-            <a:r>
-              <a:rPr lang="en-US" i="1" dirty="0"/>
-              <a:t>1 quiz (assessment)</a:t>
-            </a:r>
-          </a:p>
-          <a:p>
-            <a:pPr lvl="1"/>
-            <a:endParaRPr lang="en-US" i="1" dirty="0"/>
-          </a:p>
-          <a:p>
-            <a:r>
-              <a:rPr lang="en-US" i="1" dirty="0"/>
-              <a:t>In addition there is one other quiz, the final exam quiz (more on this later)</a:t>
-            </a:r>
-          </a:p>
-          <a:p>
-            <a:pPr lvl="1"/>
-            <a:endParaRPr lang="en-US" i="1" dirty="0"/>
-          </a:p>
-          <a:p>
-            <a:endParaRPr lang="en-US" i="1" dirty="0"/>
-          </a:p>
-        </p:txBody>
-      </p:sp>
-      <p:sp>
-        <p:nvSpPr>
-          <p:cNvPr id="4" name="Slide Number Placeholder 3"/>
-          <p:cNvSpPr>
-            <a:spLocks noGrp="1"/>
-          </p:cNvSpPr>
-          <p:nvPr>
-            <p:ph type="sldNum" sz="quarter" idx="12"/>
-          </p:nvPr>
-        </p:nvSpPr>
-        <p:spPr/>
-        <p:txBody>
-          <a:bodyPr/>
-          <a:lstStyle/>
-          <a:p>
-            <a:fld id="{F26D9103-0C5C-48AC-B68E-3ED2C1647047}" type="slidenum">
-              <a:rPr lang="en-US" smtClean="0"/>
-              <a:pPr/>
-              <a:t>10</a:t>
-            </a:fld>
-            <a:endParaRPr lang="en-US"/>
-          </a:p>
-        </p:txBody>
-      </p:sp>
-    </p:spTree>
-    <p:extLst>
-      <p:ext uri="{BB962C8B-B14F-4D97-AF65-F5344CB8AC3E}">
-        <p14:creationId xmlns:p14="http://schemas.microsoft.com/office/powerpoint/2010/main" val="3198794026"/>
-      </p:ext>
-    </p:extLst>
-  </p:cSld>
-  <p:clrMapOvr>
-    <a:masterClrMapping/>
-  </p:clrMapOvr>
-</p:sld>
-</file>
-
-<file path=ppt/slides/slide11.xml><?xml version="1.0" encoding="utf-8"?>
-<p:sld xmlns:a="http://schemas.openxmlformats.org/drawingml/2006/main" xmlns:r="http://schemas.openxmlformats.org/officeDocument/2006/relationships" xmlns:p="http://schemas.openxmlformats.org/presentationml/2006/main">
-  <p:cSld>
-    <p:spTree>
-      <p:nvGrpSpPr>
-        <p:cNvPr id="1" name=""/>
-        <p:cNvGrpSpPr/>
-        <p:nvPr/>
-      </p:nvGrpSpPr>
-      <p:grpSpPr>
-        <a:xfrm>
-          <a:off x="0" y="0"/>
-          <a:ext cx="0" cy="0"/>
-          <a:chOff x="0" y="0"/>
-          <a:chExt cx="0" cy="0"/>
-        </a:xfrm>
-      </p:grpSpPr>
-      <p:sp>
-        <p:nvSpPr>
-          <p:cNvPr id="12290" name="Rectangle 2"/>
-          <p:cNvSpPr>
-            <a:spLocks noGrp="1" noChangeArrowheads="1"/>
-          </p:cNvSpPr>
-          <p:nvPr>
-            <p:ph type="title"/>
-          </p:nvPr>
-        </p:nvSpPr>
-        <p:spPr>
-          <a:xfrm>
-            <a:off x="1981200" y="312337"/>
-            <a:ext cx="8229600" cy="715945"/>
-          </a:xfrm>
-        </p:spPr>
-        <p:txBody>
-          <a:bodyPr/>
-          <a:lstStyle/>
-          <a:p>
-            <a:pPr algn="ctr"/>
-            <a:r>
-              <a:rPr lang="en-US" dirty="0"/>
-              <a:t>Quizzes</a:t>
-            </a:r>
-          </a:p>
-        </p:txBody>
-      </p:sp>
-      <p:sp>
-        <p:nvSpPr>
-          <p:cNvPr id="12291" name="Rectangle 3"/>
-          <p:cNvSpPr>
-            <a:spLocks noGrp="1" noChangeArrowheads="1"/>
-          </p:cNvSpPr>
-          <p:nvPr>
-            <p:ph idx="1"/>
-          </p:nvPr>
-        </p:nvSpPr>
-        <p:spPr>
-          <a:xfrm>
-            <a:off x="1012263" y="1245995"/>
-            <a:ext cx="10221795" cy="5245239"/>
-          </a:xfrm>
-        </p:spPr>
-        <p:txBody>
-          <a:bodyPr>
-            <a:normAutofit/>
-          </a:bodyPr>
-          <a:lstStyle/>
-          <a:p>
-            <a:r>
-              <a:rPr lang="en-US" dirty="0"/>
-              <a:t>Medium size assessments of your knowledge in each module</a:t>
-            </a:r>
-          </a:p>
-          <a:p>
-            <a:pPr lvl="1"/>
-            <a:r>
-              <a:rPr lang="en-US" dirty="0"/>
-              <a:t>Meant to ensure you have knowledge of the individual topics from lecture to a sufficient degree.</a:t>
-            </a:r>
-          </a:p>
-          <a:p>
-            <a:pPr lvl="1"/>
-            <a:r>
-              <a:rPr lang="en-US" dirty="0"/>
-              <a:t>Usually about two pages worth of traditional exam material.</a:t>
-            </a:r>
-          </a:p>
-          <a:p>
-            <a:endParaRPr lang="en-US" dirty="0"/>
-          </a:p>
-          <a:p>
-            <a:r>
-              <a:rPr lang="en-US" dirty="0"/>
-              <a:t>Quiz Schedule (I wanted this to be similar / modeled after a midterm schedule)</a:t>
-            </a:r>
-          </a:p>
-          <a:p>
-            <a:pPr lvl="1"/>
-            <a:r>
-              <a:rPr lang="en-US" sz="2000" dirty="0"/>
-              <a:t>Thu., Oct. 12			Mod 1-2</a:t>
-            </a:r>
-          </a:p>
-          <a:p>
-            <a:pPr lvl="1"/>
-            <a:r>
-              <a:rPr lang="en-US" sz="2000" dirty="0"/>
-              <a:t>Thu., Nov. 9			Mod 3-4</a:t>
-            </a:r>
-          </a:p>
-          <a:p>
-            <a:pPr lvl="1"/>
-            <a:r>
-              <a:rPr lang="en-US" sz="2000" dirty="0"/>
-              <a:t>Fri, Dec. 8 (Final Exa</a:t>
-            </a:r>
-            <a:r>
-              <a:rPr lang="en-US" dirty="0"/>
-              <a:t>m Day)</a:t>
-            </a:r>
-            <a:r>
-              <a:rPr lang="en-US" sz="2000" dirty="0"/>
-              <a:t>	</a:t>
-            </a:r>
-            <a:r>
-              <a:rPr lang="en-US" dirty="0"/>
-              <a:t>	</a:t>
-            </a:r>
-            <a:r>
-              <a:rPr lang="en-US" sz="2000" dirty="0"/>
-              <a:t>Mod 5, Final Exam Quiz, and optional 1-4 retakes</a:t>
-            </a:r>
-          </a:p>
-          <a:p>
-            <a:pPr lvl="1"/>
-            <a:endParaRPr lang="en-US" sz="2000" dirty="0"/>
-          </a:p>
-          <a:p>
-            <a:pPr lvl="1"/>
-            <a:endParaRPr lang="en-US" dirty="0"/>
-          </a:p>
-        </p:txBody>
-      </p:sp>
-      <p:sp>
-        <p:nvSpPr>
-          <p:cNvPr id="4" name="Slide Number Placeholder 3"/>
-          <p:cNvSpPr>
-            <a:spLocks noGrp="1"/>
-          </p:cNvSpPr>
-          <p:nvPr>
-            <p:ph type="sldNum" sz="quarter" idx="12"/>
-          </p:nvPr>
-        </p:nvSpPr>
-        <p:spPr/>
-        <p:txBody>
-          <a:bodyPr/>
-          <a:lstStyle/>
-          <a:p>
-            <a:fld id="{F26D9103-0C5C-48AC-B68E-3ED2C1647047}" type="slidenum">
-              <a:rPr lang="en-US" smtClean="0"/>
-              <a:pPr/>
-              <a:t>11</a:t>
-            </a:fld>
-            <a:endParaRPr lang="en-US"/>
-          </a:p>
-        </p:txBody>
-      </p:sp>
-    </p:spTree>
-    <p:extLst>
-      <p:ext uri="{BB962C8B-B14F-4D97-AF65-F5344CB8AC3E}">
-        <p14:creationId xmlns:p14="http://schemas.microsoft.com/office/powerpoint/2010/main" val="1895514943"/>
-      </p:ext>
-    </p:extLst>
-  </p:cSld>
-  <p:clrMapOvr>
-    <a:masterClrMapping/>
-  </p:clrMapOvr>
-</p:sld>
-</file>
-
-<file path=ppt/slides/slide12.xml><?xml version="1.0" encoding="utf-8"?>
-<p:sld xmlns:a="http://schemas.openxmlformats.org/drawingml/2006/main" xmlns:r="http://schemas.openxmlformats.org/officeDocument/2006/relationships" xmlns:p="http://schemas.openxmlformats.org/presentationml/2006/main">
-  <p:cSld>
-    <p:spTree>
-      <p:nvGrpSpPr>
-        <p:cNvPr id="1" name=""/>
-        <p:cNvGrpSpPr/>
-        <p:nvPr/>
-      </p:nvGrpSpPr>
-      <p:grpSpPr>
-        <a:xfrm>
-          <a:off x="0" y="0"/>
-          <a:ext cx="0" cy="0"/>
-          <a:chOff x="0" y="0"/>
-          <a:chExt cx="0" cy="0"/>
-        </a:xfrm>
-      </p:grpSpPr>
-      <p:sp>
-        <p:nvSpPr>
-          <p:cNvPr id="12290" name="Rectangle 2"/>
-          <p:cNvSpPr>
-            <a:spLocks noGrp="1" noChangeArrowheads="1"/>
-          </p:cNvSpPr>
-          <p:nvPr>
-            <p:ph type="title"/>
-          </p:nvPr>
-        </p:nvSpPr>
-        <p:spPr>
-          <a:xfrm>
-            <a:off x="1981200" y="381000"/>
-            <a:ext cx="8229600" cy="944545"/>
-          </a:xfrm>
-        </p:spPr>
-        <p:txBody>
-          <a:bodyPr/>
-          <a:lstStyle/>
-          <a:p>
-            <a:pPr algn="ctr"/>
-            <a:r>
-              <a:rPr lang="en-US" dirty="0"/>
-              <a:t>Quizzes</a:t>
-            </a:r>
-          </a:p>
-        </p:txBody>
-      </p:sp>
-      <p:sp>
-        <p:nvSpPr>
-          <p:cNvPr id="12291" name="Rectangle 3"/>
-          <p:cNvSpPr>
-            <a:spLocks noGrp="1" noChangeArrowheads="1"/>
-          </p:cNvSpPr>
-          <p:nvPr>
-            <p:ph idx="1"/>
-          </p:nvPr>
-        </p:nvSpPr>
-        <p:spPr>
-          <a:xfrm>
-            <a:off x="1391978" y="1539892"/>
-            <a:ext cx="9470290" cy="4525944"/>
-          </a:xfrm>
-        </p:spPr>
-        <p:txBody>
-          <a:bodyPr>
-            <a:normAutofit/>
-          </a:bodyPr>
-          <a:lstStyle/>
-          <a:p>
-            <a:r>
-              <a:rPr lang="en-US" dirty="0"/>
-              <a:t>Two possible outcomes </a:t>
-            </a:r>
-            <a:r>
-              <a:rPr lang="en-US" b="1" i="1" u="sng" dirty="0"/>
-              <a:t>for each quiz</a:t>
-            </a:r>
-            <a:r>
-              <a:rPr lang="en-US" dirty="0"/>
-              <a:t>:</a:t>
-            </a:r>
-          </a:p>
-          <a:p>
-            <a:pPr lvl="1"/>
-            <a:r>
-              <a:rPr lang="en-US" b="1" i="1" u="sng" dirty="0"/>
-              <a:t>grade &lt;= 90 %</a:t>
-            </a:r>
-            <a:r>
-              <a:rPr lang="en-US" dirty="0"/>
-              <a:t>: You earn the grade as shown</a:t>
-            </a:r>
-          </a:p>
-          <a:p>
-            <a:pPr lvl="1"/>
-            <a:r>
-              <a:rPr lang="en-US" b="1" i="1" u="sng" dirty="0"/>
-              <a:t>grade &gt; 90 %:</a:t>
-            </a:r>
-            <a:r>
-              <a:rPr lang="en-US" dirty="0"/>
-              <a:t> Grade is rounded up to a 100% (mastery!)</a:t>
-            </a:r>
-          </a:p>
-          <a:p>
-            <a:endParaRPr lang="en-US" dirty="0"/>
-          </a:p>
-          <a:p>
-            <a:r>
-              <a:rPr lang="en-US" dirty="0"/>
-              <a:t>You always receive the highest grade over all attempts (e.g., final exam retakes</a:t>
-            </a:r>
-          </a:p>
-          <a:p>
-            <a:r>
-              <a:rPr lang="en-US" dirty="0"/>
-              <a:t>If you earn above a 90%, rounding is meant to ensure you don’t take the retake on the final exam day.</a:t>
-            </a:r>
-          </a:p>
-        </p:txBody>
-      </p:sp>
-      <p:sp>
-        <p:nvSpPr>
-          <p:cNvPr id="4" name="Slide Number Placeholder 3"/>
-          <p:cNvSpPr>
-            <a:spLocks noGrp="1"/>
-          </p:cNvSpPr>
-          <p:nvPr>
-            <p:ph type="sldNum" sz="quarter" idx="12"/>
-          </p:nvPr>
-        </p:nvSpPr>
-        <p:spPr/>
-        <p:txBody>
-          <a:bodyPr/>
-          <a:lstStyle/>
-          <a:p>
-            <a:fld id="{F26D9103-0C5C-48AC-B68E-3ED2C1647047}" type="slidenum">
-              <a:rPr lang="en-US" smtClean="0"/>
-              <a:pPr/>
-              <a:t>12</a:t>
-            </a:fld>
-            <a:endParaRPr lang="en-US"/>
-          </a:p>
-        </p:txBody>
-      </p:sp>
-    </p:spTree>
-    <p:extLst>
-      <p:ext uri="{BB962C8B-B14F-4D97-AF65-F5344CB8AC3E}">
-        <p14:creationId xmlns:p14="http://schemas.microsoft.com/office/powerpoint/2010/main" val="2940204379"/>
-      </p:ext>
-    </p:extLst>
-  </p:cSld>
-  <p:clrMapOvr>
-    <a:masterClrMapping/>
-  </p:clrMapOvr>
-</p:sld>
-</file>
-
-<file path=ppt/slides/slide13.xml><?xml version="1.0" encoding="utf-8"?>
-<p:sld xmlns:a="http://schemas.openxmlformats.org/drawingml/2006/main" xmlns:r="http://schemas.openxmlformats.org/officeDocument/2006/relationships" xmlns:p="http://schemas.openxmlformats.org/presentationml/2006/main">
-  <p:cSld>
-    <p:spTree>
-      <p:nvGrpSpPr>
-        <p:cNvPr id="1" name=""/>
-        <p:cNvGrpSpPr/>
-        <p:nvPr/>
-      </p:nvGrpSpPr>
-      <p:grpSpPr>
-        <a:xfrm>
-          <a:off x="0" y="0"/>
-          <a:ext cx="0" cy="0"/>
-          <a:chOff x="0" y="0"/>
-          <a:chExt cx="0" cy="0"/>
-        </a:xfrm>
-      </p:grpSpPr>
-      <p:sp>
-        <p:nvSpPr>
-          <p:cNvPr id="18434" name="Title 1"/>
-          <p:cNvSpPr>
-            <a:spLocks noGrp="1"/>
-          </p:cNvSpPr>
-          <p:nvPr>
-            <p:ph type="title"/>
-          </p:nvPr>
-        </p:nvSpPr>
-        <p:spPr>
-          <a:xfrm>
-            <a:off x="1141413" y="357262"/>
-            <a:ext cx="9905998" cy="707027"/>
-          </a:xfrm>
-        </p:spPr>
-        <p:txBody>
-          <a:bodyPr/>
-          <a:lstStyle/>
-          <a:p>
-            <a:pPr algn="ctr"/>
-            <a:r>
-              <a:rPr lang="en-US" dirty="0"/>
-              <a:t>Final Exam</a:t>
-            </a:r>
-          </a:p>
-        </p:txBody>
-      </p:sp>
-      <p:sp>
-        <p:nvSpPr>
-          <p:cNvPr id="18435" name="Content Placeholder 2"/>
-          <p:cNvSpPr>
-            <a:spLocks noGrp="1"/>
-          </p:cNvSpPr>
-          <p:nvPr>
-            <p:ph idx="1"/>
-          </p:nvPr>
-        </p:nvSpPr>
-        <p:spPr>
-          <a:xfrm>
-            <a:off x="1743670" y="1524000"/>
-            <a:ext cx="8826469" cy="4525944"/>
-          </a:xfrm>
-        </p:spPr>
-        <p:txBody>
-          <a:bodyPr>
-            <a:normAutofit/>
-          </a:bodyPr>
-          <a:lstStyle/>
-          <a:p>
-            <a:pPr algn="l"/>
-            <a:r>
-              <a:rPr lang="en-US" dirty="0"/>
-              <a:t>Our final exam time will be used to:</a:t>
-            </a:r>
-          </a:p>
-          <a:p>
-            <a:pPr lvl="1" algn="l"/>
-            <a:r>
-              <a:rPr lang="en-US" dirty="0"/>
-              <a:t>Take Quiz for </a:t>
-            </a:r>
-            <a:r>
-              <a:rPr lang="en-US" b="1" i="1" u="sng" dirty="0"/>
-              <a:t>Module 5</a:t>
-            </a:r>
-            <a:r>
-              <a:rPr lang="en-US" dirty="0"/>
-              <a:t> (first and only attempt…sorry)</a:t>
-            </a:r>
-          </a:p>
-          <a:p>
-            <a:pPr lvl="1" algn="l"/>
-            <a:r>
-              <a:rPr lang="en-US" dirty="0"/>
-              <a:t>Take the </a:t>
-            </a:r>
-            <a:r>
-              <a:rPr lang="en-US" b="1" i="1" u="sng" dirty="0"/>
-              <a:t>Final Exam Quiz</a:t>
-            </a:r>
-            <a:r>
-              <a:rPr lang="en-US" dirty="0"/>
-              <a:t> (Only attempt by design)</a:t>
-            </a:r>
-          </a:p>
-          <a:p>
-            <a:pPr lvl="1" algn="l"/>
-            <a:r>
-              <a:rPr lang="en-US" b="1" dirty="0"/>
-              <a:t>OPTIONAL</a:t>
-            </a:r>
-            <a:r>
-              <a:rPr lang="en-US" dirty="0"/>
-              <a:t>: Retake </a:t>
-            </a:r>
-            <a:r>
-              <a:rPr lang="en-US" b="1" i="1" u="sng" dirty="0"/>
-              <a:t>up to three of quizzes 1-4</a:t>
-            </a:r>
-            <a:endParaRPr lang="en-US" dirty="0"/>
-          </a:p>
-          <a:p>
-            <a:pPr lvl="1" algn="l"/>
-            <a:endParaRPr lang="en-US" b="1" i="1" u="sng" dirty="0"/>
-          </a:p>
-          <a:p>
-            <a:r>
-              <a:rPr lang="en-US" dirty="0"/>
-              <a:t>You can attempt all four retakes if you want, but the exams are designed for their to be enough time to do three retakes.</a:t>
-            </a:r>
-          </a:p>
-        </p:txBody>
-      </p:sp>
-      <p:sp>
-        <p:nvSpPr>
-          <p:cNvPr id="4" name="Slide Number Placeholder 3"/>
-          <p:cNvSpPr>
-            <a:spLocks noGrp="1"/>
-          </p:cNvSpPr>
-          <p:nvPr>
-            <p:ph type="sldNum" sz="quarter" idx="12"/>
-          </p:nvPr>
-        </p:nvSpPr>
-        <p:spPr/>
-        <p:txBody>
-          <a:bodyPr/>
-          <a:lstStyle/>
-          <a:p>
-            <a:fld id="{F26D9103-0C5C-48AC-B68E-3ED2C1647047}" type="slidenum">
-              <a:rPr lang="en-US" smtClean="0"/>
-              <a:pPr/>
-              <a:t>13</a:t>
-            </a:fld>
-            <a:endParaRPr lang="en-US" dirty="0"/>
-          </a:p>
-        </p:txBody>
-      </p:sp>
-    </p:spTree>
-    <p:extLst>
-      <p:ext uri="{BB962C8B-B14F-4D97-AF65-F5344CB8AC3E}">
-        <p14:creationId xmlns:p14="http://schemas.microsoft.com/office/powerpoint/2010/main" val="1095264303"/>
-      </p:ext>
-    </p:extLst>
-  </p:cSld>
-  <p:clrMapOvr>
-    <a:masterClrMapping/>
-  </p:clrMapOvr>
-</p:sld>
-</file>
-
-<file path=ppt/slides/slide14.xml><?xml version="1.0" encoding="utf-8"?>
-<p:sld xmlns:a="http://schemas.openxmlformats.org/drawingml/2006/main" xmlns:r="http://schemas.openxmlformats.org/officeDocument/2006/relationships" xmlns:p="http://schemas.openxmlformats.org/presentationml/2006/main">
-  <p:cSld>
-    <p:spTree>
-      <p:nvGrpSpPr>
-        <p:cNvPr id="1" name=""/>
-        <p:cNvGrpSpPr/>
-        <p:nvPr/>
-      </p:nvGrpSpPr>
-      <p:grpSpPr>
-        <a:xfrm>
-          <a:off x="0" y="0"/>
-          <a:ext cx="0" cy="0"/>
-          <a:chOff x="0" y="0"/>
-          <a:chExt cx="0" cy="0"/>
-        </a:xfrm>
-      </p:grpSpPr>
-      <p:sp>
-        <p:nvSpPr>
-          <p:cNvPr id="12290" name="Rectangle 2"/>
-          <p:cNvSpPr>
-            <a:spLocks noGrp="1" noChangeArrowheads="1"/>
-          </p:cNvSpPr>
-          <p:nvPr>
-            <p:ph type="title"/>
-          </p:nvPr>
-        </p:nvSpPr>
-        <p:spPr>
-          <a:xfrm>
-            <a:off x="1981200" y="382674"/>
-            <a:ext cx="8229600" cy="792145"/>
-          </a:xfrm>
-        </p:spPr>
-        <p:txBody>
-          <a:bodyPr/>
-          <a:lstStyle/>
-          <a:p>
-            <a:pPr algn="ctr"/>
-            <a:r>
-              <a:rPr lang="en-US" dirty="0" err="1"/>
-              <a:t>Homeworks</a:t>
-            </a:r>
-            <a:endParaRPr lang="en-US" dirty="0"/>
-          </a:p>
-        </p:txBody>
-      </p:sp>
-      <p:sp>
-        <p:nvSpPr>
-          <p:cNvPr id="12291" name="Rectangle 3"/>
-          <p:cNvSpPr>
-            <a:spLocks noGrp="1" noChangeArrowheads="1"/>
-          </p:cNvSpPr>
-          <p:nvPr>
-            <p:ph idx="1"/>
-          </p:nvPr>
-        </p:nvSpPr>
-        <p:spPr>
-          <a:xfrm>
-            <a:off x="1502511" y="1523999"/>
-            <a:ext cx="9198985" cy="4724399"/>
-          </a:xfrm>
-        </p:spPr>
-        <p:txBody>
-          <a:bodyPr>
-            <a:normAutofit/>
-          </a:bodyPr>
-          <a:lstStyle/>
-          <a:p>
-            <a:pPr algn="l"/>
-            <a:r>
-              <a:rPr lang="en-US" dirty="0"/>
-              <a:t>Each of the 5 modules has 1 or 2 </a:t>
-            </a:r>
-            <a:r>
-              <a:rPr lang="en-US" dirty="0" err="1"/>
-              <a:t>homeworks</a:t>
-            </a:r>
-            <a:r>
-              <a:rPr lang="en-US" dirty="0"/>
-              <a:t> associated (usually 1)</a:t>
-            </a:r>
-          </a:p>
-          <a:p>
-            <a:r>
-              <a:rPr lang="en-US" b="1" i="1" u="sng" dirty="0"/>
-              <a:t>Written HW</a:t>
-            </a:r>
-          </a:p>
-          <a:p>
-            <a:pPr lvl="1"/>
-            <a:r>
-              <a:rPr lang="en-US" dirty="0"/>
-              <a:t>Solving small problems, analyzing runtimes, etc.</a:t>
-            </a:r>
-          </a:p>
-          <a:p>
-            <a:pPr lvl="1"/>
-            <a:r>
-              <a:rPr lang="en-US" dirty="0"/>
-              <a:t>Writing proofs, etc.</a:t>
-            </a:r>
-          </a:p>
-          <a:p>
-            <a:pPr lvl="1"/>
-            <a:r>
-              <a:rPr lang="en-US" dirty="0"/>
-              <a:t>Written in Latex (tutorial on course webpage)</a:t>
-            </a:r>
-          </a:p>
-          <a:p>
-            <a:pPr lvl="1"/>
-            <a:r>
-              <a:rPr lang="en-US" i="1" dirty="0"/>
-              <a:t>These are meant to be challenging!</a:t>
-            </a:r>
-          </a:p>
-          <a:p>
-            <a:r>
-              <a:rPr lang="en-US" b="1" i="1" u="sng" dirty="0"/>
-              <a:t>Programming HW</a:t>
-            </a:r>
-            <a:r>
-              <a:rPr lang="en-US" dirty="0"/>
-              <a:t>:</a:t>
-            </a:r>
-          </a:p>
-          <a:p>
-            <a:pPr lvl="1"/>
-            <a:r>
-              <a:rPr lang="en-US" dirty="0"/>
-              <a:t>Can be written in Java, C++, or Python (your choice)</a:t>
-            </a:r>
-          </a:p>
-          <a:p>
-            <a:pPr lvl="1" algn="l"/>
-            <a:r>
-              <a:rPr lang="en-US" dirty="0"/>
-              <a:t>We won’t have many of these (probably just 1)</a:t>
-            </a:r>
-          </a:p>
-        </p:txBody>
-      </p:sp>
-      <p:sp>
-        <p:nvSpPr>
-          <p:cNvPr id="4" name="Slide Number Placeholder 3"/>
-          <p:cNvSpPr>
-            <a:spLocks noGrp="1"/>
-          </p:cNvSpPr>
-          <p:nvPr>
-            <p:ph type="sldNum" sz="quarter" idx="12"/>
-          </p:nvPr>
-        </p:nvSpPr>
-        <p:spPr/>
-        <p:txBody>
-          <a:bodyPr/>
-          <a:lstStyle/>
-          <a:p>
-            <a:fld id="{F26D9103-0C5C-48AC-B68E-3ED2C1647047}" type="slidenum">
-              <a:rPr lang="en-US" smtClean="0"/>
-              <a:pPr/>
-              <a:t>14</a:t>
-            </a:fld>
-            <a:endParaRPr lang="en-US"/>
-          </a:p>
-        </p:txBody>
-      </p:sp>
-    </p:spTree>
-    <p:extLst>
-      <p:ext uri="{BB962C8B-B14F-4D97-AF65-F5344CB8AC3E}">
-        <p14:creationId xmlns:p14="http://schemas.microsoft.com/office/powerpoint/2010/main" val="2802976195"/>
-      </p:ext>
-    </p:extLst>
-  </p:cSld>
-  <p:clrMapOvr>
-    <a:masterClrMapping/>
-  </p:clrMapOvr>
-</p:sld>
-</file>
-
-<file path=ppt/slides/slide15.xml><?xml version="1.0" encoding="utf-8"?>
-<p:sld xmlns:a="http://schemas.openxmlformats.org/drawingml/2006/main" xmlns:r="http://schemas.openxmlformats.org/officeDocument/2006/relationships" xmlns:p="http://schemas.openxmlformats.org/presentationml/2006/main">
-  <p:cSld>
-    <p:spTree>
-      <p:nvGrpSpPr>
-        <p:cNvPr id="1" name=""/>
-        <p:cNvGrpSpPr/>
-        <p:nvPr/>
-      </p:nvGrpSpPr>
-      <p:grpSpPr>
-        <a:xfrm>
-          <a:off x="0" y="0"/>
-          <a:ext cx="0" cy="0"/>
-          <a:chOff x="0" y="0"/>
-          <a:chExt cx="0" cy="0"/>
-        </a:xfrm>
-      </p:grpSpPr>
-      <p:sp>
-        <p:nvSpPr>
-          <p:cNvPr id="12290" name="Rectangle 2"/>
-          <p:cNvSpPr>
-            <a:spLocks noGrp="1" noChangeArrowheads="1"/>
-          </p:cNvSpPr>
-          <p:nvPr>
-            <p:ph type="title"/>
-          </p:nvPr>
-        </p:nvSpPr>
-        <p:spPr>
-          <a:xfrm>
-            <a:off x="1981200" y="386862"/>
-            <a:ext cx="8229600" cy="768699"/>
-          </a:xfrm>
-        </p:spPr>
-        <p:txBody>
-          <a:bodyPr/>
-          <a:lstStyle/>
-          <a:p>
-            <a:pPr algn="ctr"/>
-            <a:r>
-              <a:rPr lang="en-US" dirty="0"/>
-              <a:t>Homework Grades</a:t>
-            </a:r>
-          </a:p>
-        </p:txBody>
-      </p:sp>
-      <p:sp>
-        <p:nvSpPr>
-          <p:cNvPr id="12291" name="Rectangle 3"/>
-          <p:cNvSpPr>
-            <a:spLocks noGrp="1" noChangeArrowheads="1"/>
-          </p:cNvSpPr>
-          <p:nvPr>
-            <p:ph idx="1"/>
-          </p:nvPr>
-        </p:nvSpPr>
-        <p:spPr>
-          <a:xfrm>
-            <a:off x="1524000" y="1406769"/>
-            <a:ext cx="9046139" cy="5070231"/>
-          </a:xfrm>
-        </p:spPr>
-        <p:txBody>
-          <a:bodyPr>
-            <a:normAutofit/>
-          </a:bodyPr>
-          <a:lstStyle/>
-          <a:p>
-            <a:r>
-              <a:rPr lang="en-US" dirty="0" err="1"/>
-              <a:t>Homeworks</a:t>
-            </a:r>
-            <a:r>
-              <a:rPr lang="en-US" dirty="0"/>
-              <a:t> will be graded on a traditional percentage scale:</a:t>
-            </a:r>
-          </a:p>
-          <a:p>
-            <a:pPr lvl="1"/>
-            <a:r>
-              <a:rPr lang="en-US" b="1" i="1" u="sng" dirty="0"/>
-              <a:t>Out of 10 points (or similar)</a:t>
-            </a:r>
-            <a:endParaRPr lang="en-US" dirty="0"/>
-          </a:p>
-          <a:p>
-            <a:pPr lvl="1"/>
-            <a:r>
-              <a:rPr lang="en-US" dirty="0"/>
-              <a:t>Regrades will be available (probably)</a:t>
-            </a:r>
-          </a:p>
-          <a:p>
-            <a:endParaRPr lang="en-US" dirty="0"/>
-          </a:p>
-          <a:p>
-            <a:r>
-              <a:rPr lang="en-US" b="1" i="1" u="sng" dirty="0"/>
-              <a:t>Deadlines</a:t>
-            </a:r>
-            <a:r>
-              <a:rPr lang="en-US" dirty="0"/>
-              <a:t>:</a:t>
-            </a:r>
-          </a:p>
-          <a:p>
-            <a:pPr lvl="1"/>
-            <a:r>
-              <a:rPr lang="en-US" dirty="0"/>
-              <a:t>We will have </a:t>
-            </a:r>
-            <a:r>
-              <a:rPr lang="en-US" b="1" i="1" dirty="0"/>
-              <a:t>traditional homework deadlines</a:t>
-            </a:r>
-            <a:r>
-              <a:rPr lang="en-US" dirty="0"/>
-              <a:t>, however…</a:t>
-            </a:r>
-          </a:p>
-          <a:p>
-            <a:pPr lvl="1"/>
-            <a:r>
-              <a:rPr lang="en-US" dirty="0"/>
-              <a:t>Anyone can fill out an online form to request a three week extension. Extensions will be granted for any reason as long as you articulate why you need extra time and when you plan to finish the homework by.</a:t>
-            </a:r>
-          </a:p>
-          <a:p>
-            <a:pPr lvl="1"/>
-            <a:r>
-              <a:rPr lang="en-US" dirty="0"/>
-              <a:t>NO submissions beyond this already generous three week window for any reason. That window IS your flexibility should anything arise.</a:t>
-            </a:r>
-          </a:p>
-          <a:p>
-            <a:endParaRPr lang="en-US" dirty="0"/>
-          </a:p>
-        </p:txBody>
-      </p:sp>
-      <p:sp>
-        <p:nvSpPr>
-          <p:cNvPr id="4" name="Slide Number Placeholder 3"/>
-          <p:cNvSpPr>
-            <a:spLocks noGrp="1"/>
-          </p:cNvSpPr>
-          <p:nvPr>
-            <p:ph type="sldNum" sz="quarter" idx="12"/>
-          </p:nvPr>
-        </p:nvSpPr>
-        <p:spPr/>
-        <p:txBody>
-          <a:bodyPr/>
-          <a:lstStyle/>
-          <a:p>
-            <a:fld id="{F26D9103-0C5C-48AC-B68E-3ED2C1647047}" type="slidenum">
-              <a:rPr lang="en-US" smtClean="0"/>
-              <a:pPr/>
-              <a:t>15</a:t>
-            </a:fld>
-            <a:endParaRPr lang="en-US"/>
-          </a:p>
-        </p:txBody>
-      </p:sp>
-    </p:spTree>
-    <p:extLst>
-      <p:ext uri="{BB962C8B-B14F-4D97-AF65-F5344CB8AC3E}">
-        <p14:creationId xmlns:p14="http://schemas.microsoft.com/office/powerpoint/2010/main" val="3112164517"/>
-      </p:ext>
-    </p:extLst>
-  </p:cSld>
-  <p:clrMapOvr>
-    <a:masterClrMapping/>
-  </p:clrMapOvr>
-</p:sld>
-</file>
-
-<file path=ppt/slides/slide16.xml><?xml version="1.0" encoding="utf-8"?>
-<p:sld xmlns:a="http://schemas.openxmlformats.org/drawingml/2006/main" xmlns:r="http://schemas.openxmlformats.org/officeDocument/2006/relationships" xmlns:p="http://schemas.openxmlformats.org/presentationml/2006/main">
-  <p:cSld>
-    <p:spTree>
-      <p:nvGrpSpPr>
-        <p:cNvPr id="1" name=""/>
-        <p:cNvGrpSpPr/>
-        <p:nvPr/>
-      </p:nvGrpSpPr>
-      <p:grpSpPr>
-        <a:xfrm>
-          <a:off x="0" y="0"/>
-          <a:ext cx="0" cy="0"/>
-          <a:chOff x="0" y="0"/>
-          <a:chExt cx="0" cy="0"/>
-        </a:xfrm>
-      </p:grpSpPr>
-      <p:sp>
-        <p:nvSpPr>
-          <p:cNvPr id="12290" name="Rectangle 2"/>
-          <p:cNvSpPr>
-            <a:spLocks noGrp="1" noChangeArrowheads="1"/>
-          </p:cNvSpPr>
-          <p:nvPr>
-            <p:ph type="title"/>
-          </p:nvPr>
-        </p:nvSpPr>
-        <p:spPr>
-          <a:xfrm>
-            <a:off x="1778558" y="398586"/>
-            <a:ext cx="8432242" cy="886890"/>
-          </a:xfrm>
-        </p:spPr>
-        <p:txBody>
-          <a:bodyPr/>
-          <a:lstStyle/>
-          <a:p>
-            <a:pPr algn="ctr"/>
-            <a:r>
-              <a:rPr lang="en-US" dirty="0"/>
-              <a:t>Homework Collaboration</a:t>
-            </a:r>
-          </a:p>
-        </p:txBody>
-      </p:sp>
-      <p:sp>
-        <p:nvSpPr>
-          <p:cNvPr id="12291" name="Rectangle 3"/>
-          <p:cNvSpPr>
-            <a:spLocks noGrp="1" noChangeArrowheads="1"/>
-          </p:cNvSpPr>
-          <p:nvPr>
-            <p:ph idx="1"/>
-          </p:nvPr>
-        </p:nvSpPr>
-        <p:spPr>
-          <a:xfrm>
-            <a:off x="1600200" y="1643027"/>
-            <a:ext cx="8969939" cy="4599511"/>
-          </a:xfrm>
-        </p:spPr>
-        <p:txBody>
-          <a:bodyPr>
-            <a:normAutofit/>
-          </a:bodyPr>
-          <a:lstStyle/>
-          <a:p>
-            <a:r>
-              <a:rPr lang="en-US" dirty="0"/>
-              <a:t>You may work in groups of up to 3 on written assignments</a:t>
-            </a:r>
-          </a:p>
-          <a:p>
-            <a:pPr lvl="1"/>
-            <a:r>
-              <a:rPr lang="en-US" dirty="0"/>
-              <a:t>This is most of the assignments</a:t>
-            </a:r>
-          </a:p>
-          <a:p>
-            <a:pPr lvl="1"/>
-            <a:r>
-              <a:rPr lang="en-US" dirty="0"/>
-              <a:t>Once submission per group is fine. I think </a:t>
-            </a:r>
-            <a:r>
-              <a:rPr lang="en-US" dirty="0" err="1"/>
-              <a:t>Gradescope</a:t>
-            </a:r>
-            <a:r>
-              <a:rPr lang="en-US" dirty="0"/>
-              <a:t> supports this quite easily but not 100% sure.</a:t>
-            </a:r>
-          </a:p>
-          <a:p>
-            <a:pPr lvl="1"/>
-            <a:endParaRPr lang="en-US" dirty="0"/>
-          </a:p>
-          <a:p>
-            <a:r>
-              <a:rPr lang="en-US" dirty="0"/>
-              <a:t>On programming assignments (currently, just 1) you are expected to work independently.</a:t>
-            </a:r>
-          </a:p>
-          <a:p>
-            <a:endParaRPr lang="en-US" dirty="0"/>
-          </a:p>
-        </p:txBody>
-      </p:sp>
-      <p:sp>
-        <p:nvSpPr>
-          <p:cNvPr id="4" name="Slide Number Placeholder 3"/>
-          <p:cNvSpPr>
-            <a:spLocks noGrp="1"/>
-          </p:cNvSpPr>
-          <p:nvPr>
-            <p:ph type="sldNum" sz="quarter" idx="12"/>
-          </p:nvPr>
-        </p:nvSpPr>
-        <p:spPr/>
-        <p:txBody>
-          <a:bodyPr/>
-          <a:lstStyle/>
-          <a:p>
-            <a:fld id="{F26D9103-0C5C-48AC-B68E-3ED2C1647047}" type="slidenum">
-              <a:rPr lang="en-US" smtClean="0"/>
-              <a:pPr/>
-              <a:t>16</a:t>
-            </a:fld>
-            <a:endParaRPr lang="en-US"/>
-          </a:p>
-        </p:txBody>
-      </p:sp>
-    </p:spTree>
-    <p:extLst>
-      <p:ext uri="{BB962C8B-B14F-4D97-AF65-F5344CB8AC3E}">
-        <p14:creationId xmlns:p14="http://schemas.microsoft.com/office/powerpoint/2010/main" val="3237934718"/>
-      </p:ext>
-    </p:extLst>
-  </p:cSld>
-  <p:clrMapOvr>
-    <a:masterClrMapping/>
-  </p:clrMapOvr>
-</p:sld>
-</file>
-
-<file path=ppt/slides/slide17.xml><?xml version="1.0" encoding="utf-8"?>
-<p:sld xmlns:a="http://schemas.openxmlformats.org/drawingml/2006/main" xmlns:r="http://schemas.openxmlformats.org/officeDocument/2006/relationships" xmlns:p="http://schemas.openxmlformats.org/presentationml/2006/main">
-  <p:cSld>
-    <p:spTree>
-      <p:nvGrpSpPr>
-        <p:cNvPr id="1" name=""/>
-        <p:cNvGrpSpPr/>
-        <p:nvPr/>
-      </p:nvGrpSpPr>
-      <p:grpSpPr>
-        <a:xfrm>
-          <a:off x="0" y="0"/>
-          <a:ext cx="0" cy="0"/>
-          <a:chOff x="0" y="0"/>
-          <a:chExt cx="0" cy="0"/>
-        </a:xfrm>
-      </p:grpSpPr>
-      <p:sp>
-        <p:nvSpPr>
-          <p:cNvPr id="12290" name="Rectangle 2"/>
-          <p:cNvSpPr>
-            <a:spLocks noGrp="1" noChangeArrowheads="1"/>
-          </p:cNvSpPr>
-          <p:nvPr>
-            <p:ph type="title"/>
-          </p:nvPr>
-        </p:nvSpPr>
-        <p:spPr>
-          <a:xfrm>
-            <a:off x="1778558" y="398586"/>
-            <a:ext cx="8432242" cy="886890"/>
-          </a:xfrm>
-        </p:spPr>
-        <p:txBody>
-          <a:bodyPr/>
-          <a:lstStyle/>
-          <a:p>
-            <a:pPr algn="ctr"/>
-            <a:r>
-              <a:rPr lang="en-US" dirty="0"/>
-              <a:t>Homework Grade Philosophy</a:t>
-            </a:r>
-          </a:p>
-        </p:txBody>
-      </p:sp>
-      <p:sp>
-        <p:nvSpPr>
-          <p:cNvPr id="12291" name="Rectangle 3"/>
-          <p:cNvSpPr>
-            <a:spLocks noGrp="1" noChangeArrowheads="1"/>
-          </p:cNvSpPr>
-          <p:nvPr>
-            <p:ph idx="1"/>
-          </p:nvPr>
-        </p:nvSpPr>
-        <p:spPr>
-          <a:xfrm>
-            <a:off x="1600200" y="1572689"/>
-            <a:ext cx="8969939" cy="4599511"/>
-          </a:xfrm>
-        </p:spPr>
-        <p:txBody>
-          <a:bodyPr>
-            <a:normAutofit/>
-          </a:bodyPr>
-          <a:lstStyle/>
-          <a:p>
-            <a:r>
-              <a:rPr lang="en-US" dirty="0"/>
-              <a:t>The purpose of homework is to PRACTICE!</a:t>
-            </a:r>
-          </a:p>
-          <a:p>
-            <a:endParaRPr lang="en-US" dirty="0"/>
-          </a:p>
-          <a:p>
-            <a:r>
-              <a:rPr lang="en-US" dirty="0"/>
-              <a:t>I want you to:</a:t>
-            </a:r>
-          </a:p>
-          <a:p>
-            <a:pPr lvl="1"/>
-            <a:r>
-              <a:rPr lang="en-US" dirty="0"/>
-              <a:t>Attempt every problem on your own</a:t>
-            </a:r>
-          </a:p>
-          <a:p>
-            <a:pPr lvl="1"/>
-            <a:r>
-              <a:rPr lang="en-US" dirty="0"/>
-              <a:t>Then work with your group to get the solutions figured out</a:t>
-            </a:r>
-          </a:p>
-          <a:p>
-            <a:pPr lvl="1"/>
-            <a:r>
-              <a:rPr lang="en-US" dirty="0"/>
-              <a:t>Study the solutions for </a:t>
-            </a:r>
-            <a:r>
-              <a:rPr lang="en-US" dirty="0" err="1"/>
-              <a:t>homeworks</a:t>
-            </a:r>
-            <a:r>
-              <a:rPr lang="en-US" dirty="0"/>
-              <a:t> (these homework problems WILL appear on quizzes).</a:t>
-            </a:r>
-          </a:p>
-          <a:p>
-            <a:endParaRPr lang="en-US" dirty="0"/>
-          </a:p>
-        </p:txBody>
-      </p:sp>
-      <p:sp>
-        <p:nvSpPr>
-          <p:cNvPr id="4" name="Slide Number Placeholder 3"/>
-          <p:cNvSpPr>
-            <a:spLocks noGrp="1"/>
-          </p:cNvSpPr>
-          <p:nvPr>
-            <p:ph type="sldNum" sz="quarter" idx="12"/>
-          </p:nvPr>
-        </p:nvSpPr>
-        <p:spPr/>
-        <p:txBody>
-          <a:bodyPr/>
-          <a:lstStyle/>
-          <a:p>
-            <a:fld id="{F26D9103-0C5C-48AC-B68E-3ED2C1647047}" type="slidenum">
-              <a:rPr lang="en-US" smtClean="0"/>
-              <a:pPr/>
-              <a:t>17</a:t>
-            </a:fld>
-            <a:endParaRPr lang="en-US"/>
-          </a:p>
-        </p:txBody>
-      </p:sp>
-    </p:spTree>
-    <p:extLst>
-      <p:ext uri="{BB962C8B-B14F-4D97-AF65-F5344CB8AC3E}">
-        <p14:creationId xmlns:p14="http://schemas.microsoft.com/office/powerpoint/2010/main" val="3014866706"/>
-      </p:ext>
-    </p:extLst>
-  </p:cSld>
-  <p:clrMapOvr>
-    <a:masterClrMapping/>
-  </p:clrMapOvr>
-</p:sld>
-</file>
-
-<file path=ppt/slides/slide18.xml><?xml version="1.0" encoding="utf-8"?>
-<p:sld xmlns:a="http://schemas.openxmlformats.org/drawingml/2006/main" xmlns:r="http://schemas.openxmlformats.org/officeDocument/2006/relationships" xmlns:p="http://schemas.openxmlformats.org/presentationml/2006/main">
-  <p:cSld>
-    <p:spTree>
-      <p:nvGrpSpPr>
-        <p:cNvPr id="1" name=""/>
-        <p:cNvGrpSpPr/>
-        <p:nvPr/>
-      </p:nvGrpSpPr>
-      <p:grpSpPr>
-        <a:xfrm>
-          <a:off x="0" y="0"/>
-          <a:ext cx="0" cy="0"/>
-          <a:chOff x="0" y="0"/>
-          <a:chExt cx="0" cy="0"/>
-        </a:xfrm>
-      </p:grpSpPr>
-      <p:sp>
-        <p:nvSpPr>
-          <p:cNvPr id="18434" name="Title 1"/>
-          <p:cNvSpPr>
-            <a:spLocks noGrp="1"/>
-          </p:cNvSpPr>
-          <p:nvPr>
-            <p:ph type="title"/>
-          </p:nvPr>
-        </p:nvSpPr>
-        <p:spPr>
-          <a:xfrm>
-            <a:off x="1998858" y="327866"/>
-            <a:ext cx="7958331" cy="887986"/>
-          </a:xfrm>
-        </p:spPr>
-        <p:txBody>
-          <a:bodyPr/>
-          <a:lstStyle/>
-          <a:p>
-            <a:pPr algn="ctr"/>
-            <a:r>
-              <a:rPr lang="en-US" dirty="0"/>
-              <a:t>Grading Overview</a:t>
-            </a:r>
-          </a:p>
-        </p:txBody>
-      </p:sp>
-      <p:sp>
-        <p:nvSpPr>
-          <p:cNvPr id="3" name="Content Placeholder 2">
-            <a:extLst>
-              <a:ext uri="{FF2B5EF4-FFF2-40B4-BE49-F238E27FC236}">
-                <a16:creationId xmlns:a16="http://schemas.microsoft.com/office/drawing/2014/main" id="{267DFEF5-BEAA-974F-B91B-2D8B6E94C721}"/>
-              </a:ext>
-            </a:extLst>
-          </p:cNvPr>
-          <p:cNvSpPr>
-            <a:spLocks noGrp="1"/>
-          </p:cNvSpPr>
-          <p:nvPr>
-            <p:ph idx="1"/>
-          </p:nvPr>
-        </p:nvSpPr>
-        <p:spPr>
-          <a:xfrm>
-            <a:off x="1577591" y="1526633"/>
-            <a:ext cx="8601389" cy="4950367"/>
-          </a:xfrm>
-        </p:spPr>
-        <p:txBody>
-          <a:bodyPr>
-            <a:normAutofit/>
-          </a:bodyPr>
-          <a:lstStyle/>
-          <a:p>
-            <a:r>
-              <a:rPr lang="en-US" dirty="0"/>
-              <a:t>Final letter grade will be a weighted average:</a:t>
-            </a:r>
-          </a:p>
-          <a:p>
-            <a:endParaRPr lang="en-US" dirty="0"/>
-          </a:p>
-          <a:p>
-            <a:r>
-              <a:rPr lang="en-US" b="1" i="1" u="sng" dirty="0"/>
-              <a:t>Homework</a:t>
-            </a:r>
-            <a:r>
-              <a:rPr lang="en-US" dirty="0"/>
-              <a:t>: 25 percent (split over about 6 </a:t>
-            </a:r>
-            <a:r>
-              <a:rPr lang="en-US" dirty="0" err="1"/>
-              <a:t>homeworks</a:t>
-            </a:r>
-            <a:r>
-              <a:rPr lang="en-US" dirty="0"/>
-              <a:t>)</a:t>
-            </a:r>
-          </a:p>
-          <a:p>
-            <a:r>
-              <a:rPr lang="en-US" b="1" i="1" u="sng" dirty="0"/>
-              <a:t>Quizzes (Mods 1-5)</a:t>
-            </a:r>
-            <a:r>
-              <a:rPr lang="en-US" dirty="0"/>
-              <a:t>: 60 percent (12 percent each)</a:t>
-            </a:r>
-          </a:p>
-          <a:p>
-            <a:r>
-              <a:rPr lang="en-US" b="1" i="1" u="sng" dirty="0"/>
-              <a:t>Final Exam Quiz</a:t>
-            </a:r>
-            <a:r>
-              <a:rPr lang="en-US" dirty="0"/>
-              <a:t>: 15 percent</a:t>
-            </a:r>
-          </a:p>
-        </p:txBody>
-      </p:sp>
-      <p:sp>
-        <p:nvSpPr>
-          <p:cNvPr id="4" name="Slide Number Placeholder 3"/>
-          <p:cNvSpPr>
-            <a:spLocks noGrp="1"/>
-          </p:cNvSpPr>
-          <p:nvPr>
-            <p:ph type="sldNum" sz="quarter" idx="12"/>
-          </p:nvPr>
-        </p:nvSpPr>
-        <p:spPr/>
-        <p:txBody>
-          <a:bodyPr/>
-          <a:lstStyle/>
-          <a:p>
-            <a:fld id="{F26D9103-0C5C-48AC-B68E-3ED2C1647047}" type="slidenum">
-              <a:rPr lang="en-US" smtClean="0"/>
-              <a:pPr/>
-              <a:t>18</a:t>
-            </a:fld>
-            <a:endParaRPr lang="en-US" dirty="0"/>
-          </a:p>
-        </p:txBody>
-      </p:sp>
-    </p:spTree>
-    <p:extLst>
-      <p:ext uri="{BB962C8B-B14F-4D97-AF65-F5344CB8AC3E}">
-        <p14:creationId xmlns:p14="http://schemas.microsoft.com/office/powerpoint/2010/main" val="160555418"/>
-      </p:ext>
-    </p:extLst>
-  </p:cSld>
-  <p:clrMapOvr>
-    <a:masterClrMapping/>
-  </p:clrMapOvr>
-</p:sld>
-</file>
-
-<file path=ppt/slides/slide19.xml><?xml version="1.0" encoding="utf-8"?>
-<p:sld xmlns:a="http://schemas.openxmlformats.org/drawingml/2006/main" xmlns:r="http://schemas.openxmlformats.org/officeDocument/2006/relationships" xmlns:p="http://schemas.openxmlformats.org/presentationml/2006/main">
-  <p:cSld>
-    <p:spTree>
-      <p:nvGrpSpPr>
-        <p:cNvPr id="1" name=""/>
-        <p:cNvGrpSpPr/>
-        <p:nvPr/>
-      </p:nvGrpSpPr>
-      <p:grpSpPr>
-        <a:xfrm>
-          <a:off x="0" y="0"/>
-          <a:ext cx="0" cy="0"/>
-          <a:chOff x="0" y="0"/>
-          <a:chExt cx="0" cy="0"/>
-        </a:xfrm>
-      </p:grpSpPr>
-      <p:sp>
-        <p:nvSpPr>
-          <p:cNvPr id="18434" name="Title 1"/>
-          <p:cNvSpPr>
-            <a:spLocks noGrp="1"/>
-          </p:cNvSpPr>
-          <p:nvPr>
-            <p:ph type="title"/>
-          </p:nvPr>
-        </p:nvSpPr>
-        <p:spPr>
-          <a:xfrm>
-            <a:off x="1141413" y="497938"/>
-            <a:ext cx="9905998" cy="969122"/>
-          </a:xfrm>
-        </p:spPr>
-        <p:txBody>
-          <a:bodyPr/>
-          <a:lstStyle/>
-          <a:p>
-            <a:pPr algn="ctr"/>
-            <a:r>
-              <a:rPr lang="en-US" dirty="0"/>
-              <a:t>Office Hours</a:t>
-            </a:r>
-          </a:p>
-        </p:txBody>
-      </p:sp>
-      <p:sp>
-        <p:nvSpPr>
-          <p:cNvPr id="18435" name="Content Placeholder 2"/>
-          <p:cNvSpPr>
-            <a:spLocks noGrp="1"/>
-          </p:cNvSpPr>
-          <p:nvPr>
-            <p:ph idx="1"/>
-          </p:nvPr>
-        </p:nvSpPr>
-        <p:spPr/>
-        <p:txBody>
-          <a:bodyPr>
-            <a:normAutofit/>
-          </a:bodyPr>
-          <a:lstStyle/>
-          <a:p>
-            <a:pPr algn="l"/>
-            <a:r>
-              <a:rPr lang="en-US" dirty="0"/>
-              <a:t>Let’s discuss office hours by looking at the course website.</a:t>
-            </a:r>
-          </a:p>
-        </p:txBody>
-      </p:sp>
-      <p:sp>
-        <p:nvSpPr>
-          <p:cNvPr id="4" name="Slide Number Placeholder 3"/>
-          <p:cNvSpPr>
-            <a:spLocks noGrp="1"/>
-          </p:cNvSpPr>
-          <p:nvPr>
-            <p:ph type="sldNum" sz="quarter" idx="12"/>
-          </p:nvPr>
-        </p:nvSpPr>
-        <p:spPr/>
-        <p:txBody>
-          <a:bodyPr/>
-          <a:lstStyle/>
-          <a:p>
-            <a:fld id="{F26D9103-0C5C-48AC-B68E-3ED2C1647047}" type="slidenum">
-              <a:rPr lang="en-US" smtClean="0"/>
-              <a:pPr/>
-              <a:t>19</a:t>
-            </a:fld>
-            <a:endParaRPr lang="en-US" dirty="0"/>
-          </a:p>
-        </p:txBody>
-      </p:sp>
-    </p:spTree>
-    <p:extLst>
-      <p:ext uri="{BB962C8B-B14F-4D97-AF65-F5344CB8AC3E}">
-        <p14:creationId xmlns:p14="http://schemas.microsoft.com/office/powerpoint/2010/main" val="3481522597"/>
-      </p:ext>
-    </p:extLst>
-  </p:cSld>
-  <p:clrMapOvr>
-    <a:masterClrMapping/>
-  </p:clrMapOvr>
-</p:sld>
-</file>
-
-<file path=ppt/slides/slide2.xml><?xml version="1.0" encoding="utf-8"?>
-<p:sld xmlns:a="http://schemas.openxmlformats.org/drawingml/2006/main" xmlns:r="http://schemas.openxmlformats.org/officeDocument/2006/relationships" xmlns:p="http://schemas.openxmlformats.org/presentationml/2006/main">
-  <p:cSld>
-    <p:spTree>
-      <p:nvGrpSpPr>
-        <p:cNvPr id="1" name=""/>
-        <p:cNvGrpSpPr/>
-        <p:nvPr/>
-      </p:nvGrpSpPr>
-      <p:grpSpPr>
-        <a:xfrm>
-          <a:off x="0" y="0"/>
-          <a:ext cx="0" cy="0"/>
-          <a:chOff x="0" y="0"/>
-          <a:chExt cx="0" cy="0"/>
-        </a:xfrm>
-      </p:grpSpPr>
-      <p:sp>
-        <p:nvSpPr>
-          <p:cNvPr id="5" name="Title 4"/>
-          <p:cNvSpPr>
-            <a:spLocks noGrp="1"/>
-          </p:cNvSpPr>
-          <p:nvPr>
-            <p:ph type="title"/>
-          </p:nvPr>
-        </p:nvSpPr>
-        <p:spPr/>
-        <p:txBody>
-          <a:bodyPr/>
-          <a:lstStyle/>
-          <a:p>
-            <a:r>
-              <a:rPr lang="en-US" dirty="0"/>
-              <a:t>Course introduction</a:t>
-            </a:r>
-          </a:p>
-        </p:txBody>
-      </p:sp>
-      <p:sp>
-        <p:nvSpPr>
-          <p:cNvPr id="6" name="Text Placeholder 5"/>
-          <p:cNvSpPr>
-            <a:spLocks noGrp="1"/>
-          </p:cNvSpPr>
-          <p:nvPr>
-            <p:ph type="body" idx="1"/>
-          </p:nvPr>
-        </p:nvSpPr>
-        <p:spPr/>
-        <p:txBody>
-          <a:bodyPr/>
-          <a:lstStyle/>
-          <a:p>
-            <a:endParaRPr lang="en-US"/>
-          </a:p>
-        </p:txBody>
-      </p:sp>
-      <p:sp>
-        <p:nvSpPr>
-          <p:cNvPr id="3" name="Slide Number Placeholder 2"/>
-          <p:cNvSpPr>
-            <a:spLocks noGrp="1"/>
-          </p:cNvSpPr>
-          <p:nvPr>
-            <p:ph type="sldNum" sz="quarter" idx="12"/>
-          </p:nvPr>
-        </p:nvSpPr>
-        <p:spPr/>
-        <p:txBody>
-          <a:bodyPr/>
-          <a:lstStyle/>
-          <a:p>
-            <a:fld id="{F26D9103-0C5C-48AC-B68E-3ED2C1647047}" type="slidenum">
-              <a:rPr lang="en-US" smtClean="0"/>
-              <a:pPr/>
-              <a:t>2</a:t>
-            </a:fld>
-            <a:endParaRPr lang="en-US"/>
-          </a:p>
-        </p:txBody>
-      </p:sp>
-    </p:spTree>
-    <p:extLst>
-      <p:ext uri="{BB962C8B-B14F-4D97-AF65-F5344CB8AC3E}">
-        <p14:creationId xmlns:p14="http://schemas.microsoft.com/office/powerpoint/2010/main" val="2875199545"/>
-      </p:ext>
-    </p:extLst>
-  </p:cSld>
-  <p:clrMapOvr>
-    <a:masterClrMapping/>
-  </p:clrMapOvr>
-</p:sld>
-</file>
-
-<file path=ppt/slides/slide20.xml><?xml version="1.0" encoding="utf-8"?>
-<p:sld xmlns:a="http://schemas.openxmlformats.org/drawingml/2006/main" xmlns:r="http://schemas.openxmlformats.org/officeDocument/2006/relationships" xmlns:p="http://schemas.openxmlformats.org/presentationml/2006/main">
-  <p:cSld>
-    <p:spTree>
-      <p:nvGrpSpPr>
-        <p:cNvPr id="1" name=""/>
-        <p:cNvGrpSpPr/>
-        <p:nvPr/>
-      </p:nvGrpSpPr>
-      <p:grpSpPr>
-        <a:xfrm>
-          <a:off x="0" y="0"/>
-          <a:ext cx="0" cy="0"/>
-          <a:chOff x="0" y="0"/>
-          <a:chExt cx="0" cy="0"/>
-        </a:xfrm>
-      </p:grpSpPr>
-      <p:sp>
-        <p:nvSpPr>
-          <p:cNvPr id="16386" name="Title 1"/>
-          <p:cNvSpPr>
-            <a:spLocks noGrp="1"/>
-          </p:cNvSpPr>
-          <p:nvPr>
-            <p:ph type="title"/>
-          </p:nvPr>
-        </p:nvSpPr>
-        <p:spPr>
-          <a:xfrm>
-            <a:off x="1141413" y="397455"/>
-            <a:ext cx="9905998" cy="828445"/>
-          </a:xfrm>
-        </p:spPr>
-        <p:txBody>
-          <a:bodyPr/>
-          <a:lstStyle/>
-          <a:p>
-            <a:pPr algn="ctr"/>
-            <a:r>
-              <a:rPr lang="en-US" dirty="0"/>
-              <a:t>Homework: Programming Hints</a:t>
-            </a:r>
-          </a:p>
-        </p:txBody>
-      </p:sp>
-      <p:sp>
-        <p:nvSpPr>
-          <p:cNvPr id="16387" name="Content Placeholder 2"/>
-          <p:cNvSpPr>
-            <a:spLocks noGrp="1"/>
-          </p:cNvSpPr>
-          <p:nvPr>
-            <p:ph idx="1"/>
-          </p:nvPr>
-        </p:nvSpPr>
-        <p:spPr>
-          <a:xfrm>
-            <a:off x="1371600" y="1526633"/>
-            <a:ext cx="9654176" cy="4950367"/>
-          </a:xfrm>
-        </p:spPr>
-        <p:txBody>
-          <a:bodyPr>
-            <a:normAutofit fontScale="92500" lnSpcReduction="10000"/>
-          </a:bodyPr>
-          <a:lstStyle/>
-          <a:p>
-            <a:r>
-              <a:rPr lang="en-US" dirty="0"/>
-              <a:t>Understand the problem!</a:t>
-            </a:r>
-          </a:p>
-          <a:p>
-            <a:r>
-              <a:rPr lang="en-US" dirty="0"/>
-              <a:t>Consider all boundary cases</a:t>
-            </a:r>
-          </a:p>
-          <a:p>
-            <a:r>
-              <a:rPr lang="en-US" dirty="0"/>
-              <a:t>Use pre-existing library code</a:t>
-            </a:r>
-          </a:p>
-          <a:p>
-            <a:pPr lvl="1"/>
-            <a:r>
-              <a:rPr lang="en-US" dirty="0"/>
-              <a:t>Number formatting: </a:t>
-            </a:r>
-            <a:r>
-              <a:rPr lang="en-US" dirty="0" err="1"/>
-              <a:t>NumberFormat</a:t>
-            </a:r>
-            <a:r>
-              <a:rPr lang="en-US" dirty="0"/>
-              <a:t> in Java, </a:t>
-            </a:r>
-            <a:r>
-              <a:rPr lang="en-US" dirty="0" err="1"/>
-              <a:t>printf</a:t>
-            </a:r>
-            <a:r>
-              <a:rPr lang="en-US" dirty="0"/>
-              <a:t>() in C/C++</a:t>
-            </a:r>
-          </a:p>
-          <a:p>
-            <a:pPr lvl="1"/>
-            <a:r>
-              <a:rPr lang="en-US" dirty="0"/>
-              <a:t>Input: Scanner in Java, </a:t>
-            </a:r>
-            <a:r>
-              <a:rPr lang="en-US" dirty="0" err="1"/>
-              <a:t>scanf</a:t>
-            </a:r>
-            <a:r>
-              <a:rPr lang="en-US" dirty="0"/>
-              <a:t>() in C, </a:t>
-            </a:r>
-            <a:r>
-              <a:rPr lang="en-US" dirty="0" err="1"/>
-              <a:t>cin</a:t>
-            </a:r>
-            <a:r>
-              <a:rPr lang="en-US" dirty="0"/>
-              <a:t> in C++</a:t>
-            </a:r>
-          </a:p>
-          <a:p>
-            <a:r>
-              <a:rPr lang="en-US" dirty="0"/>
-              <a:t>Know how to handle floating point numbers</a:t>
-            </a:r>
-          </a:p>
-          <a:p>
-            <a:pPr lvl="1"/>
-            <a:r>
-              <a:rPr lang="en-US" dirty="0"/>
-              <a:t>Understand float/double precision issues</a:t>
-            </a:r>
-          </a:p>
-          <a:p>
-            <a:pPr lvl="1"/>
-            <a:r>
-              <a:rPr lang="en-US" dirty="0"/>
-              <a:t>Rounding, floating-point mod</a:t>
-            </a:r>
-          </a:p>
-          <a:p>
-            <a:r>
-              <a:rPr lang="en-US" dirty="0"/>
-              <a:t>Make sure it works for the provided test cases</a:t>
-            </a:r>
-          </a:p>
-          <a:p>
-            <a:r>
-              <a:rPr lang="en-US" dirty="0"/>
-              <a:t>Then write some of your own</a:t>
-            </a:r>
-          </a:p>
-          <a:p>
-            <a:r>
-              <a:rPr lang="en-US" dirty="0"/>
-              <a:t>Make sure you read the language specific details for submission!!!</a:t>
-            </a:r>
-          </a:p>
-        </p:txBody>
-      </p:sp>
-      <p:sp>
-        <p:nvSpPr>
-          <p:cNvPr id="4" name="Slide Number Placeholder 3"/>
-          <p:cNvSpPr>
-            <a:spLocks noGrp="1"/>
-          </p:cNvSpPr>
-          <p:nvPr>
-            <p:ph type="sldNum" sz="quarter" idx="12"/>
-          </p:nvPr>
-        </p:nvSpPr>
-        <p:spPr/>
-        <p:txBody>
-          <a:bodyPr/>
-          <a:lstStyle/>
-          <a:p>
-            <a:fld id="{F26D9103-0C5C-48AC-B68E-3ED2C1647047}" type="slidenum">
-              <a:rPr lang="en-US" smtClean="0"/>
-              <a:pPr/>
-              <a:t>20</a:t>
-            </a:fld>
-            <a:endParaRPr lang="en-US"/>
-          </a:p>
-        </p:txBody>
-      </p:sp>
-    </p:spTree>
-    <p:extLst>
-      <p:ext uri="{BB962C8B-B14F-4D97-AF65-F5344CB8AC3E}">
-        <p14:creationId xmlns:p14="http://schemas.microsoft.com/office/powerpoint/2010/main" val="1237736184"/>
-      </p:ext>
-    </p:extLst>
-  </p:cSld>
-  <p:clrMapOvr>
-    <a:masterClrMapping/>
-  </p:clrMapOvr>
-</p:sld>
-</file>
-
-<file path=ppt/slides/slide21.xml><?xml version="1.0" encoding="utf-8"?>
-<p:sld xmlns:a="http://schemas.openxmlformats.org/drawingml/2006/main" xmlns:r="http://schemas.openxmlformats.org/officeDocument/2006/relationships" xmlns:p="http://schemas.openxmlformats.org/presentationml/2006/main">
-  <p:cSld>
-    <p:spTree>
-      <p:nvGrpSpPr>
-        <p:cNvPr id="1" name=""/>
-        <p:cNvGrpSpPr/>
-        <p:nvPr/>
-      </p:nvGrpSpPr>
-      <p:grpSpPr>
-        <a:xfrm>
-          <a:off x="0" y="0"/>
-          <a:ext cx="0" cy="0"/>
-          <a:chOff x="0" y="0"/>
-          <a:chExt cx="0" cy="0"/>
-        </a:xfrm>
-      </p:grpSpPr>
-      <p:sp>
-        <p:nvSpPr>
-          <p:cNvPr id="2" name="Title 1"/>
-          <p:cNvSpPr>
-            <a:spLocks noGrp="1"/>
-          </p:cNvSpPr>
-          <p:nvPr>
-            <p:ph type="title"/>
-          </p:nvPr>
-        </p:nvSpPr>
-        <p:spPr>
-          <a:xfrm>
-            <a:off x="1141413" y="437648"/>
-            <a:ext cx="9905998" cy="794787"/>
-          </a:xfrm>
-        </p:spPr>
-        <p:txBody>
-          <a:bodyPr/>
-          <a:lstStyle/>
-          <a:p>
-            <a:pPr algn="ctr"/>
-            <a:r>
-              <a:rPr lang="en-US" dirty="0"/>
-              <a:t>Homework: Programming FAQ</a:t>
-            </a:r>
-          </a:p>
-        </p:txBody>
-      </p:sp>
-      <p:sp>
-        <p:nvSpPr>
-          <p:cNvPr id="4" name="Content Placeholder 3"/>
-          <p:cNvSpPr>
-            <a:spLocks noGrp="1"/>
-          </p:cNvSpPr>
-          <p:nvPr>
-            <p:ph idx="1"/>
-          </p:nvPr>
-        </p:nvSpPr>
-        <p:spPr>
-          <a:xfrm>
-            <a:off x="1467229" y="1718106"/>
-            <a:ext cx="9429371" cy="4835094"/>
-          </a:xfrm>
-        </p:spPr>
-        <p:txBody>
-          <a:bodyPr>
-            <a:normAutofit fontScale="92500" lnSpcReduction="10000"/>
-          </a:bodyPr>
-          <a:lstStyle/>
-          <a:p>
-            <a:r>
-              <a:rPr lang="en-US" dirty="0"/>
-              <a:t>Do I need to write my own sorting methods.</a:t>
-            </a:r>
-          </a:p>
-          <a:p>
-            <a:pPr lvl="1"/>
-            <a:r>
-              <a:rPr lang="en-US" dirty="0"/>
-              <a:t>No, unless the point of that assignment is to write sorting methods, you can use libraries for this.</a:t>
-            </a:r>
-          </a:p>
-          <a:p>
-            <a:pPr lvl="1"/>
-            <a:endParaRPr lang="en-US" dirty="0"/>
-          </a:p>
-          <a:p>
-            <a:r>
-              <a:rPr lang="en-US" dirty="0"/>
-              <a:t>Can I get the test cases from submission server?</a:t>
-            </a:r>
-          </a:p>
-          <a:p>
-            <a:pPr lvl="1"/>
-            <a:r>
-              <a:rPr lang="en-US" dirty="0"/>
-              <a:t>No, part of the point is to work on brainstorming cases your code is missing without being told. Submission server will give limited feedback on purpose!</a:t>
-            </a:r>
-          </a:p>
-          <a:p>
-            <a:pPr lvl="1"/>
-            <a:endParaRPr lang="en-US" dirty="0"/>
-          </a:p>
-          <a:p>
-            <a:r>
-              <a:rPr lang="en-US" dirty="0"/>
-              <a:t>Will you help me debug my code?</a:t>
-            </a:r>
-          </a:p>
-          <a:p>
-            <a:pPr lvl="1"/>
-            <a:r>
-              <a:rPr lang="en-US" dirty="0"/>
-              <a:t>No, we won’t. You need to learn how to do this on your own. I’m happy to give you advice on how to approach your debugging problems, but I will not sit down and debug code with you.</a:t>
-            </a:r>
-          </a:p>
-        </p:txBody>
-      </p:sp>
-      <p:sp>
-        <p:nvSpPr>
-          <p:cNvPr id="3" name="Slide Number Placeholder 2"/>
-          <p:cNvSpPr>
-            <a:spLocks noGrp="1"/>
-          </p:cNvSpPr>
-          <p:nvPr>
-            <p:ph type="sldNum" sz="quarter" idx="12"/>
-          </p:nvPr>
-        </p:nvSpPr>
-        <p:spPr/>
-        <p:txBody>
-          <a:bodyPr/>
-          <a:lstStyle/>
-          <a:p>
-            <a:fld id="{F26D9103-0C5C-48AC-B68E-3ED2C1647047}" type="slidenum">
-              <a:rPr lang="en-US" smtClean="0"/>
-              <a:pPr/>
-              <a:t>21</a:t>
-            </a:fld>
-            <a:endParaRPr lang="en-US"/>
-          </a:p>
-        </p:txBody>
-      </p:sp>
-    </p:spTree>
-    <p:extLst>
-      <p:ext uri="{BB962C8B-B14F-4D97-AF65-F5344CB8AC3E}">
-        <p14:creationId xmlns:p14="http://schemas.microsoft.com/office/powerpoint/2010/main" val="109002242"/>
-      </p:ext>
-    </p:extLst>
-  </p:cSld>
-  <p:clrMapOvr>
-    <a:masterClrMapping/>
-  </p:clrMapOvr>
-</p:sld>
-</file>
-
-<file path=ppt/slides/slide22.xml><?xml version="1.0" encoding="utf-8"?>
-<p:sld xmlns:a="http://schemas.openxmlformats.org/drawingml/2006/main" xmlns:r="http://schemas.openxmlformats.org/officeDocument/2006/relationships" xmlns:p="http://schemas.openxmlformats.org/presentationml/2006/main">
-  <p:cSld>
-    <p:spTree>
-      <p:nvGrpSpPr>
-        <p:cNvPr id="1" name=""/>
-        <p:cNvGrpSpPr/>
-        <p:nvPr/>
-      </p:nvGrpSpPr>
-      <p:grpSpPr>
-        <a:xfrm>
-          <a:off x="0" y="0"/>
-          <a:ext cx="0" cy="0"/>
-          <a:chOff x="0" y="0"/>
-          <a:chExt cx="0" cy="0"/>
-        </a:xfrm>
-      </p:grpSpPr>
-      <p:sp>
-        <p:nvSpPr>
-          <p:cNvPr id="17410" name="Title 1"/>
-          <p:cNvSpPr>
-            <a:spLocks noGrp="1"/>
-          </p:cNvSpPr>
-          <p:nvPr>
-            <p:ph type="title"/>
-          </p:nvPr>
-        </p:nvSpPr>
-        <p:spPr>
-          <a:xfrm>
-            <a:off x="1141413" y="457745"/>
-            <a:ext cx="9905998" cy="874078"/>
-          </a:xfrm>
-        </p:spPr>
-        <p:txBody>
-          <a:bodyPr/>
-          <a:lstStyle/>
-          <a:p>
-            <a:pPr algn="ctr"/>
-            <a:r>
-              <a:rPr lang="en-US" dirty="0"/>
-              <a:t>Homework: Written</a:t>
-            </a:r>
-          </a:p>
-        </p:txBody>
-      </p:sp>
-      <p:sp>
-        <p:nvSpPr>
-          <p:cNvPr id="17411" name="Content Placeholder 2"/>
-          <p:cNvSpPr>
-            <a:spLocks noGrp="1"/>
-          </p:cNvSpPr>
-          <p:nvPr>
-            <p:ph idx="1"/>
-          </p:nvPr>
-        </p:nvSpPr>
-        <p:spPr>
-          <a:xfrm>
-            <a:off x="1621861" y="1644997"/>
-            <a:ext cx="9274739" cy="4755803"/>
-          </a:xfrm>
-        </p:spPr>
-        <p:txBody>
-          <a:bodyPr/>
-          <a:lstStyle/>
-          <a:p>
-            <a:r>
-              <a:rPr lang="en-US" dirty="0"/>
-              <a:t>These assignments must be typeset in </a:t>
-            </a:r>
-            <a:r>
-              <a:rPr lang="en-US" dirty="0" err="1"/>
-              <a:t>LaTeX</a:t>
-            </a:r>
-            <a:endParaRPr lang="en-US" dirty="0"/>
-          </a:p>
-          <a:p>
-            <a:endParaRPr lang="en-US" dirty="0"/>
-          </a:p>
-          <a:p>
-            <a:r>
-              <a:rPr lang="en-US" dirty="0"/>
-              <a:t>I will provide a couple tutorials, guides, and templates when the first assignment is given out</a:t>
-            </a:r>
-          </a:p>
-          <a:p>
-            <a:endParaRPr lang="en-US" dirty="0"/>
-          </a:p>
-          <a:p>
-            <a:r>
-              <a:rPr lang="en-US" dirty="0"/>
-              <a:t>You may not embed images of text or formulas!</a:t>
-            </a:r>
-          </a:p>
-          <a:p>
-            <a:endParaRPr lang="en-US" dirty="0"/>
-          </a:p>
-        </p:txBody>
-      </p:sp>
-      <p:sp>
-        <p:nvSpPr>
-          <p:cNvPr id="4" name="Slide Number Placeholder 3"/>
-          <p:cNvSpPr>
-            <a:spLocks noGrp="1"/>
-          </p:cNvSpPr>
-          <p:nvPr>
-            <p:ph type="sldNum" sz="quarter" idx="12"/>
-          </p:nvPr>
-        </p:nvSpPr>
-        <p:spPr/>
-        <p:txBody>
-          <a:bodyPr/>
-          <a:lstStyle/>
-          <a:p>
-            <a:fld id="{F26D9103-0C5C-48AC-B68E-3ED2C1647047}" type="slidenum">
-              <a:rPr lang="en-US" smtClean="0"/>
-              <a:pPr/>
-              <a:t>22</a:t>
-            </a:fld>
-            <a:endParaRPr lang="en-US"/>
-          </a:p>
-        </p:txBody>
-      </p:sp>
-    </p:spTree>
-    <p:extLst>
-      <p:ext uri="{BB962C8B-B14F-4D97-AF65-F5344CB8AC3E}">
-        <p14:creationId xmlns:p14="http://schemas.microsoft.com/office/powerpoint/2010/main" val="4248825475"/>
-      </p:ext>
-    </p:extLst>
-  </p:cSld>
-  <p:clrMapOvr>
-    <a:masterClrMapping/>
-  </p:clrMapOvr>
-</p:sld>
-</file>
-
-<file path=ppt/slides/slide23.xml><?xml version="1.0" encoding="utf-8"?>
-<p:sld xmlns:a="http://schemas.openxmlformats.org/drawingml/2006/main" xmlns:r="http://schemas.openxmlformats.org/officeDocument/2006/relationships" xmlns:p="http://schemas.openxmlformats.org/presentationml/2006/main">
-  <p:cSld>
-    <p:spTree>
-      <p:nvGrpSpPr>
-        <p:cNvPr id="1" name=""/>
-        <p:cNvGrpSpPr/>
-        <p:nvPr/>
-      </p:nvGrpSpPr>
-      <p:grpSpPr>
-        <a:xfrm>
-          <a:off x="0" y="0"/>
-          <a:ext cx="0" cy="0"/>
-          <a:chOff x="0" y="0"/>
-          <a:chExt cx="0" cy="0"/>
-        </a:xfrm>
-      </p:grpSpPr>
-      <p:sp>
-        <p:nvSpPr>
-          <p:cNvPr id="2" name="Title 1">
-            <a:extLst>
-              <a:ext uri="{FF2B5EF4-FFF2-40B4-BE49-F238E27FC236}">
-                <a16:creationId xmlns:a16="http://schemas.microsoft.com/office/drawing/2014/main" id="{8E5DC06E-652D-CD40-8782-E878E11BC092}"/>
-              </a:ext>
-            </a:extLst>
-          </p:cNvPr>
-          <p:cNvSpPr>
-            <a:spLocks noGrp="1"/>
-          </p:cNvSpPr>
-          <p:nvPr>
-            <p:ph type="title"/>
-          </p:nvPr>
-        </p:nvSpPr>
-        <p:spPr>
-          <a:xfrm>
-            <a:off x="1141413" y="538132"/>
-            <a:ext cx="9905998" cy="799137"/>
-          </a:xfrm>
-        </p:spPr>
-        <p:txBody>
-          <a:bodyPr/>
-          <a:lstStyle/>
-          <a:p>
-            <a:pPr algn="ctr"/>
-            <a:r>
-              <a:rPr lang="en-US" dirty="0"/>
-              <a:t>Use of Online Code Etc.</a:t>
-            </a:r>
-          </a:p>
-        </p:txBody>
-      </p:sp>
-      <p:sp>
-        <p:nvSpPr>
-          <p:cNvPr id="4" name="Content Placeholder 3">
-            <a:extLst>
-              <a:ext uri="{FF2B5EF4-FFF2-40B4-BE49-F238E27FC236}">
-                <a16:creationId xmlns:a16="http://schemas.microsoft.com/office/drawing/2014/main" id="{8C2A69A9-9079-244C-BEAE-11CF7ACAB26E}"/>
-              </a:ext>
-            </a:extLst>
-          </p:cNvPr>
-          <p:cNvSpPr>
-            <a:spLocks noGrp="1"/>
-          </p:cNvSpPr>
-          <p:nvPr>
-            <p:ph idx="1"/>
-          </p:nvPr>
-        </p:nvSpPr>
-        <p:spPr>
-          <a:xfrm>
-            <a:off x="1447800" y="1722456"/>
-            <a:ext cx="9420888" cy="4830744"/>
-          </a:xfrm>
-        </p:spPr>
-        <p:txBody>
-          <a:bodyPr>
-            <a:normAutofit fontScale="92500"/>
-          </a:bodyPr>
-          <a:lstStyle/>
-          <a:p>
-            <a:r>
-              <a:rPr lang="en-US" u="sng" dirty="0"/>
-              <a:t>Studying</a:t>
-            </a:r>
-            <a:r>
-              <a:rPr lang="en-US" dirty="0"/>
-              <a:t> code or proofs online is permitted </a:t>
-            </a:r>
-            <a:r>
-              <a:rPr lang="en-US" u="sng" dirty="0"/>
-              <a:t>but only</a:t>
-            </a:r>
-            <a:r>
-              <a:rPr lang="en-US" dirty="0"/>
-              <a:t> for getting ideas</a:t>
-            </a:r>
-          </a:p>
-          <a:p>
-            <a:r>
-              <a:rPr lang="en-US" dirty="0"/>
-              <a:t>Copying or reusing code or proofs from an online source violates the pledge</a:t>
-            </a:r>
-          </a:p>
-          <a:p>
-            <a:pPr lvl="1"/>
-            <a:r>
-              <a:rPr lang="en-US" dirty="0"/>
-              <a:t>You must cite sources of any online code you use in this way in a comment in your source file(s)</a:t>
-            </a:r>
-          </a:p>
-          <a:p>
-            <a:pPr lvl="1"/>
-            <a:endParaRPr lang="en-US" dirty="0"/>
-          </a:p>
-          <a:p>
-            <a:r>
-              <a:rPr lang="en-US" dirty="0"/>
-              <a:t>Remember:  the purpose of the homework is</a:t>
-            </a:r>
-          </a:p>
-          <a:p>
-            <a:pPr lvl="1"/>
-            <a:r>
-              <a:rPr lang="en-US" dirty="0"/>
-              <a:t>To </a:t>
-            </a:r>
-            <a:r>
-              <a:rPr lang="en-US" b="1" i="1" u="sng" dirty="0"/>
-              <a:t>practice</a:t>
-            </a:r>
-            <a:r>
-              <a:rPr lang="en-US" dirty="0"/>
-              <a:t> in an environment that is lower-stress</a:t>
-            </a:r>
-          </a:p>
-          <a:p>
-            <a:pPr lvl="1"/>
-            <a:r>
-              <a:rPr lang="en-US" dirty="0"/>
-              <a:t>To </a:t>
-            </a:r>
-            <a:r>
-              <a:rPr lang="en-US" b="1" i="1" u="sng" dirty="0"/>
-              <a:t>push yourself </a:t>
-            </a:r>
-            <a:r>
-              <a:rPr lang="en-US" dirty="0"/>
-              <a:t>to solve think about the theory of computation and to prepare you for the quizzes, NOT just to get a grade.</a:t>
-            </a:r>
-          </a:p>
-          <a:p>
-            <a:pPr lvl="1"/>
-            <a:r>
-              <a:rPr lang="en-US" dirty="0"/>
-              <a:t>To </a:t>
-            </a:r>
-            <a:r>
-              <a:rPr lang="en-US" b="1" i="1" u="sng" dirty="0"/>
-              <a:t>work out the logical part </a:t>
-            </a:r>
-            <a:r>
-              <a:rPr lang="en-US" dirty="0"/>
-              <a:t>of your brain </a:t>
-            </a:r>
-            <a:r>
-              <a:rPr lang="en-US" dirty="0">
-                <a:sym typeface="Wingdings" pitchFamily="2" charset="2"/>
-              </a:rPr>
-              <a:t></a:t>
-            </a:r>
-            <a:endParaRPr lang="en-US" dirty="0"/>
-          </a:p>
-          <a:p>
-            <a:pPr lvl="1"/>
-            <a:r>
-              <a:rPr lang="en-US" dirty="0"/>
-              <a:t>To focus on </a:t>
-            </a:r>
-            <a:r>
-              <a:rPr lang="en-US" b="1" i="1" u="sng" dirty="0"/>
-              <a:t>attempting to solve problems yourself </a:t>
-            </a:r>
-            <a:r>
-              <a:rPr lang="en-US" dirty="0"/>
-              <a:t>before asking others for assistance.</a:t>
-            </a:r>
-          </a:p>
-          <a:p>
-            <a:endParaRPr lang="en-US" dirty="0"/>
-          </a:p>
-        </p:txBody>
-      </p:sp>
-      <p:sp>
-        <p:nvSpPr>
-          <p:cNvPr id="3" name="Slide Number Placeholder 2">
-            <a:extLst>
-              <a:ext uri="{FF2B5EF4-FFF2-40B4-BE49-F238E27FC236}">
-                <a16:creationId xmlns:a16="http://schemas.microsoft.com/office/drawing/2014/main" id="{56136DFE-FBB4-E24C-ABB6-77FCF4FCA26D}"/>
-              </a:ext>
-            </a:extLst>
-          </p:cNvPr>
-          <p:cNvSpPr>
-            <a:spLocks noGrp="1"/>
-          </p:cNvSpPr>
-          <p:nvPr>
-            <p:ph type="sldNum" sz="quarter" idx="12"/>
-          </p:nvPr>
-        </p:nvSpPr>
-        <p:spPr/>
-        <p:txBody>
-          <a:bodyPr/>
-          <a:lstStyle/>
-          <a:p>
-            <a:fld id="{F26D9103-0C5C-48AC-B68E-3ED2C1647047}" type="slidenum">
-              <a:rPr lang="en-US" smtClean="0"/>
-              <a:pPr/>
-              <a:t>23</a:t>
-            </a:fld>
-            <a:endParaRPr lang="en-US"/>
-          </a:p>
-        </p:txBody>
-      </p:sp>
-    </p:spTree>
-    <p:extLst>
-      <p:ext uri="{BB962C8B-B14F-4D97-AF65-F5344CB8AC3E}">
-        <p14:creationId xmlns:p14="http://schemas.microsoft.com/office/powerpoint/2010/main" val="3316639139"/>
-      </p:ext>
-    </p:extLst>
-  </p:cSld>
-  <p:clrMapOvr>
-    <a:masterClrMapping/>
-  </p:clrMapOvr>
-</p:sld>
-</file>
-
-<file path=ppt/slides/slide24.xml><?xml version="1.0" encoding="utf-8"?>
-<p:sld xmlns:a="http://schemas.openxmlformats.org/drawingml/2006/main" xmlns:r="http://schemas.openxmlformats.org/officeDocument/2006/relationships" xmlns:p="http://schemas.openxmlformats.org/presentationml/2006/main">
-  <p:cSld>
-    <p:spTree>
-      <p:nvGrpSpPr>
-        <p:cNvPr id="1" name=""/>
-        <p:cNvGrpSpPr/>
-        <p:nvPr/>
-      </p:nvGrpSpPr>
-      <p:grpSpPr>
-        <a:xfrm>
-          <a:off x="0" y="0"/>
-          <a:ext cx="0" cy="0"/>
-          <a:chOff x="0" y="0"/>
-          <a:chExt cx="0" cy="0"/>
-        </a:xfrm>
-      </p:grpSpPr>
-      <p:sp>
-        <p:nvSpPr>
-          <p:cNvPr id="18434" name="Title 1"/>
-          <p:cNvSpPr>
-            <a:spLocks noGrp="1"/>
-          </p:cNvSpPr>
-          <p:nvPr>
-            <p:ph type="title"/>
-          </p:nvPr>
-        </p:nvSpPr>
-        <p:spPr>
-          <a:xfrm>
-            <a:off x="1141413" y="427600"/>
-            <a:ext cx="9905998" cy="823212"/>
-          </a:xfrm>
-        </p:spPr>
-        <p:txBody>
-          <a:bodyPr/>
-          <a:lstStyle/>
-          <a:p>
-            <a:pPr algn="ctr"/>
-            <a:r>
-              <a:rPr lang="en-US" dirty="0"/>
-              <a:t>Working in groups</a:t>
-            </a:r>
-          </a:p>
-        </p:txBody>
-      </p:sp>
-      <p:sp>
-        <p:nvSpPr>
-          <p:cNvPr id="18435" name="Content Placeholder 2"/>
-          <p:cNvSpPr>
-            <a:spLocks noGrp="1"/>
-          </p:cNvSpPr>
-          <p:nvPr>
-            <p:ph idx="1"/>
-          </p:nvPr>
-        </p:nvSpPr>
-        <p:spPr>
-          <a:xfrm>
-            <a:off x="1305446" y="1441730"/>
-            <a:ext cx="9819754" cy="5035270"/>
-          </a:xfrm>
-        </p:spPr>
-        <p:txBody>
-          <a:bodyPr>
-            <a:normAutofit/>
-          </a:bodyPr>
-          <a:lstStyle/>
-          <a:p>
-            <a:r>
-              <a:rPr lang="en-US" dirty="0"/>
-              <a:t>For the homework, you may work together in groups of 3 or less (written assignments)</a:t>
-            </a:r>
-          </a:p>
-          <a:p>
-            <a:pPr lvl="1"/>
-            <a:r>
-              <a:rPr lang="en-US" dirty="0"/>
-              <a:t>Submit one homework per group (I believe </a:t>
-            </a:r>
-            <a:r>
-              <a:rPr lang="en-US" dirty="0" err="1"/>
-              <a:t>Gradescope</a:t>
-            </a:r>
-            <a:r>
-              <a:rPr lang="en-US" dirty="0"/>
-              <a:t> supports this)</a:t>
-            </a:r>
-          </a:p>
-          <a:p>
-            <a:endParaRPr lang="en-US" dirty="0"/>
-          </a:p>
-          <a:p>
-            <a:r>
-              <a:rPr lang="en-US" dirty="0"/>
-              <a:t>For the programming homework, you may discuss the problems with your group of 3 or less, but you must:</a:t>
-            </a:r>
-          </a:p>
-          <a:p>
-            <a:pPr lvl="1"/>
-            <a:r>
-              <a:rPr lang="en-US" dirty="0"/>
-              <a:t>State who you worked with</a:t>
-            </a:r>
-          </a:p>
-          <a:p>
-            <a:pPr lvl="1"/>
-            <a:r>
-              <a:rPr lang="en-US" dirty="0"/>
-              <a:t>Type up your own implementation!</a:t>
-            </a:r>
-          </a:p>
-        </p:txBody>
-      </p:sp>
-      <p:sp>
-        <p:nvSpPr>
-          <p:cNvPr id="4" name="Slide Number Placeholder 3"/>
-          <p:cNvSpPr>
-            <a:spLocks noGrp="1"/>
-          </p:cNvSpPr>
-          <p:nvPr>
-            <p:ph type="sldNum" sz="quarter" idx="12"/>
-          </p:nvPr>
-        </p:nvSpPr>
-        <p:spPr/>
-        <p:txBody>
-          <a:bodyPr/>
-          <a:lstStyle/>
-          <a:p>
-            <a:fld id="{F26D9103-0C5C-48AC-B68E-3ED2C1647047}" type="slidenum">
-              <a:rPr lang="en-US" smtClean="0"/>
-              <a:pPr/>
-              <a:t>24</a:t>
-            </a:fld>
-            <a:endParaRPr lang="en-US" dirty="0"/>
-          </a:p>
-        </p:txBody>
-      </p:sp>
-    </p:spTree>
-    <p:extLst>
-      <p:ext uri="{BB962C8B-B14F-4D97-AF65-F5344CB8AC3E}">
-        <p14:creationId xmlns:p14="http://schemas.microsoft.com/office/powerpoint/2010/main" val="1292368053"/>
-      </p:ext>
-    </p:extLst>
-  </p:cSld>
-  <p:clrMapOvr>
-    <a:masterClrMapping/>
-  </p:clrMapOvr>
-</p:sld>
-</file>
-
-<file path=ppt/slides/slide25.xml><?xml version="1.0" encoding="utf-8"?>
-<p:sld xmlns:a="http://schemas.openxmlformats.org/drawingml/2006/main" xmlns:r="http://schemas.openxmlformats.org/officeDocument/2006/relationships" xmlns:p="http://schemas.openxmlformats.org/presentationml/2006/main">
-  <p:cSld>
-    <p:spTree>
-      <p:nvGrpSpPr>
-        <p:cNvPr id="1" name=""/>
-        <p:cNvGrpSpPr/>
-        <p:nvPr/>
-      </p:nvGrpSpPr>
-      <p:grpSpPr>
-        <a:xfrm>
-          <a:off x="0" y="0"/>
-          <a:ext cx="0" cy="0"/>
-          <a:chOff x="0" y="0"/>
-          <a:chExt cx="0" cy="0"/>
-        </a:xfrm>
-      </p:grpSpPr>
-      <p:sp>
-        <p:nvSpPr>
-          <p:cNvPr id="5" name="Title 4"/>
-          <p:cNvSpPr>
-            <a:spLocks noGrp="1"/>
-          </p:cNvSpPr>
-          <p:nvPr>
-            <p:ph type="title"/>
-          </p:nvPr>
-        </p:nvSpPr>
-        <p:spPr/>
-        <p:txBody>
-          <a:bodyPr/>
-          <a:lstStyle/>
-          <a:p>
-            <a:r>
-              <a:rPr lang="en-US" dirty="0"/>
-              <a:t>Course Objectives</a:t>
-            </a:r>
-          </a:p>
-        </p:txBody>
-      </p:sp>
-      <p:sp>
-        <p:nvSpPr>
-          <p:cNvPr id="6" name="Text Placeholder 5"/>
-          <p:cNvSpPr>
-            <a:spLocks noGrp="1"/>
-          </p:cNvSpPr>
-          <p:nvPr>
-            <p:ph type="body" idx="1"/>
-          </p:nvPr>
-        </p:nvSpPr>
-        <p:spPr/>
-        <p:txBody>
-          <a:bodyPr/>
-          <a:lstStyle/>
-          <a:p>
-            <a:endParaRPr lang="en-US"/>
-          </a:p>
-        </p:txBody>
-      </p:sp>
-      <p:sp>
-        <p:nvSpPr>
-          <p:cNvPr id="3" name="Slide Number Placeholder 2"/>
-          <p:cNvSpPr>
-            <a:spLocks noGrp="1"/>
-          </p:cNvSpPr>
-          <p:nvPr>
-            <p:ph type="sldNum" sz="quarter" idx="12"/>
-          </p:nvPr>
-        </p:nvSpPr>
-        <p:spPr/>
-        <p:txBody>
-          <a:bodyPr/>
-          <a:lstStyle/>
-          <a:p>
-            <a:fld id="{F26D9103-0C5C-48AC-B68E-3ED2C1647047}" type="slidenum">
-              <a:rPr lang="en-US" smtClean="0"/>
-              <a:pPr/>
-              <a:t>25</a:t>
-            </a:fld>
-            <a:endParaRPr lang="en-US"/>
-          </a:p>
-        </p:txBody>
-      </p:sp>
-    </p:spTree>
-    <p:extLst>
-      <p:ext uri="{BB962C8B-B14F-4D97-AF65-F5344CB8AC3E}">
-        <p14:creationId xmlns:p14="http://schemas.microsoft.com/office/powerpoint/2010/main" val="810436581"/>
-      </p:ext>
-    </p:extLst>
-  </p:cSld>
-  <p:clrMapOvr>
-    <a:masterClrMapping/>
-  </p:clrMapOvr>
-</p:sld>
-</file>
-
-<file path=ppt/slides/slide26.xml><?xml version="1.0" encoding="utf-8"?>
-<p:sld xmlns:a="http://schemas.openxmlformats.org/drawingml/2006/main" xmlns:r="http://schemas.openxmlformats.org/officeDocument/2006/relationships" xmlns:p="http://schemas.openxmlformats.org/presentationml/2006/main">
-  <p:cSld>
-    <p:spTree>
-      <p:nvGrpSpPr>
-        <p:cNvPr id="1" name=""/>
-        <p:cNvGrpSpPr/>
-        <p:nvPr/>
-      </p:nvGrpSpPr>
-      <p:grpSpPr>
-        <a:xfrm>
-          <a:off x="0" y="0"/>
-          <a:ext cx="0" cy="0"/>
-          <a:chOff x="0" y="0"/>
-          <a:chExt cx="0" cy="0"/>
-        </a:xfrm>
-      </p:grpSpPr>
-      <p:sp>
-        <p:nvSpPr>
-          <p:cNvPr id="6146" name="Rectangle 2"/>
-          <p:cNvSpPr>
-            <a:spLocks noGrp="1" noChangeArrowheads="1"/>
-          </p:cNvSpPr>
-          <p:nvPr>
-            <p:ph type="title"/>
-            <p:custDataLst>
-              <p:tags r:id="rId1"/>
-            </p:custDataLst>
-          </p:nvPr>
-        </p:nvSpPr>
-        <p:spPr>
-          <a:xfrm>
-            <a:off x="1141413" y="322184"/>
-            <a:ext cx="9905998" cy="897015"/>
-          </a:xfrm>
-        </p:spPr>
-        <p:txBody>
-          <a:bodyPr/>
-          <a:lstStyle/>
-          <a:p>
-            <a:pPr algn="ctr"/>
-            <a:r>
-              <a:rPr lang="en-US" dirty="0"/>
-              <a:t>Course </a:t>
-            </a:r>
-            <a:r>
-              <a:rPr lang="en-US" dirty="0" err="1"/>
-              <a:t>OBjectives</a:t>
-            </a:r>
-            <a:endParaRPr lang="en-US" dirty="0"/>
-          </a:p>
-        </p:txBody>
-      </p:sp>
-      <p:sp>
-        <p:nvSpPr>
-          <p:cNvPr id="6147" name="Rectangle 3"/>
-          <p:cNvSpPr>
-            <a:spLocks noGrp="1" noChangeArrowheads="1"/>
-          </p:cNvSpPr>
-          <p:nvPr>
-            <p:ph idx="1"/>
-            <p:custDataLst>
-              <p:tags r:id="rId2"/>
-            </p:custDataLst>
-          </p:nvPr>
-        </p:nvSpPr>
-        <p:spPr>
-          <a:xfrm>
-            <a:off x="1396721" y="1473200"/>
-            <a:ext cx="9365064" cy="4800600"/>
-          </a:xfrm>
-        </p:spPr>
-        <p:txBody>
-          <a:bodyPr>
-            <a:normAutofit fontScale="77500" lnSpcReduction="20000"/>
-          </a:bodyPr>
-          <a:lstStyle/>
-          <a:p>
-            <a:pPr marL="0" indent="0">
-              <a:buNone/>
-            </a:pPr>
-            <a:r>
-              <a:rPr lang="en-US" u="sng" dirty="0"/>
-              <a:t>Students who complete the course will</a:t>
-            </a:r>
-            <a:r>
-              <a:rPr lang="en-US" dirty="0"/>
-              <a:t>:</a:t>
-            </a:r>
-          </a:p>
-          <a:p>
-            <a:pPr marL="0" indent="0">
-              <a:buNone/>
-            </a:pPr>
-            <a:endParaRPr lang="en-US" dirty="0"/>
-          </a:p>
-          <a:p>
-            <a:r>
-              <a:rPr lang="en-US" dirty="0"/>
-              <a:t>Improve their mathematical thinking skill and habits, including thinking precisely about definitions, stating assumptions carefully, critically reading arguments, and being able to write convincingly.</a:t>
-            </a:r>
-          </a:p>
-          <a:p>
-            <a:r>
-              <a:rPr lang="en-US" dirty="0"/>
-              <a:t>Be able to understand both finite and infinite formal models of computation and to reason about what they can and cannot compute.</a:t>
-            </a:r>
-          </a:p>
-          <a:p>
-            <a:r>
-              <a:rPr lang="en-US" dirty="0"/>
-              <a:t>Understand both intuitively and formally what makes some problems too expensive to solve, and what can be done in practice when an unsolvable or intractable problem is encountered.</a:t>
-            </a:r>
-          </a:p>
-          <a:p>
-            <a:r>
-              <a:rPr lang="en-US" dirty="0"/>
-              <a:t>Reason formally about the cost of computation, and be able to prove useful bounds on the costs of solving problems, including showing that certain problems are intractable.</a:t>
-            </a:r>
-          </a:p>
-          <a:p>
-            <a:r>
-              <a:rPr lang="en-US" dirty="0"/>
-              <a:t>Learn about some interesting aspects of theoretical computer science, including cryptography and machine learning.</a:t>
-            </a:r>
-          </a:p>
-        </p:txBody>
-      </p:sp>
-      <p:sp>
-        <p:nvSpPr>
-          <p:cNvPr id="4" name="Slide Number Placeholder 3"/>
-          <p:cNvSpPr>
-            <a:spLocks noGrp="1"/>
-          </p:cNvSpPr>
-          <p:nvPr>
-            <p:ph type="sldNum" sz="quarter" idx="12"/>
-          </p:nvPr>
-        </p:nvSpPr>
-        <p:spPr/>
-        <p:txBody>
-          <a:bodyPr/>
-          <a:lstStyle/>
-          <a:p>
-            <a:fld id="{F26D9103-0C5C-48AC-B68E-3ED2C1647047}" type="slidenum">
-              <a:rPr lang="en-US" smtClean="0"/>
-              <a:pPr/>
-              <a:t>26</a:t>
-            </a:fld>
-            <a:endParaRPr lang="en-US" dirty="0"/>
-          </a:p>
-        </p:txBody>
-      </p:sp>
-    </p:spTree>
-    <p:extLst>
-      <p:ext uri="{BB962C8B-B14F-4D97-AF65-F5344CB8AC3E}">
-        <p14:creationId xmlns:p14="http://schemas.microsoft.com/office/powerpoint/2010/main" val="3716271778"/>
-      </p:ext>
-    </p:extLst>
-  </p:cSld>
-  <p:clrMapOvr>
-    <a:masterClrMapping/>
-  </p:clrMapOvr>
-</p:sld>
-</file>
-
-<file path=ppt/slides/slide27.xml><?xml version="1.0" encoding="utf-8"?>
-<p:sld xmlns:a="http://schemas.openxmlformats.org/drawingml/2006/main" xmlns:r="http://schemas.openxmlformats.org/officeDocument/2006/relationships" xmlns:p="http://schemas.openxmlformats.org/presentationml/2006/main">
-  <p:cSld>
-    <p:spTree>
-      <p:nvGrpSpPr>
-        <p:cNvPr id="1" name=""/>
-        <p:cNvGrpSpPr/>
-        <p:nvPr/>
-      </p:nvGrpSpPr>
-      <p:grpSpPr>
-        <a:xfrm>
-          <a:off x="0" y="0"/>
-          <a:ext cx="0" cy="0"/>
-          <a:chOff x="0" y="0"/>
-          <a:chExt cx="0" cy="0"/>
-        </a:xfrm>
-      </p:grpSpPr>
-      <p:sp>
-        <p:nvSpPr>
-          <p:cNvPr id="6146" name="Rectangle 2"/>
-          <p:cNvSpPr>
-            <a:spLocks noGrp="1" noChangeArrowheads="1"/>
-          </p:cNvSpPr>
-          <p:nvPr>
-            <p:ph type="title"/>
-            <p:custDataLst>
-              <p:tags r:id="rId1"/>
-            </p:custDataLst>
-          </p:nvPr>
-        </p:nvSpPr>
-        <p:spPr>
-          <a:xfrm>
-            <a:off x="1141413" y="322184"/>
-            <a:ext cx="9905998" cy="897015"/>
-          </a:xfrm>
-        </p:spPr>
-        <p:txBody>
-          <a:bodyPr/>
-          <a:lstStyle/>
-          <a:p>
-            <a:pPr algn="ctr"/>
-            <a:r>
-              <a:rPr lang="en-US" dirty="0"/>
-              <a:t>What is the Course About?</a:t>
-            </a:r>
-          </a:p>
-        </p:txBody>
-      </p:sp>
-      <p:sp>
-        <p:nvSpPr>
-          <p:cNvPr id="6147" name="Rectangle 3"/>
-          <p:cNvSpPr>
-            <a:spLocks noGrp="1" noChangeArrowheads="1"/>
-          </p:cNvSpPr>
-          <p:nvPr>
-            <p:ph idx="1"/>
-            <p:custDataLst>
-              <p:tags r:id="rId2"/>
-            </p:custDataLst>
-          </p:nvPr>
-        </p:nvSpPr>
-        <p:spPr>
-          <a:xfrm>
-            <a:off x="1396721" y="1473200"/>
-            <a:ext cx="9365064" cy="4800600"/>
-          </a:xfrm>
-        </p:spPr>
-        <p:txBody>
-          <a:bodyPr>
-            <a:normAutofit/>
-          </a:bodyPr>
-          <a:lstStyle/>
-          <a:p>
-            <a:pPr marL="0" indent="0">
-              <a:buNone/>
-            </a:pPr>
-            <a:r>
-              <a:rPr lang="en-US" u="sng" dirty="0"/>
-              <a:t>We will see that in the first slide deck…</a:t>
-            </a:r>
-          </a:p>
-          <a:p>
-            <a:pPr marL="0" indent="0">
-              <a:buNone/>
-            </a:pPr>
-            <a:endParaRPr lang="en-US" u="sng" dirty="0"/>
-          </a:p>
-          <a:p>
-            <a:pPr marL="0" indent="0">
-              <a:buNone/>
-            </a:pPr>
-            <a:r>
-              <a:rPr lang="en-US" u="sng" dirty="0"/>
-              <a:t>For now…any questions?</a:t>
-            </a:r>
-            <a:endParaRPr lang="en-US" dirty="0"/>
-          </a:p>
-        </p:txBody>
-      </p:sp>
-      <p:sp>
-        <p:nvSpPr>
-          <p:cNvPr id="4" name="Slide Number Placeholder 3"/>
-          <p:cNvSpPr>
-            <a:spLocks noGrp="1"/>
-          </p:cNvSpPr>
-          <p:nvPr>
-            <p:ph type="sldNum" sz="quarter" idx="12"/>
-          </p:nvPr>
-        </p:nvSpPr>
-        <p:spPr/>
-        <p:txBody>
-          <a:bodyPr/>
-          <a:lstStyle/>
-          <a:p>
-            <a:fld id="{F26D9103-0C5C-48AC-B68E-3ED2C1647047}" type="slidenum">
-              <a:rPr lang="en-US" smtClean="0"/>
-              <a:pPr/>
-              <a:t>27</a:t>
-            </a:fld>
-            <a:endParaRPr lang="en-US" dirty="0"/>
-          </a:p>
-        </p:txBody>
-      </p:sp>
-    </p:spTree>
-    <p:extLst>
-      <p:ext uri="{BB962C8B-B14F-4D97-AF65-F5344CB8AC3E}">
-        <p14:creationId xmlns:p14="http://schemas.microsoft.com/office/powerpoint/2010/main" val="254469130"/>
-      </p:ext>
-    </p:extLst>
-  </p:cSld>
-  <p:clrMapOvr>
-    <a:masterClrMapping/>
-  </p:clrMapOvr>
-</p:sld>
-</file>
-
-<file path=ppt/slides/slide3.xml><?xml version="1.0" encoding="utf-8"?>
-<p:sld xmlns:a="http://schemas.openxmlformats.org/drawingml/2006/main" xmlns:r="http://schemas.openxmlformats.org/officeDocument/2006/relationships" xmlns:p="http://schemas.openxmlformats.org/presentationml/2006/main">
-  <p:cSld>
-    <p:spTree>
-      <p:nvGrpSpPr>
-        <p:cNvPr id="1" name=""/>
-        <p:cNvGrpSpPr/>
-        <p:nvPr/>
-      </p:nvGrpSpPr>
-      <p:grpSpPr>
-        <a:xfrm>
-          <a:off x="0" y="0"/>
-          <a:ext cx="0" cy="0"/>
-          <a:chOff x="0" y="0"/>
-          <a:chExt cx="0" cy="0"/>
-        </a:xfrm>
-      </p:grpSpPr>
-      <p:sp>
-        <p:nvSpPr>
-          <p:cNvPr id="6146" name="Rectangle 2"/>
-          <p:cNvSpPr>
-            <a:spLocks noGrp="1" noChangeArrowheads="1"/>
-          </p:cNvSpPr>
-          <p:nvPr>
-            <p:ph type="title"/>
-            <p:custDataLst>
-              <p:tags r:id="rId1"/>
-            </p:custDataLst>
-          </p:nvPr>
-        </p:nvSpPr>
-        <p:spPr>
-          <a:xfrm>
-            <a:off x="1141413" y="322184"/>
-            <a:ext cx="9905998" cy="897015"/>
-          </a:xfrm>
-        </p:spPr>
-        <p:txBody>
-          <a:bodyPr/>
-          <a:lstStyle/>
-          <a:p>
-            <a:pPr algn="ctr"/>
-            <a:r>
-              <a:rPr lang="en-US" dirty="0"/>
-              <a:t>General Info</a:t>
-            </a:r>
-          </a:p>
-        </p:txBody>
-      </p:sp>
-      <p:sp>
-        <p:nvSpPr>
-          <p:cNvPr id="6147" name="Rectangle 3"/>
-          <p:cNvSpPr>
-            <a:spLocks noGrp="1" noChangeArrowheads="1"/>
-          </p:cNvSpPr>
-          <p:nvPr>
-            <p:ph idx="1"/>
-            <p:custDataLst>
-              <p:tags r:id="rId2"/>
-            </p:custDataLst>
-          </p:nvPr>
-        </p:nvSpPr>
-        <p:spPr>
-          <a:xfrm>
-            <a:off x="1905000" y="1473200"/>
-            <a:ext cx="8255000" cy="4800600"/>
-          </a:xfrm>
-        </p:spPr>
-        <p:txBody>
-          <a:bodyPr>
-            <a:normAutofit fontScale="77500" lnSpcReduction="20000"/>
-          </a:bodyPr>
-          <a:lstStyle/>
-          <a:p>
-            <a:r>
-              <a:rPr lang="en-US" dirty="0"/>
-              <a:t>See syllabus on course website for general information</a:t>
-            </a:r>
-          </a:p>
-          <a:p>
-            <a:r>
-              <a:rPr lang="en-US" dirty="0"/>
-              <a:t>Pre-requisites:</a:t>
-            </a:r>
-          </a:p>
-          <a:p>
-            <a:pPr lvl="1"/>
-            <a:r>
-              <a:rPr lang="en-US" dirty="0"/>
-              <a:t>CS 3100 (DSA2) if you are in the new curriculum (most of you, probably)</a:t>
-            </a:r>
-          </a:p>
-          <a:p>
-            <a:pPr lvl="1"/>
-            <a:r>
-              <a:rPr lang="en-US" dirty="0"/>
-              <a:t>CS 4102 (</a:t>
-            </a:r>
-            <a:r>
-              <a:rPr lang="en-US" dirty="0" err="1"/>
-              <a:t>Algo</a:t>
-            </a:r>
-            <a:r>
-              <a:rPr lang="en-US" dirty="0"/>
-              <a:t>) if you are in the old curriculum (Maybe a few of you)</a:t>
-            </a:r>
-          </a:p>
-          <a:p>
-            <a:pPr lvl="1"/>
-            <a:r>
-              <a:rPr lang="en-US" dirty="0"/>
-              <a:t>Math topics: proof by induction, proof by contradiction, etc. (Basically everything in DMT 1)</a:t>
-            </a:r>
-          </a:p>
-          <a:p>
-            <a:pPr lvl="1"/>
-            <a:r>
-              <a:rPr lang="en-US" dirty="0"/>
-              <a:t>Data Structures: Graphs and generally maturity proving things, etc.</a:t>
-            </a:r>
-          </a:p>
-          <a:p>
-            <a:r>
-              <a:rPr lang="en-US" dirty="0"/>
-              <a:t>Teaching Assistants</a:t>
-            </a:r>
-          </a:p>
-          <a:p>
-            <a:pPr lvl="1"/>
-            <a:r>
-              <a:rPr lang="en-US" dirty="0"/>
-              <a:t>Graduates (1):</a:t>
-            </a:r>
-          </a:p>
-          <a:p>
-            <a:pPr lvl="2"/>
-            <a:r>
-              <a:rPr lang="en-US" dirty="0"/>
-              <a:t>TBD</a:t>
-            </a:r>
-          </a:p>
-          <a:p>
-            <a:pPr lvl="1"/>
-            <a:r>
-              <a:rPr lang="en-US" dirty="0"/>
-              <a:t>Undergraduates (~20)</a:t>
-            </a:r>
-          </a:p>
-          <a:p>
-            <a:pPr lvl="2"/>
-            <a:r>
-              <a:rPr lang="en-US" dirty="0"/>
-              <a:t>We should have enough undergraduate support!</a:t>
-            </a:r>
-          </a:p>
-          <a:p>
-            <a:pPr lvl="1"/>
-            <a:r>
-              <a:rPr lang="en-US" dirty="0"/>
-              <a:t>Both will hold office hours, which will start next week</a:t>
-            </a:r>
-          </a:p>
-          <a:p>
-            <a:pPr lvl="2"/>
-            <a:r>
-              <a:rPr lang="en-US" dirty="0"/>
-              <a:t>Locations and hours mostly set on course website</a:t>
-            </a:r>
-          </a:p>
-          <a:p>
-            <a:pPr lvl="1"/>
-            <a:r>
-              <a:rPr lang="en-US" dirty="0"/>
-              <a:t>Also, we’ll use Piazza for questions and Discord for office hours</a:t>
-            </a:r>
-          </a:p>
-          <a:p>
-            <a:pPr lvl="2"/>
-            <a:r>
-              <a:rPr lang="en-US" dirty="0"/>
-              <a:t>Post all questions about HW, topics, etc. to Piazza NOT email to instructors!</a:t>
-            </a:r>
-          </a:p>
-        </p:txBody>
-      </p:sp>
-      <p:sp>
-        <p:nvSpPr>
-          <p:cNvPr id="4" name="Slide Number Placeholder 3"/>
-          <p:cNvSpPr>
-            <a:spLocks noGrp="1"/>
-          </p:cNvSpPr>
-          <p:nvPr>
-            <p:ph type="sldNum" sz="quarter" idx="12"/>
-          </p:nvPr>
-        </p:nvSpPr>
-        <p:spPr/>
-        <p:txBody>
-          <a:bodyPr/>
-          <a:lstStyle/>
-          <a:p>
-            <a:fld id="{F26D9103-0C5C-48AC-B68E-3ED2C1647047}" type="slidenum">
-              <a:rPr lang="en-US" smtClean="0"/>
-              <a:pPr/>
-              <a:t>3</a:t>
-            </a:fld>
-            <a:endParaRPr lang="en-US" dirty="0"/>
-          </a:p>
-        </p:txBody>
-      </p:sp>
-    </p:spTree>
-    <p:extLst>
-      <p:ext uri="{BB962C8B-B14F-4D97-AF65-F5344CB8AC3E}">
-        <p14:creationId xmlns:p14="http://schemas.microsoft.com/office/powerpoint/2010/main" val="2431754002"/>
-      </p:ext>
-    </p:extLst>
-  </p:cSld>
-  <p:clrMapOvr>
-    <a:masterClrMapping/>
-  </p:clrMapOvr>
-</p:sld>
-</file>
-
-<file path=ppt/slides/slide4.xml><?xml version="1.0" encoding="utf-8"?>
-<p:sld xmlns:a="http://schemas.openxmlformats.org/drawingml/2006/main" xmlns:r="http://schemas.openxmlformats.org/officeDocument/2006/relationships" xmlns:p="http://schemas.openxmlformats.org/presentationml/2006/main">
-  <p:cSld>
-    <p:spTree>
-      <p:nvGrpSpPr>
-        <p:cNvPr id="1" name=""/>
-        <p:cNvGrpSpPr/>
-        <p:nvPr/>
-      </p:nvGrpSpPr>
-      <p:grpSpPr>
-        <a:xfrm>
-          <a:off x="0" y="0"/>
-          <a:ext cx="0" cy="0"/>
-          <a:chOff x="0" y="0"/>
-          <a:chExt cx="0" cy="0"/>
-        </a:xfrm>
-      </p:grpSpPr>
-      <p:sp>
-        <p:nvSpPr>
-          <p:cNvPr id="2" name="Title 1">
-            <a:extLst>
-              <a:ext uri="{FF2B5EF4-FFF2-40B4-BE49-F238E27FC236}">
-                <a16:creationId xmlns:a16="http://schemas.microsoft.com/office/drawing/2014/main" id="{D4C714F9-F01E-7B4D-8EB0-3B151FAE663D}"/>
-              </a:ext>
-            </a:extLst>
-          </p:cNvPr>
-          <p:cNvSpPr>
-            <a:spLocks noGrp="1"/>
-          </p:cNvSpPr>
-          <p:nvPr>
-            <p:ph type="title"/>
-          </p:nvPr>
-        </p:nvSpPr>
-        <p:spPr>
-          <a:xfrm>
-            <a:off x="1141413" y="371091"/>
-            <a:ext cx="9905998" cy="917045"/>
-          </a:xfrm>
-        </p:spPr>
-        <p:txBody>
-          <a:bodyPr/>
-          <a:lstStyle/>
-          <a:p>
-            <a:pPr algn="ctr"/>
-            <a:r>
-              <a:rPr lang="en-US" dirty="0"/>
-              <a:t>Piazza</a:t>
-            </a:r>
-          </a:p>
-        </p:txBody>
-      </p:sp>
-      <p:sp>
-        <p:nvSpPr>
-          <p:cNvPr id="4" name="Content Placeholder 3">
-            <a:extLst>
-              <a:ext uri="{FF2B5EF4-FFF2-40B4-BE49-F238E27FC236}">
-                <a16:creationId xmlns:a16="http://schemas.microsoft.com/office/drawing/2014/main" id="{930851DE-8B7D-3A4B-A735-7873D3097E8B}"/>
-              </a:ext>
-            </a:extLst>
-          </p:cNvPr>
-          <p:cNvSpPr>
-            <a:spLocks noGrp="1"/>
-          </p:cNvSpPr>
-          <p:nvPr>
-            <p:ph idx="1"/>
-          </p:nvPr>
-        </p:nvSpPr>
-        <p:spPr>
-          <a:xfrm>
-            <a:off x="1676400" y="1611762"/>
-            <a:ext cx="8893739" cy="4560438"/>
-          </a:xfrm>
-        </p:spPr>
-        <p:txBody>
-          <a:bodyPr>
-            <a:normAutofit/>
-          </a:bodyPr>
-          <a:lstStyle/>
-          <a:p>
-            <a:r>
-              <a:rPr lang="en-US" dirty="0"/>
-              <a:t>We will use Piazza</a:t>
-            </a:r>
-          </a:p>
-          <a:p>
-            <a:pPr lvl="1"/>
-            <a:r>
-              <a:rPr lang="en-US" dirty="0"/>
-              <a:t>Link to course site available in Collab tools</a:t>
-            </a:r>
-          </a:p>
-          <a:p>
-            <a:pPr lvl="1"/>
-            <a:endParaRPr lang="en-US" dirty="0"/>
-          </a:p>
-          <a:p>
-            <a:r>
-              <a:rPr lang="en-US" dirty="0"/>
-              <a:t>Please use Piazza for:</a:t>
-            </a:r>
-          </a:p>
-          <a:p>
-            <a:pPr lvl="1"/>
-            <a:r>
-              <a:rPr lang="en-US" dirty="0"/>
-              <a:t>Content related questions</a:t>
-            </a:r>
-          </a:p>
-          <a:p>
-            <a:pPr lvl="1"/>
-            <a:r>
-              <a:rPr lang="en-US" dirty="0"/>
-              <a:t>Working through example homework problems</a:t>
-            </a:r>
-          </a:p>
-          <a:p>
-            <a:pPr lvl="1"/>
-            <a:r>
-              <a:rPr lang="en-US" dirty="0"/>
-              <a:t>Helping each other with test cases / edge cases on programming</a:t>
-            </a:r>
-          </a:p>
-          <a:p>
-            <a:pPr lvl="1"/>
-            <a:r>
-              <a:rPr lang="en-US" dirty="0"/>
-              <a:t>Discussing old exam questions</a:t>
-            </a:r>
-          </a:p>
-          <a:p>
-            <a:pPr lvl="1"/>
-            <a:r>
-              <a:rPr lang="en-US" dirty="0" err="1"/>
-              <a:t>etc</a:t>
-            </a:r>
-            <a:r>
-              <a:rPr lang="en-US" dirty="0"/>
-              <a:t>….</a:t>
-            </a:r>
-          </a:p>
-        </p:txBody>
-      </p:sp>
-      <p:sp>
-        <p:nvSpPr>
-          <p:cNvPr id="3" name="Slide Number Placeholder 2">
-            <a:extLst>
-              <a:ext uri="{FF2B5EF4-FFF2-40B4-BE49-F238E27FC236}">
-                <a16:creationId xmlns:a16="http://schemas.microsoft.com/office/drawing/2014/main" id="{4409C9D4-846F-D543-85FE-C390EBACF5F4}"/>
-              </a:ext>
-            </a:extLst>
-          </p:cNvPr>
-          <p:cNvSpPr>
-            <a:spLocks noGrp="1"/>
-          </p:cNvSpPr>
-          <p:nvPr>
-            <p:ph type="sldNum" sz="quarter" idx="12"/>
-          </p:nvPr>
-        </p:nvSpPr>
-        <p:spPr/>
-        <p:txBody>
-          <a:bodyPr/>
-          <a:lstStyle/>
-          <a:p>
-            <a:fld id="{F26D9103-0C5C-48AC-B68E-3ED2C1647047}" type="slidenum">
-              <a:rPr lang="en-US" smtClean="0"/>
-              <a:pPr/>
-              <a:t>4</a:t>
-            </a:fld>
-            <a:endParaRPr lang="en-US"/>
-          </a:p>
-        </p:txBody>
-      </p:sp>
-    </p:spTree>
-    <p:extLst>
-      <p:ext uri="{BB962C8B-B14F-4D97-AF65-F5344CB8AC3E}">
-        <p14:creationId xmlns:p14="http://schemas.microsoft.com/office/powerpoint/2010/main" val="860639551"/>
-      </p:ext>
-    </p:extLst>
-  </p:cSld>
-  <p:clrMapOvr>
-    <a:masterClrMapping/>
-  </p:clrMapOvr>
-</p:sld>
-</file>
-
-<file path=ppt/slides/slide5.xml><?xml version="1.0" encoding="utf-8"?>
-<p:sld xmlns:a="http://schemas.openxmlformats.org/drawingml/2006/main" xmlns:r="http://schemas.openxmlformats.org/officeDocument/2006/relationships" xmlns:p="http://schemas.openxmlformats.org/presentationml/2006/main">
-  <p:cSld>
-    <p:spTree>
-      <p:nvGrpSpPr>
-        <p:cNvPr id="1" name=""/>
-        <p:cNvGrpSpPr/>
-        <p:nvPr/>
-      </p:nvGrpSpPr>
-      <p:grpSpPr>
-        <a:xfrm>
-          <a:off x="0" y="0"/>
-          <a:ext cx="0" cy="0"/>
-          <a:chOff x="0" y="0"/>
-          <a:chExt cx="0" cy="0"/>
-        </a:xfrm>
-      </p:grpSpPr>
-      <p:sp>
-        <p:nvSpPr>
           <p:cNvPr id="9218" name="Rectangle 2"/>
           <p:cNvSpPr>
             <a:spLocks noGrp="1" noChangeArrowheads="1"/>
@@ -16680,7 +13324,7 @@
             <a:fld id="{F26D9103-0C5C-48AC-B68E-3ED2C1647047}" type="slidenum">
               <a:rPr lang="en-US" smtClean="0"/>
               <a:pPr/>
-              <a:t>5</a:t>
+              <a:t>10</a:t>
             </a:fld>
             <a:endParaRPr lang="en-US"/>
           </a:p>
@@ -16902,7 +13546,7 @@
 </p:sld>
 </file>
 
-<file path=ppt/slides/slide6.xml><?xml version="1.0" encoding="utf-8"?>
+<file path=ppt/slides/slide11.xml><?xml version="1.0" encoding="utf-8"?>
 <p:sld xmlns:a="http://schemas.openxmlformats.org/drawingml/2006/main" xmlns:r="http://schemas.openxmlformats.org/officeDocument/2006/relationships" xmlns:p="http://schemas.openxmlformats.org/presentationml/2006/main">
   <p:cSld>
     <p:spTree>
@@ -17044,7 +13688,7 @@
             <a:fld id="{F26D9103-0C5C-48AC-B68E-3ED2C1647047}" type="slidenum">
               <a:rPr lang="en-US" smtClean="0"/>
               <a:pPr/>
-              <a:t>6</a:t>
+              <a:t>11</a:t>
             </a:fld>
             <a:endParaRPr lang="en-US"/>
           </a:p>
@@ -17063,7 +13707,7 @@
 </p:sld>
 </file>
 
-<file path=ppt/slides/slide7.xml><?xml version="1.0" encoding="utf-8"?>
+<file path=ppt/slides/slide12.xml><?xml version="1.0" encoding="utf-8"?>
 <p:sld xmlns:a="http://schemas.openxmlformats.org/drawingml/2006/main" xmlns:r="http://schemas.openxmlformats.org/officeDocument/2006/relationships" xmlns:p="http://schemas.openxmlformats.org/presentationml/2006/main">
   <p:cSld>
     <p:spTree>
@@ -17167,7 +13811,7 @@
             <a:fld id="{F26D9103-0C5C-48AC-B68E-3ED2C1647047}" type="slidenum">
               <a:rPr lang="en-US" smtClean="0"/>
               <a:pPr/>
-              <a:t>7</a:t>
+              <a:t>12</a:t>
             </a:fld>
             <a:endParaRPr lang="en-US"/>
           </a:p>
@@ -17470,6 +14114,3739 @@
 </p:sld>
 </file>
 
+<file path=ppt/slides/slide13.xml><?xml version="1.0" encoding="utf-8"?>
+<p:sld xmlns:a="http://schemas.openxmlformats.org/drawingml/2006/main" xmlns:r="http://schemas.openxmlformats.org/officeDocument/2006/relationships" xmlns:p="http://schemas.openxmlformats.org/presentationml/2006/main">
+  <p:cSld>
+    <p:spTree>
+      <p:nvGrpSpPr>
+        <p:cNvPr id="1" name=""/>
+        <p:cNvGrpSpPr/>
+        <p:nvPr/>
+      </p:nvGrpSpPr>
+      <p:grpSpPr>
+        <a:xfrm>
+          <a:off x="0" y="0"/>
+          <a:ext cx="0" cy="0"/>
+          <a:chOff x="0" y="0"/>
+          <a:chExt cx="0" cy="0"/>
+        </a:xfrm>
+      </p:grpSpPr>
+      <p:sp>
+        <p:nvSpPr>
+          <p:cNvPr id="2" name="Title 1">
+            <a:extLst>
+              <a:ext uri="{FF2B5EF4-FFF2-40B4-BE49-F238E27FC236}">
+                <a16:creationId xmlns:a16="http://schemas.microsoft.com/office/drawing/2014/main" id="{10E4624E-6BA1-BB4D-8A7A-500B5099ECEB}"/>
+              </a:ext>
+            </a:extLst>
+          </p:cNvPr>
+          <p:cNvSpPr>
+            <a:spLocks noGrp="1"/>
+          </p:cNvSpPr>
+          <p:nvPr>
+            <p:ph type="title"/>
+          </p:nvPr>
+        </p:nvSpPr>
+        <p:spPr>
+          <a:xfrm>
+            <a:off x="1141413" y="347214"/>
+            <a:ext cx="9905998" cy="697816"/>
+          </a:xfrm>
+        </p:spPr>
+        <p:txBody>
+          <a:bodyPr/>
+          <a:lstStyle/>
+          <a:p>
+            <a:pPr algn="ctr"/>
+            <a:r>
+              <a:rPr lang="en-US" dirty="0"/>
+              <a:t>Lectures</a:t>
+            </a:r>
+          </a:p>
+        </p:txBody>
+      </p:sp>
+      <p:sp>
+        <p:nvSpPr>
+          <p:cNvPr id="4" name="Content Placeholder 3">
+            <a:extLst>
+              <a:ext uri="{FF2B5EF4-FFF2-40B4-BE49-F238E27FC236}">
+                <a16:creationId xmlns:a16="http://schemas.microsoft.com/office/drawing/2014/main" id="{22F38866-4BB8-1749-AF0C-AB089AECC899}"/>
+              </a:ext>
+            </a:extLst>
+          </p:cNvPr>
+          <p:cNvSpPr>
+            <a:spLocks noGrp="1"/>
+          </p:cNvSpPr>
+          <p:nvPr>
+            <p:ph sz="half" idx="1"/>
+          </p:nvPr>
+        </p:nvSpPr>
+        <p:spPr>
+          <a:xfrm>
+            <a:off x="1981200" y="1547446"/>
+            <a:ext cx="8229600" cy="4609514"/>
+          </a:xfrm>
+        </p:spPr>
+        <p:txBody>
+          <a:bodyPr>
+            <a:normAutofit/>
+          </a:bodyPr>
+          <a:lstStyle/>
+          <a:p>
+            <a:r>
+              <a:rPr lang="en-US" dirty="0"/>
+              <a:t>Back to traditional, in-person lectures.</a:t>
+            </a:r>
+          </a:p>
+          <a:p>
+            <a:pPr lvl="1"/>
+            <a:r>
+              <a:rPr lang="en-US" dirty="0"/>
+              <a:t>Tu / Th 12:30 - 1:45 pm @ Gilmer Hall 301</a:t>
+            </a:r>
+          </a:p>
+          <a:p>
+            <a:pPr lvl="1"/>
+            <a:endParaRPr lang="en-US" dirty="0"/>
+          </a:p>
+          <a:p>
+            <a:r>
+              <a:rPr lang="en-US" dirty="0"/>
+              <a:t>Lectures will be recorded and posted on Collab -&gt; Lecture Recordings</a:t>
+            </a:r>
+          </a:p>
+          <a:p>
+            <a:pPr lvl="1"/>
+            <a:r>
+              <a:rPr lang="en-US" dirty="0"/>
+              <a:t>Using Panopto, so no live broadcast</a:t>
+            </a:r>
+          </a:p>
+          <a:p>
+            <a:pPr lvl="1"/>
+            <a:endParaRPr lang="en-US" dirty="0"/>
+          </a:p>
+          <a:p>
+            <a:r>
+              <a:rPr lang="en-US" dirty="0"/>
+              <a:t>Lectures will cover course topics, example problems, proofs, etc.</a:t>
+            </a:r>
+          </a:p>
+          <a:p>
+            <a:endParaRPr lang="en-US" dirty="0"/>
+          </a:p>
+          <a:p>
+            <a:endParaRPr lang="en-US" dirty="0"/>
+          </a:p>
+        </p:txBody>
+      </p:sp>
+      <p:sp>
+        <p:nvSpPr>
+          <p:cNvPr id="3" name="Slide Number Placeholder 2">
+            <a:extLst>
+              <a:ext uri="{FF2B5EF4-FFF2-40B4-BE49-F238E27FC236}">
+                <a16:creationId xmlns:a16="http://schemas.microsoft.com/office/drawing/2014/main" id="{6D13540E-69A5-B74F-91AB-DED5BA9812E6}"/>
+              </a:ext>
+            </a:extLst>
+          </p:cNvPr>
+          <p:cNvSpPr>
+            <a:spLocks noGrp="1"/>
+          </p:cNvSpPr>
+          <p:nvPr>
+            <p:ph type="sldNum" sz="quarter" idx="12"/>
+          </p:nvPr>
+        </p:nvSpPr>
+        <p:spPr/>
+        <p:txBody>
+          <a:bodyPr/>
+          <a:lstStyle/>
+          <a:p>
+            <a:fld id="{F26D9103-0C5C-48AC-B68E-3ED2C1647047}" type="slidenum">
+              <a:rPr lang="en-US" smtClean="0"/>
+              <a:pPr/>
+              <a:t>13</a:t>
+            </a:fld>
+            <a:endParaRPr lang="en-US"/>
+          </a:p>
+        </p:txBody>
+      </p:sp>
+    </p:spTree>
+    <p:extLst>
+      <p:ext uri="{BB962C8B-B14F-4D97-AF65-F5344CB8AC3E}">
+        <p14:creationId xmlns:p14="http://schemas.microsoft.com/office/powerpoint/2010/main" val="1777500093"/>
+      </p:ext>
+    </p:extLst>
+  </p:cSld>
+  <p:clrMapOvr>
+    <a:masterClrMapping/>
+  </p:clrMapOvr>
+</p:sld>
+</file>
+
+<file path=ppt/slides/slide14.xml><?xml version="1.0" encoding="utf-8"?>
+<p:sld xmlns:a="http://schemas.openxmlformats.org/drawingml/2006/main" xmlns:r="http://schemas.openxmlformats.org/officeDocument/2006/relationships" xmlns:p="http://schemas.openxmlformats.org/presentationml/2006/main">
+  <p:cSld>
+    <p:spTree>
+      <p:nvGrpSpPr>
+        <p:cNvPr id="1" name=""/>
+        <p:cNvGrpSpPr/>
+        <p:nvPr/>
+      </p:nvGrpSpPr>
+      <p:grpSpPr>
+        <a:xfrm>
+          <a:off x="0" y="0"/>
+          <a:ext cx="0" cy="0"/>
+          <a:chOff x="0" y="0"/>
+          <a:chExt cx="0" cy="0"/>
+        </a:xfrm>
+      </p:grpSpPr>
+      <p:sp>
+        <p:nvSpPr>
+          <p:cNvPr id="2" name="Title 1"/>
+          <p:cNvSpPr>
+            <a:spLocks noGrp="1"/>
+          </p:cNvSpPr>
+          <p:nvPr>
+            <p:ph type="title"/>
+          </p:nvPr>
+        </p:nvSpPr>
+        <p:spPr>
+          <a:xfrm>
+            <a:off x="1141413" y="337166"/>
+            <a:ext cx="9905998" cy="630827"/>
+          </a:xfrm>
+        </p:spPr>
+        <p:txBody>
+          <a:bodyPr>
+            <a:normAutofit/>
+          </a:bodyPr>
+          <a:lstStyle/>
+          <a:p>
+            <a:pPr algn="ctr"/>
+            <a:r>
+              <a:rPr lang="en-US" dirty="0"/>
+              <a:t>Modules</a:t>
+            </a:r>
+          </a:p>
+        </p:txBody>
+      </p:sp>
+      <p:sp>
+        <p:nvSpPr>
+          <p:cNvPr id="3" name="Content Placeholder 2"/>
+          <p:cNvSpPr>
+            <a:spLocks noGrp="1"/>
+          </p:cNvSpPr>
+          <p:nvPr>
+            <p:ph idx="1"/>
+          </p:nvPr>
+        </p:nvSpPr>
+        <p:spPr>
+          <a:xfrm>
+            <a:off x="3316208" y="1969476"/>
+            <a:ext cx="5395711" cy="2813539"/>
+          </a:xfrm>
+        </p:spPr>
+        <p:txBody>
+          <a:bodyPr>
+            <a:normAutofit/>
+          </a:bodyPr>
+          <a:lstStyle/>
+          <a:p>
+            <a:r>
+              <a:rPr lang="en-US" i="1" dirty="0"/>
+              <a:t>The course is divided into 5 modules</a:t>
+            </a:r>
+          </a:p>
+          <a:p>
+            <a:pPr lvl="1"/>
+            <a:r>
+              <a:rPr lang="en-US" i="1" dirty="0"/>
+              <a:t>1: Intro, Review of Proofs, and Cardinality</a:t>
+            </a:r>
+          </a:p>
+          <a:p>
+            <a:pPr lvl="1"/>
+            <a:r>
+              <a:rPr lang="en-US" i="1" dirty="0"/>
+              <a:t>2: Regular Languages</a:t>
+            </a:r>
+          </a:p>
+          <a:p>
+            <a:pPr lvl="1"/>
+            <a:r>
+              <a:rPr lang="en-US" i="1" dirty="0"/>
+              <a:t>3: Context-Free Grammars</a:t>
+            </a:r>
+          </a:p>
+          <a:p>
+            <a:pPr lvl="1"/>
+            <a:r>
+              <a:rPr lang="en-US" i="1" dirty="0"/>
+              <a:t>4: Turing Machines and Decidability</a:t>
+            </a:r>
+          </a:p>
+          <a:p>
+            <a:pPr lvl="1"/>
+            <a:r>
+              <a:rPr lang="en-US" i="1" dirty="0"/>
+              <a:t>5: Complexity Theory</a:t>
+            </a:r>
+          </a:p>
+          <a:p>
+            <a:pPr lvl="1"/>
+            <a:endParaRPr lang="en-US" i="1" dirty="0"/>
+          </a:p>
+          <a:p>
+            <a:endParaRPr lang="en-US" i="1" dirty="0"/>
+          </a:p>
+        </p:txBody>
+      </p:sp>
+      <p:sp>
+        <p:nvSpPr>
+          <p:cNvPr id="4" name="Slide Number Placeholder 3"/>
+          <p:cNvSpPr>
+            <a:spLocks noGrp="1"/>
+          </p:cNvSpPr>
+          <p:nvPr>
+            <p:ph type="sldNum" sz="quarter" idx="12"/>
+          </p:nvPr>
+        </p:nvSpPr>
+        <p:spPr/>
+        <p:txBody>
+          <a:bodyPr/>
+          <a:lstStyle/>
+          <a:p>
+            <a:fld id="{F26D9103-0C5C-48AC-B68E-3ED2C1647047}" type="slidenum">
+              <a:rPr lang="en-US" smtClean="0"/>
+              <a:pPr/>
+              <a:t>14</a:t>
+            </a:fld>
+            <a:endParaRPr lang="en-US"/>
+          </a:p>
+        </p:txBody>
+      </p:sp>
+    </p:spTree>
+    <p:extLst>
+      <p:ext uri="{BB962C8B-B14F-4D97-AF65-F5344CB8AC3E}">
+        <p14:creationId xmlns:p14="http://schemas.microsoft.com/office/powerpoint/2010/main" val="3921696455"/>
+      </p:ext>
+    </p:extLst>
+  </p:cSld>
+  <p:clrMapOvr>
+    <a:masterClrMapping/>
+  </p:clrMapOvr>
+</p:sld>
+</file>
+
+<file path=ppt/slides/slide15.xml><?xml version="1.0" encoding="utf-8"?>
+<p:sld xmlns:a="http://schemas.openxmlformats.org/drawingml/2006/main" xmlns:r="http://schemas.openxmlformats.org/officeDocument/2006/relationships" xmlns:p="http://schemas.openxmlformats.org/presentationml/2006/main">
+  <p:cSld>
+    <p:spTree>
+      <p:nvGrpSpPr>
+        <p:cNvPr id="1" name=""/>
+        <p:cNvGrpSpPr/>
+        <p:nvPr/>
+      </p:nvGrpSpPr>
+      <p:grpSpPr>
+        <a:xfrm>
+          <a:off x="0" y="0"/>
+          <a:ext cx="0" cy="0"/>
+          <a:chOff x="0" y="0"/>
+          <a:chExt cx="0" cy="0"/>
+        </a:xfrm>
+      </p:grpSpPr>
+      <p:sp>
+        <p:nvSpPr>
+          <p:cNvPr id="2" name="Title 1"/>
+          <p:cNvSpPr>
+            <a:spLocks noGrp="1"/>
+          </p:cNvSpPr>
+          <p:nvPr>
+            <p:ph type="title"/>
+          </p:nvPr>
+        </p:nvSpPr>
+        <p:spPr>
+          <a:xfrm>
+            <a:off x="1141413" y="417551"/>
+            <a:ext cx="9905998" cy="783227"/>
+          </a:xfrm>
+        </p:spPr>
+        <p:txBody>
+          <a:bodyPr>
+            <a:normAutofit/>
+          </a:bodyPr>
+          <a:lstStyle/>
+          <a:p>
+            <a:pPr algn="ctr"/>
+            <a:r>
+              <a:rPr lang="en-US" dirty="0"/>
+              <a:t>Modules (Cont’d)</a:t>
+            </a:r>
+          </a:p>
+        </p:txBody>
+      </p:sp>
+      <p:sp>
+        <p:nvSpPr>
+          <p:cNvPr id="3" name="Content Placeholder 2"/>
+          <p:cNvSpPr>
+            <a:spLocks noGrp="1"/>
+          </p:cNvSpPr>
+          <p:nvPr>
+            <p:ph idx="1"/>
+          </p:nvPr>
+        </p:nvSpPr>
+        <p:spPr>
+          <a:xfrm>
+            <a:off x="1905000" y="1600200"/>
+            <a:ext cx="8665139" cy="4449744"/>
+          </a:xfrm>
+        </p:spPr>
+        <p:txBody>
+          <a:bodyPr>
+            <a:normAutofit/>
+          </a:bodyPr>
+          <a:lstStyle/>
+          <a:p>
+            <a:r>
+              <a:rPr lang="en-US" i="1" dirty="0"/>
+              <a:t>Most modules are 4-6 lectures worth of content, some are a bit more.</a:t>
+            </a:r>
+          </a:p>
+          <a:p>
+            <a:endParaRPr lang="en-US" i="1" dirty="0"/>
+          </a:p>
+          <a:p>
+            <a:r>
+              <a:rPr lang="en-US" i="1" dirty="0"/>
+              <a:t>Each module involves:</a:t>
+            </a:r>
+          </a:p>
+          <a:p>
+            <a:pPr lvl="1"/>
+            <a:r>
+              <a:rPr lang="en-US" i="1" dirty="0"/>
+              <a:t>~5 lectures worth of content</a:t>
+            </a:r>
+          </a:p>
+          <a:p>
+            <a:pPr lvl="1"/>
+            <a:r>
+              <a:rPr lang="en-US" i="1" dirty="0"/>
+              <a:t>1 or 2 </a:t>
+            </a:r>
+            <a:r>
+              <a:rPr lang="en-US" dirty="0"/>
+              <a:t>homework assignments (usually just one though)</a:t>
+            </a:r>
+          </a:p>
+          <a:p>
+            <a:pPr lvl="1"/>
+            <a:r>
+              <a:rPr lang="en-US" i="1" dirty="0"/>
+              <a:t>1 quiz (assessment)</a:t>
+            </a:r>
+          </a:p>
+          <a:p>
+            <a:pPr lvl="1"/>
+            <a:endParaRPr lang="en-US" i="1" dirty="0"/>
+          </a:p>
+          <a:p>
+            <a:r>
+              <a:rPr lang="en-US" i="1" dirty="0"/>
+              <a:t>In addition there is one other quiz, the final exam quiz (more on this later)</a:t>
+            </a:r>
+          </a:p>
+          <a:p>
+            <a:pPr lvl="1"/>
+            <a:endParaRPr lang="en-US" i="1" dirty="0"/>
+          </a:p>
+          <a:p>
+            <a:endParaRPr lang="en-US" i="1" dirty="0"/>
+          </a:p>
+        </p:txBody>
+      </p:sp>
+      <p:sp>
+        <p:nvSpPr>
+          <p:cNvPr id="4" name="Slide Number Placeholder 3"/>
+          <p:cNvSpPr>
+            <a:spLocks noGrp="1"/>
+          </p:cNvSpPr>
+          <p:nvPr>
+            <p:ph type="sldNum" sz="quarter" idx="12"/>
+          </p:nvPr>
+        </p:nvSpPr>
+        <p:spPr/>
+        <p:txBody>
+          <a:bodyPr/>
+          <a:lstStyle/>
+          <a:p>
+            <a:fld id="{F26D9103-0C5C-48AC-B68E-3ED2C1647047}" type="slidenum">
+              <a:rPr lang="en-US" smtClean="0"/>
+              <a:pPr/>
+              <a:t>15</a:t>
+            </a:fld>
+            <a:endParaRPr lang="en-US"/>
+          </a:p>
+        </p:txBody>
+      </p:sp>
+    </p:spTree>
+    <p:extLst>
+      <p:ext uri="{BB962C8B-B14F-4D97-AF65-F5344CB8AC3E}">
+        <p14:creationId xmlns:p14="http://schemas.microsoft.com/office/powerpoint/2010/main" val="3198794026"/>
+      </p:ext>
+    </p:extLst>
+  </p:cSld>
+  <p:clrMapOvr>
+    <a:masterClrMapping/>
+  </p:clrMapOvr>
+</p:sld>
+</file>
+
+<file path=ppt/slides/slide16.xml><?xml version="1.0" encoding="utf-8"?>
+<p:sld xmlns:a="http://schemas.openxmlformats.org/drawingml/2006/main" xmlns:r="http://schemas.openxmlformats.org/officeDocument/2006/relationships" xmlns:p="http://schemas.openxmlformats.org/presentationml/2006/main">
+  <p:cSld>
+    <p:spTree>
+      <p:nvGrpSpPr>
+        <p:cNvPr id="1" name=""/>
+        <p:cNvGrpSpPr/>
+        <p:nvPr/>
+      </p:nvGrpSpPr>
+      <p:grpSpPr>
+        <a:xfrm>
+          <a:off x="0" y="0"/>
+          <a:ext cx="0" cy="0"/>
+          <a:chOff x="0" y="0"/>
+          <a:chExt cx="0" cy="0"/>
+        </a:xfrm>
+      </p:grpSpPr>
+      <p:sp>
+        <p:nvSpPr>
+          <p:cNvPr id="12290" name="Rectangle 2"/>
+          <p:cNvSpPr>
+            <a:spLocks noGrp="1" noChangeArrowheads="1"/>
+          </p:cNvSpPr>
+          <p:nvPr>
+            <p:ph type="title"/>
+          </p:nvPr>
+        </p:nvSpPr>
+        <p:spPr>
+          <a:xfrm>
+            <a:off x="1981200" y="312337"/>
+            <a:ext cx="8229600" cy="715945"/>
+          </a:xfrm>
+        </p:spPr>
+        <p:txBody>
+          <a:bodyPr/>
+          <a:lstStyle/>
+          <a:p>
+            <a:pPr algn="ctr"/>
+            <a:r>
+              <a:rPr lang="en-US" dirty="0"/>
+              <a:t>Quizzes</a:t>
+            </a:r>
+          </a:p>
+        </p:txBody>
+      </p:sp>
+      <p:sp>
+        <p:nvSpPr>
+          <p:cNvPr id="12291" name="Rectangle 3"/>
+          <p:cNvSpPr>
+            <a:spLocks noGrp="1" noChangeArrowheads="1"/>
+          </p:cNvSpPr>
+          <p:nvPr>
+            <p:ph idx="1"/>
+          </p:nvPr>
+        </p:nvSpPr>
+        <p:spPr>
+          <a:xfrm>
+            <a:off x="1012263" y="1245995"/>
+            <a:ext cx="10221795" cy="5245239"/>
+          </a:xfrm>
+        </p:spPr>
+        <p:txBody>
+          <a:bodyPr>
+            <a:normAutofit/>
+          </a:bodyPr>
+          <a:lstStyle/>
+          <a:p>
+            <a:r>
+              <a:rPr lang="en-US" dirty="0"/>
+              <a:t>Medium size assessments of your knowledge in each module</a:t>
+            </a:r>
+          </a:p>
+          <a:p>
+            <a:pPr lvl="1"/>
+            <a:r>
+              <a:rPr lang="en-US" dirty="0"/>
+              <a:t>Meant to ensure you have knowledge of the individual topics from lecture to a sufficient degree.</a:t>
+            </a:r>
+          </a:p>
+          <a:p>
+            <a:pPr lvl="1"/>
+            <a:r>
+              <a:rPr lang="en-US" dirty="0"/>
+              <a:t>Usually about two pages worth of traditional exam material.</a:t>
+            </a:r>
+          </a:p>
+          <a:p>
+            <a:endParaRPr lang="en-US" dirty="0"/>
+          </a:p>
+          <a:p>
+            <a:r>
+              <a:rPr lang="en-US" dirty="0"/>
+              <a:t>Quiz Schedule (I wanted this to be similar / modeled after a midterm schedule)</a:t>
+            </a:r>
+          </a:p>
+          <a:p>
+            <a:pPr lvl="1"/>
+            <a:r>
+              <a:rPr lang="en-US" sz="2000" dirty="0"/>
+              <a:t>Thu., Oct. 12			Mod 1-2</a:t>
+            </a:r>
+          </a:p>
+          <a:p>
+            <a:pPr lvl="1"/>
+            <a:r>
+              <a:rPr lang="en-US" sz="2000" dirty="0"/>
+              <a:t>Thu., Nov. 9			Mod 3-4</a:t>
+            </a:r>
+          </a:p>
+          <a:p>
+            <a:pPr lvl="1"/>
+            <a:r>
+              <a:rPr lang="en-US" sz="2000" dirty="0"/>
+              <a:t>Fri, Dec. 8 (Final Exa</a:t>
+            </a:r>
+            <a:r>
+              <a:rPr lang="en-US" dirty="0"/>
+              <a:t>m Day)</a:t>
+            </a:r>
+            <a:r>
+              <a:rPr lang="en-US" sz="2000" dirty="0"/>
+              <a:t>	</a:t>
+            </a:r>
+            <a:r>
+              <a:rPr lang="en-US" dirty="0"/>
+              <a:t>	</a:t>
+            </a:r>
+            <a:r>
+              <a:rPr lang="en-US" sz="2000" dirty="0"/>
+              <a:t>Mod 5, Final Exam Quiz, and optional 1-4 retakes</a:t>
+            </a:r>
+          </a:p>
+          <a:p>
+            <a:pPr lvl="1"/>
+            <a:endParaRPr lang="en-US" sz="2000" dirty="0"/>
+          </a:p>
+          <a:p>
+            <a:pPr lvl="1"/>
+            <a:endParaRPr lang="en-US" dirty="0"/>
+          </a:p>
+        </p:txBody>
+      </p:sp>
+      <p:sp>
+        <p:nvSpPr>
+          <p:cNvPr id="4" name="Slide Number Placeholder 3"/>
+          <p:cNvSpPr>
+            <a:spLocks noGrp="1"/>
+          </p:cNvSpPr>
+          <p:nvPr>
+            <p:ph type="sldNum" sz="quarter" idx="12"/>
+          </p:nvPr>
+        </p:nvSpPr>
+        <p:spPr/>
+        <p:txBody>
+          <a:bodyPr/>
+          <a:lstStyle/>
+          <a:p>
+            <a:fld id="{F26D9103-0C5C-48AC-B68E-3ED2C1647047}" type="slidenum">
+              <a:rPr lang="en-US" smtClean="0"/>
+              <a:pPr/>
+              <a:t>16</a:t>
+            </a:fld>
+            <a:endParaRPr lang="en-US"/>
+          </a:p>
+        </p:txBody>
+      </p:sp>
+    </p:spTree>
+    <p:extLst>
+      <p:ext uri="{BB962C8B-B14F-4D97-AF65-F5344CB8AC3E}">
+        <p14:creationId xmlns:p14="http://schemas.microsoft.com/office/powerpoint/2010/main" val="1895514943"/>
+      </p:ext>
+    </p:extLst>
+  </p:cSld>
+  <p:clrMapOvr>
+    <a:masterClrMapping/>
+  </p:clrMapOvr>
+</p:sld>
+</file>
+
+<file path=ppt/slides/slide17.xml><?xml version="1.0" encoding="utf-8"?>
+<p:sld xmlns:a="http://schemas.openxmlformats.org/drawingml/2006/main" xmlns:r="http://schemas.openxmlformats.org/officeDocument/2006/relationships" xmlns:p="http://schemas.openxmlformats.org/presentationml/2006/main">
+  <p:cSld>
+    <p:spTree>
+      <p:nvGrpSpPr>
+        <p:cNvPr id="1" name=""/>
+        <p:cNvGrpSpPr/>
+        <p:nvPr/>
+      </p:nvGrpSpPr>
+      <p:grpSpPr>
+        <a:xfrm>
+          <a:off x="0" y="0"/>
+          <a:ext cx="0" cy="0"/>
+          <a:chOff x="0" y="0"/>
+          <a:chExt cx="0" cy="0"/>
+        </a:xfrm>
+      </p:grpSpPr>
+      <p:sp>
+        <p:nvSpPr>
+          <p:cNvPr id="12290" name="Rectangle 2"/>
+          <p:cNvSpPr>
+            <a:spLocks noGrp="1" noChangeArrowheads="1"/>
+          </p:cNvSpPr>
+          <p:nvPr>
+            <p:ph type="title"/>
+          </p:nvPr>
+        </p:nvSpPr>
+        <p:spPr>
+          <a:xfrm>
+            <a:off x="1981200" y="381000"/>
+            <a:ext cx="8229600" cy="944545"/>
+          </a:xfrm>
+        </p:spPr>
+        <p:txBody>
+          <a:bodyPr/>
+          <a:lstStyle/>
+          <a:p>
+            <a:pPr algn="ctr"/>
+            <a:r>
+              <a:rPr lang="en-US" dirty="0"/>
+              <a:t>Quizzes</a:t>
+            </a:r>
+          </a:p>
+        </p:txBody>
+      </p:sp>
+      <p:sp>
+        <p:nvSpPr>
+          <p:cNvPr id="12291" name="Rectangle 3"/>
+          <p:cNvSpPr>
+            <a:spLocks noGrp="1" noChangeArrowheads="1"/>
+          </p:cNvSpPr>
+          <p:nvPr>
+            <p:ph idx="1"/>
+          </p:nvPr>
+        </p:nvSpPr>
+        <p:spPr>
+          <a:xfrm>
+            <a:off x="1391978" y="1539892"/>
+            <a:ext cx="9470290" cy="4525944"/>
+          </a:xfrm>
+        </p:spPr>
+        <p:txBody>
+          <a:bodyPr>
+            <a:normAutofit/>
+          </a:bodyPr>
+          <a:lstStyle/>
+          <a:p>
+            <a:r>
+              <a:rPr lang="en-US" dirty="0"/>
+              <a:t>Two possible outcomes </a:t>
+            </a:r>
+            <a:r>
+              <a:rPr lang="en-US" b="1" i="1" u="sng" dirty="0"/>
+              <a:t>for each quiz</a:t>
+            </a:r>
+            <a:r>
+              <a:rPr lang="en-US" dirty="0"/>
+              <a:t>:</a:t>
+            </a:r>
+          </a:p>
+          <a:p>
+            <a:pPr lvl="1"/>
+            <a:r>
+              <a:rPr lang="en-US" b="1" i="1" u="sng" dirty="0"/>
+              <a:t>grade &lt;= 90 %</a:t>
+            </a:r>
+            <a:r>
+              <a:rPr lang="en-US" dirty="0"/>
+              <a:t>: You earn the grade as shown</a:t>
+            </a:r>
+          </a:p>
+          <a:p>
+            <a:pPr lvl="1"/>
+            <a:r>
+              <a:rPr lang="en-US" b="1" i="1" u="sng" dirty="0"/>
+              <a:t>grade &gt; 90 %:</a:t>
+            </a:r>
+            <a:r>
+              <a:rPr lang="en-US" dirty="0"/>
+              <a:t> Grade is rounded up to a 100% (mastery!)</a:t>
+            </a:r>
+          </a:p>
+          <a:p>
+            <a:endParaRPr lang="en-US" dirty="0"/>
+          </a:p>
+          <a:p>
+            <a:r>
+              <a:rPr lang="en-US" dirty="0"/>
+              <a:t>You always receive the highest grade over all attempts (e.g., final exam retakes</a:t>
+            </a:r>
+          </a:p>
+          <a:p>
+            <a:r>
+              <a:rPr lang="en-US" dirty="0"/>
+              <a:t>If you earn above a 90%, rounding is meant to ensure you don’t take the retake on the final exam day.</a:t>
+            </a:r>
+          </a:p>
+        </p:txBody>
+      </p:sp>
+      <p:sp>
+        <p:nvSpPr>
+          <p:cNvPr id="4" name="Slide Number Placeholder 3"/>
+          <p:cNvSpPr>
+            <a:spLocks noGrp="1"/>
+          </p:cNvSpPr>
+          <p:nvPr>
+            <p:ph type="sldNum" sz="quarter" idx="12"/>
+          </p:nvPr>
+        </p:nvSpPr>
+        <p:spPr/>
+        <p:txBody>
+          <a:bodyPr/>
+          <a:lstStyle/>
+          <a:p>
+            <a:fld id="{F26D9103-0C5C-48AC-B68E-3ED2C1647047}" type="slidenum">
+              <a:rPr lang="en-US" smtClean="0"/>
+              <a:pPr/>
+              <a:t>17</a:t>
+            </a:fld>
+            <a:endParaRPr lang="en-US"/>
+          </a:p>
+        </p:txBody>
+      </p:sp>
+    </p:spTree>
+    <p:extLst>
+      <p:ext uri="{BB962C8B-B14F-4D97-AF65-F5344CB8AC3E}">
+        <p14:creationId xmlns:p14="http://schemas.microsoft.com/office/powerpoint/2010/main" val="2940204379"/>
+      </p:ext>
+    </p:extLst>
+  </p:cSld>
+  <p:clrMapOvr>
+    <a:masterClrMapping/>
+  </p:clrMapOvr>
+</p:sld>
+</file>
+
+<file path=ppt/slides/slide18.xml><?xml version="1.0" encoding="utf-8"?>
+<p:sld xmlns:a="http://schemas.openxmlformats.org/drawingml/2006/main" xmlns:r="http://schemas.openxmlformats.org/officeDocument/2006/relationships" xmlns:p="http://schemas.openxmlformats.org/presentationml/2006/main">
+  <p:cSld>
+    <p:spTree>
+      <p:nvGrpSpPr>
+        <p:cNvPr id="1" name=""/>
+        <p:cNvGrpSpPr/>
+        <p:nvPr/>
+      </p:nvGrpSpPr>
+      <p:grpSpPr>
+        <a:xfrm>
+          <a:off x="0" y="0"/>
+          <a:ext cx="0" cy="0"/>
+          <a:chOff x="0" y="0"/>
+          <a:chExt cx="0" cy="0"/>
+        </a:xfrm>
+      </p:grpSpPr>
+      <p:sp>
+        <p:nvSpPr>
+          <p:cNvPr id="18434" name="Title 1"/>
+          <p:cNvSpPr>
+            <a:spLocks noGrp="1"/>
+          </p:cNvSpPr>
+          <p:nvPr>
+            <p:ph type="title"/>
+          </p:nvPr>
+        </p:nvSpPr>
+        <p:spPr>
+          <a:xfrm>
+            <a:off x="1141413" y="357262"/>
+            <a:ext cx="9905998" cy="707027"/>
+          </a:xfrm>
+        </p:spPr>
+        <p:txBody>
+          <a:bodyPr/>
+          <a:lstStyle/>
+          <a:p>
+            <a:pPr algn="ctr"/>
+            <a:r>
+              <a:rPr lang="en-US" dirty="0"/>
+              <a:t>Final Exam</a:t>
+            </a:r>
+          </a:p>
+        </p:txBody>
+      </p:sp>
+      <p:sp>
+        <p:nvSpPr>
+          <p:cNvPr id="18435" name="Content Placeholder 2"/>
+          <p:cNvSpPr>
+            <a:spLocks noGrp="1"/>
+          </p:cNvSpPr>
+          <p:nvPr>
+            <p:ph idx="1"/>
+          </p:nvPr>
+        </p:nvSpPr>
+        <p:spPr>
+          <a:xfrm>
+            <a:off x="1743670" y="1524000"/>
+            <a:ext cx="8826469" cy="4525944"/>
+          </a:xfrm>
+        </p:spPr>
+        <p:txBody>
+          <a:bodyPr>
+            <a:normAutofit/>
+          </a:bodyPr>
+          <a:lstStyle/>
+          <a:p>
+            <a:pPr algn="l"/>
+            <a:r>
+              <a:rPr lang="en-US" dirty="0"/>
+              <a:t>Our final exam time will be used to:</a:t>
+            </a:r>
+          </a:p>
+          <a:p>
+            <a:pPr lvl="1" algn="l"/>
+            <a:r>
+              <a:rPr lang="en-US" dirty="0"/>
+              <a:t>Take Quiz for </a:t>
+            </a:r>
+            <a:r>
+              <a:rPr lang="en-US" b="1" i="1" u="sng" dirty="0"/>
+              <a:t>Module 5</a:t>
+            </a:r>
+            <a:r>
+              <a:rPr lang="en-US" dirty="0"/>
+              <a:t> (first and only attempt…sorry)</a:t>
+            </a:r>
+          </a:p>
+          <a:p>
+            <a:pPr lvl="1" algn="l"/>
+            <a:r>
+              <a:rPr lang="en-US" dirty="0"/>
+              <a:t>Take the </a:t>
+            </a:r>
+            <a:r>
+              <a:rPr lang="en-US" b="1" i="1" u="sng" dirty="0"/>
+              <a:t>Final Exam Quiz</a:t>
+            </a:r>
+            <a:r>
+              <a:rPr lang="en-US" dirty="0"/>
+              <a:t> (Only attempt by design)</a:t>
+            </a:r>
+          </a:p>
+          <a:p>
+            <a:pPr lvl="1" algn="l"/>
+            <a:r>
+              <a:rPr lang="en-US" b="1" dirty="0"/>
+              <a:t>OPTIONAL</a:t>
+            </a:r>
+            <a:r>
+              <a:rPr lang="en-US" dirty="0"/>
+              <a:t>: Retake </a:t>
+            </a:r>
+            <a:r>
+              <a:rPr lang="en-US" b="1" i="1" u="sng" dirty="0"/>
+              <a:t>up to three of quizzes 1-4</a:t>
+            </a:r>
+            <a:endParaRPr lang="en-US" dirty="0"/>
+          </a:p>
+          <a:p>
+            <a:pPr lvl="1" algn="l"/>
+            <a:endParaRPr lang="en-US" b="1" i="1" u="sng" dirty="0"/>
+          </a:p>
+          <a:p>
+            <a:r>
+              <a:rPr lang="en-US" dirty="0"/>
+              <a:t>You can attempt all four retakes if you want, but the exams are designed for their to be enough time to do three retakes.</a:t>
+            </a:r>
+          </a:p>
+        </p:txBody>
+      </p:sp>
+      <p:sp>
+        <p:nvSpPr>
+          <p:cNvPr id="4" name="Slide Number Placeholder 3"/>
+          <p:cNvSpPr>
+            <a:spLocks noGrp="1"/>
+          </p:cNvSpPr>
+          <p:nvPr>
+            <p:ph type="sldNum" sz="quarter" idx="12"/>
+          </p:nvPr>
+        </p:nvSpPr>
+        <p:spPr/>
+        <p:txBody>
+          <a:bodyPr/>
+          <a:lstStyle/>
+          <a:p>
+            <a:fld id="{F26D9103-0C5C-48AC-B68E-3ED2C1647047}" type="slidenum">
+              <a:rPr lang="en-US" smtClean="0"/>
+              <a:pPr/>
+              <a:t>18</a:t>
+            </a:fld>
+            <a:endParaRPr lang="en-US" dirty="0"/>
+          </a:p>
+        </p:txBody>
+      </p:sp>
+    </p:spTree>
+    <p:extLst>
+      <p:ext uri="{BB962C8B-B14F-4D97-AF65-F5344CB8AC3E}">
+        <p14:creationId xmlns:p14="http://schemas.microsoft.com/office/powerpoint/2010/main" val="1095264303"/>
+      </p:ext>
+    </p:extLst>
+  </p:cSld>
+  <p:clrMapOvr>
+    <a:masterClrMapping/>
+  </p:clrMapOvr>
+</p:sld>
+</file>
+
+<file path=ppt/slides/slide19.xml><?xml version="1.0" encoding="utf-8"?>
+<p:sld xmlns:a="http://schemas.openxmlformats.org/drawingml/2006/main" xmlns:r="http://schemas.openxmlformats.org/officeDocument/2006/relationships" xmlns:p="http://schemas.openxmlformats.org/presentationml/2006/main">
+  <p:cSld>
+    <p:spTree>
+      <p:nvGrpSpPr>
+        <p:cNvPr id="1" name=""/>
+        <p:cNvGrpSpPr/>
+        <p:nvPr/>
+      </p:nvGrpSpPr>
+      <p:grpSpPr>
+        <a:xfrm>
+          <a:off x="0" y="0"/>
+          <a:ext cx="0" cy="0"/>
+          <a:chOff x="0" y="0"/>
+          <a:chExt cx="0" cy="0"/>
+        </a:xfrm>
+      </p:grpSpPr>
+      <p:sp>
+        <p:nvSpPr>
+          <p:cNvPr id="12290" name="Rectangle 2"/>
+          <p:cNvSpPr>
+            <a:spLocks noGrp="1" noChangeArrowheads="1"/>
+          </p:cNvSpPr>
+          <p:nvPr>
+            <p:ph type="title"/>
+          </p:nvPr>
+        </p:nvSpPr>
+        <p:spPr>
+          <a:xfrm>
+            <a:off x="1981200" y="382674"/>
+            <a:ext cx="8229600" cy="792145"/>
+          </a:xfrm>
+        </p:spPr>
+        <p:txBody>
+          <a:bodyPr/>
+          <a:lstStyle/>
+          <a:p>
+            <a:pPr algn="ctr"/>
+            <a:r>
+              <a:rPr lang="en-US" dirty="0" err="1"/>
+              <a:t>Homeworks</a:t>
+            </a:r>
+            <a:endParaRPr lang="en-US" dirty="0"/>
+          </a:p>
+        </p:txBody>
+      </p:sp>
+      <p:sp>
+        <p:nvSpPr>
+          <p:cNvPr id="12291" name="Rectangle 3"/>
+          <p:cNvSpPr>
+            <a:spLocks noGrp="1" noChangeArrowheads="1"/>
+          </p:cNvSpPr>
+          <p:nvPr>
+            <p:ph idx="1"/>
+          </p:nvPr>
+        </p:nvSpPr>
+        <p:spPr>
+          <a:xfrm>
+            <a:off x="1502511" y="1523999"/>
+            <a:ext cx="9198985" cy="4724399"/>
+          </a:xfrm>
+        </p:spPr>
+        <p:txBody>
+          <a:bodyPr>
+            <a:normAutofit/>
+          </a:bodyPr>
+          <a:lstStyle/>
+          <a:p>
+            <a:pPr algn="l"/>
+            <a:r>
+              <a:rPr lang="en-US" dirty="0"/>
+              <a:t>Each of the 5 modules has 1 or 2 </a:t>
+            </a:r>
+            <a:r>
+              <a:rPr lang="en-US" dirty="0" err="1"/>
+              <a:t>homeworks</a:t>
+            </a:r>
+            <a:r>
+              <a:rPr lang="en-US" dirty="0"/>
+              <a:t> associated (usually 1)</a:t>
+            </a:r>
+          </a:p>
+          <a:p>
+            <a:r>
+              <a:rPr lang="en-US" b="1" i="1" u="sng" dirty="0"/>
+              <a:t>Written HW</a:t>
+            </a:r>
+          </a:p>
+          <a:p>
+            <a:pPr lvl="1"/>
+            <a:r>
+              <a:rPr lang="en-US" dirty="0"/>
+              <a:t>Solving small problems, analyzing runtimes, etc.</a:t>
+            </a:r>
+          </a:p>
+          <a:p>
+            <a:pPr lvl="1"/>
+            <a:r>
+              <a:rPr lang="en-US" dirty="0"/>
+              <a:t>Writing proofs, etc.</a:t>
+            </a:r>
+          </a:p>
+          <a:p>
+            <a:pPr lvl="1"/>
+            <a:r>
+              <a:rPr lang="en-US" dirty="0"/>
+              <a:t>Written in Latex (tutorial on course webpage)</a:t>
+            </a:r>
+          </a:p>
+          <a:p>
+            <a:pPr lvl="1"/>
+            <a:r>
+              <a:rPr lang="en-US" i="1" dirty="0"/>
+              <a:t>These are meant to be challenging!</a:t>
+            </a:r>
+          </a:p>
+          <a:p>
+            <a:r>
+              <a:rPr lang="en-US" b="1" i="1" u="sng" dirty="0"/>
+              <a:t>Programming HW</a:t>
+            </a:r>
+            <a:r>
+              <a:rPr lang="en-US" dirty="0"/>
+              <a:t>:</a:t>
+            </a:r>
+          </a:p>
+          <a:p>
+            <a:pPr lvl="1"/>
+            <a:r>
+              <a:rPr lang="en-US" dirty="0"/>
+              <a:t>Can be written in Java, C++, or Python (your choice)</a:t>
+            </a:r>
+          </a:p>
+          <a:p>
+            <a:pPr lvl="1" algn="l"/>
+            <a:r>
+              <a:rPr lang="en-US" dirty="0"/>
+              <a:t>We won’t have many of these (probably just 1)</a:t>
+            </a:r>
+          </a:p>
+        </p:txBody>
+      </p:sp>
+      <p:sp>
+        <p:nvSpPr>
+          <p:cNvPr id="4" name="Slide Number Placeholder 3"/>
+          <p:cNvSpPr>
+            <a:spLocks noGrp="1"/>
+          </p:cNvSpPr>
+          <p:nvPr>
+            <p:ph type="sldNum" sz="quarter" idx="12"/>
+          </p:nvPr>
+        </p:nvSpPr>
+        <p:spPr/>
+        <p:txBody>
+          <a:bodyPr/>
+          <a:lstStyle/>
+          <a:p>
+            <a:fld id="{F26D9103-0C5C-48AC-B68E-3ED2C1647047}" type="slidenum">
+              <a:rPr lang="en-US" smtClean="0"/>
+              <a:pPr/>
+              <a:t>19</a:t>
+            </a:fld>
+            <a:endParaRPr lang="en-US"/>
+          </a:p>
+        </p:txBody>
+      </p:sp>
+    </p:spTree>
+    <p:extLst>
+      <p:ext uri="{BB962C8B-B14F-4D97-AF65-F5344CB8AC3E}">
+        <p14:creationId xmlns:p14="http://schemas.microsoft.com/office/powerpoint/2010/main" val="2802976195"/>
+      </p:ext>
+    </p:extLst>
+  </p:cSld>
+  <p:clrMapOvr>
+    <a:masterClrMapping/>
+  </p:clrMapOvr>
+</p:sld>
+</file>
+
+<file path=ppt/slides/slide2.xml><?xml version="1.0" encoding="utf-8"?>
+<p:sld xmlns:a="http://schemas.openxmlformats.org/drawingml/2006/main" xmlns:r="http://schemas.openxmlformats.org/officeDocument/2006/relationships" xmlns:p="http://schemas.openxmlformats.org/presentationml/2006/main">
+  <p:cSld>
+    <p:spTree>
+      <p:nvGrpSpPr>
+        <p:cNvPr id="1" name=""/>
+        <p:cNvGrpSpPr/>
+        <p:nvPr/>
+      </p:nvGrpSpPr>
+      <p:grpSpPr>
+        <a:xfrm>
+          <a:off x="0" y="0"/>
+          <a:ext cx="0" cy="0"/>
+          <a:chOff x="0" y="0"/>
+          <a:chExt cx="0" cy="0"/>
+        </a:xfrm>
+      </p:grpSpPr>
+      <p:sp>
+        <p:nvSpPr>
+          <p:cNvPr id="6146" name="Rectangle 2"/>
+          <p:cNvSpPr>
+            <a:spLocks noGrp="1" noChangeArrowheads="1"/>
+          </p:cNvSpPr>
+          <p:nvPr>
+            <p:ph type="title"/>
+            <p:custDataLst>
+              <p:tags r:id="rId1"/>
+            </p:custDataLst>
+          </p:nvPr>
+        </p:nvSpPr>
+        <p:spPr>
+          <a:xfrm>
+            <a:off x="1141413" y="322184"/>
+            <a:ext cx="9905998" cy="897015"/>
+          </a:xfrm>
+        </p:spPr>
+        <p:txBody>
+          <a:bodyPr/>
+          <a:lstStyle/>
+          <a:p>
+            <a:pPr algn="ctr"/>
+            <a:r>
+              <a:rPr lang="en-US" dirty="0"/>
+              <a:t>Quick Polls (Agree or Not?)</a:t>
+            </a:r>
+          </a:p>
+        </p:txBody>
+      </p:sp>
+      <p:sp>
+        <p:nvSpPr>
+          <p:cNvPr id="6147" name="Rectangle 3"/>
+          <p:cNvSpPr>
+            <a:spLocks noGrp="1" noChangeArrowheads="1"/>
+          </p:cNvSpPr>
+          <p:nvPr>
+            <p:ph idx="1"/>
+            <p:custDataLst>
+              <p:tags r:id="rId2"/>
+            </p:custDataLst>
+          </p:nvPr>
+        </p:nvSpPr>
+        <p:spPr>
+          <a:xfrm>
+            <a:off x="1141413" y="1473200"/>
+            <a:ext cx="9970724" cy="4800600"/>
+          </a:xfrm>
+        </p:spPr>
+        <p:txBody>
+          <a:bodyPr>
+            <a:normAutofit/>
+          </a:bodyPr>
+          <a:lstStyle/>
+          <a:p>
+            <a:pPr marL="0" indent="0">
+              <a:buNone/>
+            </a:pPr>
+            <a:r>
+              <a:rPr lang="en-US" b="1" i="1" u="sng" dirty="0"/>
+              <a:t>Q1</a:t>
+            </a:r>
+            <a:r>
+              <a:rPr lang="en-US" dirty="0"/>
+              <a:t>: I have heard that DMT 2 is like…a really hard class!</a:t>
+            </a:r>
+          </a:p>
+          <a:p>
+            <a:pPr marL="0" indent="0">
+              <a:buNone/>
+            </a:pPr>
+            <a:endParaRPr lang="en-US" dirty="0"/>
+          </a:p>
+          <a:p>
+            <a:pPr marL="0" indent="0">
+              <a:buNone/>
+            </a:pPr>
+            <a:r>
+              <a:rPr lang="en-US" b="1" i="1" u="sng" dirty="0"/>
+              <a:t>Q2</a:t>
+            </a:r>
+            <a:r>
+              <a:rPr lang="en-US" dirty="0"/>
+              <a:t>: I have heard that DMT 2 is a lot of work!</a:t>
+            </a:r>
+          </a:p>
+          <a:p>
+            <a:pPr marL="0" indent="0">
+              <a:buNone/>
+            </a:pPr>
+            <a:endParaRPr lang="en-US" dirty="0"/>
+          </a:p>
+          <a:p>
+            <a:pPr marL="0" indent="0">
+              <a:buNone/>
+            </a:pPr>
+            <a:r>
+              <a:rPr lang="en-US" b="1" i="1" u="sng" dirty="0"/>
+              <a:t>Q3</a:t>
+            </a:r>
+            <a:r>
+              <a:rPr lang="en-US" dirty="0"/>
+              <a:t>: I have heard that DMT 2 material isn’t that important and that you will never really use it!</a:t>
+            </a:r>
+          </a:p>
+        </p:txBody>
+      </p:sp>
+      <p:sp>
+        <p:nvSpPr>
+          <p:cNvPr id="4" name="Slide Number Placeholder 3"/>
+          <p:cNvSpPr>
+            <a:spLocks noGrp="1"/>
+          </p:cNvSpPr>
+          <p:nvPr>
+            <p:ph type="sldNum" sz="quarter" idx="12"/>
+          </p:nvPr>
+        </p:nvSpPr>
+        <p:spPr/>
+        <p:txBody>
+          <a:bodyPr/>
+          <a:lstStyle/>
+          <a:p>
+            <a:fld id="{F26D9103-0C5C-48AC-B68E-3ED2C1647047}" type="slidenum">
+              <a:rPr lang="en-US" smtClean="0"/>
+              <a:pPr/>
+              <a:t>2</a:t>
+            </a:fld>
+            <a:endParaRPr lang="en-US" dirty="0"/>
+          </a:p>
+        </p:txBody>
+      </p:sp>
+    </p:spTree>
+    <p:extLst>
+      <p:ext uri="{BB962C8B-B14F-4D97-AF65-F5344CB8AC3E}">
+        <p14:creationId xmlns:p14="http://schemas.microsoft.com/office/powerpoint/2010/main" val="2431754002"/>
+      </p:ext>
+    </p:extLst>
+  </p:cSld>
+  <p:clrMapOvr>
+    <a:masterClrMapping/>
+  </p:clrMapOvr>
+</p:sld>
+</file>
+
+<file path=ppt/slides/slide20.xml><?xml version="1.0" encoding="utf-8"?>
+<p:sld xmlns:a="http://schemas.openxmlformats.org/drawingml/2006/main" xmlns:r="http://schemas.openxmlformats.org/officeDocument/2006/relationships" xmlns:p="http://schemas.openxmlformats.org/presentationml/2006/main">
+  <p:cSld>
+    <p:spTree>
+      <p:nvGrpSpPr>
+        <p:cNvPr id="1" name=""/>
+        <p:cNvGrpSpPr/>
+        <p:nvPr/>
+      </p:nvGrpSpPr>
+      <p:grpSpPr>
+        <a:xfrm>
+          <a:off x="0" y="0"/>
+          <a:ext cx="0" cy="0"/>
+          <a:chOff x="0" y="0"/>
+          <a:chExt cx="0" cy="0"/>
+        </a:xfrm>
+      </p:grpSpPr>
+      <p:sp>
+        <p:nvSpPr>
+          <p:cNvPr id="12290" name="Rectangle 2"/>
+          <p:cNvSpPr>
+            <a:spLocks noGrp="1" noChangeArrowheads="1"/>
+          </p:cNvSpPr>
+          <p:nvPr>
+            <p:ph type="title"/>
+          </p:nvPr>
+        </p:nvSpPr>
+        <p:spPr>
+          <a:xfrm>
+            <a:off x="1981200" y="386862"/>
+            <a:ext cx="8229600" cy="768699"/>
+          </a:xfrm>
+        </p:spPr>
+        <p:txBody>
+          <a:bodyPr/>
+          <a:lstStyle/>
+          <a:p>
+            <a:pPr algn="ctr"/>
+            <a:r>
+              <a:rPr lang="en-US" dirty="0"/>
+              <a:t>Homework Grades</a:t>
+            </a:r>
+          </a:p>
+        </p:txBody>
+      </p:sp>
+      <p:sp>
+        <p:nvSpPr>
+          <p:cNvPr id="12291" name="Rectangle 3"/>
+          <p:cNvSpPr>
+            <a:spLocks noGrp="1" noChangeArrowheads="1"/>
+          </p:cNvSpPr>
+          <p:nvPr>
+            <p:ph idx="1"/>
+          </p:nvPr>
+        </p:nvSpPr>
+        <p:spPr>
+          <a:xfrm>
+            <a:off x="1524000" y="1406769"/>
+            <a:ext cx="9046139" cy="5070231"/>
+          </a:xfrm>
+        </p:spPr>
+        <p:txBody>
+          <a:bodyPr>
+            <a:normAutofit/>
+          </a:bodyPr>
+          <a:lstStyle/>
+          <a:p>
+            <a:r>
+              <a:rPr lang="en-US" dirty="0" err="1"/>
+              <a:t>Homeworks</a:t>
+            </a:r>
+            <a:r>
+              <a:rPr lang="en-US" dirty="0"/>
+              <a:t> will be graded on a traditional percentage scale:</a:t>
+            </a:r>
+          </a:p>
+          <a:p>
+            <a:pPr lvl="1"/>
+            <a:r>
+              <a:rPr lang="en-US" b="1" i="1" u="sng" dirty="0"/>
+              <a:t>Out of 10 points (or similar)</a:t>
+            </a:r>
+            <a:endParaRPr lang="en-US" dirty="0"/>
+          </a:p>
+          <a:p>
+            <a:pPr lvl="1"/>
+            <a:r>
+              <a:rPr lang="en-US" dirty="0"/>
+              <a:t>Regrades will be available (probably)</a:t>
+            </a:r>
+          </a:p>
+          <a:p>
+            <a:endParaRPr lang="en-US" dirty="0"/>
+          </a:p>
+          <a:p>
+            <a:r>
+              <a:rPr lang="en-US" b="1" i="1" u="sng" dirty="0"/>
+              <a:t>Deadlines</a:t>
+            </a:r>
+            <a:r>
+              <a:rPr lang="en-US" dirty="0"/>
+              <a:t>:</a:t>
+            </a:r>
+          </a:p>
+          <a:p>
+            <a:pPr lvl="1"/>
+            <a:r>
+              <a:rPr lang="en-US" dirty="0"/>
+              <a:t>We will have </a:t>
+            </a:r>
+            <a:r>
+              <a:rPr lang="en-US" b="1" i="1" dirty="0"/>
+              <a:t>traditional homework deadlines</a:t>
+            </a:r>
+            <a:r>
+              <a:rPr lang="en-US" dirty="0"/>
+              <a:t>, however…</a:t>
+            </a:r>
+          </a:p>
+          <a:p>
+            <a:pPr lvl="1"/>
+            <a:r>
+              <a:rPr lang="en-US" dirty="0"/>
+              <a:t>Anyone can fill out an online form to request a three week extension. Extensions will be granted for any reason as long as you articulate why you need extra time and when you plan to finish the homework by.</a:t>
+            </a:r>
+          </a:p>
+          <a:p>
+            <a:pPr lvl="1"/>
+            <a:r>
+              <a:rPr lang="en-US" dirty="0"/>
+              <a:t>NO submissions beyond this already generous three week window for any reason. That window IS your flexibility should anything arise.</a:t>
+            </a:r>
+          </a:p>
+          <a:p>
+            <a:endParaRPr lang="en-US" dirty="0"/>
+          </a:p>
+        </p:txBody>
+      </p:sp>
+      <p:sp>
+        <p:nvSpPr>
+          <p:cNvPr id="4" name="Slide Number Placeholder 3"/>
+          <p:cNvSpPr>
+            <a:spLocks noGrp="1"/>
+          </p:cNvSpPr>
+          <p:nvPr>
+            <p:ph type="sldNum" sz="quarter" idx="12"/>
+          </p:nvPr>
+        </p:nvSpPr>
+        <p:spPr/>
+        <p:txBody>
+          <a:bodyPr/>
+          <a:lstStyle/>
+          <a:p>
+            <a:fld id="{F26D9103-0C5C-48AC-B68E-3ED2C1647047}" type="slidenum">
+              <a:rPr lang="en-US" smtClean="0"/>
+              <a:pPr/>
+              <a:t>20</a:t>
+            </a:fld>
+            <a:endParaRPr lang="en-US"/>
+          </a:p>
+        </p:txBody>
+      </p:sp>
+    </p:spTree>
+    <p:extLst>
+      <p:ext uri="{BB962C8B-B14F-4D97-AF65-F5344CB8AC3E}">
+        <p14:creationId xmlns:p14="http://schemas.microsoft.com/office/powerpoint/2010/main" val="3112164517"/>
+      </p:ext>
+    </p:extLst>
+  </p:cSld>
+  <p:clrMapOvr>
+    <a:masterClrMapping/>
+  </p:clrMapOvr>
+</p:sld>
+</file>
+
+<file path=ppt/slides/slide21.xml><?xml version="1.0" encoding="utf-8"?>
+<p:sld xmlns:a="http://schemas.openxmlformats.org/drawingml/2006/main" xmlns:r="http://schemas.openxmlformats.org/officeDocument/2006/relationships" xmlns:p="http://schemas.openxmlformats.org/presentationml/2006/main">
+  <p:cSld>
+    <p:spTree>
+      <p:nvGrpSpPr>
+        <p:cNvPr id="1" name=""/>
+        <p:cNvGrpSpPr/>
+        <p:nvPr/>
+      </p:nvGrpSpPr>
+      <p:grpSpPr>
+        <a:xfrm>
+          <a:off x="0" y="0"/>
+          <a:ext cx="0" cy="0"/>
+          <a:chOff x="0" y="0"/>
+          <a:chExt cx="0" cy="0"/>
+        </a:xfrm>
+      </p:grpSpPr>
+      <p:sp>
+        <p:nvSpPr>
+          <p:cNvPr id="12290" name="Rectangle 2"/>
+          <p:cNvSpPr>
+            <a:spLocks noGrp="1" noChangeArrowheads="1"/>
+          </p:cNvSpPr>
+          <p:nvPr>
+            <p:ph type="title"/>
+          </p:nvPr>
+        </p:nvSpPr>
+        <p:spPr>
+          <a:xfrm>
+            <a:off x="1778558" y="398586"/>
+            <a:ext cx="8432242" cy="886890"/>
+          </a:xfrm>
+        </p:spPr>
+        <p:txBody>
+          <a:bodyPr/>
+          <a:lstStyle/>
+          <a:p>
+            <a:pPr algn="ctr"/>
+            <a:r>
+              <a:rPr lang="en-US" dirty="0"/>
+              <a:t>Homework Collaboration</a:t>
+            </a:r>
+          </a:p>
+        </p:txBody>
+      </p:sp>
+      <p:sp>
+        <p:nvSpPr>
+          <p:cNvPr id="12291" name="Rectangle 3"/>
+          <p:cNvSpPr>
+            <a:spLocks noGrp="1" noChangeArrowheads="1"/>
+          </p:cNvSpPr>
+          <p:nvPr>
+            <p:ph idx="1"/>
+          </p:nvPr>
+        </p:nvSpPr>
+        <p:spPr>
+          <a:xfrm>
+            <a:off x="1600200" y="1643027"/>
+            <a:ext cx="8969939" cy="4599511"/>
+          </a:xfrm>
+        </p:spPr>
+        <p:txBody>
+          <a:bodyPr>
+            <a:normAutofit/>
+          </a:bodyPr>
+          <a:lstStyle/>
+          <a:p>
+            <a:r>
+              <a:rPr lang="en-US" dirty="0"/>
+              <a:t>You may work in groups of up to 3 on written assignments</a:t>
+            </a:r>
+          </a:p>
+          <a:p>
+            <a:pPr lvl="1"/>
+            <a:r>
+              <a:rPr lang="en-US" dirty="0"/>
+              <a:t>This is most of the assignments</a:t>
+            </a:r>
+          </a:p>
+          <a:p>
+            <a:pPr lvl="1"/>
+            <a:r>
+              <a:rPr lang="en-US" dirty="0"/>
+              <a:t>Once submission per group is fine. I think </a:t>
+            </a:r>
+            <a:r>
+              <a:rPr lang="en-US" dirty="0" err="1"/>
+              <a:t>Gradescope</a:t>
+            </a:r>
+            <a:r>
+              <a:rPr lang="en-US" dirty="0"/>
+              <a:t> supports this quite easily but not 100% sure.</a:t>
+            </a:r>
+          </a:p>
+          <a:p>
+            <a:pPr lvl="1"/>
+            <a:endParaRPr lang="en-US" dirty="0"/>
+          </a:p>
+          <a:p>
+            <a:r>
+              <a:rPr lang="en-US" dirty="0"/>
+              <a:t>On programming assignments (currently, just 1) you are expected to work independently.</a:t>
+            </a:r>
+          </a:p>
+          <a:p>
+            <a:endParaRPr lang="en-US" dirty="0"/>
+          </a:p>
+        </p:txBody>
+      </p:sp>
+      <p:sp>
+        <p:nvSpPr>
+          <p:cNvPr id="4" name="Slide Number Placeholder 3"/>
+          <p:cNvSpPr>
+            <a:spLocks noGrp="1"/>
+          </p:cNvSpPr>
+          <p:nvPr>
+            <p:ph type="sldNum" sz="quarter" idx="12"/>
+          </p:nvPr>
+        </p:nvSpPr>
+        <p:spPr/>
+        <p:txBody>
+          <a:bodyPr/>
+          <a:lstStyle/>
+          <a:p>
+            <a:fld id="{F26D9103-0C5C-48AC-B68E-3ED2C1647047}" type="slidenum">
+              <a:rPr lang="en-US" smtClean="0"/>
+              <a:pPr/>
+              <a:t>21</a:t>
+            </a:fld>
+            <a:endParaRPr lang="en-US"/>
+          </a:p>
+        </p:txBody>
+      </p:sp>
+    </p:spTree>
+    <p:extLst>
+      <p:ext uri="{BB962C8B-B14F-4D97-AF65-F5344CB8AC3E}">
+        <p14:creationId xmlns:p14="http://schemas.microsoft.com/office/powerpoint/2010/main" val="3237934718"/>
+      </p:ext>
+    </p:extLst>
+  </p:cSld>
+  <p:clrMapOvr>
+    <a:masterClrMapping/>
+  </p:clrMapOvr>
+</p:sld>
+</file>
+
+<file path=ppt/slides/slide22.xml><?xml version="1.0" encoding="utf-8"?>
+<p:sld xmlns:a="http://schemas.openxmlformats.org/drawingml/2006/main" xmlns:r="http://schemas.openxmlformats.org/officeDocument/2006/relationships" xmlns:p="http://schemas.openxmlformats.org/presentationml/2006/main">
+  <p:cSld>
+    <p:spTree>
+      <p:nvGrpSpPr>
+        <p:cNvPr id="1" name=""/>
+        <p:cNvGrpSpPr/>
+        <p:nvPr/>
+      </p:nvGrpSpPr>
+      <p:grpSpPr>
+        <a:xfrm>
+          <a:off x="0" y="0"/>
+          <a:ext cx="0" cy="0"/>
+          <a:chOff x="0" y="0"/>
+          <a:chExt cx="0" cy="0"/>
+        </a:xfrm>
+      </p:grpSpPr>
+      <p:sp>
+        <p:nvSpPr>
+          <p:cNvPr id="12290" name="Rectangle 2"/>
+          <p:cNvSpPr>
+            <a:spLocks noGrp="1" noChangeArrowheads="1"/>
+          </p:cNvSpPr>
+          <p:nvPr>
+            <p:ph type="title"/>
+          </p:nvPr>
+        </p:nvSpPr>
+        <p:spPr>
+          <a:xfrm>
+            <a:off x="1778558" y="398586"/>
+            <a:ext cx="8432242" cy="886890"/>
+          </a:xfrm>
+        </p:spPr>
+        <p:txBody>
+          <a:bodyPr/>
+          <a:lstStyle/>
+          <a:p>
+            <a:pPr algn="ctr"/>
+            <a:r>
+              <a:rPr lang="en-US" dirty="0"/>
+              <a:t>Homework Grade Philosophy</a:t>
+            </a:r>
+          </a:p>
+        </p:txBody>
+      </p:sp>
+      <p:sp>
+        <p:nvSpPr>
+          <p:cNvPr id="12291" name="Rectangle 3"/>
+          <p:cNvSpPr>
+            <a:spLocks noGrp="1" noChangeArrowheads="1"/>
+          </p:cNvSpPr>
+          <p:nvPr>
+            <p:ph idx="1"/>
+          </p:nvPr>
+        </p:nvSpPr>
+        <p:spPr>
+          <a:xfrm>
+            <a:off x="1600200" y="1572689"/>
+            <a:ext cx="8969939" cy="4599511"/>
+          </a:xfrm>
+        </p:spPr>
+        <p:txBody>
+          <a:bodyPr>
+            <a:normAutofit/>
+          </a:bodyPr>
+          <a:lstStyle/>
+          <a:p>
+            <a:r>
+              <a:rPr lang="en-US" dirty="0"/>
+              <a:t>The purpose of homework is to PRACTICE!</a:t>
+            </a:r>
+          </a:p>
+          <a:p>
+            <a:endParaRPr lang="en-US" dirty="0"/>
+          </a:p>
+          <a:p>
+            <a:r>
+              <a:rPr lang="en-US" dirty="0"/>
+              <a:t>I want you to:</a:t>
+            </a:r>
+          </a:p>
+          <a:p>
+            <a:pPr lvl="1"/>
+            <a:r>
+              <a:rPr lang="en-US" dirty="0"/>
+              <a:t>Attempt every problem on your own</a:t>
+            </a:r>
+          </a:p>
+          <a:p>
+            <a:pPr lvl="1"/>
+            <a:r>
+              <a:rPr lang="en-US" dirty="0"/>
+              <a:t>Then work with your group to get the solutions figured out</a:t>
+            </a:r>
+          </a:p>
+          <a:p>
+            <a:pPr lvl="1"/>
+            <a:r>
+              <a:rPr lang="en-US" dirty="0"/>
+              <a:t>Study the solutions for </a:t>
+            </a:r>
+            <a:r>
+              <a:rPr lang="en-US" dirty="0" err="1"/>
+              <a:t>homeworks</a:t>
+            </a:r>
+            <a:r>
+              <a:rPr lang="en-US" dirty="0"/>
+              <a:t> (these homework problems WILL appear on quizzes).</a:t>
+            </a:r>
+          </a:p>
+          <a:p>
+            <a:endParaRPr lang="en-US" dirty="0"/>
+          </a:p>
+        </p:txBody>
+      </p:sp>
+      <p:sp>
+        <p:nvSpPr>
+          <p:cNvPr id="4" name="Slide Number Placeholder 3"/>
+          <p:cNvSpPr>
+            <a:spLocks noGrp="1"/>
+          </p:cNvSpPr>
+          <p:nvPr>
+            <p:ph type="sldNum" sz="quarter" idx="12"/>
+          </p:nvPr>
+        </p:nvSpPr>
+        <p:spPr/>
+        <p:txBody>
+          <a:bodyPr/>
+          <a:lstStyle/>
+          <a:p>
+            <a:fld id="{F26D9103-0C5C-48AC-B68E-3ED2C1647047}" type="slidenum">
+              <a:rPr lang="en-US" smtClean="0"/>
+              <a:pPr/>
+              <a:t>22</a:t>
+            </a:fld>
+            <a:endParaRPr lang="en-US"/>
+          </a:p>
+        </p:txBody>
+      </p:sp>
+    </p:spTree>
+    <p:extLst>
+      <p:ext uri="{BB962C8B-B14F-4D97-AF65-F5344CB8AC3E}">
+        <p14:creationId xmlns:p14="http://schemas.microsoft.com/office/powerpoint/2010/main" val="3014866706"/>
+      </p:ext>
+    </p:extLst>
+  </p:cSld>
+  <p:clrMapOvr>
+    <a:masterClrMapping/>
+  </p:clrMapOvr>
+</p:sld>
+</file>
+
+<file path=ppt/slides/slide23.xml><?xml version="1.0" encoding="utf-8"?>
+<p:sld xmlns:a="http://schemas.openxmlformats.org/drawingml/2006/main" xmlns:r="http://schemas.openxmlformats.org/officeDocument/2006/relationships" xmlns:p="http://schemas.openxmlformats.org/presentationml/2006/main">
+  <p:cSld>
+    <p:spTree>
+      <p:nvGrpSpPr>
+        <p:cNvPr id="1" name=""/>
+        <p:cNvGrpSpPr/>
+        <p:nvPr/>
+      </p:nvGrpSpPr>
+      <p:grpSpPr>
+        <a:xfrm>
+          <a:off x="0" y="0"/>
+          <a:ext cx="0" cy="0"/>
+          <a:chOff x="0" y="0"/>
+          <a:chExt cx="0" cy="0"/>
+        </a:xfrm>
+      </p:grpSpPr>
+      <p:sp>
+        <p:nvSpPr>
+          <p:cNvPr id="18434" name="Title 1"/>
+          <p:cNvSpPr>
+            <a:spLocks noGrp="1"/>
+          </p:cNvSpPr>
+          <p:nvPr>
+            <p:ph type="title"/>
+          </p:nvPr>
+        </p:nvSpPr>
+        <p:spPr>
+          <a:xfrm>
+            <a:off x="1998858" y="327866"/>
+            <a:ext cx="7958331" cy="887986"/>
+          </a:xfrm>
+        </p:spPr>
+        <p:txBody>
+          <a:bodyPr/>
+          <a:lstStyle/>
+          <a:p>
+            <a:pPr algn="ctr"/>
+            <a:r>
+              <a:rPr lang="en-US" dirty="0"/>
+              <a:t>Grading Overview</a:t>
+            </a:r>
+          </a:p>
+        </p:txBody>
+      </p:sp>
+      <p:sp>
+        <p:nvSpPr>
+          <p:cNvPr id="3" name="Content Placeholder 2">
+            <a:extLst>
+              <a:ext uri="{FF2B5EF4-FFF2-40B4-BE49-F238E27FC236}">
+                <a16:creationId xmlns:a16="http://schemas.microsoft.com/office/drawing/2014/main" id="{267DFEF5-BEAA-974F-B91B-2D8B6E94C721}"/>
+              </a:ext>
+            </a:extLst>
+          </p:cNvPr>
+          <p:cNvSpPr>
+            <a:spLocks noGrp="1"/>
+          </p:cNvSpPr>
+          <p:nvPr>
+            <p:ph idx="1"/>
+          </p:nvPr>
+        </p:nvSpPr>
+        <p:spPr>
+          <a:xfrm>
+            <a:off x="1577591" y="1526633"/>
+            <a:ext cx="8601389" cy="4950367"/>
+          </a:xfrm>
+        </p:spPr>
+        <p:txBody>
+          <a:bodyPr>
+            <a:normAutofit/>
+          </a:bodyPr>
+          <a:lstStyle/>
+          <a:p>
+            <a:r>
+              <a:rPr lang="en-US" dirty="0"/>
+              <a:t>Final letter grade will be a weighted average:</a:t>
+            </a:r>
+          </a:p>
+          <a:p>
+            <a:endParaRPr lang="en-US" dirty="0"/>
+          </a:p>
+          <a:p>
+            <a:r>
+              <a:rPr lang="en-US" b="1" i="1" u="sng" dirty="0"/>
+              <a:t>Homework</a:t>
+            </a:r>
+            <a:r>
+              <a:rPr lang="en-US" dirty="0"/>
+              <a:t>: 25 percent (split over about 6 </a:t>
+            </a:r>
+            <a:r>
+              <a:rPr lang="en-US" dirty="0" err="1"/>
+              <a:t>homeworks</a:t>
+            </a:r>
+            <a:r>
+              <a:rPr lang="en-US" dirty="0"/>
+              <a:t>)</a:t>
+            </a:r>
+          </a:p>
+          <a:p>
+            <a:r>
+              <a:rPr lang="en-US" b="1" i="1" u="sng" dirty="0"/>
+              <a:t>Quizzes (Mods 1-5)</a:t>
+            </a:r>
+            <a:r>
+              <a:rPr lang="en-US" dirty="0"/>
+              <a:t>: 60 percent (12 percent each)</a:t>
+            </a:r>
+          </a:p>
+          <a:p>
+            <a:r>
+              <a:rPr lang="en-US" b="1" i="1" u="sng" dirty="0"/>
+              <a:t>Final Exam Quiz</a:t>
+            </a:r>
+            <a:r>
+              <a:rPr lang="en-US" dirty="0"/>
+              <a:t>: 15 percent</a:t>
+            </a:r>
+          </a:p>
+        </p:txBody>
+      </p:sp>
+      <p:sp>
+        <p:nvSpPr>
+          <p:cNvPr id="4" name="Slide Number Placeholder 3"/>
+          <p:cNvSpPr>
+            <a:spLocks noGrp="1"/>
+          </p:cNvSpPr>
+          <p:nvPr>
+            <p:ph type="sldNum" sz="quarter" idx="12"/>
+          </p:nvPr>
+        </p:nvSpPr>
+        <p:spPr/>
+        <p:txBody>
+          <a:bodyPr/>
+          <a:lstStyle/>
+          <a:p>
+            <a:fld id="{F26D9103-0C5C-48AC-B68E-3ED2C1647047}" type="slidenum">
+              <a:rPr lang="en-US" smtClean="0"/>
+              <a:pPr/>
+              <a:t>23</a:t>
+            </a:fld>
+            <a:endParaRPr lang="en-US" dirty="0"/>
+          </a:p>
+        </p:txBody>
+      </p:sp>
+    </p:spTree>
+    <p:extLst>
+      <p:ext uri="{BB962C8B-B14F-4D97-AF65-F5344CB8AC3E}">
+        <p14:creationId xmlns:p14="http://schemas.microsoft.com/office/powerpoint/2010/main" val="160555418"/>
+      </p:ext>
+    </p:extLst>
+  </p:cSld>
+  <p:clrMapOvr>
+    <a:masterClrMapping/>
+  </p:clrMapOvr>
+</p:sld>
+</file>
+
+<file path=ppt/slides/slide24.xml><?xml version="1.0" encoding="utf-8"?>
+<p:sld xmlns:a="http://schemas.openxmlformats.org/drawingml/2006/main" xmlns:r="http://schemas.openxmlformats.org/officeDocument/2006/relationships" xmlns:p="http://schemas.openxmlformats.org/presentationml/2006/main">
+  <p:cSld>
+    <p:spTree>
+      <p:nvGrpSpPr>
+        <p:cNvPr id="1" name=""/>
+        <p:cNvGrpSpPr/>
+        <p:nvPr/>
+      </p:nvGrpSpPr>
+      <p:grpSpPr>
+        <a:xfrm>
+          <a:off x="0" y="0"/>
+          <a:ext cx="0" cy="0"/>
+          <a:chOff x="0" y="0"/>
+          <a:chExt cx="0" cy="0"/>
+        </a:xfrm>
+      </p:grpSpPr>
+      <p:sp>
+        <p:nvSpPr>
+          <p:cNvPr id="18434" name="Title 1"/>
+          <p:cNvSpPr>
+            <a:spLocks noGrp="1"/>
+          </p:cNvSpPr>
+          <p:nvPr>
+            <p:ph type="title"/>
+          </p:nvPr>
+        </p:nvSpPr>
+        <p:spPr>
+          <a:xfrm>
+            <a:off x="1141413" y="497938"/>
+            <a:ext cx="9905998" cy="969122"/>
+          </a:xfrm>
+        </p:spPr>
+        <p:txBody>
+          <a:bodyPr/>
+          <a:lstStyle/>
+          <a:p>
+            <a:pPr algn="ctr"/>
+            <a:r>
+              <a:rPr lang="en-US" dirty="0"/>
+              <a:t>Office Hours</a:t>
+            </a:r>
+          </a:p>
+        </p:txBody>
+      </p:sp>
+      <p:sp>
+        <p:nvSpPr>
+          <p:cNvPr id="18435" name="Content Placeholder 2"/>
+          <p:cNvSpPr>
+            <a:spLocks noGrp="1"/>
+          </p:cNvSpPr>
+          <p:nvPr>
+            <p:ph idx="1"/>
+          </p:nvPr>
+        </p:nvSpPr>
+        <p:spPr/>
+        <p:txBody>
+          <a:bodyPr>
+            <a:normAutofit/>
+          </a:bodyPr>
+          <a:lstStyle/>
+          <a:p>
+            <a:pPr algn="l"/>
+            <a:r>
+              <a:rPr lang="en-US" dirty="0"/>
+              <a:t>Let’s discuss office hours by looking at the course website.</a:t>
+            </a:r>
+          </a:p>
+        </p:txBody>
+      </p:sp>
+      <p:sp>
+        <p:nvSpPr>
+          <p:cNvPr id="4" name="Slide Number Placeholder 3"/>
+          <p:cNvSpPr>
+            <a:spLocks noGrp="1"/>
+          </p:cNvSpPr>
+          <p:nvPr>
+            <p:ph type="sldNum" sz="quarter" idx="12"/>
+          </p:nvPr>
+        </p:nvSpPr>
+        <p:spPr/>
+        <p:txBody>
+          <a:bodyPr/>
+          <a:lstStyle/>
+          <a:p>
+            <a:fld id="{F26D9103-0C5C-48AC-B68E-3ED2C1647047}" type="slidenum">
+              <a:rPr lang="en-US" smtClean="0"/>
+              <a:pPr/>
+              <a:t>24</a:t>
+            </a:fld>
+            <a:endParaRPr lang="en-US" dirty="0"/>
+          </a:p>
+        </p:txBody>
+      </p:sp>
+    </p:spTree>
+    <p:extLst>
+      <p:ext uri="{BB962C8B-B14F-4D97-AF65-F5344CB8AC3E}">
+        <p14:creationId xmlns:p14="http://schemas.microsoft.com/office/powerpoint/2010/main" val="3481522597"/>
+      </p:ext>
+    </p:extLst>
+  </p:cSld>
+  <p:clrMapOvr>
+    <a:masterClrMapping/>
+  </p:clrMapOvr>
+</p:sld>
+</file>
+
+<file path=ppt/slides/slide25.xml><?xml version="1.0" encoding="utf-8"?>
+<p:sld xmlns:a="http://schemas.openxmlformats.org/drawingml/2006/main" xmlns:r="http://schemas.openxmlformats.org/officeDocument/2006/relationships" xmlns:p="http://schemas.openxmlformats.org/presentationml/2006/main">
+  <p:cSld>
+    <p:spTree>
+      <p:nvGrpSpPr>
+        <p:cNvPr id="1" name=""/>
+        <p:cNvGrpSpPr/>
+        <p:nvPr/>
+      </p:nvGrpSpPr>
+      <p:grpSpPr>
+        <a:xfrm>
+          <a:off x="0" y="0"/>
+          <a:ext cx="0" cy="0"/>
+          <a:chOff x="0" y="0"/>
+          <a:chExt cx="0" cy="0"/>
+        </a:xfrm>
+      </p:grpSpPr>
+      <p:sp>
+        <p:nvSpPr>
+          <p:cNvPr id="16386" name="Title 1"/>
+          <p:cNvSpPr>
+            <a:spLocks noGrp="1"/>
+          </p:cNvSpPr>
+          <p:nvPr>
+            <p:ph type="title"/>
+          </p:nvPr>
+        </p:nvSpPr>
+        <p:spPr>
+          <a:xfrm>
+            <a:off x="1141413" y="397455"/>
+            <a:ext cx="9905998" cy="828445"/>
+          </a:xfrm>
+        </p:spPr>
+        <p:txBody>
+          <a:bodyPr/>
+          <a:lstStyle/>
+          <a:p>
+            <a:pPr algn="ctr"/>
+            <a:r>
+              <a:rPr lang="en-US" dirty="0"/>
+              <a:t>Homework: Programming Hints</a:t>
+            </a:r>
+          </a:p>
+        </p:txBody>
+      </p:sp>
+      <p:sp>
+        <p:nvSpPr>
+          <p:cNvPr id="16387" name="Content Placeholder 2"/>
+          <p:cNvSpPr>
+            <a:spLocks noGrp="1"/>
+          </p:cNvSpPr>
+          <p:nvPr>
+            <p:ph idx="1"/>
+          </p:nvPr>
+        </p:nvSpPr>
+        <p:spPr>
+          <a:xfrm>
+            <a:off x="1371600" y="1526633"/>
+            <a:ext cx="9654176" cy="4950367"/>
+          </a:xfrm>
+        </p:spPr>
+        <p:txBody>
+          <a:bodyPr>
+            <a:normAutofit fontScale="92500" lnSpcReduction="10000"/>
+          </a:bodyPr>
+          <a:lstStyle/>
+          <a:p>
+            <a:r>
+              <a:rPr lang="en-US" dirty="0"/>
+              <a:t>Understand the problem!</a:t>
+            </a:r>
+          </a:p>
+          <a:p>
+            <a:r>
+              <a:rPr lang="en-US" dirty="0"/>
+              <a:t>Consider all boundary cases</a:t>
+            </a:r>
+          </a:p>
+          <a:p>
+            <a:r>
+              <a:rPr lang="en-US" dirty="0"/>
+              <a:t>Use pre-existing library code</a:t>
+            </a:r>
+          </a:p>
+          <a:p>
+            <a:pPr lvl="1"/>
+            <a:r>
+              <a:rPr lang="en-US" dirty="0"/>
+              <a:t>Number formatting: </a:t>
+            </a:r>
+            <a:r>
+              <a:rPr lang="en-US" dirty="0" err="1"/>
+              <a:t>NumberFormat</a:t>
+            </a:r>
+            <a:r>
+              <a:rPr lang="en-US" dirty="0"/>
+              <a:t> in Java, </a:t>
+            </a:r>
+            <a:r>
+              <a:rPr lang="en-US" dirty="0" err="1"/>
+              <a:t>printf</a:t>
+            </a:r>
+            <a:r>
+              <a:rPr lang="en-US" dirty="0"/>
+              <a:t>() in C/C++</a:t>
+            </a:r>
+          </a:p>
+          <a:p>
+            <a:pPr lvl="1"/>
+            <a:r>
+              <a:rPr lang="en-US" dirty="0"/>
+              <a:t>Input: Scanner in Java, </a:t>
+            </a:r>
+            <a:r>
+              <a:rPr lang="en-US" dirty="0" err="1"/>
+              <a:t>scanf</a:t>
+            </a:r>
+            <a:r>
+              <a:rPr lang="en-US" dirty="0"/>
+              <a:t>() in C, </a:t>
+            </a:r>
+            <a:r>
+              <a:rPr lang="en-US" dirty="0" err="1"/>
+              <a:t>cin</a:t>
+            </a:r>
+            <a:r>
+              <a:rPr lang="en-US" dirty="0"/>
+              <a:t> in C++</a:t>
+            </a:r>
+          </a:p>
+          <a:p>
+            <a:r>
+              <a:rPr lang="en-US" dirty="0"/>
+              <a:t>Know how to handle floating point numbers</a:t>
+            </a:r>
+          </a:p>
+          <a:p>
+            <a:pPr lvl="1"/>
+            <a:r>
+              <a:rPr lang="en-US" dirty="0"/>
+              <a:t>Understand float/double precision issues</a:t>
+            </a:r>
+          </a:p>
+          <a:p>
+            <a:pPr lvl="1"/>
+            <a:r>
+              <a:rPr lang="en-US" dirty="0"/>
+              <a:t>Rounding, floating-point mod</a:t>
+            </a:r>
+          </a:p>
+          <a:p>
+            <a:r>
+              <a:rPr lang="en-US" dirty="0"/>
+              <a:t>Make sure it works for the provided test cases</a:t>
+            </a:r>
+          </a:p>
+          <a:p>
+            <a:r>
+              <a:rPr lang="en-US" dirty="0"/>
+              <a:t>Then write some of your own</a:t>
+            </a:r>
+          </a:p>
+          <a:p>
+            <a:r>
+              <a:rPr lang="en-US" dirty="0"/>
+              <a:t>Make sure you read the language specific details for submission!!!</a:t>
+            </a:r>
+          </a:p>
+        </p:txBody>
+      </p:sp>
+      <p:sp>
+        <p:nvSpPr>
+          <p:cNvPr id="4" name="Slide Number Placeholder 3"/>
+          <p:cNvSpPr>
+            <a:spLocks noGrp="1"/>
+          </p:cNvSpPr>
+          <p:nvPr>
+            <p:ph type="sldNum" sz="quarter" idx="12"/>
+          </p:nvPr>
+        </p:nvSpPr>
+        <p:spPr/>
+        <p:txBody>
+          <a:bodyPr/>
+          <a:lstStyle/>
+          <a:p>
+            <a:fld id="{F26D9103-0C5C-48AC-B68E-3ED2C1647047}" type="slidenum">
+              <a:rPr lang="en-US" smtClean="0"/>
+              <a:pPr/>
+              <a:t>25</a:t>
+            </a:fld>
+            <a:endParaRPr lang="en-US"/>
+          </a:p>
+        </p:txBody>
+      </p:sp>
+    </p:spTree>
+    <p:extLst>
+      <p:ext uri="{BB962C8B-B14F-4D97-AF65-F5344CB8AC3E}">
+        <p14:creationId xmlns:p14="http://schemas.microsoft.com/office/powerpoint/2010/main" val="1237736184"/>
+      </p:ext>
+    </p:extLst>
+  </p:cSld>
+  <p:clrMapOvr>
+    <a:masterClrMapping/>
+  </p:clrMapOvr>
+</p:sld>
+</file>
+
+<file path=ppt/slides/slide26.xml><?xml version="1.0" encoding="utf-8"?>
+<p:sld xmlns:a="http://schemas.openxmlformats.org/drawingml/2006/main" xmlns:r="http://schemas.openxmlformats.org/officeDocument/2006/relationships" xmlns:p="http://schemas.openxmlformats.org/presentationml/2006/main">
+  <p:cSld>
+    <p:spTree>
+      <p:nvGrpSpPr>
+        <p:cNvPr id="1" name=""/>
+        <p:cNvGrpSpPr/>
+        <p:nvPr/>
+      </p:nvGrpSpPr>
+      <p:grpSpPr>
+        <a:xfrm>
+          <a:off x="0" y="0"/>
+          <a:ext cx="0" cy="0"/>
+          <a:chOff x="0" y="0"/>
+          <a:chExt cx="0" cy="0"/>
+        </a:xfrm>
+      </p:grpSpPr>
+      <p:sp>
+        <p:nvSpPr>
+          <p:cNvPr id="2" name="Title 1"/>
+          <p:cNvSpPr>
+            <a:spLocks noGrp="1"/>
+          </p:cNvSpPr>
+          <p:nvPr>
+            <p:ph type="title"/>
+          </p:nvPr>
+        </p:nvSpPr>
+        <p:spPr>
+          <a:xfrm>
+            <a:off x="1141413" y="437648"/>
+            <a:ext cx="9905998" cy="794787"/>
+          </a:xfrm>
+        </p:spPr>
+        <p:txBody>
+          <a:bodyPr/>
+          <a:lstStyle/>
+          <a:p>
+            <a:pPr algn="ctr"/>
+            <a:r>
+              <a:rPr lang="en-US" dirty="0"/>
+              <a:t>Homework: Programming FAQ</a:t>
+            </a:r>
+          </a:p>
+        </p:txBody>
+      </p:sp>
+      <p:sp>
+        <p:nvSpPr>
+          <p:cNvPr id="4" name="Content Placeholder 3"/>
+          <p:cNvSpPr>
+            <a:spLocks noGrp="1"/>
+          </p:cNvSpPr>
+          <p:nvPr>
+            <p:ph idx="1"/>
+          </p:nvPr>
+        </p:nvSpPr>
+        <p:spPr>
+          <a:xfrm>
+            <a:off x="1467229" y="1718106"/>
+            <a:ext cx="9429371" cy="4835094"/>
+          </a:xfrm>
+        </p:spPr>
+        <p:txBody>
+          <a:bodyPr>
+            <a:normAutofit fontScale="92500" lnSpcReduction="10000"/>
+          </a:bodyPr>
+          <a:lstStyle/>
+          <a:p>
+            <a:r>
+              <a:rPr lang="en-US" dirty="0"/>
+              <a:t>Do I need to write my own sorting methods.</a:t>
+            </a:r>
+          </a:p>
+          <a:p>
+            <a:pPr lvl="1"/>
+            <a:r>
+              <a:rPr lang="en-US" dirty="0"/>
+              <a:t>No, unless the point of that assignment is to write sorting methods, you can use libraries for this.</a:t>
+            </a:r>
+          </a:p>
+          <a:p>
+            <a:pPr lvl="1"/>
+            <a:endParaRPr lang="en-US" dirty="0"/>
+          </a:p>
+          <a:p>
+            <a:r>
+              <a:rPr lang="en-US" dirty="0"/>
+              <a:t>Can I get the test cases from submission server?</a:t>
+            </a:r>
+          </a:p>
+          <a:p>
+            <a:pPr lvl="1"/>
+            <a:r>
+              <a:rPr lang="en-US" dirty="0"/>
+              <a:t>No, part of the point is to work on brainstorming cases your code is missing without being told. Submission server will give limited feedback on purpose!</a:t>
+            </a:r>
+          </a:p>
+          <a:p>
+            <a:pPr lvl="1"/>
+            <a:endParaRPr lang="en-US" dirty="0"/>
+          </a:p>
+          <a:p>
+            <a:r>
+              <a:rPr lang="en-US" dirty="0"/>
+              <a:t>Will you help me debug my code?</a:t>
+            </a:r>
+          </a:p>
+          <a:p>
+            <a:pPr lvl="1"/>
+            <a:r>
+              <a:rPr lang="en-US" dirty="0"/>
+              <a:t>No, we won’t. You need to learn how to do this on your own. I’m happy to give you advice on how to approach your debugging problems, but I will not sit down and debug code with you.</a:t>
+            </a:r>
+          </a:p>
+        </p:txBody>
+      </p:sp>
+      <p:sp>
+        <p:nvSpPr>
+          <p:cNvPr id="3" name="Slide Number Placeholder 2"/>
+          <p:cNvSpPr>
+            <a:spLocks noGrp="1"/>
+          </p:cNvSpPr>
+          <p:nvPr>
+            <p:ph type="sldNum" sz="quarter" idx="12"/>
+          </p:nvPr>
+        </p:nvSpPr>
+        <p:spPr/>
+        <p:txBody>
+          <a:bodyPr/>
+          <a:lstStyle/>
+          <a:p>
+            <a:fld id="{F26D9103-0C5C-48AC-B68E-3ED2C1647047}" type="slidenum">
+              <a:rPr lang="en-US" smtClean="0"/>
+              <a:pPr/>
+              <a:t>26</a:t>
+            </a:fld>
+            <a:endParaRPr lang="en-US"/>
+          </a:p>
+        </p:txBody>
+      </p:sp>
+    </p:spTree>
+    <p:extLst>
+      <p:ext uri="{BB962C8B-B14F-4D97-AF65-F5344CB8AC3E}">
+        <p14:creationId xmlns:p14="http://schemas.microsoft.com/office/powerpoint/2010/main" val="109002242"/>
+      </p:ext>
+    </p:extLst>
+  </p:cSld>
+  <p:clrMapOvr>
+    <a:masterClrMapping/>
+  </p:clrMapOvr>
+</p:sld>
+</file>
+
+<file path=ppt/slides/slide27.xml><?xml version="1.0" encoding="utf-8"?>
+<p:sld xmlns:a="http://schemas.openxmlformats.org/drawingml/2006/main" xmlns:r="http://schemas.openxmlformats.org/officeDocument/2006/relationships" xmlns:p="http://schemas.openxmlformats.org/presentationml/2006/main">
+  <p:cSld>
+    <p:spTree>
+      <p:nvGrpSpPr>
+        <p:cNvPr id="1" name=""/>
+        <p:cNvGrpSpPr/>
+        <p:nvPr/>
+      </p:nvGrpSpPr>
+      <p:grpSpPr>
+        <a:xfrm>
+          <a:off x="0" y="0"/>
+          <a:ext cx="0" cy="0"/>
+          <a:chOff x="0" y="0"/>
+          <a:chExt cx="0" cy="0"/>
+        </a:xfrm>
+      </p:grpSpPr>
+      <p:sp>
+        <p:nvSpPr>
+          <p:cNvPr id="17410" name="Title 1"/>
+          <p:cNvSpPr>
+            <a:spLocks noGrp="1"/>
+          </p:cNvSpPr>
+          <p:nvPr>
+            <p:ph type="title"/>
+          </p:nvPr>
+        </p:nvSpPr>
+        <p:spPr>
+          <a:xfrm>
+            <a:off x="1141413" y="457745"/>
+            <a:ext cx="9905998" cy="874078"/>
+          </a:xfrm>
+        </p:spPr>
+        <p:txBody>
+          <a:bodyPr/>
+          <a:lstStyle/>
+          <a:p>
+            <a:pPr algn="ctr"/>
+            <a:r>
+              <a:rPr lang="en-US" dirty="0"/>
+              <a:t>Homework: Written</a:t>
+            </a:r>
+          </a:p>
+        </p:txBody>
+      </p:sp>
+      <p:sp>
+        <p:nvSpPr>
+          <p:cNvPr id="17411" name="Content Placeholder 2"/>
+          <p:cNvSpPr>
+            <a:spLocks noGrp="1"/>
+          </p:cNvSpPr>
+          <p:nvPr>
+            <p:ph idx="1"/>
+          </p:nvPr>
+        </p:nvSpPr>
+        <p:spPr>
+          <a:xfrm>
+            <a:off x="1621861" y="1644997"/>
+            <a:ext cx="9274739" cy="4755803"/>
+          </a:xfrm>
+        </p:spPr>
+        <p:txBody>
+          <a:bodyPr/>
+          <a:lstStyle/>
+          <a:p>
+            <a:r>
+              <a:rPr lang="en-US" dirty="0"/>
+              <a:t>These assignments must be typeset in </a:t>
+            </a:r>
+            <a:r>
+              <a:rPr lang="en-US" dirty="0" err="1"/>
+              <a:t>LaTeX</a:t>
+            </a:r>
+            <a:endParaRPr lang="en-US" dirty="0"/>
+          </a:p>
+          <a:p>
+            <a:endParaRPr lang="en-US" dirty="0"/>
+          </a:p>
+          <a:p>
+            <a:r>
+              <a:rPr lang="en-US" dirty="0"/>
+              <a:t>I will provide a couple tutorials, guides, and templates when the first assignment is given out</a:t>
+            </a:r>
+          </a:p>
+          <a:p>
+            <a:endParaRPr lang="en-US" dirty="0"/>
+          </a:p>
+          <a:p>
+            <a:r>
+              <a:rPr lang="en-US" dirty="0"/>
+              <a:t>You may not embed images of text or formulas!</a:t>
+            </a:r>
+          </a:p>
+          <a:p>
+            <a:endParaRPr lang="en-US" dirty="0"/>
+          </a:p>
+        </p:txBody>
+      </p:sp>
+      <p:sp>
+        <p:nvSpPr>
+          <p:cNvPr id="4" name="Slide Number Placeholder 3"/>
+          <p:cNvSpPr>
+            <a:spLocks noGrp="1"/>
+          </p:cNvSpPr>
+          <p:nvPr>
+            <p:ph type="sldNum" sz="quarter" idx="12"/>
+          </p:nvPr>
+        </p:nvSpPr>
+        <p:spPr/>
+        <p:txBody>
+          <a:bodyPr/>
+          <a:lstStyle/>
+          <a:p>
+            <a:fld id="{F26D9103-0C5C-48AC-B68E-3ED2C1647047}" type="slidenum">
+              <a:rPr lang="en-US" smtClean="0"/>
+              <a:pPr/>
+              <a:t>27</a:t>
+            </a:fld>
+            <a:endParaRPr lang="en-US"/>
+          </a:p>
+        </p:txBody>
+      </p:sp>
+    </p:spTree>
+    <p:extLst>
+      <p:ext uri="{BB962C8B-B14F-4D97-AF65-F5344CB8AC3E}">
+        <p14:creationId xmlns:p14="http://schemas.microsoft.com/office/powerpoint/2010/main" val="4248825475"/>
+      </p:ext>
+    </p:extLst>
+  </p:cSld>
+  <p:clrMapOvr>
+    <a:masterClrMapping/>
+  </p:clrMapOvr>
+</p:sld>
+</file>
+
+<file path=ppt/slides/slide28.xml><?xml version="1.0" encoding="utf-8"?>
+<p:sld xmlns:a="http://schemas.openxmlformats.org/drawingml/2006/main" xmlns:r="http://schemas.openxmlformats.org/officeDocument/2006/relationships" xmlns:p="http://schemas.openxmlformats.org/presentationml/2006/main">
+  <p:cSld>
+    <p:spTree>
+      <p:nvGrpSpPr>
+        <p:cNvPr id="1" name=""/>
+        <p:cNvGrpSpPr/>
+        <p:nvPr/>
+      </p:nvGrpSpPr>
+      <p:grpSpPr>
+        <a:xfrm>
+          <a:off x="0" y="0"/>
+          <a:ext cx="0" cy="0"/>
+          <a:chOff x="0" y="0"/>
+          <a:chExt cx="0" cy="0"/>
+        </a:xfrm>
+      </p:grpSpPr>
+      <p:sp>
+        <p:nvSpPr>
+          <p:cNvPr id="2" name="Title 1">
+            <a:extLst>
+              <a:ext uri="{FF2B5EF4-FFF2-40B4-BE49-F238E27FC236}">
+                <a16:creationId xmlns:a16="http://schemas.microsoft.com/office/drawing/2014/main" id="{8E5DC06E-652D-CD40-8782-E878E11BC092}"/>
+              </a:ext>
+            </a:extLst>
+          </p:cNvPr>
+          <p:cNvSpPr>
+            <a:spLocks noGrp="1"/>
+          </p:cNvSpPr>
+          <p:nvPr>
+            <p:ph type="title"/>
+          </p:nvPr>
+        </p:nvSpPr>
+        <p:spPr>
+          <a:xfrm>
+            <a:off x="1141413" y="538132"/>
+            <a:ext cx="9905998" cy="799137"/>
+          </a:xfrm>
+        </p:spPr>
+        <p:txBody>
+          <a:bodyPr/>
+          <a:lstStyle/>
+          <a:p>
+            <a:pPr algn="ctr"/>
+            <a:r>
+              <a:rPr lang="en-US" dirty="0"/>
+              <a:t>Use of Online Code Etc.</a:t>
+            </a:r>
+          </a:p>
+        </p:txBody>
+      </p:sp>
+      <p:sp>
+        <p:nvSpPr>
+          <p:cNvPr id="4" name="Content Placeholder 3">
+            <a:extLst>
+              <a:ext uri="{FF2B5EF4-FFF2-40B4-BE49-F238E27FC236}">
+                <a16:creationId xmlns:a16="http://schemas.microsoft.com/office/drawing/2014/main" id="{8C2A69A9-9079-244C-BEAE-11CF7ACAB26E}"/>
+              </a:ext>
+            </a:extLst>
+          </p:cNvPr>
+          <p:cNvSpPr>
+            <a:spLocks noGrp="1"/>
+          </p:cNvSpPr>
+          <p:nvPr>
+            <p:ph idx="1"/>
+          </p:nvPr>
+        </p:nvSpPr>
+        <p:spPr>
+          <a:xfrm>
+            <a:off x="1447800" y="1722456"/>
+            <a:ext cx="9420888" cy="4830744"/>
+          </a:xfrm>
+        </p:spPr>
+        <p:txBody>
+          <a:bodyPr>
+            <a:normAutofit fontScale="92500"/>
+          </a:bodyPr>
+          <a:lstStyle/>
+          <a:p>
+            <a:r>
+              <a:rPr lang="en-US" u="sng" dirty="0"/>
+              <a:t>Studying</a:t>
+            </a:r>
+            <a:r>
+              <a:rPr lang="en-US" dirty="0"/>
+              <a:t> code or proofs online is permitted </a:t>
+            </a:r>
+            <a:r>
+              <a:rPr lang="en-US" u="sng" dirty="0"/>
+              <a:t>but only</a:t>
+            </a:r>
+            <a:r>
+              <a:rPr lang="en-US" dirty="0"/>
+              <a:t> for getting ideas</a:t>
+            </a:r>
+          </a:p>
+          <a:p>
+            <a:r>
+              <a:rPr lang="en-US" dirty="0"/>
+              <a:t>Copying or reusing code or proofs from an online source violates the pledge</a:t>
+            </a:r>
+          </a:p>
+          <a:p>
+            <a:pPr lvl="1"/>
+            <a:r>
+              <a:rPr lang="en-US" dirty="0"/>
+              <a:t>You must cite sources of any online code you use in this way in a comment in your source file(s)</a:t>
+            </a:r>
+          </a:p>
+          <a:p>
+            <a:pPr lvl="1"/>
+            <a:endParaRPr lang="en-US" dirty="0"/>
+          </a:p>
+          <a:p>
+            <a:r>
+              <a:rPr lang="en-US" dirty="0"/>
+              <a:t>Remember:  the purpose of the homework is</a:t>
+            </a:r>
+          </a:p>
+          <a:p>
+            <a:pPr lvl="1"/>
+            <a:r>
+              <a:rPr lang="en-US" dirty="0"/>
+              <a:t>To </a:t>
+            </a:r>
+            <a:r>
+              <a:rPr lang="en-US" b="1" i="1" u="sng" dirty="0"/>
+              <a:t>practice</a:t>
+            </a:r>
+            <a:r>
+              <a:rPr lang="en-US" dirty="0"/>
+              <a:t> in an environment that is lower-stress</a:t>
+            </a:r>
+          </a:p>
+          <a:p>
+            <a:pPr lvl="1"/>
+            <a:r>
+              <a:rPr lang="en-US" dirty="0"/>
+              <a:t>To </a:t>
+            </a:r>
+            <a:r>
+              <a:rPr lang="en-US" b="1" i="1" u="sng" dirty="0"/>
+              <a:t>push yourself </a:t>
+            </a:r>
+            <a:r>
+              <a:rPr lang="en-US" dirty="0"/>
+              <a:t>to solve think about the theory of computation and to prepare you for the quizzes, NOT just to get a grade.</a:t>
+            </a:r>
+          </a:p>
+          <a:p>
+            <a:pPr lvl="1"/>
+            <a:r>
+              <a:rPr lang="en-US" dirty="0"/>
+              <a:t>To </a:t>
+            </a:r>
+            <a:r>
+              <a:rPr lang="en-US" b="1" i="1" u="sng" dirty="0"/>
+              <a:t>work out the logical part </a:t>
+            </a:r>
+            <a:r>
+              <a:rPr lang="en-US" dirty="0"/>
+              <a:t>of your brain </a:t>
+            </a:r>
+            <a:r>
+              <a:rPr lang="en-US" dirty="0">
+                <a:sym typeface="Wingdings" pitchFamily="2" charset="2"/>
+              </a:rPr>
+              <a:t></a:t>
+            </a:r>
+            <a:endParaRPr lang="en-US" dirty="0"/>
+          </a:p>
+          <a:p>
+            <a:pPr lvl="1"/>
+            <a:r>
+              <a:rPr lang="en-US" dirty="0"/>
+              <a:t>To focus on </a:t>
+            </a:r>
+            <a:r>
+              <a:rPr lang="en-US" b="1" i="1" u="sng" dirty="0"/>
+              <a:t>attempting to solve problems yourself </a:t>
+            </a:r>
+            <a:r>
+              <a:rPr lang="en-US" dirty="0"/>
+              <a:t>before asking others for assistance.</a:t>
+            </a:r>
+          </a:p>
+          <a:p>
+            <a:endParaRPr lang="en-US" dirty="0"/>
+          </a:p>
+        </p:txBody>
+      </p:sp>
+      <p:sp>
+        <p:nvSpPr>
+          <p:cNvPr id="3" name="Slide Number Placeholder 2">
+            <a:extLst>
+              <a:ext uri="{FF2B5EF4-FFF2-40B4-BE49-F238E27FC236}">
+                <a16:creationId xmlns:a16="http://schemas.microsoft.com/office/drawing/2014/main" id="{56136DFE-FBB4-E24C-ABB6-77FCF4FCA26D}"/>
+              </a:ext>
+            </a:extLst>
+          </p:cNvPr>
+          <p:cNvSpPr>
+            <a:spLocks noGrp="1"/>
+          </p:cNvSpPr>
+          <p:nvPr>
+            <p:ph type="sldNum" sz="quarter" idx="12"/>
+          </p:nvPr>
+        </p:nvSpPr>
+        <p:spPr/>
+        <p:txBody>
+          <a:bodyPr/>
+          <a:lstStyle/>
+          <a:p>
+            <a:fld id="{F26D9103-0C5C-48AC-B68E-3ED2C1647047}" type="slidenum">
+              <a:rPr lang="en-US" smtClean="0"/>
+              <a:pPr/>
+              <a:t>28</a:t>
+            </a:fld>
+            <a:endParaRPr lang="en-US"/>
+          </a:p>
+        </p:txBody>
+      </p:sp>
+    </p:spTree>
+    <p:extLst>
+      <p:ext uri="{BB962C8B-B14F-4D97-AF65-F5344CB8AC3E}">
+        <p14:creationId xmlns:p14="http://schemas.microsoft.com/office/powerpoint/2010/main" val="3316639139"/>
+      </p:ext>
+    </p:extLst>
+  </p:cSld>
+  <p:clrMapOvr>
+    <a:masterClrMapping/>
+  </p:clrMapOvr>
+</p:sld>
+</file>
+
+<file path=ppt/slides/slide29.xml><?xml version="1.0" encoding="utf-8"?>
+<p:sld xmlns:a="http://schemas.openxmlformats.org/drawingml/2006/main" xmlns:r="http://schemas.openxmlformats.org/officeDocument/2006/relationships" xmlns:p="http://schemas.openxmlformats.org/presentationml/2006/main">
+  <p:cSld>
+    <p:spTree>
+      <p:nvGrpSpPr>
+        <p:cNvPr id="1" name=""/>
+        <p:cNvGrpSpPr/>
+        <p:nvPr/>
+      </p:nvGrpSpPr>
+      <p:grpSpPr>
+        <a:xfrm>
+          <a:off x="0" y="0"/>
+          <a:ext cx="0" cy="0"/>
+          <a:chOff x="0" y="0"/>
+          <a:chExt cx="0" cy="0"/>
+        </a:xfrm>
+      </p:grpSpPr>
+      <p:sp>
+        <p:nvSpPr>
+          <p:cNvPr id="18434" name="Title 1"/>
+          <p:cNvSpPr>
+            <a:spLocks noGrp="1"/>
+          </p:cNvSpPr>
+          <p:nvPr>
+            <p:ph type="title"/>
+          </p:nvPr>
+        </p:nvSpPr>
+        <p:spPr>
+          <a:xfrm>
+            <a:off x="1141413" y="427600"/>
+            <a:ext cx="9905998" cy="823212"/>
+          </a:xfrm>
+        </p:spPr>
+        <p:txBody>
+          <a:bodyPr/>
+          <a:lstStyle/>
+          <a:p>
+            <a:pPr algn="ctr"/>
+            <a:r>
+              <a:rPr lang="en-US" dirty="0"/>
+              <a:t>Working in groups</a:t>
+            </a:r>
+          </a:p>
+        </p:txBody>
+      </p:sp>
+      <p:sp>
+        <p:nvSpPr>
+          <p:cNvPr id="18435" name="Content Placeholder 2"/>
+          <p:cNvSpPr>
+            <a:spLocks noGrp="1"/>
+          </p:cNvSpPr>
+          <p:nvPr>
+            <p:ph idx="1"/>
+          </p:nvPr>
+        </p:nvSpPr>
+        <p:spPr>
+          <a:xfrm>
+            <a:off x="1305446" y="1441730"/>
+            <a:ext cx="9819754" cy="5035270"/>
+          </a:xfrm>
+        </p:spPr>
+        <p:txBody>
+          <a:bodyPr>
+            <a:normAutofit/>
+          </a:bodyPr>
+          <a:lstStyle/>
+          <a:p>
+            <a:r>
+              <a:rPr lang="en-US" dirty="0"/>
+              <a:t>For the homework, you may work together in groups of 3 or less (written assignments)</a:t>
+            </a:r>
+          </a:p>
+          <a:p>
+            <a:pPr lvl="1"/>
+            <a:r>
+              <a:rPr lang="en-US" dirty="0"/>
+              <a:t>Submit one homework per group (I believe </a:t>
+            </a:r>
+            <a:r>
+              <a:rPr lang="en-US" dirty="0" err="1"/>
+              <a:t>Gradescope</a:t>
+            </a:r>
+            <a:r>
+              <a:rPr lang="en-US" dirty="0"/>
+              <a:t> supports this)</a:t>
+            </a:r>
+          </a:p>
+          <a:p>
+            <a:endParaRPr lang="en-US" dirty="0"/>
+          </a:p>
+          <a:p>
+            <a:r>
+              <a:rPr lang="en-US" dirty="0"/>
+              <a:t>For the programming homework, you may discuss the problems with your group of 3 or less, but you must:</a:t>
+            </a:r>
+          </a:p>
+          <a:p>
+            <a:pPr lvl="1"/>
+            <a:r>
+              <a:rPr lang="en-US" dirty="0"/>
+              <a:t>State who you worked with</a:t>
+            </a:r>
+          </a:p>
+          <a:p>
+            <a:pPr lvl="1"/>
+            <a:r>
+              <a:rPr lang="en-US" dirty="0"/>
+              <a:t>Type up your own implementation!</a:t>
+            </a:r>
+          </a:p>
+        </p:txBody>
+      </p:sp>
+      <p:sp>
+        <p:nvSpPr>
+          <p:cNvPr id="4" name="Slide Number Placeholder 3"/>
+          <p:cNvSpPr>
+            <a:spLocks noGrp="1"/>
+          </p:cNvSpPr>
+          <p:nvPr>
+            <p:ph type="sldNum" sz="quarter" idx="12"/>
+          </p:nvPr>
+        </p:nvSpPr>
+        <p:spPr/>
+        <p:txBody>
+          <a:bodyPr/>
+          <a:lstStyle/>
+          <a:p>
+            <a:fld id="{F26D9103-0C5C-48AC-B68E-3ED2C1647047}" type="slidenum">
+              <a:rPr lang="en-US" smtClean="0"/>
+              <a:pPr/>
+              <a:t>29</a:t>
+            </a:fld>
+            <a:endParaRPr lang="en-US" dirty="0"/>
+          </a:p>
+        </p:txBody>
+      </p:sp>
+    </p:spTree>
+    <p:extLst>
+      <p:ext uri="{BB962C8B-B14F-4D97-AF65-F5344CB8AC3E}">
+        <p14:creationId xmlns:p14="http://schemas.microsoft.com/office/powerpoint/2010/main" val="1292368053"/>
+      </p:ext>
+    </p:extLst>
+  </p:cSld>
+  <p:clrMapOvr>
+    <a:masterClrMapping/>
+  </p:clrMapOvr>
+</p:sld>
+</file>
+
+<file path=ppt/slides/slide3.xml><?xml version="1.0" encoding="utf-8"?>
+<p:sld xmlns:a="http://schemas.openxmlformats.org/drawingml/2006/main" xmlns:r="http://schemas.openxmlformats.org/officeDocument/2006/relationships" xmlns:p="http://schemas.openxmlformats.org/presentationml/2006/main">
+  <p:cSld>
+    <p:spTree>
+      <p:nvGrpSpPr>
+        <p:cNvPr id="1" name=""/>
+        <p:cNvGrpSpPr/>
+        <p:nvPr/>
+      </p:nvGrpSpPr>
+      <p:grpSpPr>
+        <a:xfrm>
+          <a:off x="0" y="0"/>
+          <a:ext cx="0" cy="0"/>
+          <a:chOff x="0" y="0"/>
+          <a:chExt cx="0" cy="0"/>
+        </a:xfrm>
+      </p:grpSpPr>
+      <p:sp>
+        <p:nvSpPr>
+          <p:cNvPr id="6146" name="Rectangle 2"/>
+          <p:cNvSpPr>
+            <a:spLocks noGrp="1" noChangeArrowheads="1"/>
+          </p:cNvSpPr>
+          <p:nvPr>
+            <p:ph type="title"/>
+            <p:custDataLst>
+              <p:tags r:id="rId1"/>
+            </p:custDataLst>
+          </p:nvPr>
+        </p:nvSpPr>
+        <p:spPr>
+          <a:xfrm>
+            <a:off x="1141413" y="322184"/>
+            <a:ext cx="9905998" cy="897015"/>
+          </a:xfrm>
+        </p:spPr>
+        <p:txBody>
+          <a:bodyPr/>
+          <a:lstStyle/>
+          <a:p>
+            <a:pPr algn="ctr"/>
+            <a:r>
+              <a:rPr lang="en-US" dirty="0"/>
+              <a:t>My Answers (1 to 10)</a:t>
+            </a:r>
+          </a:p>
+        </p:txBody>
+      </p:sp>
+      <p:sp>
+        <p:nvSpPr>
+          <p:cNvPr id="6147" name="Rectangle 3"/>
+          <p:cNvSpPr>
+            <a:spLocks noGrp="1" noChangeArrowheads="1"/>
+          </p:cNvSpPr>
+          <p:nvPr>
+            <p:ph idx="1"/>
+            <p:custDataLst>
+              <p:tags r:id="rId2"/>
+            </p:custDataLst>
+          </p:nvPr>
+        </p:nvSpPr>
+        <p:spPr>
+          <a:xfrm>
+            <a:off x="1141413" y="1219199"/>
+            <a:ext cx="9970724" cy="5320938"/>
+          </a:xfrm>
+        </p:spPr>
+        <p:txBody>
+          <a:bodyPr>
+            <a:normAutofit/>
+          </a:bodyPr>
+          <a:lstStyle/>
+          <a:p>
+            <a:pPr marL="0" indent="0">
+              <a:buNone/>
+            </a:pPr>
+            <a:r>
+              <a:rPr lang="en-US" b="1" i="1" u="sng" dirty="0"/>
+              <a:t>Q1</a:t>
+            </a:r>
+            <a:r>
+              <a:rPr lang="en-US" dirty="0"/>
+              <a:t>: I have heard that DMT 2 is like…a really hard class!</a:t>
+            </a:r>
+            <a:br>
+              <a:rPr lang="en-US" dirty="0"/>
+            </a:br>
+            <a:r>
+              <a:rPr lang="en-US" dirty="0"/>
+              <a:t>	</a:t>
+            </a:r>
+            <a:r>
+              <a:rPr lang="en-US" i="1" u="sng" dirty="0"/>
+              <a:t>8: Yes, the material is hard. There is no way around it </a:t>
+            </a:r>
+            <a:r>
+              <a:rPr lang="en-US" i="1" u="sng" dirty="0">
+                <a:sym typeface="Wingdings" pitchFamily="2" charset="2"/>
+              </a:rPr>
+              <a:t>&lt;sad face&gt;</a:t>
+            </a:r>
+            <a:endParaRPr lang="en-US" i="1" u="sng" dirty="0"/>
+          </a:p>
+          <a:p>
+            <a:pPr marL="0" indent="0">
+              <a:buNone/>
+            </a:pPr>
+            <a:endParaRPr lang="en-US" dirty="0"/>
+          </a:p>
+          <a:p>
+            <a:pPr marL="0" indent="0">
+              <a:buNone/>
+            </a:pPr>
+            <a:r>
+              <a:rPr lang="en-US" b="1" i="1" u="sng" dirty="0"/>
+              <a:t>Q2</a:t>
+            </a:r>
+            <a:r>
+              <a:rPr lang="en-US" dirty="0"/>
+              <a:t>: I have heard that DMT 2 is a lot of work!</a:t>
+            </a:r>
+            <a:br>
+              <a:rPr lang="en-US" dirty="0"/>
+            </a:br>
+            <a:r>
+              <a:rPr lang="en-US" dirty="0"/>
+              <a:t>	</a:t>
+            </a:r>
+            <a:r>
+              <a:rPr lang="en-US" i="1" u="sng" dirty="0"/>
+              <a:t>6: A lot of work to understand the concepts, but not a pile of work</a:t>
+            </a:r>
+          </a:p>
+          <a:p>
+            <a:pPr marL="0" indent="0">
+              <a:buNone/>
+            </a:pPr>
+            <a:endParaRPr lang="en-US" dirty="0"/>
+          </a:p>
+          <a:p>
+            <a:pPr marL="0" indent="0">
+              <a:buNone/>
+            </a:pPr>
+            <a:r>
+              <a:rPr lang="en-US" b="1" i="1" u="sng" dirty="0"/>
+              <a:t>Q3</a:t>
+            </a:r>
+            <a:r>
+              <a:rPr lang="en-US" dirty="0"/>
+              <a:t>: I have heard that DMT 2 material isn’t that important and that you will never really use it!</a:t>
+            </a:r>
+            <a:br>
+              <a:rPr lang="en-US" dirty="0"/>
+            </a:br>
+            <a:r>
+              <a:rPr lang="en-US" dirty="0"/>
+              <a:t>	</a:t>
+            </a:r>
+            <a:r>
+              <a:rPr lang="en-US" i="1" u="sng" dirty="0"/>
+              <a:t>3: This material is universal and timeless…I’ll explain a bit more verbally</a:t>
+            </a:r>
+          </a:p>
+        </p:txBody>
+      </p:sp>
+      <p:sp>
+        <p:nvSpPr>
+          <p:cNvPr id="4" name="Slide Number Placeholder 3"/>
+          <p:cNvSpPr>
+            <a:spLocks noGrp="1"/>
+          </p:cNvSpPr>
+          <p:nvPr>
+            <p:ph type="sldNum" sz="quarter" idx="12"/>
+          </p:nvPr>
+        </p:nvSpPr>
+        <p:spPr/>
+        <p:txBody>
+          <a:bodyPr/>
+          <a:lstStyle/>
+          <a:p>
+            <a:fld id="{F26D9103-0C5C-48AC-B68E-3ED2C1647047}" type="slidenum">
+              <a:rPr lang="en-US" smtClean="0"/>
+              <a:pPr/>
+              <a:t>3</a:t>
+            </a:fld>
+            <a:endParaRPr lang="en-US" dirty="0"/>
+          </a:p>
+        </p:txBody>
+      </p:sp>
+    </p:spTree>
+    <p:extLst>
+      <p:ext uri="{BB962C8B-B14F-4D97-AF65-F5344CB8AC3E}">
+        <p14:creationId xmlns:p14="http://schemas.microsoft.com/office/powerpoint/2010/main" val="3749058203"/>
+      </p:ext>
+    </p:extLst>
+  </p:cSld>
+  <p:clrMapOvr>
+    <a:masterClrMapping/>
+  </p:clrMapOvr>
+</p:sld>
+</file>
+
+<file path=ppt/slides/slide4.xml><?xml version="1.0" encoding="utf-8"?>
+<p:sld xmlns:a="http://schemas.openxmlformats.org/drawingml/2006/main" xmlns:r="http://schemas.openxmlformats.org/officeDocument/2006/relationships" xmlns:p="http://schemas.openxmlformats.org/presentationml/2006/main">
+  <p:cSld>
+    <p:spTree>
+      <p:nvGrpSpPr>
+        <p:cNvPr id="1" name=""/>
+        <p:cNvGrpSpPr/>
+        <p:nvPr/>
+      </p:nvGrpSpPr>
+      <p:grpSpPr>
+        <a:xfrm>
+          <a:off x="0" y="0"/>
+          <a:ext cx="0" cy="0"/>
+          <a:chOff x="0" y="0"/>
+          <a:chExt cx="0" cy="0"/>
+        </a:xfrm>
+      </p:grpSpPr>
+      <p:sp>
+        <p:nvSpPr>
+          <p:cNvPr id="5" name="Title 4"/>
+          <p:cNvSpPr>
+            <a:spLocks noGrp="1"/>
+          </p:cNvSpPr>
+          <p:nvPr>
+            <p:ph type="title"/>
+          </p:nvPr>
+        </p:nvSpPr>
+        <p:spPr/>
+        <p:txBody>
+          <a:bodyPr/>
+          <a:lstStyle/>
+          <a:p>
+            <a:r>
+              <a:rPr lang="en-US" dirty="0"/>
+              <a:t>Course Objectives</a:t>
+            </a:r>
+          </a:p>
+        </p:txBody>
+      </p:sp>
+      <p:sp>
+        <p:nvSpPr>
+          <p:cNvPr id="6" name="Text Placeholder 5"/>
+          <p:cNvSpPr>
+            <a:spLocks noGrp="1"/>
+          </p:cNvSpPr>
+          <p:nvPr>
+            <p:ph type="body" idx="1"/>
+          </p:nvPr>
+        </p:nvSpPr>
+        <p:spPr/>
+        <p:txBody>
+          <a:bodyPr/>
+          <a:lstStyle/>
+          <a:p>
+            <a:endParaRPr lang="en-US"/>
+          </a:p>
+        </p:txBody>
+      </p:sp>
+      <p:sp>
+        <p:nvSpPr>
+          <p:cNvPr id="3" name="Slide Number Placeholder 2"/>
+          <p:cNvSpPr>
+            <a:spLocks noGrp="1"/>
+          </p:cNvSpPr>
+          <p:nvPr>
+            <p:ph type="sldNum" sz="quarter" idx="12"/>
+          </p:nvPr>
+        </p:nvSpPr>
+        <p:spPr/>
+        <p:txBody>
+          <a:bodyPr/>
+          <a:lstStyle/>
+          <a:p>
+            <a:fld id="{F26D9103-0C5C-48AC-B68E-3ED2C1647047}" type="slidenum">
+              <a:rPr lang="en-US" smtClean="0"/>
+              <a:pPr/>
+              <a:t>4</a:t>
+            </a:fld>
+            <a:endParaRPr lang="en-US"/>
+          </a:p>
+        </p:txBody>
+      </p:sp>
+    </p:spTree>
+    <p:extLst>
+      <p:ext uri="{BB962C8B-B14F-4D97-AF65-F5344CB8AC3E}">
+        <p14:creationId xmlns:p14="http://schemas.microsoft.com/office/powerpoint/2010/main" val="3729940868"/>
+      </p:ext>
+    </p:extLst>
+  </p:cSld>
+  <p:clrMapOvr>
+    <a:masterClrMapping/>
+  </p:clrMapOvr>
+</p:sld>
+</file>
+
+<file path=ppt/slides/slide5.xml><?xml version="1.0" encoding="utf-8"?>
+<p:sld xmlns:a="http://schemas.openxmlformats.org/drawingml/2006/main" xmlns:r="http://schemas.openxmlformats.org/officeDocument/2006/relationships" xmlns:p="http://schemas.openxmlformats.org/presentationml/2006/main">
+  <p:cSld>
+    <p:spTree>
+      <p:nvGrpSpPr>
+        <p:cNvPr id="1" name=""/>
+        <p:cNvGrpSpPr/>
+        <p:nvPr/>
+      </p:nvGrpSpPr>
+      <p:grpSpPr>
+        <a:xfrm>
+          <a:off x="0" y="0"/>
+          <a:ext cx="0" cy="0"/>
+          <a:chOff x="0" y="0"/>
+          <a:chExt cx="0" cy="0"/>
+        </a:xfrm>
+      </p:grpSpPr>
+      <p:sp>
+        <p:nvSpPr>
+          <p:cNvPr id="6146" name="Rectangle 2"/>
+          <p:cNvSpPr>
+            <a:spLocks noGrp="1" noChangeArrowheads="1"/>
+          </p:cNvSpPr>
+          <p:nvPr>
+            <p:ph type="title"/>
+            <p:custDataLst>
+              <p:tags r:id="rId1"/>
+            </p:custDataLst>
+          </p:nvPr>
+        </p:nvSpPr>
+        <p:spPr>
+          <a:xfrm>
+            <a:off x="1141413" y="322184"/>
+            <a:ext cx="9905998" cy="897015"/>
+          </a:xfrm>
+        </p:spPr>
+        <p:txBody>
+          <a:bodyPr/>
+          <a:lstStyle/>
+          <a:p>
+            <a:pPr algn="ctr"/>
+            <a:r>
+              <a:rPr lang="en-US" dirty="0"/>
+              <a:t>Course </a:t>
+            </a:r>
+            <a:r>
+              <a:rPr lang="en-US" dirty="0" err="1"/>
+              <a:t>OBjectives</a:t>
+            </a:r>
+            <a:endParaRPr lang="en-US" dirty="0"/>
+          </a:p>
+        </p:txBody>
+      </p:sp>
+      <p:sp>
+        <p:nvSpPr>
+          <p:cNvPr id="6147" name="Rectangle 3"/>
+          <p:cNvSpPr>
+            <a:spLocks noGrp="1" noChangeArrowheads="1"/>
+          </p:cNvSpPr>
+          <p:nvPr>
+            <p:ph idx="1"/>
+            <p:custDataLst>
+              <p:tags r:id="rId2"/>
+            </p:custDataLst>
+          </p:nvPr>
+        </p:nvSpPr>
+        <p:spPr>
+          <a:xfrm>
+            <a:off x="1396721" y="1473200"/>
+            <a:ext cx="9365064" cy="4800600"/>
+          </a:xfrm>
+        </p:spPr>
+        <p:txBody>
+          <a:bodyPr>
+            <a:normAutofit fontScale="77500" lnSpcReduction="20000"/>
+          </a:bodyPr>
+          <a:lstStyle/>
+          <a:p>
+            <a:pPr marL="0" indent="0">
+              <a:buNone/>
+            </a:pPr>
+            <a:r>
+              <a:rPr lang="en-US" u="sng" dirty="0"/>
+              <a:t>Students who complete the course will</a:t>
+            </a:r>
+            <a:r>
+              <a:rPr lang="en-US" dirty="0"/>
+              <a:t>:</a:t>
+            </a:r>
+          </a:p>
+          <a:p>
+            <a:pPr marL="0" indent="0">
+              <a:buNone/>
+            </a:pPr>
+            <a:endParaRPr lang="en-US" dirty="0"/>
+          </a:p>
+          <a:p>
+            <a:r>
+              <a:rPr lang="en-US" dirty="0"/>
+              <a:t>Improve their mathematical thinking skill and habits, including thinking precisely about definitions, stating assumptions carefully, critically reading arguments, and being able to write convincingly.</a:t>
+            </a:r>
+          </a:p>
+          <a:p>
+            <a:r>
+              <a:rPr lang="en-US" dirty="0"/>
+              <a:t>Be able to understand both finite and infinite formal models of computation and to reason about what they can and cannot compute.</a:t>
+            </a:r>
+          </a:p>
+          <a:p>
+            <a:r>
+              <a:rPr lang="en-US" dirty="0"/>
+              <a:t>Understand both intuitively and formally what makes some problems too expensive to solve, and what can be done in practice when an unsolvable or intractable problem is encountered.</a:t>
+            </a:r>
+          </a:p>
+          <a:p>
+            <a:r>
+              <a:rPr lang="en-US" dirty="0"/>
+              <a:t>Reason formally about the cost of computation, and be able to prove useful bounds on the costs of solving problems, including showing that certain problems are intractable.</a:t>
+            </a:r>
+          </a:p>
+          <a:p>
+            <a:r>
+              <a:rPr lang="en-US" dirty="0"/>
+              <a:t>Learn about some interesting aspects of theoretical computer science, including cryptography and machine learning.</a:t>
+            </a:r>
+          </a:p>
+        </p:txBody>
+      </p:sp>
+      <p:sp>
+        <p:nvSpPr>
+          <p:cNvPr id="4" name="Slide Number Placeholder 3"/>
+          <p:cNvSpPr>
+            <a:spLocks noGrp="1"/>
+          </p:cNvSpPr>
+          <p:nvPr>
+            <p:ph type="sldNum" sz="quarter" idx="12"/>
+          </p:nvPr>
+        </p:nvSpPr>
+        <p:spPr/>
+        <p:txBody>
+          <a:bodyPr/>
+          <a:lstStyle/>
+          <a:p>
+            <a:fld id="{F26D9103-0C5C-48AC-B68E-3ED2C1647047}" type="slidenum">
+              <a:rPr lang="en-US" smtClean="0"/>
+              <a:pPr/>
+              <a:t>5</a:t>
+            </a:fld>
+            <a:endParaRPr lang="en-US" dirty="0"/>
+          </a:p>
+        </p:txBody>
+      </p:sp>
+    </p:spTree>
+    <p:extLst>
+      <p:ext uri="{BB962C8B-B14F-4D97-AF65-F5344CB8AC3E}">
+        <p14:creationId xmlns:p14="http://schemas.microsoft.com/office/powerpoint/2010/main" val="13164052"/>
+      </p:ext>
+    </p:extLst>
+  </p:cSld>
+  <p:clrMapOvr>
+    <a:masterClrMapping/>
+  </p:clrMapOvr>
+</p:sld>
+</file>
+
+<file path=ppt/slides/slide6.xml><?xml version="1.0" encoding="utf-8"?>
+<p:sld xmlns:a="http://schemas.openxmlformats.org/drawingml/2006/main" xmlns:r="http://schemas.openxmlformats.org/officeDocument/2006/relationships" xmlns:p="http://schemas.openxmlformats.org/presentationml/2006/main">
+  <p:cSld>
+    <p:spTree>
+      <p:nvGrpSpPr>
+        <p:cNvPr id="1" name=""/>
+        <p:cNvGrpSpPr/>
+        <p:nvPr/>
+      </p:nvGrpSpPr>
+      <p:grpSpPr>
+        <a:xfrm>
+          <a:off x="0" y="0"/>
+          <a:ext cx="0" cy="0"/>
+          <a:chOff x="0" y="0"/>
+          <a:chExt cx="0" cy="0"/>
+        </a:xfrm>
+      </p:grpSpPr>
+      <p:sp>
+        <p:nvSpPr>
+          <p:cNvPr id="5" name="Title 4"/>
+          <p:cNvSpPr>
+            <a:spLocks noGrp="1"/>
+          </p:cNvSpPr>
+          <p:nvPr>
+            <p:ph type="title"/>
+          </p:nvPr>
+        </p:nvSpPr>
+        <p:spPr/>
+        <p:txBody>
+          <a:bodyPr/>
+          <a:lstStyle/>
+          <a:p>
+            <a:r>
+              <a:rPr lang="en-US" dirty="0"/>
+              <a:t>Course introduction</a:t>
+            </a:r>
+          </a:p>
+        </p:txBody>
+      </p:sp>
+      <p:sp>
+        <p:nvSpPr>
+          <p:cNvPr id="6" name="Text Placeholder 5"/>
+          <p:cNvSpPr>
+            <a:spLocks noGrp="1"/>
+          </p:cNvSpPr>
+          <p:nvPr>
+            <p:ph type="body" idx="1"/>
+          </p:nvPr>
+        </p:nvSpPr>
+        <p:spPr/>
+        <p:txBody>
+          <a:bodyPr/>
+          <a:lstStyle/>
+          <a:p>
+            <a:endParaRPr lang="en-US"/>
+          </a:p>
+        </p:txBody>
+      </p:sp>
+      <p:sp>
+        <p:nvSpPr>
+          <p:cNvPr id="3" name="Slide Number Placeholder 2"/>
+          <p:cNvSpPr>
+            <a:spLocks noGrp="1"/>
+          </p:cNvSpPr>
+          <p:nvPr>
+            <p:ph type="sldNum" sz="quarter" idx="12"/>
+          </p:nvPr>
+        </p:nvSpPr>
+        <p:spPr/>
+        <p:txBody>
+          <a:bodyPr/>
+          <a:lstStyle/>
+          <a:p>
+            <a:fld id="{F26D9103-0C5C-48AC-B68E-3ED2C1647047}" type="slidenum">
+              <a:rPr lang="en-US" smtClean="0"/>
+              <a:pPr/>
+              <a:t>6</a:t>
+            </a:fld>
+            <a:endParaRPr lang="en-US"/>
+          </a:p>
+        </p:txBody>
+      </p:sp>
+    </p:spTree>
+    <p:extLst>
+      <p:ext uri="{BB962C8B-B14F-4D97-AF65-F5344CB8AC3E}">
+        <p14:creationId xmlns:p14="http://schemas.microsoft.com/office/powerpoint/2010/main" val="2857772485"/>
+      </p:ext>
+    </p:extLst>
+  </p:cSld>
+  <p:clrMapOvr>
+    <a:masterClrMapping/>
+  </p:clrMapOvr>
+</p:sld>
+</file>
+
+<file path=ppt/slides/slide7.xml><?xml version="1.0" encoding="utf-8"?>
+<p:sld xmlns:a="http://schemas.openxmlformats.org/drawingml/2006/main" xmlns:r="http://schemas.openxmlformats.org/officeDocument/2006/relationships" xmlns:p="http://schemas.openxmlformats.org/presentationml/2006/main">
+  <p:cSld>
+    <p:spTree>
+      <p:nvGrpSpPr>
+        <p:cNvPr id="1" name=""/>
+        <p:cNvGrpSpPr/>
+        <p:nvPr/>
+      </p:nvGrpSpPr>
+      <p:grpSpPr>
+        <a:xfrm>
+          <a:off x="0" y="0"/>
+          <a:ext cx="0" cy="0"/>
+          <a:chOff x="0" y="0"/>
+          <a:chExt cx="0" cy="0"/>
+        </a:xfrm>
+      </p:grpSpPr>
+      <p:sp>
+        <p:nvSpPr>
+          <p:cNvPr id="6146" name="Rectangle 2"/>
+          <p:cNvSpPr>
+            <a:spLocks noGrp="1" noChangeArrowheads="1"/>
+          </p:cNvSpPr>
+          <p:nvPr>
+            <p:ph type="title"/>
+            <p:custDataLst>
+              <p:tags r:id="rId1"/>
+            </p:custDataLst>
+          </p:nvPr>
+        </p:nvSpPr>
+        <p:spPr>
+          <a:xfrm>
+            <a:off x="1141413" y="322184"/>
+            <a:ext cx="9905998" cy="897015"/>
+          </a:xfrm>
+        </p:spPr>
+        <p:txBody>
+          <a:bodyPr/>
+          <a:lstStyle/>
+          <a:p>
+            <a:pPr algn="ctr"/>
+            <a:r>
+              <a:rPr lang="en-US" dirty="0"/>
+              <a:t>General Info</a:t>
+            </a:r>
+          </a:p>
+        </p:txBody>
+      </p:sp>
+      <p:sp>
+        <p:nvSpPr>
+          <p:cNvPr id="6147" name="Rectangle 3"/>
+          <p:cNvSpPr>
+            <a:spLocks noGrp="1" noChangeArrowheads="1"/>
+          </p:cNvSpPr>
+          <p:nvPr>
+            <p:ph idx="1"/>
+            <p:custDataLst>
+              <p:tags r:id="rId2"/>
+            </p:custDataLst>
+          </p:nvPr>
+        </p:nvSpPr>
+        <p:spPr>
+          <a:xfrm>
+            <a:off x="1905000" y="1473200"/>
+            <a:ext cx="8255000" cy="4800600"/>
+          </a:xfrm>
+        </p:spPr>
+        <p:txBody>
+          <a:bodyPr>
+            <a:normAutofit fontScale="77500" lnSpcReduction="20000"/>
+          </a:bodyPr>
+          <a:lstStyle/>
+          <a:p>
+            <a:r>
+              <a:rPr lang="en-US" dirty="0"/>
+              <a:t>See syllabus on course website for general information</a:t>
+            </a:r>
+          </a:p>
+          <a:p>
+            <a:r>
+              <a:rPr lang="en-US" dirty="0"/>
+              <a:t>Pre-requisites:</a:t>
+            </a:r>
+          </a:p>
+          <a:p>
+            <a:pPr lvl="1"/>
+            <a:r>
+              <a:rPr lang="en-US" dirty="0"/>
+              <a:t>CS 3100 (DSA2) if you are in the new curriculum (most of you, probably)</a:t>
+            </a:r>
+          </a:p>
+          <a:p>
+            <a:pPr lvl="1"/>
+            <a:r>
+              <a:rPr lang="en-US" dirty="0"/>
+              <a:t>CS 4102 (</a:t>
+            </a:r>
+            <a:r>
+              <a:rPr lang="en-US" dirty="0" err="1"/>
+              <a:t>Algo</a:t>
+            </a:r>
+            <a:r>
+              <a:rPr lang="en-US" dirty="0"/>
+              <a:t>) if you are in the old curriculum (Maybe a few of you)</a:t>
+            </a:r>
+          </a:p>
+          <a:p>
+            <a:pPr lvl="1"/>
+            <a:r>
+              <a:rPr lang="en-US" dirty="0"/>
+              <a:t>Math topics: proof by induction, proof by contradiction, etc. (Basically everything in DMT 1)</a:t>
+            </a:r>
+          </a:p>
+          <a:p>
+            <a:pPr lvl="1"/>
+            <a:r>
+              <a:rPr lang="en-US" dirty="0"/>
+              <a:t>Data Structures: Graphs and generally maturity proving things, etc.</a:t>
+            </a:r>
+          </a:p>
+          <a:p>
+            <a:r>
+              <a:rPr lang="en-US" dirty="0"/>
+              <a:t>Teaching Assistants</a:t>
+            </a:r>
+          </a:p>
+          <a:p>
+            <a:pPr lvl="1"/>
+            <a:r>
+              <a:rPr lang="en-US" dirty="0"/>
+              <a:t>Graduates (1):</a:t>
+            </a:r>
+          </a:p>
+          <a:p>
+            <a:pPr lvl="2"/>
+            <a:r>
+              <a:rPr lang="en-US" dirty="0"/>
+              <a:t>TBD</a:t>
+            </a:r>
+          </a:p>
+          <a:p>
+            <a:pPr lvl="1"/>
+            <a:r>
+              <a:rPr lang="en-US" dirty="0"/>
+              <a:t>Undergraduates (~10-18)</a:t>
+            </a:r>
+          </a:p>
+          <a:p>
+            <a:pPr lvl="2"/>
+            <a:r>
+              <a:rPr lang="en-US" dirty="0"/>
+              <a:t>Having some trouble finding </a:t>
+            </a:r>
+            <a:r>
+              <a:rPr lang="en-US" dirty="0" err="1"/>
+              <a:t>Tas</a:t>
+            </a:r>
+            <a:r>
+              <a:rPr lang="en-US" dirty="0"/>
+              <a:t> but I think we will get there!</a:t>
+            </a:r>
+          </a:p>
+          <a:p>
+            <a:pPr lvl="1"/>
+            <a:r>
+              <a:rPr lang="en-US" dirty="0"/>
+              <a:t>Both will hold office hours, which will start next week</a:t>
+            </a:r>
+          </a:p>
+          <a:p>
+            <a:pPr lvl="2"/>
+            <a:r>
+              <a:rPr lang="en-US" dirty="0"/>
+              <a:t>Locations and hours mostly set on course website</a:t>
+            </a:r>
+          </a:p>
+          <a:p>
+            <a:pPr lvl="1"/>
+            <a:r>
+              <a:rPr lang="en-US" dirty="0"/>
+              <a:t>Also, we’ll use Piazza for questions and Discord for office hours</a:t>
+            </a:r>
+          </a:p>
+          <a:p>
+            <a:pPr lvl="2"/>
+            <a:r>
+              <a:rPr lang="en-US" dirty="0"/>
+              <a:t>Post all questions about HW, topics, etc. to Piazza NOT email to instructors!</a:t>
+            </a:r>
+          </a:p>
+        </p:txBody>
+      </p:sp>
+      <p:sp>
+        <p:nvSpPr>
+          <p:cNvPr id="4" name="Slide Number Placeholder 3"/>
+          <p:cNvSpPr>
+            <a:spLocks noGrp="1"/>
+          </p:cNvSpPr>
+          <p:nvPr>
+            <p:ph type="sldNum" sz="quarter" idx="12"/>
+          </p:nvPr>
+        </p:nvSpPr>
+        <p:spPr/>
+        <p:txBody>
+          <a:bodyPr/>
+          <a:lstStyle/>
+          <a:p>
+            <a:fld id="{F26D9103-0C5C-48AC-B68E-3ED2C1647047}" type="slidenum">
+              <a:rPr lang="en-US" smtClean="0"/>
+              <a:pPr/>
+              <a:t>7</a:t>
+            </a:fld>
+            <a:endParaRPr lang="en-US" dirty="0"/>
+          </a:p>
+        </p:txBody>
+      </p:sp>
+    </p:spTree>
+    <p:extLst>
+      <p:ext uri="{BB962C8B-B14F-4D97-AF65-F5344CB8AC3E}">
+        <p14:creationId xmlns:p14="http://schemas.microsoft.com/office/powerpoint/2010/main" val="3929388494"/>
+      </p:ext>
+    </p:extLst>
+  </p:cSld>
+  <p:clrMapOvr>
+    <a:masterClrMapping/>
+  </p:clrMapOvr>
+</p:sld>
+</file>
+
 <file path=ppt/slides/slide8.xml><?xml version="1.0" encoding="utf-8"?>
 <p:sld xmlns:a="http://schemas.openxmlformats.org/drawingml/2006/main" xmlns:r="http://schemas.openxmlformats.org/officeDocument/2006/relationships" xmlns:p="http://schemas.openxmlformats.org/presentationml/2006/main">
   <p:cSld>
@@ -17489,24 +17866,21 @@
       </p:grpSpPr>
       <p:sp>
         <p:nvSpPr>
-          <p:cNvPr id="2" name="Title 1">
-            <a:extLst>
-              <a:ext uri="{FF2B5EF4-FFF2-40B4-BE49-F238E27FC236}">
-                <a16:creationId xmlns:a16="http://schemas.microsoft.com/office/drawing/2014/main" id="{10E4624E-6BA1-BB4D-8A7A-500B5099ECEB}"/>
-              </a:ext>
-            </a:extLst>
-          </p:cNvPr>
-          <p:cNvSpPr>
-            <a:spLocks noGrp="1"/>
+          <p:cNvPr id="6146" name="Rectangle 2"/>
+          <p:cNvSpPr>
+            <a:spLocks noGrp="1" noChangeArrowheads="1"/>
           </p:cNvSpPr>
           <p:nvPr>
             <p:ph type="title"/>
+            <p:custDataLst>
+              <p:tags r:id="rId1"/>
+            </p:custDataLst>
           </p:nvPr>
         </p:nvSpPr>
         <p:spPr>
           <a:xfrm>
-            <a:off x="1141413" y="347214"/>
-            <a:ext cx="9905998" cy="697816"/>
+            <a:off x="1141413" y="322184"/>
+            <a:ext cx="9905998" cy="897015"/>
           </a:xfrm>
         </p:spPr>
         <p:txBody>
@@ -17516,31 +17890,28 @@
             <a:pPr algn="ctr"/>
             <a:r>
               <a:rPr lang="en-US" dirty="0"/>
-              <a:t>Lectures</a:t>
-            </a:r>
-          </a:p>
-        </p:txBody>
-      </p:sp>
-      <p:sp>
-        <p:nvSpPr>
-          <p:cNvPr id="4" name="Content Placeholder 3">
-            <a:extLst>
-              <a:ext uri="{FF2B5EF4-FFF2-40B4-BE49-F238E27FC236}">
-                <a16:creationId xmlns:a16="http://schemas.microsoft.com/office/drawing/2014/main" id="{22F38866-4BB8-1749-AF0C-AB089AECC899}"/>
-              </a:ext>
-            </a:extLst>
-          </p:cNvPr>
-          <p:cNvSpPr>
-            <a:spLocks noGrp="1"/>
-          </p:cNvSpPr>
-          <p:nvPr>
-            <p:ph sz="half" idx="1"/>
+              <a:t>Course Website</a:t>
+            </a:r>
+          </a:p>
+        </p:txBody>
+      </p:sp>
+      <p:sp>
+        <p:nvSpPr>
+          <p:cNvPr id="6147" name="Rectangle 3"/>
+          <p:cNvSpPr>
+            <a:spLocks noGrp="1" noChangeArrowheads="1"/>
+          </p:cNvSpPr>
+          <p:nvPr>
+            <p:ph idx="1"/>
+            <p:custDataLst>
+              <p:tags r:id="rId2"/>
+            </p:custDataLst>
           </p:nvPr>
         </p:nvSpPr>
         <p:spPr>
           <a:xfrm>
-            <a:off x="1981200" y="1547446"/>
-            <a:ext cx="8229600" cy="4609514"/>
+            <a:off x="1905000" y="1473200"/>
+            <a:ext cx="8255000" cy="4800600"/>
           </a:xfrm>
         </p:spPr>
         <p:txBody>
@@ -17549,62 +17920,88 @@
           </a:bodyPr>
           <a:lstStyle/>
           <a:p>
-            <a:r>
-              <a:rPr lang="en-US" dirty="0"/>
-              <a:t>Back to traditional, in-person lectures.</a:t>
-            </a:r>
-          </a:p>
-          <a:p>
-            <a:pPr lvl="1"/>
-            <a:r>
-              <a:rPr lang="en-US" dirty="0"/>
-              <a:t>Tu / Th 12:30 - 1:45 pm @ Gilmer Hall 301</a:t>
-            </a:r>
-          </a:p>
-          <a:p>
-            <a:pPr lvl="1"/>
+            <a:pPr marL="0" indent="0">
+              <a:buNone/>
+            </a:pPr>
+            <a:r>
+              <a:rPr lang="en-US" dirty="0">
+                <a:hlinkClick r:id="rId4"/>
+              </a:rPr>
+              <a:t>https://markfloryan.github.io/dmt2/</a:t>
+            </a:r>
             <a:endParaRPr lang="en-US" dirty="0"/>
           </a:p>
           <a:p>
-            <a:r>
-              <a:rPr lang="en-US" dirty="0"/>
-              <a:t>Lectures will be recorded and posted on Collab -&gt; Lecture Recordings</a:t>
-            </a:r>
-          </a:p>
-          <a:p>
-            <a:pPr lvl="1"/>
-            <a:r>
-              <a:rPr lang="en-US" dirty="0"/>
-              <a:t>Using Panopto, so no live broadcast</a:t>
-            </a:r>
-          </a:p>
-          <a:p>
-            <a:pPr lvl="1"/>
+            <a:pPr marL="0" indent="0">
+              <a:buNone/>
+            </a:pPr>
             <a:endParaRPr lang="en-US" dirty="0"/>
           </a:p>
           <a:p>
-            <a:r>
-              <a:rPr lang="en-US" dirty="0"/>
-              <a:t>Lectures will cover course topics, example problems, proofs, etc.</a:t>
-            </a:r>
-          </a:p>
-          <a:p>
+            <a:pPr marL="0" indent="0">
+              <a:buNone/>
+            </a:pPr>
+            <a:r>
+              <a:rPr lang="en-US" dirty="0"/>
+              <a:t>Contains most of the important info for the course:</a:t>
+            </a:r>
+          </a:p>
+          <a:p>
+            <a:pPr lvl="1">
+              <a:buFontTx/>
+              <a:buChar char="-"/>
+            </a:pPr>
+            <a:r>
+              <a:rPr lang="en-US" dirty="0"/>
+              <a:t>Homework</a:t>
+            </a:r>
+          </a:p>
+          <a:p>
+            <a:pPr lvl="1">
+              <a:buFontTx/>
+              <a:buChar char="-"/>
+            </a:pPr>
+            <a:r>
+              <a:rPr lang="en-US" dirty="0"/>
+              <a:t>Slides</a:t>
+            </a:r>
+          </a:p>
+          <a:p>
+            <a:pPr lvl="1">
+              <a:buFontTx/>
+              <a:buChar char="-"/>
+            </a:pPr>
+            <a:r>
+              <a:rPr lang="en-US" dirty="0"/>
+              <a:t>Syllabus</a:t>
+            </a:r>
+          </a:p>
+          <a:p>
+            <a:pPr lvl="1">
+              <a:buFontTx/>
+              <a:buChar char="-"/>
+            </a:pPr>
+            <a:r>
+              <a:rPr lang="en-US" dirty="0" err="1"/>
+              <a:t>Etc</a:t>
+            </a:r>
+            <a:r>
+              <a:rPr lang="en-US" dirty="0"/>
+              <a:t>…</a:t>
+            </a:r>
+          </a:p>
+          <a:p>
+            <a:pPr>
+              <a:buFontTx/>
+              <a:buChar char="-"/>
+            </a:pPr>
             <a:endParaRPr lang="en-US" dirty="0"/>
           </a:p>
-          <a:p>
-            <a:endParaRPr lang="en-US" dirty="0"/>
-          </a:p>
-        </p:txBody>
-      </p:sp>
-      <p:sp>
-        <p:nvSpPr>
-          <p:cNvPr id="3" name="Slide Number Placeholder 2">
-            <a:extLst>
-              <a:ext uri="{FF2B5EF4-FFF2-40B4-BE49-F238E27FC236}">
-                <a16:creationId xmlns:a16="http://schemas.microsoft.com/office/drawing/2014/main" id="{6D13540E-69A5-B74F-91AB-DED5BA9812E6}"/>
-              </a:ext>
-            </a:extLst>
-          </p:cNvPr>
+        </p:txBody>
+      </p:sp>
+      <p:sp>
+        <p:nvSpPr>
+          <p:cNvPr id="4" name="Slide Number Placeholder 3"/>
           <p:cNvSpPr>
             <a:spLocks noGrp="1"/>
           </p:cNvSpPr>
@@ -17622,14 +18019,14 @@
               <a:pPr/>
               <a:t>8</a:t>
             </a:fld>
-            <a:endParaRPr lang="en-US"/>
+            <a:endParaRPr lang="en-US" dirty="0"/>
           </a:p>
         </p:txBody>
       </p:sp>
     </p:spTree>
     <p:extLst>
       <p:ext uri="{BB962C8B-B14F-4D97-AF65-F5344CB8AC3E}">
-        <p14:creationId xmlns:p14="http://schemas.microsoft.com/office/powerpoint/2010/main" val="1777500093"/>
+        <p14:creationId xmlns:p14="http://schemas.microsoft.com/office/powerpoint/2010/main" val="1002131528"/>
       </p:ext>
     </p:extLst>
   </p:cSld>
@@ -17658,7 +18055,13 @@
       </p:grpSpPr>
       <p:sp>
         <p:nvSpPr>
-          <p:cNvPr id="2" name="Title 1"/>
+          <p:cNvPr id="2" name="Title 1">
+            <a:extLst>
+              <a:ext uri="{FF2B5EF4-FFF2-40B4-BE49-F238E27FC236}">
+                <a16:creationId xmlns:a16="http://schemas.microsoft.com/office/drawing/2014/main" id="{D4C714F9-F01E-7B4D-8EB0-3B151FAE663D}"/>
+              </a:ext>
+            </a:extLst>
+          </p:cNvPr>
           <p:cNvSpPr>
             <a:spLocks noGrp="1"/>
           </p:cNvSpPr>
@@ -17668,8 +18071,42 @@
         </p:nvSpPr>
         <p:spPr>
           <a:xfrm>
-            <a:off x="1141413" y="337166"/>
-            <a:ext cx="9905998" cy="630827"/>
+            <a:off x="1141413" y="371091"/>
+            <a:ext cx="9905998" cy="917045"/>
+          </a:xfrm>
+        </p:spPr>
+        <p:txBody>
+          <a:bodyPr/>
+          <a:lstStyle/>
+          <a:p>
+            <a:pPr algn="ctr"/>
+            <a:r>
+              <a:rPr lang="en-US" dirty="0"/>
+              <a:t>Other Course Tools</a:t>
+            </a:r>
+          </a:p>
+        </p:txBody>
+      </p:sp>
+      <p:sp>
+        <p:nvSpPr>
+          <p:cNvPr id="4" name="Content Placeholder 3">
+            <a:extLst>
+              <a:ext uri="{FF2B5EF4-FFF2-40B4-BE49-F238E27FC236}">
+                <a16:creationId xmlns:a16="http://schemas.microsoft.com/office/drawing/2014/main" id="{930851DE-8B7D-3A4B-A735-7873D3097E8B}"/>
+              </a:ext>
+            </a:extLst>
+          </p:cNvPr>
+          <p:cNvSpPr>
+            <a:spLocks noGrp="1"/>
+          </p:cNvSpPr>
+          <p:nvPr>
+            <p:ph idx="1"/>
+          </p:nvPr>
+        </p:nvSpPr>
+        <p:spPr>
+          <a:xfrm>
+            <a:off x="1280160" y="1611762"/>
+            <a:ext cx="9482328" cy="4560438"/>
           </a:xfrm>
         </p:spPr>
         <p:txBody>
@@ -17678,88 +18115,74 @@
           </a:bodyPr>
           <a:lstStyle/>
           <a:p>
-            <a:pPr algn="ctr"/>
-            <a:r>
-              <a:rPr lang="en-US" dirty="0"/>
-              <a:t>Modules</a:t>
-            </a:r>
-          </a:p>
-        </p:txBody>
-      </p:sp>
-      <p:sp>
-        <p:nvSpPr>
-          <p:cNvPr id="3" name="Content Placeholder 2"/>
-          <p:cNvSpPr>
-            <a:spLocks noGrp="1"/>
-          </p:cNvSpPr>
-          <p:nvPr>
-            <p:ph idx="1"/>
-          </p:nvPr>
-        </p:nvSpPr>
-        <p:spPr>
-          <a:xfrm>
-            <a:off x="3316208" y="1969476"/>
-            <a:ext cx="5395711" cy="2813539"/>
-          </a:xfrm>
-        </p:spPr>
-        <p:txBody>
-          <a:bodyPr>
-            <a:normAutofit/>
-          </a:bodyPr>
-          <a:lstStyle/>
-          <a:p>
-            <a:r>
-              <a:rPr lang="en-US" i="1" dirty="0"/>
-              <a:t>The course is divided into 5 modules</a:t>
+            <a:r>
+              <a:rPr lang="en-US" b="1" i="1" u="sng" dirty="0"/>
+              <a:t>Piazza</a:t>
+            </a:r>
+            <a:r>
+              <a:rPr lang="en-US" dirty="0"/>
+              <a:t>: Use for course discussion among students and </a:t>
+            </a:r>
+            <a:r>
+              <a:rPr lang="en-US" dirty="0" err="1"/>
+              <a:t>Tas</a:t>
+            </a:r>
+            <a:r>
+              <a:rPr lang="en-US" dirty="0"/>
+              <a:t> regarding course content</a:t>
+            </a:r>
+          </a:p>
+          <a:p>
+            <a:r>
+              <a:rPr lang="en-US" b="1" i="1" u="sng" dirty="0" err="1"/>
+              <a:t>Gradescope</a:t>
+            </a:r>
+            <a:r>
+              <a:rPr lang="en-US" dirty="0"/>
+              <a:t>: For submitting homework and seeing your grades, etc.</a:t>
+            </a:r>
+          </a:p>
+          <a:p>
+            <a:r>
+              <a:rPr lang="en-US" b="1" i="1" u="sng" dirty="0"/>
+              <a:t>Jira</a:t>
+            </a:r>
+            <a:r>
+              <a:rPr lang="en-US" dirty="0"/>
+              <a:t>: A ticketing system that we will use for student requests. Meant for private messages to Floryan and/or head Tas.</a:t>
+            </a:r>
+          </a:p>
+          <a:p>
+            <a:r>
+              <a:rPr lang="en-US" b="1" i="1" u="sng" dirty="0"/>
+              <a:t>Google Forms</a:t>
+            </a:r>
+            <a:r>
+              <a:rPr lang="en-US" dirty="0"/>
+              <a:t>: Homework extension requests will be submitted through a form.</a:t>
+            </a:r>
+          </a:p>
+          <a:p>
+            <a:r>
+              <a:rPr lang="en-US" dirty="0"/>
+              <a:t>All of these will be linked from Collab and from course website</a:t>
             </a:r>
           </a:p>
           <a:p>
             <a:pPr lvl="1"/>
-            <a:r>
-              <a:rPr lang="en-US" i="1" dirty="0"/>
-              <a:t>1: Intro, Review of Proofs, and Cardinality</a:t>
-            </a:r>
-          </a:p>
-          <a:p>
-            <a:pPr lvl="1"/>
-            <a:r>
-              <a:rPr lang="en-US" i="1" dirty="0"/>
-              <a:t>2: Regular Languages</a:t>
-            </a:r>
-          </a:p>
-          <a:p>
-            <a:pPr lvl="1"/>
-            <a:r>
-              <a:rPr lang="en-US" i="1" dirty="0"/>
-              <a:t>3: Context-Free Grammars</a:t>
-            </a:r>
-          </a:p>
-          <a:p>
-            <a:pPr lvl="1"/>
-            <a:r>
-              <a:rPr lang="en-US" i="1" dirty="0"/>
-              <a:t>4: Turing Machines and Decidability</a:t>
-            </a:r>
-          </a:p>
-          <a:p>
-            <a:pPr lvl="1"/>
-            <a:r>
-              <a:rPr lang="en-US" i="1" dirty="0"/>
-              <a:t>5: Complexity Theory</a:t>
-            </a:r>
-          </a:p>
-          <a:p>
-            <a:pPr lvl="1"/>
-            <a:endParaRPr lang="en-US" i="1" dirty="0"/>
-          </a:p>
-          <a:p>
-            <a:endParaRPr lang="en-US" i="1" dirty="0"/>
-          </a:p>
-        </p:txBody>
-      </p:sp>
-      <p:sp>
-        <p:nvSpPr>
-          <p:cNvPr id="4" name="Slide Number Placeholder 3"/>
+            <a:endParaRPr lang="en-US" dirty="0"/>
+          </a:p>
+        </p:txBody>
+      </p:sp>
+      <p:sp>
+        <p:nvSpPr>
+          <p:cNvPr id="3" name="Slide Number Placeholder 2">
+            <a:extLst>
+              <a:ext uri="{FF2B5EF4-FFF2-40B4-BE49-F238E27FC236}">
+                <a16:creationId xmlns:a16="http://schemas.microsoft.com/office/drawing/2014/main" id="{4409C9D4-846F-D543-85FE-C390EBACF5F4}"/>
+              </a:ext>
+            </a:extLst>
+          </p:cNvPr>
           <p:cNvSpPr>
             <a:spLocks noGrp="1"/>
           </p:cNvSpPr>
@@ -17784,7 +18207,7 @@
     </p:spTree>
     <p:extLst>
       <p:ext uri="{BB962C8B-B14F-4D97-AF65-F5344CB8AC3E}">
-        <p14:creationId xmlns:p14="http://schemas.microsoft.com/office/powerpoint/2010/main" val="3921696455"/>
+        <p14:creationId xmlns:p14="http://schemas.microsoft.com/office/powerpoint/2010/main" val="860639551"/>
       </p:ext>
     </p:extLst>
   </p:cSld>
@@ -17801,6 +18224,30 @@
 </file>
 
 <file path=ppt/tags/tag10.xml><?xml version="1.0" encoding="utf-8"?>
+<p:tagLst xmlns:a="http://schemas.openxmlformats.org/drawingml/2006/main" xmlns:r="http://schemas.openxmlformats.org/officeDocument/2006/relationships" xmlns:p="http://schemas.openxmlformats.org/presentationml/2006/main">
+  <p:tag name="_INSTRUCTOR VIEW19C14C36-AC8E-43BC-9DB6-C2AAF774C7DC|PANE__TAG" val="_"/>
+</p:tagLst>
+</file>
+
+<file path=ppt/tags/tag11.xml><?xml version="1.0" encoding="utf-8"?>
+<p:tagLst xmlns:a="http://schemas.openxmlformats.org/drawingml/2006/main" xmlns:r="http://schemas.openxmlformats.org/officeDocument/2006/relationships" xmlns:p="http://schemas.openxmlformats.org/presentationml/2006/main">
+  <p:tag name="_INSTRUCTOR VIEW19C14C36-AC8E-43BC-9DB6-C2AAF774C7DC|PANE__TAG" val="_"/>
+</p:tagLst>
+</file>
+
+<file path=ppt/tags/tag12.xml><?xml version="1.0" encoding="utf-8"?>
+<p:tagLst xmlns:a="http://schemas.openxmlformats.org/drawingml/2006/main" xmlns:r="http://schemas.openxmlformats.org/officeDocument/2006/relationships" xmlns:p="http://schemas.openxmlformats.org/presentationml/2006/main">
+  <p:tag name="_INSTRUCTOR VIEW19C14C36-AC8E-43BC-9DB6-C2AAF774C7DC|PANE__TAG" val="_"/>
+</p:tagLst>
+</file>
+
+<file path=ppt/tags/tag13.xml><?xml version="1.0" encoding="utf-8"?>
+<p:tagLst xmlns:a="http://schemas.openxmlformats.org/drawingml/2006/main" xmlns:r="http://schemas.openxmlformats.org/officeDocument/2006/relationships" xmlns:p="http://schemas.openxmlformats.org/presentationml/2006/main">
+  <p:tag name="_INSTRUCTOR VIEW19C14C36-AC8E-43BC-9DB6-C2AAF774C7DC|PANE__TAG" val="_"/>
+</p:tagLst>
+</file>
+
+<file path=ppt/tags/tag14.xml><?xml version="1.0" encoding="utf-8"?>
 <p:tagLst xmlns:a="http://schemas.openxmlformats.org/drawingml/2006/main" xmlns:r="http://schemas.openxmlformats.org/officeDocument/2006/relationships" xmlns:p="http://schemas.openxmlformats.org/presentationml/2006/main">
   <p:tag name="_INSTRUCTOR VIEW19C14C36-AC8E-43BC-9DB6-C2AAF774C7DC|PANE__TAG" val="_"/>
 </p:tagLst>

--- a/slides/00-CourseIntroduction.pptx
+++ b/slides/00-CourseIntroduction.pptx
@@ -5,7 +5,7 @@
     <p:sldMasterId id="2147484006" r:id="rId1"/>
   </p:sldMasterIdLst>
   <p:notesMasterIdLst>
-    <p:notesMasterId r:id="rId31"/>
+    <p:notesMasterId r:id="rId32"/>
   </p:notesMasterIdLst>
   <p:sldIdLst>
     <p:sldId id="256" r:id="rId2"/>
@@ -37,6 +37,7 @@
     <p:sldId id="463" r:id="rId28"/>
     <p:sldId id="502" r:id="rId29"/>
     <p:sldId id="464" r:id="rId30"/>
+    <p:sldId id="514" r:id="rId31"/>
   </p:sldIdLst>
   <p:sldSz cx="12192000" cy="6858000"/>
   <p:notesSz cx="6858000" cy="9144000"/>
@@ -225,7 +226,7 @@
           <a:p>
             <a:fld id="{C5B45307-6ED4-B142-BD64-10F739779302}" type="datetimeFigureOut">
               <a:rPr lang="en-US" smtClean="0"/>
-              <a:t>8/21/23</a:t>
+              <a:t>8/22/23</a:t>
             </a:fld>
             <a:endParaRPr lang="en-US"/>
           </a:p>
@@ -728,7 +729,7 @@
           <a:noFill/>
           <a:extLst>
             <a:ext uri="{909E8E84-426E-40dd-AFC4-6F175D3DCCD1}">
-              <a14:hiddenFill xmlns:a14="http://schemas.microsoft.com/office/drawing/2010/main" xmlns="">
+              <a14:hiddenFill xmlns="" xmlns:a14="http://schemas.microsoft.com/office/drawing/2010/main">
                 <a:solidFill>
                   <a:srgbClr val="FFFFFF"/>
                 </a:solidFill>
@@ -787,7 +788,7 @@
             </a:ln>
             <a:extLst>
               <a:ext uri="{91240B29-F687-4f45-9708-019B960494DF}">
-                <a14:hiddenLine xmlns:a14="http://schemas.microsoft.com/office/drawing/2010/main" xmlns="" w="9525">
+                <a14:hiddenLine xmlns="" xmlns:a14="http://schemas.microsoft.com/office/drawing/2010/main" w="9525">
                   <a:solidFill>
                     <a:srgbClr val="000000"/>
                   </a:solidFill>
@@ -877,7 +878,7 @@
             </a:ln>
             <a:extLst>
               <a:ext uri="{91240B29-F687-4f45-9708-019B960494DF}">
-                <a14:hiddenLine xmlns:a14="http://schemas.microsoft.com/office/drawing/2010/main" xmlns="" w="9525">
+                <a14:hiddenLine xmlns="" xmlns:a14="http://schemas.microsoft.com/office/drawing/2010/main" w="9525">
                   <a:solidFill>
                     <a:srgbClr val="000000"/>
                   </a:solidFill>
@@ -967,7 +968,7 @@
             </a:ln>
             <a:extLst>
               <a:ext uri="{91240B29-F687-4f45-9708-019B960494DF}">
-                <a14:hiddenLine xmlns:a14="http://schemas.microsoft.com/office/drawing/2010/main" xmlns="" w="9525">
+                <a14:hiddenLine xmlns="" xmlns:a14="http://schemas.microsoft.com/office/drawing/2010/main" w="9525">
                   <a:solidFill>
                     <a:srgbClr val="000000"/>
                   </a:solidFill>
@@ -1001,7 +1002,7 @@
             </a:ln>
             <a:extLst>
               <a:ext uri="{91240B29-F687-4f45-9708-019B960494DF}">
-                <a14:hiddenLine xmlns:a14="http://schemas.microsoft.com/office/drawing/2010/main" xmlns="" w="9525">
+                <a14:hiddenLine xmlns="" xmlns:a14="http://schemas.microsoft.com/office/drawing/2010/main" w="9525">
                   <a:solidFill>
                     <a:srgbClr val="000000"/>
                   </a:solidFill>
@@ -1091,7 +1092,7 @@
             </a:ln>
             <a:extLst>
               <a:ext uri="{91240B29-F687-4f45-9708-019B960494DF}">
-                <a14:hiddenLine xmlns:a14="http://schemas.microsoft.com/office/drawing/2010/main" xmlns="" w="9525">
+                <a14:hiddenLine xmlns="" xmlns:a14="http://schemas.microsoft.com/office/drawing/2010/main" w="9525">
                   <a:solidFill>
                     <a:srgbClr val="000000"/>
                   </a:solidFill>
@@ -1153,7 +1154,7 @@
             </a:ln>
             <a:extLst>
               <a:ext uri="{91240B29-F687-4f45-9708-019B960494DF}">
-                <a14:hiddenLine xmlns:a14="http://schemas.microsoft.com/office/drawing/2010/main" xmlns="" w="9525">
+                <a14:hiddenLine xmlns="" xmlns:a14="http://schemas.microsoft.com/office/drawing/2010/main" w="9525">
                   <a:solidFill>
                     <a:srgbClr val="000000"/>
                   </a:solidFill>
@@ -1215,7 +1216,7 @@
             </a:ln>
             <a:extLst>
               <a:ext uri="{91240B29-F687-4f45-9708-019B960494DF}">
-                <a14:hiddenLine xmlns:a14="http://schemas.microsoft.com/office/drawing/2010/main" xmlns="" w="9525">
+                <a14:hiddenLine xmlns="" xmlns:a14="http://schemas.microsoft.com/office/drawing/2010/main" w="9525">
                   <a:solidFill>
                     <a:srgbClr val="000000"/>
                   </a:solidFill>
@@ -1305,7 +1306,7 @@
             </a:ln>
             <a:extLst>
               <a:ext uri="{91240B29-F687-4f45-9708-019B960494DF}">
-                <a14:hiddenLine xmlns:a14="http://schemas.microsoft.com/office/drawing/2010/main" xmlns="" w="9525">
+                <a14:hiddenLine xmlns="" xmlns:a14="http://schemas.microsoft.com/office/drawing/2010/main" w="9525">
                   <a:solidFill>
                     <a:srgbClr val="000000"/>
                   </a:solidFill>
@@ -1367,7 +1368,7 @@
             </a:ln>
             <a:extLst>
               <a:ext uri="{91240B29-F687-4f45-9708-019B960494DF}">
-                <a14:hiddenLine xmlns:a14="http://schemas.microsoft.com/office/drawing/2010/main" xmlns="" w="9525">
+                <a14:hiddenLine xmlns="" xmlns:a14="http://schemas.microsoft.com/office/drawing/2010/main" w="9525">
                   <a:solidFill>
                     <a:srgbClr val="000000"/>
                   </a:solidFill>
@@ -1429,7 +1430,7 @@
             </a:ln>
             <a:extLst>
               <a:ext uri="{91240B29-F687-4f45-9708-019B960494DF}">
-                <a14:hiddenLine xmlns:a14="http://schemas.microsoft.com/office/drawing/2010/main" xmlns="" w="9525">
+                <a14:hiddenLine xmlns="" xmlns:a14="http://schemas.microsoft.com/office/drawing/2010/main" w="9525">
                   <a:solidFill>
                     <a:srgbClr val="000000"/>
                   </a:solidFill>
@@ -1519,7 +1520,7 @@
             </a:ln>
             <a:extLst>
               <a:ext uri="{91240B29-F687-4f45-9708-019B960494DF}">
-                <a14:hiddenLine xmlns:a14="http://schemas.microsoft.com/office/drawing/2010/main" xmlns="" w="9525">
+                <a14:hiddenLine xmlns="" xmlns:a14="http://schemas.microsoft.com/office/drawing/2010/main" w="9525">
                   <a:solidFill>
                     <a:srgbClr val="000000"/>
                   </a:solidFill>
@@ -1609,7 +1610,7 @@
             </a:ln>
             <a:extLst>
               <a:ext uri="{91240B29-F687-4f45-9708-019B960494DF}">
-                <a14:hiddenLine xmlns:a14="http://schemas.microsoft.com/office/drawing/2010/main" xmlns="" w="9525">
+                <a14:hiddenLine xmlns="" xmlns:a14="http://schemas.microsoft.com/office/drawing/2010/main" w="9525">
                   <a:solidFill>
                     <a:srgbClr val="000000"/>
                   </a:solidFill>
@@ -1671,7 +1672,7 @@
             </a:ln>
             <a:extLst>
               <a:ext uri="{91240B29-F687-4f45-9708-019B960494DF}">
-                <a14:hiddenLine xmlns:a14="http://schemas.microsoft.com/office/drawing/2010/main" xmlns="" w="9525">
+                <a14:hiddenLine xmlns="" xmlns:a14="http://schemas.microsoft.com/office/drawing/2010/main" w="9525">
                   <a:solidFill>
                     <a:srgbClr val="000000"/>
                   </a:solidFill>
@@ -1781,7 +1782,7 @@
             </a:ln>
             <a:extLst>
               <a:ext uri="{91240B29-F687-4f45-9708-019B960494DF}">
-                <a14:hiddenLine xmlns:a14="http://schemas.microsoft.com/office/drawing/2010/main" xmlns="" w="9525">
+                <a14:hiddenLine xmlns="" xmlns:a14="http://schemas.microsoft.com/office/drawing/2010/main" w="9525">
                   <a:solidFill>
                     <a:srgbClr val="000000"/>
                   </a:solidFill>
@@ -1843,7 +1844,7 @@
             </a:ln>
             <a:extLst>
               <a:ext uri="{91240B29-F687-4f45-9708-019B960494DF}">
-                <a14:hiddenLine xmlns:a14="http://schemas.microsoft.com/office/drawing/2010/main" xmlns="" w="9525">
+                <a14:hiddenLine xmlns="" xmlns:a14="http://schemas.microsoft.com/office/drawing/2010/main" w="9525">
                   <a:solidFill>
                     <a:srgbClr val="000000"/>
                   </a:solidFill>
@@ -1933,7 +1934,7 @@
             </a:ln>
             <a:extLst>
               <a:ext uri="{91240B29-F687-4f45-9708-019B960494DF}">
-                <a14:hiddenLine xmlns:a14="http://schemas.microsoft.com/office/drawing/2010/main" xmlns="" w="9525">
+                <a14:hiddenLine xmlns="" xmlns:a14="http://schemas.microsoft.com/office/drawing/2010/main" w="9525">
                   <a:solidFill>
                     <a:srgbClr val="000000"/>
                   </a:solidFill>
@@ -2023,7 +2024,7 @@
             </a:ln>
             <a:extLst>
               <a:ext uri="{91240B29-F687-4f45-9708-019B960494DF}">
-                <a14:hiddenLine xmlns:a14="http://schemas.microsoft.com/office/drawing/2010/main" xmlns="" w="9525">
+                <a14:hiddenLine xmlns="" xmlns:a14="http://schemas.microsoft.com/office/drawing/2010/main" w="9525">
                   <a:solidFill>
                     <a:srgbClr val="000000"/>
                   </a:solidFill>
@@ -2085,7 +2086,7 @@
             </a:ln>
             <a:extLst>
               <a:ext uri="{91240B29-F687-4f45-9708-019B960494DF}">
-                <a14:hiddenLine xmlns:a14="http://schemas.microsoft.com/office/drawing/2010/main" xmlns="" w="9525">
+                <a14:hiddenLine xmlns="" xmlns:a14="http://schemas.microsoft.com/office/drawing/2010/main" w="9525">
                   <a:solidFill>
                     <a:srgbClr val="000000"/>
                   </a:solidFill>
@@ -2175,7 +2176,7 @@
             </a:ln>
             <a:extLst>
               <a:ext uri="{91240B29-F687-4f45-9708-019B960494DF}">
-                <a14:hiddenLine xmlns:a14="http://schemas.microsoft.com/office/drawing/2010/main" xmlns="" w="9525">
+                <a14:hiddenLine xmlns="" xmlns:a14="http://schemas.microsoft.com/office/drawing/2010/main" w="9525">
                   <a:solidFill>
                     <a:srgbClr val="000000"/>
                   </a:solidFill>
@@ -2265,7 +2266,7 @@
             </a:ln>
             <a:extLst>
               <a:ext uri="{91240B29-F687-4f45-9708-019B960494DF}">
-                <a14:hiddenLine xmlns:a14="http://schemas.microsoft.com/office/drawing/2010/main" xmlns="" w="9525">
+                <a14:hiddenLine xmlns="" xmlns:a14="http://schemas.microsoft.com/office/drawing/2010/main" w="9525">
                   <a:solidFill>
                     <a:srgbClr val="000000"/>
                   </a:solidFill>
@@ -2321,7 +2322,7 @@
             </a:ln>
             <a:extLst>
               <a:ext uri="{91240B29-F687-4f45-9708-019B960494DF}">
-                <a14:hiddenLine xmlns:a14="http://schemas.microsoft.com/office/drawing/2010/main" xmlns="" w="9525">
+                <a14:hiddenLine xmlns="" xmlns:a14="http://schemas.microsoft.com/office/drawing/2010/main" w="9525">
                   <a:solidFill>
                     <a:srgbClr val="000000"/>
                   </a:solidFill>
@@ -2411,7 +2412,7 @@
             </a:ln>
             <a:extLst>
               <a:ext uri="{91240B29-F687-4f45-9708-019B960494DF}">
-                <a14:hiddenLine xmlns:a14="http://schemas.microsoft.com/office/drawing/2010/main" xmlns="" w="9525">
+                <a14:hiddenLine xmlns="" xmlns:a14="http://schemas.microsoft.com/office/drawing/2010/main" w="9525">
                   <a:solidFill>
                     <a:srgbClr val="000000"/>
                   </a:solidFill>
@@ -2467,7 +2468,7 @@
             </a:ln>
             <a:extLst>
               <a:ext uri="{91240B29-F687-4f45-9708-019B960494DF}">
-                <a14:hiddenLine xmlns:a14="http://schemas.microsoft.com/office/drawing/2010/main" xmlns="" w="9525">
+                <a14:hiddenLine xmlns="" xmlns:a14="http://schemas.microsoft.com/office/drawing/2010/main" w="9525">
                   <a:solidFill>
                     <a:srgbClr val="000000"/>
                   </a:solidFill>
@@ -2557,7 +2558,7 @@
             </a:ln>
             <a:extLst>
               <a:ext uri="{91240B29-F687-4f45-9708-019B960494DF}">
-                <a14:hiddenLine xmlns:a14="http://schemas.microsoft.com/office/drawing/2010/main" xmlns="" w="9525">
+                <a14:hiddenLine xmlns="" xmlns:a14="http://schemas.microsoft.com/office/drawing/2010/main" w="9525">
                   <a:solidFill>
                     <a:srgbClr val="000000"/>
                   </a:solidFill>
@@ -2625,7 +2626,7 @@
             </a:ln>
             <a:extLst>
               <a:ext uri="{91240B29-F687-4f45-9708-019B960494DF}">
-                <a14:hiddenLine xmlns:a14="http://schemas.microsoft.com/office/drawing/2010/main" xmlns="" w="9525">
+                <a14:hiddenLine xmlns="" xmlns:a14="http://schemas.microsoft.com/office/drawing/2010/main" w="9525">
                   <a:solidFill>
                     <a:srgbClr val="000000"/>
                   </a:solidFill>
@@ -2715,7 +2716,7 @@
             </a:ln>
             <a:extLst>
               <a:ext uri="{91240B29-F687-4f45-9708-019B960494DF}">
-                <a14:hiddenLine xmlns:a14="http://schemas.microsoft.com/office/drawing/2010/main" xmlns="" w="9525">
+                <a14:hiddenLine xmlns="" xmlns:a14="http://schemas.microsoft.com/office/drawing/2010/main" w="9525">
                   <a:solidFill>
                     <a:srgbClr val="000000"/>
                   </a:solidFill>
@@ -2783,7 +2784,7 @@
             </a:ln>
             <a:extLst>
               <a:ext uri="{91240B29-F687-4f45-9708-019B960494DF}">
-                <a14:hiddenLine xmlns:a14="http://schemas.microsoft.com/office/drawing/2010/main" xmlns="" w="9525">
+                <a14:hiddenLine xmlns="" xmlns:a14="http://schemas.microsoft.com/office/drawing/2010/main" w="9525">
                   <a:solidFill>
                     <a:srgbClr val="000000"/>
                   </a:solidFill>
@@ -2873,7 +2874,7 @@
             </a:ln>
             <a:extLst>
               <a:ext uri="{91240B29-F687-4f45-9708-019B960494DF}">
-                <a14:hiddenLine xmlns:a14="http://schemas.microsoft.com/office/drawing/2010/main" xmlns="" w="9525">
+                <a14:hiddenLine xmlns="" xmlns:a14="http://schemas.microsoft.com/office/drawing/2010/main" w="9525">
                   <a:solidFill>
                     <a:srgbClr val="000000"/>
                   </a:solidFill>
@@ -2907,7 +2908,7 @@
             </a:ln>
             <a:extLst>
               <a:ext uri="{91240B29-F687-4f45-9708-019B960494DF}">
-                <a14:hiddenLine xmlns:a14="http://schemas.microsoft.com/office/drawing/2010/main" xmlns="" w="9525">
+                <a14:hiddenLine xmlns="" xmlns:a14="http://schemas.microsoft.com/office/drawing/2010/main" w="9525">
                   <a:solidFill>
                     <a:srgbClr val="000000"/>
                   </a:solidFill>
@@ -2997,7 +2998,7 @@
             </a:ln>
             <a:extLst>
               <a:ext uri="{91240B29-F687-4f45-9708-019B960494DF}">
-                <a14:hiddenLine xmlns:a14="http://schemas.microsoft.com/office/drawing/2010/main" xmlns="" w="9525">
+                <a14:hiddenLine xmlns="" xmlns:a14="http://schemas.microsoft.com/office/drawing/2010/main" w="9525">
                   <a:solidFill>
                     <a:srgbClr val="000000"/>
                   </a:solidFill>
@@ -3059,7 +3060,7 @@
             </a:ln>
             <a:extLst>
               <a:ext uri="{91240B29-F687-4f45-9708-019B960494DF}">
-                <a14:hiddenLine xmlns:a14="http://schemas.microsoft.com/office/drawing/2010/main" xmlns="" w="9525">
+                <a14:hiddenLine xmlns="" xmlns:a14="http://schemas.microsoft.com/office/drawing/2010/main" w="9525">
                   <a:solidFill>
                     <a:srgbClr val="000000"/>
                   </a:solidFill>
@@ -3121,7 +3122,7 @@
             </a:ln>
             <a:extLst>
               <a:ext uri="{91240B29-F687-4f45-9708-019B960494DF}">
-                <a14:hiddenLine xmlns:a14="http://schemas.microsoft.com/office/drawing/2010/main" xmlns="" w="9525">
+                <a14:hiddenLine xmlns="" xmlns:a14="http://schemas.microsoft.com/office/drawing/2010/main" w="9525">
                   <a:solidFill>
                     <a:srgbClr val="000000"/>
                   </a:solidFill>
@@ -3211,7 +3212,7 @@
             </a:ln>
             <a:extLst>
               <a:ext uri="{91240B29-F687-4f45-9708-019B960494DF}">
-                <a14:hiddenLine xmlns:a14="http://schemas.microsoft.com/office/drawing/2010/main" xmlns="" w="9525">
+                <a14:hiddenLine xmlns="" xmlns:a14="http://schemas.microsoft.com/office/drawing/2010/main" w="9525">
                   <a:solidFill>
                     <a:srgbClr val="000000"/>
                   </a:solidFill>
@@ -3279,7 +3280,7 @@
             </a:ln>
             <a:extLst>
               <a:ext uri="{91240B29-F687-4f45-9708-019B960494DF}">
-                <a14:hiddenLine xmlns:a14="http://schemas.microsoft.com/office/drawing/2010/main" xmlns="" w="9525">
+                <a14:hiddenLine xmlns="" xmlns:a14="http://schemas.microsoft.com/office/drawing/2010/main" w="9525">
                   <a:solidFill>
                     <a:srgbClr val="000000"/>
                   </a:solidFill>
@@ -3341,7 +3342,7 @@
             </a:ln>
             <a:extLst>
               <a:ext uri="{91240B29-F687-4f45-9708-019B960494DF}">
-                <a14:hiddenLine xmlns:a14="http://schemas.microsoft.com/office/drawing/2010/main" xmlns="" w="9525">
+                <a14:hiddenLine xmlns="" xmlns:a14="http://schemas.microsoft.com/office/drawing/2010/main" w="9525">
                   <a:solidFill>
                     <a:srgbClr val="000000"/>
                   </a:solidFill>
@@ -3431,7 +3432,7 @@
             </a:ln>
             <a:extLst>
               <a:ext uri="{91240B29-F687-4f45-9708-019B960494DF}">
-                <a14:hiddenLine xmlns:a14="http://schemas.microsoft.com/office/drawing/2010/main" xmlns="" w="9525">
+                <a14:hiddenLine xmlns="" xmlns:a14="http://schemas.microsoft.com/office/drawing/2010/main" w="9525">
                   <a:solidFill>
                     <a:srgbClr val="000000"/>
                   </a:solidFill>
@@ -3493,7 +3494,7 @@
             </a:ln>
             <a:extLst>
               <a:ext uri="{91240B29-F687-4f45-9708-019B960494DF}">
-                <a14:hiddenLine xmlns:a14="http://schemas.microsoft.com/office/drawing/2010/main" xmlns="" w="9525">
+                <a14:hiddenLine xmlns="" xmlns:a14="http://schemas.microsoft.com/office/drawing/2010/main" w="9525">
                   <a:solidFill>
                     <a:srgbClr val="000000"/>
                   </a:solidFill>
@@ -3583,7 +3584,7 @@
             </a:ln>
             <a:extLst>
               <a:ext uri="{91240B29-F687-4f45-9708-019B960494DF}">
-                <a14:hiddenLine xmlns:a14="http://schemas.microsoft.com/office/drawing/2010/main" xmlns="" w="9525">
+                <a14:hiddenLine xmlns="" xmlns:a14="http://schemas.microsoft.com/office/drawing/2010/main" w="9525">
                   <a:solidFill>
                     <a:srgbClr val="000000"/>
                   </a:solidFill>
@@ -3645,7 +3646,7 @@
             </a:ln>
             <a:extLst>
               <a:ext uri="{91240B29-F687-4f45-9708-019B960494DF}">
-                <a14:hiddenLine xmlns:a14="http://schemas.microsoft.com/office/drawing/2010/main" xmlns="" w="9525">
+                <a14:hiddenLine xmlns="" xmlns:a14="http://schemas.microsoft.com/office/drawing/2010/main" w="9525">
                   <a:solidFill>
                     <a:srgbClr val="000000"/>
                   </a:solidFill>
@@ -3735,7 +3736,7 @@
             </a:ln>
             <a:extLst>
               <a:ext uri="{91240B29-F687-4f45-9708-019B960494DF}">
-                <a14:hiddenLine xmlns:a14="http://schemas.microsoft.com/office/drawing/2010/main" xmlns="" w="9525">
+                <a14:hiddenLine xmlns="" xmlns:a14="http://schemas.microsoft.com/office/drawing/2010/main" w="9525">
                   <a:solidFill>
                     <a:srgbClr val="000000"/>
                   </a:solidFill>
@@ -3769,7 +3770,7 @@
             </a:ln>
             <a:extLst>
               <a:ext uri="{91240B29-F687-4f45-9708-019B960494DF}">
-                <a14:hiddenLine xmlns:a14="http://schemas.microsoft.com/office/drawing/2010/main" xmlns="" w="9525">
+                <a14:hiddenLine xmlns="" xmlns:a14="http://schemas.microsoft.com/office/drawing/2010/main" w="9525">
                   <a:solidFill>
                     <a:srgbClr val="000000"/>
                   </a:solidFill>
@@ -3834,7 +3835,7 @@
             </a:ln>
             <a:extLst>
               <a:ext uri="{91240B29-F687-4f45-9708-019B960494DF}">
-                <a14:hiddenLine xmlns:a14="http://schemas.microsoft.com/office/drawing/2010/main" xmlns="" w="9525">
+                <a14:hiddenLine xmlns="" xmlns:a14="http://schemas.microsoft.com/office/drawing/2010/main" w="9525">
                   <a:solidFill>
                     <a:srgbClr val="000000"/>
                   </a:solidFill>
@@ -3924,7 +3925,7 @@
             </a:ln>
             <a:extLst>
               <a:ext uri="{91240B29-F687-4f45-9708-019B960494DF}">
-                <a14:hiddenLine xmlns:a14="http://schemas.microsoft.com/office/drawing/2010/main" xmlns="" w="9525">
+                <a14:hiddenLine xmlns="" xmlns:a14="http://schemas.microsoft.com/office/drawing/2010/main" w="9525">
                   <a:solidFill>
                     <a:srgbClr val="000000"/>
                   </a:solidFill>
@@ -3986,7 +3987,7 @@
             </a:ln>
             <a:extLst>
               <a:ext uri="{91240B29-F687-4f45-9708-019B960494DF}">
-                <a14:hiddenLine xmlns:a14="http://schemas.microsoft.com/office/drawing/2010/main" xmlns="" w="9525">
+                <a14:hiddenLine xmlns="" xmlns:a14="http://schemas.microsoft.com/office/drawing/2010/main" w="9525">
                   <a:solidFill>
                     <a:srgbClr val="000000"/>
                   </a:solidFill>
@@ -4076,7 +4077,7 @@
             </a:ln>
             <a:extLst>
               <a:ext uri="{91240B29-F687-4f45-9708-019B960494DF}">
-                <a14:hiddenLine xmlns:a14="http://schemas.microsoft.com/office/drawing/2010/main" xmlns="" w="9525">
+                <a14:hiddenLine xmlns="" xmlns:a14="http://schemas.microsoft.com/office/drawing/2010/main" w="9525">
                   <a:solidFill>
                     <a:srgbClr val="000000"/>
                   </a:solidFill>
@@ -4166,7 +4167,7 @@
             </a:ln>
             <a:extLst>
               <a:ext uri="{91240B29-F687-4f45-9708-019B960494DF}">
-                <a14:hiddenLine xmlns:a14="http://schemas.microsoft.com/office/drawing/2010/main" xmlns="" w="9525">
+                <a14:hiddenLine xmlns="" xmlns:a14="http://schemas.microsoft.com/office/drawing/2010/main" w="9525">
                   <a:solidFill>
                     <a:srgbClr val="000000"/>
                   </a:solidFill>
@@ -4231,7 +4232,7 @@
             </a:ln>
             <a:extLst>
               <a:ext uri="{91240B29-F687-4f45-9708-019B960494DF}">
-                <a14:hiddenLine xmlns:a14="http://schemas.microsoft.com/office/drawing/2010/main" xmlns="" w="9525">
+                <a14:hiddenLine xmlns="" xmlns:a14="http://schemas.microsoft.com/office/drawing/2010/main" w="9525">
                   <a:solidFill>
                     <a:srgbClr val="000000"/>
                   </a:solidFill>
@@ -4293,7 +4294,7 @@
             </a:ln>
             <a:extLst>
               <a:ext uri="{91240B29-F687-4f45-9708-019B960494DF}">
-                <a14:hiddenLine xmlns:a14="http://schemas.microsoft.com/office/drawing/2010/main" xmlns="" w="9525">
+                <a14:hiddenLine xmlns="" xmlns:a14="http://schemas.microsoft.com/office/drawing/2010/main" w="9525">
                   <a:solidFill>
                     <a:srgbClr val="000000"/>
                   </a:solidFill>
@@ -4383,7 +4384,7 @@
             </a:ln>
             <a:extLst>
               <a:ext uri="{91240B29-F687-4f45-9708-019B960494DF}">
-                <a14:hiddenLine xmlns:a14="http://schemas.microsoft.com/office/drawing/2010/main" xmlns="" w="9525">
+                <a14:hiddenLine xmlns="" xmlns:a14="http://schemas.microsoft.com/office/drawing/2010/main" w="9525">
                   <a:solidFill>
                     <a:srgbClr val="000000"/>
                   </a:solidFill>
@@ -4473,7 +4474,7 @@
             </a:ln>
             <a:extLst>
               <a:ext uri="{91240B29-F687-4f45-9708-019B960494DF}">
-                <a14:hiddenLine xmlns:a14="http://schemas.microsoft.com/office/drawing/2010/main" xmlns="" w="9525">
+                <a14:hiddenLine xmlns="" xmlns:a14="http://schemas.microsoft.com/office/drawing/2010/main" w="9525">
                   <a:solidFill>
                     <a:srgbClr val="000000"/>
                   </a:solidFill>
@@ -4535,7 +4536,7 @@
             </a:ln>
             <a:extLst>
               <a:ext uri="{91240B29-F687-4f45-9708-019B960494DF}">
-                <a14:hiddenLine xmlns:a14="http://schemas.microsoft.com/office/drawing/2010/main" xmlns="" w="9525">
+                <a14:hiddenLine xmlns="" xmlns:a14="http://schemas.microsoft.com/office/drawing/2010/main" w="9525">
                   <a:solidFill>
                     <a:srgbClr val="000000"/>
                   </a:solidFill>
@@ -4655,7 +4656,7 @@
             </a:ln>
             <a:extLst>
               <a:ext uri="{91240B29-F687-4f45-9708-019B960494DF}">
-                <a14:hiddenLine xmlns:a14="http://schemas.microsoft.com/office/drawing/2010/main" xmlns="" w="9525">
+                <a14:hiddenLine xmlns="" xmlns:a14="http://schemas.microsoft.com/office/drawing/2010/main" w="9525">
                   <a:solidFill>
                     <a:srgbClr val="000000"/>
                   </a:solidFill>
@@ -4723,7 +4724,7 @@
             </a:ln>
             <a:extLst>
               <a:ext uri="{91240B29-F687-4f45-9708-019B960494DF}">
-                <a14:hiddenLine xmlns:a14="http://schemas.microsoft.com/office/drawing/2010/main" xmlns="" w="9525">
+                <a14:hiddenLine xmlns="" xmlns:a14="http://schemas.microsoft.com/office/drawing/2010/main" w="9525">
                   <a:solidFill>
                     <a:srgbClr val="000000"/>
                   </a:solidFill>
@@ -4813,7 +4814,7 @@
             </a:ln>
             <a:extLst>
               <a:ext uri="{91240B29-F687-4f45-9708-019B960494DF}">
-                <a14:hiddenLine xmlns:a14="http://schemas.microsoft.com/office/drawing/2010/main" xmlns="" w="9525">
+                <a14:hiddenLine xmlns="" xmlns:a14="http://schemas.microsoft.com/office/drawing/2010/main" w="9525">
                   <a:solidFill>
                     <a:srgbClr val="000000"/>
                   </a:solidFill>
@@ -4953,7 +4954,7 @@
           <a:p>
             <a:fld id="{EC4347D3-4C9A-C240-8F14-750059DFEEB0}" type="datetimeFigureOut">
               <a:rPr lang="en-US" smtClean="0"/>
-              <a:t>8/21/23</a:t>
+              <a:t>8/22/23</a:t>
             </a:fld>
             <a:endParaRPr lang="en-US"/>
           </a:p>
@@ -5220,7 +5221,7 @@
           <a:p>
             <a:fld id="{EC4347D3-4C9A-C240-8F14-750059DFEEB0}" type="datetimeFigureOut">
               <a:rPr lang="en-US" smtClean="0"/>
-              <a:t>8/21/23</a:t>
+              <a:t>8/22/23</a:t>
             </a:fld>
             <a:endParaRPr lang="en-US"/>
           </a:p>
@@ -5416,7 +5417,7 @@
           <a:p>
             <a:fld id="{EC4347D3-4C9A-C240-8F14-750059DFEEB0}" type="datetimeFigureOut">
               <a:rPr lang="en-US" smtClean="0"/>
-              <a:t>8/21/23</a:t>
+              <a:t>8/22/23</a:t>
             </a:fld>
             <a:endParaRPr lang="en-US"/>
           </a:p>
@@ -5679,7 +5680,7 @@
           <a:p>
             <a:fld id="{EC4347D3-4C9A-C240-8F14-750059DFEEB0}" type="datetimeFigureOut">
               <a:rPr lang="en-US" smtClean="0"/>
-              <a:t>8/21/23</a:t>
+              <a:t>8/22/23</a:t>
             </a:fld>
             <a:endParaRPr lang="en-US"/>
           </a:p>
@@ -6113,7 +6114,7 @@
           <a:p>
             <a:fld id="{EC4347D3-4C9A-C240-8F14-750059DFEEB0}" type="datetimeFigureOut">
               <a:rPr lang="en-US" smtClean="0"/>
-              <a:t>8/21/23</a:t>
+              <a:t>8/22/23</a:t>
             </a:fld>
             <a:endParaRPr lang="en-US"/>
           </a:p>
@@ -6659,7 +6660,7 @@
           <a:p>
             <a:fld id="{EC4347D3-4C9A-C240-8F14-750059DFEEB0}" type="datetimeFigureOut">
               <a:rPr lang="en-US" smtClean="0"/>
-              <a:t>8/21/23</a:t>
+              <a:t>8/22/23</a:t>
             </a:fld>
             <a:endParaRPr lang="en-US"/>
           </a:p>
@@ -7379,7 +7380,7 @@
           <a:p>
             <a:fld id="{EC4347D3-4C9A-C240-8F14-750059DFEEB0}" type="datetimeFigureOut">
               <a:rPr lang="en-US" smtClean="0"/>
-              <a:t>8/21/23</a:t>
+              <a:t>8/22/23</a:t>
             </a:fld>
             <a:endParaRPr lang="en-US"/>
           </a:p>
@@ -7549,7 +7550,7 @@
           <a:p>
             <a:fld id="{EC4347D3-4C9A-C240-8F14-750059DFEEB0}" type="datetimeFigureOut">
               <a:rPr lang="en-US" smtClean="0"/>
-              <a:t>8/21/23</a:t>
+              <a:t>8/22/23</a:t>
             </a:fld>
             <a:endParaRPr lang="en-US"/>
           </a:p>
@@ -7729,7 +7730,7 @@
           <a:p>
             <a:fld id="{EC4347D3-4C9A-C240-8F14-750059DFEEB0}" type="datetimeFigureOut">
               <a:rPr lang="en-US" smtClean="0"/>
-              <a:t>8/21/23</a:t>
+              <a:t>8/22/23</a:t>
             </a:fld>
             <a:endParaRPr lang="en-US"/>
           </a:p>
@@ -7899,7 +7900,7 @@
           <a:p>
             <a:fld id="{EC4347D3-4C9A-C240-8F14-750059DFEEB0}" type="datetimeFigureOut">
               <a:rPr lang="en-US" smtClean="0"/>
-              <a:t>8/21/23</a:t>
+              <a:t>8/22/23</a:t>
             </a:fld>
             <a:endParaRPr lang="en-US"/>
           </a:p>
@@ -8149,7 +8150,7 @@
           <a:p>
             <a:fld id="{EC4347D3-4C9A-C240-8F14-750059DFEEB0}" type="datetimeFigureOut">
               <a:rPr lang="en-US" smtClean="0"/>
-              <a:t>8/21/23</a:t>
+              <a:t>8/22/23</a:t>
             </a:fld>
             <a:endParaRPr lang="en-US"/>
           </a:p>
@@ -8381,7 +8382,7 @@
           <a:p>
             <a:fld id="{EC4347D3-4C9A-C240-8F14-750059DFEEB0}" type="datetimeFigureOut">
               <a:rPr lang="en-US" smtClean="0"/>
-              <a:t>8/21/23</a:t>
+              <a:t>8/22/23</a:t>
             </a:fld>
             <a:endParaRPr lang="en-US"/>
           </a:p>
@@ -8767,7 +8768,7 @@
           <a:p>
             <a:fld id="{EC4347D3-4C9A-C240-8F14-750059DFEEB0}" type="datetimeFigureOut">
               <a:rPr lang="en-US" smtClean="0"/>
-              <a:t>8/21/23</a:t>
+              <a:t>8/22/23</a:t>
             </a:fld>
             <a:endParaRPr lang="en-US"/>
           </a:p>
@@ -8890,7 +8891,7 @@
           <a:p>
             <a:fld id="{EC4347D3-4C9A-C240-8F14-750059DFEEB0}" type="datetimeFigureOut">
               <a:rPr lang="en-US" smtClean="0"/>
-              <a:t>8/21/23</a:t>
+              <a:t>8/22/23</a:t>
             </a:fld>
             <a:endParaRPr lang="en-US"/>
           </a:p>
@@ -8985,7 +8986,7 @@
           <a:p>
             <a:fld id="{EC4347D3-4C9A-C240-8F14-750059DFEEB0}" type="datetimeFigureOut">
               <a:rPr lang="en-US" smtClean="0"/>
-              <a:t>8/21/23</a:t>
+              <a:t>8/22/23</a:t>
             </a:fld>
             <a:endParaRPr lang="en-US"/>
           </a:p>
@@ -9234,7 +9235,7 @@
           <a:p>
             <a:fld id="{EC4347D3-4C9A-C240-8F14-750059DFEEB0}" type="datetimeFigureOut">
               <a:rPr lang="en-US" smtClean="0"/>
-              <a:t>8/21/23</a:t>
+              <a:t>8/22/23</a:t>
             </a:fld>
             <a:endParaRPr lang="en-US"/>
           </a:p>
@@ -9519,7 +9520,7 @@
           <a:p>
             <a:fld id="{EC4347D3-4C9A-C240-8F14-750059DFEEB0}" type="datetimeFigureOut">
               <a:rPr lang="en-US" smtClean="0"/>
-              <a:t>8/21/23</a:t>
+              <a:t>8/22/23</a:t>
             </a:fld>
             <a:endParaRPr lang="en-US"/>
           </a:p>
@@ -9642,7 +9643,7 @@
           <a:noFill/>
           <a:extLst>
             <a:ext uri="{909E8E84-426E-40dd-AFC4-6F175D3DCCD1}">
-              <a14:hiddenFill xmlns:a14="http://schemas.microsoft.com/office/drawing/2010/main" xmlns="">
+              <a14:hiddenFill xmlns="" xmlns:a14="http://schemas.microsoft.com/office/drawing/2010/main">
                 <a:solidFill>
                   <a:srgbClr val="FFFFFF"/>
                 </a:solidFill>
@@ -9716,7 +9717,7 @@
               </a:ln>
               <a:extLst>
                 <a:ext uri="{91240B29-F687-4f45-9708-019B960494DF}">
-                  <a14:hiddenLine xmlns:a14="http://schemas.microsoft.com/office/drawing/2010/main" xmlns="" w="9525">
+                  <a14:hiddenLine xmlns="" xmlns:a14="http://schemas.microsoft.com/office/drawing/2010/main" w="9525">
                     <a:solidFill>
                       <a:srgbClr val="000000"/>
                     </a:solidFill>
@@ -9806,7 +9807,7 @@
               </a:ln>
               <a:extLst>
                 <a:ext uri="{91240B29-F687-4f45-9708-019B960494DF}">
-                  <a14:hiddenLine xmlns:a14="http://schemas.microsoft.com/office/drawing/2010/main" xmlns="" w="9525">
+                  <a14:hiddenLine xmlns="" xmlns:a14="http://schemas.microsoft.com/office/drawing/2010/main" w="9525">
                     <a:solidFill>
                       <a:srgbClr val="000000"/>
                     </a:solidFill>
@@ -9896,7 +9897,7 @@
               </a:ln>
               <a:extLst>
                 <a:ext uri="{91240B29-F687-4f45-9708-019B960494DF}">
-                  <a14:hiddenLine xmlns:a14="http://schemas.microsoft.com/office/drawing/2010/main" xmlns="" w="9525">
+                  <a14:hiddenLine xmlns="" xmlns:a14="http://schemas.microsoft.com/office/drawing/2010/main" w="9525">
                     <a:solidFill>
                       <a:srgbClr val="000000"/>
                     </a:solidFill>
@@ -9958,7 +9959,7 @@
               </a:ln>
               <a:extLst>
                 <a:ext uri="{91240B29-F687-4f45-9708-019B960494DF}">
-                  <a14:hiddenLine xmlns:a14="http://schemas.microsoft.com/office/drawing/2010/main" xmlns="" w="9525">
+                  <a14:hiddenLine xmlns="" xmlns:a14="http://schemas.microsoft.com/office/drawing/2010/main" w="9525">
                     <a:solidFill>
                       <a:srgbClr val="000000"/>
                     </a:solidFill>
@@ -10048,7 +10049,7 @@
               </a:ln>
               <a:extLst>
                 <a:ext uri="{91240B29-F687-4f45-9708-019B960494DF}">
-                  <a14:hiddenLine xmlns:a14="http://schemas.microsoft.com/office/drawing/2010/main" xmlns="" w="9525">
+                  <a14:hiddenLine xmlns="" xmlns:a14="http://schemas.microsoft.com/office/drawing/2010/main" w="9525">
                     <a:solidFill>
                       <a:srgbClr val="000000"/>
                     </a:solidFill>
@@ -10110,7 +10111,7 @@
               </a:ln>
               <a:extLst>
                 <a:ext uri="{91240B29-F687-4f45-9708-019B960494DF}">
-                  <a14:hiddenLine xmlns:a14="http://schemas.microsoft.com/office/drawing/2010/main" xmlns="" w="9525">
+                  <a14:hiddenLine xmlns="" xmlns:a14="http://schemas.microsoft.com/office/drawing/2010/main" w="9525">
                     <a:solidFill>
                       <a:srgbClr val="000000"/>
                     </a:solidFill>
@@ -10172,7 +10173,7 @@
               </a:ln>
               <a:extLst>
                 <a:ext uri="{91240B29-F687-4f45-9708-019B960494DF}">
-                  <a14:hiddenLine xmlns:a14="http://schemas.microsoft.com/office/drawing/2010/main" xmlns="" w="9525">
+                  <a14:hiddenLine xmlns="" xmlns:a14="http://schemas.microsoft.com/office/drawing/2010/main" w="9525">
                     <a:solidFill>
                       <a:srgbClr val="000000"/>
                     </a:solidFill>
@@ -10262,7 +10263,7 @@
               </a:ln>
               <a:extLst>
                 <a:ext uri="{91240B29-F687-4f45-9708-019B960494DF}">
-                  <a14:hiddenLine xmlns:a14="http://schemas.microsoft.com/office/drawing/2010/main" xmlns="" w="9525">
+                  <a14:hiddenLine xmlns="" xmlns:a14="http://schemas.microsoft.com/office/drawing/2010/main" w="9525">
                     <a:solidFill>
                       <a:srgbClr val="000000"/>
                     </a:solidFill>
@@ -10352,7 +10353,7 @@
               </a:ln>
               <a:extLst>
                 <a:ext uri="{91240B29-F687-4f45-9708-019B960494DF}">
-                  <a14:hiddenLine xmlns:a14="http://schemas.microsoft.com/office/drawing/2010/main" xmlns="" w="9525">
+                  <a14:hiddenLine xmlns="" xmlns:a14="http://schemas.microsoft.com/office/drawing/2010/main" w="9525">
                     <a:solidFill>
                       <a:srgbClr val="000000"/>
                     </a:solidFill>
@@ -10414,7 +10415,7 @@
               </a:ln>
               <a:extLst>
                 <a:ext uri="{91240B29-F687-4f45-9708-019B960494DF}">
-                  <a14:hiddenLine xmlns:a14="http://schemas.microsoft.com/office/drawing/2010/main" xmlns="" w="9525">
+                  <a14:hiddenLine xmlns="" xmlns:a14="http://schemas.microsoft.com/office/drawing/2010/main" w="9525">
                     <a:solidFill>
                       <a:srgbClr val="000000"/>
                     </a:solidFill>
@@ -10524,7 +10525,7 @@
               </a:ln>
               <a:extLst>
                 <a:ext uri="{91240B29-F687-4f45-9708-019B960494DF}">
-                  <a14:hiddenLine xmlns:a14="http://schemas.microsoft.com/office/drawing/2010/main" xmlns="" w="9525">
+                  <a14:hiddenLine xmlns="" xmlns:a14="http://schemas.microsoft.com/office/drawing/2010/main" w="9525">
                     <a:solidFill>
                       <a:srgbClr val="000000"/>
                     </a:solidFill>
@@ -10608,7 +10609,7 @@
               </a:ln>
               <a:extLst>
                 <a:ext uri="{91240B29-F687-4f45-9708-019B960494DF}">
-                  <a14:hiddenLine xmlns:a14="http://schemas.microsoft.com/office/drawing/2010/main" xmlns="" w="9525">
+                  <a14:hiddenLine xmlns="" xmlns:a14="http://schemas.microsoft.com/office/drawing/2010/main" w="9525">
                     <a:solidFill>
                       <a:srgbClr val="000000"/>
                     </a:solidFill>
@@ -10670,7 +10671,7 @@
               </a:ln>
               <a:extLst>
                 <a:ext uri="{91240B29-F687-4f45-9708-019B960494DF}">
-                  <a14:hiddenLine xmlns:a14="http://schemas.microsoft.com/office/drawing/2010/main" xmlns="" w="9525">
+                  <a14:hiddenLine xmlns="" xmlns:a14="http://schemas.microsoft.com/office/drawing/2010/main" w="9525">
                     <a:solidFill>
                       <a:srgbClr val="000000"/>
                     </a:solidFill>
@@ -10732,7 +10733,7 @@
               </a:ln>
               <a:extLst>
                 <a:ext uri="{91240B29-F687-4f45-9708-019B960494DF}">
-                  <a14:hiddenLine xmlns:a14="http://schemas.microsoft.com/office/drawing/2010/main" xmlns="" w="9525">
+                  <a14:hiddenLine xmlns="" xmlns:a14="http://schemas.microsoft.com/office/drawing/2010/main" w="9525">
                     <a:solidFill>
                       <a:srgbClr val="000000"/>
                     </a:solidFill>
@@ -10822,7 +10823,7 @@
               </a:ln>
               <a:extLst>
                 <a:ext uri="{91240B29-F687-4f45-9708-019B960494DF}">
-                  <a14:hiddenLine xmlns:a14="http://schemas.microsoft.com/office/drawing/2010/main" xmlns="" w="9525">
+                  <a14:hiddenLine xmlns="" xmlns:a14="http://schemas.microsoft.com/office/drawing/2010/main" w="9525">
                     <a:solidFill>
                       <a:srgbClr val="000000"/>
                     </a:solidFill>
@@ -10856,7 +10857,7 @@
               </a:ln>
               <a:extLst>
                 <a:ext uri="{91240B29-F687-4f45-9708-019B960494DF}">
-                  <a14:hiddenLine xmlns:a14="http://schemas.microsoft.com/office/drawing/2010/main" xmlns="" w="9525">
+                  <a14:hiddenLine xmlns="" xmlns:a14="http://schemas.microsoft.com/office/drawing/2010/main" w="9525">
                     <a:solidFill>
                       <a:srgbClr val="000000"/>
                     </a:solidFill>
@@ -10921,7 +10922,7 @@
               </a:ln>
               <a:extLst>
                 <a:ext uri="{91240B29-F687-4f45-9708-019B960494DF}">
-                  <a14:hiddenLine xmlns:a14="http://schemas.microsoft.com/office/drawing/2010/main" xmlns="" w="9525">
+                  <a14:hiddenLine xmlns="" xmlns:a14="http://schemas.microsoft.com/office/drawing/2010/main" w="9525">
                     <a:solidFill>
                       <a:srgbClr val="000000"/>
                     </a:solidFill>
@@ -11011,7 +11012,7 @@
               </a:ln>
               <a:extLst>
                 <a:ext uri="{91240B29-F687-4f45-9708-019B960494DF}">
-                  <a14:hiddenLine xmlns:a14="http://schemas.microsoft.com/office/drawing/2010/main" xmlns="" w="9525">
+                  <a14:hiddenLine xmlns="" xmlns:a14="http://schemas.microsoft.com/office/drawing/2010/main" w="9525">
                     <a:solidFill>
                       <a:srgbClr val="000000"/>
                     </a:solidFill>
@@ -11073,7 +11074,7 @@
               </a:ln>
               <a:extLst>
                 <a:ext uri="{91240B29-F687-4f45-9708-019B960494DF}">
-                  <a14:hiddenLine xmlns:a14="http://schemas.microsoft.com/office/drawing/2010/main" xmlns="" w="9525">
+                  <a14:hiddenLine xmlns="" xmlns:a14="http://schemas.microsoft.com/office/drawing/2010/main" w="9525">
                     <a:solidFill>
                       <a:srgbClr val="000000"/>
                     </a:solidFill>
@@ -11163,7 +11164,7 @@
               </a:ln>
               <a:extLst>
                 <a:ext uri="{91240B29-F687-4f45-9708-019B960494DF}">
-                  <a14:hiddenLine xmlns:a14="http://schemas.microsoft.com/office/drawing/2010/main" xmlns="" w="9525">
+                  <a14:hiddenLine xmlns="" xmlns:a14="http://schemas.microsoft.com/office/drawing/2010/main" w="9525">
                     <a:solidFill>
                       <a:srgbClr val="000000"/>
                     </a:solidFill>
@@ -11228,7 +11229,7 @@
               </a:ln>
               <a:extLst>
                 <a:ext uri="{91240B29-F687-4f45-9708-019B960494DF}">
-                  <a14:hiddenLine xmlns:a14="http://schemas.microsoft.com/office/drawing/2010/main" xmlns="" w="9525">
+                  <a14:hiddenLine xmlns="" xmlns:a14="http://schemas.microsoft.com/office/drawing/2010/main" w="9525">
                     <a:solidFill>
                       <a:srgbClr val="000000"/>
                     </a:solidFill>
@@ -11290,7 +11291,7 @@
               </a:ln>
               <a:extLst>
                 <a:ext uri="{91240B29-F687-4f45-9708-019B960494DF}">
-                  <a14:hiddenLine xmlns:a14="http://schemas.microsoft.com/office/drawing/2010/main" xmlns="" w="9525">
+                  <a14:hiddenLine xmlns="" xmlns:a14="http://schemas.microsoft.com/office/drawing/2010/main" w="9525">
                     <a:solidFill>
                       <a:srgbClr val="000000"/>
                     </a:solidFill>
@@ -11380,7 +11381,7 @@
               </a:ln>
               <a:extLst>
                 <a:ext uri="{91240B29-F687-4f45-9708-019B960494DF}">
-                  <a14:hiddenLine xmlns:a14="http://schemas.microsoft.com/office/drawing/2010/main" xmlns="" w="9525">
+                  <a14:hiddenLine xmlns="" xmlns:a14="http://schemas.microsoft.com/office/drawing/2010/main" w="9525">
                     <a:solidFill>
                       <a:srgbClr val="000000"/>
                     </a:solidFill>
@@ -11470,7 +11471,7 @@
               </a:ln>
               <a:extLst>
                 <a:ext uri="{91240B29-F687-4f45-9708-019B960494DF}">
-                  <a14:hiddenLine xmlns:a14="http://schemas.microsoft.com/office/drawing/2010/main" xmlns="" w="9525">
+                  <a14:hiddenLine xmlns="" xmlns:a14="http://schemas.microsoft.com/office/drawing/2010/main" w="9525">
                     <a:solidFill>
                       <a:srgbClr val="000000"/>
                     </a:solidFill>
@@ -11535,7 +11536,7 @@
               </a:ln>
               <a:extLst>
                 <a:ext uri="{91240B29-F687-4f45-9708-019B960494DF}">
-                  <a14:hiddenLine xmlns:a14="http://schemas.microsoft.com/office/drawing/2010/main" xmlns="" w="9525">
+                  <a14:hiddenLine xmlns="" xmlns:a14="http://schemas.microsoft.com/office/drawing/2010/main" w="9525">
                     <a:solidFill>
                       <a:srgbClr val="000000"/>
                     </a:solidFill>
@@ -11655,7 +11656,7 @@
               </a:ln>
               <a:extLst>
                 <a:ext uri="{91240B29-F687-4f45-9708-019B960494DF}">
-                  <a14:hiddenLine xmlns:a14="http://schemas.microsoft.com/office/drawing/2010/main" xmlns="" w="9525">
+                  <a14:hiddenLine xmlns="" xmlns:a14="http://schemas.microsoft.com/office/drawing/2010/main" w="9525">
                     <a:solidFill>
                       <a:srgbClr val="000000"/>
                     </a:solidFill>
@@ -11736,7 +11737,7 @@
               </a:ln>
               <a:extLst>
                 <a:ext uri="{91240B29-F687-4f45-9708-019B960494DF}">
-                  <a14:hiddenLine xmlns:a14="http://schemas.microsoft.com/office/drawing/2010/main" xmlns="" w="9525">
+                  <a14:hiddenLine xmlns="" xmlns:a14="http://schemas.microsoft.com/office/drawing/2010/main" w="9525">
                     <a:solidFill>
                       <a:srgbClr val="000000"/>
                     </a:solidFill>
@@ -11851,7 +11852,7 @@
               </a:ln>
               <a:extLst>
                 <a:ext uri="{91240B29-F687-4f45-9708-019B960494DF}">
-                  <a14:hiddenLine xmlns:a14="http://schemas.microsoft.com/office/drawing/2010/main" xmlns="" w="9525">
+                  <a14:hiddenLine xmlns="" xmlns:a14="http://schemas.microsoft.com/office/drawing/2010/main" w="9525">
                     <a:solidFill>
                       <a:srgbClr val="000000"/>
                     </a:solidFill>
@@ -11941,7 +11942,7 @@
               </a:ln>
               <a:extLst>
                 <a:ext uri="{91240B29-F687-4f45-9708-019B960494DF}">
-                  <a14:hiddenLine xmlns:a14="http://schemas.microsoft.com/office/drawing/2010/main" xmlns="" w="9525">
+                  <a14:hiddenLine xmlns="" xmlns:a14="http://schemas.microsoft.com/office/drawing/2010/main" w="9525">
                     <a:solidFill>
                       <a:srgbClr val="000000"/>
                     </a:solidFill>
@@ -12006,7 +12007,7 @@
               </a:ln>
               <a:extLst>
                 <a:ext uri="{91240B29-F687-4f45-9708-019B960494DF}">
-                  <a14:hiddenLine xmlns:a14="http://schemas.microsoft.com/office/drawing/2010/main" xmlns="" w="9525">
+                  <a14:hiddenLine xmlns="" xmlns:a14="http://schemas.microsoft.com/office/drawing/2010/main" w="9525">
                     <a:solidFill>
                       <a:srgbClr val="000000"/>
                     </a:solidFill>
@@ -12096,7 +12097,7 @@
               </a:ln>
               <a:extLst>
                 <a:ext uri="{91240B29-F687-4f45-9708-019B960494DF}">
-                  <a14:hiddenLine xmlns:a14="http://schemas.microsoft.com/office/drawing/2010/main" xmlns="" w="9525">
+                  <a14:hiddenLine xmlns="" xmlns:a14="http://schemas.microsoft.com/office/drawing/2010/main" w="9525">
                     <a:solidFill>
                       <a:srgbClr val="000000"/>
                     </a:solidFill>
@@ -12164,7 +12165,7 @@
               </a:ln>
               <a:extLst>
                 <a:ext uri="{91240B29-F687-4f45-9708-019B960494DF}">
-                  <a14:hiddenLine xmlns:a14="http://schemas.microsoft.com/office/drawing/2010/main" xmlns="" w="9525">
+                  <a14:hiddenLine xmlns="" xmlns:a14="http://schemas.microsoft.com/office/drawing/2010/main" w="9525">
                     <a:solidFill>
                       <a:srgbClr val="000000"/>
                     </a:solidFill>
@@ -12254,7 +12255,7 @@
               </a:ln>
               <a:extLst>
                 <a:ext uri="{91240B29-F687-4f45-9708-019B960494DF}">
-                  <a14:hiddenLine xmlns:a14="http://schemas.microsoft.com/office/drawing/2010/main" xmlns="" w="9525">
+                  <a14:hiddenLine xmlns="" xmlns:a14="http://schemas.microsoft.com/office/drawing/2010/main" w="9525">
                     <a:solidFill>
                       <a:srgbClr val="000000"/>
                     </a:solidFill>
@@ -12322,7 +12323,7 @@
               </a:ln>
               <a:extLst>
                 <a:ext uri="{91240B29-F687-4f45-9708-019B960494DF}">
-                  <a14:hiddenLine xmlns:a14="http://schemas.microsoft.com/office/drawing/2010/main" xmlns="" w="9525">
+                  <a14:hiddenLine xmlns="" xmlns:a14="http://schemas.microsoft.com/office/drawing/2010/main" w="9525">
                     <a:solidFill>
                       <a:srgbClr val="000000"/>
                     </a:solidFill>
@@ -12412,7 +12413,7 @@
               </a:ln>
               <a:extLst>
                 <a:ext uri="{91240B29-F687-4f45-9708-019B960494DF}">
-                  <a14:hiddenLine xmlns:a14="http://schemas.microsoft.com/office/drawing/2010/main" xmlns="" w="9525">
+                  <a14:hiddenLine xmlns="" xmlns:a14="http://schemas.microsoft.com/office/drawing/2010/main" w="9525">
                     <a:solidFill>
                       <a:srgbClr val="000000"/>
                     </a:solidFill>
@@ -12446,7 +12447,7 @@
               </a:ln>
               <a:extLst>
                 <a:ext uri="{91240B29-F687-4f45-9708-019B960494DF}">
-                  <a14:hiddenLine xmlns:a14="http://schemas.microsoft.com/office/drawing/2010/main" xmlns="" w="9525">
+                  <a14:hiddenLine xmlns="" xmlns:a14="http://schemas.microsoft.com/office/drawing/2010/main" w="9525">
                     <a:solidFill>
                       <a:srgbClr val="000000"/>
                     </a:solidFill>
@@ -12586,7 +12587,7 @@
           <a:p>
             <a:fld id="{EC4347D3-4C9A-C240-8F14-750059DFEEB0}" type="datetimeFigureOut">
               <a:rPr lang="en-US" smtClean="0"/>
-              <a:t>8/21/23</a:t>
+              <a:t>8/22/23</a:t>
             </a:fld>
             <a:endParaRPr lang="en-US"/>
           </a:p>
@@ -14043,12 +14044,9 @@
             </a:r>
             <a:r>
               <a:rPr lang="en-US" dirty="0" err="1"/>
-              <a:t>Cormen</a:t>
-            </a:r>
-            <a:r>
-              <a:rPr lang="en-US" dirty="0"/>
-              <a:t>, et. al. (CLRS)</a:t>
-            </a:r>
+              <a:t>Sipser</a:t>
+            </a:r>
+            <a:endParaRPr lang="en-US" dirty="0"/>
           </a:p>
           <a:p>
             <a:pPr lvl="1" algn="l" fontAlgn="auto">
@@ -17254,6 +17252,117 @@
     <p:extLst>
       <p:ext uri="{BB962C8B-B14F-4D97-AF65-F5344CB8AC3E}">
         <p14:creationId xmlns:p14="http://schemas.microsoft.com/office/powerpoint/2010/main" val="3749058203"/>
+      </p:ext>
+    </p:extLst>
+  </p:cSld>
+  <p:clrMapOvr>
+    <a:masterClrMapping/>
+  </p:clrMapOvr>
+</p:sld>
+</file>
+
+<file path=ppt/slides/slide30.xml><?xml version="1.0" encoding="utf-8"?>
+<p:sld xmlns:a="http://schemas.openxmlformats.org/drawingml/2006/main" xmlns:r="http://schemas.openxmlformats.org/officeDocument/2006/relationships" xmlns:p="http://schemas.openxmlformats.org/presentationml/2006/main">
+  <p:cSld>
+    <p:spTree>
+      <p:nvGrpSpPr>
+        <p:cNvPr id="1" name=""/>
+        <p:cNvGrpSpPr/>
+        <p:nvPr/>
+      </p:nvGrpSpPr>
+      <p:grpSpPr>
+        <a:xfrm>
+          <a:off x="0" y="0"/>
+          <a:ext cx="0" cy="0"/>
+          <a:chOff x="0" y="0"/>
+          <a:chExt cx="0" cy="0"/>
+        </a:xfrm>
+      </p:grpSpPr>
+      <p:sp>
+        <p:nvSpPr>
+          <p:cNvPr id="18434" name="Title 1"/>
+          <p:cNvSpPr>
+            <a:spLocks noGrp="1"/>
+          </p:cNvSpPr>
+          <p:nvPr>
+            <p:ph type="title"/>
+          </p:nvPr>
+        </p:nvSpPr>
+        <p:spPr>
+          <a:xfrm>
+            <a:off x="1141413" y="427600"/>
+            <a:ext cx="9905998" cy="823212"/>
+          </a:xfrm>
+        </p:spPr>
+        <p:txBody>
+          <a:bodyPr/>
+          <a:lstStyle/>
+          <a:p>
+            <a:pPr algn="ctr"/>
+            <a:r>
+              <a:rPr lang="en-US" dirty="0"/>
+              <a:t>I think that is all…</a:t>
+            </a:r>
+          </a:p>
+        </p:txBody>
+      </p:sp>
+      <p:sp>
+        <p:nvSpPr>
+          <p:cNvPr id="18435" name="Content Placeholder 2"/>
+          <p:cNvSpPr>
+            <a:spLocks noGrp="1"/>
+          </p:cNvSpPr>
+          <p:nvPr>
+            <p:ph idx="1"/>
+          </p:nvPr>
+        </p:nvSpPr>
+        <p:spPr>
+          <a:xfrm>
+            <a:off x="1305446" y="1441730"/>
+            <a:ext cx="9819754" cy="5035270"/>
+          </a:xfrm>
+        </p:spPr>
+        <p:txBody>
+          <a:bodyPr>
+            <a:normAutofit/>
+          </a:bodyPr>
+          <a:lstStyle/>
+          <a:p>
+            <a:r>
+              <a:rPr lang="en-US" dirty="0"/>
+              <a:t>Any questions…</a:t>
+            </a:r>
+          </a:p>
+        </p:txBody>
+      </p:sp>
+      <p:sp>
+        <p:nvSpPr>
+          <p:cNvPr id="4" name="Slide Number Placeholder 3"/>
+          <p:cNvSpPr>
+            <a:spLocks noGrp="1"/>
+          </p:cNvSpPr>
+          <p:nvPr>
+            <p:ph type="sldNum" sz="quarter" idx="12"/>
+          </p:nvPr>
+        </p:nvSpPr>
+        <p:spPr/>
+        <p:txBody>
+          <a:bodyPr/>
+          <a:lstStyle/>
+          <a:p>
+            <a:fld id="{F26D9103-0C5C-48AC-B68E-3ED2C1647047}" type="slidenum">
+              <a:rPr lang="en-US" smtClean="0"/>
+              <a:pPr/>
+              <a:t>30</a:t>
+            </a:fld>
+            <a:endParaRPr lang="en-US" dirty="0"/>
+          </a:p>
+        </p:txBody>
+      </p:sp>
+    </p:spTree>
+    <p:extLst>
+      <p:ext uri="{BB962C8B-B14F-4D97-AF65-F5344CB8AC3E}">
+        <p14:creationId xmlns:p14="http://schemas.microsoft.com/office/powerpoint/2010/main" val="755208883"/>
       </p:ext>
     </p:extLst>
   </p:cSld>

--- a/slides/00-CourseIntroduction.pptx
+++ b/slides/00-CourseIntroduction.pptx
@@ -226,7 +226,7 @@
           <a:p>
             <a:fld id="{C5B45307-6ED4-B142-BD64-10F739779302}" type="datetimeFigureOut">
               <a:rPr lang="en-US" smtClean="0"/>
-              <a:t>8/22/23</a:t>
+              <a:t>1/16/24</a:t>
             </a:fld>
             <a:endParaRPr lang="en-US"/>
           </a:p>
@@ -729,7 +729,7 @@
           <a:noFill/>
           <a:extLst>
             <a:ext uri="{909E8E84-426E-40dd-AFC4-6F175D3DCCD1}">
-              <a14:hiddenFill xmlns="" xmlns:a14="http://schemas.microsoft.com/office/drawing/2010/main">
+              <a14:hiddenFill xmlns:a14="http://schemas.microsoft.com/office/drawing/2010/main" xmlns="">
                 <a:solidFill>
                   <a:srgbClr val="FFFFFF"/>
                 </a:solidFill>
@@ -788,7 +788,7 @@
             </a:ln>
             <a:extLst>
               <a:ext uri="{91240B29-F687-4f45-9708-019B960494DF}">
-                <a14:hiddenLine xmlns="" xmlns:a14="http://schemas.microsoft.com/office/drawing/2010/main" w="9525">
+                <a14:hiddenLine xmlns:a14="http://schemas.microsoft.com/office/drawing/2010/main" xmlns="" w="9525">
                   <a:solidFill>
                     <a:srgbClr val="000000"/>
                   </a:solidFill>
@@ -878,7 +878,7 @@
             </a:ln>
             <a:extLst>
               <a:ext uri="{91240B29-F687-4f45-9708-019B960494DF}">
-                <a14:hiddenLine xmlns="" xmlns:a14="http://schemas.microsoft.com/office/drawing/2010/main" w="9525">
+                <a14:hiddenLine xmlns:a14="http://schemas.microsoft.com/office/drawing/2010/main" xmlns="" w="9525">
                   <a:solidFill>
                     <a:srgbClr val="000000"/>
                   </a:solidFill>
@@ -968,7 +968,7 @@
             </a:ln>
             <a:extLst>
               <a:ext uri="{91240B29-F687-4f45-9708-019B960494DF}">
-                <a14:hiddenLine xmlns="" xmlns:a14="http://schemas.microsoft.com/office/drawing/2010/main" w="9525">
+                <a14:hiddenLine xmlns:a14="http://schemas.microsoft.com/office/drawing/2010/main" xmlns="" w="9525">
                   <a:solidFill>
                     <a:srgbClr val="000000"/>
                   </a:solidFill>
@@ -1002,7 +1002,7 @@
             </a:ln>
             <a:extLst>
               <a:ext uri="{91240B29-F687-4f45-9708-019B960494DF}">
-                <a14:hiddenLine xmlns="" xmlns:a14="http://schemas.microsoft.com/office/drawing/2010/main" w="9525">
+                <a14:hiddenLine xmlns:a14="http://schemas.microsoft.com/office/drawing/2010/main" xmlns="" w="9525">
                   <a:solidFill>
                     <a:srgbClr val="000000"/>
                   </a:solidFill>
@@ -1092,7 +1092,7 @@
             </a:ln>
             <a:extLst>
               <a:ext uri="{91240B29-F687-4f45-9708-019B960494DF}">
-                <a14:hiddenLine xmlns="" xmlns:a14="http://schemas.microsoft.com/office/drawing/2010/main" w="9525">
+                <a14:hiddenLine xmlns:a14="http://schemas.microsoft.com/office/drawing/2010/main" xmlns="" w="9525">
                   <a:solidFill>
                     <a:srgbClr val="000000"/>
                   </a:solidFill>
@@ -1154,7 +1154,7 @@
             </a:ln>
             <a:extLst>
               <a:ext uri="{91240B29-F687-4f45-9708-019B960494DF}">
-                <a14:hiddenLine xmlns="" xmlns:a14="http://schemas.microsoft.com/office/drawing/2010/main" w="9525">
+                <a14:hiddenLine xmlns:a14="http://schemas.microsoft.com/office/drawing/2010/main" xmlns="" w="9525">
                   <a:solidFill>
                     <a:srgbClr val="000000"/>
                   </a:solidFill>
@@ -1216,7 +1216,7 @@
             </a:ln>
             <a:extLst>
               <a:ext uri="{91240B29-F687-4f45-9708-019B960494DF}">
-                <a14:hiddenLine xmlns="" xmlns:a14="http://schemas.microsoft.com/office/drawing/2010/main" w="9525">
+                <a14:hiddenLine xmlns:a14="http://schemas.microsoft.com/office/drawing/2010/main" xmlns="" w="9525">
                   <a:solidFill>
                     <a:srgbClr val="000000"/>
                   </a:solidFill>
@@ -1306,7 +1306,7 @@
             </a:ln>
             <a:extLst>
               <a:ext uri="{91240B29-F687-4f45-9708-019B960494DF}">
-                <a14:hiddenLine xmlns="" xmlns:a14="http://schemas.microsoft.com/office/drawing/2010/main" w="9525">
+                <a14:hiddenLine xmlns:a14="http://schemas.microsoft.com/office/drawing/2010/main" xmlns="" w="9525">
                   <a:solidFill>
                     <a:srgbClr val="000000"/>
                   </a:solidFill>
@@ -1368,7 +1368,7 @@
             </a:ln>
             <a:extLst>
               <a:ext uri="{91240B29-F687-4f45-9708-019B960494DF}">
-                <a14:hiddenLine xmlns="" xmlns:a14="http://schemas.microsoft.com/office/drawing/2010/main" w="9525">
+                <a14:hiddenLine xmlns:a14="http://schemas.microsoft.com/office/drawing/2010/main" xmlns="" w="9525">
                   <a:solidFill>
                     <a:srgbClr val="000000"/>
                   </a:solidFill>
@@ -1430,7 +1430,7 @@
             </a:ln>
             <a:extLst>
               <a:ext uri="{91240B29-F687-4f45-9708-019B960494DF}">
-                <a14:hiddenLine xmlns="" xmlns:a14="http://schemas.microsoft.com/office/drawing/2010/main" w="9525">
+                <a14:hiddenLine xmlns:a14="http://schemas.microsoft.com/office/drawing/2010/main" xmlns="" w="9525">
                   <a:solidFill>
                     <a:srgbClr val="000000"/>
                   </a:solidFill>
@@ -1520,7 +1520,7 @@
             </a:ln>
             <a:extLst>
               <a:ext uri="{91240B29-F687-4f45-9708-019B960494DF}">
-                <a14:hiddenLine xmlns="" xmlns:a14="http://schemas.microsoft.com/office/drawing/2010/main" w="9525">
+                <a14:hiddenLine xmlns:a14="http://schemas.microsoft.com/office/drawing/2010/main" xmlns="" w="9525">
                   <a:solidFill>
                     <a:srgbClr val="000000"/>
                   </a:solidFill>
@@ -1610,7 +1610,7 @@
             </a:ln>
             <a:extLst>
               <a:ext uri="{91240B29-F687-4f45-9708-019B960494DF}">
-                <a14:hiddenLine xmlns="" xmlns:a14="http://schemas.microsoft.com/office/drawing/2010/main" w="9525">
+                <a14:hiddenLine xmlns:a14="http://schemas.microsoft.com/office/drawing/2010/main" xmlns="" w="9525">
                   <a:solidFill>
                     <a:srgbClr val="000000"/>
                   </a:solidFill>
@@ -1672,7 +1672,7 @@
             </a:ln>
             <a:extLst>
               <a:ext uri="{91240B29-F687-4f45-9708-019B960494DF}">
-                <a14:hiddenLine xmlns="" xmlns:a14="http://schemas.microsoft.com/office/drawing/2010/main" w="9525">
+                <a14:hiddenLine xmlns:a14="http://schemas.microsoft.com/office/drawing/2010/main" xmlns="" w="9525">
                   <a:solidFill>
                     <a:srgbClr val="000000"/>
                   </a:solidFill>
@@ -1782,7 +1782,7 @@
             </a:ln>
             <a:extLst>
               <a:ext uri="{91240B29-F687-4f45-9708-019B960494DF}">
-                <a14:hiddenLine xmlns="" xmlns:a14="http://schemas.microsoft.com/office/drawing/2010/main" w="9525">
+                <a14:hiddenLine xmlns:a14="http://schemas.microsoft.com/office/drawing/2010/main" xmlns="" w="9525">
                   <a:solidFill>
                     <a:srgbClr val="000000"/>
                   </a:solidFill>
@@ -1844,7 +1844,7 @@
             </a:ln>
             <a:extLst>
               <a:ext uri="{91240B29-F687-4f45-9708-019B960494DF}">
-                <a14:hiddenLine xmlns="" xmlns:a14="http://schemas.microsoft.com/office/drawing/2010/main" w="9525">
+                <a14:hiddenLine xmlns:a14="http://schemas.microsoft.com/office/drawing/2010/main" xmlns="" w="9525">
                   <a:solidFill>
                     <a:srgbClr val="000000"/>
                   </a:solidFill>
@@ -1934,7 +1934,7 @@
             </a:ln>
             <a:extLst>
               <a:ext uri="{91240B29-F687-4f45-9708-019B960494DF}">
-                <a14:hiddenLine xmlns="" xmlns:a14="http://schemas.microsoft.com/office/drawing/2010/main" w="9525">
+                <a14:hiddenLine xmlns:a14="http://schemas.microsoft.com/office/drawing/2010/main" xmlns="" w="9525">
                   <a:solidFill>
                     <a:srgbClr val="000000"/>
                   </a:solidFill>
@@ -2024,7 +2024,7 @@
             </a:ln>
             <a:extLst>
               <a:ext uri="{91240B29-F687-4f45-9708-019B960494DF}">
-                <a14:hiddenLine xmlns="" xmlns:a14="http://schemas.microsoft.com/office/drawing/2010/main" w="9525">
+                <a14:hiddenLine xmlns:a14="http://schemas.microsoft.com/office/drawing/2010/main" xmlns="" w="9525">
                   <a:solidFill>
                     <a:srgbClr val="000000"/>
                   </a:solidFill>
@@ -2086,7 +2086,7 @@
             </a:ln>
             <a:extLst>
               <a:ext uri="{91240B29-F687-4f45-9708-019B960494DF}">
-                <a14:hiddenLine xmlns="" xmlns:a14="http://schemas.microsoft.com/office/drawing/2010/main" w="9525">
+                <a14:hiddenLine xmlns:a14="http://schemas.microsoft.com/office/drawing/2010/main" xmlns="" w="9525">
                   <a:solidFill>
                     <a:srgbClr val="000000"/>
                   </a:solidFill>
@@ -2176,7 +2176,7 @@
             </a:ln>
             <a:extLst>
               <a:ext uri="{91240B29-F687-4f45-9708-019B960494DF}">
-                <a14:hiddenLine xmlns="" xmlns:a14="http://schemas.microsoft.com/office/drawing/2010/main" w="9525">
+                <a14:hiddenLine xmlns:a14="http://schemas.microsoft.com/office/drawing/2010/main" xmlns="" w="9525">
                   <a:solidFill>
                     <a:srgbClr val="000000"/>
                   </a:solidFill>
@@ -2266,7 +2266,7 @@
             </a:ln>
             <a:extLst>
               <a:ext uri="{91240B29-F687-4f45-9708-019B960494DF}">
-                <a14:hiddenLine xmlns="" xmlns:a14="http://schemas.microsoft.com/office/drawing/2010/main" w="9525">
+                <a14:hiddenLine xmlns:a14="http://schemas.microsoft.com/office/drawing/2010/main" xmlns="" w="9525">
                   <a:solidFill>
                     <a:srgbClr val="000000"/>
                   </a:solidFill>
@@ -2322,7 +2322,7 @@
             </a:ln>
             <a:extLst>
               <a:ext uri="{91240B29-F687-4f45-9708-019B960494DF}">
-                <a14:hiddenLine xmlns="" xmlns:a14="http://schemas.microsoft.com/office/drawing/2010/main" w="9525">
+                <a14:hiddenLine xmlns:a14="http://schemas.microsoft.com/office/drawing/2010/main" xmlns="" w="9525">
                   <a:solidFill>
                     <a:srgbClr val="000000"/>
                   </a:solidFill>
@@ -2412,7 +2412,7 @@
             </a:ln>
             <a:extLst>
               <a:ext uri="{91240B29-F687-4f45-9708-019B960494DF}">
-                <a14:hiddenLine xmlns="" xmlns:a14="http://schemas.microsoft.com/office/drawing/2010/main" w="9525">
+                <a14:hiddenLine xmlns:a14="http://schemas.microsoft.com/office/drawing/2010/main" xmlns="" w="9525">
                   <a:solidFill>
                     <a:srgbClr val="000000"/>
                   </a:solidFill>
@@ -2468,7 +2468,7 @@
             </a:ln>
             <a:extLst>
               <a:ext uri="{91240B29-F687-4f45-9708-019B960494DF}">
-                <a14:hiddenLine xmlns="" xmlns:a14="http://schemas.microsoft.com/office/drawing/2010/main" w="9525">
+                <a14:hiddenLine xmlns:a14="http://schemas.microsoft.com/office/drawing/2010/main" xmlns="" w="9525">
                   <a:solidFill>
                     <a:srgbClr val="000000"/>
                   </a:solidFill>
@@ -2558,7 +2558,7 @@
             </a:ln>
             <a:extLst>
               <a:ext uri="{91240B29-F687-4f45-9708-019B960494DF}">
-                <a14:hiddenLine xmlns="" xmlns:a14="http://schemas.microsoft.com/office/drawing/2010/main" w="9525">
+                <a14:hiddenLine xmlns:a14="http://schemas.microsoft.com/office/drawing/2010/main" xmlns="" w="9525">
                   <a:solidFill>
                     <a:srgbClr val="000000"/>
                   </a:solidFill>
@@ -2626,7 +2626,7 @@
             </a:ln>
             <a:extLst>
               <a:ext uri="{91240B29-F687-4f45-9708-019B960494DF}">
-                <a14:hiddenLine xmlns="" xmlns:a14="http://schemas.microsoft.com/office/drawing/2010/main" w="9525">
+                <a14:hiddenLine xmlns:a14="http://schemas.microsoft.com/office/drawing/2010/main" xmlns="" w="9525">
                   <a:solidFill>
                     <a:srgbClr val="000000"/>
                   </a:solidFill>
@@ -2716,7 +2716,7 @@
             </a:ln>
             <a:extLst>
               <a:ext uri="{91240B29-F687-4f45-9708-019B960494DF}">
-                <a14:hiddenLine xmlns="" xmlns:a14="http://schemas.microsoft.com/office/drawing/2010/main" w="9525">
+                <a14:hiddenLine xmlns:a14="http://schemas.microsoft.com/office/drawing/2010/main" xmlns="" w="9525">
                   <a:solidFill>
                     <a:srgbClr val="000000"/>
                   </a:solidFill>
@@ -2784,7 +2784,7 @@
             </a:ln>
             <a:extLst>
               <a:ext uri="{91240B29-F687-4f45-9708-019B960494DF}">
-                <a14:hiddenLine xmlns="" xmlns:a14="http://schemas.microsoft.com/office/drawing/2010/main" w="9525">
+                <a14:hiddenLine xmlns:a14="http://schemas.microsoft.com/office/drawing/2010/main" xmlns="" w="9525">
                   <a:solidFill>
                     <a:srgbClr val="000000"/>
                   </a:solidFill>
@@ -2874,7 +2874,7 @@
             </a:ln>
             <a:extLst>
               <a:ext uri="{91240B29-F687-4f45-9708-019B960494DF}">
-                <a14:hiddenLine xmlns="" xmlns:a14="http://schemas.microsoft.com/office/drawing/2010/main" w="9525">
+                <a14:hiddenLine xmlns:a14="http://schemas.microsoft.com/office/drawing/2010/main" xmlns="" w="9525">
                   <a:solidFill>
                     <a:srgbClr val="000000"/>
                   </a:solidFill>
@@ -2908,7 +2908,7 @@
             </a:ln>
             <a:extLst>
               <a:ext uri="{91240B29-F687-4f45-9708-019B960494DF}">
-                <a14:hiddenLine xmlns="" xmlns:a14="http://schemas.microsoft.com/office/drawing/2010/main" w="9525">
+                <a14:hiddenLine xmlns:a14="http://schemas.microsoft.com/office/drawing/2010/main" xmlns="" w="9525">
                   <a:solidFill>
                     <a:srgbClr val="000000"/>
                   </a:solidFill>
@@ -2998,7 +2998,7 @@
             </a:ln>
             <a:extLst>
               <a:ext uri="{91240B29-F687-4f45-9708-019B960494DF}">
-                <a14:hiddenLine xmlns="" xmlns:a14="http://schemas.microsoft.com/office/drawing/2010/main" w="9525">
+                <a14:hiddenLine xmlns:a14="http://schemas.microsoft.com/office/drawing/2010/main" xmlns="" w="9525">
                   <a:solidFill>
                     <a:srgbClr val="000000"/>
                   </a:solidFill>
@@ -3060,7 +3060,7 @@
             </a:ln>
             <a:extLst>
               <a:ext uri="{91240B29-F687-4f45-9708-019B960494DF}">
-                <a14:hiddenLine xmlns="" xmlns:a14="http://schemas.microsoft.com/office/drawing/2010/main" w="9525">
+                <a14:hiddenLine xmlns:a14="http://schemas.microsoft.com/office/drawing/2010/main" xmlns="" w="9525">
                   <a:solidFill>
                     <a:srgbClr val="000000"/>
                   </a:solidFill>
@@ -3122,7 +3122,7 @@
             </a:ln>
             <a:extLst>
               <a:ext uri="{91240B29-F687-4f45-9708-019B960494DF}">
-                <a14:hiddenLine xmlns="" xmlns:a14="http://schemas.microsoft.com/office/drawing/2010/main" w="9525">
+                <a14:hiddenLine xmlns:a14="http://schemas.microsoft.com/office/drawing/2010/main" xmlns="" w="9525">
                   <a:solidFill>
                     <a:srgbClr val="000000"/>
                   </a:solidFill>
@@ -3212,7 +3212,7 @@
             </a:ln>
             <a:extLst>
               <a:ext uri="{91240B29-F687-4f45-9708-019B960494DF}">
-                <a14:hiddenLine xmlns="" xmlns:a14="http://schemas.microsoft.com/office/drawing/2010/main" w="9525">
+                <a14:hiddenLine xmlns:a14="http://schemas.microsoft.com/office/drawing/2010/main" xmlns="" w="9525">
                   <a:solidFill>
                     <a:srgbClr val="000000"/>
                   </a:solidFill>
@@ -3280,7 +3280,7 @@
             </a:ln>
             <a:extLst>
               <a:ext uri="{91240B29-F687-4f45-9708-019B960494DF}">
-                <a14:hiddenLine xmlns="" xmlns:a14="http://schemas.microsoft.com/office/drawing/2010/main" w="9525">
+                <a14:hiddenLine xmlns:a14="http://schemas.microsoft.com/office/drawing/2010/main" xmlns="" w="9525">
                   <a:solidFill>
                     <a:srgbClr val="000000"/>
                   </a:solidFill>
@@ -3342,7 +3342,7 @@
             </a:ln>
             <a:extLst>
               <a:ext uri="{91240B29-F687-4f45-9708-019B960494DF}">
-                <a14:hiddenLine xmlns="" xmlns:a14="http://schemas.microsoft.com/office/drawing/2010/main" w="9525">
+                <a14:hiddenLine xmlns:a14="http://schemas.microsoft.com/office/drawing/2010/main" xmlns="" w="9525">
                   <a:solidFill>
                     <a:srgbClr val="000000"/>
                   </a:solidFill>
@@ -3432,7 +3432,7 @@
             </a:ln>
             <a:extLst>
               <a:ext uri="{91240B29-F687-4f45-9708-019B960494DF}">
-                <a14:hiddenLine xmlns="" xmlns:a14="http://schemas.microsoft.com/office/drawing/2010/main" w="9525">
+                <a14:hiddenLine xmlns:a14="http://schemas.microsoft.com/office/drawing/2010/main" xmlns="" w="9525">
                   <a:solidFill>
                     <a:srgbClr val="000000"/>
                   </a:solidFill>
@@ -3494,7 +3494,7 @@
             </a:ln>
             <a:extLst>
               <a:ext uri="{91240B29-F687-4f45-9708-019B960494DF}">
-                <a14:hiddenLine xmlns="" xmlns:a14="http://schemas.microsoft.com/office/drawing/2010/main" w="9525">
+                <a14:hiddenLine xmlns:a14="http://schemas.microsoft.com/office/drawing/2010/main" xmlns="" w="9525">
                   <a:solidFill>
                     <a:srgbClr val="000000"/>
                   </a:solidFill>
@@ -3584,7 +3584,7 @@
             </a:ln>
             <a:extLst>
               <a:ext uri="{91240B29-F687-4f45-9708-019B960494DF}">
-                <a14:hiddenLine xmlns="" xmlns:a14="http://schemas.microsoft.com/office/drawing/2010/main" w="9525">
+                <a14:hiddenLine xmlns:a14="http://schemas.microsoft.com/office/drawing/2010/main" xmlns="" w="9525">
                   <a:solidFill>
                     <a:srgbClr val="000000"/>
                   </a:solidFill>
@@ -3646,7 +3646,7 @@
             </a:ln>
             <a:extLst>
               <a:ext uri="{91240B29-F687-4f45-9708-019B960494DF}">
-                <a14:hiddenLine xmlns="" xmlns:a14="http://schemas.microsoft.com/office/drawing/2010/main" w="9525">
+                <a14:hiddenLine xmlns:a14="http://schemas.microsoft.com/office/drawing/2010/main" xmlns="" w="9525">
                   <a:solidFill>
                     <a:srgbClr val="000000"/>
                   </a:solidFill>
@@ -3736,7 +3736,7 @@
             </a:ln>
             <a:extLst>
               <a:ext uri="{91240B29-F687-4f45-9708-019B960494DF}">
-                <a14:hiddenLine xmlns="" xmlns:a14="http://schemas.microsoft.com/office/drawing/2010/main" w="9525">
+                <a14:hiddenLine xmlns:a14="http://schemas.microsoft.com/office/drawing/2010/main" xmlns="" w="9525">
                   <a:solidFill>
                     <a:srgbClr val="000000"/>
                   </a:solidFill>
@@ -3770,7 +3770,7 @@
             </a:ln>
             <a:extLst>
               <a:ext uri="{91240B29-F687-4f45-9708-019B960494DF}">
-                <a14:hiddenLine xmlns="" xmlns:a14="http://schemas.microsoft.com/office/drawing/2010/main" w="9525">
+                <a14:hiddenLine xmlns:a14="http://schemas.microsoft.com/office/drawing/2010/main" xmlns="" w="9525">
                   <a:solidFill>
                     <a:srgbClr val="000000"/>
                   </a:solidFill>
@@ -3835,7 +3835,7 @@
             </a:ln>
             <a:extLst>
               <a:ext uri="{91240B29-F687-4f45-9708-019B960494DF}">
-                <a14:hiddenLine xmlns="" xmlns:a14="http://schemas.microsoft.com/office/drawing/2010/main" w="9525">
+                <a14:hiddenLine xmlns:a14="http://schemas.microsoft.com/office/drawing/2010/main" xmlns="" w="9525">
                   <a:solidFill>
                     <a:srgbClr val="000000"/>
                   </a:solidFill>
@@ -3925,7 +3925,7 @@
             </a:ln>
             <a:extLst>
               <a:ext uri="{91240B29-F687-4f45-9708-019B960494DF}">
-                <a14:hiddenLine xmlns="" xmlns:a14="http://schemas.microsoft.com/office/drawing/2010/main" w="9525">
+                <a14:hiddenLine xmlns:a14="http://schemas.microsoft.com/office/drawing/2010/main" xmlns="" w="9525">
                   <a:solidFill>
                     <a:srgbClr val="000000"/>
                   </a:solidFill>
@@ -3987,7 +3987,7 @@
             </a:ln>
             <a:extLst>
               <a:ext uri="{91240B29-F687-4f45-9708-019B960494DF}">
-                <a14:hiddenLine xmlns="" xmlns:a14="http://schemas.microsoft.com/office/drawing/2010/main" w="9525">
+                <a14:hiddenLine xmlns:a14="http://schemas.microsoft.com/office/drawing/2010/main" xmlns="" w="9525">
                   <a:solidFill>
                     <a:srgbClr val="000000"/>
                   </a:solidFill>
@@ -4077,7 +4077,7 @@
             </a:ln>
             <a:extLst>
               <a:ext uri="{91240B29-F687-4f45-9708-019B960494DF}">
-                <a14:hiddenLine xmlns="" xmlns:a14="http://schemas.microsoft.com/office/drawing/2010/main" w="9525">
+                <a14:hiddenLine xmlns:a14="http://schemas.microsoft.com/office/drawing/2010/main" xmlns="" w="9525">
                   <a:solidFill>
                     <a:srgbClr val="000000"/>
                   </a:solidFill>
@@ -4167,7 +4167,7 @@
             </a:ln>
             <a:extLst>
               <a:ext uri="{91240B29-F687-4f45-9708-019B960494DF}">
-                <a14:hiddenLine xmlns="" xmlns:a14="http://schemas.microsoft.com/office/drawing/2010/main" w="9525">
+                <a14:hiddenLine xmlns:a14="http://schemas.microsoft.com/office/drawing/2010/main" xmlns="" w="9525">
                   <a:solidFill>
                     <a:srgbClr val="000000"/>
                   </a:solidFill>
@@ -4232,7 +4232,7 @@
             </a:ln>
             <a:extLst>
               <a:ext uri="{91240B29-F687-4f45-9708-019B960494DF}">
-                <a14:hiddenLine xmlns="" xmlns:a14="http://schemas.microsoft.com/office/drawing/2010/main" w="9525">
+                <a14:hiddenLine xmlns:a14="http://schemas.microsoft.com/office/drawing/2010/main" xmlns="" w="9525">
                   <a:solidFill>
                     <a:srgbClr val="000000"/>
                   </a:solidFill>
@@ -4294,7 +4294,7 @@
             </a:ln>
             <a:extLst>
               <a:ext uri="{91240B29-F687-4f45-9708-019B960494DF}">
-                <a14:hiddenLine xmlns="" xmlns:a14="http://schemas.microsoft.com/office/drawing/2010/main" w="9525">
+                <a14:hiddenLine xmlns:a14="http://schemas.microsoft.com/office/drawing/2010/main" xmlns="" w="9525">
                   <a:solidFill>
                     <a:srgbClr val="000000"/>
                   </a:solidFill>
@@ -4384,7 +4384,7 @@
             </a:ln>
             <a:extLst>
               <a:ext uri="{91240B29-F687-4f45-9708-019B960494DF}">
-                <a14:hiddenLine xmlns="" xmlns:a14="http://schemas.microsoft.com/office/drawing/2010/main" w="9525">
+                <a14:hiddenLine xmlns:a14="http://schemas.microsoft.com/office/drawing/2010/main" xmlns="" w="9525">
                   <a:solidFill>
                     <a:srgbClr val="000000"/>
                   </a:solidFill>
@@ -4474,7 +4474,7 @@
             </a:ln>
             <a:extLst>
               <a:ext uri="{91240B29-F687-4f45-9708-019B960494DF}">
-                <a14:hiddenLine xmlns="" xmlns:a14="http://schemas.microsoft.com/office/drawing/2010/main" w="9525">
+                <a14:hiddenLine xmlns:a14="http://schemas.microsoft.com/office/drawing/2010/main" xmlns="" w="9525">
                   <a:solidFill>
                     <a:srgbClr val="000000"/>
                   </a:solidFill>
@@ -4536,7 +4536,7 @@
             </a:ln>
             <a:extLst>
               <a:ext uri="{91240B29-F687-4f45-9708-019B960494DF}">
-                <a14:hiddenLine xmlns="" xmlns:a14="http://schemas.microsoft.com/office/drawing/2010/main" w="9525">
+                <a14:hiddenLine xmlns:a14="http://schemas.microsoft.com/office/drawing/2010/main" xmlns="" w="9525">
                   <a:solidFill>
                     <a:srgbClr val="000000"/>
                   </a:solidFill>
@@ -4656,7 +4656,7 @@
             </a:ln>
             <a:extLst>
               <a:ext uri="{91240B29-F687-4f45-9708-019B960494DF}">
-                <a14:hiddenLine xmlns="" xmlns:a14="http://schemas.microsoft.com/office/drawing/2010/main" w="9525">
+                <a14:hiddenLine xmlns:a14="http://schemas.microsoft.com/office/drawing/2010/main" xmlns="" w="9525">
                   <a:solidFill>
                     <a:srgbClr val="000000"/>
                   </a:solidFill>
@@ -4724,7 +4724,7 @@
             </a:ln>
             <a:extLst>
               <a:ext uri="{91240B29-F687-4f45-9708-019B960494DF}">
-                <a14:hiddenLine xmlns="" xmlns:a14="http://schemas.microsoft.com/office/drawing/2010/main" w="9525">
+                <a14:hiddenLine xmlns:a14="http://schemas.microsoft.com/office/drawing/2010/main" xmlns="" w="9525">
                   <a:solidFill>
                     <a:srgbClr val="000000"/>
                   </a:solidFill>
@@ -4814,7 +4814,7 @@
             </a:ln>
             <a:extLst>
               <a:ext uri="{91240B29-F687-4f45-9708-019B960494DF}">
-                <a14:hiddenLine xmlns="" xmlns:a14="http://schemas.microsoft.com/office/drawing/2010/main" w="9525">
+                <a14:hiddenLine xmlns:a14="http://schemas.microsoft.com/office/drawing/2010/main" xmlns="" w="9525">
                   <a:solidFill>
                     <a:srgbClr val="000000"/>
                   </a:solidFill>
@@ -4954,7 +4954,7 @@
           <a:p>
             <a:fld id="{EC4347D3-4C9A-C240-8F14-750059DFEEB0}" type="datetimeFigureOut">
               <a:rPr lang="en-US" smtClean="0"/>
-              <a:t>8/22/23</a:t>
+              <a:t>1/16/24</a:t>
             </a:fld>
             <a:endParaRPr lang="en-US"/>
           </a:p>
@@ -5221,7 +5221,7 @@
           <a:p>
             <a:fld id="{EC4347D3-4C9A-C240-8F14-750059DFEEB0}" type="datetimeFigureOut">
               <a:rPr lang="en-US" smtClean="0"/>
-              <a:t>8/22/23</a:t>
+              <a:t>1/16/24</a:t>
             </a:fld>
             <a:endParaRPr lang="en-US"/>
           </a:p>
@@ -5417,7 +5417,7 @@
           <a:p>
             <a:fld id="{EC4347D3-4C9A-C240-8F14-750059DFEEB0}" type="datetimeFigureOut">
               <a:rPr lang="en-US" smtClean="0"/>
-              <a:t>8/22/23</a:t>
+              <a:t>1/16/24</a:t>
             </a:fld>
             <a:endParaRPr lang="en-US"/>
           </a:p>
@@ -5680,7 +5680,7 @@
           <a:p>
             <a:fld id="{EC4347D3-4C9A-C240-8F14-750059DFEEB0}" type="datetimeFigureOut">
               <a:rPr lang="en-US" smtClean="0"/>
-              <a:t>8/22/23</a:t>
+              <a:t>1/16/24</a:t>
             </a:fld>
             <a:endParaRPr lang="en-US"/>
           </a:p>
@@ -6114,7 +6114,7 @@
           <a:p>
             <a:fld id="{EC4347D3-4C9A-C240-8F14-750059DFEEB0}" type="datetimeFigureOut">
               <a:rPr lang="en-US" smtClean="0"/>
-              <a:t>8/22/23</a:t>
+              <a:t>1/16/24</a:t>
             </a:fld>
             <a:endParaRPr lang="en-US"/>
           </a:p>
@@ -6660,7 +6660,7 @@
           <a:p>
             <a:fld id="{EC4347D3-4C9A-C240-8F14-750059DFEEB0}" type="datetimeFigureOut">
               <a:rPr lang="en-US" smtClean="0"/>
-              <a:t>8/22/23</a:t>
+              <a:t>1/16/24</a:t>
             </a:fld>
             <a:endParaRPr lang="en-US"/>
           </a:p>
@@ -7380,7 +7380,7 @@
           <a:p>
             <a:fld id="{EC4347D3-4C9A-C240-8F14-750059DFEEB0}" type="datetimeFigureOut">
               <a:rPr lang="en-US" smtClean="0"/>
-              <a:t>8/22/23</a:t>
+              <a:t>1/16/24</a:t>
             </a:fld>
             <a:endParaRPr lang="en-US"/>
           </a:p>
@@ -7550,7 +7550,7 @@
           <a:p>
             <a:fld id="{EC4347D3-4C9A-C240-8F14-750059DFEEB0}" type="datetimeFigureOut">
               <a:rPr lang="en-US" smtClean="0"/>
-              <a:t>8/22/23</a:t>
+              <a:t>1/16/24</a:t>
             </a:fld>
             <a:endParaRPr lang="en-US"/>
           </a:p>
@@ -7730,7 +7730,7 @@
           <a:p>
             <a:fld id="{EC4347D3-4C9A-C240-8F14-750059DFEEB0}" type="datetimeFigureOut">
               <a:rPr lang="en-US" smtClean="0"/>
-              <a:t>8/22/23</a:t>
+              <a:t>1/16/24</a:t>
             </a:fld>
             <a:endParaRPr lang="en-US"/>
           </a:p>
@@ -7900,7 +7900,7 @@
           <a:p>
             <a:fld id="{EC4347D3-4C9A-C240-8F14-750059DFEEB0}" type="datetimeFigureOut">
               <a:rPr lang="en-US" smtClean="0"/>
-              <a:t>8/22/23</a:t>
+              <a:t>1/16/24</a:t>
             </a:fld>
             <a:endParaRPr lang="en-US"/>
           </a:p>
@@ -8150,7 +8150,7 @@
           <a:p>
             <a:fld id="{EC4347D3-4C9A-C240-8F14-750059DFEEB0}" type="datetimeFigureOut">
               <a:rPr lang="en-US" smtClean="0"/>
-              <a:t>8/22/23</a:t>
+              <a:t>1/16/24</a:t>
             </a:fld>
             <a:endParaRPr lang="en-US"/>
           </a:p>
@@ -8382,7 +8382,7 @@
           <a:p>
             <a:fld id="{EC4347D3-4C9A-C240-8F14-750059DFEEB0}" type="datetimeFigureOut">
               <a:rPr lang="en-US" smtClean="0"/>
-              <a:t>8/22/23</a:t>
+              <a:t>1/16/24</a:t>
             </a:fld>
             <a:endParaRPr lang="en-US"/>
           </a:p>
@@ -8768,7 +8768,7 @@
           <a:p>
             <a:fld id="{EC4347D3-4C9A-C240-8F14-750059DFEEB0}" type="datetimeFigureOut">
               <a:rPr lang="en-US" smtClean="0"/>
-              <a:t>8/22/23</a:t>
+              <a:t>1/16/24</a:t>
             </a:fld>
             <a:endParaRPr lang="en-US"/>
           </a:p>
@@ -8891,7 +8891,7 @@
           <a:p>
             <a:fld id="{EC4347D3-4C9A-C240-8F14-750059DFEEB0}" type="datetimeFigureOut">
               <a:rPr lang="en-US" smtClean="0"/>
-              <a:t>8/22/23</a:t>
+              <a:t>1/16/24</a:t>
             </a:fld>
             <a:endParaRPr lang="en-US"/>
           </a:p>
@@ -8986,7 +8986,7 @@
           <a:p>
             <a:fld id="{EC4347D3-4C9A-C240-8F14-750059DFEEB0}" type="datetimeFigureOut">
               <a:rPr lang="en-US" smtClean="0"/>
-              <a:t>8/22/23</a:t>
+              <a:t>1/16/24</a:t>
             </a:fld>
             <a:endParaRPr lang="en-US"/>
           </a:p>
@@ -9235,7 +9235,7 @@
           <a:p>
             <a:fld id="{EC4347D3-4C9A-C240-8F14-750059DFEEB0}" type="datetimeFigureOut">
               <a:rPr lang="en-US" smtClean="0"/>
-              <a:t>8/22/23</a:t>
+              <a:t>1/16/24</a:t>
             </a:fld>
             <a:endParaRPr lang="en-US"/>
           </a:p>
@@ -9520,7 +9520,7 @@
           <a:p>
             <a:fld id="{EC4347D3-4C9A-C240-8F14-750059DFEEB0}" type="datetimeFigureOut">
               <a:rPr lang="en-US" smtClean="0"/>
-              <a:t>8/22/23</a:t>
+              <a:t>1/16/24</a:t>
             </a:fld>
             <a:endParaRPr lang="en-US"/>
           </a:p>
@@ -9643,7 +9643,7 @@
           <a:noFill/>
           <a:extLst>
             <a:ext uri="{909E8E84-426E-40dd-AFC4-6F175D3DCCD1}">
-              <a14:hiddenFill xmlns="" xmlns:a14="http://schemas.microsoft.com/office/drawing/2010/main">
+              <a14:hiddenFill xmlns:a14="http://schemas.microsoft.com/office/drawing/2010/main" xmlns="">
                 <a:solidFill>
                   <a:srgbClr val="FFFFFF"/>
                 </a:solidFill>
@@ -9717,7 +9717,7 @@
               </a:ln>
               <a:extLst>
                 <a:ext uri="{91240B29-F687-4f45-9708-019B960494DF}">
-                  <a14:hiddenLine xmlns="" xmlns:a14="http://schemas.microsoft.com/office/drawing/2010/main" w="9525">
+                  <a14:hiddenLine xmlns:a14="http://schemas.microsoft.com/office/drawing/2010/main" xmlns="" w="9525">
                     <a:solidFill>
                       <a:srgbClr val="000000"/>
                     </a:solidFill>
@@ -9807,7 +9807,7 @@
               </a:ln>
               <a:extLst>
                 <a:ext uri="{91240B29-F687-4f45-9708-019B960494DF}">
-                  <a14:hiddenLine xmlns="" xmlns:a14="http://schemas.microsoft.com/office/drawing/2010/main" w="9525">
+                  <a14:hiddenLine xmlns:a14="http://schemas.microsoft.com/office/drawing/2010/main" xmlns="" w="9525">
                     <a:solidFill>
                       <a:srgbClr val="000000"/>
                     </a:solidFill>
@@ -9897,7 +9897,7 @@
               </a:ln>
               <a:extLst>
                 <a:ext uri="{91240B29-F687-4f45-9708-019B960494DF}">
-                  <a14:hiddenLine xmlns="" xmlns:a14="http://schemas.microsoft.com/office/drawing/2010/main" w="9525">
+                  <a14:hiddenLine xmlns:a14="http://schemas.microsoft.com/office/drawing/2010/main" xmlns="" w="9525">
                     <a:solidFill>
                       <a:srgbClr val="000000"/>
                     </a:solidFill>
@@ -9959,7 +9959,7 @@
               </a:ln>
               <a:extLst>
                 <a:ext uri="{91240B29-F687-4f45-9708-019B960494DF}">
-                  <a14:hiddenLine xmlns="" xmlns:a14="http://schemas.microsoft.com/office/drawing/2010/main" w="9525">
+                  <a14:hiddenLine xmlns:a14="http://schemas.microsoft.com/office/drawing/2010/main" xmlns="" w="9525">
                     <a:solidFill>
                       <a:srgbClr val="000000"/>
                     </a:solidFill>
@@ -10049,7 +10049,7 @@
               </a:ln>
               <a:extLst>
                 <a:ext uri="{91240B29-F687-4f45-9708-019B960494DF}">
-                  <a14:hiddenLine xmlns="" xmlns:a14="http://schemas.microsoft.com/office/drawing/2010/main" w="9525">
+                  <a14:hiddenLine xmlns:a14="http://schemas.microsoft.com/office/drawing/2010/main" xmlns="" w="9525">
                     <a:solidFill>
                       <a:srgbClr val="000000"/>
                     </a:solidFill>
@@ -10111,7 +10111,7 @@
               </a:ln>
               <a:extLst>
                 <a:ext uri="{91240B29-F687-4f45-9708-019B960494DF}">
-                  <a14:hiddenLine xmlns="" xmlns:a14="http://schemas.microsoft.com/office/drawing/2010/main" w="9525">
+                  <a14:hiddenLine xmlns:a14="http://schemas.microsoft.com/office/drawing/2010/main" xmlns="" w="9525">
                     <a:solidFill>
                       <a:srgbClr val="000000"/>
                     </a:solidFill>
@@ -10173,7 +10173,7 @@
               </a:ln>
               <a:extLst>
                 <a:ext uri="{91240B29-F687-4f45-9708-019B960494DF}">
-                  <a14:hiddenLine xmlns="" xmlns:a14="http://schemas.microsoft.com/office/drawing/2010/main" w="9525">
+                  <a14:hiddenLine xmlns:a14="http://schemas.microsoft.com/office/drawing/2010/main" xmlns="" w="9525">
                     <a:solidFill>
                       <a:srgbClr val="000000"/>
                     </a:solidFill>
@@ -10263,7 +10263,7 @@
               </a:ln>
               <a:extLst>
                 <a:ext uri="{91240B29-F687-4f45-9708-019B960494DF}">
-                  <a14:hiddenLine xmlns="" xmlns:a14="http://schemas.microsoft.com/office/drawing/2010/main" w="9525">
+                  <a14:hiddenLine xmlns:a14="http://schemas.microsoft.com/office/drawing/2010/main" xmlns="" w="9525">
                     <a:solidFill>
                       <a:srgbClr val="000000"/>
                     </a:solidFill>
@@ -10353,7 +10353,7 @@
               </a:ln>
               <a:extLst>
                 <a:ext uri="{91240B29-F687-4f45-9708-019B960494DF}">
-                  <a14:hiddenLine xmlns="" xmlns:a14="http://schemas.microsoft.com/office/drawing/2010/main" w="9525">
+                  <a14:hiddenLine xmlns:a14="http://schemas.microsoft.com/office/drawing/2010/main" xmlns="" w="9525">
                     <a:solidFill>
                       <a:srgbClr val="000000"/>
                     </a:solidFill>
@@ -10415,7 +10415,7 @@
               </a:ln>
               <a:extLst>
                 <a:ext uri="{91240B29-F687-4f45-9708-019B960494DF}">
-                  <a14:hiddenLine xmlns="" xmlns:a14="http://schemas.microsoft.com/office/drawing/2010/main" w="9525">
+                  <a14:hiddenLine xmlns:a14="http://schemas.microsoft.com/office/drawing/2010/main" xmlns="" w="9525">
                     <a:solidFill>
                       <a:srgbClr val="000000"/>
                     </a:solidFill>
@@ -10525,7 +10525,7 @@
               </a:ln>
               <a:extLst>
                 <a:ext uri="{91240B29-F687-4f45-9708-019B960494DF}">
-                  <a14:hiddenLine xmlns="" xmlns:a14="http://schemas.microsoft.com/office/drawing/2010/main" w="9525">
+                  <a14:hiddenLine xmlns:a14="http://schemas.microsoft.com/office/drawing/2010/main" xmlns="" w="9525">
                     <a:solidFill>
                       <a:srgbClr val="000000"/>
                     </a:solidFill>
@@ -10609,7 +10609,7 @@
               </a:ln>
               <a:extLst>
                 <a:ext uri="{91240B29-F687-4f45-9708-019B960494DF}">
-                  <a14:hiddenLine xmlns="" xmlns:a14="http://schemas.microsoft.com/office/drawing/2010/main" w="9525">
+                  <a14:hiddenLine xmlns:a14="http://schemas.microsoft.com/office/drawing/2010/main" xmlns="" w="9525">
                     <a:solidFill>
                       <a:srgbClr val="000000"/>
                     </a:solidFill>
@@ -10671,7 +10671,7 @@
               </a:ln>
               <a:extLst>
                 <a:ext uri="{91240B29-F687-4f45-9708-019B960494DF}">
-                  <a14:hiddenLine xmlns="" xmlns:a14="http://schemas.microsoft.com/office/drawing/2010/main" w="9525">
+                  <a14:hiddenLine xmlns:a14="http://schemas.microsoft.com/office/drawing/2010/main" xmlns="" w="9525">
                     <a:solidFill>
                       <a:srgbClr val="000000"/>
                     </a:solidFill>
@@ -10733,7 +10733,7 @@
               </a:ln>
               <a:extLst>
                 <a:ext uri="{91240B29-F687-4f45-9708-019B960494DF}">
-                  <a14:hiddenLine xmlns="" xmlns:a14="http://schemas.microsoft.com/office/drawing/2010/main" w="9525">
+                  <a14:hiddenLine xmlns:a14="http://schemas.microsoft.com/office/drawing/2010/main" xmlns="" w="9525">
                     <a:solidFill>
                       <a:srgbClr val="000000"/>
                     </a:solidFill>
@@ -10823,7 +10823,7 @@
               </a:ln>
               <a:extLst>
                 <a:ext uri="{91240B29-F687-4f45-9708-019B960494DF}">
-                  <a14:hiddenLine xmlns="" xmlns:a14="http://schemas.microsoft.com/office/drawing/2010/main" w="9525">
+                  <a14:hiddenLine xmlns:a14="http://schemas.microsoft.com/office/drawing/2010/main" xmlns="" w="9525">
                     <a:solidFill>
                       <a:srgbClr val="000000"/>
                     </a:solidFill>
@@ -10857,7 +10857,7 @@
               </a:ln>
               <a:extLst>
                 <a:ext uri="{91240B29-F687-4f45-9708-019B960494DF}">
-                  <a14:hiddenLine xmlns="" xmlns:a14="http://schemas.microsoft.com/office/drawing/2010/main" w="9525">
+                  <a14:hiddenLine xmlns:a14="http://schemas.microsoft.com/office/drawing/2010/main" xmlns="" w="9525">
                     <a:solidFill>
                       <a:srgbClr val="000000"/>
                     </a:solidFill>
@@ -10922,7 +10922,7 @@
               </a:ln>
               <a:extLst>
                 <a:ext uri="{91240B29-F687-4f45-9708-019B960494DF}">
-                  <a14:hiddenLine xmlns="" xmlns:a14="http://schemas.microsoft.com/office/drawing/2010/main" w="9525">
+                  <a14:hiddenLine xmlns:a14="http://schemas.microsoft.com/office/drawing/2010/main" xmlns="" w="9525">
                     <a:solidFill>
                       <a:srgbClr val="000000"/>
                     </a:solidFill>
@@ -11012,7 +11012,7 @@
               </a:ln>
               <a:extLst>
                 <a:ext uri="{91240B29-F687-4f45-9708-019B960494DF}">
-                  <a14:hiddenLine xmlns="" xmlns:a14="http://schemas.microsoft.com/office/drawing/2010/main" w="9525">
+                  <a14:hiddenLine xmlns:a14="http://schemas.microsoft.com/office/drawing/2010/main" xmlns="" w="9525">
                     <a:solidFill>
                       <a:srgbClr val="000000"/>
                     </a:solidFill>
@@ -11074,7 +11074,7 @@
               </a:ln>
               <a:extLst>
                 <a:ext uri="{91240B29-F687-4f45-9708-019B960494DF}">
-                  <a14:hiddenLine xmlns="" xmlns:a14="http://schemas.microsoft.com/office/drawing/2010/main" w="9525">
+                  <a14:hiddenLine xmlns:a14="http://schemas.microsoft.com/office/drawing/2010/main" xmlns="" w="9525">
                     <a:solidFill>
                       <a:srgbClr val="000000"/>
                     </a:solidFill>
@@ -11164,7 +11164,7 @@
               </a:ln>
               <a:extLst>
                 <a:ext uri="{91240B29-F687-4f45-9708-019B960494DF}">
-                  <a14:hiddenLine xmlns="" xmlns:a14="http://schemas.microsoft.com/office/drawing/2010/main" w="9525">
+                  <a14:hiddenLine xmlns:a14="http://schemas.microsoft.com/office/drawing/2010/main" xmlns="" w="9525">
                     <a:solidFill>
                       <a:srgbClr val="000000"/>
                     </a:solidFill>
@@ -11229,7 +11229,7 @@
               </a:ln>
               <a:extLst>
                 <a:ext uri="{91240B29-F687-4f45-9708-019B960494DF}">
-                  <a14:hiddenLine xmlns="" xmlns:a14="http://schemas.microsoft.com/office/drawing/2010/main" w="9525">
+                  <a14:hiddenLine xmlns:a14="http://schemas.microsoft.com/office/drawing/2010/main" xmlns="" w="9525">
                     <a:solidFill>
                       <a:srgbClr val="000000"/>
                     </a:solidFill>
@@ -11291,7 +11291,7 @@
               </a:ln>
               <a:extLst>
                 <a:ext uri="{91240B29-F687-4f45-9708-019B960494DF}">
-                  <a14:hiddenLine xmlns="" xmlns:a14="http://schemas.microsoft.com/office/drawing/2010/main" w="9525">
+                  <a14:hiddenLine xmlns:a14="http://schemas.microsoft.com/office/drawing/2010/main" xmlns="" w="9525">
                     <a:solidFill>
                       <a:srgbClr val="000000"/>
                     </a:solidFill>
@@ -11381,7 +11381,7 @@
               </a:ln>
               <a:extLst>
                 <a:ext uri="{91240B29-F687-4f45-9708-019B960494DF}">
-                  <a14:hiddenLine xmlns="" xmlns:a14="http://schemas.microsoft.com/office/drawing/2010/main" w="9525">
+                  <a14:hiddenLine xmlns:a14="http://schemas.microsoft.com/office/drawing/2010/main" xmlns="" w="9525">
                     <a:solidFill>
                       <a:srgbClr val="000000"/>
                     </a:solidFill>
@@ -11471,7 +11471,7 @@
               </a:ln>
               <a:extLst>
                 <a:ext uri="{91240B29-F687-4f45-9708-019B960494DF}">
-                  <a14:hiddenLine xmlns="" xmlns:a14="http://schemas.microsoft.com/office/drawing/2010/main" w="9525">
+                  <a14:hiddenLine xmlns:a14="http://schemas.microsoft.com/office/drawing/2010/main" xmlns="" w="9525">
                     <a:solidFill>
                       <a:srgbClr val="000000"/>
                     </a:solidFill>
@@ -11536,7 +11536,7 @@
               </a:ln>
               <a:extLst>
                 <a:ext uri="{91240B29-F687-4f45-9708-019B960494DF}">
-                  <a14:hiddenLine xmlns="" xmlns:a14="http://schemas.microsoft.com/office/drawing/2010/main" w="9525">
+                  <a14:hiddenLine xmlns:a14="http://schemas.microsoft.com/office/drawing/2010/main" xmlns="" w="9525">
                     <a:solidFill>
                       <a:srgbClr val="000000"/>
                     </a:solidFill>
@@ -11656,7 +11656,7 @@
               </a:ln>
               <a:extLst>
                 <a:ext uri="{91240B29-F687-4f45-9708-019B960494DF}">
-                  <a14:hiddenLine xmlns="" xmlns:a14="http://schemas.microsoft.com/office/drawing/2010/main" w="9525">
+                  <a14:hiddenLine xmlns:a14="http://schemas.microsoft.com/office/drawing/2010/main" xmlns="" w="9525">
                     <a:solidFill>
                       <a:srgbClr val="000000"/>
                     </a:solidFill>
@@ -11737,7 +11737,7 @@
               </a:ln>
               <a:extLst>
                 <a:ext uri="{91240B29-F687-4f45-9708-019B960494DF}">
-                  <a14:hiddenLine xmlns="" xmlns:a14="http://schemas.microsoft.com/office/drawing/2010/main" w="9525">
+                  <a14:hiddenLine xmlns:a14="http://schemas.microsoft.com/office/drawing/2010/main" xmlns="" w="9525">
                     <a:solidFill>
                       <a:srgbClr val="000000"/>
                     </a:solidFill>
@@ -11852,7 +11852,7 @@
               </a:ln>
               <a:extLst>
                 <a:ext uri="{91240B29-F687-4f45-9708-019B960494DF}">
-                  <a14:hiddenLine xmlns="" xmlns:a14="http://schemas.microsoft.com/office/drawing/2010/main" w="9525">
+                  <a14:hiddenLine xmlns:a14="http://schemas.microsoft.com/office/drawing/2010/main" xmlns="" w="9525">
                     <a:solidFill>
                       <a:srgbClr val="000000"/>
                     </a:solidFill>
@@ -11942,7 +11942,7 @@
               </a:ln>
               <a:extLst>
                 <a:ext uri="{91240B29-F687-4f45-9708-019B960494DF}">
-                  <a14:hiddenLine xmlns="" xmlns:a14="http://schemas.microsoft.com/office/drawing/2010/main" w="9525">
+                  <a14:hiddenLine xmlns:a14="http://schemas.microsoft.com/office/drawing/2010/main" xmlns="" w="9525">
                     <a:solidFill>
                       <a:srgbClr val="000000"/>
                     </a:solidFill>
@@ -12007,7 +12007,7 @@
               </a:ln>
               <a:extLst>
                 <a:ext uri="{91240B29-F687-4f45-9708-019B960494DF}">
-                  <a14:hiddenLine xmlns="" xmlns:a14="http://schemas.microsoft.com/office/drawing/2010/main" w="9525">
+                  <a14:hiddenLine xmlns:a14="http://schemas.microsoft.com/office/drawing/2010/main" xmlns="" w="9525">
                     <a:solidFill>
                       <a:srgbClr val="000000"/>
                     </a:solidFill>
@@ -12097,7 +12097,7 @@
               </a:ln>
               <a:extLst>
                 <a:ext uri="{91240B29-F687-4f45-9708-019B960494DF}">
-                  <a14:hiddenLine xmlns="" xmlns:a14="http://schemas.microsoft.com/office/drawing/2010/main" w="9525">
+                  <a14:hiddenLine xmlns:a14="http://schemas.microsoft.com/office/drawing/2010/main" xmlns="" w="9525">
                     <a:solidFill>
                       <a:srgbClr val="000000"/>
                     </a:solidFill>
@@ -12165,7 +12165,7 @@
               </a:ln>
               <a:extLst>
                 <a:ext uri="{91240B29-F687-4f45-9708-019B960494DF}">
-                  <a14:hiddenLine xmlns="" xmlns:a14="http://schemas.microsoft.com/office/drawing/2010/main" w="9525">
+                  <a14:hiddenLine xmlns:a14="http://schemas.microsoft.com/office/drawing/2010/main" xmlns="" w="9525">
                     <a:solidFill>
                       <a:srgbClr val="000000"/>
                     </a:solidFill>
@@ -12255,7 +12255,7 @@
               </a:ln>
               <a:extLst>
                 <a:ext uri="{91240B29-F687-4f45-9708-019B960494DF}">
-                  <a14:hiddenLine xmlns="" xmlns:a14="http://schemas.microsoft.com/office/drawing/2010/main" w="9525">
+                  <a14:hiddenLine xmlns:a14="http://schemas.microsoft.com/office/drawing/2010/main" xmlns="" w="9525">
                     <a:solidFill>
                       <a:srgbClr val="000000"/>
                     </a:solidFill>
@@ -12323,7 +12323,7 @@
               </a:ln>
               <a:extLst>
                 <a:ext uri="{91240B29-F687-4f45-9708-019B960494DF}">
-                  <a14:hiddenLine xmlns="" xmlns:a14="http://schemas.microsoft.com/office/drawing/2010/main" w="9525">
+                  <a14:hiddenLine xmlns:a14="http://schemas.microsoft.com/office/drawing/2010/main" xmlns="" w="9525">
                     <a:solidFill>
                       <a:srgbClr val="000000"/>
                     </a:solidFill>
@@ -12413,7 +12413,7 @@
               </a:ln>
               <a:extLst>
                 <a:ext uri="{91240B29-F687-4f45-9708-019B960494DF}">
-                  <a14:hiddenLine xmlns="" xmlns:a14="http://schemas.microsoft.com/office/drawing/2010/main" w="9525">
+                  <a14:hiddenLine xmlns:a14="http://schemas.microsoft.com/office/drawing/2010/main" xmlns="" w="9525">
                     <a:solidFill>
                       <a:srgbClr val="000000"/>
                     </a:solidFill>
@@ -12447,7 +12447,7 @@
               </a:ln>
               <a:extLst>
                 <a:ext uri="{91240B29-F687-4f45-9708-019B960494DF}">
-                  <a14:hiddenLine xmlns="" xmlns:a14="http://schemas.microsoft.com/office/drawing/2010/main" w="9525">
+                  <a14:hiddenLine xmlns:a14="http://schemas.microsoft.com/office/drawing/2010/main" xmlns="" w="9525">
                     <a:solidFill>
                       <a:srgbClr val="000000"/>
                     </a:solidFill>
@@ -12587,7 +12587,7 @@
           <a:p>
             <a:fld id="{EC4347D3-4C9A-C240-8F14-750059DFEEB0}" type="datetimeFigureOut">
               <a:rPr lang="en-US" smtClean="0"/>
-              <a:t>8/22/23</a:t>
+              <a:t>1/16/24</a:t>
             </a:fld>
             <a:endParaRPr lang="en-US"/>
           </a:p>
@@ -14200,7 +14200,7 @@
             <a:pPr lvl="1"/>
             <a:r>
               <a:rPr lang="en-US" dirty="0"/>
-              <a:t>Tu / Th 12:30 - 1:45 pm @ Gilmer Hall 301</a:t>
+              <a:t>Tu / Th 11:30 - 12:15 pm @ John W. Warner Hall 209</a:t>
             </a:r>
           </a:p>
           <a:p>
@@ -14218,6 +14218,13 @@
             <a:r>
               <a:rPr lang="en-US" dirty="0"/>
               <a:t>Using Panopto, so no live broadcast</a:t>
+            </a:r>
+          </a:p>
+          <a:p>
+            <a:pPr lvl="1"/>
+            <a:r>
+              <a:rPr lang="en-US" dirty="0"/>
+              <a:t>A note about recordings…they are a privilege, not a right.</a:t>
             </a:r>
           </a:p>
           <a:p>
@@ -14699,25 +14706,52 @@
             <a:pPr lvl="1"/>
             <a:r>
               <a:rPr lang="en-US" sz="2000" dirty="0"/>
-              <a:t>Thu., Oct. 12			Mod 1-2</a:t>
+              <a:t>Thu., Feb. 8			Mod 1</a:t>
             </a:r>
           </a:p>
           <a:p>
             <a:pPr lvl="1"/>
             <a:r>
               <a:rPr lang="en-US" sz="2000" dirty="0"/>
-              <a:t>Thu., Nov. 9			Mod 3-4</a:t>
+              <a:t>Thu., Feb. </a:t>
+            </a:r>
+            <a:r>
+              <a:rPr lang="en-US" dirty="0"/>
+              <a:t>29</a:t>
+            </a:r>
+            <a:r>
+              <a:rPr lang="en-US" sz="2000" dirty="0"/>
+              <a:t>			Mod </a:t>
+            </a:r>
+            <a:r>
+              <a:rPr lang="en-US" dirty="0"/>
+              <a:t>2</a:t>
             </a:r>
           </a:p>
           <a:p>
             <a:pPr lvl="1"/>
             <a:r>
               <a:rPr lang="en-US" sz="2000" dirty="0"/>
-              <a:t>Fri, Dec. 8 (Final Exa</a:t>
-            </a:r>
-            <a:r>
-              <a:rPr lang="en-US" dirty="0"/>
-              <a:t>m Day)</a:t>
+              <a:t>Thu., Mar. 28			Mod 3</a:t>
+            </a:r>
+          </a:p>
+          <a:p>
+            <a:pPr lvl="1"/>
+            <a:r>
+              <a:rPr lang="en-US" dirty="0"/>
+              <a:t>Thu., Apr. 18			Mod 4</a:t>
+            </a:r>
+            <a:endParaRPr lang="en-US" sz="2000" dirty="0"/>
+          </a:p>
+          <a:p>
+            <a:pPr lvl="1"/>
+            <a:r>
+              <a:rPr lang="en-US" sz="2000" dirty="0"/>
+              <a:t>Thu., May. 2 (Final </a:t>
+            </a:r>
+            <a:r>
+              <a:rPr lang="en-US" dirty="0"/>
+              <a:t>Day)</a:t>
             </a:r>
             <a:r>
               <a:rPr lang="en-US" sz="2000" dirty="0"/>
@@ -15061,7 +15095,7 @@
           <a:p>
             <a:r>
               <a:rPr lang="en-US" dirty="0"/>
-              <a:t>You can attempt all four retakes if you want, but the exams are designed for their to be enough time to do three retakes.</a:t>
+              <a:t>You can attempt all four retakes if you want, but the exams are designed for their to be enough time to do two (maybe three) retakes.</a:t>
             </a:r>
           </a:p>
         </p:txBody>
@@ -15233,7 +15267,7 @@
             <a:pPr lvl="1"/>
             <a:r>
               <a:rPr lang="en-US" dirty="0"/>
-              <a:t>Can be written in Java, C++, or Python (your choice)</a:t>
+              <a:t>Is written in Java</a:t>
             </a:r>
           </a:p>
           <a:p>
@@ -16005,7 +16039,7 @@
             </a:r>
             <a:r>
               <a:rPr lang="en-US" dirty="0"/>
-              <a:t>: 25 percent (split over about 6 </a:t>
+              <a:t>: 25 percent (split over about 6 or 7 </a:t>
             </a:r>
             <a:r>
               <a:rPr lang="en-US" dirty="0" err="1"/>
@@ -17871,22 +17905,14 @@
             <a:pPr lvl="1"/>
             <a:r>
               <a:rPr lang="en-US" dirty="0"/>
-              <a:t>Undergraduates (~10-18)</a:t>
+              <a:t>Undergraduates (~25)</a:t>
             </a:r>
           </a:p>
           <a:p>
             <a:pPr lvl="2"/>
             <a:r>
               <a:rPr lang="en-US" dirty="0"/>
-              <a:t>Having some trouble finding </a:t>
-            </a:r>
-            <a:r>
-              <a:rPr lang="en-US" dirty="0" err="1"/>
-              <a:t>Tas</a:t>
-            </a:r>
-            <a:r>
-              <a:rPr lang="en-US" dirty="0"/>
-              <a:t> but I think we will get there!</a:t>
+              <a:t>We have a good sized staff this year!</a:t>
             </a:r>
           </a:p>
           <a:p>

--- a/slides/00-CourseIntroduction.pptx
+++ b/slides/00-CourseIntroduction.pptx
@@ -226,7 +226,7 @@
           <a:p>
             <a:fld id="{C5B45307-6ED4-B142-BD64-10F739779302}" type="datetimeFigureOut">
               <a:rPr lang="en-US" smtClean="0"/>
-              <a:t>1/16/24</a:t>
+              <a:t>1/18/24</a:t>
             </a:fld>
             <a:endParaRPr lang="en-US"/>
           </a:p>
@@ -729,7 +729,7 @@
           <a:noFill/>
           <a:extLst>
             <a:ext uri="{909E8E84-426E-40dd-AFC4-6F175D3DCCD1}">
-              <a14:hiddenFill xmlns:a14="http://schemas.microsoft.com/office/drawing/2010/main" xmlns="">
+              <a14:hiddenFill xmlns="" xmlns:a14="http://schemas.microsoft.com/office/drawing/2010/main">
                 <a:solidFill>
                   <a:srgbClr val="FFFFFF"/>
                 </a:solidFill>
@@ -788,7 +788,7 @@
             </a:ln>
             <a:extLst>
               <a:ext uri="{91240B29-F687-4f45-9708-019B960494DF}">
-                <a14:hiddenLine xmlns:a14="http://schemas.microsoft.com/office/drawing/2010/main" xmlns="" w="9525">
+                <a14:hiddenLine xmlns="" xmlns:a14="http://schemas.microsoft.com/office/drawing/2010/main" w="9525">
                   <a:solidFill>
                     <a:srgbClr val="000000"/>
                   </a:solidFill>
@@ -878,7 +878,7 @@
             </a:ln>
             <a:extLst>
               <a:ext uri="{91240B29-F687-4f45-9708-019B960494DF}">
-                <a14:hiddenLine xmlns:a14="http://schemas.microsoft.com/office/drawing/2010/main" xmlns="" w="9525">
+                <a14:hiddenLine xmlns="" xmlns:a14="http://schemas.microsoft.com/office/drawing/2010/main" w="9525">
                   <a:solidFill>
                     <a:srgbClr val="000000"/>
                   </a:solidFill>
@@ -968,7 +968,7 @@
             </a:ln>
             <a:extLst>
               <a:ext uri="{91240B29-F687-4f45-9708-019B960494DF}">
-                <a14:hiddenLine xmlns:a14="http://schemas.microsoft.com/office/drawing/2010/main" xmlns="" w="9525">
+                <a14:hiddenLine xmlns="" xmlns:a14="http://schemas.microsoft.com/office/drawing/2010/main" w="9525">
                   <a:solidFill>
                     <a:srgbClr val="000000"/>
                   </a:solidFill>
@@ -1002,7 +1002,7 @@
             </a:ln>
             <a:extLst>
               <a:ext uri="{91240B29-F687-4f45-9708-019B960494DF}">
-                <a14:hiddenLine xmlns:a14="http://schemas.microsoft.com/office/drawing/2010/main" xmlns="" w="9525">
+                <a14:hiddenLine xmlns="" xmlns:a14="http://schemas.microsoft.com/office/drawing/2010/main" w="9525">
                   <a:solidFill>
                     <a:srgbClr val="000000"/>
                   </a:solidFill>
@@ -1092,7 +1092,7 @@
             </a:ln>
             <a:extLst>
               <a:ext uri="{91240B29-F687-4f45-9708-019B960494DF}">
-                <a14:hiddenLine xmlns:a14="http://schemas.microsoft.com/office/drawing/2010/main" xmlns="" w="9525">
+                <a14:hiddenLine xmlns="" xmlns:a14="http://schemas.microsoft.com/office/drawing/2010/main" w="9525">
                   <a:solidFill>
                     <a:srgbClr val="000000"/>
                   </a:solidFill>
@@ -1154,7 +1154,7 @@
             </a:ln>
             <a:extLst>
               <a:ext uri="{91240B29-F687-4f45-9708-019B960494DF}">
-                <a14:hiddenLine xmlns:a14="http://schemas.microsoft.com/office/drawing/2010/main" xmlns="" w="9525">
+                <a14:hiddenLine xmlns="" xmlns:a14="http://schemas.microsoft.com/office/drawing/2010/main" w="9525">
                   <a:solidFill>
                     <a:srgbClr val="000000"/>
                   </a:solidFill>
@@ -1216,7 +1216,7 @@
             </a:ln>
             <a:extLst>
               <a:ext uri="{91240B29-F687-4f45-9708-019B960494DF}">
-                <a14:hiddenLine xmlns:a14="http://schemas.microsoft.com/office/drawing/2010/main" xmlns="" w="9525">
+                <a14:hiddenLine xmlns="" xmlns:a14="http://schemas.microsoft.com/office/drawing/2010/main" w="9525">
                   <a:solidFill>
                     <a:srgbClr val="000000"/>
                   </a:solidFill>
@@ -1306,7 +1306,7 @@
             </a:ln>
             <a:extLst>
               <a:ext uri="{91240B29-F687-4f45-9708-019B960494DF}">
-                <a14:hiddenLine xmlns:a14="http://schemas.microsoft.com/office/drawing/2010/main" xmlns="" w="9525">
+                <a14:hiddenLine xmlns="" xmlns:a14="http://schemas.microsoft.com/office/drawing/2010/main" w="9525">
                   <a:solidFill>
                     <a:srgbClr val="000000"/>
                   </a:solidFill>
@@ -1368,7 +1368,7 @@
             </a:ln>
             <a:extLst>
               <a:ext uri="{91240B29-F687-4f45-9708-019B960494DF}">
-                <a14:hiddenLine xmlns:a14="http://schemas.microsoft.com/office/drawing/2010/main" xmlns="" w="9525">
+                <a14:hiddenLine xmlns="" xmlns:a14="http://schemas.microsoft.com/office/drawing/2010/main" w="9525">
                   <a:solidFill>
                     <a:srgbClr val="000000"/>
                   </a:solidFill>
@@ -1430,7 +1430,7 @@
             </a:ln>
             <a:extLst>
               <a:ext uri="{91240B29-F687-4f45-9708-019B960494DF}">
-                <a14:hiddenLine xmlns:a14="http://schemas.microsoft.com/office/drawing/2010/main" xmlns="" w="9525">
+                <a14:hiddenLine xmlns="" xmlns:a14="http://schemas.microsoft.com/office/drawing/2010/main" w="9525">
                   <a:solidFill>
                     <a:srgbClr val="000000"/>
                   </a:solidFill>
@@ -1520,7 +1520,7 @@
             </a:ln>
             <a:extLst>
               <a:ext uri="{91240B29-F687-4f45-9708-019B960494DF}">
-                <a14:hiddenLine xmlns:a14="http://schemas.microsoft.com/office/drawing/2010/main" xmlns="" w="9525">
+                <a14:hiddenLine xmlns="" xmlns:a14="http://schemas.microsoft.com/office/drawing/2010/main" w="9525">
                   <a:solidFill>
                     <a:srgbClr val="000000"/>
                   </a:solidFill>
@@ -1610,7 +1610,7 @@
             </a:ln>
             <a:extLst>
               <a:ext uri="{91240B29-F687-4f45-9708-019B960494DF}">
-                <a14:hiddenLine xmlns:a14="http://schemas.microsoft.com/office/drawing/2010/main" xmlns="" w="9525">
+                <a14:hiddenLine xmlns="" xmlns:a14="http://schemas.microsoft.com/office/drawing/2010/main" w="9525">
                   <a:solidFill>
                     <a:srgbClr val="000000"/>
                   </a:solidFill>
@@ -1672,7 +1672,7 @@
             </a:ln>
             <a:extLst>
               <a:ext uri="{91240B29-F687-4f45-9708-019B960494DF}">
-                <a14:hiddenLine xmlns:a14="http://schemas.microsoft.com/office/drawing/2010/main" xmlns="" w="9525">
+                <a14:hiddenLine xmlns="" xmlns:a14="http://schemas.microsoft.com/office/drawing/2010/main" w="9525">
                   <a:solidFill>
                     <a:srgbClr val="000000"/>
                   </a:solidFill>
@@ -1782,7 +1782,7 @@
             </a:ln>
             <a:extLst>
               <a:ext uri="{91240B29-F687-4f45-9708-019B960494DF}">
-                <a14:hiddenLine xmlns:a14="http://schemas.microsoft.com/office/drawing/2010/main" xmlns="" w="9525">
+                <a14:hiddenLine xmlns="" xmlns:a14="http://schemas.microsoft.com/office/drawing/2010/main" w="9525">
                   <a:solidFill>
                     <a:srgbClr val="000000"/>
                   </a:solidFill>
@@ -1844,7 +1844,7 @@
             </a:ln>
             <a:extLst>
               <a:ext uri="{91240B29-F687-4f45-9708-019B960494DF}">
-                <a14:hiddenLine xmlns:a14="http://schemas.microsoft.com/office/drawing/2010/main" xmlns="" w="9525">
+                <a14:hiddenLine xmlns="" xmlns:a14="http://schemas.microsoft.com/office/drawing/2010/main" w="9525">
                   <a:solidFill>
                     <a:srgbClr val="000000"/>
                   </a:solidFill>
@@ -1934,7 +1934,7 @@
             </a:ln>
             <a:extLst>
               <a:ext uri="{91240B29-F687-4f45-9708-019B960494DF}">
-                <a14:hiddenLine xmlns:a14="http://schemas.microsoft.com/office/drawing/2010/main" xmlns="" w="9525">
+                <a14:hiddenLine xmlns="" xmlns:a14="http://schemas.microsoft.com/office/drawing/2010/main" w="9525">
                   <a:solidFill>
                     <a:srgbClr val="000000"/>
                   </a:solidFill>
@@ -2024,7 +2024,7 @@
             </a:ln>
             <a:extLst>
               <a:ext uri="{91240B29-F687-4f45-9708-019B960494DF}">
-                <a14:hiddenLine xmlns:a14="http://schemas.microsoft.com/office/drawing/2010/main" xmlns="" w="9525">
+                <a14:hiddenLine xmlns="" xmlns:a14="http://schemas.microsoft.com/office/drawing/2010/main" w="9525">
                   <a:solidFill>
                     <a:srgbClr val="000000"/>
                   </a:solidFill>
@@ -2086,7 +2086,7 @@
             </a:ln>
             <a:extLst>
               <a:ext uri="{91240B29-F687-4f45-9708-019B960494DF}">
-                <a14:hiddenLine xmlns:a14="http://schemas.microsoft.com/office/drawing/2010/main" xmlns="" w="9525">
+                <a14:hiddenLine xmlns="" xmlns:a14="http://schemas.microsoft.com/office/drawing/2010/main" w="9525">
                   <a:solidFill>
                     <a:srgbClr val="000000"/>
                   </a:solidFill>
@@ -2176,7 +2176,7 @@
             </a:ln>
             <a:extLst>
               <a:ext uri="{91240B29-F687-4f45-9708-019B960494DF}">
-                <a14:hiddenLine xmlns:a14="http://schemas.microsoft.com/office/drawing/2010/main" xmlns="" w="9525">
+                <a14:hiddenLine xmlns="" xmlns:a14="http://schemas.microsoft.com/office/drawing/2010/main" w="9525">
                   <a:solidFill>
                     <a:srgbClr val="000000"/>
                   </a:solidFill>
@@ -2266,7 +2266,7 @@
             </a:ln>
             <a:extLst>
               <a:ext uri="{91240B29-F687-4f45-9708-019B960494DF}">
-                <a14:hiddenLine xmlns:a14="http://schemas.microsoft.com/office/drawing/2010/main" xmlns="" w="9525">
+                <a14:hiddenLine xmlns="" xmlns:a14="http://schemas.microsoft.com/office/drawing/2010/main" w="9525">
                   <a:solidFill>
                     <a:srgbClr val="000000"/>
                   </a:solidFill>
@@ -2322,7 +2322,7 @@
             </a:ln>
             <a:extLst>
               <a:ext uri="{91240B29-F687-4f45-9708-019B960494DF}">
-                <a14:hiddenLine xmlns:a14="http://schemas.microsoft.com/office/drawing/2010/main" xmlns="" w="9525">
+                <a14:hiddenLine xmlns="" xmlns:a14="http://schemas.microsoft.com/office/drawing/2010/main" w="9525">
                   <a:solidFill>
                     <a:srgbClr val="000000"/>
                   </a:solidFill>
@@ -2412,7 +2412,7 @@
             </a:ln>
             <a:extLst>
               <a:ext uri="{91240B29-F687-4f45-9708-019B960494DF}">
-                <a14:hiddenLine xmlns:a14="http://schemas.microsoft.com/office/drawing/2010/main" xmlns="" w="9525">
+                <a14:hiddenLine xmlns="" xmlns:a14="http://schemas.microsoft.com/office/drawing/2010/main" w="9525">
                   <a:solidFill>
                     <a:srgbClr val="000000"/>
                   </a:solidFill>
@@ -2468,7 +2468,7 @@
             </a:ln>
             <a:extLst>
               <a:ext uri="{91240B29-F687-4f45-9708-019B960494DF}">
-                <a14:hiddenLine xmlns:a14="http://schemas.microsoft.com/office/drawing/2010/main" xmlns="" w="9525">
+                <a14:hiddenLine xmlns="" xmlns:a14="http://schemas.microsoft.com/office/drawing/2010/main" w="9525">
                   <a:solidFill>
                     <a:srgbClr val="000000"/>
                   </a:solidFill>
@@ -2558,7 +2558,7 @@
             </a:ln>
             <a:extLst>
               <a:ext uri="{91240B29-F687-4f45-9708-019B960494DF}">
-                <a14:hiddenLine xmlns:a14="http://schemas.microsoft.com/office/drawing/2010/main" xmlns="" w="9525">
+                <a14:hiddenLine xmlns="" xmlns:a14="http://schemas.microsoft.com/office/drawing/2010/main" w="9525">
                   <a:solidFill>
                     <a:srgbClr val="000000"/>
                   </a:solidFill>
@@ -2626,7 +2626,7 @@
             </a:ln>
             <a:extLst>
               <a:ext uri="{91240B29-F687-4f45-9708-019B960494DF}">
-                <a14:hiddenLine xmlns:a14="http://schemas.microsoft.com/office/drawing/2010/main" xmlns="" w="9525">
+                <a14:hiddenLine xmlns="" xmlns:a14="http://schemas.microsoft.com/office/drawing/2010/main" w="9525">
                   <a:solidFill>
                     <a:srgbClr val="000000"/>
                   </a:solidFill>
@@ -2716,7 +2716,7 @@
             </a:ln>
             <a:extLst>
               <a:ext uri="{91240B29-F687-4f45-9708-019B960494DF}">
-                <a14:hiddenLine xmlns:a14="http://schemas.microsoft.com/office/drawing/2010/main" xmlns="" w="9525">
+                <a14:hiddenLine xmlns="" xmlns:a14="http://schemas.microsoft.com/office/drawing/2010/main" w="9525">
                   <a:solidFill>
                     <a:srgbClr val="000000"/>
                   </a:solidFill>
@@ -2784,7 +2784,7 @@
             </a:ln>
             <a:extLst>
               <a:ext uri="{91240B29-F687-4f45-9708-019B960494DF}">
-                <a14:hiddenLine xmlns:a14="http://schemas.microsoft.com/office/drawing/2010/main" xmlns="" w="9525">
+                <a14:hiddenLine xmlns="" xmlns:a14="http://schemas.microsoft.com/office/drawing/2010/main" w="9525">
                   <a:solidFill>
                     <a:srgbClr val="000000"/>
                   </a:solidFill>
@@ -2874,7 +2874,7 @@
             </a:ln>
             <a:extLst>
               <a:ext uri="{91240B29-F687-4f45-9708-019B960494DF}">
-                <a14:hiddenLine xmlns:a14="http://schemas.microsoft.com/office/drawing/2010/main" xmlns="" w="9525">
+                <a14:hiddenLine xmlns="" xmlns:a14="http://schemas.microsoft.com/office/drawing/2010/main" w="9525">
                   <a:solidFill>
                     <a:srgbClr val="000000"/>
                   </a:solidFill>
@@ -2908,7 +2908,7 @@
             </a:ln>
             <a:extLst>
               <a:ext uri="{91240B29-F687-4f45-9708-019B960494DF}">
-                <a14:hiddenLine xmlns:a14="http://schemas.microsoft.com/office/drawing/2010/main" xmlns="" w="9525">
+                <a14:hiddenLine xmlns="" xmlns:a14="http://schemas.microsoft.com/office/drawing/2010/main" w="9525">
                   <a:solidFill>
                     <a:srgbClr val="000000"/>
                   </a:solidFill>
@@ -2998,7 +2998,7 @@
             </a:ln>
             <a:extLst>
               <a:ext uri="{91240B29-F687-4f45-9708-019B960494DF}">
-                <a14:hiddenLine xmlns:a14="http://schemas.microsoft.com/office/drawing/2010/main" xmlns="" w="9525">
+                <a14:hiddenLine xmlns="" xmlns:a14="http://schemas.microsoft.com/office/drawing/2010/main" w="9525">
                   <a:solidFill>
                     <a:srgbClr val="000000"/>
                   </a:solidFill>
@@ -3060,7 +3060,7 @@
             </a:ln>
             <a:extLst>
               <a:ext uri="{91240B29-F687-4f45-9708-019B960494DF}">
-                <a14:hiddenLine xmlns:a14="http://schemas.microsoft.com/office/drawing/2010/main" xmlns="" w="9525">
+                <a14:hiddenLine xmlns="" xmlns:a14="http://schemas.microsoft.com/office/drawing/2010/main" w="9525">
                   <a:solidFill>
                     <a:srgbClr val="000000"/>
                   </a:solidFill>
@@ -3122,7 +3122,7 @@
             </a:ln>
             <a:extLst>
               <a:ext uri="{91240B29-F687-4f45-9708-019B960494DF}">
-                <a14:hiddenLine xmlns:a14="http://schemas.microsoft.com/office/drawing/2010/main" xmlns="" w="9525">
+                <a14:hiddenLine xmlns="" xmlns:a14="http://schemas.microsoft.com/office/drawing/2010/main" w="9525">
                   <a:solidFill>
                     <a:srgbClr val="000000"/>
                   </a:solidFill>
@@ -3212,7 +3212,7 @@
             </a:ln>
             <a:extLst>
               <a:ext uri="{91240B29-F687-4f45-9708-019B960494DF}">
-                <a14:hiddenLine xmlns:a14="http://schemas.microsoft.com/office/drawing/2010/main" xmlns="" w="9525">
+                <a14:hiddenLine xmlns="" xmlns:a14="http://schemas.microsoft.com/office/drawing/2010/main" w="9525">
                   <a:solidFill>
                     <a:srgbClr val="000000"/>
                   </a:solidFill>
@@ -3280,7 +3280,7 @@
             </a:ln>
             <a:extLst>
               <a:ext uri="{91240B29-F687-4f45-9708-019B960494DF}">
-                <a14:hiddenLine xmlns:a14="http://schemas.microsoft.com/office/drawing/2010/main" xmlns="" w="9525">
+                <a14:hiddenLine xmlns="" xmlns:a14="http://schemas.microsoft.com/office/drawing/2010/main" w="9525">
                   <a:solidFill>
                     <a:srgbClr val="000000"/>
                   </a:solidFill>
@@ -3342,7 +3342,7 @@
             </a:ln>
             <a:extLst>
               <a:ext uri="{91240B29-F687-4f45-9708-019B960494DF}">
-                <a14:hiddenLine xmlns:a14="http://schemas.microsoft.com/office/drawing/2010/main" xmlns="" w="9525">
+                <a14:hiddenLine xmlns="" xmlns:a14="http://schemas.microsoft.com/office/drawing/2010/main" w="9525">
                   <a:solidFill>
                     <a:srgbClr val="000000"/>
                   </a:solidFill>
@@ -3432,7 +3432,7 @@
             </a:ln>
             <a:extLst>
               <a:ext uri="{91240B29-F687-4f45-9708-019B960494DF}">
-                <a14:hiddenLine xmlns:a14="http://schemas.microsoft.com/office/drawing/2010/main" xmlns="" w="9525">
+                <a14:hiddenLine xmlns="" xmlns:a14="http://schemas.microsoft.com/office/drawing/2010/main" w="9525">
                   <a:solidFill>
                     <a:srgbClr val="000000"/>
                   </a:solidFill>
@@ -3494,7 +3494,7 @@
             </a:ln>
             <a:extLst>
               <a:ext uri="{91240B29-F687-4f45-9708-019B960494DF}">
-                <a14:hiddenLine xmlns:a14="http://schemas.microsoft.com/office/drawing/2010/main" xmlns="" w="9525">
+                <a14:hiddenLine xmlns="" xmlns:a14="http://schemas.microsoft.com/office/drawing/2010/main" w="9525">
                   <a:solidFill>
                     <a:srgbClr val="000000"/>
                   </a:solidFill>
@@ -3584,7 +3584,7 @@
             </a:ln>
             <a:extLst>
               <a:ext uri="{91240B29-F687-4f45-9708-019B960494DF}">
-                <a14:hiddenLine xmlns:a14="http://schemas.microsoft.com/office/drawing/2010/main" xmlns="" w="9525">
+                <a14:hiddenLine xmlns="" xmlns:a14="http://schemas.microsoft.com/office/drawing/2010/main" w="9525">
                   <a:solidFill>
                     <a:srgbClr val="000000"/>
                   </a:solidFill>
@@ -3646,7 +3646,7 @@
             </a:ln>
             <a:extLst>
               <a:ext uri="{91240B29-F687-4f45-9708-019B960494DF}">
-                <a14:hiddenLine xmlns:a14="http://schemas.microsoft.com/office/drawing/2010/main" xmlns="" w="9525">
+                <a14:hiddenLine xmlns="" xmlns:a14="http://schemas.microsoft.com/office/drawing/2010/main" w="9525">
                   <a:solidFill>
                     <a:srgbClr val="000000"/>
                   </a:solidFill>
@@ -3736,7 +3736,7 @@
             </a:ln>
             <a:extLst>
               <a:ext uri="{91240B29-F687-4f45-9708-019B960494DF}">
-                <a14:hiddenLine xmlns:a14="http://schemas.microsoft.com/office/drawing/2010/main" xmlns="" w="9525">
+                <a14:hiddenLine xmlns="" xmlns:a14="http://schemas.microsoft.com/office/drawing/2010/main" w="9525">
                   <a:solidFill>
                     <a:srgbClr val="000000"/>
                   </a:solidFill>
@@ -3770,7 +3770,7 @@
             </a:ln>
             <a:extLst>
               <a:ext uri="{91240B29-F687-4f45-9708-019B960494DF}">
-                <a14:hiddenLine xmlns:a14="http://schemas.microsoft.com/office/drawing/2010/main" xmlns="" w="9525">
+                <a14:hiddenLine xmlns="" xmlns:a14="http://schemas.microsoft.com/office/drawing/2010/main" w="9525">
                   <a:solidFill>
                     <a:srgbClr val="000000"/>
                   </a:solidFill>
@@ -3835,7 +3835,7 @@
             </a:ln>
             <a:extLst>
               <a:ext uri="{91240B29-F687-4f45-9708-019B960494DF}">
-                <a14:hiddenLine xmlns:a14="http://schemas.microsoft.com/office/drawing/2010/main" xmlns="" w="9525">
+                <a14:hiddenLine xmlns="" xmlns:a14="http://schemas.microsoft.com/office/drawing/2010/main" w="9525">
                   <a:solidFill>
                     <a:srgbClr val="000000"/>
                   </a:solidFill>
@@ -3925,7 +3925,7 @@
             </a:ln>
             <a:extLst>
               <a:ext uri="{91240B29-F687-4f45-9708-019B960494DF}">
-                <a14:hiddenLine xmlns:a14="http://schemas.microsoft.com/office/drawing/2010/main" xmlns="" w="9525">
+                <a14:hiddenLine xmlns="" xmlns:a14="http://schemas.microsoft.com/office/drawing/2010/main" w="9525">
                   <a:solidFill>
                     <a:srgbClr val="000000"/>
                   </a:solidFill>
@@ -3987,7 +3987,7 @@
             </a:ln>
             <a:extLst>
               <a:ext uri="{91240B29-F687-4f45-9708-019B960494DF}">
-                <a14:hiddenLine xmlns:a14="http://schemas.microsoft.com/office/drawing/2010/main" xmlns="" w="9525">
+                <a14:hiddenLine xmlns="" xmlns:a14="http://schemas.microsoft.com/office/drawing/2010/main" w="9525">
                   <a:solidFill>
                     <a:srgbClr val="000000"/>
                   </a:solidFill>
@@ -4077,7 +4077,7 @@
             </a:ln>
             <a:extLst>
               <a:ext uri="{91240B29-F687-4f45-9708-019B960494DF}">
-                <a14:hiddenLine xmlns:a14="http://schemas.microsoft.com/office/drawing/2010/main" xmlns="" w="9525">
+                <a14:hiddenLine xmlns="" xmlns:a14="http://schemas.microsoft.com/office/drawing/2010/main" w="9525">
                   <a:solidFill>
                     <a:srgbClr val="000000"/>
                   </a:solidFill>
@@ -4167,7 +4167,7 @@
             </a:ln>
             <a:extLst>
               <a:ext uri="{91240B29-F687-4f45-9708-019B960494DF}">
-                <a14:hiddenLine xmlns:a14="http://schemas.microsoft.com/office/drawing/2010/main" xmlns="" w="9525">
+                <a14:hiddenLine xmlns="" xmlns:a14="http://schemas.microsoft.com/office/drawing/2010/main" w="9525">
                   <a:solidFill>
                     <a:srgbClr val="000000"/>
                   </a:solidFill>
@@ -4232,7 +4232,7 @@
             </a:ln>
             <a:extLst>
               <a:ext uri="{91240B29-F687-4f45-9708-019B960494DF}">
-                <a14:hiddenLine xmlns:a14="http://schemas.microsoft.com/office/drawing/2010/main" xmlns="" w="9525">
+                <a14:hiddenLine xmlns="" xmlns:a14="http://schemas.microsoft.com/office/drawing/2010/main" w="9525">
                   <a:solidFill>
                     <a:srgbClr val="000000"/>
                   </a:solidFill>
@@ -4294,7 +4294,7 @@
             </a:ln>
             <a:extLst>
               <a:ext uri="{91240B29-F687-4f45-9708-019B960494DF}">
-                <a14:hiddenLine xmlns:a14="http://schemas.microsoft.com/office/drawing/2010/main" xmlns="" w="9525">
+                <a14:hiddenLine xmlns="" xmlns:a14="http://schemas.microsoft.com/office/drawing/2010/main" w="9525">
                   <a:solidFill>
                     <a:srgbClr val="000000"/>
                   </a:solidFill>
@@ -4384,7 +4384,7 @@
             </a:ln>
             <a:extLst>
               <a:ext uri="{91240B29-F687-4f45-9708-019B960494DF}">
-                <a14:hiddenLine xmlns:a14="http://schemas.microsoft.com/office/drawing/2010/main" xmlns="" w="9525">
+                <a14:hiddenLine xmlns="" xmlns:a14="http://schemas.microsoft.com/office/drawing/2010/main" w="9525">
                   <a:solidFill>
                     <a:srgbClr val="000000"/>
                   </a:solidFill>
@@ -4474,7 +4474,7 @@
             </a:ln>
             <a:extLst>
               <a:ext uri="{91240B29-F687-4f45-9708-019B960494DF}">
-                <a14:hiddenLine xmlns:a14="http://schemas.microsoft.com/office/drawing/2010/main" xmlns="" w="9525">
+                <a14:hiddenLine xmlns="" xmlns:a14="http://schemas.microsoft.com/office/drawing/2010/main" w="9525">
                   <a:solidFill>
                     <a:srgbClr val="000000"/>
                   </a:solidFill>
@@ -4536,7 +4536,7 @@
             </a:ln>
             <a:extLst>
               <a:ext uri="{91240B29-F687-4f45-9708-019B960494DF}">
-                <a14:hiddenLine xmlns:a14="http://schemas.microsoft.com/office/drawing/2010/main" xmlns="" w="9525">
+                <a14:hiddenLine xmlns="" xmlns:a14="http://schemas.microsoft.com/office/drawing/2010/main" w="9525">
                   <a:solidFill>
                     <a:srgbClr val="000000"/>
                   </a:solidFill>
@@ -4656,7 +4656,7 @@
             </a:ln>
             <a:extLst>
               <a:ext uri="{91240B29-F687-4f45-9708-019B960494DF}">
-                <a14:hiddenLine xmlns:a14="http://schemas.microsoft.com/office/drawing/2010/main" xmlns="" w="9525">
+                <a14:hiddenLine xmlns="" xmlns:a14="http://schemas.microsoft.com/office/drawing/2010/main" w="9525">
                   <a:solidFill>
                     <a:srgbClr val="000000"/>
                   </a:solidFill>
@@ -4724,7 +4724,7 @@
             </a:ln>
             <a:extLst>
               <a:ext uri="{91240B29-F687-4f45-9708-019B960494DF}">
-                <a14:hiddenLine xmlns:a14="http://schemas.microsoft.com/office/drawing/2010/main" xmlns="" w="9525">
+                <a14:hiddenLine xmlns="" xmlns:a14="http://schemas.microsoft.com/office/drawing/2010/main" w="9525">
                   <a:solidFill>
                     <a:srgbClr val="000000"/>
                   </a:solidFill>
@@ -4814,7 +4814,7 @@
             </a:ln>
             <a:extLst>
               <a:ext uri="{91240B29-F687-4f45-9708-019B960494DF}">
-                <a14:hiddenLine xmlns:a14="http://schemas.microsoft.com/office/drawing/2010/main" xmlns="" w="9525">
+                <a14:hiddenLine xmlns="" xmlns:a14="http://schemas.microsoft.com/office/drawing/2010/main" w="9525">
                   <a:solidFill>
                     <a:srgbClr val="000000"/>
                   </a:solidFill>
@@ -4954,7 +4954,7 @@
           <a:p>
             <a:fld id="{EC4347D3-4C9A-C240-8F14-750059DFEEB0}" type="datetimeFigureOut">
               <a:rPr lang="en-US" smtClean="0"/>
-              <a:t>1/16/24</a:t>
+              <a:t>1/18/24</a:t>
             </a:fld>
             <a:endParaRPr lang="en-US"/>
           </a:p>
@@ -5221,7 +5221,7 @@
           <a:p>
             <a:fld id="{EC4347D3-4C9A-C240-8F14-750059DFEEB0}" type="datetimeFigureOut">
               <a:rPr lang="en-US" smtClean="0"/>
-              <a:t>1/16/24</a:t>
+              <a:t>1/18/24</a:t>
             </a:fld>
             <a:endParaRPr lang="en-US"/>
           </a:p>
@@ -5417,7 +5417,7 @@
           <a:p>
             <a:fld id="{EC4347D3-4C9A-C240-8F14-750059DFEEB0}" type="datetimeFigureOut">
               <a:rPr lang="en-US" smtClean="0"/>
-              <a:t>1/16/24</a:t>
+              <a:t>1/18/24</a:t>
             </a:fld>
             <a:endParaRPr lang="en-US"/>
           </a:p>
@@ -5680,7 +5680,7 @@
           <a:p>
             <a:fld id="{EC4347D3-4C9A-C240-8F14-750059DFEEB0}" type="datetimeFigureOut">
               <a:rPr lang="en-US" smtClean="0"/>
-              <a:t>1/16/24</a:t>
+              <a:t>1/18/24</a:t>
             </a:fld>
             <a:endParaRPr lang="en-US"/>
           </a:p>
@@ -6114,7 +6114,7 @@
           <a:p>
             <a:fld id="{EC4347D3-4C9A-C240-8F14-750059DFEEB0}" type="datetimeFigureOut">
               <a:rPr lang="en-US" smtClean="0"/>
-              <a:t>1/16/24</a:t>
+              <a:t>1/18/24</a:t>
             </a:fld>
             <a:endParaRPr lang="en-US"/>
           </a:p>
@@ -6660,7 +6660,7 @@
           <a:p>
             <a:fld id="{EC4347D3-4C9A-C240-8F14-750059DFEEB0}" type="datetimeFigureOut">
               <a:rPr lang="en-US" smtClean="0"/>
-              <a:t>1/16/24</a:t>
+              <a:t>1/18/24</a:t>
             </a:fld>
             <a:endParaRPr lang="en-US"/>
           </a:p>
@@ -7380,7 +7380,7 @@
           <a:p>
             <a:fld id="{EC4347D3-4C9A-C240-8F14-750059DFEEB0}" type="datetimeFigureOut">
               <a:rPr lang="en-US" smtClean="0"/>
-              <a:t>1/16/24</a:t>
+              <a:t>1/18/24</a:t>
             </a:fld>
             <a:endParaRPr lang="en-US"/>
           </a:p>
@@ -7550,7 +7550,7 @@
           <a:p>
             <a:fld id="{EC4347D3-4C9A-C240-8F14-750059DFEEB0}" type="datetimeFigureOut">
               <a:rPr lang="en-US" smtClean="0"/>
-              <a:t>1/16/24</a:t>
+              <a:t>1/18/24</a:t>
             </a:fld>
             <a:endParaRPr lang="en-US"/>
           </a:p>
@@ -7730,7 +7730,7 @@
           <a:p>
             <a:fld id="{EC4347D3-4C9A-C240-8F14-750059DFEEB0}" type="datetimeFigureOut">
               <a:rPr lang="en-US" smtClean="0"/>
-              <a:t>1/16/24</a:t>
+              <a:t>1/18/24</a:t>
             </a:fld>
             <a:endParaRPr lang="en-US"/>
           </a:p>
@@ -7900,7 +7900,7 @@
           <a:p>
             <a:fld id="{EC4347D3-4C9A-C240-8F14-750059DFEEB0}" type="datetimeFigureOut">
               <a:rPr lang="en-US" smtClean="0"/>
-              <a:t>1/16/24</a:t>
+              <a:t>1/18/24</a:t>
             </a:fld>
             <a:endParaRPr lang="en-US"/>
           </a:p>
@@ -8150,7 +8150,7 @@
           <a:p>
             <a:fld id="{EC4347D3-4C9A-C240-8F14-750059DFEEB0}" type="datetimeFigureOut">
               <a:rPr lang="en-US" smtClean="0"/>
-              <a:t>1/16/24</a:t>
+              <a:t>1/18/24</a:t>
             </a:fld>
             <a:endParaRPr lang="en-US"/>
           </a:p>
@@ -8382,7 +8382,7 @@
           <a:p>
             <a:fld id="{EC4347D3-4C9A-C240-8F14-750059DFEEB0}" type="datetimeFigureOut">
               <a:rPr lang="en-US" smtClean="0"/>
-              <a:t>1/16/24</a:t>
+              <a:t>1/18/24</a:t>
             </a:fld>
             <a:endParaRPr lang="en-US"/>
           </a:p>
@@ -8768,7 +8768,7 @@
           <a:p>
             <a:fld id="{EC4347D3-4C9A-C240-8F14-750059DFEEB0}" type="datetimeFigureOut">
               <a:rPr lang="en-US" smtClean="0"/>
-              <a:t>1/16/24</a:t>
+              <a:t>1/18/24</a:t>
             </a:fld>
             <a:endParaRPr lang="en-US"/>
           </a:p>
@@ -8891,7 +8891,7 @@
           <a:p>
             <a:fld id="{EC4347D3-4C9A-C240-8F14-750059DFEEB0}" type="datetimeFigureOut">
               <a:rPr lang="en-US" smtClean="0"/>
-              <a:t>1/16/24</a:t>
+              <a:t>1/18/24</a:t>
             </a:fld>
             <a:endParaRPr lang="en-US"/>
           </a:p>
@@ -8986,7 +8986,7 @@
           <a:p>
             <a:fld id="{EC4347D3-4C9A-C240-8F14-750059DFEEB0}" type="datetimeFigureOut">
               <a:rPr lang="en-US" smtClean="0"/>
-              <a:t>1/16/24</a:t>
+              <a:t>1/18/24</a:t>
             </a:fld>
             <a:endParaRPr lang="en-US"/>
           </a:p>
@@ -9235,7 +9235,7 @@
           <a:p>
             <a:fld id="{EC4347D3-4C9A-C240-8F14-750059DFEEB0}" type="datetimeFigureOut">
               <a:rPr lang="en-US" smtClean="0"/>
-              <a:t>1/16/24</a:t>
+              <a:t>1/18/24</a:t>
             </a:fld>
             <a:endParaRPr lang="en-US"/>
           </a:p>
@@ -9520,7 +9520,7 @@
           <a:p>
             <a:fld id="{EC4347D3-4C9A-C240-8F14-750059DFEEB0}" type="datetimeFigureOut">
               <a:rPr lang="en-US" smtClean="0"/>
-              <a:t>1/16/24</a:t>
+              <a:t>1/18/24</a:t>
             </a:fld>
             <a:endParaRPr lang="en-US"/>
           </a:p>
@@ -9643,7 +9643,7 @@
           <a:noFill/>
           <a:extLst>
             <a:ext uri="{909E8E84-426E-40dd-AFC4-6F175D3DCCD1}">
-              <a14:hiddenFill xmlns:a14="http://schemas.microsoft.com/office/drawing/2010/main" xmlns="">
+              <a14:hiddenFill xmlns="" xmlns:a14="http://schemas.microsoft.com/office/drawing/2010/main">
                 <a:solidFill>
                   <a:srgbClr val="FFFFFF"/>
                 </a:solidFill>
@@ -9717,7 +9717,7 @@
               </a:ln>
               <a:extLst>
                 <a:ext uri="{91240B29-F687-4f45-9708-019B960494DF}">
-                  <a14:hiddenLine xmlns:a14="http://schemas.microsoft.com/office/drawing/2010/main" xmlns="" w="9525">
+                  <a14:hiddenLine xmlns="" xmlns:a14="http://schemas.microsoft.com/office/drawing/2010/main" w="9525">
                     <a:solidFill>
                       <a:srgbClr val="000000"/>
                     </a:solidFill>
@@ -9807,7 +9807,7 @@
               </a:ln>
               <a:extLst>
                 <a:ext uri="{91240B29-F687-4f45-9708-019B960494DF}">
-                  <a14:hiddenLine xmlns:a14="http://schemas.microsoft.com/office/drawing/2010/main" xmlns="" w="9525">
+                  <a14:hiddenLine xmlns="" xmlns:a14="http://schemas.microsoft.com/office/drawing/2010/main" w="9525">
                     <a:solidFill>
                       <a:srgbClr val="000000"/>
                     </a:solidFill>
@@ -9897,7 +9897,7 @@
               </a:ln>
               <a:extLst>
                 <a:ext uri="{91240B29-F687-4f45-9708-019B960494DF}">
-                  <a14:hiddenLine xmlns:a14="http://schemas.microsoft.com/office/drawing/2010/main" xmlns="" w="9525">
+                  <a14:hiddenLine xmlns="" xmlns:a14="http://schemas.microsoft.com/office/drawing/2010/main" w="9525">
                     <a:solidFill>
                       <a:srgbClr val="000000"/>
                     </a:solidFill>
@@ -9959,7 +9959,7 @@
               </a:ln>
               <a:extLst>
                 <a:ext uri="{91240B29-F687-4f45-9708-019B960494DF}">
-                  <a14:hiddenLine xmlns:a14="http://schemas.microsoft.com/office/drawing/2010/main" xmlns="" w="9525">
+                  <a14:hiddenLine xmlns="" xmlns:a14="http://schemas.microsoft.com/office/drawing/2010/main" w="9525">
                     <a:solidFill>
                       <a:srgbClr val="000000"/>
                     </a:solidFill>
@@ -10049,7 +10049,7 @@
               </a:ln>
               <a:extLst>
                 <a:ext uri="{91240B29-F687-4f45-9708-019B960494DF}">
-                  <a14:hiddenLine xmlns:a14="http://schemas.microsoft.com/office/drawing/2010/main" xmlns="" w="9525">
+                  <a14:hiddenLine xmlns="" xmlns:a14="http://schemas.microsoft.com/office/drawing/2010/main" w="9525">
                     <a:solidFill>
                       <a:srgbClr val="000000"/>
                     </a:solidFill>
@@ -10111,7 +10111,7 @@
               </a:ln>
               <a:extLst>
                 <a:ext uri="{91240B29-F687-4f45-9708-019B960494DF}">
-                  <a14:hiddenLine xmlns:a14="http://schemas.microsoft.com/office/drawing/2010/main" xmlns="" w="9525">
+                  <a14:hiddenLine xmlns="" xmlns:a14="http://schemas.microsoft.com/office/drawing/2010/main" w="9525">
                     <a:solidFill>
                       <a:srgbClr val="000000"/>
                     </a:solidFill>
@@ -10173,7 +10173,7 @@
               </a:ln>
               <a:extLst>
                 <a:ext uri="{91240B29-F687-4f45-9708-019B960494DF}">
-                  <a14:hiddenLine xmlns:a14="http://schemas.microsoft.com/office/drawing/2010/main" xmlns="" w="9525">
+                  <a14:hiddenLine xmlns="" xmlns:a14="http://schemas.microsoft.com/office/drawing/2010/main" w="9525">
                     <a:solidFill>
                       <a:srgbClr val="000000"/>
                     </a:solidFill>
@@ -10263,7 +10263,7 @@
               </a:ln>
               <a:extLst>
                 <a:ext uri="{91240B29-F687-4f45-9708-019B960494DF}">
-                  <a14:hiddenLine xmlns:a14="http://schemas.microsoft.com/office/drawing/2010/main" xmlns="" w="9525">
+                  <a14:hiddenLine xmlns="" xmlns:a14="http://schemas.microsoft.com/office/drawing/2010/main" w="9525">
                     <a:solidFill>
                       <a:srgbClr val="000000"/>
                     </a:solidFill>
@@ -10353,7 +10353,7 @@
               </a:ln>
               <a:extLst>
                 <a:ext uri="{91240B29-F687-4f45-9708-019B960494DF}">
-                  <a14:hiddenLine xmlns:a14="http://schemas.microsoft.com/office/drawing/2010/main" xmlns="" w="9525">
+                  <a14:hiddenLine xmlns="" xmlns:a14="http://schemas.microsoft.com/office/drawing/2010/main" w="9525">
                     <a:solidFill>
                       <a:srgbClr val="000000"/>
                     </a:solidFill>
@@ -10415,7 +10415,7 @@
               </a:ln>
               <a:extLst>
                 <a:ext uri="{91240B29-F687-4f45-9708-019B960494DF}">
-                  <a14:hiddenLine xmlns:a14="http://schemas.microsoft.com/office/drawing/2010/main" xmlns="" w="9525">
+                  <a14:hiddenLine xmlns="" xmlns:a14="http://schemas.microsoft.com/office/drawing/2010/main" w="9525">
                     <a:solidFill>
                       <a:srgbClr val="000000"/>
                     </a:solidFill>
@@ -10525,7 +10525,7 @@
               </a:ln>
               <a:extLst>
                 <a:ext uri="{91240B29-F687-4f45-9708-019B960494DF}">
-                  <a14:hiddenLine xmlns:a14="http://schemas.microsoft.com/office/drawing/2010/main" xmlns="" w="9525">
+                  <a14:hiddenLine xmlns="" xmlns:a14="http://schemas.microsoft.com/office/drawing/2010/main" w="9525">
                     <a:solidFill>
                       <a:srgbClr val="000000"/>
                     </a:solidFill>
@@ -10609,7 +10609,7 @@
               </a:ln>
               <a:extLst>
                 <a:ext uri="{91240B29-F687-4f45-9708-019B960494DF}">
-                  <a14:hiddenLine xmlns:a14="http://schemas.microsoft.com/office/drawing/2010/main" xmlns="" w="9525">
+                  <a14:hiddenLine xmlns="" xmlns:a14="http://schemas.microsoft.com/office/drawing/2010/main" w="9525">
                     <a:solidFill>
                       <a:srgbClr val="000000"/>
                     </a:solidFill>
@@ -10671,7 +10671,7 @@
               </a:ln>
               <a:extLst>
                 <a:ext uri="{91240B29-F687-4f45-9708-019B960494DF}">
-                  <a14:hiddenLine xmlns:a14="http://schemas.microsoft.com/office/drawing/2010/main" xmlns="" w="9525">
+                  <a14:hiddenLine xmlns="" xmlns:a14="http://schemas.microsoft.com/office/drawing/2010/main" w="9525">
                     <a:solidFill>
                       <a:srgbClr val="000000"/>
                     </a:solidFill>
@@ -10733,7 +10733,7 @@
               </a:ln>
               <a:extLst>
                 <a:ext uri="{91240B29-F687-4f45-9708-019B960494DF}">
-                  <a14:hiddenLine xmlns:a14="http://schemas.microsoft.com/office/drawing/2010/main" xmlns="" w="9525">
+                  <a14:hiddenLine xmlns="" xmlns:a14="http://schemas.microsoft.com/office/drawing/2010/main" w="9525">
                     <a:solidFill>
                       <a:srgbClr val="000000"/>
                     </a:solidFill>
@@ -10823,7 +10823,7 @@
               </a:ln>
               <a:extLst>
                 <a:ext uri="{91240B29-F687-4f45-9708-019B960494DF}">
-                  <a14:hiddenLine xmlns:a14="http://schemas.microsoft.com/office/drawing/2010/main" xmlns="" w="9525">
+                  <a14:hiddenLine xmlns="" xmlns:a14="http://schemas.microsoft.com/office/drawing/2010/main" w="9525">
                     <a:solidFill>
                       <a:srgbClr val="000000"/>
                     </a:solidFill>
@@ -10857,7 +10857,7 @@
               </a:ln>
               <a:extLst>
                 <a:ext uri="{91240B29-F687-4f45-9708-019B960494DF}">
-                  <a14:hiddenLine xmlns:a14="http://schemas.microsoft.com/office/drawing/2010/main" xmlns="" w="9525">
+                  <a14:hiddenLine xmlns="" xmlns:a14="http://schemas.microsoft.com/office/drawing/2010/main" w="9525">
                     <a:solidFill>
                       <a:srgbClr val="000000"/>
                     </a:solidFill>
@@ -10922,7 +10922,7 @@
               </a:ln>
               <a:extLst>
                 <a:ext uri="{91240B29-F687-4f45-9708-019B960494DF}">
-                  <a14:hiddenLine xmlns:a14="http://schemas.microsoft.com/office/drawing/2010/main" xmlns="" w="9525">
+                  <a14:hiddenLine xmlns="" xmlns:a14="http://schemas.microsoft.com/office/drawing/2010/main" w="9525">
                     <a:solidFill>
                       <a:srgbClr val="000000"/>
                     </a:solidFill>
@@ -11012,7 +11012,7 @@
               </a:ln>
               <a:extLst>
                 <a:ext uri="{91240B29-F687-4f45-9708-019B960494DF}">
-                  <a14:hiddenLine xmlns:a14="http://schemas.microsoft.com/office/drawing/2010/main" xmlns="" w="9525">
+                  <a14:hiddenLine xmlns="" xmlns:a14="http://schemas.microsoft.com/office/drawing/2010/main" w="9525">
                     <a:solidFill>
                       <a:srgbClr val="000000"/>
                     </a:solidFill>
@@ -11074,7 +11074,7 @@
               </a:ln>
               <a:extLst>
                 <a:ext uri="{91240B29-F687-4f45-9708-019B960494DF}">
-                  <a14:hiddenLine xmlns:a14="http://schemas.microsoft.com/office/drawing/2010/main" xmlns="" w="9525">
+                  <a14:hiddenLine xmlns="" xmlns:a14="http://schemas.microsoft.com/office/drawing/2010/main" w="9525">
                     <a:solidFill>
                       <a:srgbClr val="000000"/>
                     </a:solidFill>
@@ -11164,7 +11164,7 @@
               </a:ln>
               <a:extLst>
                 <a:ext uri="{91240B29-F687-4f45-9708-019B960494DF}">
-                  <a14:hiddenLine xmlns:a14="http://schemas.microsoft.com/office/drawing/2010/main" xmlns="" w="9525">
+                  <a14:hiddenLine xmlns="" xmlns:a14="http://schemas.microsoft.com/office/drawing/2010/main" w="9525">
                     <a:solidFill>
                       <a:srgbClr val="000000"/>
                     </a:solidFill>
@@ -11229,7 +11229,7 @@
               </a:ln>
               <a:extLst>
                 <a:ext uri="{91240B29-F687-4f45-9708-019B960494DF}">
-                  <a14:hiddenLine xmlns:a14="http://schemas.microsoft.com/office/drawing/2010/main" xmlns="" w="9525">
+                  <a14:hiddenLine xmlns="" xmlns:a14="http://schemas.microsoft.com/office/drawing/2010/main" w="9525">
                     <a:solidFill>
                       <a:srgbClr val="000000"/>
                     </a:solidFill>
@@ -11291,7 +11291,7 @@
               </a:ln>
               <a:extLst>
                 <a:ext uri="{91240B29-F687-4f45-9708-019B960494DF}">
-                  <a14:hiddenLine xmlns:a14="http://schemas.microsoft.com/office/drawing/2010/main" xmlns="" w="9525">
+                  <a14:hiddenLine xmlns="" xmlns:a14="http://schemas.microsoft.com/office/drawing/2010/main" w="9525">
                     <a:solidFill>
                       <a:srgbClr val="000000"/>
                     </a:solidFill>
@@ -11381,7 +11381,7 @@
               </a:ln>
               <a:extLst>
                 <a:ext uri="{91240B29-F687-4f45-9708-019B960494DF}">
-                  <a14:hiddenLine xmlns:a14="http://schemas.microsoft.com/office/drawing/2010/main" xmlns="" w="9525">
+                  <a14:hiddenLine xmlns="" xmlns:a14="http://schemas.microsoft.com/office/drawing/2010/main" w="9525">
                     <a:solidFill>
                       <a:srgbClr val="000000"/>
                     </a:solidFill>
@@ -11471,7 +11471,7 @@
               </a:ln>
               <a:extLst>
                 <a:ext uri="{91240B29-F687-4f45-9708-019B960494DF}">
-                  <a14:hiddenLine xmlns:a14="http://schemas.microsoft.com/office/drawing/2010/main" xmlns="" w="9525">
+                  <a14:hiddenLine xmlns="" xmlns:a14="http://schemas.microsoft.com/office/drawing/2010/main" w="9525">
                     <a:solidFill>
                       <a:srgbClr val="000000"/>
                     </a:solidFill>
@@ -11536,7 +11536,7 @@
               </a:ln>
               <a:extLst>
                 <a:ext uri="{91240B29-F687-4f45-9708-019B960494DF}">
-                  <a14:hiddenLine xmlns:a14="http://schemas.microsoft.com/office/drawing/2010/main" xmlns="" w="9525">
+                  <a14:hiddenLine xmlns="" xmlns:a14="http://schemas.microsoft.com/office/drawing/2010/main" w="9525">
                     <a:solidFill>
                       <a:srgbClr val="000000"/>
                     </a:solidFill>
@@ -11656,7 +11656,7 @@
               </a:ln>
               <a:extLst>
                 <a:ext uri="{91240B29-F687-4f45-9708-019B960494DF}">
-                  <a14:hiddenLine xmlns:a14="http://schemas.microsoft.com/office/drawing/2010/main" xmlns="" w="9525">
+                  <a14:hiddenLine xmlns="" xmlns:a14="http://schemas.microsoft.com/office/drawing/2010/main" w="9525">
                     <a:solidFill>
                       <a:srgbClr val="000000"/>
                     </a:solidFill>
@@ -11737,7 +11737,7 @@
               </a:ln>
               <a:extLst>
                 <a:ext uri="{91240B29-F687-4f45-9708-019B960494DF}">
-                  <a14:hiddenLine xmlns:a14="http://schemas.microsoft.com/office/drawing/2010/main" xmlns="" w="9525">
+                  <a14:hiddenLine xmlns="" xmlns:a14="http://schemas.microsoft.com/office/drawing/2010/main" w="9525">
                     <a:solidFill>
                       <a:srgbClr val="000000"/>
                     </a:solidFill>
@@ -11852,7 +11852,7 @@
               </a:ln>
               <a:extLst>
                 <a:ext uri="{91240B29-F687-4f45-9708-019B960494DF}">
-                  <a14:hiddenLine xmlns:a14="http://schemas.microsoft.com/office/drawing/2010/main" xmlns="" w="9525">
+                  <a14:hiddenLine xmlns="" xmlns:a14="http://schemas.microsoft.com/office/drawing/2010/main" w="9525">
                     <a:solidFill>
                       <a:srgbClr val="000000"/>
                     </a:solidFill>
@@ -11942,7 +11942,7 @@
               </a:ln>
               <a:extLst>
                 <a:ext uri="{91240B29-F687-4f45-9708-019B960494DF}">
-                  <a14:hiddenLine xmlns:a14="http://schemas.microsoft.com/office/drawing/2010/main" xmlns="" w="9525">
+                  <a14:hiddenLine xmlns="" xmlns:a14="http://schemas.microsoft.com/office/drawing/2010/main" w="9525">
                     <a:solidFill>
                       <a:srgbClr val="000000"/>
                     </a:solidFill>
@@ -12007,7 +12007,7 @@
               </a:ln>
               <a:extLst>
                 <a:ext uri="{91240B29-F687-4f45-9708-019B960494DF}">
-                  <a14:hiddenLine xmlns:a14="http://schemas.microsoft.com/office/drawing/2010/main" xmlns="" w="9525">
+                  <a14:hiddenLine xmlns="" xmlns:a14="http://schemas.microsoft.com/office/drawing/2010/main" w="9525">
                     <a:solidFill>
                       <a:srgbClr val="000000"/>
                     </a:solidFill>
@@ -12097,7 +12097,7 @@
               </a:ln>
               <a:extLst>
                 <a:ext uri="{91240B29-F687-4f45-9708-019B960494DF}">
-                  <a14:hiddenLine xmlns:a14="http://schemas.microsoft.com/office/drawing/2010/main" xmlns="" w="9525">
+                  <a14:hiddenLine xmlns="" xmlns:a14="http://schemas.microsoft.com/office/drawing/2010/main" w="9525">
                     <a:solidFill>
                       <a:srgbClr val="000000"/>
                     </a:solidFill>
@@ -12165,7 +12165,7 @@
               </a:ln>
               <a:extLst>
                 <a:ext uri="{91240B29-F687-4f45-9708-019B960494DF}">
-                  <a14:hiddenLine xmlns:a14="http://schemas.microsoft.com/office/drawing/2010/main" xmlns="" w="9525">
+                  <a14:hiddenLine xmlns="" xmlns:a14="http://schemas.microsoft.com/office/drawing/2010/main" w="9525">
                     <a:solidFill>
                       <a:srgbClr val="000000"/>
                     </a:solidFill>
@@ -12255,7 +12255,7 @@
               </a:ln>
               <a:extLst>
                 <a:ext uri="{91240B29-F687-4f45-9708-019B960494DF}">
-                  <a14:hiddenLine xmlns:a14="http://schemas.microsoft.com/office/drawing/2010/main" xmlns="" w="9525">
+                  <a14:hiddenLine xmlns="" xmlns:a14="http://schemas.microsoft.com/office/drawing/2010/main" w="9525">
                     <a:solidFill>
                       <a:srgbClr val="000000"/>
                     </a:solidFill>
@@ -12323,7 +12323,7 @@
               </a:ln>
               <a:extLst>
                 <a:ext uri="{91240B29-F687-4f45-9708-019B960494DF}">
-                  <a14:hiddenLine xmlns:a14="http://schemas.microsoft.com/office/drawing/2010/main" xmlns="" w="9525">
+                  <a14:hiddenLine xmlns="" xmlns:a14="http://schemas.microsoft.com/office/drawing/2010/main" w="9525">
                     <a:solidFill>
                       <a:srgbClr val="000000"/>
                     </a:solidFill>
@@ -12413,7 +12413,7 @@
               </a:ln>
               <a:extLst>
                 <a:ext uri="{91240B29-F687-4f45-9708-019B960494DF}">
-                  <a14:hiddenLine xmlns:a14="http://schemas.microsoft.com/office/drawing/2010/main" xmlns="" w="9525">
+                  <a14:hiddenLine xmlns="" xmlns:a14="http://schemas.microsoft.com/office/drawing/2010/main" w="9525">
                     <a:solidFill>
                       <a:srgbClr val="000000"/>
                     </a:solidFill>
@@ -12447,7 +12447,7 @@
               </a:ln>
               <a:extLst>
                 <a:ext uri="{91240B29-F687-4f45-9708-019B960494DF}">
-                  <a14:hiddenLine xmlns:a14="http://schemas.microsoft.com/office/drawing/2010/main" xmlns="" w="9525">
+                  <a14:hiddenLine xmlns="" xmlns:a14="http://schemas.microsoft.com/office/drawing/2010/main" w="9525">
                     <a:solidFill>
                       <a:srgbClr val="000000"/>
                     </a:solidFill>
@@ -12587,7 +12587,7 @@
           <a:p>
             <a:fld id="{EC4347D3-4C9A-C240-8F14-750059DFEEB0}" type="datetimeFigureOut">
               <a:rPr lang="en-US" smtClean="0"/>
-              <a:t>1/16/24</a:t>
+              <a:t>1/18/24</a:t>
             </a:fld>
             <a:endParaRPr lang="en-US"/>
           </a:p>
@@ -15095,7 +15095,7 @@
           <a:p>
             <a:r>
               <a:rPr lang="en-US" dirty="0"/>
-              <a:t>You can attempt all four retakes if you want, but the exams are designed for their to be enough time to do two (maybe three) retakes.</a:t>
+              <a:t>You can attempt all four retakes if you want, but the exams are designed for there to be enough time to do two (maybe three) retakes.</a:t>
             </a:r>
           </a:p>
         </p:txBody>
@@ -15601,7 +15601,7 @@
             <a:pPr lvl="1"/>
             <a:r>
               <a:rPr lang="en-US" dirty="0"/>
-              <a:t>Anyone can fill out an online form to request a three week extension. Extensions will be granted for any reason as long as you articulate why you need extra time and when you plan to finish the homework by.</a:t>
+              <a:t>Anyone can fill out an online form to request a 10 day week extension. Extensions will be granted for any reason as long as you articulate why you need extra time and when you plan to finish the homework by.</a:t>
             </a:r>
           </a:p>
           <a:p>

--- a/slides/00-CourseIntroduction.pptx
+++ b/slides/00-CourseIntroduction.pptx
@@ -226,7 +226,7 @@
           <a:p>
             <a:fld id="{C5B45307-6ED4-B142-BD64-10F739779302}" type="datetimeFigureOut">
               <a:rPr lang="en-US" smtClean="0"/>
-              <a:t>1/18/24</a:t>
+              <a:t>3/18/24</a:t>
             </a:fld>
             <a:endParaRPr lang="en-US"/>
           </a:p>
@@ -729,7 +729,7 @@
           <a:noFill/>
           <a:extLst>
             <a:ext uri="{909E8E84-426E-40dd-AFC4-6F175D3DCCD1}">
-              <a14:hiddenFill xmlns="" xmlns:a14="http://schemas.microsoft.com/office/drawing/2010/main">
+              <a14:hiddenFill xmlns:a14="http://schemas.microsoft.com/office/drawing/2010/main" xmlns="">
                 <a:solidFill>
                   <a:srgbClr val="FFFFFF"/>
                 </a:solidFill>
@@ -788,7 +788,7 @@
             </a:ln>
             <a:extLst>
               <a:ext uri="{91240B29-F687-4f45-9708-019B960494DF}">
-                <a14:hiddenLine xmlns="" xmlns:a14="http://schemas.microsoft.com/office/drawing/2010/main" w="9525">
+                <a14:hiddenLine xmlns:a14="http://schemas.microsoft.com/office/drawing/2010/main" xmlns="" w="9525">
                   <a:solidFill>
                     <a:srgbClr val="000000"/>
                   </a:solidFill>
@@ -878,7 +878,7 @@
             </a:ln>
             <a:extLst>
               <a:ext uri="{91240B29-F687-4f45-9708-019B960494DF}">
-                <a14:hiddenLine xmlns="" xmlns:a14="http://schemas.microsoft.com/office/drawing/2010/main" w="9525">
+                <a14:hiddenLine xmlns:a14="http://schemas.microsoft.com/office/drawing/2010/main" xmlns="" w="9525">
                   <a:solidFill>
                     <a:srgbClr val="000000"/>
                   </a:solidFill>
@@ -968,7 +968,7 @@
             </a:ln>
             <a:extLst>
               <a:ext uri="{91240B29-F687-4f45-9708-019B960494DF}">
-                <a14:hiddenLine xmlns="" xmlns:a14="http://schemas.microsoft.com/office/drawing/2010/main" w="9525">
+                <a14:hiddenLine xmlns:a14="http://schemas.microsoft.com/office/drawing/2010/main" xmlns="" w="9525">
                   <a:solidFill>
                     <a:srgbClr val="000000"/>
                   </a:solidFill>
@@ -1002,7 +1002,7 @@
             </a:ln>
             <a:extLst>
               <a:ext uri="{91240B29-F687-4f45-9708-019B960494DF}">
-                <a14:hiddenLine xmlns="" xmlns:a14="http://schemas.microsoft.com/office/drawing/2010/main" w="9525">
+                <a14:hiddenLine xmlns:a14="http://schemas.microsoft.com/office/drawing/2010/main" xmlns="" w="9525">
                   <a:solidFill>
                     <a:srgbClr val="000000"/>
                   </a:solidFill>
@@ -1092,7 +1092,7 @@
             </a:ln>
             <a:extLst>
               <a:ext uri="{91240B29-F687-4f45-9708-019B960494DF}">
-                <a14:hiddenLine xmlns="" xmlns:a14="http://schemas.microsoft.com/office/drawing/2010/main" w="9525">
+                <a14:hiddenLine xmlns:a14="http://schemas.microsoft.com/office/drawing/2010/main" xmlns="" w="9525">
                   <a:solidFill>
                     <a:srgbClr val="000000"/>
                   </a:solidFill>
@@ -1154,7 +1154,7 @@
             </a:ln>
             <a:extLst>
               <a:ext uri="{91240B29-F687-4f45-9708-019B960494DF}">
-                <a14:hiddenLine xmlns="" xmlns:a14="http://schemas.microsoft.com/office/drawing/2010/main" w="9525">
+                <a14:hiddenLine xmlns:a14="http://schemas.microsoft.com/office/drawing/2010/main" xmlns="" w="9525">
                   <a:solidFill>
                     <a:srgbClr val="000000"/>
                   </a:solidFill>
@@ -1216,7 +1216,7 @@
             </a:ln>
             <a:extLst>
               <a:ext uri="{91240B29-F687-4f45-9708-019B960494DF}">
-                <a14:hiddenLine xmlns="" xmlns:a14="http://schemas.microsoft.com/office/drawing/2010/main" w="9525">
+                <a14:hiddenLine xmlns:a14="http://schemas.microsoft.com/office/drawing/2010/main" xmlns="" w="9525">
                   <a:solidFill>
                     <a:srgbClr val="000000"/>
                   </a:solidFill>
@@ -1306,7 +1306,7 @@
             </a:ln>
             <a:extLst>
               <a:ext uri="{91240B29-F687-4f45-9708-019B960494DF}">
-                <a14:hiddenLine xmlns="" xmlns:a14="http://schemas.microsoft.com/office/drawing/2010/main" w="9525">
+                <a14:hiddenLine xmlns:a14="http://schemas.microsoft.com/office/drawing/2010/main" xmlns="" w="9525">
                   <a:solidFill>
                     <a:srgbClr val="000000"/>
                   </a:solidFill>
@@ -1368,7 +1368,7 @@
             </a:ln>
             <a:extLst>
               <a:ext uri="{91240B29-F687-4f45-9708-019B960494DF}">
-                <a14:hiddenLine xmlns="" xmlns:a14="http://schemas.microsoft.com/office/drawing/2010/main" w="9525">
+                <a14:hiddenLine xmlns:a14="http://schemas.microsoft.com/office/drawing/2010/main" xmlns="" w="9525">
                   <a:solidFill>
                     <a:srgbClr val="000000"/>
                   </a:solidFill>
@@ -1430,7 +1430,7 @@
             </a:ln>
             <a:extLst>
               <a:ext uri="{91240B29-F687-4f45-9708-019B960494DF}">
-                <a14:hiddenLine xmlns="" xmlns:a14="http://schemas.microsoft.com/office/drawing/2010/main" w="9525">
+                <a14:hiddenLine xmlns:a14="http://schemas.microsoft.com/office/drawing/2010/main" xmlns="" w="9525">
                   <a:solidFill>
                     <a:srgbClr val="000000"/>
                   </a:solidFill>
@@ -1520,7 +1520,7 @@
             </a:ln>
             <a:extLst>
               <a:ext uri="{91240B29-F687-4f45-9708-019B960494DF}">
-                <a14:hiddenLine xmlns="" xmlns:a14="http://schemas.microsoft.com/office/drawing/2010/main" w="9525">
+                <a14:hiddenLine xmlns:a14="http://schemas.microsoft.com/office/drawing/2010/main" xmlns="" w="9525">
                   <a:solidFill>
                     <a:srgbClr val="000000"/>
                   </a:solidFill>
@@ -1610,7 +1610,7 @@
             </a:ln>
             <a:extLst>
               <a:ext uri="{91240B29-F687-4f45-9708-019B960494DF}">
-                <a14:hiddenLine xmlns="" xmlns:a14="http://schemas.microsoft.com/office/drawing/2010/main" w="9525">
+                <a14:hiddenLine xmlns:a14="http://schemas.microsoft.com/office/drawing/2010/main" xmlns="" w="9525">
                   <a:solidFill>
                     <a:srgbClr val="000000"/>
                   </a:solidFill>
@@ -1672,7 +1672,7 @@
             </a:ln>
             <a:extLst>
               <a:ext uri="{91240B29-F687-4f45-9708-019B960494DF}">
-                <a14:hiddenLine xmlns="" xmlns:a14="http://schemas.microsoft.com/office/drawing/2010/main" w="9525">
+                <a14:hiddenLine xmlns:a14="http://schemas.microsoft.com/office/drawing/2010/main" xmlns="" w="9525">
                   <a:solidFill>
                     <a:srgbClr val="000000"/>
                   </a:solidFill>
@@ -1782,7 +1782,7 @@
             </a:ln>
             <a:extLst>
               <a:ext uri="{91240B29-F687-4f45-9708-019B960494DF}">
-                <a14:hiddenLine xmlns="" xmlns:a14="http://schemas.microsoft.com/office/drawing/2010/main" w="9525">
+                <a14:hiddenLine xmlns:a14="http://schemas.microsoft.com/office/drawing/2010/main" xmlns="" w="9525">
                   <a:solidFill>
                     <a:srgbClr val="000000"/>
                   </a:solidFill>
@@ -1844,7 +1844,7 @@
             </a:ln>
             <a:extLst>
               <a:ext uri="{91240B29-F687-4f45-9708-019B960494DF}">
-                <a14:hiddenLine xmlns="" xmlns:a14="http://schemas.microsoft.com/office/drawing/2010/main" w="9525">
+                <a14:hiddenLine xmlns:a14="http://schemas.microsoft.com/office/drawing/2010/main" xmlns="" w="9525">
                   <a:solidFill>
                     <a:srgbClr val="000000"/>
                   </a:solidFill>
@@ -1934,7 +1934,7 @@
             </a:ln>
             <a:extLst>
               <a:ext uri="{91240B29-F687-4f45-9708-019B960494DF}">
-                <a14:hiddenLine xmlns="" xmlns:a14="http://schemas.microsoft.com/office/drawing/2010/main" w="9525">
+                <a14:hiddenLine xmlns:a14="http://schemas.microsoft.com/office/drawing/2010/main" xmlns="" w="9525">
                   <a:solidFill>
                     <a:srgbClr val="000000"/>
                   </a:solidFill>
@@ -2024,7 +2024,7 @@
             </a:ln>
             <a:extLst>
               <a:ext uri="{91240B29-F687-4f45-9708-019B960494DF}">
-                <a14:hiddenLine xmlns="" xmlns:a14="http://schemas.microsoft.com/office/drawing/2010/main" w="9525">
+                <a14:hiddenLine xmlns:a14="http://schemas.microsoft.com/office/drawing/2010/main" xmlns="" w="9525">
                   <a:solidFill>
                     <a:srgbClr val="000000"/>
                   </a:solidFill>
@@ -2086,7 +2086,7 @@
             </a:ln>
             <a:extLst>
               <a:ext uri="{91240B29-F687-4f45-9708-019B960494DF}">
-                <a14:hiddenLine xmlns="" xmlns:a14="http://schemas.microsoft.com/office/drawing/2010/main" w="9525">
+                <a14:hiddenLine xmlns:a14="http://schemas.microsoft.com/office/drawing/2010/main" xmlns="" w="9525">
                   <a:solidFill>
                     <a:srgbClr val="000000"/>
                   </a:solidFill>
@@ -2176,7 +2176,7 @@
             </a:ln>
             <a:extLst>
               <a:ext uri="{91240B29-F687-4f45-9708-019B960494DF}">
-                <a14:hiddenLine xmlns="" xmlns:a14="http://schemas.microsoft.com/office/drawing/2010/main" w="9525">
+                <a14:hiddenLine xmlns:a14="http://schemas.microsoft.com/office/drawing/2010/main" xmlns="" w="9525">
                   <a:solidFill>
                     <a:srgbClr val="000000"/>
                   </a:solidFill>
@@ -2266,7 +2266,7 @@
             </a:ln>
             <a:extLst>
               <a:ext uri="{91240B29-F687-4f45-9708-019B960494DF}">
-                <a14:hiddenLine xmlns="" xmlns:a14="http://schemas.microsoft.com/office/drawing/2010/main" w="9525">
+                <a14:hiddenLine xmlns:a14="http://schemas.microsoft.com/office/drawing/2010/main" xmlns="" w="9525">
                   <a:solidFill>
                     <a:srgbClr val="000000"/>
                   </a:solidFill>
@@ -2322,7 +2322,7 @@
             </a:ln>
             <a:extLst>
               <a:ext uri="{91240B29-F687-4f45-9708-019B960494DF}">
-                <a14:hiddenLine xmlns="" xmlns:a14="http://schemas.microsoft.com/office/drawing/2010/main" w="9525">
+                <a14:hiddenLine xmlns:a14="http://schemas.microsoft.com/office/drawing/2010/main" xmlns="" w="9525">
                   <a:solidFill>
                     <a:srgbClr val="000000"/>
                   </a:solidFill>
@@ -2412,7 +2412,7 @@
             </a:ln>
             <a:extLst>
               <a:ext uri="{91240B29-F687-4f45-9708-019B960494DF}">
-                <a14:hiddenLine xmlns="" xmlns:a14="http://schemas.microsoft.com/office/drawing/2010/main" w="9525">
+                <a14:hiddenLine xmlns:a14="http://schemas.microsoft.com/office/drawing/2010/main" xmlns="" w="9525">
                   <a:solidFill>
                     <a:srgbClr val="000000"/>
                   </a:solidFill>
@@ -2468,7 +2468,7 @@
             </a:ln>
             <a:extLst>
               <a:ext uri="{91240B29-F687-4f45-9708-019B960494DF}">
-                <a14:hiddenLine xmlns="" xmlns:a14="http://schemas.microsoft.com/office/drawing/2010/main" w="9525">
+                <a14:hiddenLine xmlns:a14="http://schemas.microsoft.com/office/drawing/2010/main" xmlns="" w="9525">
                   <a:solidFill>
                     <a:srgbClr val="000000"/>
                   </a:solidFill>
@@ -2558,7 +2558,7 @@
             </a:ln>
             <a:extLst>
               <a:ext uri="{91240B29-F687-4f45-9708-019B960494DF}">
-                <a14:hiddenLine xmlns="" xmlns:a14="http://schemas.microsoft.com/office/drawing/2010/main" w="9525">
+                <a14:hiddenLine xmlns:a14="http://schemas.microsoft.com/office/drawing/2010/main" xmlns="" w="9525">
                   <a:solidFill>
                     <a:srgbClr val="000000"/>
                   </a:solidFill>
@@ -2626,7 +2626,7 @@
             </a:ln>
             <a:extLst>
               <a:ext uri="{91240B29-F687-4f45-9708-019B960494DF}">
-                <a14:hiddenLine xmlns="" xmlns:a14="http://schemas.microsoft.com/office/drawing/2010/main" w="9525">
+                <a14:hiddenLine xmlns:a14="http://schemas.microsoft.com/office/drawing/2010/main" xmlns="" w="9525">
                   <a:solidFill>
                     <a:srgbClr val="000000"/>
                   </a:solidFill>
@@ -2716,7 +2716,7 @@
             </a:ln>
             <a:extLst>
               <a:ext uri="{91240B29-F687-4f45-9708-019B960494DF}">
-                <a14:hiddenLine xmlns="" xmlns:a14="http://schemas.microsoft.com/office/drawing/2010/main" w="9525">
+                <a14:hiddenLine xmlns:a14="http://schemas.microsoft.com/office/drawing/2010/main" xmlns="" w="9525">
                   <a:solidFill>
                     <a:srgbClr val="000000"/>
                   </a:solidFill>
@@ -2784,7 +2784,7 @@
             </a:ln>
             <a:extLst>
               <a:ext uri="{91240B29-F687-4f45-9708-019B960494DF}">
-                <a14:hiddenLine xmlns="" xmlns:a14="http://schemas.microsoft.com/office/drawing/2010/main" w="9525">
+                <a14:hiddenLine xmlns:a14="http://schemas.microsoft.com/office/drawing/2010/main" xmlns="" w="9525">
                   <a:solidFill>
                     <a:srgbClr val="000000"/>
                   </a:solidFill>
@@ -2874,7 +2874,7 @@
             </a:ln>
             <a:extLst>
               <a:ext uri="{91240B29-F687-4f45-9708-019B960494DF}">
-                <a14:hiddenLine xmlns="" xmlns:a14="http://schemas.microsoft.com/office/drawing/2010/main" w="9525">
+                <a14:hiddenLine xmlns:a14="http://schemas.microsoft.com/office/drawing/2010/main" xmlns="" w="9525">
                   <a:solidFill>
                     <a:srgbClr val="000000"/>
                   </a:solidFill>
@@ -2908,7 +2908,7 @@
             </a:ln>
             <a:extLst>
               <a:ext uri="{91240B29-F687-4f45-9708-019B960494DF}">
-                <a14:hiddenLine xmlns="" xmlns:a14="http://schemas.microsoft.com/office/drawing/2010/main" w="9525">
+                <a14:hiddenLine xmlns:a14="http://schemas.microsoft.com/office/drawing/2010/main" xmlns="" w="9525">
                   <a:solidFill>
                     <a:srgbClr val="000000"/>
                   </a:solidFill>
@@ -2998,7 +2998,7 @@
             </a:ln>
             <a:extLst>
               <a:ext uri="{91240B29-F687-4f45-9708-019B960494DF}">
-                <a14:hiddenLine xmlns="" xmlns:a14="http://schemas.microsoft.com/office/drawing/2010/main" w="9525">
+                <a14:hiddenLine xmlns:a14="http://schemas.microsoft.com/office/drawing/2010/main" xmlns="" w="9525">
                   <a:solidFill>
                     <a:srgbClr val="000000"/>
                   </a:solidFill>
@@ -3060,7 +3060,7 @@
             </a:ln>
             <a:extLst>
               <a:ext uri="{91240B29-F687-4f45-9708-019B960494DF}">
-                <a14:hiddenLine xmlns="" xmlns:a14="http://schemas.microsoft.com/office/drawing/2010/main" w="9525">
+                <a14:hiddenLine xmlns:a14="http://schemas.microsoft.com/office/drawing/2010/main" xmlns="" w="9525">
                   <a:solidFill>
                     <a:srgbClr val="000000"/>
                   </a:solidFill>
@@ -3122,7 +3122,7 @@
             </a:ln>
             <a:extLst>
               <a:ext uri="{91240B29-F687-4f45-9708-019B960494DF}">
-                <a14:hiddenLine xmlns="" xmlns:a14="http://schemas.microsoft.com/office/drawing/2010/main" w="9525">
+                <a14:hiddenLine xmlns:a14="http://schemas.microsoft.com/office/drawing/2010/main" xmlns="" w="9525">
                   <a:solidFill>
                     <a:srgbClr val="000000"/>
                   </a:solidFill>
@@ -3212,7 +3212,7 @@
             </a:ln>
             <a:extLst>
               <a:ext uri="{91240B29-F687-4f45-9708-019B960494DF}">
-                <a14:hiddenLine xmlns="" xmlns:a14="http://schemas.microsoft.com/office/drawing/2010/main" w="9525">
+                <a14:hiddenLine xmlns:a14="http://schemas.microsoft.com/office/drawing/2010/main" xmlns="" w="9525">
                   <a:solidFill>
                     <a:srgbClr val="000000"/>
                   </a:solidFill>
@@ -3280,7 +3280,7 @@
             </a:ln>
             <a:extLst>
               <a:ext uri="{91240B29-F687-4f45-9708-019B960494DF}">
-                <a14:hiddenLine xmlns="" xmlns:a14="http://schemas.microsoft.com/office/drawing/2010/main" w="9525">
+                <a14:hiddenLine xmlns:a14="http://schemas.microsoft.com/office/drawing/2010/main" xmlns="" w="9525">
                   <a:solidFill>
                     <a:srgbClr val="000000"/>
                   </a:solidFill>
@@ -3342,7 +3342,7 @@
             </a:ln>
             <a:extLst>
               <a:ext uri="{91240B29-F687-4f45-9708-019B960494DF}">
-                <a14:hiddenLine xmlns="" xmlns:a14="http://schemas.microsoft.com/office/drawing/2010/main" w="9525">
+                <a14:hiddenLine xmlns:a14="http://schemas.microsoft.com/office/drawing/2010/main" xmlns="" w="9525">
                   <a:solidFill>
                     <a:srgbClr val="000000"/>
                   </a:solidFill>
@@ -3432,7 +3432,7 @@
             </a:ln>
             <a:extLst>
               <a:ext uri="{91240B29-F687-4f45-9708-019B960494DF}">
-                <a14:hiddenLine xmlns="" xmlns:a14="http://schemas.microsoft.com/office/drawing/2010/main" w="9525">
+                <a14:hiddenLine xmlns:a14="http://schemas.microsoft.com/office/drawing/2010/main" xmlns="" w="9525">
                   <a:solidFill>
                     <a:srgbClr val="000000"/>
                   </a:solidFill>
@@ -3494,7 +3494,7 @@
             </a:ln>
             <a:extLst>
               <a:ext uri="{91240B29-F687-4f45-9708-019B960494DF}">
-                <a14:hiddenLine xmlns="" xmlns:a14="http://schemas.microsoft.com/office/drawing/2010/main" w="9525">
+                <a14:hiddenLine xmlns:a14="http://schemas.microsoft.com/office/drawing/2010/main" xmlns="" w="9525">
                   <a:solidFill>
                     <a:srgbClr val="000000"/>
                   </a:solidFill>
@@ -3584,7 +3584,7 @@
             </a:ln>
             <a:extLst>
               <a:ext uri="{91240B29-F687-4f45-9708-019B960494DF}">
-                <a14:hiddenLine xmlns="" xmlns:a14="http://schemas.microsoft.com/office/drawing/2010/main" w="9525">
+                <a14:hiddenLine xmlns:a14="http://schemas.microsoft.com/office/drawing/2010/main" xmlns="" w="9525">
                   <a:solidFill>
                     <a:srgbClr val="000000"/>
                   </a:solidFill>
@@ -3646,7 +3646,7 @@
             </a:ln>
             <a:extLst>
               <a:ext uri="{91240B29-F687-4f45-9708-019B960494DF}">
-                <a14:hiddenLine xmlns="" xmlns:a14="http://schemas.microsoft.com/office/drawing/2010/main" w="9525">
+                <a14:hiddenLine xmlns:a14="http://schemas.microsoft.com/office/drawing/2010/main" xmlns="" w="9525">
                   <a:solidFill>
                     <a:srgbClr val="000000"/>
                   </a:solidFill>
@@ -3736,7 +3736,7 @@
             </a:ln>
             <a:extLst>
               <a:ext uri="{91240B29-F687-4f45-9708-019B960494DF}">
-                <a14:hiddenLine xmlns="" xmlns:a14="http://schemas.microsoft.com/office/drawing/2010/main" w="9525">
+                <a14:hiddenLine xmlns:a14="http://schemas.microsoft.com/office/drawing/2010/main" xmlns="" w="9525">
                   <a:solidFill>
                     <a:srgbClr val="000000"/>
                   </a:solidFill>
@@ -3770,7 +3770,7 @@
             </a:ln>
             <a:extLst>
               <a:ext uri="{91240B29-F687-4f45-9708-019B960494DF}">
-                <a14:hiddenLine xmlns="" xmlns:a14="http://schemas.microsoft.com/office/drawing/2010/main" w="9525">
+                <a14:hiddenLine xmlns:a14="http://schemas.microsoft.com/office/drawing/2010/main" xmlns="" w="9525">
                   <a:solidFill>
                     <a:srgbClr val="000000"/>
                   </a:solidFill>
@@ -3835,7 +3835,7 @@
             </a:ln>
             <a:extLst>
               <a:ext uri="{91240B29-F687-4f45-9708-019B960494DF}">
-                <a14:hiddenLine xmlns="" xmlns:a14="http://schemas.microsoft.com/office/drawing/2010/main" w="9525">
+                <a14:hiddenLine xmlns:a14="http://schemas.microsoft.com/office/drawing/2010/main" xmlns="" w="9525">
                   <a:solidFill>
                     <a:srgbClr val="000000"/>
                   </a:solidFill>
@@ -3925,7 +3925,7 @@
             </a:ln>
             <a:extLst>
               <a:ext uri="{91240B29-F687-4f45-9708-019B960494DF}">
-                <a14:hiddenLine xmlns="" xmlns:a14="http://schemas.microsoft.com/office/drawing/2010/main" w="9525">
+                <a14:hiddenLine xmlns:a14="http://schemas.microsoft.com/office/drawing/2010/main" xmlns="" w="9525">
                   <a:solidFill>
                     <a:srgbClr val="000000"/>
                   </a:solidFill>
@@ -3987,7 +3987,7 @@
             </a:ln>
             <a:extLst>
               <a:ext uri="{91240B29-F687-4f45-9708-019B960494DF}">
-                <a14:hiddenLine xmlns="" xmlns:a14="http://schemas.microsoft.com/office/drawing/2010/main" w="9525">
+                <a14:hiddenLine xmlns:a14="http://schemas.microsoft.com/office/drawing/2010/main" xmlns="" w="9525">
                   <a:solidFill>
                     <a:srgbClr val="000000"/>
                   </a:solidFill>
@@ -4077,7 +4077,7 @@
             </a:ln>
             <a:extLst>
               <a:ext uri="{91240B29-F687-4f45-9708-019B960494DF}">
-                <a14:hiddenLine xmlns="" xmlns:a14="http://schemas.microsoft.com/office/drawing/2010/main" w="9525">
+                <a14:hiddenLine xmlns:a14="http://schemas.microsoft.com/office/drawing/2010/main" xmlns="" w="9525">
                   <a:solidFill>
                     <a:srgbClr val="000000"/>
                   </a:solidFill>
@@ -4167,7 +4167,7 @@
             </a:ln>
             <a:extLst>
               <a:ext uri="{91240B29-F687-4f45-9708-019B960494DF}">
-                <a14:hiddenLine xmlns="" xmlns:a14="http://schemas.microsoft.com/office/drawing/2010/main" w="9525">
+                <a14:hiddenLine xmlns:a14="http://schemas.microsoft.com/office/drawing/2010/main" xmlns="" w="9525">
                   <a:solidFill>
                     <a:srgbClr val="000000"/>
                   </a:solidFill>
@@ -4232,7 +4232,7 @@
             </a:ln>
             <a:extLst>
               <a:ext uri="{91240B29-F687-4f45-9708-019B960494DF}">
-                <a14:hiddenLine xmlns="" xmlns:a14="http://schemas.microsoft.com/office/drawing/2010/main" w="9525">
+                <a14:hiddenLine xmlns:a14="http://schemas.microsoft.com/office/drawing/2010/main" xmlns="" w="9525">
                   <a:solidFill>
                     <a:srgbClr val="000000"/>
                   </a:solidFill>
@@ -4294,7 +4294,7 @@
             </a:ln>
             <a:extLst>
               <a:ext uri="{91240B29-F687-4f45-9708-019B960494DF}">
-                <a14:hiddenLine xmlns="" xmlns:a14="http://schemas.microsoft.com/office/drawing/2010/main" w="9525">
+                <a14:hiddenLine xmlns:a14="http://schemas.microsoft.com/office/drawing/2010/main" xmlns="" w="9525">
                   <a:solidFill>
                     <a:srgbClr val="000000"/>
                   </a:solidFill>
@@ -4384,7 +4384,7 @@
             </a:ln>
             <a:extLst>
               <a:ext uri="{91240B29-F687-4f45-9708-019B960494DF}">
-                <a14:hiddenLine xmlns="" xmlns:a14="http://schemas.microsoft.com/office/drawing/2010/main" w="9525">
+                <a14:hiddenLine xmlns:a14="http://schemas.microsoft.com/office/drawing/2010/main" xmlns="" w="9525">
                   <a:solidFill>
                     <a:srgbClr val="000000"/>
                   </a:solidFill>
@@ -4474,7 +4474,7 @@
             </a:ln>
             <a:extLst>
               <a:ext uri="{91240B29-F687-4f45-9708-019B960494DF}">
-                <a14:hiddenLine xmlns="" xmlns:a14="http://schemas.microsoft.com/office/drawing/2010/main" w="9525">
+                <a14:hiddenLine xmlns:a14="http://schemas.microsoft.com/office/drawing/2010/main" xmlns="" w="9525">
                   <a:solidFill>
                     <a:srgbClr val="000000"/>
                   </a:solidFill>
@@ -4536,7 +4536,7 @@
             </a:ln>
             <a:extLst>
               <a:ext uri="{91240B29-F687-4f45-9708-019B960494DF}">
-                <a14:hiddenLine xmlns="" xmlns:a14="http://schemas.microsoft.com/office/drawing/2010/main" w="9525">
+                <a14:hiddenLine xmlns:a14="http://schemas.microsoft.com/office/drawing/2010/main" xmlns="" w="9525">
                   <a:solidFill>
                     <a:srgbClr val="000000"/>
                   </a:solidFill>
@@ -4656,7 +4656,7 @@
             </a:ln>
             <a:extLst>
               <a:ext uri="{91240B29-F687-4f45-9708-019B960494DF}">
-                <a14:hiddenLine xmlns="" xmlns:a14="http://schemas.microsoft.com/office/drawing/2010/main" w="9525">
+                <a14:hiddenLine xmlns:a14="http://schemas.microsoft.com/office/drawing/2010/main" xmlns="" w="9525">
                   <a:solidFill>
                     <a:srgbClr val="000000"/>
                   </a:solidFill>
@@ -4724,7 +4724,7 @@
             </a:ln>
             <a:extLst>
               <a:ext uri="{91240B29-F687-4f45-9708-019B960494DF}">
-                <a14:hiddenLine xmlns="" xmlns:a14="http://schemas.microsoft.com/office/drawing/2010/main" w="9525">
+                <a14:hiddenLine xmlns:a14="http://schemas.microsoft.com/office/drawing/2010/main" xmlns="" w="9525">
                   <a:solidFill>
                     <a:srgbClr val="000000"/>
                   </a:solidFill>
@@ -4814,7 +4814,7 @@
             </a:ln>
             <a:extLst>
               <a:ext uri="{91240B29-F687-4f45-9708-019B960494DF}">
-                <a14:hiddenLine xmlns="" xmlns:a14="http://schemas.microsoft.com/office/drawing/2010/main" w="9525">
+                <a14:hiddenLine xmlns:a14="http://schemas.microsoft.com/office/drawing/2010/main" xmlns="" w="9525">
                   <a:solidFill>
                     <a:srgbClr val="000000"/>
                   </a:solidFill>
@@ -4954,7 +4954,7 @@
           <a:p>
             <a:fld id="{EC4347D3-4C9A-C240-8F14-750059DFEEB0}" type="datetimeFigureOut">
               <a:rPr lang="en-US" smtClean="0"/>
-              <a:t>1/18/24</a:t>
+              <a:t>3/18/24</a:t>
             </a:fld>
             <a:endParaRPr lang="en-US"/>
           </a:p>
@@ -5221,7 +5221,7 @@
           <a:p>
             <a:fld id="{EC4347D3-4C9A-C240-8F14-750059DFEEB0}" type="datetimeFigureOut">
               <a:rPr lang="en-US" smtClean="0"/>
-              <a:t>1/18/24</a:t>
+              <a:t>3/18/24</a:t>
             </a:fld>
             <a:endParaRPr lang="en-US"/>
           </a:p>
@@ -5417,7 +5417,7 @@
           <a:p>
             <a:fld id="{EC4347D3-4C9A-C240-8F14-750059DFEEB0}" type="datetimeFigureOut">
               <a:rPr lang="en-US" smtClean="0"/>
-              <a:t>1/18/24</a:t>
+              <a:t>3/18/24</a:t>
             </a:fld>
             <a:endParaRPr lang="en-US"/>
           </a:p>
@@ -5680,7 +5680,7 @@
           <a:p>
             <a:fld id="{EC4347D3-4C9A-C240-8F14-750059DFEEB0}" type="datetimeFigureOut">
               <a:rPr lang="en-US" smtClean="0"/>
-              <a:t>1/18/24</a:t>
+              <a:t>3/18/24</a:t>
             </a:fld>
             <a:endParaRPr lang="en-US"/>
           </a:p>
@@ -6114,7 +6114,7 @@
           <a:p>
             <a:fld id="{EC4347D3-4C9A-C240-8F14-750059DFEEB0}" type="datetimeFigureOut">
               <a:rPr lang="en-US" smtClean="0"/>
-              <a:t>1/18/24</a:t>
+              <a:t>3/18/24</a:t>
             </a:fld>
             <a:endParaRPr lang="en-US"/>
           </a:p>
@@ -6660,7 +6660,7 @@
           <a:p>
             <a:fld id="{EC4347D3-4C9A-C240-8F14-750059DFEEB0}" type="datetimeFigureOut">
               <a:rPr lang="en-US" smtClean="0"/>
-              <a:t>1/18/24</a:t>
+              <a:t>3/18/24</a:t>
             </a:fld>
             <a:endParaRPr lang="en-US"/>
           </a:p>
@@ -7380,7 +7380,7 @@
           <a:p>
             <a:fld id="{EC4347D3-4C9A-C240-8F14-750059DFEEB0}" type="datetimeFigureOut">
               <a:rPr lang="en-US" smtClean="0"/>
-              <a:t>1/18/24</a:t>
+              <a:t>3/18/24</a:t>
             </a:fld>
             <a:endParaRPr lang="en-US"/>
           </a:p>
@@ -7550,7 +7550,7 @@
           <a:p>
             <a:fld id="{EC4347D3-4C9A-C240-8F14-750059DFEEB0}" type="datetimeFigureOut">
               <a:rPr lang="en-US" smtClean="0"/>
-              <a:t>1/18/24</a:t>
+              <a:t>3/18/24</a:t>
             </a:fld>
             <a:endParaRPr lang="en-US"/>
           </a:p>
@@ -7730,7 +7730,7 @@
           <a:p>
             <a:fld id="{EC4347D3-4C9A-C240-8F14-750059DFEEB0}" type="datetimeFigureOut">
               <a:rPr lang="en-US" smtClean="0"/>
-              <a:t>1/18/24</a:t>
+              <a:t>3/18/24</a:t>
             </a:fld>
             <a:endParaRPr lang="en-US"/>
           </a:p>
@@ -7900,7 +7900,7 @@
           <a:p>
             <a:fld id="{EC4347D3-4C9A-C240-8F14-750059DFEEB0}" type="datetimeFigureOut">
               <a:rPr lang="en-US" smtClean="0"/>
-              <a:t>1/18/24</a:t>
+              <a:t>3/18/24</a:t>
             </a:fld>
             <a:endParaRPr lang="en-US"/>
           </a:p>
@@ -8150,7 +8150,7 @@
           <a:p>
             <a:fld id="{EC4347D3-4C9A-C240-8F14-750059DFEEB0}" type="datetimeFigureOut">
               <a:rPr lang="en-US" smtClean="0"/>
-              <a:t>1/18/24</a:t>
+              <a:t>3/18/24</a:t>
             </a:fld>
             <a:endParaRPr lang="en-US"/>
           </a:p>
@@ -8382,7 +8382,7 @@
           <a:p>
             <a:fld id="{EC4347D3-4C9A-C240-8F14-750059DFEEB0}" type="datetimeFigureOut">
               <a:rPr lang="en-US" smtClean="0"/>
-              <a:t>1/18/24</a:t>
+              <a:t>3/18/24</a:t>
             </a:fld>
             <a:endParaRPr lang="en-US"/>
           </a:p>
@@ -8768,7 +8768,7 @@
           <a:p>
             <a:fld id="{EC4347D3-4C9A-C240-8F14-750059DFEEB0}" type="datetimeFigureOut">
               <a:rPr lang="en-US" smtClean="0"/>
-              <a:t>1/18/24</a:t>
+              <a:t>3/18/24</a:t>
             </a:fld>
             <a:endParaRPr lang="en-US"/>
           </a:p>
@@ -8891,7 +8891,7 @@
           <a:p>
             <a:fld id="{EC4347D3-4C9A-C240-8F14-750059DFEEB0}" type="datetimeFigureOut">
               <a:rPr lang="en-US" smtClean="0"/>
-              <a:t>1/18/24</a:t>
+              <a:t>3/18/24</a:t>
             </a:fld>
             <a:endParaRPr lang="en-US"/>
           </a:p>
@@ -8986,7 +8986,7 @@
           <a:p>
             <a:fld id="{EC4347D3-4C9A-C240-8F14-750059DFEEB0}" type="datetimeFigureOut">
               <a:rPr lang="en-US" smtClean="0"/>
-              <a:t>1/18/24</a:t>
+              <a:t>3/18/24</a:t>
             </a:fld>
             <a:endParaRPr lang="en-US"/>
           </a:p>
@@ -9235,7 +9235,7 @@
           <a:p>
             <a:fld id="{EC4347D3-4C9A-C240-8F14-750059DFEEB0}" type="datetimeFigureOut">
               <a:rPr lang="en-US" smtClean="0"/>
-              <a:t>1/18/24</a:t>
+              <a:t>3/18/24</a:t>
             </a:fld>
             <a:endParaRPr lang="en-US"/>
           </a:p>
@@ -9520,7 +9520,7 @@
           <a:p>
             <a:fld id="{EC4347D3-4C9A-C240-8F14-750059DFEEB0}" type="datetimeFigureOut">
               <a:rPr lang="en-US" smtClean="0"/>
-              <a:t>1/18/24</a:t>
+              <a:t>3/18/24</a:t>
             </a:fld>
             <a:endParaRPr lang="en-US"/>
           </a:p>
@@ -9643,7 +9643,7 @@
           <a:noFill/>
           <a:extLst>
             <a:ext uri="{909E8E84-426E-40dd-AFC4-6F175D3DCCD1}">
-              <a14:hiddenFill xmlns="" xmlns:a14="http://schemas.microsoft.com/office/drawing/2010/main">
+              <a14:hiddenFill xmlns:a14="http://schemas.microsoft.com/office/drawing/2010/main" xmlns="">
                 <a:solidFill>
                   <a:srgbClr val="FFFFFF"/>
                 </a:solidFill>
@@ -9717,7 +9717,7 @@
               </a:ln>
               <a:extLst>
                 <a:ext uri="{91240B29-F687-4f45-9708-019B960494DF}">
-                  <a14:hiddenLine xmlns="" xmlns:a14="http://schemas.microsoft.com/office/drawing/2010/main" w="9525">
+                  <a14:hiddenLine xmlns:a14="http://schemas.microsoft.com/office/drawing/2010/main" xmlns="" w="9525">
                     <a:solidFill>
                       <a:srgbClr val="000000"/>
                     </a:solidFill>
@@ -9807,7 +9807,7 @@
               </a:ln>
               <a:extLst>
                 <a:ext uri="{91240B29-F687-4f45-9708-019B960494DF}">
-                  <a14:hiddenLine xmlns="" xmlns:a14="http://schemas.microsoft.com/office/drawing/2010/main" w="9525">
+                  <a14:hiddenLine xmlns:a14="http://schemas.microsoft.com/office/drawing/2010/main" xmlns="" w="9525">
                     <a:solidFill>
                       <a:srgbClr val="000000"/>
                     </a:solidFill>
@@ -9897,7 +9897,7 @@
               </a:ln>
               <a:extLst>
                 <a:ext uri="{91240B29-F687-4f45-9708-019B960494DF}">
-                  <a14:hiddenLine xmlns="" xmlns:a14="http://schemas.microsoft.com/office/drawing/2010/main" w="9525">
+                  <a14:hiddenLine xmlns:a14="http://schemas.microsoft.com/office/drawing/2010/main" xmlns="" w="9525">
                     <a:solidFill>
                       <a:srgbClr val="000000"/>
                     </a:solidFill>
@@ -9959,7 +9959,7 @@
               </a:ln>
               <a:extLst>
                 <a:ext uri="{91240B29-F687-4f45-9708-019B960494DF}">
-                  <a14:hiddenLine xmlns="" xmlns:a14="http://schemas.microsoft.com/office/drawing/2010/main" w="9525">
+                  <a14:hiddenLine xmlns:a14="http://schemas.microsoft.com/office/drawing/2010/main" xmlns="" w="9525">
                     <a:solidFill>
                       <a:srgbClr val="000000"/>
                     </a:solidFill>
@@ -10049,7 +10049,7 @@
               </a:ln>
               <a:extLst>
                 <a:ext uri="{91240B29-F687-4f45-9708-019B960494DF}">
-                  <a14:hiddenLine xmlns="" xmlns:a14="http://schemas.microsoft.com/office/drawing/2010/main" w="9525">
+                  <a14:hiddenLine xmlns:a14="http://schemas.microsoft.com/office/drawing/2010/main" xmlns="" w="9525">
                     <a:solidFill>
                       <a:srgbClr val="000000"/>
                     </a:solidFill>
@@ -10111,7 +10111,7 @@
               </a:ln>
               <a:extLst>
                 <a:ext uri="{91240B29-F687-4f45-9708-019B960494DF}">
-                  <a14:hiddenLine xmlns="" xmlns:a14="http://schemas.microsoft.com/office/drawing/2010/main" w="9525">
+                  <a14:hiddenLine xmlns:a14="http://schemas.microsoft.com/office/drawing/2010/main" xmlns="" w="9525">
                     <a:solidFill>
                       <a:srgbClr val="000000"/>
                     </a:solidFill>
@@ -10173,7 +10173,7 @@
               </a:ln>
               <a:extLst>
                 <a:ext uri="{91240B29-F687-4f45-9708-019B960494DF}">
-                  <a14:hiddenLine xmlns="" xmlns:a14="http://schemas.microsoft.com/office/drawing/2010/main" w="9525">
+                  <a14:hiddenLine xmlns:a14="http://schemas.microsoft.com/office/drawing/2010/main" xmlns="" w="9525">
                     <a:solidFill>
                       <a:srgbClr val="000000"/>
                     </a:solidFill>
@@ -10263,7 +10263,7 @@
               </a:ln>
               <a:extLst>
                 <a:ext uri="{91240B29-F687-4f45-9708-019B960494DF}">
-                  <a14:hiddenLine xmlns="" xmlns:a14="http://schemas.microsoft.com/office/drawing/2010/main" w="9525">
+                  <a14:hiddenLine xmlns:a14="http://schemas.microsoft.com/office/drawing/2010/main" xmlns="" w="9525">
                     <a:solidFill>
                       <a:srgbClr val="000000"/>
                     </a:solidFill>
@@ -10353,7 +10353,7 @@
               </a:ln>
               <a:extLst>
                 <a:ext uri="{91240B29-F687-4f45-9708-019B960494DF}">
-                  <a14:hiddenLine xmlns="" xmlns:a14="http://schemas.microsoft.com/office/drawing/2010/main" w="9525">
+                  <a14:hiddenLine xmlns:a14="http://schemas.microsoft.com/office/drawing/2010/main" xmlns="" w="9525">
                     <a:solidFill>
                       <a:srgbClr val="000000"/>
                     </a:solidFill>
@@ -10415,7 +10415,7 @@
               </a:ln>
               <a:extLst>
                 <a:ext uri="{91240B29-F687-4f45-9708-019B960494DF}">
-                  <a14:hiddenLine xmlns="" xmlns:a14="http://schemas.microsoft.com/office/drawing/2010/main" w="9525">
+                  <a14:hiddenLine xmlns:a14="http://schemas.microsoft.com/office/drawing/2010/main" xmlns="" w="9525">
                     <a:solidFill>
                       <a:srgbClr val="000000"/>
                     </a:solidFill>
@@ -10525,7 +10525,7 @@
               </a:ln>
               <a:extLst>
                 <a:ext uri="{91240B29-F687-4f45-9708-019B960494DF}">
-                  <a14:hiddenLine xmlns="" xmlns:a14="http://schemas.microsoft.com/office/drawing/2010/main" w="9525">
+                  <a14:hiddenLine xmlns:a14="http://schemas.microsoft.com/office/drawing/2010/main" xmlns="" w="9525">
                     <a:solidFill>
                       <a:srgbClr val="000000"/>
                     </a:solidFill>
@@ -10609,7 +10609,7 @@
               </a:ln>
               <a:extLst>
                 <a:ext uri="{91240B29-F687-4f45-9708-019B960494DF}">
-                  <a14:hiddenLine xmlns="" xmlns:a14="http://schemas.microsoft.com/office/drawing/2010/main" w="9525">
+                  <a14:hiddenLine xmlns:a14="http://schemas.microsoft.com/office/drawing/2010/main" xmlns="" w="9525">
                     <a:solidFill>
                       <a:srgbClr val="000000"/>
                     </a:solidFill>
@@ -10671,7 +10671,7 @@
               </a:ln>
               <a:extLst>
                 <a:ext uri="{91240B29-F687-4f45-9708-019B960494DF}">
-                  <a14:hiddenLine xmlns="" xmlns:a14="http://schemas.microsoft.com/office/drawing/2010/main" w="9525">
+                  <a14:hiddenLine xmlns:a14="http://schemas.microsoft.com/office/drawing/2010/main" xmlns="" w="9525">
                     <a:solidFill>
                       <a:srgbClr val="000000"/>
                     </a:solidFill>
@@ -10733,7 +10733,7 @@
               </a:ln>
               <a:extLst>
                 <a:ext uri="{91240B29-F687-4f45-9708-019B960494DF}">
-                  <a14:hiddenLine xmlns="" xmlns:a14="http://schemas.microsoft.com/office/drawing/2010/main" w="9525">
+                  <a14:hiddenLine xmlns:a14="http://schemas.microsoft.com/office/drawing/2010/main" xmlns="" w="9525">
                     <a:solidFill>
                       <a:srgbClr val="000000"/>
                     </a:solidFill>
@@ -10823,7 +10823,7 @@
               </a:ln>
               <a:extLst>
                 <a:ext uri="{91240B29-F687-4f45-9708-019B960494DF}">
-                  <a14:hiddenLine xmlns="" xmlns:a14="http://schemas.microsoft.com/office/drawing/2010/main" w="9525">
+                  <a14:hiddenLine xmlns:a14="http://schemas.microsoft.com/office/drawing/2010/main" xmlns="" w="9525">
                     <a:solidFill>
                       <a:srgbClr val="000000"/>
                     </a:solidFill>
@@ -10857,7 +10857,7 @@
               </a:ln>
               <a:extLst>
                 <a:ext uri="{91240B29-F687-4f45-9708-019B960494DF}">
-                  <a14:hiddenLine xmlns="" xmlns:a14="http://schemas.microsoft.com/office/drawing/2010/main" w="9525">
+                  <a14:hiddenLine xmlns:a14="http://schemas.microsoft.com/office/drawing/2010/main" xmlns="" w="9525">
                     <a:solidFill>
                       <a:srgbClr val="000000"/>
                     </a:solidFill>
@@ -10922,7 +10922,7 @@
               </a:ln>
               <a:extLst>
                 <a:ext uri="{91240B29-F687-4f45-9708-019B960494DF}">
-                  <a14:hiddenLine xmlns="" xmlns:a14="http://schemas.microsoft.com/office/drawing/2010/main" w="9525">
+                  <a14:hiddenLine xmlns:a14="http://schemas.microsoft.com/office/drawing/2010/main" xmlns="" w="9525">
                     <a:solidFill>
                       <a:srgbClr val="000000"/>
                     </a:solidFill>
@@ -11012,7 +11012,7 @@
               </a:ln>
               <a:extLst>
                 <a:ext uri="{91240B29-F687-4f45-9708-019B960494DF}">
-                  <a14:hiddenLine xmlns="" xmlns:a14="http://schemas.microsoft.com/office/drawing/2010/main" w="9525">
+                  <a14:hiddenLine xmlns:a14="http://schemas.microsoft.com/office/drawing/2010/main" xmlns="" w="9525">
                     <a:solidFill>
                       <a:srgbClr val="000000"/>
                     </a:solidFill>
@@ -11074,7 +11074,7 @@
               </a:ln>
               <a:extLst>
                 <a:ext uri="{91240B29-F687-4f45-9708-019B960494DF}">
-                  <a14:hiddenLine xmlns="" xmlns:a14="http://schemas.microsoft.com/office/drawing/2010/main" w="9525">
+                  <a14:hiddenLine xmlns:a14="http://schemas.microsoft.com/office/drawing/2010/main" xmlns="" w="9525">
                     <a:solidFill>
                       <a:srgbClr val="000000"/>
                     </a:solidFill>
@@ -11164,7 +11164,7 @@
               </a:ln>
               <a:extLst>
                 <a:ext uri="{91240B29-F687-4f45-9708-019B960494DF}">
-                  <a14:hiddenLine xmlns="" xmlns:a14="http://schemas.microsoft.com/office/drawing/2010/main" w="9525">
+                  <a14:hiddenLine xmlns:a14="http://schemas.microsoft.com/office/drawing/2010/main" xmlns="" w="9525">
                     <a:solidFill>
                       <a:srgbClr val="000000"/>
                     </a:solidFill>
@@ -11229,7 +11229,7 @@
               </a:ln>
               <a:extLst>
                 <a:ext uri="{91240B29-F687-4f45-9708-019B960494DF}">
-                  <a14:hiddenLine xmlns="" xmlns:a14="http://schemas.microsoft.com/office/drawing/2010/main" w="9525">
+                  <a14:hiddenLine xmlns:a14="http://schemas.microsoft.com/office/drawing/2010/main" xmlns="" w="9525">
                     <a:solidFill>
                       <a:srgbClr val="000000"/>
                     </a:solidFill>
@@ -11291,7 +11291,7 @@
               </a:ln>
               <a:extLst>
                 <a:ext uri="{91240B29-F687-4f45-9708-019B960494DF}">
-                  <a14:hiddenLine xmlns="" xmlns:a14="http://schemas.microsoft.com/office/drawing/2010/main" w="9525">
+                  <a14:hiddenLine xmlns:a14="http://schemas.microsoft.com/office/drawing/2010/main" xmlns="" w="9525">
                     <a:solidFill>
                       <a:srgbClr val="000000"/>
                     </a:solidFill>
@@ -11381,7 +11381,7 @@
               </a:ln>
               <a:extLst>
                 <a:ext uri="{91240B29-F687-4f45-9708-019B960494DF}">
-                  <a14:hiddenLine xmlns="" xmlns:a14="http://schemas.microsoft.com/office/drawing/2010/main" w="9525">
+                  <a14:hiddenLine xmlns:a14="http://schemas.microsoft.com/office/drawing/2010/main" xmlns="" w="9525">
                     <a:solidFill>
                       <a:srgbClr val="000000"/>
                     </a:solidFill>
@@ -11471,7 +11471,7 @@
               </a:ln>
               <a:extLst>
                 <a:ext uri="{91240B29-F687-4f45-9708-019B960494DF}">
-                  <a14:hiddenLine xmlns="" xmlns:a14="http://schemas.microsoft.com/office/drawing/2010/main" w="9525">
+                  <a14:hiddenLine xmlns:a14="http://schemas.microsoft.com/office/drawing/2010/main" xmlns="" w="9525">
                     <a:solidFill>
                       <a:srgbClr val="000000"/>
                     </a:solidFill>
@@ -11536,7 +11536,7 @@
               </a:ln>
               <a:extLst>
                 <a:ext uri="{91240B29-F687-4f45-9708-019B960494DF}">
-                  <a14:hiddenLine xmlns="" xmlns:a14="http://schemas.microsoft.com/office/drawing/2010/main" w="9525">
+                  <a14:hiddenLine xmlns:a14="http://schemas.microsoft.com/office/drawing/2010/main" xmlns="" w="9525">
                     <a:solidFill>
                       <a:srgbClr val="000000"/>
                     </a:solidFill>
@@ -11656,7 +11656,7 @@
               </a:ln>
               <a:extLst>
                 <a:ext uri="{91240B29-F687-4f45-9708-019B960494DF}">
-                  <a14:hiddenLine xmlns="" xmlns:a14="http://schemas.microsoft.com/office/drawing/2010/main" w="9525">
+                  <a14:hiddenLine xmlns:a14="http://schemas.microsoft.com/office/drawing/2010/main" xmlns="" w="9525">
                     <a:solidFill>
                       <a:srgbClr val="000000"/>
                     </a:solidFill>
@@ -11737,7 +11737,7 @@
               </a:ln>
               <a:extLst>
                 <a:ext uri="{91240B29-F687-4f45-9708-019B960494DF}">
-                  <a14:hiddenLine xmlns="" xmlns:a14="http://schemas.microsoft.com/office/drawing/2010/main" w="9525">
+                  <a14:hiddenLine xmlns:a14="http://schemas.microsoft.com/office/drawing/2010/main" xmlns="" w="9525">
                     <a:solidFill>
                       <a:srgbClr val="000000"/>
                     </a:solidFill>
@@ -11852,7 +11852,7 @@
               </a:ln>
               <a:extLst>
                 <a:ext uri="{91240B29-F687-4f45-9708-019B960494DF}">
-                  <a14:hiddenLine xmlns="" xmlns:a14="http://schemas.microsoft.com/office/drawing/2010/main" w="9525">
+                  <a14:hiddenLine xmlns:a14="http://schemas.microsoft.com/office/drawing/2010/main" xmlns="" w="9525">
                     <a:solidFill>
                       <a:srgbClr val="000000"/>
                     </a:solidFill>
@@ -11942,7 +11942,7 @@
               </a:ln>
               <a:extLst>
                 <a:ext uri="{91240B29-F687-4f45-9708-019B960494DF}">
-                  <a14:hiddenLine xmlns="" xmlns:a14="http://schemas.microsoft.com/office/drawing/2010/main" w="9525">
+                  <a14:hiddenLine xmlns:a14="http://schemas.microsoft.com/office/drawing/2010/main" xmlns="" w="9525">
                     <a:solidFill>
                       <a:srgbClr val="000000"/>
                     </a:solidFill>
@@ -12007,7 +12007,7 @@
               </a:ln>
               <a:extLst>
                 <a:ext uri="{91240B29-F687-4f45-9708-019B960494DF}">
-                  <a14:hiddenLine xmlns="" xmlns:a14="http://schemas.microsoft.com/office/drawing/2010/main" w="9525">
+                  <a14:hiddenLine xmlns:a14="http://schemas.microsoft.com/office/drawing/2010/main" xmlns="" w="9525">
                     <a:solidFill>
                       <a:srgbClr val="000000"/>
                     </a:solidFill>
@@ -12097,7 +12097,7 @@
               </a:ln>
               <a:extLst>
                 <a:ext uri="{91240B29-F687-4f45-9708-019B960494DF}">
-                  <a14:hiddenLine xmlns="" xmlns:a14="http://schemas.microsoft.com/office/drawing/2010/main" w="9525">
+                  <a14:hiddenLine xmlns:a14="http://schemas.microsoft.com/office/drawing/2010/main" xmlns="" w="9525">
                     <a:solidFill>
                       <a:srgbClr val="000000"/>
                     </a:solidFill>
@@ -12165,7 +12165,7 @@
               </a:ln>
               <a:extLst>
                 <a:ext uri="{91240B29-F687-4f45-9708-019B960494DF}">
-                  <a14:hiddenLine xmlns="" xmlns:a14="http://schemas.microsoft.com/office/drawing/2010/main" w="9525">
+                  <a14:hiddenLine xmlns:a14="http://schemas.microsoft.com/office/drawing/2010/main" xmlns="" w="9525">
                     <a:solidFill>
                       <a:srgbClr val="000000"/>
                     </a:solidFill>
@@ -12255,7 +12255,7 @@
               </a:ln>
               <a:extLst>
                 <a:ext uri="{91240B29-F687-4f45-9708-019B960494DF}">
-                  <a14:hiddenLine xmlns="" xmlns:a14="http://schemas.microsoft.com/office/drawing/2010/main" w="9525">
+                  <a14:hiddenLine xmlns:a14="http://schemas.microsoft.com/office/drawing/2010/main" xmlns="" w="9525">
                     <a:solidFill>
                       <a:srgbClr val="000000"/>
                     </a:solidFill>
@@ -12323,7 +12323,7 @@
               </a:ln>
               <a:extLst>
                 <a:ext uri="{91240B29-F687-4f45-9708-019B960494DF}">
-                  <a14:hiddenLine xmlns="" xmlns:a14="http://schemas.microsoft.com/office/drawing/2010/main" w="9525">
+                  <a14:hiddenLine xmlns:a14="http://schemas.microsoft.com/office/drawing/2010/main" xmlns="" w="9525">
                     <a:solidFill>
                       <a:srgbClr val="000000"/>
                     </a:solidFill>
@@ -12413,7 +12413,7 @@
               </a:ln>
               <a:extLst>
                 <a:ext uri="{91240B29-F687-4f45-9708-019B960494DF}">
-                  <a14:hiddenLine xmlns="" xmlns:a14="http://schemas.microsoft.com/office/drawing/2010/main" w="9525">
+                  <a14:hiddenLine xmlns:a14="http://schemas.microsoft.com/office/drawing/2010/main" xmlns="" w="9525">
                     <a:solidFill>
                       <a:srgbClr val="000000"/>
                     </a:solidFill>
@@ -12447,7 +12447,7 @@
               </a:ln>
               <a:extLst>
                 <a:ext uri="{91240B29-F687-4f45-9708-019B960494DF}">
-                  <a14:hiddenLine xmlns="" xmlns:a14="http://schemas.microsoft.com/office/drawing/2010/main" w="9525">
+                  <a14:hiddenLine xmlns:a14="http://schemas.microsoft.com/office/drawing/2010/main" xmlns="" w="9525">
                     <a:solidFill>
                       <a:srgbClr val="000000"/>
                     </a:solidFill>
@@ -12587,7 +12587,7 @@
           <a:p>
             <a:fld id="{EC4347D3-4C9A-C240-8F14-750059DFEEB0}" type="datetimeFigureOut">
               <a:rPr lang="en-US" smtClean="0"/>
-              <a:t>1/18/24</a:t>
+              <a:t>3/18/24</a:t>
             </a:fld>
             <a:endParaRPr lang="en-US"/>
           </a:p>
@@ -15601,14 +15601,14 @@
             <a:pPr lvl="1"/>
             <a:r>
               <a:rPr lang="en-US" dirty="0"/>
-              <a:t>Anyone can fill out an online form to request a 10 day week extension. Extensions will be granted for any reason as long as you articulate why you need extra time and when you plan to finish the homework by.</a:t>
+              <a:t>Anyone can fill out an online form to request a 10 day extension. Extensions will be granted for any reason as long as you articulate why you need extra time and when you plan to finish the homework by.</a:t>
             </a:r>
           </a:p>
           <a:p>
             <a:pPr lvl="1"/>
             <a:r>
               <a:rPr lang="en-US" dirty="0"/>
-              <a:t>NO submissions beyond this already generous three week window for any reason. That window IS your flexibility should anything arise.</a:t>
+              <a:t>NO submissions beyond this already generous 10 day window for any reason. That window IS your flexibility should anything arise.</a:t>
             </a:r>
           </a:p>
           <a:p>

--- a/slides/00-CourseIntroduction.pptx
+++ b/slides/00-CourseIntroduction.pptx
@@ -226,7 +226,7 @@
           <a:p>
             <a:fld id="{C5B45307-6ED4-B142-BD64-10F739779302}" type="datetimeFigureOut">
               <a:rPr lang="en-US" smtClean="0"/>
-              <a:t>3/18/24</a:t>
+              <a:t>8/22/24</a:t>
             </a:fld>
             <a:endParaRPr lang="en-US"/>
           </a:p>
@@ -729,7 +729,7 @@
           <a:noFill/>
           <a:extLst>
             <a:ext uri="{909E8E84-426E-40dd-AFC4-6F175D3DCCD1}">
-              <a14:hiddenFill xmlns:a14="http://schemas.microsoft.com/office/drawing/2010/main" xmlns="">
+              <a14:hiddenFill xmlns="" xmlns:a14="http://schemas.microsoft.com/office/drawing/2010/main">
                 <a:solidFill>
                   <a:srgbClr val="FFFFFF"/>
                 </a:solidFill>
@@ -788,7 +788,7 @@
             </a:ln>
             <a:extLst>
               <a:ext uri="{91240B29-F687-4f45-9708-019B960494DF}">
-                <a14:hiddenLine xmlns:a14="http://schemas.microsoft.com/office/drawing/2010/main" xmlns="" w="9525">
+                <a14:hiddenLine xmlns="" xmlns:a14="http://schemas.microsoft.com/office/drawing/2010/main" w="9525">
                   <a:solidFill>
                     <a:srgbClr val="000000"/>
                   </a:solidFill>
@@ -878,7 +878,7 @@
             </a:ln>
             <a:extLst>
               <a:ext uri="{91240B29-F687-4f45-9708-019B960494DF}">
-                <a14:hiddenLine xmlns:a14="http://schemas.microsoft.com/office/drawing/2010/main" xmlns="" w="9525">
+                <a14:hiddenLine xmlns="" xmlns:a14="http://schemas.microsoft.com/office/drawing/2010/main" w="9525">
                   <a:solidFill>
                     <a:srgbClr val="000000"/>
                   </a:solidFill>
@@ -968,7 +968,7 @@
             </a:ln>
             <a:extLst>
               <a:ext uri="{91240B29-F687-4f45-9708-019B960494DF}">
-                <a14:hiddenLine xmlns:a14="http://schemas.microsoft.com/office/drawing/2010/main" xmlns="" w="9525">
+                <a14:hiddenLine xmlns="" xmlns:a14="http://schemas.microsoft.com/office/drawing/2010/main" w="9525">
                   <a:solidFill>
                     <a:srgbClr val="000000"/>
                   </a:solidFill>
@@ -1002,7 +1002,7 @@
             </a:ln>
             <a:extLst>
               <a:ext uri="{91240B29-F687-4f45-9708-019B960494DF}">
-                <a14:hiddenLine xmlns:a14="http://schemas.microsoft.com/office/drawing/2010/main" xmlns="" w="9525">
+                <a14:hiddenLine xmlns="" xmlns:a14="http://schemas.microsoft.com/office/drawing/2010/main" w="9525">
                   <a:solidFill>
                     <a:srgbClr val="000000"/>
                   </a:solidFill>
@@ -1092,7 +1092,7 @@
             </a:ln>
             <a:extLst>
               <a:ext uri="{91240B29-F687-4f45-9708-019B960494DF}">
-                <a14:hiddenLine xmlns:a14="http://schemas.microsoft.com/office/drawing/2010/main" xmlns="" w="9525">
+                <a14:hiddenLine xmlns="" xmlns:a14="http://schemas.microsoft.com/office/drawing/2010/main" w="9525">
                   <a:solidFill>
                     <a:srgbClr val="000000"/>
                   </a:solidFill>
@@ -1154,7 +1154,7 @@
             </a:ln>
             <a:extLst>
               <a:ext uri="{91240B29-F687-4f45-9708-019B960494DF}">
-                <a14:hiddenLine xmlns:a14="http://schemas.microsoft.com/office/drawing/2010/main" xmlns="" w="9525">
+                <a14:hiddenLine xmlns="" xmlns:a14="http://schemas.microsoft.com/office/drawing/2010/main" w="9525">
                   <a:solidFill>
                     <a:srgbClr val="000000"/>
                   </a:solidFill>
@@ -1216,7 +1216,7 @@
             </a:ln>
             <a:extLst>
               <a:ext uri="{91240B29-F687-4f45-9708-019B960494DF}">
-                <a14:hiddenLine xmlns:a14="http://schemas.microsoft.com/office/drawing/2010/main" xmlns="" w="9525">
+                <a14:hiddenLine xmlns="" xmlns:a14="http://schemas.microsoft.com/office/drawing/2010/main" w="9525">
                   <a:solidFill>
                     <a:srgbClr val="000000"/>
                   </a:solidFill>
@@ -1306,7 +1306,7 @@
             </a:ln>
             <a:extLst>
               <a:ext uri="{91240B29-F687-4f45-9708-019B960494DF}">
-                <a14:hiddenLine xmlns:a14="http://schemas.microsoft.com/office/drawing/2010/main" xmlns="" w="9525">
+                <a14:hiddenLine xmlns="" xmlns:a14="http://schemas.microsoft.com/office/drawing/2010/main" w="9525">
                   <a:solidFill>
                     <a:srgbClr val="000000"/>
                   </a:solidFill>
@@ -1368,7 +1368,7 @@
             </a:ln>
             <a:extLst>
               <a:ext uri="{91240B29-F687-4f45-9708-019B960494DF}">
-                <a14:hiddenLine xmlns:a14="http://schemas.microsoft.com/office/drawing/2010/main" xmlns="" w="9525">
+                <a14:hiddenLine xmlns="" xmlns:a14="http://schemas.microsoft.com/office/drawing/2010/main" w="9525">
                   <a:solidFill>
                     <a:srgbClr val="000000"/>
                   </a:solidFill>
@@ -1430,7 +1430,7 @@
             </a:ln>
             <a:extLst>
               <a:ext uri="{91240B29-F687-4f45-9708-019B960494DF}">
-                <a14:hiddenLine xmlns:a14="http://schemas.microsoft.com/office/drawing/2010/main" xmlns="" w="9525">
+                <a14:hiddenLine xmlns="" xmlns:a14="http://schemas.microsoft.com/office/drawing/2010/main" w="9525">
                   <a:solidFill>
                     <a:srgbClr val="000000"/>
                   </a:solidFill>
@@ -1520,7 +1520,7 @@
             </a:ln>
             <a:extLst>
               <a:ext uri="{91240B29-F687-4f45-9708-019B960494DF}">
-                <a14:hiddenLine xmlns:a14="http://schemas.microsoft.com/office/drawing/2010/main" xmlns="" w="9525">
+                <a14:hiddenLine xmlns="" xmlns:a14="http://schemas.microsoft.com/office/drawing/2010/main" w="9525">
                   <a:solidFill>
                     <a:srgbClr val="000000"/>
                   </a:solidFill>
@@ -1610,7 +1610,7 @@
             </a:ln>
             <a:extLst>
               <a:ext uri="{91240B29-F687-4f45-9708-019B960494DF}">
-                <a14:hiddenLine xmlns:a14="http://schemas.microsoft.com/office/drawing/2010/main" xmlns="" w="9525">
+                <a14:hiddenLine xmlns="" xmlns:a14="http://schemas.microsoft.com/office/drawing/2010/main" w="9525">
                   <a:solidFill>
                     <a:srgbClr val="000000"/>
                   </a:solidFill>
@@ -1672,7 +1672,7 @@
             </a:ln>
             <a:extLst>
               <a:ext uri="{91240B29-F687-4f45-9708-019B960494DF}">
-                <a14:hiddenLine xmlns:a14="http://schemas.microsoft.com/office/drawing/2010/main" xmlns="" w="9525">
+                <a14:hiddenLine xmlns="" xmlns:a14="http://schemas.microsoft.com/office/drawing/2010/main" w="9525">
                   <a:solidFill>
                     <a:srgbClr val="000000"/>
                   </a:solidFill>
@@ -1782,7 +1782,7 @@
             </a:ln>
             <a:extLst>
               <a:ext uri="{91240B29-F687-4f45-9708-019B960494DF}">
-                <a14:hiddenLine xmlns:a14="http://schemas.microsoft.com/office/drawing/2010/main" xmlns="" w="9525">
+                <a14:hiddenLine xmlns="" xmlns:a14="http://schemas.microsoft.com/office/drawing/2010/main" w="9525">
                   <a:solidFill>
                     <a:srgbClr val="000000"/>
                   </a:solidFill>
@@ -1844,7 +1844,7 @@
             </a:ln>
             <a:extLst>
               <a:ext uri="{91240B29-F687-4f45-9708-019B960494DF}">
-                <a14:hiddenLine xmlns:a14="http://schemas.microsoft.com/office/drawing/2010/main" xmlns="" w="9525">
+                <a14:hiddenLine xmlns="" xmlns:a14="http://schemas.microsoft.com/office/drawing/2010/main" w="9525">
                   <a:solidFill>
                     <a:srgbClr val="000000"/>
                   </a:solidFill>
@@ -1934,7 +1934,7 @@
             </a:ln>
             <a:extLst>
               <a:ext uri="{91240B29-F687-4f45-9708-019B960494DF}">
-                <a14:hiddenLine xmlns:a14="http://schemas.microsoft.com/office/drawing/2010/main" xmlns="" w="9525">
+                <a14:hiddenLine xmlns="" xmlns:a14="http://schemas.microsoft.com/office/drawing/2010/main" w="9525">
                   <a:solidFill>
                     <a:srgbClr val="000000"/>
                   </a:solidFill>
@@ -2024,7 +2024,7 @@
             </a:ln>
             <a:extLst>
               <a:ext uri="{91240B29-F687-4f45-9708-019B960494DF}">
-                <a14:hiddenLine xmlns:a14="http://schemas.microsoft.com/office/drawing/2010/main" xmlns="" w="9525">
+                <a14:hiddenLine xmlns="" xmlns:a14="http://schemas.microsoft.com/office/drawing/2010/main" w="9525">
                   <a:solidFill>
                     <a:srgbClr val="000000"/>
                   </a:solidFill>
@@ -2086,7 +2086,7 @@
             </a:ln>
             <a:extLst>
               <a:ext uri="{91240B29-F687-4f45-9708-019B960494DF}">
-                <a14:hiddenLine xmlns:a14="http://schemas.microsoft.com/office/drawing/2010/main" xmlns="" w="9525">
+                <a14:hiddenLine xmlns="" xmlns:a14="http://schemas.microsoft.com/office/drawing/2010/main" w="9525">
                   <a:solidFill>
                     <a:srgbClr val="000000"/>
                   </a:solidFill>
@@ -2176,7 +2176,7 @@
             </a:ln>
             <a:extLst>
               <a:ext uri="{91240B29-F687-4f45-9708-019B960494DF}">
-                <a14:hiddenLine xmlns:a14="http://schemas.microsoft.com/office/drawing/2010/main" xmlns="" w="9525">
+                <a14:hiddenLine xmlns="" xmlns:a14="http://schemas.microsoft.com/office/drawing/2010/main" w="9525">
                   <a:solidFill>
                     <a:srgbClr val="000000"/>
                   </a:solidFill>
@@ -2266,7 +2266,7 @@
             </a:ln>
             <a:extLst>
               <a:ext uri="{91240B29-F687-4f45-9708-019B960494DF}">
-                <a14:hiddenLine xmlns:a14="http://schemas.microsoft.com/office/drawing/2010/main" xmlns="" w="9525">
+                <a14:hiddenLine xmlns="" xmlns:a14="http://schemas.microsoft.com/office/drawing/2010/main" w="9525">
                   <a:solidFill>
                     <a:srgbClr val="000000"/>
                   </a:solidFill>
@@ -2322,7 +2322,7 @@
             </a:ln>
             <a:extLst>
               <a:ext uri="{91240B29-F687-4f45-9708-019B960494DF}">
-                <a14:hiddenLine xmlns:a14="http://schemas.microsoft.com/office/drawing/2010/main" xmlns="" w="9525">
+                <a14:hiddenLine xmlns="" xmlns:a14="http://schemas.microsoft.com/office/drawing/2010/main" w="9525">
                   <a:solidFill>
                     <a:srgbClr val="000000"/>
                   </a:solidFill>
@@ -2412,7 +2412,7 @@
             </a:ln>
             <a:extLst>
               <a:ext uri="{91240B29-F687-4f45-9708-019B960494DF}">
-                <a14:hiddenLine xmlns:a14="http://schemas.microsoft.com/office/drawing/2010/main" xmlns="" w="9525">
+                <a14:hiddenLine xmlns="" xmlns:a14="http://schemas.microsoft.com/office/drawing/2010/main" w="9525">
                   <a:solidFill>
                     <a:srgbClr val="000000"/>
                   </a:solidFill>
@@ -2468,7 +2468,7 @@
             </a:ln>
             <a:extLst>
               <a:ext uri="{91240B29-F687-4f45-9708-019B960494DF}">
-                <a14:hiddenLine xmlns:a14="http://schemas.microsoft.com/office/drawing/2010/main" xmlns="" w="9525">
+                <a14:hiddenLine xmlns="" xmlns:a14="http://schemas.microsoft.com/office/drawing/2010/main" w="9525">
                   <a:solidFill>
                     <a:srgbClr val="000000"/>
                   </a:solidFill>
@@ -2558,7 +2558,7 @@
             </a:ln>
             <a:extLst>
               <a:ext uri="{91240B29-F687-4f45-9708-019B960494DF}">
-                <a14:hiddenLine xmlns:a14="http://schemas.microsoft.com/office/drawing/2010/main" xmlns="" w="9525">
+                <a14:hiddenLine xmlns="" xmlns:a14="http://schemas.microsoft.com/office/drawing/2010/main" w="9525">
                   <a:solidFill>
                     <a:srgbClr val="000000"/>
                   </a:solidFill>
@@ -2626,7 +2626,7 @@
             </a:ln>
             <a:extLst>
               <a:ext uri="{91240B29-F687-4f45-9708-019B960494DF}">
-                <a14:hiddenLine xmlns:a14="http://schemas.microsoft.com/office/drawing/2010/main" xmlns="" w="9525">
+                <a14:hiddenLine xmlns="" xmlns:a14="http://schemas.microsoft.com/office/drawing/2010/main" w="9525">
                   <a:solidFill>
                     <a:srgbClr val="000000"/>
                   </a:solidFill>
@@ -2716,7 +2716,7 @@
             </a:ln>
             <a:extLst>
               <a:ext uri="{91240B29-F687-4f45-9708-019B960494DF}">
-                <a14:hiddenLine xmlns:a14="http://schemas.microsoft.com/office/drawing/2010/main" xmlns="" w="9525">
+                <a14:hiddenLine xmlns="" xmlns:a14="http://schemas.microsoft.com/office/drawing/2010/main" w="9525">
                   <a:solidFill>
                     <a:srgbClr val="000000"/>
                   </a:solidFill>
@@ -2784,7 +2784,7 @@
             </a:ln>
             <a:extLst>
               <a:ext uri="{91240B29-F687-4f45-9708-019B960494DF}">
-                <a14:hiddenLine xmlns:a14="http://schemas.microsoft.com/office/drawing/2010/main" xmlns="" w="9525">
+                <a14:hiddenLine xmlns="" xmlns:a14="http://schemas.microsoft.com/office/drawing/2010/main" w="9525">
                   <a:solidFill>
                     <a:srgbClr val="000000"/>
                   </a:solidFill>
@@ -2874,7 +2874,7 @@
             </a:ln>
             <a:extLst>
               <a:ext uri="{91240B29-F687-4f45-9708-019B960494DF}">
-                <a14:hiddenLine xmlns:a14="http://schemas.microsoft.com/office/drawing/2010/main" xmlns="" w="9525">
+                <a14:hiddenLine xmlns="" xmlns:a14="http://schemas.microsoft.com/office/drawing/2010/main" w="9525">
                   <a:solidFill>
                     <a:srgbClr val="000000"/>
                   </a:solidFill>
@@ -2908,7 +2908,7 @@
             </a:ln>
             <a:extLst>
               <a:ext uri="{91240B29-F687-4f45-9708-019B960494DF}">
-                <a14:hiddenLine xmlns:a14="http://schemas.microsoft.com/office/drawing/2010/main" xmlns="" w="9525">
+                <a14:hiddenLine xmlns="" xmlns:a14="http://schemas.microsoft.com/office/drawing/2010/main" w="9525">
                   <a:solidFill>
                     <a:srgbClr val="000000"/>
                   </a:solidFill>
@@ -2998,7 +2998,7 @@
             </a:ln>
             <a:extLst>
               <a:ext uri="{91240B29-F687-4f45-9708-019B960494DF}">
-                <a14:hiddenLine xmlns:a14="http://schemas.microsoft.com/office/drawing/2010/main" xmlns="" w="9525">
+                <a14:hiddenLine xmlns="" xmlns:a14="http://schemas.microsoft.com/office/drawing/2010/main" w="9525">
                   <a:solidFill>
                     <a:srgbClr val="000000"/>
                   </a:solidFill>
@@ -3060,7 +3060,7 @@
             </a:ln>
             <a:extLst>
               <a:ext uri="{91240B29-F687-4f45-9708-019B960494DF}">
-                <a14:hiddenLine xmlns:a14="http://schemas.microsoft.com/office/drawing/2010/main" xmlns="" w="9525">
+                <a14:hiddenLine xmlns="" xmlns:a14="http://schemas.microsoft.com/office/drawing/2010/main" w="9525">
                   <a:solidFill>
                     <a:srgbClr val="000000"/>
                   </a:solidFill>
@@ -3122,7 +3122,7 @@
             </a:ln>
             <a:extLst>
               <a:ext uri="{91240B29-F687-4f45-9708-019B960494DF}">
-                <a14:hiddenLine xmlns:a14="http://schemas.microsoft.com/office/drawing/2010/main" xmlns="" w="9525">
+                <a14:hiddenLine xmlns="" xmlns:a14="http://schemas.microsoft.com/office/drawing/2010/main" w="9525">
                   <a:solidFill>
                     <a:srgbClr val="000000"/>
                   </a:solidFill>
@@ -3212,7 +3212,7 @@
             </a:ln>
             <a:extLst>
               <a:ext uri="{91240B29-F687-4f45-9708-019B960494DF}">
-                <a14:hiddenLine xmlns:a14="http://schemas.microsoft.com/office/drawing/2010/main" xmlns="" w="9525">
+                <a14:hiddenLine xmlns="" xmlns:a14="http://schemas.microsoft.com/office/drawing/2010/main" w="9525">
                   <a:solidFill>
                     <a:srgbClr val="000000"/>
                   </a:solidFill>
@@ -3280,7 +3280,7 @@
             </a:ln>
             <a:extLst>
               <a:ext uri="{91240B29-F687-4f45-9708-019B960494DF}">
-                <a14:hiddenLine xmlns:a14="http://schemas.microsoft.com/office/drawing/2010/main" xmlns="" w="9525">
+                <a14:hiddenLine xmlns="" xmlns:a14="http://schemas.microsoft.com/office/drawing/2010/main" w="9525">
                   <a:solidFill>
                     <a:srgbClr val="000000"/>
                   </a:solidFill>
@@ -3342,7 +3342,7 @@
             </a:ln>
             <a:extLst>
               <a:ext uri="{91240B29-F687-4f45-9708-019B960494DF}">
-                <a14:hiddenLine xmlns:a14="http://schemas.microsoft.com/office/drawing/2010/main" xmlns="" w="9525">
+                <a14:hiddenLine xmlns="" xmlns:a14="http://schemas.microsoft.com/office/drawing/2010/main" w="9525">
                   <a:solidFill>
                     <a:srgbClr val="000000"/>
                   </a:solidFill>
@@ -3432,7 +3432,7 @@
             </a:ln>
             <a:extLst>
               <a:ext uri="{91240B29-F687-4f45-9708-019B960494DF}">
-                <a14:hiddenLine xmlns:a14="http://schemas.microsoft.com/office/drawing/2010/main" xmlns="" w="9525">
+                <a14:hiddenLine xmlns="" xmlns:a14="http://schemas.microsoft.com/office/drawing/2010/main" w="9525">
                   <a:solidFill>
                     <a:srgbClr val="000000"/>
                   </a:solidFill>
@@ -3494,7 +3494,7 @@
             </a:ln>
             <a:extLst>
               <a:ext uri="{91240B29-F687-4f45-9708-019B960494DF}">
-                <a14:hiddenLine xmlns:a14="http://schemas.microsoft.com/office/drawing/2010/main" xmlns="" w="9525">
+                <a14:hiddenLine xmlns="" xmlns:a14="http://schemas.microsoft.com/office/drawing/2010/main" w="9525">
                   <a:solidFill>
                     <a:srgbClr val="000000"/>
                   </a:solidFill>
@@ -3584,7 +3584,7 @@
             </a:ln>
             <a:extLst>
               <a:ext uri="{91240B29-F687-4f45-9708-019B960494DF}">
-                <a14:hiddenLine xmlns:a14="http://schemas.microsoft.com/office/drawing/2010/main" xmlns="" w="9525">
+                <a14:hiddenLine xmlns="" xmlns:a14="http://schemas.microsoft.com/office/drawing/2010/main" w="9525">
                   <a:solidFill>
                     <a:srgbClr val="000000"/>
                   </a:solidFill>
@@ -3646,7 +3646,7 @@
             </a:ln>
             <a:extLst>
               <a:ext uri="{91240B29-F687-4f45-9708-019B960494DF}">
-                <a14:hiddenLine xmlns:a14="http://schemas.microsoft.com/office/drawing/2010/main" xmlns="" w="9525">
+                <a14:hiddenLine xmlns="" xmlns:a14="http://schemas.microsoft.com/office/drawing/2010/main" w="9525">
                   <a:solidFill>
                     <a:srgbClr val="000000"/>
                   </a:solidFill>
@@ -3736,7 +3736,7 @@
             </a:ln>
             <a:extLst>
               <a:ext uri="{91240B29-F687-4f45-9708-019B960494DF}">
-                <a14:hiddenLine xmlns:a14="http://schemas.microsoft.com/office/drawing/2010/main" xmlns="" w="9525">
+                <a14:hiddenLine xmlns="" xmlns:a14="http://schemas.microsoft.com/office/drawing/2010/main" w="9525">
                   <a:solidFill>
                     <a:srgbClr val="000000"/>
                   </a:solidFill>
@@ -3770,7 +3770,7 @@
             </a:ln>
             <a:extLst>
               <a:ext uri="{91240B29-F687-4f45-9708-019B960494DF}">
-                <a14:hiddenLine xmlns:a14="http://schemas.microsoft.com/office/drawing/2010/main" xmlns="" w="9525">
+                <a14:hiddenLine xmlns="" xmlns:a14="http://schemas.microsoft.com/office/drawing/2010/main" w="9525">
                   <a:solidFill>
                     <a:srgbClr val="000000"/>
                   </a:solidFill>
@@ -3835,7 +3835,7 @@
             </a:ln>
             <a:extLst>
               <a:ext uri="{91240B29-F687-4f45-9708-019B960494DF}">
-                <a14:hiddenLine xmlns:a14="http://schemas.microsoft.com/office/drawing/2010/main" xmlns="" w="9525">
+                <a14:hiddenLine xmlns="" xmlns:a14="http://schemas.microsoft.com/office/drawing/2010/main" w="9525">
                   <a:solidFill>
                     <a:srgbClr val="000000"/>
                   </a:solidFill>
@@ -3925,7 +3925,7 @@
             </a:ln>
             <a:extLst>
               <a:ext uri="{91240B29-F687-4f45-9708-019B960494DF}">
-                <a14:hiddenLine xmlns:a14="http://schemas.microsoft.com/office/drawing/2010/main" xmlns="" w="9525">
+                <a14:hiddenLine xmlns="" xmlns:a14="http://schemas.microsoft.com/office/drawing/2010/main" w="9525">
                   <a:solidFill>
                     <a:srgbClr val="000000"/>
                   </a:solidFill>
@@ -3987,7 +3987,7 @@
             </a:ln>
             <a:extLst>
               <a:ext uri="{91240B29-F687-4f45-9708-019B960494DF}">
-                <a14:hiddenLine xmlns:a14="http://schemas.microsoft.com/office/drawing/2010/main" xmlns="" w="9525">
+                <a14:hiddenLine xmlns="" xmlns:a14="http://schemas.microsoft.com/office/drawing/2010/main" w="9525">
                   <a:solidFill>
                     <a:srgbClr val="000000"/>
                   </a:solidFill>
@@ -4077,7 +4077,7 @@
             </a:ln>
             <a:extLst>
               <a:ext uri="{91240B29-F687-4f45-9708-019B960494DF}">
-                <a14:hiddenLine xmlns:a14="http://schemas.microsoft.com/office/drawing/2010/main" xmlns="" w="9525">
+                <a14:hiddenLine xmlns="" xmlns:a14="http://schemas.microsoft.com/office/drawing/2010/main" w="9525">
                   <a:solidFill>
                     <a:srgbClr val="000000"/>
                   </a:solidFill>
@@ -4167,7 +4167,7 @@
             </a:ln>
             <a:extLst>
               <a:ext uri="{91240B29-F687-4f45-9708-019B960494DF}">
-                <a14:hiddenLine xmlns:a14="http://schemas.microsoft.com/office/drawing/2010/main" xmlns="" w="9525">
+                <a14:hiddenLine xmlns="" xmlns:a14="http://schemas.microsoft.com/office/drawing/2010/main" w="9525">
                   <a:solidFill>
                     <a:srgbClr val="000000"/>
                   </a:solidFill>
@@ -4232,7 +4232,7 @@
             </a:ln>
             <a:extLst>
               <a:ext uri="{91240B29-F687-4f45-9708-019B960494DF}">
-                <a14:hiddenLine xmlns:a14="http://schemas.microsoft.com/office/drawing/2010/main" xmlns="" w="9525">
+                <a14:hiddenLine xmlns="" xmlns:a14="http://schemas.microsoft.com/office/drawing/2010/main" w="9525">
                   <a:solidFill>
                     <a:srgbClr val="000000"/>
                   </a:solidFill>
@@ -4294,7 +4294,7 @@
             </a:ln>
             <a:extLst>
               <a:ext uri="{91240B29-F687-4f45-9708-019B960494DF}">
-                <a14:hiddenLine xmlns:a14="http://schemas.microsoft.com/office/drawing/2010/main" xmlns="" w="9525">
+                <a14:hiddenLine xmlns="" xmlns:a14="http://schemas.microsoft.com/office/drawing/2010/main" w="9525">
                   <a:solidFill>
                     <a:srgbClr val="000000"/>
                   </a:solidFill>
@@ -4384,7 +4384,7 @@
             </a:ln>
             <a:extLst>
               <a:ext uri="{91240B29-F687-4f45-9708-019B960494DF}">
-                <a14:hiddenLine xmlns:a14="http://schemas.microsoft.com/office/drawing/2010/main" xmlns="" w="9525">
+                <a14:hiddenLine xmlns="" xmlns:a14="http://schemas.microsoft.com/office/drawing/2010/main" w="9525">
                   <a:solidFill>
                     <a:srgbClr val="000000"/>
                   </a:solidFill>
@@ -4474,7 +4474,7 @@
             </a:ln>
             <a:extLst>
               <a:ext uri="{91240B29-F687-4f45-9708-019B960494DF}">
-                <a14:hiddenLine xmlns:a14="http://schemas.microsoft.com/office/drawing/2010/main" xmlns="" w="9525">
+                <a14:hiddenLine xmlns="" xmlns:a14="http://schemas.microsoft.com/office/drawing/2010/main" w="9525">
                   <a:solidFill>
                     <a:srgbClr val="000000"/>
                   </a:solidFill>
@@ -4536,7 +4536,7 @@
             </a:ln>
             <a:extLst>
               <a:ext uri="{91240B29-F687-4f45-9708-019B960494DF}">
-                <a14:hiddenLine xmlns:a14="http://schemas.microsoft.com/office/drawing/2010/main" xmlns="" w="9525">
+                <a14:hiddenLine xmlns="" xmlns:a14="http://schemas.microsoft.com/office/drawing/2010/main" w="9525">
                   <a:solidFill>
                     <a:srgbClr val="000000"/>
                   </a:solidFill>
@@ -4656,7 +4656,7 @@
             </a:ln>
             <a:extLst>
               <a:ext uri="{91240B29-F687-4f45-9708-019B960494DF}">
-                <a14:hiddenLine xmlns:a14="http://schemas.microsoft.com/office/drawing/2010/main" xmlns="" w="9525">
+                <a14:hiddenLine xmlns="" xmlns:a14="http://schemas.microsoft.com/office/drawing/2010/main" w="9525">
                   <a:solidFill>
                     <a:srgbClr val="000000"/>
                   </a:solidFill>
@@ -4724,7 +4724,7 @@
             </a:ln>
             <a:extLst>
               <a:ext uri="{91240B29-F687-4f45-9708-019B960494DF}">
-                <a14:hiddenLine xmlns:a14="http://schemas.microsoft.com/office/drawing/2010/main" xmlns="" w="9525">
+                <a14:hiddenLine xmlns="" xmlns:a14="http://schemas.microsoft.com/office/drawing/2010/main" w="9525">
                   <a:solidFill>
                     <a:srgbClr val="000000"/>
                   </a:solidFill>
@@ -4814,7 +4814,7 @@
             </a:ln>
             <a:extLst>
               <a:ext uri="{91240B29-F687-4f45-9708-019B960494DF}">
-                <a14:hiddenLine xmlns:a14="http://schemas.microsoft.com/office/drawing/2010/main" xmlns="" w="9525">
+                <a14:hiddenLine xmlns="" xmlns:a14="http://schemas.microsoft.com/office/drawing/2010/main" w="9525">
                   <a:solidFill>
                     <a:srgbClr val="000000"/>
                   </a:solidFill>
@@ -4954,7 +4954,7 @@
           <a:p>
             <a:fld id="{EC4347D3-4C9A-C240-8F14-750059DFEEB0}" type="datetimeFigureOut">
               <a:rPr lang="en-US" smtClean="0"/>
-              <a:t>3/18/24</a:t>
+              <a:t>8/22/24</a:t>
             </a:fld>
             <a:endParaRPr lang="en-US"/>
           </a:p>
@@ -5221,7 +5221,7 @@
           <a:p>
             <a:fld id="{EC4347D3-4C9A-C240-8F14-750059DFEEB0}" type="datetimeFigureOut">
               <a:rPr lang="en-US" smtClean="0"/>
-              <a:t>3/18/24</a:t>
+              <a:t>8/22/24</a:t>
             </a:fld>
             <a:endParaRPr lang="en-US"/>
           </a:p>
@@ -5417,7 +5417,7 @@
           <a:p>
             <a:fld id="{EC4347D3-4C9A-C240-8F14-750059DFEEB0}" type="datetimeFigureOut">
               <a:rPr lang="en-US" smtClean="0"/>
-              <a:t>3/18/24</a:t>
+              <a:t>8/22/24</a:t>
             </a:fld>
             <a:endParaRPr lang="en-US"/>
           </a:p>
@@ -5680,7 +5680,7 @@
           <a:p>
             <a:fld id="{EC4347D3-4C9A-C240-8F14-750059DFEEB0}" type="datetimeFigureOut">
               <a:rPr lang="en-US" smtClean="0"/>
-              <a:t>3/18/24</a:t>
+              <a:t>8/22/24</a:t>
             </a:fld>
             <a:endParaRPr lang="en-US"/>
           </a:p>
@@ -6114,7 +6114,7 @@
           <a:p>
             <a:fld id="{EC4347D3-4C9A-C240-8F14-750059DFEEB0}" type="datetimeFigureOut">
               <a:rPr lang="en-US" smtClean="0"/>
-              <a:t>3/18/24</a:t>
+              <a:t>8/22/24</a:t>
             </a:fld>
             <a:endParaRPr lang="en-US"/>
           </a:p>
@@ -6660,7 +6660,7 @@
           <a:p>
             <a:fld id="{EC4347D3-4C9A-C240-8F14-750059DFEEB0}" type="datetimeFigureOut">
               <a:rPr lang="en-US" smtClean="0"/>
-              <a:t>3/18/24</a:t>
+              <a:t>8/22/24</a:t>
             </a:fld>
             <a:endParaRPr lang="en-US"/>
           </a:p>
@@ -7380,7 +7380,7 @@
           <a:p>
             <a:fld id="{EC4347D3-4C9A-C240-8F14-750059DFEEB0}" type="datetimeFigureOut">
               <a:rPr lang="en-US" smtClean="0"/>
-              <a:t>3/18/24</a:t>
+              <a:t>8/22/24</a:t>
             </a:fld>
             <a:endParaRPr lang="en-US"/>
           </a:p>
@@ -7550,7 +7550,7 @@
           <a:p>
             <a:fld id="{EC4347D3-4C9A-C240-8F14-750059DFEEB0}" type="datetimeFigureOut">
               <a:rPr lang="en-US" smtClean="0"/>
-              <a:t>3/18/24</a:t>
+              <a:t>8/22/24</a:t>
             </a:fld>
             <a:endParaRPr lang="en-US"/>
           </a:p>
@@ -7730,7 +7730,7 @@
           <a:p>
             <a:fld id="{EC4347D3-4C9A-C240-8F14-750059DFEEB0}" type="datetimeFigureOut">
               <a:rPr lang="en-US" smtClean="0"/>
-              <a:t>3/18/24</a:t>
+              <a:t>8/22/24</a:t>
             </a:fld>
             <a:endParaRPr lang="en-US"/>
           </a:p>
@@ -7900,7 +7900,7 @@
           <a:p>
             <a:fld id="{EC4347D3-4C9A-C240-8F14-750059DFEEB0}" type="datetimeFigureOut">
               <a:rPr lang="en-US" smtClean="0"/>
-              <a:t>3/18/24</a:t>
+              <a:t>8/22/24</a:t>
             </a:fld>
             <a:endParaRPr lang="en-US"/>
           </a:p>
@@ -8150,7 +8150,7 @@
           <a:p>
             <a:fld id="{EC4347D3-4C9A-C240-8F14-750059DFEEB0}" type="datetimeFigureOut">
               <a:rPr lang="en-US" smtClean="0"/>
-              <a:t>3/18/24</a:t>
+              <a:t>8/22/24</a:t>
             </a:fld>
             <a:endParaRPr lang="en-US"/>
           </a:p>
@@ -8382,7 +8382,7 @@
           <a:p>
             <a:fld id="{EC4347D3-4C9A-C240-8F14-750059DFEEB0}" type="datetimeFigureOut">
               <a:rPr lang="en-US" smtClean="0"/>
-              <a:t>3/18/24</a:t>
+              <a:t>8/22/24</a:t>
             </a:fld>
             <a:endParaRPr lang="en-US"/>
           </a:p>
@@ -8768,7 +8768,7 @@
           <a:p>
             <a:fld id="{EC4347D3-4C9A-C240-8F14-750059DFEEB0}" type="datetimeFigureOut">
               <a:rPr lang="en-US" smtClean="0"/>
-              <a:t>3/18/24</a:t>
+              <a:t>8/22/24</a:t>
             </a:fld>
             <a:endParaRPr lang="en-US"/>
           </a:p>
@@ -8891,7 +8891,7 @@
           <a:p>
             <a:fld id="{EC4347D3-4C9A-C240-8F14-750059DFEEB0}" type="datetimeFigureOut">
               <a:rPr lang="en-US" smtClean="0"/>
-              <a:t>3/18/24</a:t>
+              <a:t>8/22/24</a:t>
             </a:fld>
             <a:endParaRPr lang="en-US"/>
           </a:p>
@@ -8986,7 +8986,7 @@
           <a:p>
             <a:fld id="{EC4347D3-4C9A-C240-8F14-750059DFEEB0}" type="datetimeFigureOut">
               <a:rPr lang="en-US" smtClean="0"/>
-              <a:t>3/18/24</a:t>
+              <a:t>8/22/24</a:t>
             </a:fld>
             <a:endParaRPr lang="en-US"/>
           </a:p>
@@ -9235,7 +9235,7 @@
           <a:p>
             <a:fld id="{EC4347D3-4C9A-C240-8F14-750059DFEEB0}" type="datetimeFigureOut">
               <a:rPr lang="en-US" smtClean="0"/>
-              <a:t>3/18/24</a:t>
+              <a:t>8/22/24</a:t>
             </a:fld>
             <a:endParaRPr lang="en-US"/>
           </a:p>
@@ -9520,7 +9520,7 @@
           <a:p>
             <a:fld id="{EC4347D3-4C9A-C240-8F14-750059DFEEB0}" type="datetimeFigureOut">
               <a:rPr lang="en-US" smtClean="0"/>
-              <a:t>3/18/24</a:t>
+              <a:t>8/22/24</a:t>
             </a:fld>
             <a:endParaRPr lang="en-US"/>
           </a:p>
@@ -9643,7 +9643,7 @@
           <a:noFill/>
           <a:extLst>
             <a:ext uri="{909E8E84-426E-40dd-AFC4-6F175D3DCCD1}">
-              <a14:hiddenFill xmlns:a14="http://schemas.microsoft.com/office/drawing/2010/main" xmlns="">
+              <a14:hiddenFill xmlns="" xmlns:a14="http://schemas.microsoft.com/office/drawing/2010/main">
                 <a:solidFill>
                   <a:srgbClr val="FFFFFF"/>
                 </a:solidFill>
@@ -9717,7 +9717,7 @@
               </a:ln>
               <a:extLst>
                 <a:ext uri="{91240B29-F687-4f45-9708-019B960494DF}">
-                  <a14:hiddenLine xmlns:a14="http://schemas.microsoft.com/office/drawing/2010/main" xmlns="" w="9525">
+                  <a14:hiddenLine xmlns="" xmlns:a14="http://schemas.microsoft.com/office/drawing/2010/main" w="9525">
                     <a:solidFill>
                       <a:srgbClr val="000000"/>
                     </a:solidFill>
@@ -9807,7 +9807,7 @@
               </a:ln>
               <a:extLst>
                 <a:ext uri="{91240B29-F687-4f45-9708-019B960494DF}">
-                  <a14:hiddenLine xmlns:a14="http://schemas.microsoft.com/office/drawing/2010/main" xmlns="" w="9525">
+                  <a14:hiddenLine xmlns="" xmlns:a14="http://schemas.microsoft.com/office/drawing/2010/main" w="9525">
                     <a:solidFill>
                       <a:srgbClr val="000000"/>
                     </a:solidFill>
@@ -9897,7 +9897,7 @@
               </a:ln>
               <a:extLst>
                 <a:ext uri="{91240B29-F687-4f45-9708-019B960494DF}">
-                  <a14:hiddenLine xmlns:a14="http://schemas.microsoft.com/office/drawing/2010/main" xmlns="" w="9525">
+                  <a14:hiddenLine xmlns="" xmlns:a14="http://schemas.microsoft.com/office/drawing/2010/main" w="9525">
                     <a:solidFill>
                       <a:srgbClr val="000000"/>
                     </a:solidFill>
@@ -9959,7 +9959,7 @@
               </a:ln>
               <a:extLst>
                 <a:ext uri="{91240B29-F687-4f45-9708-019B960494DF}">
-                  <a14:hiddenLine xmlns:a14="http://schemas.microsoft.com/office/drawing/2010/main" xmlns="" w="9525">
+                  <a14:hiddenLine xmlns="" xmlns:a14="http://schemas.microsoft.com/office/drawing/2010/main" w="9525">
                     <a:solidFill>
                       <a:srgbClr val="000000"/>
                     </a:solidFill>
@@ -10049,7 +10049,7 @@
               </a:ln>
               <a:extLst>
                 <a:ext uri="{91240B29-F687-4f45-9708-019B960494DF}">
-                  <a14:hiddenLine xmlns:a14="http://schemas.microsoft.com/office/drawing/2010/main" xmlns="" w="9525">
+                  <a14:hiddenLine xmlns="" xmlns:a14="http://schemas.microsoft.com/office/drawing/2010/main" w="9525">
                     <a:solidFill>
                       <a:srgbClr val="000000"/>
                     </a:solidFill>
@@ -10111,7 +10111,7 @@
               </a:ln>
               <a:extLst>
                 <a:ext uri="{91240B29-F687-4f45-9708-019B960494DF}">
-                  <a14:hiddenLine xmlns:a14="http://schemas.microsoft.com/office/drawing/2010/main" xmlns="" w="9525">
+                  <a14:hiddenLine xmlns="" xmlns:a14="http://schemas.microsoft.com/office/drawing/2010/main" w="9525">
                     <a:solidFill>
                       <a:srgbClr val="000000"/>
                     </a:solidFill>
@@ -10173,7 +10173,7 @@
               </a:ln>
               <a:extLst>
                 <a:ext uri="{91240B29-F687-4f45-9708-019B960494DF}">
-                  <a14:hiddenLine xmlns:a14="http://schemas.microsoft.com/office/drawing/2010/main" xmlns="" w="9525">
+                  <a14:hiddenLine xmlns="" xmlns:a14="http://schemas.microsoft.com/office/drawing/2010/main" w="9525">
                     <a:solidFill>
                       <a:srgbClr val="000000"/>
                     </a:solidFill>
@@ -10263,7 +10263,7 @@
               </a:ln>
               <a:extLst>
                 <a:ext uri="{91240B29-F687-4f45-9708-019B960494DF}">
-                  <a14:hiddenLine xmlns:a14="http://schemas.microsoft.com/office/drawing/2010/main" xmlns="" w="9525">
+                  <a14:hiddenLine xmlns="" xmlns:a14="http://schemas.microsoft.com/office/drawing/2010/main" w="9525">
                     <a:solidFill>
                       <a:srgbClr val="000000"/>
                     </a:solidFill>
@@ -10353,7 +10353,7 @@
               </a:ln>
               <a:extLst>
                 <a:ext uri="{91240B29-F687-4f45-9708-019B960494DF}">
-                  <a14:hiddenLine xmlns:a14="http://schemas.microsoft.com/office/drawing/2010/main" xmlns="" w="9525">
+                  <a14:hiddenLine xmlns="" xmlns:a14="http://schemas.microsoft.com/office/drawing/2010/main" w="9525">
                     <a:solidFill>
                       <a:srgbClr val="000000"/>
                     </a:solidFill>
@@ -10415,7 +10415,7 @@
               </a:ln>
               <a:extLst>
                 <a:ext uri="{91240B29-F687-4f45-9708-019B960494DF}">
-                  <a14:hiddenLine xmlns:a14="http://schemas.microsoft.com/office/drawing/2010/main" xmlns="" w="9525">
+                  <a14:hiddenLine xmlns="" xmlns:a14="http://schemas.microsoft.com/office/drawing/2010/main" w="9525">
                     <a:solidFill>
                       <a:srgbClr val="000000"/>
                     </a:solidFill>
@@ -10525,7 +10525,7 @@
               </a:ln>
               <a:extLst>
                 <a:ext uri="{91240B29-F687-4f45-9708-019B960494DF}">
-                  <a14:hiddenLine xmlns:a14="http://schemas.microsoft.com/office/drawing/2010/main" xmlns="" w="9525">
+                  <a14:hiddenLine xmlns="" xmlns:a14="http://schemas.microsoft.com/office/drawing/2010/main" w="9525">
                     <a:solidFill>
                       <a:srgbClr val="000000"/>
                     </a:solidFill>
@@ -10609,7 +10609,7 @@
               </a:ln>
               <a:extLst>
                 <a:ext uri="{91240B29-F687-4f45-9708-019B960494DF}">
-                  <a14:hiddenLine xmlns:a14="http://schemas.microsoft.com/office/drawing/2010/main" xmlns="" w="9525">
+                  <a14:hiddenLine xmlns="" xmlns:a14="http://schemas.microsoft.com/office/drawing/2010/main" w="9525">
                     <a:solidFill>
                       <a:srgbClr val="000000"/>
                     </a:solidFill>
@@ -10671,7 +10671,7 @@
               </a:ln>
               <a:extLst>
                 <a:ext uri="{91240B29-F687-4f45-9708-019B960494DF}">
-                  <a14:hiddenLine xmlns:a14="http://schemas.microsoft.com/office/drawing/2010/main" xmlns="" w="9525">
+                  <a14:hiddenLine xmlns="" xmlns:a14="http://schemas.microsoft.com/office/drawing/2010/main" w="9525">
                     <a:solidFill>
                       <a:srgbClr val="000000"/>
                     </a:solidFill>
@@ -10733,7 +10733,7 @@
               </a:ln>
               <a:extLst>
                 <a:ext uri="{91240B29-F687-4f45-9708-019B960494DF}">
-                  <a14:hiddenLine xmlns:a14="http://schemas.microsoft.com/office/drawing/2010/main" xmlns="" w="9525">
+                  <a14:hiddenLine xmlns="" xmlns:a14="http://schemas.microsoft.com/office/drawing/2010/main" w="9525">
                     <a:solidFill>
                       <a:srgbClr val="000000"/>
                     </a:solidFill>
@@ -10823,7 +10823,7 @@
               </a:ln>
               <a:extLst>
                 <a:ext uri="{91240B29-F687-4f45-9708-019B960494DF}">
-                  <a14:hiddenLine xmlns:a14="http://schemas.microsoft.com/office/drawing/2010/main" xmlns="" w="9525">
+                  <a14:hiddenLine xmlns="" xmlns:a14="http://schemas.microsoft.com/office/drawing/2010/main" w="9525">
                     <a:solidFill>
                       <a:srgbClr val="000000"/>
                     </a:solidFill>
@@ -10857,7 +10857,7 @@
               </a:ln>
               <a:extLst>
                 <a:ext uri="{91240B29-F687-4f45-9708-019B960494DF}">
-                  <a14:hiddenLine xmlns:a14="http://schemas.microsoft.com/office/drawing/2010/main" xmlns="" w="9525">
+                  <a14:hiddenLine xmlns="" xmlns:a14="http://schemas.microsoft.com/office/drawing/2010/main" w="9525">
                     <a:solidFill>
                       <a:srgbClr val="000000"/>
                     </a:solidFill>
@@ -10922,7 +10922,7 @@
               </a:ln>
               <a:extLst>
                 <a:ext uri="{91240B29-F687-4f45-9708-019B960494DF}">
-                  <a14:hiddenLine xmlns:a14="http://schemas.microsoft.com/office/drawing/2010/main" xmlns="" w="9525">
+                  <a14:hiddenLine xmlns="" xmlns:a14="http://schemas.microsoft.com/office/drawing/2010/main" w="9525">
                     <a:solidFill>
                       <a:srgbClr val="000000"/>
                     </a:solidFill>
@@ -11012,7 +11012,7 @@
               </a:ln>
               <a:extLst>
                 <a:ext uri="{91240B29-F687-4f45-9708-019B960494DF}">
-                  <a14:hiddenLine xmlns:a14="http://schemas.microsoft.com/office/drawing/2010/main" xmlns="" w="9525">
+                  <a14:hiddenLine xmlns="" xmlns:a14="http://schemas.microsoft.com/office/drawing/2010/main" w="9525">
                     <a:solidFill>
                       <a:srgbClr val="000000"/>
                     </a:solidFill>
@@ -11074,7 +11074,7 @@
               </a:ln>
               <a:extLst>
                 <a:ext uri="{91240B29-F687-4f45-9708-019B960494DF}">
-                  <a14:hiddenLine xmlns:a14="http://schemas.microsoft.com/office/drawing/2010/main" xmlns="" w="9525">
+                  <a14:hiddenLine xmlns="" xmlns:a14="http://schemas.microsoft.com/office/drawing/2010/main" w="9525">
                     <a:solidFill>
                       <a:srgbClr val="000000"/>
                     </a:solidFill>
@@ -11164,7 +11164,7 @@
               </a:ln>
               <a:extLst>
                 <a:ext uri="{91240B29-F687-4f45-9708-019B960494DF}">
-                  <a14:hiddenLine xmlns:a14="http://schemas.microsoft.com/office/drawing/2010/main" xmlns="" w="9525">
+                  <a14:hiddenLine xmlns="" xmlns:a14="http://schemas.microsoft.com/office/drawing/2010/main" w="9525">
                     <a:solidFill>
                       <a:srgbClr val="000000"/>
                     </a:solidFill>
@@ -11229,7 +11229,7 @@
               </a:ln>
               <a:extLst>
                 <a:ext uri="{91240B29-F687-4f45-9708-019B960494DF}">
-                  <a14:hiddenLine xmlns:a14="http://schemas.microsoft.com/office/drawing/2010/main" xmlns="" w="9525">
+                  <a14:hiddenLine xmlns="" xmlns:a14="http://schemas.microsoft.com/office/drawing/2010/main" w="9525">
                     <a:solidFill>
                       <a:srgbClr val="000000"/>
                     </a:solidFill>
@@ -11291,7 +11291,7 @@
               </a:ln>
               <a:extLst>
                 <a:ext uri="{91240B29-F687-4f45-9708-019B960494DF}">
-                  <a14:hiddenLine xmlns:a14="http://schemas.microsoft.com/office/drawing/2010/main" xmlns="" w="9525">
+                  <a14:hiddenLine xmlns="" xmlns:a14="http://schemas.microsoft.com/office/drawing/2010/main" w="9525">
                     <a:solidFill>
                       <a:srgbClr val="000000"/>
                     </a:solidFill>
@@ -11381,7 +11381,7 @@
               </a:ln>
               <a:extLst>
                 <a:ext uri="{91240B29-F687-4f45-9708-019B960494DF}">
-                  <a14:hiddenLine xmlns:a14="http://schemas.microsoft.com/office/drawing/2010/main" xmlns="" w="9525">
+                  <a14:hiddenLine xmlns="" xmlns:a14="http://schemas.microsoft.com/office/drawing/2010/main" w="9525">
                     <a:solidFill>
                       <a:srgbClr val="000000"/>
                     </a:solidFill>
@@ -11471,7 +11471,7 @@
               </a:ln>
               <a:extLst>
                 <a:ext uri="{91240B29-F687-4f45-9708-019B960494DF}">
-                  <a14:hiddenLine xmlns:a14="http://schemas.microsoft.com/office/drawing/2010/main" xmlns="" w="9525">
+                  <a14:hiddenLine xmlns="" xmlns:a14="http://schemas.microsoft.com/office/drawing/2010/main" w="9525">
                     <a:solidFill>
                       <a:srgbClr val="000000"/>
                     </a:solidFill>
@@ -11536,7 +11536,7 @@
               </a:ln>
               <a:extLst>
                 <a:ext uri="{91240B29-F687-4f45-9708-019B960494DF}">
-                  <a14:hiddenLine xmlns:a14="http://schemas.microsoft.com/office/drawing/2010/main" xmlns="" w="9525">
+                  <a14:hiddenLine xmlns="" xmlns:a14="http://schemas.microsoft.com/office/drawing/2010/main" w="9525">
                     <a:solidFill>
                       <a:srgbClr val="000000"/>
                     </a:solidFill>
@@ -11656,7 +11656,7 @@
               </a:ln>
               <a:extLst>
                 <a:ext uri="{91240B29-F687-4f45-9708-019B960494DF}">
-                  <a14:hiddenLine xmlns:a14="http://schemas.microsoft.com/office/drawing/2010/main" xmlns="" w="9525">
+                  <a14:hiddenLine xmlns="" xmlns:a14="http://schemas.microsoft.com/office/drawing/2010/main" w="9525">
                     <a:solidFill>
                       <a:srgbClr val="000000"/>
                     </a:solidFill>
@@ -11737,7 +11737,7 @@
               </a:ln>
               <a:extLst>
                 <a:ext uri="{91240B29-F687-4f45-9708-019B960494DF}">
-                  <a14:hiddenLine xmlns:a14="http://schemas.microsoft.com/office/drawing/2010/main" xmlns="" w="9525">
+                  <a14:hiddenLine xmlns="" xmlns:a14="http://schemas.microsoft.com/office/drawing/2010/main" w="9525">
                     <a:solidFill>
                       <a:srgbClr val="000000"/>
                     </a:solidFill>
@@ -11852,7 +11852,7 @@
               </a:ln>
               <a:extLst>
                 <a:ext uri="{91240B29-F687-4f45-9708-019B960494DF}">
-                  <a14:hiddenLine xmlns:a14="http://schemas.microsoft.com/office/drawing/2010/main" xmlns="" w="9525">
+                  <a14:hiddenLine xmlns="" xmlns:a14="http://schemas.microsoft.com/office/drawing/2010/main" w="9525">
                     <a:solidFill>
                       <a:srgbClr val="000000"/>
                     </a:solidFill>
@@ -11942,7 +11942,7 @@
               </a:ln>
               <a:extLst>
                 <a:ext uri="{91240B29-F687-4f45-9708-019B960494DF}">
-                  <a14:hiddenLine xmlns:a14="http://schemas.microsoft.com/office/drawing/2010/main" xmlns="" w="9525">
+                  <a14:hiddenLine xmlns="" xmlns:a14="http://schemas.microsoft.com/office/drawing/2010/main" w="9525">
                     <a:solidFill>
                       <a:srgbClr val="000000"/>
                     </a:solidFill>
@@ -12007,7 +12007,7 @@
               </a:ln>
               <a:extLst>
                 <a:ext uri="{91240B29-F687-4f45-9708-019B960494DF}">
-                  <a14:hiddenLine xmlns:a14="http://schemas.microsoft.com/office/drawing/2010/main" xmlns="" w="9525">
+                  <a14:hiddenLine xmlns="" xmlns:a14="http://schemas.microsoft.com/office/drawing/2010/main" w="9525">
                     <a:solidFill>
                       <a:srgbClr val="000000"/>
                     </a:solidFill>
@@ -12097,7 +12097,7 @@
               </a:ln>
               <a:extLst>
                 <a:ext uri="{91240B29-F687-4f45-9708-019B960494DF}">
-                  <a14:hiddenLine xmlns:a14="http://schemas.microsoft.com/office/drawing/2010/main" xmlns="" w="9525">
+                  <a14:hiddenLine xmlns="" xmlns:a14="http://schemas.microsoft.com/office/drawing/2010/main" w="9525">
                     <a:solidFill>
                       <a:srgbClr val="000000"/>
                     </a:solidFill>
@@ -12165,7 +12165,7 @@
               </a:ln>
               <a:extLst>
                 <a:ext uri="{91240B29-F687-4f45-9708-019B960494DF}">
-                  <a14:hiddenLine xmlns:a14="http://schemas.microsoft.com/office/drawing/2010/main" xmlns="" w="9525">
+                  <a14:hiddenLine xmlns="" xmlns:a14="http://schemas.microsoft.com/office/drawing/2010/main" w="9525">
                     <a:solidFill>
                       <a:srgbClr val="000000"/>
                     </a:solidFill>
@@ -12255,7 +12255,7 @@
               </a:ln>
               <a:extLst>
                 <a:ext uri="{91240B29-F687-4f45-9708-019B960494DF}">
-                  <a14:hiddenLine xmlns:a14="http://schemas.microsoft.com/office/drawing/2010/main" xmlns="" w="9525">
+                  <a14:hiddenLine xmlns="" xmlns:a14="http://schemas.microsoft.com/office/drawing/2010/main" w="9525">
                     <a:solidFill>
                       <a:srgbClr val="000000"/>
                     </a:solidFill>
@@ -12323,7 +12323,7 @@
               </a:ln>
               <a:extLst>
                 <a:ext uri="{91240B29-F687-4f45-9708-019B960494DF}">
-                  <a14:hiddenLine xmlns:a14="http://schemas.microsoft.com/office/drawing/2010/main" xmlns="" w="9525">
+                  <a14:hiddenLine xmlns="" xmlns:a14="http://schemas.microsoft.com/office/drawing/2010/main" w="9525">
                     <a:solidFill>
                       <a:srgbClr val="000000"/>
                     </a:solidFill>
@@ -12413,7 +12413,7 @@
               </a:ln>
               <a:extLst>
                 <a:ext uri="{91240B29-F687-4f45-9708-019B960494DF}">
-                  <a14:hiddenLine xmlns:a14="http://schemas.microsoft.com/office/drawing/2010/main" xmlns="" w="9525">
+                  <a14:hiddenLine xmlns="" xmlns:a14="http://schemas.microsoft.com/office/drawing/2010/main" w="9525">
                     <a:solidFill>
                       <a:srgbClr val="000000"/>
                     </a:solidFill>
@@ -12447,7 +12447,7 @@
               </a:ln>
               <a:extLst>
                 <a:ext uri="{91240B29-F687-4f45-9708-019B960494DF}">
-                  <a14:hiddenLine xmlns:a14="http://schemas.microsoft.com/office/drawing/2010/main" xmlns="" w="9525">
+                  <a14:hiddenLine xmlns="" xmlns:a14="http://schemas.microsoft.com/office/drawing/2010/main" w="9525">
                     <a:solidFill>
                       <a:srgbClr val="000000"/>
                     </a:solidFill>
@@ -12587,7 +12587,7 @@
           <a:p>
             <a:fld id="{EC4347D3-4C9A-C240-8F14-750059DFEEB0}" type="datetimeFigureOut">
               <a:rPr lang="en-US" smtClean="0"/>
-              <a:t>3/18/24</a:t>
+              <a:t>8/22/24</a:t>
             </a:fld>
             <a:endParaRPr lang="en-US"/>
           </a:p>
@@ -14181,13 +14181,13 @@
         </p:nvSpPr>
         <p:spPr>
           <a:xfrm>
-            <a:off x="1981200" y="1547446"/>
-            <a:ext cx="8229600" cy="4609514"/>
+            <a:off x="1141413" y="1045030"/>
+            <a:ext cx="9905997" cy="5111930"/>
           </a:xfrm>
         </p:spPr>
         <p:txBody>
           <a:bodyPr>
-            <a:normAutofit/>
+            <a:normAutofit fontScale="92500" lnSpcReduction="10000"/>
           </a:bodyPr>
           <a:lstStyle/>
           <a:p>
@@ -14200,7 +14200,14 @@
             <a:pPr lvl="1"/>
             <a:r>
               <a:rPr lang="en-US" dirty="0"/>
-              <a:t>Tu / Th 11:30 - 12:15 pm @ John W. Warner Hall 209</a:t>
+              <a:t>Tu / Th 9:30 – 10:45 am @ Mechanical Engr. 205</a:t>
+            </a:r>
+          </a:p>
+          <a:p>
+            <a:pPr lvl="1"/>
+            <a:r>
+              <a:rPr lang="en-US" dirty="0"/>
+              <a:t>Tu / Th 12:30 - 1:45 pm @ Gilmer Hall 301</a:t>
             </a:r>
           </a:p>
           <a:p>
@@ -14210,7 +14217,17 @@
           <a:p>
             <a:r>
               <a:rPr lang="en-US" dirty="0"/>
-              <a:t>Lectures will be recorded and posted on Collab -&gt; Lecture Recordings</a:t>
+              <a:t>There may be a weekly discussion section (optional) hosted by our Graduate TA (stay tuned for if / when that will occur).</a:t>
+            </a:r>
+          </a:p>
+          <a:p>
+            <a:pPr lvl="1"/>
+            <a:endParaRPr lang="en-US" dirty="0"/>
+          </a:p>
+          <a:p>
+            <a:r>
+              <a:rPr lang="en-US" dirty="0"/>
+              <a:t>Lectures will be recorded and posted on Canvas -&gt; Lecture Recordings</a:t>
             </a:r>
           </a:p>
           <a:p>
@@ -14706,52 +14723,76 @@
             <a:pPr lvl="1"/>
             <a:r>
               <a:rPr lang="en-US" sz="2000" dirty="0"/>
-              <a:t>Thu., Feb. 8			Mod 1</a:t>
+              <a:t>Thu., Sep. 1</a:t>
+            </a:r>
+            <a:r>
+              <a:rPr lang="en-US" dirty="0"/>
+              <a:t>9</a:t>
+            </a:r>
+            <a:r>
+              <a:rPr lang="en-US" sz="2000" dirty="0"/>
+              <a:t>			Mod 1</a:t>
             </a:r>
           </a:p>
           <a:p>
             <a:pPr lvl="1"/>
             <a:r>
               <a:rPr lang="en-US" sz="2000" dirty="0"/>
-              <a:t>Thu., Feb. </a:t>
-            </a:r>
-            <a:r>
-              <a:rPr lang="en-US" dirty="0"/>
-              <a:t>29</a:t>
-            </a:r>
+              <a:t>Thu., Oct. 10			Mod </a:t>
+            </a:r>
+            <a:r>
+              <a:rPr lang="en-US" dirty="0"/>
+              <a:t>2</a:t>
+            </a:r>
+          </a:p>
+          <a:p>
+            <a:pPr lvl="1"/>
             <a:r>
               <a:rPr lang="en-US" sz="2000" dirty="0"/>
-              <a:t>			Mod </a:t>
-            </a:r>
-            <a:r>
-              <a:rPr lang="en-US" dirty="0"/>
-              <a:t>2</a:t>
+              <a:t>Thu., </a:t>
+            </a:r>
+            <a:r>
+              <a:rPr lang="en-US" dirty="0"/>
+              <a:t>Oct</a:t>
+            </a:r>
+            <a:r>
+              <a:rPr lang="en-US" sz="2000" dirty="0"/>
+              <a:t>. </a:t>
+            </a:r>
+            <a:r>
+              <a:rPr lang="en-US" dirty="0"/>
+              <a:t>31</a:t>
+            </a:r>
+            <a:r>
+              <a:rPr lang="en-US" sz="2000" dirty="0"/>
+              <a:t>			Mod 3</a:t>
             </a:r>
           </a:p>
           <a:p>
             <a:pPr lvl="1"/>
             <a:r>
+              <a:rPr lang="en-US" dirty="0"/>
+              <a:t>Thu., Nov. 21			Mod 4</a:t>
+            </a:r>
+            <a:endParaRPr lang="en-US" sz="2000" dirty="0"/>
+          </a:p>
+          <a:p>
+            <a:pPr lvl="1"/>
+            <a:r>
               <a:rPr lang="en-US" sz="2000" dirty="0"/>
-              <a:t>Thu., Mar. 28			Mod 3</a:t>
-            </a:r>
-          </a:p>
-          <a:p>
-            <a:pPr lvl="1"/>
-            <a:r>
-              <a:rPr lang="en-US" dirty="0"/>
-              <a:t>Thu., Apr. 18			Mod 4</a:t>
-            </a:r>
-            <a:endParaRPr lang="en-US" sz="2000" dirty="0"/>
-          </a:p>
-          <a:p>
-            <a:pPr lvl="1"/>
+              <a:t>Dec. </a:t>
+            </a:r>
+            <a:r>
+              <a:rPr lang="en-US" dirty="0"/>
+              <a:t>7</a:t>
+            </a:r>
             <a:r>
               <a:rPr lang="en-US" sz="2000" dirty="0"/>
-              <a:t>Thu., May. 2 (Final </a:t>
-            </a:r>
-            <a:r>
-              <a:rPr lang="en-US" dirty="0"/>
-              <a:t>Day)</a:t>
+              <a:t> (Maybe</a:t>
+            </a:r>
+            <a:r>
+              <a:rPr lang="en-US" dirty="0"/>
+              <a:t>)</a:t>
             </a:r>
             <a:r>
               <a:rPr lang="en-US" sz="2000" dirty="0"/>
@@ -14759,7 +14800,7 @@
             </a:r>
             <a:r>
               <a:rPr lang="en-US" dirty="0"/>
-              <a:t>	</a:t>
+              <a:t>		</a:t>
             </a:r>
             <a:r>
               <a:rPr lang="en-US" sz="2000" dirty="0"/>
@@ -15736,7 +15777,7 @@
             <a:pPr lvl="1"/>
             <a:r>
               <a:rPr lang="en-US" dirty="0"/>
-              <a:t>Once submission per group is fine. I think </a:t>
+              <a:t>Once submission per group is fine. </a:t>
             </a:r>
             <a:r>
               <a:rPr lang="en-US" dirty="0" err="1"/>
@@ -15744,7 +15785,7 @@
             </a:r>
             <a:r>
               <a:rPr lang="en-US" dirty="0"/>
-              <a:t> supports this quite easily but not 100% sure.</a:t>
+              <a:t> supports this quite easily.</a:t>
             </a:r>
           </a:p>
           <a:p>
@@ -17905,7 +17946,7 @@
             <a:pPr lvl="1"/>
             <a:r>
               <a:rPr lang="en-US" dirty="0"/>
-              <a:t>Undergraduates (~25)</a:t>
+              <a:t>Undergraduates (~27)</a:t>
             </a:r>
           </a:p>
           <a:p>

--- a/slides/00-CourseIntroduction.pptx
+++ b/slides/00-CourseIntroduction.pptx
@@ -226,7 +226,7 @@
           <a:p>
             <a:fld id="{C5B45307-6ED4-B142-BD64-10F739779302}" type="datetimeFigureOut">
               <a:rPr lang="en-US" smtClean="0"/>
-              <a:t>8/22/24</a:t>
+              <a:t>8/27/24</a:t>
             </a:fld>
             <a:endParaRPr lang="en-US"/>
           </a:p>
@@ -729,7 +729,7 @@
           <a:noFill/>
           <a:extLst>
             <a:ext uri="{909E8E84-426E-40dd-AFC4-6F175D3DCCD1}">
-              <a14:hiddenFill xmlns="" xmlns:a14="http://schemas.microsoft.com/office/drawing/2010/main">
+              <a14:hiddenFill xmlns:a14="http://schemas.microsoft.com/office/drawing/2010/main" xmlns="">
                 <a:solidFill>
                   <a:srgbClr val="FFFFFF"/>
                 </a:solidFill>
@@ -788,7 +788,7 @@
             </a:ln>
             <a:extLst>
               <a:ext uri="{91240B29-F687-4f45-9708-019B960494DF}">
-                <a14:hiddenLine xmlns="" xmlns:a14="http://schemas.microsoft.com/office/drawing/2010/main" w="9525">
+                <a14:hiddenLine xmlns:a14="http://schemas.microsoft.com/office/drawing/2010/main" xmlns="" w="9525">
                   <a:solidFill>
                     <a:srgbClr val="000000"/>
                   </a:solidFill>
@@ -878,7 +878,7 @@
             </a:ln>
             <a:extLst>
               <a:ext uri="{91240B29-F687-4f45-9708-019B960494DF}">
-                <a14:hiddenLine xmlns="" xmlns:a14="http://schemas.microsoft.com/office/drawing/2010/main" w="9525">
+                <a14:hiddenLine xmlns:a14="http://schemas.microsoft.com/office/drawing/2010/main" xmlns="" w="9525">
                   <a:solidFill>
                     <a:srgbClr val="000000"/>
                   </a:solidFill>
@@ -968,7 +968,7 @@
             </a:ln>
             <a:extLst>
               <a:ext uri="{91240B29-F687-4f45-9708-019B960494DF}">
-                <a14:hiddenLine xmlns="" xmlns:a14="http://schemas.microsoft.com/office/drawing/2010/main" w="9525">
+                <a14:hiddenLine xmlns:a14="http://schemas.microsoft.com/office/drawing/2010/main" xmlns="" w="9525">
                   <a:solidFill>
                     <a:srgbClr val="000000"/>
                   </a:solidFill>
@@ -1002,7 +1002,7 @@
             </a:ln>
             <a:extLst>
               <a:ext uri="{91240B29-F687-4f45-9708-019B960494DF}">
-                <a14:hiddenLine xmlns="" xmlns:a14="http://schemas.microsoft.com/office/drawing/2010/main" w="9525">
+                <a14:hiddenLine xmlns:a14="http://schemas.microsoft.com/office/drawing/2010/main" xmlns="" w="9525">
                   <a:solidFill>
                     <a:srgbClr val="000000"/>
                   </a:solidFill>
@@ -1092,7 +1092,7 @@
             </a:ln>
             <a:extLst>
               <a:ext uri="{91240B29-F687-4f45-9708-019B960494DF}">
-                <a14:hiddenLine xmlns="" xmlns:a14="http://schemas.microsoft.com/office/drawing/2010/main" w="9525">
+                <a14:hiddenLine xmlns:a14="http://schemas.microsoft.com/office/drawing/2010/main" xmlns="" w="9525">
                   <a:solidFill>
                     <a:srgbClr val="000000"/>
                   </a:solidFill>
@@ -1154,7 +1154,7 @@
             </a:ln>
             <a:extLst>
               <a:ext uri="{91240B29-F687-4f45-9708-019B960494DF}">
-                <a14:hiddenLine xmlns="" xmlns:a14="http://schemas.microsoft.com/office/drawing/2010/main" w="9525">
+                <a14:hiddenLine xmlns:a14="http://schemas.microsoft.com/office/drawing/2010/main" xmlns="" w="9525">
                   <a:solidFill>
                     <a:srgbClr val="000000"/>
                   </a:solidFill>
@@ -1216,7 +1216,7 @@
             </a:ln>
             <a:extLst>
               <a:ext uri="{91240B29-F687-4f45-9708-019B960494DF}">
-                <a14:hiddenLine xmlns="" xmlns:a14="http://schemas.microsoft.com/office/drawing/2010/main" w="9525">
+                <a14:hiddenLine xmlns:a14="http://schemas.microsoft.com/office/drawing/2010/main" xmlns="" w="9525">
                   <a:solidFill>
                     <a:srgbClr val="000000"/>
                   </a:solidFill>
@@ -1306,7 +1306,7 @@
             </a:ln>
             <a:extLst>
               <a:ext uri="{91240B29-F687-4f45-9708-019B960494DF}">
-                <a14:hiddenLine xmlns="" xmlns:a14="http://schemas.microsoft.com/office/drawing/2010/main" w="9525">
+                <a14:hiddenLine xmlns:a14="http://schemas.microsoft.com/office/drawing/2010/main" xmlns="" w="9525">
                   <a:solidFill>
                     <a:srgbClr val="000000"/>
                   </a:solidFill>
@@ -1368,7 +1368,7 @@
             </a:ln>
             <a:extLst>
               <a:ext uri="{91240B29-F687-4f45-9708-019B960494DF}">
-                <a14:hiddenLine xmlns="" xmlns:a14="http://schemas.microsoft.com/office/drawing/2010/main" w="9525">
+                <a14:hiddenLine xmlns:a14="http://schemas.microsoft.com/office/drawing/2010/main" xmlns="" w="9525">
                   <a:solidFill>
                     <a:srgbClr val="000000"/>
                   </a:solidFill>
@@ -1430,7 +1430,7 @@
             </a:ln>
             <a:extLst>
               <a:ext uri="{91240B29-F687-4f45-9708-019B960494DF}">
-                <a14:hiddenLine xmlns="" xmlns:a14="http://schemas.microsoft.com/office/drawing/2010/main" w="9525">
+                <a14:hiddenLine xmlns:a14="http://schemas.microsoft.com/office/drawing/2010/main" xmlns="" w="9525">
                   <a:solidFill>
                     <a:srgbClr val="000000"/>
                   </a:solidFill>
@@ -1520,7 +1520,7 @@
             </a:ln>
             <a:extLst>
               <a:ext uri="{91240B29-F687-4f45-9708-019B960494DF}">
-                <a14:hiddenLine xmlns="" xmlns:a14="http://schemas.microsoft.com/office/drawing/2010/main" w="9525">
+                <a14:hiddenLine xmlns:a14="http://schemas.microsoft.com/office/drawing/2010/main" xmlns="" w="9525">
                   <a:solidFill>
                     <a:srgbClr val="000000"/>
                   </a:solidFill>
@@ -1610,7 +1610,7 @@
             </a:ln>
             <a:extLst>
               <a:ext uri="{91240B29-F687-4f45-9708-019B960494DF}">
-                <a14:hiddenLine xmlns="" xmlns:a14="http://schemas.microsoft.com/office/drawing/2010/main" w="9525">
+                <a14:hiddenLine xmlns:a14="http://schemas.microsoft.com/office/drawing/2010/main" xmlns="" w="9525">
                   <a:solidFill>
                     <a:srgbClr val="000000"/>
                   </a:solidFill>
@@ -1672,7 +1672,7 @@
             </a:ln>
             <a:extLst>
               <a:ext uri="{91240B29-F687-4f45-9708-019B960494DF}">
-                <a14:hiddenLine xmlns="" xmlns:a14="http://schemas.microsoft.com/office/drawing/2010/main" w="9525">
+                <a14:hiddenLine xmlns:a14="http://schemas.microsoft.com/office/drawing/2010/main" xmlns="" w="9525">
                   <a:solidFill>
                     <a:srgbClr val="000000"/>
                   </a:solidFill>
@@ -1782,7 +1782,7 @@
             </a:ln>
             <a:extLst>
               <a:ext uri="{91240B29-F687-4f45-9708-019B960494DF}">
-                <a14:hiddenLine xmlns="" xmlns:a14="http://schemas.microsoft.com/office/drawing/2010/main" w="9525">
+                <a14:hiddenLine xmlns:a14="http://schemas.microsoft.com/office/drawing/2010/main" xmlns="" w="9525">
                   <a:solidFill>
                     <a:srgbClr val="000000"/>
                   </a:solidFill>
@@ -1844,7 +1844,7 @@
             </a:ln>
             <a:extLst>
               <a:ext uri="{91240B29-F687-4f45-9708-019B960494DF}">
-                <a14:hiddenLine xmlns="" xmlns:a14="http://schemas.microsoft.com/office/drawing/2010/main" w="9525">
+                <a14:hiddenLine xmlns:a14="http://schemas.microsoft.com/office/drawing/2010/main" xmlns="" w="9525">
                   <a:solidFill>
                     <a:srgbClr val="000000"/>
                   </a:solidFill>
@@ -1934,7 +1934,7 @@
             </a:ln>
             <a:extLst>
               <a:ext uri="{91240B29-F687-4f45-9708-019B960494DF}">
-                <a14:hiddenLine xmlns="" xmlns:a14="http://schemas.microsoft.com/office/drawing/2010/main" w="9525">
+                <a14:hiddenLine xmlns:a14="http://schemas.microsoft.com/office/drawing/2010/main" xmlns="" w="9525">
                   <a:solidFill>
                     <a:srgbClr val="000000"/>
                   </a:solidFill>
@@ -2024,7 +2024,7 @@
             </a:ln>
             <a:extLst>
               <a:ext uri="{91240B29-F687-4f45-9708-019B960494DF}">
-                <a14:hiddenLine xmlns="" xmlns:a14="http://schemas.microsoft.com/office/drawing/2010/main" w="9525">
+                <a14:hiddenLine xmlns:a14="http://schemas.microsoft.com/office/drawing/2010/main" xmlns="" w="9525">
                   <a:solidFill>
                     <a:srgbClr val="000000"/>
                   </a:solidFill>
@@ -2086,7 +2086,7 @@
             </a:ln>
             <a:extLst>
               <a:ext uri="{91240B29-F687-4f45-9708-019B960494DF}">
-                <a14:hiddenLine xmlns="" xmlns:a14="http://schemas.microsoft.com/office/drawing/2010/main" w="9525">
+                <a14:hiddenLine xmlns:a14="http://schemas.microsoft.com/office/drawing/2010/main" xmlns="" w="9525">
                   <a:solidFill>
                     <a:srgbClr val="000000"/>
                   </a:solidFill>
@@ -2176,7 +2176,7 @@
             </a:ln>
             <a:extLst>
               <a:ext uri="{91240B29-F687-4f45-9708-019B960494DF}">
-                <a14:hiddenLine xmlns="" xmlns:a14="http://schemas.microsoft.com/office/drawing/2010/main" w="9525">
+                <a14:hiddenLine xmlns:a14="http://schemas.microsoft.com/office/drawing/2010/main" xmlns="" w="9525">
                   <a:solidFill>
                     <a:srgbClr val="000000"/>
                   </a:solidFill>
@@ -2266,7 +2266,7 @@
             </a:ln>
             <a:extLst>
               <a:ext uri="{91240B29-F687-4f45-9708-019B960494DF}">
-                <a14:hiddenLine xmlns="" xmlns:a14="http://schemas.microsoft.com/office/drawing/2010/main" w="9525">
+                <a14:hiddenLine xmlns:a14="http://schemas.microsoft.com/office/drawing/2010/main" xmlns="" w="9525">
                   <a:solidFill>
                     <a:srgbClr val="000000"/>
                   </a:solidFill>
@@ -2322,7 +2322,7 @@
             </a:ln>
             <a:extLst>
               <a:ext uri="{91240B29-F687-4f45-9708-019B960494DF}">
-                <a14:hiddenLine xmlns="" xmlns:a14="http://schemas.microsoft.com/office/drawing/2010/main" w="9525">
+                <a14:hiddenLine xmlns:a14="http://schemas.microsoft.com/office/drawing/2010/main" xmlns="" w="9525">
                   <a:solidFill>
                     <a:srgbClr val="000000"/>
                   </a:solidFill>
@@ -2412,7 +2412,7 @@
             </a:ln>
             <a:extLst>
               <a:ext uri="{91240B29-F687-4f45-9708-019B960494DF}">
-                <a14:hiddenLine xmlns="" xmlns:a14="http://schemas.microsoft.com/office/drawing/2010/main" w="9525">
+                <a14:hiddenLine xmlns:a14="http://schemas.microsoft.com/office/drawing/2010/main" xmlns="" w="9525">
                   <a:solidFill>
                     <a:srgbClr val="000000"/>
                   </a:solidFill>
@@ -2468,7 +2468,7 @@
             </a:ln>
             <a:extLst>
               <a:ext uri="{91240B29-F687-4f45-9708-019B960494DF}">
-                <a14:hiddenLine xmlns="" xmlns:a14="http://schemas.microsoft.com/office/drawing/2010/main" w="9525">
+                <a14:hiddenLine xmlns:a14="http://schemas.microsoft.com/office/drawing/2010/main" xmlns="" w="9525">
                   <a:solidFill>
                     <a:srgbClr val="000000"/>
                   </a:solidFill>
@@ -2558,7 +2558,7 @@
             </a:ln>
             <a:extLst>
               <a:ext uri="{91240B29-F687-4f45-9708-019B960494DF}">
-                <a14:hiddenLine xmlns="" xmlns:a14="http://schemas.microsoft.com/office/drawing/2010/main" w="9525">
+                <a14:hiddenLine xmlns:a14="http://schemas.microsoft.com/office/drawing/2010/main" xmlns="" w="9525">
                   <a:solidFill>
                     <a:srgbClr val="000000"/>
                   </a:solidFill>
@@ -2626,7 +2626,7 @@
             </a:ln>
             <a:extLst>
               <a:ext uri="{91240B29-F687-4f45-9708-019B960494DF}">
-                <a14:hiddenLine xmlns="" xmlns:a14="http://schemas.microsoft.com/office/drawing/2010/main" w="9525">
+                <a14:hiddenLine xmlns:a14="http://schemas.microsoft.com/office/drawing/2010/main" xmlns="" w="9525">
                   <a:solidFill>
                     <a:srgbClr val="000000"/>
                   </a:solidFill>
@@ -2716,7 +2716,7 @@
             </a:ln>
             <a:extLst>
               <a:ext uri="{91240B29-F687-4f45-9708-019B960494DF}">
-                <a14:hiddenLine xmlns="" xmlns:a14="http://schemas.microsoft.com/office/drawing/2010/main" w="9525">
+                <a14:hiddenLine xmlns:a14="http://schemas.microsoft.com/office/drawing/2010/main" xmlns="" w="9525">
                   <a:solidFill>
                     <a:srgbClr val="000000"/>
                   </a:solidFill>
@@ -2784,7 +2784,7 @@
             </a:ln>
             <a:extLst>
               <a:ext uri="{91240B29-F687-4f45-9708-019B960494DF}">
-                <a14:hiddenLine xmlns="" xmlns:a14="http://schemas.microsoft.com/office/drawing/2010/main" w="9525">
+                <a14:hiddenLine xmlns:a14="http://schemas.microsoft.com/office/drawing/2010/main" xmlns="" w="9525">
                   <a:solidFill>
                     <a:srgbClr val="000000"/>
                   </a:solidFill>
@@ -2874,7 +2874,7 @@
             </a:ln>
             <a:extLst>
               <a:ext uri="{91240B29-F687-4f45-9708-019B960494DF}">
-                <a14:hiddenLine xmlns="" xmlns:a14="http://schemas.microsoft.com/office/drawing/2010/main" w="9525">
+                <a14:hiddenLine xmlns:a14="http://schemas.microsoft.com/office/drawing/2010/main" xmlns="" w="9525">
                   <a:solidFill>
                     <a:srgbClr val="000000"/>
                   </a:solidFill>
@@ -2908,7 +2908,7 @@
             </a:ln>
             <a:extLst>
               <a:ext uri="{91240B29-F687-4f45-9708-019B960494DF}">
-                <a14:hiddenLine xmlns="" xmlns:a14="http://schemas.microsoft.com/office/drawing/2010/main" w="9525">
+                <a14:hiddenLine xmlns:a14="http://schemas.microsoft.com/office/drawing/2010/main" xmlns="" w="9525">
                   <a:solidFill>
                     <a:srgbClr val="000000"/>
                   </a:solidFill>
@@ -2998,7 +2998,7 @@
             </a:ln>
             <a:extLst>
               <a:ext uri="{91240B29-F687-4f45-9708-019B960494DF}">
-                <a14:hiddenLine xmlns="" xmlns:a14="http://schemas.microsoft.com/office/drawing/2010/main" w="9525">
+                <a14:hiddenLine xmlns:a14="http://schemas.microsoft.com/office/drawing/2010/main" xmlns="" w="9525">
                   <a:solidFill>
                     <a:srgbClr val="000000"/>
                   </a:solidFill>
@@ -3060,7 +3060,7 @@
             </a:ln>
             <a:extLst>
               <a:ext uri="{91240B29-F687-4f45-9708-019B960494DF}">
-                <a14:hiddenLine xmlns="" xmlns:a14="http://schemas.microsoft.com/office/drawing/2010/main" w="9525">
+                <a14:hiddenLine xmlns:a14="http://schemas.microsoft.com/office/drawing/2010/main" xmlns="" w="9525">
                   <a:solidFill>
                     <a:srgbClr val="000000"/>
                   </a:solidFill>
@@ -3122,7 +3122,7 @@
             </a:ln>
             <a:extLst>
               <a:ext uri="{91240B29-F687-4f45-9708-019B960494DF}">
-                <a14:hiddenLine xmlns="" xmlns:a14="http://schemas.microsoft.com/office/drawing/2010/main" w="9525">
+                <a14:hiddenLine xmlns:a14="http://schemas.microsoft.com/office/drawing/2010/main" xmlns="" w="9525">
                   <a:solidFill>
                     <a:srgbClr val="000000"/>
                   </a:solidFill>
@@ -3212,7 +3212,7 @@
             </a:ln>
             <a:extLst>
               <a:ext uri="{91240B29-F687-4f45-9708-019B960494DF}">
-                <a14:hiddenLine xmlns="" xmlns:a14="http://schemas.microsoft.com/office/drawing/2010/main" w="9525">
+                <a14:hiddenLine xmlns:a14="http://schemas.microsoft.com/office/drawing/2010/main" xmlns="" w="9525">
                   <a:solidFill>
                     <a:srgbClr val="000000"/>
                   </a:solidFill>
@@ -3280,7 +3280,7 @@
             </a:ln>
             <a:extLst>
               <a:ext uri="{91240B29-F687-4f45-9708-019B960494DF}">
-                <a14:hiddenLine xmlns="" xmlns:a14="http://schemas.microsoft.com/office/drawing/2010/main" w="9525">
+                <a14:hiddenLine xmlns:a14="http://schemas.microsoft.com/office/drawing/2010/main" xmlns="" w="9525">
                   <a:solidFill>
                     <a:srgbClr val="000000"/>
                   </a:solidFill>
@@ -3342,7 +3342,7 @@
             </a:ln>
             <a:extLst>
               <a:ext uri="{91240B29-F687-4f45-9708-019B960494DF}">
-                <a14:hiddenLine xmlns="" xmlns:a14="http://schemas.microsoft.com/office/drawing/2010/main" w="9525">
+                <a14:hiddenLine xmlns:a14="http://schemas.microsoft.com/office/drawing/2010/main" xmlns="" w="9525">
                   <a:solidFill>
                     <a:srgbClr val="000000"/>
                   </a:solidFill>
@@ -3432,7 +3432,7 @@
             </a:ln>
             <a:extLst>
               <a:ext uri="{91240B29-F687-4f45-9708-019B960494DF}">
-                <a14:hiddenLine xmlns="" xmlns:a14="http://schemas.microsoft.com/office/drawing/2010/main" w="9525">
+                <a14:hiddenLine xmlns:a14="http://schemas.microsoft.com/office/drawing/2010/main" xmlns="" w="9525">
                   <a:solidFill>
                     <a:srgbClr val="000000"/>
                   </a:solidFill>
@@ -3494,7 +3494,7 @@
             </a:ln>
             <a:extLst>
               <a:ext uri="{91240B29-F687-4f45-9708-019B960494DF}">
-                <a14:hiddenLine xmlns="" xmlns:a14="http://schemas.microsoft.com/office/drawing/2010/main" w="9525">
+                <a14:hiddenLine xmlns:a14="http://schemas.microsoft.com/office/drawing/2010/main" xmlns="" w="9525">
                   <a:solidFill>
                     <a:srgbClr val="000000"/>
                   </a:solidFill>
@@ -3584,7 +3584,7 @@
             </a:ln>
             <a:extLst>
               <a:ext uri="{91240B29-F687-4f45-9708-019B960494DF}">
-                <a14:hiddenLine xmlns="" xmlns:a14="http://schemas.microsoft.com/office/drawing/2010/main" w="9525">
+                <a14:hiddenLine xmlns:a14="http://schemas.microsoft.com/office/drawing/2010/main" xmlns="" w="9525">
                   <a:solidFill>
                     <a:srgbClr val="000000"/>
                   </a:solidFill>
@@ -3646,7 +3646,7 @@
             </a:ln>
             <a:extLst>
               <a:ext uri="{91240B29-F687-4f45-9708-019B960494DF}">
-                <a14:hiddenLine xmlns="" xmlns:a14="http://schemas.microsoft.com/office/drawing/2010/main" w="9525">
+                <a14:hiddenLine xmlns:a14="http://schemas.microsoft.com/office/drawing/2010/main" xmlns="" w="9525">
                   <a:solidFill>
                     <a:srgbClr val="000000"/>
                   </a:solidFill>
@@ -3736,7 +3736,7 @@
             </a:ln>
             <a:extLst>
               <a:ext uri="{91240B29-F687-4f45-9708-019B960494DF}">
-                <a14:hiddenLine xmlns="" xmlns:a14="http://schemas.microsoft.com/office/drawing/2010/main" w="9525">
+                <a14:hiddenLine xmlns:a14="http://schemas.microsoft.com/office/drawing/2010/main" xmlns="" w="9525">
                   <a:solidFill>
                     <a:srgbClr val="000000"/>
                   </a:solidFill>
@@ -3770,7 +3770,7 @@
             </a:ln>
             <a:extLst>
               <a:ext uri="{91240B29-F687-4f45-9708-019B960494DF}">
-                <a14:hiddenLine xmlns="" xmlns:a14="http://schemas.microsoft.com/office/drawing/2010/main" w="9525">
+                <a14:hiddenLine xmlns:a14="http://schemas.microsoft.com/office/drawing/2010/main" xmlns="" w="9525">
                   <a:solidFill>
                     <a:srgbClr val="000000"/>
                   </a:solidFill>
@@ -3835,7 +3835,7 @@
             </a:ln>
             <a:extLst>
               <a:ext uri="{91240B29-F687-4f45-9708-019B960494DF}">
-                <a14:hiddenLine xmlns="" xmlns:a14="http://schemas.microsoft.com/office/drawing/2010/main" w="9525">
+                <a14:hiddenLine xmlns:a14="http://schemas.microsoft.com/office/drawing/2010/main" xmlns="" w="9525">
                   <a:solidFill>
                     <a:srgbClr val="000000"/>
                   </a:solidFill>
@@ -3925,7 +3925,7 @@
             </a:ln>
             <a:extLst>
               <a:ext uri="{91240B29-F687-4f45-9708-019B960494DF}">
-                <a14:hiddenLine xmlns="" xmlns:a14="http://schemas.microsoft.com/office/drawing/2010/main" w="9525">
+                <a14:hiddenLine xmlns:a14="http://schemas.microsoft.com/office/drawing/2010/main" xmlns="" w="9525">
                   <a:solidFill>
                     <a:srgbClr val="000000"/>
                   </a:solidFill>
@@ -3987,7 +3987,7 @@
             </a:ln>
             <a:extLst>
               <a:ext uri="{91240B29-F687-4f45-9708-019B960494DF}">
-                <a14:hiddenLine xmlns="" xmlns:a14="http://schemas.microsoft.com/office/drawing/2010/main" w="9525">
+                <a14:hiddenLine xmlns:a14="http://schemas.microsoft.com/office/drawing/2010/main" xmlns="" w="9525">
                   <a:solidFill>
                     <a:srgbClr val="000000"/>
                   </a:solidFill>
@@ -4077,7 +4077,7 @@
             </a:ln>
             <a:extLst>
               <a:ext uri="{91240B29-F687-4f45-9708-019B960494DF}">
-                <a14:hiddenLine xmlns="" xmlns:a14="http://schemas.microsoft.com/office/drawing/2010/main" w="9525">
+                <a14:hiddenLine xmlns:a14="http://schemas.microsoft.com/office/drawing/2010/main" xmlns="" w="9525">
                   <a:solidFill>
                     <a:srgbClr val="000000"/>
                   </a:solidFill>
@@ -4167,7 +4167,7 @@
             </a:ln>
             <a:extLst>
               <a:ext uri="{91240B29-F687-4f45-9708-019B960494DF}">
-                <a14:hiddenLine xmlns="" xmlns:a14="http://schemas.microsoft.com/office/drawing/2010/main" w="9525">
+                <a14:hiddenLine xmlns:a14="http://schemas.microsoft.com/office/drawing/2010/main" xmlns="" w="9525">
                   <a:solidFill>
                     <a:srgbClr val="000000"/>
                   </a:solidFill>
@@ -4232,7 +4232,7 @@
             </a:ln>
             <a:extLst>
               <a:ext uri="{91240B29-F687-4f45-9708-019B960494DF}">
-                <a14:hiddenLine xmlns="" xmlns:a14="http://schemas.microsoft.com/office/drawing/2010/main" w="9525">
+                <a14:hiddenLine xmlns:a14="http://schemas.microsoft.com/office/drawing/2010/main" xmlns="" w="9525">
                   <a:solidFill>
                     <a:srgbClr val="000000"/>
                   </a:solidFill>
@@ -4294,7 +4294,7 @@
             </a:ln>
             <a:extLst>
               <a:ext uri="{91240B29-F687-4f45-9708-019B960494DF}">
-                <a14:hiddenLine xmlns="" xmlns:a14="http://schemas.microsoft.com/office/drawing/2010/main" w="9525">
+                <a14:hiddenLine xmlns:a14="http://schemas.microsoft.com/office/drawing/2010/main" xmlns="" w="9525">
                   <a:solidFill>
                     <a:srgbClr val="000000"/>
                   </a:solidFill>
@@ -4384,7 +4384,7 @@
             </a:ln>
             <a:extLst>
               <a:ext uri="{91240B29-F687-4f45-9708-019B960494DF}">
-                <a14:hiddenLine xmlns="" xmlns:a14="http://schemas.microsoft.com/office/drawing/2010/main" w="9525">
+                <a14:hiddenLine xmlns:a14="http://schemas.microsoft.com/office/drawing/2010/main" xmlns="" w="9525">
                   <a:solidFill>
                     <a:srgbClr val="000000"/>
                   </a:solidFill>
@@ -4474,7 +4474,7 @@
             </a:ln>
             <a:extLst>
               <a:ext uri="{91240B29-F687-4f45-9708-019B960494DF}">
-                <a14:hiddenLine xmlns="" xmlns:a14="http://schemas.microsoft.com/office/drawing/2010/main" w="9525">
+                <a14:hiddenLine xmlns:a14="http://schemas.microsoft.com/office/drawing/2010/main" xmlns="" w="9525">
                   <a:solidFill>
                     <a:srgbClr val="000000"/>
                   </a:solidFill>
@@ -4536,7 +4536,7 @@
             </a:ln>
             <a:extLst>
               <a:ext uri="{91240B29-F687-4f45-9708-019B960494DF}">
-                <a14:hiddenLine xmlns="" xmlns:a14="http://schemas.microsoft.com/office/drawing/2010/main" w="9525">
+                <a14:hiddenLine xmlns:a14="http://schemas.microsoft.com/office/drawing/2010/main" xmlns="" w="9525">
                   <a:solidFill>
                     <a:srgbClr val="000000"/>
                   </a:solidFill>
@@ -4656,7 +4656,7 @@
             </a:ln>
             <a:extLst>
               <a:ext uri="{91240B29-F687-4f45-9708-019B960494DF}">
-                <a14:hiddenLine xmlns="" xmlns:a14="http://schemas.microsoft.com/office/drawing/2010/main" w="9525">
+                <a14:hiddenLine xmlns:a14="http://schemas.microsoft.com/office/drawing/2010/main" xmlns="" w="9525">
                   <a:solidFill>
                     <a:srgbClr val="000000"/>
                   </a:solidFill>
@@ -4724,7 +4724,7 @@
             </a:ln>
             <a:extLst>
               <a:ext uri="{91240B29-F687-4f45-9708-019B960494DF}">
-                <a14:hiddenLine xmlns="" xmlns:a14="http://schemas.microsoft.com/office/drawing/2010/main" w="9525">
+                <a14:hiddenLine xmlns:a14="http://schemas.microsoft.com/office/drawing/2010/main" xmlns="" w="9525">
                   <a:solidFill>
                     <a:srgbClr val="000000"/>
                   </a:solidFill>
@@ -4814,7 +4814,7 @@
             </a:ln>
             <a:extLst>
               <a:ext uri="{91240B29-F687-4f45-9708-019B960494DF}">
-                <a14:hiddenLine xmlns="" xmlns:a14="http://schemas.microsoft.com/office/drawing/2010/main" w="9525">
+                <a14:hiddenLine xmlns:a14="http://schemas.microsoft.com/office/drawing/2010/main" xmlns="" w="9525">
                   <a:solidFill>
                     <a:srgbClr val="000000"/>
                   </a:solidFill>
@@ -4954,7 +4954,7 @@
           <a:p>
             <a:fld id="{EC4347D3-4C9A-C240-8F14-750059DFEEB0}" type="datetimeFigureOut">
               <a:rPr lang="en-US" smtClean="0"/>
-              <a:t>8/22/24</a:t>
+              <a:t>8/27/24</a:t>
             </a:fld>
             <a:endParaRPr lang="en-US"/>
           </a:p>
@@ -5221,7 +5221,7 @@
           <a:p>
             <a:fld id="{EC4347D3-4C9A-C240-8F14-750059DFEEB0}" type="datetimeFigureOut">
               <a:rPr lang="en-US" smtClean="0"/>
-              <a:t>8/22/24</a:t>
+              <a:t>8/27/24</a:t>
             </a:fld>
             <a:endParaRPr lang="en-US"/>
           </a:p>
@@ -5417,7 +5417,7 @@
           <a:p>
             <a:fld id="{EC4347D3-4C9A-C240-8F14-750059DFEEB0}" type="datetimeFigureOut">
               <a:rPr lang="en-US" smtClean="0"/>
-              <a:t>8/22/24</a:t>
+              <a:t>8/27/24</a:t>
             </a:fld>
             <a:endParaRPr lang="en-US"/>
           </a:p>
@@ -5680,7 +5680,7 @@
           <a:p>
             <a:fld id="{EC4347D3-4C9A-C240-8F14-750059DFEEB0}" type="datetimeFigureOut">
               <a:rPr lang="en-US" smtClean="0"/>
-              <a:t>8/22/24</a:t>
+              <a:t>8/27/24</a:t>
             </a:fld>
             <a:endParaRPr lang="en-US"/>
           </a:p>
@@ -6114,7 +6114,7 @@
           <a:p>
             <a:fld id="{EC4347D3-4C9A-C240-8F14-750059DFEEB0}" type="datetimeFigureOut">
               <a:rPr lang="en-US" smtClean="0"/>
-              <a:t>8/22/24</a:t>
+              <a:t>8/27/24</a:t>
             </a:fld>
             <a:endParaRPr lang="en-US"/>
           </a:p>
@@ -6660,7 +6660,7 @@
           <a:p>
             <a:fld id="{EC4347D3-4C9A-C240-8F14-750059DFEEB0}" type="datetimeFigureOut">
               <a:rPr lang="en-US" smtClean="0"/>
-              <a:t>8/22/24</a:t>
+              <a:t>8/27/24</a:t>
             </a:fld>
             <a:endParaRPr lang="en-US"/>
           </a:p>
@@ -7380,7 +7380,7 @@
           <a:p>
             <a:fld id="{EC4347D3-4C9A-C240-8F14-750059DFEEB0}" type="datetimeFigureOut">
               <a:rPr lang="en-US" smtClean="0"/>
-              <a:t>8/22/24</a:t>
+              <a:t>8/27/24</a:t>
             </a:fld>
             <a:endParaRPr lang="en-US"/>
           </a:p>
@@ -7550,7 +7550,7 @@
           <a:p>
             <a:fld id="{EC4347D3-4C9A-C240-8F14-750059DFEEB0}" type="datetimeFigureOut">
               <a:rPr lang="en-US" smtClean="0"/>
-              <a:t>8/22/24</a:t>
+              <a:t>8/27/24</a:t>
             </a:fld>
             <a:endParaRPr lang="en-US"/>
           </a:p>
@@ -7730,7 +7730,7 @@
           <a:p>
             <a:fld id="{EC4347D3-4C9A-C240-8F14-750059DFEEB0}" type="datetimeFigureOut">
               <a:rPr lang="en-US" smtClean="0"/>
-              <a:t>8/22/24</a:t>
+              <a:t>8/27/24</a:t>
             </a:fld>
             <a:endParaRPr lang="en-US"/>
           </a:p>
@@ -7900,7 +7900,7 @@
           <a:p>
             <a:fld id="{EC4347D3-4C9A-C240-8F14-750059DFEEB0}" type="datetimeFigureOut">
               <a:rPr lang="en-US" smtClean="0"/>
-              <a:t>8/22/24</a:t>
+              <a:t>8/27/24</a:t>
             </a:fld>
             <a:endParaRPr lang="en-US"/>
           </a:p>
@@ -8150,7 +8150,7 @@
           <a:p>
             <a:fld id="{EC4347D3-4C9A-C240-8F14-750059DFEEB0}" type="datetimeFigureOut">
               <a:rPr lang="en-US" smtClean="0"/>
-              <a:t>8/22/24</a:t>
+              <a:t>8/27/24</a:t>
             </a:fld>
             <a:endParaRPr lang="en-US"/>
           </a:p>
@@ -8382,7 +8382,7 @@
           <a:p>
             <a:fld id="{EC4347D3-4C9A-C240-8F14-750059DFEEB0}" type="datetimeFigureOut">
               <a:rPr lang="en-US" smtClean="0"/>
-              <a:t>8/22/24</a:t>
+              <a:t>8/27/24</a:t>
             </a:fld>
             <a:endParaRPr lang="en-US"/>
           </a:p>
@@ -8768,7 +8768,7 @@
           <a:p>
             <a:fld id="{EC4347D3-4C9A-C240-8F14-750059DFEEB0}" type="datetimeFigureOut">
               <a:rPr lang="en-US" smtClean="0"/>
-              <a:t>8/22/24</a:t>
+              <a:t>8/27/24</a:t>
             </a:fld>
             <a:endParaRPr lang="en-US"/>
           </a:p>
@@ -8891,7 +8891,7 @@
           <a:p>
             <a:fld id="{EC4347D3-4C9A-C240-8F14-750059DFEEB0}" type="datetimeFigureOut">
               <a:rPr lang="en-US" smtClean="0"/>
-              <a:t>8/22/24</a:t>
+              <a:t>8/27/24</a:t>
             </a:fld>
             <a:endParaRPr lang="en-US"/>
           </a:p>
@@ -8986,7 +8986,7 @@
           <a:p>
             <a:fld id="{EC4347D3-4C9A-C240-8F14-750059DFEEB0}" type="datetimeFigureOut">
               <a:rPr lang="en-US" smtClean="0"/>
-              <a:t>8/22/24</a:t>
+              <a:t>8/27/24</a:t>
             </a:fld>
             <a:endParaRPr lang="en-US"/>
           </a:p>
@@ -9235,7 +9235,7 @@
           <a:p>
             <a:fld id="{EC4347D3-4C9A-C240-8F14-750059DFEEB0}" type="datetimeFigureOut">
               <a:rPr lang="en-US" smtClean="0"/>
-              <a:t>8/22/24</a:t>
+              <a:t>8/27/24</a:t>
             </a:fld>
             <a:endParaRPr lang="en-US"/>
           </a:p>
@@ -9520,7 +9520,7 @@
           <a:p>
             <a:fld id="{EC4347D3-4C9A-C240-8F14-750059DFEEB0}" type="datetimeFigureOut">
               <a:rPr lang="en-US" smtClean="0"/>
-              <a:t>8/22/24</a:t>
+              <a:t>8/27/24</a:t>
             </a:fld>
             <a:endParaRPr lang="en-US"/>
           </a:p>
@@ -9643,7 +9643,7 @@
           <a:noFill/>
           <a:extLst>
             <a:ext uri="{909E8E84-426E-40dd-AFC4-6F175D3DCCD1}">
-              <a14:hiddenFill xmlns="" xmlns:a14="http://schemas.microsoft.com/office/drawing/2010/main">
+              <a14:hiddenFill xmlns:a14="http://schemas.microsoft.com/office/drawing/2010/main" xmlns="">
                 <a:solidFill>
                   <a:srgbClr val="FFFFFF"/>
                 </a:solidFill>
@@ -9717,7 +9717,7 @@
               </a:ln>
               <a:extLst>
                 <a:ext uri="{91240B29-F687-4f45-9708-019B960494DF}">
-                  <a14:hiddenLine xmlns="" xmlns:a14="http://schemas.microsoft.com/office/drawing/2010/main" w="9525">
+                  <a14:hiddenLine xmlns:a14="http://schemas.microsoft.com/office/drawing/2010/main" xmlns="" w="9525">
                     <a:solidFill>
                       <a:srgbClr val="000000"/>
                     </a:solidFill>
@@ -9807,7 +9807,7 @@
               </a:ln>
               <a:extLst>
                 <a:ext uri="{91240B29-F687-4f45-9708-019B960494DF}">
-                  <a14:hiddenLine xmlns="" xmlns:a14="http://schemas.microsoft.com/office/drawing/2010/main" w="9525">
+                  <a14:hiddenLine xmlns:a14="http://schemas.microsoft.com/office/drawing/2010/main" xmlns="" w="9525">
                     <a:solidFill>
                       <a:srgbClr val="000000"/>
                     </a:solidFill>
@@ -9897,7 +9897,7 @@
               </a:ln>
               <a:extLst>
                 <a:ext uri="{91240B29-F687-4f45-9708-019B960494DF}">
-                  <a14:hiddenLine xmlns="" xmlns:a14="http://schemas.microsoft.com/office/drawing/2010/main" w="9525">
+                  <a14:hiddenLine xmlns:a14="http://schemas.microsoft.com/office/drawing/2010/main" xmlns="" w="9525">
                     <a:solidFill>
                       <a:srgbClr val="000000"/>
                     </a:solidFill>
@@ -9959,7 +9959,7 @@
               </a:ln>
               <a:extLst>
                 <a:ext uri="{91240B29-F687-4f45-9708-019B960494DF}">
-                  <a14:hiddenLine xmlns="" xmlns:a14="http://schemas.microsoft.com/office/drawing/2010/main" w="9525">
+                  <a14:hiddenLine xmlns:a14="http://schemas.microsoft.com/office/drawing/2010/main" xmlns="" w="9525">
                     <a:solidFill>
                       <a:srgbClr val="000000"/>
                     </a:solidFill>
@@ -10049,7 +10049,7 @@
               </a:ln>
               <a:extLst>
                 <a:ext uri="{91240B29-F687-4f45-9708-019B960494DF}">
-                  <a14:hiddenLine xmlns="" xmlns:a14="http://schemas.microsoft.com/office/drawing/2010/main" w="9525">
+                  <a14:hiddenLine xmlns:a14="http://schemas.microsoft.com/office/drawing/2010/main" xmlns="" w="9525">
                     <a:solidFill>
                       <a:srgbClr val="000000"/>
                     </a:solidFill>
@@ -10111,7 +10111,7 @@
               </a:ln>
               <a:extLst>
                 <a:ext uri="{91240B29-F687-4f45-9708-019B960494DF}">
-                  <a14:hiddenLine xmlns="" xmlns:a14="http://schemas.microsoft.com/office/drawing/2010/main" w="9525">
+                  <a14:hiddenLine xmlns:a14="http://schemas.microsoft.com/office/drawing/2010/main" xmlns="" w="9525">
                     <a:solidFill>
                       <a:srgbClr val="000000"/>
                     </a:solidFill>
@@ -10173,7 +10173,7 @@
               </a:ln>
               <a:extLst>
                 <a:ext uri="{91240B29-F687-4f45-9708-019B960494DF}">
-                  <a14:hiddenLine xmlns="" xmlns:a14="http://schemas.microsoft.com/office/drawing/2010/main" w="9525">
+                  <a14:hiddenLine xmlns:a14="http://schemas.microsoft.com/office/drawing/2010/main" xmlns="" w="9525">
                     <a:solidFill>
                       <a:srgbClr val="000000"/>
                     </a:solidFill>
@@ -10263,7 +10263,7 @@
               </a:ln>
               <a:extLst>
                 <a:ext uri="{91240B29-F687-4f45-9708-019B960494DF}">
-                  <a14:hiddenLine xmlns="" xmlns:a14="http://schemas.microsoft.com/office/drawing/2010/main" w="9525">
+                  <a14:hiddenLine xmlns:a14="http://schemas.microsoft.com/office/drawing/2010/main" xmlns="" w="9525">
                     <a:solidFill>
                       <a:srgbClr val="000000"/>
                     </a:solidFill>
@@ -10353,7 +10353,7 @@
               </a:ln>
               <a:extLst>
                 <a:ext uri="{91240B29-F687-4f45-9708-019B960494DF}">
-                  <a14:hiddenLine xmlns="" xmlns:a14="http://schemas.microsoft.com/office/drawing/2010/main" w="9525">
+                  <a14:hiddenLine xmlns:a14="http://schemas.microsoft.com/office/drawing/2010/main" xmlns="" w="9525">
                     <a:solidFill>
                       <a:srgbClr val="000000"/>
                     </a:solidFill>
@@ -10415,7 +10415,7 @@
               </a:ln>
               <a:extLst>
                 <a:ext uri="{91240B29-F687-4f45-9708-019B960494DF}">
-                  <a14:hiddenLine xmlns="" xmlns:a14="http://schemas.microsoft.com/office/drawing/2010/main" w="9525">
+                  <a14:hiddenLine xmlns:a14="http://schemas.microsoft.com/office/drawing/2010/main" xmlns="" w="9525">
                     <a:solidFill>
                       <a:srgbClr val="000000"/>
                     </a:solidFill>
@@ -10525,7 +10525,7 @@
               </a:ln>
               <a:extLst>
                 <a:ext uri="{91240B29-F687-4f45-9708-019B960494DF}">
-                  <a14:hiddenLine xmlns="" xmlns:a14="http://schemas.microsoft.com/office/drawing/2010/main" w="9525">
+                  <a14:hiddenLine xmlns:a14="http://schemas.microsoft.com/office/drawing/2010/main" xmlns="" w="9525">
                     <a:solidFill>
                       <a:srgbClr val="000000"/>
                     </a:solidFill>
@@ -10609,7 +10609,7 @@
               </a:ln>
               <a:extLst>
                 <a:ext uri="{91240B29-F687-4f45-9708-019B960494DF}">
-                  <a14:hiddenLine xmlns="" xmlns:a14="http://schemas.microsoft.com/office/drawing/2010/main" w="9525">
+                  <a14:hiddenLine xmlns:a14="http://schemas.microsoft.com/office/drawing/2010/main" xmlns="" w="9525">
                     <a:solidFill>
                       <a:srgbClr val="000000"/>
                     </a:solidFill>
@@ -10671,7 +10671,7 @@
               </a:ln>
               <a:extLst>
                 <a:ext uri="{91240B29-F687-4f45-9708-019B960494DF}">
-                  <a14:hiddenLine xmlns="" xmlns:a14="http://schemas.microsoft.com/office/drawing/2010/main" w="9525">
+                  <a14:hiddenLine xmlns:a14="http://schemas.microsoft.com/office/drawing/2010/main" xmlns="" w="9525">
                     <a:solidFill>
                       <a:srgbClr val="000000"/>
                     </a:solidFill>
@@ -10733,7 +10733,7 @@
               </a:ln>
               <a:extLst>
                 <a:ext uri="{91240B29-F687-4f45-9708-019B960494DF}">
-                  <a14:hiddenLine xmlns="" xmlns:a14="http://schemas.microsoft.com/office/drawing/2010/main" w="9525">
+                  <a14:hiddenLine xmlns:a14="http://schemas.microsoft.com/office/drawing/2010/main" xmlns="" w="9525">
                     <a:solidFill>
                       <a:srgbClr val="000000"/>
                     </a:solidFill>
@@ -10823,7 +10823,7 @@
               </a:ln>
               <a:extLst>
                 <a:ext uri="{91240B29-F687-4f45-9708-019B960494DF}">
-                  <a14:hiddenLine xmlns="" xmlns:a14="http://schemas.microsoft.com/office/drawing/2010/main" w="9525">
+                  <a14:hiddenLine xmlns:a14="http://schemas.microsoft.com/office/drawing/2010/main" xmlns="" w="9525">
                     <a:solidFill>
                       <a:srgbClr val="000000"/>
                     </a:solidFill>
@@ -10857,7 +10857,7 @@
               </a:ln>
               <a:extLst>
                 <a:ext uri="{91240B29-F687-4f45-9708-019B960494DF}">
-                  <a14:hiddenLine xmlns="" xmlns:a14="http://schemas.microsoft.com/office/drawing/2010/main" w="9525">
+                  <a14:hiddenLine xmlns:a14="http://schemas.microsoft.com/office/drawing/2010/main" xmlns="" w="9525">
                     <a:solidFill>
                       <a:srgbClr val="000000"/>
                     </a:solidFill>
@@ -10922,7 +10922,7 @@
               </a:ln>
               <a:extLst>
                 <a:ext uri="{91240B29-F687-4f45-9708-019B960494DF}">
-                  <a14:hiddenLine xmlns="" xmlns:a14="http://schemas.microsoft.com/office/drawing/2010/main" w="9525">
+                  <a14:hiddenLine xmlns:a14="http://schemas.microsoft.com/office/drawing/2010/main" xmlns="" w="9525">
                     <a:solidFill>
                       <a:srgbClr val="000000"/>
                     </a:solidFill>
@@ -11012,7 +11012,7 @@
               </a:ln>
               <a:extLst>
                 <a:ext uri="{91240B29-F687-4f45-9708-019B960494DF}">
-                  <a14:hiddenLine xmlns="" xmlns:a14="http://schemas.microsoft.com/office/drawing/2010/main" w="9525">
+                  <a14:hiddenLine xmlns:a14="http://schemas.microsoft.com/office/drawing/2010/main" xmlns="" w="9525">
                     <a:solidFill>
                       <a:srgbClr val="000000"/>
                     </a:solidFill>
@@ -11074,7 +11074,7 @@
               </a:ln>
               <a:extLst>
                 <a:ext uri="{91240B29-F687-4f45-9708-019B960494DF}">
-                  <a14:hiddenLine xmlns="" xmlns:a14="http://schemas.microsoft.com/office/drawing/2010/main" w="9525">
+                  <a14:hiddenLine xmlns:a14="http://schemas.microsoft.com/office/drawing/2010/main" xmlns="" w="9525">
                     <a:solidFill>
                       <a:srgbClr val="000000"/>
                     </a:solidFill>
@@ -11164,7 +11164,7 @@
               </a:ln>
               <a:extLst>
                 <a:ext uri="{91240B29-F687-4f45-9708-019B960494DF}">
-                  <a14:hiddenLine xmlns="" xmlns:a14="http://schemas.microsoft.com/office/drawing/2010/main" w="9525">
+                  <a14:hiddenLine xmlns:a14="http://schemas.microsoft.com/office/drawing/2010/main" xmlns="" w="9525">
                     <a:solidFill>
                       <a:srgbClr val="000000"/>
                     </a:solidFill>
@@ -11229,7 +11229,7 @@
               </a:ln>
               <a:extLst>
                 <a:ext uri="{91240B29-F687-4f45-9708-019B960494DF}">
-                  <a14:hiddenLine xmlns="" xmlns:a14="http://schemas.microsoft.com/office/drawing/2010/main" w="9525">
+                  <a14:hiddenLine xmlns:a14="http://schemas.microsoft.com/office/drawing/2010/main" xmlns="" w="9525">
                     <a:solidFill>
                       <a:srgbClr val="000000"/>
                     </a:solidFill>
@@ -11291,7 +11291,7 @@
               </a:ln>
               <a:extLst>
                 <a:ext uri="{91240B29-F687-4f45-9708-019B960494DF}">
-                  <a14:hiddenLine xmlns="" xmlns:a14="http://schemas.microsoft.com/office/drawing/2010/main" w="9525">
+                  <a14:hiddenLine xmlns:a14="http://schemas.microsoft.com/office/drawing/2010/main" xmlns="" w="9525">
                     <a:solidFill>
                       <a:srgbClr val="000000"/>
                     </a:solidFill>
@@ -11381,7 +11381,7 @@
               </a:ln>
               <a:extLst>
                 <a:ext uri="{91240B29-F687-4f45-9708-019B960494DF}">
-                  <a14:hiddenLine xmlns="" xmlns:a14="http://schemas.microsoft.com/office/drawing/2010/main" w="9525">
+                  <a14:hiddenLine xmlns:a14="http://schemas.microsoft.com/office/drawing/2010/main" xmlns="" w="9525">
                     <a:solidFill>
                       <a:srgbClr val="000000"/>
                     </a:solidFill>
@@ -11471,7 +11471,7 @@
               </a:ln>
               <a:extLst>
                 <a:ext uri="{91240B29-F687-4f45-9708-019B960494DF}">
-                  <a14:hiddenLine xmlns="" xmlns:a14="http://schemas.microsoft.com/office/drawing/2010/main" w="9525">
+                  <a14:hiddenLine xmlns:a14="http://schemas.microsoft.com/office/drawing/2010/main" xmlns="" w="9525">
                     <a:solidFill>
                       <a:srgbClr val="000000"/>
                     </a:solidFill>
@@ -11536,7 +11536,7 @@
               </a:ln>
               <a:extLst>
                 <a:ext uri="{91240B29-F687-4f45-9708-019B960494DF}">
-                  <a14:hiddenLine xmlns="" xmlns:a14="http://schemas.microsoft.com/office/drawing/2010/main" w="9525">
+                  <a14:hiddenLine xmlns:a14="http://schemas.microsoft.com/office/drawing/2010/main" xmlns="" w="9525">
                     <a:solidFill>
                       <a:srgbClr val="000000"/>
                     </a:solidFill>
@@ -11656,7 +11656,7 @@
               </a:ln>
               <a:extLst>
                 <a:ext uri="{91240B29-F687-4f45-9708-019B960494DF}">
-                  <a14:hiddenLine xmlns="" xmlns:a14="http://schemas.microsoft.com/office/drawing/2010/main" w="9525">
+                  <a14:hiddenLine xmlns:a14="http://schemas.microsoft.com/office/drawing/2010/main" xmlns="" w="9525">
                     <a:solidFill>
                       <a:srgbClr val="000000"/>
                     </a:solidFill>
@@ -11737,7 +11737,7 @@
               </a:ln>
               <a:extLst>
                 <a:ext uri="{91240B29-F687-4f45-9708-019B960494DF}">
-                  <a14:hiddenLine xmlns="" xmlns:a14="http://schemas.microsoft.com/office/drawing/2010/main" w="9525">
+                  <a14:hiddenLine xmlns:a14="http://schemas.microsoft.com/office/drawing/2010/main" xmlns="" w="9525">
                     <a:solidFill>
                       <a:srgbClr val="000000"/>
                     </a:solidFill>
@@ -11852,7 +11852,7 @@
               </a:ln>
               <a:extLst>
                 <a:ext uri="{91240B29-F687-4f45-9708-019B960494DF}">
-                  <a14:hiddenLine xmlns="" xmlns:a14="http://schemas.microsoft.com/office/drawing/2010/main" w="9525">
+                  <a14:hiddenLine xmlns:a14="http://schemas.microsoft.com/office/drawing/2010/main" xmlns="" w="9525">
                     <a:solidFill>
                       <a:srgbClr val="000000"/>
                     </a:solidFill>
@@ -11942,7 +11942,7 @@
               </a:ln>
               <a:extLst>
                 <a:ext uri="{91240B29-F687-4f45-9708-019B960494DF}">
-                  <a14:hiddenLine xmlns="" xmlns:a14="http://schemas.microsoft.com/office/drawing/2010/main" w="9525">
+                  <a14:hiddenLine xmlns:a14="http://schemas.microsoft.com/office/drawing/2010/main" xmlns="" w="9525">
                     <a:solidFill>
                       <a:srgbClr val="000000"/>
                     </a:solidFill>
@@ -12007,7 +12007,7 @@
               </a:ln>
               <a:extLst>
                 <a:ext uri="{91240B29-F687-4f45-9708-019B960494DF}">
-                  <a14:hiddenLine xmlns="" xmlns:a14="http://schemas.microsoft.com/office/drawing/2010/main" w="9525">
+                  <a14:hiddenLine xmlns:a14="http://schemas.microsoft.com/office/drawing/2010/main" xmlns="" w="9525">
                     <a:solidFill>
                       <a:srgbClr val="000000"/>
                     </a:solidFill>
@@ -12097,7 +12097,7 @@
               </a:ln>
               <a:extLst>
                 <a:ext uri="{91240B29-F687-4f45-9708-019B960494DF}">
-                  <a14:hiddenLine xmlns="" xmlns:a14="http://schemas.microsoft.com/office/drawing/2010/main" w="9525">
+                  <a14:hiddenLine xmlns:a14="http://schemas.microsoft.com/office/drawing/2010/main" xmlns="" w="9525">
                     <a:solidFill>
                       <a:srgbClr val="000000"/>
                     </a:solidFill>
@@ -12165,7 +12165,7 @@
               </a:ln>
               <a:extLst>
                 <a:ext uri="{91240B29-F687-4f45-9708-019B960494DF}">
-                  <a14:hiddenLine xmlns="" xmlns:a14="http://schemas.microsoft.com/office/drawing/2010/main" w="9525">
+                  <a14:hiddenLine xmlns:a14="http://schemas.microsoft.com/office/drawing/2010/main" xmlns="" w="9525">
                     <a:solidFill>
                       <a:srgbClr val="000000"/>
                     </a:solidFill>
@@ -12255,7 +12255,7 @@
               </a:ln>
               <a:extLst>
                 <a:ext uri="{91240B29-F687-4f45-9708-019B960494DF}">
-                  <a14:hiddenLine xmlns="" xmlns:a14="http://schemas.microsoft.com/office/drawing/2010/main" w="9525">
+                  <a14:hiddenLine xmlns:a14="http://schemas.microsoft.com/office/drawing/2010/main" xmlns="" w="9525">
                     <a:solidFill>
                       <a:srgbClr val="000000"/>
                     </a:solidFill>
@@ -12323,7 +12323,7 @@
               </a:ln>
               <a:extLst>
                 <a:ext uri="{91240B29-F687-4f45-9708-019B960494DF}">
-                  <a14:hiddenLine xmlns="" xmlns:a14="http://schemas.microsoft.com/office/drawing/2010/main" w="9525">
+                  <a14:hiddenLine xmlns:a14="http://schemas.microsoft.com/office/drawing/2010/main" xmlns="" w="9525">
                     <a:solidFill>
                       <a:srgbClr val="000000"/>
                     </a:solidFill>
@@ -12413,7 +12413,7 @@
               </a:ln>
               <a:extLst>
                 <a:ext uri="{91240B29-F687-4f45-9708-019B960494DF}">
-                  <a14:hiddenLine xmlns="" xmlns:a14="http://schemas.microsoft.com/office/drawing/2010/main" w="9525">
+                  <a14:hiddenLine xmlns:a14="http://schemas.microsoft.com/office/drawing/2010/main" xmlns="" w="9525">
                     <a:solidFill>
                       <a:srgbClr val="000000"/>
                     </a:solidFill>
@@ -12447,7 +12447,7 @@
               </a:ln>
               <a:extLst>
                 <a:ext uri="{91240B29-F687-4f45-9708-019B960494DF}">
-                  <a14:hiddenLine xmlns="" xmlns:a14="http://schemas.microsoft.com/office/drawing/2010/main" w="9525">
+                  <a14:hiddenLine xmlns:a14="http://schemas.microsoft.com/office/drawing/2010/main" xmlns="" w="9525">
                     <a:solidFill>
                       <a:srgbClr val="000000"/>
                     </a:solidFill>
@@ -12587,7 +12587,7 @@
           <a:p>
             <a:fld id="{EC4347D3-4C9A-C240-8F14-750059DFEEB0}" type="datetimeFigureOut">
               <a:rPr lang="en-US" smtClean="0"/>
-              <a:t>8/22/24</a:t>
+              <a:t>8/27/24</a:t>
             </a:fld>
             <a:endParaRPr lang="en-US"/>
           </a:p>
@@ -13228,6 +13228,17 @@
             </a:pPr>
             <a:r>
               <a:rPr lang="en-US" dirty="0"/>
+              <a:t>Please do not use a laptop in class</a:t>
+            </a:r>
+          </a:p>
+          <a:p>
+            <a:pPr lvl="1">
+              <a:lnSpc>
+                <a:spcPct val="90000"/>
+              </a:lnSpc>
+            </a:pPr>
+            <a:r>
+              <a:rPr lang="en-US" dirty="0"/>
               <a:t>Plan ahead.</a:t>
             </a:r>
           </a:p>
@@ -13377,7 +13388,7 @@
                                         <p:tgtEl>
                                           <p:spTgt spid="307203">
                                             <p:txEl>
-                                              <p:pRg st="7" end="7"/>
+                                              <p:pRg st="8" end="8"/>
                                             </p:txEl>
                                           </p:spTgt>
                                         </p:tgtEl>
@@ -13408,7 +13419,7 @@
                                         <p:tgtEl>
                                           <p:spTgt spid="307203">
                                             <p:txEl>
-                                              <p:pRg st="8" end="8"/>
+                                              <p:pRg st="9" end="9"/>
                                             </p:txEl>
                                           </p:spTgt>
                                         </p:tgtEl>
@@ -13439,7 +13450,7 @@
                                         <p:tgtEl>
                                           <p:spTgt spid="307203">
                                             <p:txEl>
-                                              <p:pRg st="9" end="9"/>
+                                              <p:pRg st="10" end="10"/>
                                             </p:txEl>
                                           </p:spTgt>
                                         </p:tgtEl>
@@ -13470,7 +13481,7 @@
                                         <p:tgtEl>
                                           <p:spTgt spid="307203">
                                             <p:txEl>
-                                              <p:pRg st="10" end="10"/>
+                                              <p:pRg st="11" end="11"/>
                                             </p:txEl>
                                           </p:spTgt>
                                         </p:tgtEl>
@@ -13501,7 +13512,7 @@
                                         <p:tgtEl>
                                           <p:spTgt spid="307203">
                                             <p:txEl>
-                                              <p:pRg st="11" end="11"/>
+                                              <p:pRg st="12" end="12"/>
                                             </p:txEl>
                                           </p:spTgt>
                                         </p:tgtEl>
@@ -14780,15 +14791,7 @@
             <a:pPr lvl="1"/>
             <a:r>
               <a:rPr lang="en-US" sz="2000" dirty="0"/>
-              <a:t>Dec. </a:t>
-            </a:r>
-            <a:r>
-              <a:rPr lang="en-US" dirty="0"/>
-              <a:t>7</a:t>
-            </a:r>
-            <a:r>
-              <a:rPr lang="en-US" sz="2000" dirty="0"/>
-              <a:t> (Maybe</a:t>
+              <a:t>Dec. 9 (Maybe</a:t>
             </a:r>
             <a:r>
               <a:rPr lang="en-US" dirty="0"/>
@@ -17974,7 +17977,7 @@
             <a:pPr lvl="1"/>
             <a:r>
               <a:rPr lang="en-US" dirty="0"/>
-              <a:t>Also, we’ll use Piazza for questions and Discord for office hours</a:t>
+              <a:t>Also, we’ll use Piazza for questions.</a:t>
             </a:r>
           </a:p>
           <a:p>

--- a/slides/00-CourseIntroduction.pptx
+++ b/slides/00-CourseIntroduction.pptx
@@ -226,7 +226,7 @@
           <a:p>
             <a:fld id="{C5B45307-6ED4-B142-BD64-10F739779302}" type="datetimeFigureOut">
               <a:rPr lang="en-US" smtClean="0"/>
-              <a:t>8/27/24</a:t>
+              <a:t>1/8/25</a:t>
             </a:fld>
             <a:endParaRPr lang="en-US"/>
           </a:p>
@@ -729,7 +729,7 @@
           <a:noFill/>
           <a:extLst>
             <a:ext uri="{909E8E84-426E-40dd-AFC4-6F175D3DCCD1}">
-              <a14:hiddenFill xmlns:a14="http://schemas.microsoft.com/office/drawing/2010/main" xmlns="">
+              <a14:hiddenFill xmlns="" xmlns:a14="http://schemas.microsoft.com/office/drawing/2010/main">
                 <a:solidFill>
                   <a:srgbClr val="FFFFFF"/>
                 </a:solidFill>
@@ -788,7 +788,7 @@
             </a:ln>
             <a:extLst>
               <a:ext uri="{91240B29-F687-4f45-9708-019B960494DF}">
-                <a14:hiddenLine xmlns:a14="http://schemas.microsoft.com/office/drawing/2010/main" xmlns="" w="9525">
+                <a14:hiddenLine xmlns="" xmlns:a14="http://schemas.microsoft.com/office/drawing/2010/main" w="9525">
                   <a:solidFill>
                     <a:srgbClr val="000000"/>
                   </a:solidFill>
@@ -878,7 +878,7 @@
             </a:ln>
             <a:extLst>
               <a:ext uri="{91240B29-F687-4f45-9708-019B960494DF}">
-                <a14:hiddenLine xmlns:a14="http://schemas.microsoft.com/office/drawing/2010/main" xmlns="" w="9525">
+                <a14:hiddenLine xmlns="" xmlns:a14="http://schemas.microsoft.com/office/drawing/2010/main" w="9525">
                   <a:solidFill>
                     <a:srgbClr val="000000"/>
                   </a:solidFill>
@@ -968,7 +968,7 @@
             </a:ln>
             <a:extLst>
               <a:ext uri="{91240B29-F687-4f45-9708-019B960494DF}">
-                <a14:hiddenLine xmlns:a14="http://schemas.microsoft.com/office/drawing/2010/main" xmlns="" w="9525">
+                <a14:hiddenLine xmlns="" xmlns:a14="http://schemas.microsoft.com/office/drawing/2010/main" w="9525">
                   <a:solidFill>
                     <a:srgbClr val="000000"/>
                   </a:solidFill>
@@ -1002,7 +1002,7 @@
             </a:ln>
             <a:extLst>
               <a:ext uri="{91240B29-F687-4f45-9708-019B960494DF}">
-                <a14:hiddenLine xmlns:a14="http://schemas.microsoft.com/office/drawing/2010/main" xmlns="" w="9525">
+                <a14:hiddenLine xmlns="" xmlns:a14="http://schemas.microsoft.com/office/drawing/2010/main" w="9525">
                   <a:solidFill>
                     <a:srgbClr val="000000"/>
                   </a:solidFill>
@@ -1092,7 +1092,7 @@
             </a:ln>
             <a:extLst>
               <a:ext uri="{91240B29-F687-4f45-9708-019B960494DF}">
-                <a14:hiddenLine xmlns:a14="http://schemas.microsoft.com/office/drawing/2010/main" xmlns="" w="9525">
+                <a14:hiddenLine xmlns="" xmlns:a14="http://schemas.microsoft.com/office/drawing/2010/main" w="9525">
                   <a:solidFill>
                     <a:srgbClr val="000000"/>
                   </a:solidFill>
@@ -1154,7 +1154,7 @@
             </a:ln>
             <a:extLst>
               <a:ext uri="{91240B29-F687-4f45-9708-019B960494DF}">
-                <a14:hiddenLine xmlns:a14="http://schemas.microsoft.com/office/drawing/2010/main" xmlns="" w="9525">
+                <a14:hiddenLine xmlns="" xmlns:a14="http://schemas.microsoft.com/office/drawing/2010/main" w="9525">
                   <a:solidFill>
                     <a:srgbClr val="000000"/>
                   </a:solidFill>
@@ -1216,7 +1216,7 @@
             </a:ln>
             <a:extLst>
               <a:ext uri="{91240B29-F687-4f45-9708-019B960494DF}">
-                <a14:hiddenLine xmlns:a14="http://schemas.microsoft.com/office/drawing/2010/main" xmlns="" w="9525">
+                <a14:hiddenLine xmlns="" xmlns:a14="http://schemas.microsoft.com/office/drawing/2010/main" w="9525">
                   <a:solidFill>
                     <a:srgbClr val="000000"/>
                   </a:solidFill>
@@ -1306,7 +1306,7 @@
             </a:ln>
             <a:extLst>
               <a:ext uri="{91240B29-F687-4f45-9708-019B960494DF}">
-                <a14:hiddenLine xmlns:a14="http://schemas.microsoft.com/office/drawing/2010/main" xmlns="" w="9525">
+                <a14:hiddenLine xmlns="" xmlns:a14="http://schemas.microsoft.com/office/drawing/2010/main" w="9525">
                   <a:solidFill>
                     <a:srgbClr val="000000"/>
                   </a:solidFill>
@@ -1368,7 +1368,7 @@
             </a:ln>
             <a:extLst>
               <a:ext uri="{91240B29-F687-4f45-9708-019B960494DF}">
-                <a14:hiddenLine xmlns:a14="http://schemas.microsoft.com/office/drawing/2010/main" xmlns="" w="9525">
+                <a14:hiddenLine xmlns="" xmlns:a14="http://schemas.microsoft.com/office/drawing/2010/main" w="9525">
                   <a:solidFill>
                     <a:srgbClr val="000000"/>
                   </a:solidFill>
@@ -1430,7 +1430,7 @@
             </a:ln>
             <a:extLst>
               <a:ext uri="{91240B29-F687-4f45-9708-019B960494DF}">
-                <a14:hiddenLine xmlns:a14="http://schemas.microsoft.com/office/drawing/2010/main" xmlns="" w="9525">
+                <a14:hiddenLine xmlns="" xmlns:a14="http://schemas.microsoft.com/office/drawing/2010/main" w="9525">
                   <a:solidFill>
                     <a:srgbClr val="000000"/>
                   </a:solidFill>
@@ -1520,7 +1520,7 @@
             </a:ln>
             <a:extLst>
               <a:ext uri="{91240B29-F687-4f45-9708-019B960494DF}">
-                <a14:hiddenLine xmlns:a14="http://schemas.microsoft.com/office/drawing/2010/main" xmlns="" w="9525">
+                <a14:hiddenLine xmlns="" xmlns:a14="http://schemas.microsoft.com/office/drawing/2010/main" w="9525">
                   <a:solidFill>
                     <a:srgbClr val="000000"/>
                   </a:solidFill>
@@ -1610,7 +1610,7 @@
             </a:ln>
             <a:extLst>
               <a:ext uri="{91240B29-F687-4f45-9708-019B960494DF}">
-                <a14:hiddenLine xmlns:a14="http://schemas.microsoft.com/office/drawing/2010/main" xmlns="" w="9525">
+                <a14:hiddenLine xmlns="" xmlns:a14="http://schemas.microsoft.com/office/drawing/2010/main" w="9525">
                   <a:solidFill>
                     <a:srgbClr val="000000"/>
                   </a:solidFill>
@@ -1672,7 +1672,7 @@
             </a:ln>
             <a:extLst>
               <a:ext uri="{91240B29-F687-4f45-9708-019B960494DF}">
-                <a14:hiddenLine xmlns:a14="http://schemas.microsoft.com/office/drawing/2010/main" xmlns="" w="9525">
+                <a14:hiddenLine xmlns="" xmlns:a14="http://schemas.microsoft.com/office/drawing/2010/main" w="9525">
                   <a:solidFill>
                     <a:srgbClr val="000000"/>
                   </a:solidFill>
@@ -1782,7 +1782,7 @@
             </a:ln>
             <a:extLst>
               <a:ext uri="{91240B29-F687-4f45-9708-019B960494DF}">
-                <a14:hiddenLine xmlns:a14="http://schemas.microsoft.com/office/drawing/2010/main" xmlns="" w="9525">
+                <a14:hiddenLine xmlns="" xmlns:a14="http://schemas.microsoft.com/office/drawing/2010/main" w="9525">
                   <a:solidFill>
                     <a:srgbClr val="000000"/>
                   </a:solidFill>
@@ -1844,7 +1844,7 @@
             </a:ln>
             <a:extLst>
               <a:ext uri="{91240B29-F687-4f45-9708-019B960494DF}">
-                <a14:hiddenLine xmlns:a14="http://schemas.microsoft.com/office/drawing/2010/main" xmlns="" w="9525">
+                <a14:hiddenLine xmlns="" xmlns:a14="http://schemas.microsoft.com/office/drawing/2010/main" w="9525">
                   <a:solidFill>
                     <a:srgbClr val="000000"/>
                   </a:solidFill>
@@ -1934,7 +1934,7 @@
             </a:ln>
             <a:extLst>
               <a:ext uri="{91240B29-F687-4f45-9708-019B960494DF}">
-                <a14:hiddenLine xmlns:a14="http://schemas.microsoft.com/office/drawing/2010/main" xmlns="" w="9525">
+                <a14:hiddenLine xmlns="" xmlns:a14="http://schemas.microsoft.com/office/drawing/2010/main" w="9525">
                   <a:solidFill>
                     <a:srgbClr val="000000"/>
                   </a:solidFill>
@@ -2024,7 +2024,7 @@
             </a:ln>
             <a:extLst>
               <a:ext uri="{91240B29-F687-4f45-9708-019B960494DF}">
-                <a14:hiddenLine xmlns:a14="http://schemas.microsoft.com/office/drawing/2010/main" xmlns="" w="9525">
+                <a14:hiddenLine xmlns="" xmlns:a14="http://schemas.microsoft.com/office/drawing/2010/main" w="9525">
                   <a:solidFill>
                     <a:srgbClr val="000000"/>
                   </a:solidFill>
@@ -2086,7 +2086,7 @@
             </a:ln>
             <a:extLst>
               <a:ext uri="{91240B29-F687-4f45-9708-019B960494DF}">
-                <a14:hiddenLine xmlns:a14="http://schemas.microsoft.com/office/drawing/2010/main" xmlns="" w="9525">
+                <a14:hiddenLine xmlns="" xmlns:a14="http://schemas.microsoft.com/office/drawing/2010/main" w="9525">
                   <a:solidFill>
                     <a:srgbClr val="000000"/>
                   </a:solidFill>
@@ -2176,7 +2176,7 @@
             </a:ln>
             <a:extLst>
               <a:ext uri="{91240B29-F687-4f45-9708-019B960494DF}">
-                <a14:hiddenLine xmlns:a14="http://schemas.microsoft.com/office/drawing/2010/main" xmlns="" w="9525">
+                <a14:hiddenLine xmlns="" xmlns:a14="http://schemas.microsoft.com/office/drawing/2010/main" w="9525">
                   <a:solidFill>
                     <a:srgbClr val="000000"/>
                   </a:solidFill>
@@ -2266,7 +2266,7 @@
             </a:ln>
             <a:extLst>
               <a:ext uri="{91240B29-F687-4f45-9708-019B960494DF}">
-                <a14:hiddenLine xmlns:a14="http://schemas.microsoft.com/office/drawing/2010/main" xmlns="" w="9525">
+                <a14:hiddenLine xmlns="" xmlns:a14="http://schemas.microsoft.com/office/drawing/2010/main" w="9525">
                   <a:solidFill>
                     <a:srgbClr val="000000"/>
                   </a:solidFill>
@@ -2322,7 +2322,7 @@
             </a:ln>
             <a:extLst>
               <a:ext uri="{91240B29-F687-4f45-9708-019B960494DF}">
-                <a14:hiddenLine xmlns:a14="http://schemas.microsoft.com/office/drawing/2010/main" xmlns="" w="9525">
+                <a14:hiddenLine xmlns="" xmlns:a14="http://schemas.microsoft.com/office/drawing/2010/main" w="9525">
                   <a:solidFill>
                     <a:srgbClr val="000000"/>
                   </a:solidFill>
@@ -2412,7 +2412,7 @@
             </a:ln>
             <a:extLst>
               <a:ext uri="{91240B29-F687-4f45-9708-019B960494DF}">
-                <a14:hiddenLine xmlns:a14="http://schemas.microsoft.com/office/drawing/2010/main" xmlns="" w="9525">
+                <a14:hiddenLine xmlns="" xmlns:a14="http://schemas.microsoft.com/office/drawing/2010/main" w="9525">
                   <a:solidFill>
                     <a:srgbClr val="000000"/>
                   </a:solidFill>
@@ -2468,7 +2468,7 @@
             </a:ln>
             <a:extLst>
               <a:ext uri="{91240B29-F687-4f45-9708-019B960494DF}">
-                <a14:hiddenLine xmlns:a14="http://schemas.microsoft.com/office/drawing/2010/main" xmlns="" w="9525">
+                <a14:hiddenLine xmlns="" xmlns:a14="http://schemas.microsoft.com/office/drawing/2010/main" w="9525">
                   <a:solidFill>
                     <a:srgbClr val="000000"/>
                   </a:solidFill>
@@ -2558,7 +2558,7 @@
             </a:ln>
             <a:extLst>
               <a:ext uri="{91240B29-F687-4f45-9708-019B960494DF}">
-                <a14:hiddenLine xmlns:a14="http://schemas.microsoft.com/office/drawing/2010/main" xmlns="" w="9525">
+                <a14:hiddenLine xmlns="" xmlns:a14="http://schemas.microsoft.com/office/drawing/2010/main" w="9525">
                   <a:solidFill>
                     <a:srgbClr val="000000"/>
                   </a:solidFill>
@@ -2626,7 +2626,7 @@
             </a:ln>
             <a:extLst>
               <a:ext uri="{91240B29-F687-4f45-9708-019B960494DF}">
-                <a14:hiddenLine xmlns:a14="http://schemas.microsoft.com/office/drawing/2010/main" xmlns="" w="9525">
+                <a14:hiddenLine xmlns="" xmlns:a14="http://schemas.microsoft.com/office/drawing/2010/main" w="9525">
                   <a:solidFill>
                     <a:srgbClr val="000000"/>
                   </a:solidFill>
@@ -2716,7 +2716,7 @@
             </a:ln>
             <a:extLst>
               <a:ext uri="{91240B29-F687-4f45-9708-019B960494DF}">
-                <a14:hiddenLine xmlns:a14="http://schemas.microsoft.com/office/drawing/2010/main" xmlns="" w="9525">
+                <a14:hiddenLine xmlns="" xmlns:a14="http://schemas.microsoft.com/office/drawing/2010/main" w="9525">
                   <a:solidFill>
                     <a:srgbClr val="000000"/>
                   </a:solidFill>
@@ -2784,7 +2784,7 @@
             </a:ln>
             <a:extLst>
               <a:ext uri="{91240B29-F687-4f45-9708-019B960494DF}">
-                <a14:hiddenLine xmlns:a14="http://schemas.microsoft.com/office/drawing/2010/main" xmlns="" w="9525">
+                <a14:hiddenLine xmlns="" xmlns:a14="http://schemas.microsoft.com/office/drawing/2010/main" w="9525">
                   <a:solidFill>
                     <a:srgbClr val="000000"/>
                   </a:solidFill>
@@ -2874,7 +2874,7 @@
             </a:ln>
             <a:extLst>
               <a:ext uri="{91240B29-F687-4f45-9708-019B960494DF}">
-                <a14:hiddenLine xmlns:a14="http://schemas.microsoft.com/office/drawing/2010/main" xmlns="" w="9525">
+                <a14:hiddenLine xmlns="" xmlns:a14="http://schemas.microsoft.com/office/drawing/2010/main" w="9525">
                   <a:solidFill>
                     <a:srgbClr val="000000"/>
                   </a:solidFill>
@@ -2908,7 +2908,7 @@
             </a:ln>
             <a:extLst>
               <a:ext uri="{91240B29-F687-4f45-9708-019B960494DF}">
-                <a14:hiddenLine xmlns:a14="http://schemas.microsoft.com/office/drawing/2010/main" xmlns="" w="9525">
+                <a14:hiddenLine xmlns="" xmlns:a14="http://schemas.microsoft.com/office/drawing/2010/main" w="9525">
                   <a:solidFill>
                     <a:srgbClr val="000000"/>
                   </a:solidFill>
@@ -2998,7 +2998,7 @@
             </a:ln>
             <a:extLst>
               <a:ext uri="{91240B29-F687-4f45-9708-019B960494DF}">
-                <a14:hiddenLine xmlns:a14="http://schemas.microsoft.com/office/drawing/2010/main" xmlns="" w="9525">
+                <a14:hiddenLine xmlns="" xmlns:a14="http://schemas.microsoft.com/office/drawing/2010/main" w="9525">
                   <a:solidFill>
                     <a:srgbClr val="000000"/>
                   </a:solidFill>
@@ -3060,7 +3060,7 @@
             </a:ln>
             <a:extLst>
               <a:ext uri="{91240B29-F687-4f45-9708-019B960494DF}">
-                <a14:hiddenLine xmlns:a14="http://schemas.microsoft.com/office/drawing/2010/main" xmlns="" w="9525">
+                <a14:hiddenLine xmlns="" xmlns:a14="http://schemas.microsoft.com/office/drawing/2010/main" w="9525">
                   <a:solidFill>
                     <a:srgbClr val="000000"/>
                   </a:solidFill>
@@ -3122,7 +3122,7 @@
             </a:ln>
             <a:extLst>
               <a:ext uri="{91240B29-F687-4f45-9708-019B960494DF}">
-                <a14:hiddenLine xmlns:a14="http://schemas.microsoft.com/office/drawing/2010/main" xmlns="" w="9525">
+                <a14:hiddenLine xmlns="" xmlns:a14="http://schemas.microsoft.com/office/drawing/2010/main" w="9525">
                   <a:solidFill>
                     <a:srgbClr val="000000"/>
                   </a:solidFill>
@@ -3212,7 +3212,7 @@
             </a:ln>
             <a:extLst>
               <a:ext uri="{91240B29-F687-4f45-9708-019B960494DF}">
-                <a14:hiddenLine xmlns:a14="http://schemas.microsoft.com/office/drawing/2010/main" xmlns="" w="9525">
+                <a14:hiddenLine xmlns="" xmlns:a14="http://schemas.microsoft.com/office/drawing/2010/main" w="9525">
                   <a:solidFill>
                     <a:srgbClr val="000000"/>
                   </a:solidFill>
@@ -3280,7 +3280,7 @@
             </a:ln>
             <a:extLst>
               <a:ext uri="{91240B29-F687-4f45-9708-019B960494DF}">
-                <a14:hiddenLine xmlns:a14="http://schemas.microsoft.com/office/drawing/2010/main" xmlns="" w="9525">
+                <a14:hiddenLine xmlns="" xmlns:a14="http://schemas.microsoft.com/office/drawing/2010/main" w="9525">
                   <a:solidFill>
                     <a:srgbClr val="000000"/>
                   </a:solidFill>
@@ -3342,7 +3342,7 @@
             </a:ln>
             <a:extLst>
               <a:ext uri="{91240B29-F687-4f45-9708-019B960494DF}">
-                <a14:hiddenLine xmlns:a14="http://schemas.microsoft.com/office/drawing/2010/main" xmlns="" w="9525">
+                <a14:hiddenLine xmlns="" xmlns:a14="http://schemas.microsoft.com/office/drawing/2010/main" w="9525">
                   <a:solidFill>
                     <a:srgbClr val="000000"/>
                   </a:solidFill>
@@ -3432,7 +3432,7 @@
             </a:ln>
             <a:extLst>
               <a:ext uri="{91240B29-F687-4f45-9708-019B960494DF}">
-                <a14:hiddenLine xmlns:a14="http://schemas.microsoft.com/office/drawing/2010/main" xmlns="" w="9525">
+                <a14:hiddenLine xmlns="" xmlns:a14="http://schemas.microsoft.com/office/drawing/2010/main" w="9525">
                   <a:solidFill>
                     <a:srgbClr val="000000"/>
                   </a:solidFill>
@@ -3494,7 +3494,7 @@
             </a:ln>
             <a:extLst>
               <a:ext uri="{91240B29-F687-4f45-9708-019B960494DF}">
-                <a14:hiddenLine xmlns:a14="http://schemas.microsoft.com/office/drawing/2010/main" xmlns="" w="9525">
+                <a14:hiddenLine xmlns="" xmlns:a14="http://schemas.microsoft.com/office/drawing/2010/main" w="9525">
                   <a:solidFill>
                     <a:srgbClr val="000000"/>
                   </a:solidFill>
@@ -3584,7 +3584,7 @@
             </a:ln>
             <a:extLst>
               <a:ext uri="{91240B29-F687-4f45-9708-019B960494DF}">
-                <a14:hiddenLine xmlns:a14="http://schemas.microsoft.com/office/drawing/2010/main" xmlns="" w="9525">
+                <a14:hiddenLine xmlns="" xmlns:a14="http://schemas.microsoft.com/office/drawing/2010/main" w="9525">
                   <a:solidFill>
                     <a:srgbClr val="000000"/>
                   </a:solidFill>
@@ -3646,7 +3646,7 @@
             </a:ln>
             <a:extLst>
               <a:ext uri="{91240B29-F687-4f45-9708-019B960494DF}">
-                <a14:hiddenLine xmlns:a14="http://schemas.microsoft.com/office/drawing/2010/main" xmlns="" w="9525">
+                <a14:hiddenLine xmlns="" xmlns:a14="http://schemas.microsoft.com/office/drawing/2010/main" w="9525">
                   <a:solidFill>
                     <a:srgbClr val="000000"/>
                   </a:solidFill>
@@ -3736,7 +3736,7 @@
             </a:ln>
             <a:extLst>
               <a:ext uri="{91240B29-F687-4f45-9708-019B960494DF}">
-                <a14:hiddenLine xmlns:a14="http://schemas.microsoft.com/office/drawing/2010/main" xmlns="" w="9525">
+                <a14:hiddenLine xmlns="" xmlns:a14="http://schemas.microsoft.com/office/drawing/2010/main" w="9525">
                   <a:solidFill>
                     <a:srgbClr val="000000"/>
                   </a:solidFill>
@@ -3770,7 +3770,7 @@
             </a:ln>
             <a:extLst>
               <a:ext uri="{91240B29-F687-4f45-9708-019B960494DF}">
-                <a14:hiddenLine xmlns:a14="http://schemas.microsoft.com/office/drawing/2010/main" xmlns="" w="9525">
+                <a14:hiddenLine xmlns="" xmlns:a14="http://schemas.microsoft.com/office/drawing/2010/main" w="9525">
                   <a:solidFill>
                     <a:srgbClr val="000000"/>
                   </a:solidFill>
@@ -3835,7 +3835,7 @@
             </a:ln>
             <a:extLst>
               <a:ext uri="{91240B29-F687-4f45-9708-019B960494DF}">
-                <a14:hiddenLine xmlns:a14="http://schemas.microsoft.com/office/drawing/2010/main" xmlns="" w="9525">
+                <a14:hiddenLine xmlns="" xmlns:a14="http://schemas.microsoft.com/office/drawing/2010/main" w="9525">
                   <a:solidFill>
                     <a:srgbClr val="000000"/>
                   </a:solidFill>
@@ -3925,7 +3925,7 @@
             </a:ln>
             <a:extLst>
               <a:ext uri="{91240B29-F687-4f45-9708-019B960494DF}">
-                <a14:hiddenLine xmlns:a14="http://schemas.microsoft.com/office/drawing/2010/main" xmlns="" w="9525">
+                <a14:hiddenLine xmlns="" xmlns:a14="http://schemas.microsoft.com/office/drawing/2010/main" w="9525">
                   <a:solidFill>
                     <a:srgbClr val="000000"/>
                   </a:solidFill>
@@ -3987,7 +3987,7 @@
             </a:ln>
             <a:extLst>
               <a:ext uri="{91240B29-F687-4f45-9708-019B960494DF}">
-                <a14:hiddenLine xmlns:a14="http://schemas.microsoft.com/office/drawing/2010/main" xmlns="" w="9525">
+                <a14:hiddenLine xmlns="" xmlns:a14="http://schemas.microsoft.com/office/drawing/2010/main" w="9525">
                   <a:solidFill>
                     <a:srgbClr val="000000"/>
                   </a:solidFill>
@@ -4077,7 +4077,7 @@
             </a:ln>
             <a:extLst>
               <a:ext uri="{91240B29-F687-4f45-9708-019B960494DF}">
-                <a14:hiddenLine xmlns:a14="http://schemas.microsoft.com/office/drawing/2010/main" xmlns="" w="9525">
+                <a14:hiddenLine xmlns="" xmlns:a14="http://schemas.microsoft.com/office/drawing/2010/main" w="9525">
                   <a:solidFill>
                     <a:srgbClr val="000000"/>
                   </a:solidFill>
@@ -4167,7 +4167,7 @@
             </a:ln>
             <a:extLst>
               <a:ext uri="{91240B29-F687-4f45-9708-019B960494DF}">
-                <a14:hiddenLine xmlns:a14="http://schemas.microsoft.com/office/drawing/2010/main" xmlns="" w="9525">
+                <a14:hiddenLine xmlns="" xmlns:a14="http://schemas.microsoft.com/office/drawing/2010/main" w="9525">
                   <a:solidFill>
                     <a:srgbClr val="000000"/>
                   </a:solidFill>
@@ -4232,7 +4232,7 @@
             </a:ln>
             <a:extLst>
               <a:ext uri="{91240B29-F687-4f45-9708-019B960494DF}">
-                <a14:hiddenLine xmlns:a14="http://schemas.microsoft.com/office/drawing/2010/main" xmlns="" w="9525">
+                <a14:hiddenLine xmlns="" xmlns:a14="http://schemas.microsoft.com/office/drawing/2010/main" w="9525">
                   <a:solidFill>
                     <a:srgbClr val="000000"/>
                   </a:solidFill>
@@ -4294,7 +4294,7 @@
             </a:ln>
             <a:extLst>
               <a:ext uri="{91240B29-F687-4f45-9708-019B960494DF}">
-                <a14:hiddenLine xmlns:a14="http://schemas.microsoft.com/office/drawing/2010/main" xmlns="" w="9525">
+                <a14:hiddenLine xmlns="" xmlns:a14="http://schemas.microsoft.com/office/drawing/2010/main" w="9525">
                   <a:solidFill>
                     <a:srgbClr val="000000"/>
                   </a:solidFill>
@@ -4384,7 +4384,7 @@
             </a:ln>
             <a:extLst>
               <a:ext uri="{91240B29-F687-4f45-9708-019B960494DF}">
-                <a14:hiddenLine xmlns:a14="http://schemas.microsoft.com/office/drawing/2010/main" xmlns="" w="9525">
+                <a14:hiddenLine xmlns="" xmlns:a14="http://schemas.microsoft.com/office/drawing/2010/main" w="9525">
                   <a:solidFill>
                     <a:srgbClr val="000000"/>
                   </a:solidFill>
@@ -4474,7 +4474,7 @@
             </a:ln>
             <a:extLst>
               <a:ext uri="{91240B29-F687-4f45-9708-019B960494DF}">
-                <a14:hiddenLine xmlns:a14="http://schemas.microsoft.com/office/drawing/2010/main" xmlns="" w="9525">
+                <a14:hiddenLine xmlns="" xmlns:a14="http://schemas.microsoft.com/office/drawing/2010/main" w="9525">
                   <a:solidFill>
                     <a:srgbClr val="000000"/>
                   </a:solidFill>
@@ -4536,7 +4536,7 @@
             </a:ln>
             <a:extLst>
               <a:ext uri="{91240B29-F687-4f45-9708-019B960494DF}">
-                <a14:hiddenLine xmlns:a14="http://schemas.microsoft.com/office/drawing/2010/main" xmlns="" w="9525">
+                <a14:hiddenLine xmlns="" xmlns:a14="http://schemas.microsoft.com/office/drawing/2010/main" w="9525">
                   <a:solidFill>
                     <a:srgbClr val="000000"/>
                   </a:solidFill>
@@ -4656,7 +4656,7 @@
             </a:ln>
             <a:extLst>
               <a:ext uri="{91240B29-F687-4f45-9708-019B960494DF}">
-                <a14:hiddenLine xmlns:a14="http://schemas.microsoft.com/office/drawing/2010/main" xmlns="" w="9525">
+                <a14:hiddenLine xmlns="" xmlns:a14="http://schemas.microsoft.com/office/drawing/2010/main" w="9525">
                   <a:solidFill>
                     <a:srgbClr val="000000"/>
                   </a:solidFill>
@@ -4724,7 +4724,7 @@
             </a:ln>
             <a:extLst>
               <a:ext uri="{91240B29-F687-4f45-9708-019B960494DF}">
-                <a14:hiddenLine xmlns:a14="http://schemas.microsoft.com/office/drawing/2010/main" xmlns="" w="9525">
+                <a14:hiddenLine xmlns="" xmlns:a14="http://schemas.microsoft.com/office/drawing/2010/main" w="9525">
                   <a:solidFill>
                     <a:srgbClr val="000000"/>
                   </a:solidFill>
@@ -4814,7 +4814,7 @@
             </a:ln>
             <a:extLst>
               <a:ext uri="{91240B29-F687-4f45-9708-019B960494DF}">
-                <a14:hiddenLine xmlns:a14="http://schemas.microsoft.com/office/drawing/2010/main" xmlns="" w="9525">
+                <a14:hiddenLine xmlns="" xmlns:a14="http://schemas.microsoft.com/office/drawing/2010/main" w="9525">
                   <a:solidFill>
                     <a:srgbClr val="000000"/>
                   </a:solidFill>
@@ -4954,7 +4954,7 @@
           <a:p>
             <a:fld id="{EC4347D3-4C9A-C240-8F14-750059DFEEB0}" type="datetimeFigureOut">
               <a:rPr lang="en-US" smtClean="0"/>
-              <a:t>8/27/24</a:t>
+              <a:t>1/8/25</a:t>
             </a:fld>
             <a:endParaRPr lang="en-US"/>
           </a:p>
@@ -5221,7 +5221,7 @@
           <a:p>
             <a:fld id="{EC4347D3-4C9A-C240-8F14-750059DFEEB0}" type="datetimeFigureOut">
               <a:rPr lang="en-US" smtClean="0"/>
-              <a:t>8/27/24</a:t>
+              <a:t>1/8/25</a:t>
             </a:fld>
             <a:endParaRPr lang="en-US"/>
           </a:p>
@@ -5417,7 +5417,7 @@
           <a:p>
             <a:fld id="{EC4347D3-4C9A-C240-8F14-750059DFEEB0}" type="datetimeFigureOut">
               <a:rPr lang="en-US" smtClean="0"/>
-              <a:t>8/27/24</a:t>
+              <a:t>1/8/25</a:t>
             </a:fld>
             <a:endParaRPr lang="en-US"/>
           </a:p>
@@ -5680,7 +5680,7 @@
           <a:p>
             <a:fld id="{EC4347D3-4C9A-C240-8F14-750059DFEEB0}" type="datetimeFigureOut">
               <a:rPr lang="en-US" smtClean="0"/>
-              <a:t>8/27/24</a:t>
+              <a:t>1/8/25</a:t>
             </a:fld>
             <a:endParaRPr lang="en-US"/>
           </a:p>
@@ -6114,7 +6114,7 @@
           <a:p>
             <a:fld id="{EC4347D3-4C9A-C240-8F14-750059DFEEB0}" type="datetimeFigureOut">
               <a:rPr lang="en-US" smtClean="0"/>
-              <a:t>8/27/24</a:t>
+              <a:t>1/8/25</a:t>
             </a:fld>
             <a:endParaRPr lang="en-US"/>
           </a:p>
@@ -6660,7 +6660,7 @@
           <a:p>
             <a:fld id="{EC4347D3-4C9A-C240-8F14-750059DFEEB0}" type="datetimeFigureOut">
               <a:rPr lang="en-US" smtClean="0"/>
-              <a:t>8/27/24</a:t>
+              <a:t>1/8/25</a:t>
             </a:fld>
             <a:endParaRPr lang="en-US"/>
           </a:p>
@@ -7380,7 +7380,7 @@
           <a:p>
             <a:fld id="{EC4347D3-4C9A-C240-8F14-750059DFEEB0}" type="datetimeFigureOut">
               <a:rPr lang="en-US" smtClean="0"/>
-              <a:t>8/27/24</a:t>
+              <a:t>1/8/25</a:t>
             </a:fld>
             <a:endParaRPr lang="en-US"/>
           </a:p>
@@ -7550,7 +7550,7 @@
           <a:p>
             <a:fld id="{EC4347D3-4C9A-C240-8F14-750059DFEEB0}" type="datetimeFigureOut">
               <a:rPr lang="en-US" smtClean="0"/>
-              <a:t>8/27/24</a:t>
+              <a:t>1/8/25</a:t>
             </a:fld>
             <a:endParaRPr lang="en-US"/>
           </a:p>
@@ -7730,7 +7730,7 @@
           <a:p>
             <a:fld id="{EC4347D3-4C9A-C240-8F14-750059DFEEB0}" type="datetimeFigureOut">
               <a:rPr lang="en-US" smtClean="0"/>
-              <a:t>8/27/24</a:t>
+              <a:t>1/8/25</a:t>
             </a:fld>
             <a:endParaRPr lang="en-US"/>
           </a:p>
@@ -7900,7 +7900,7 @@
           <a:p>
             <a:fld id="{EC4347D3-4C9A-C240-8F14-750059DFEEB0}" type="datetimeFigureOut">
               <a:rPr lang="en-US" smtClean="0"/>
-              <a:t>8/27/24</a:t>
+              <a:t>1/8/25</a:t>
             </a:fld>
             <a:endParaRPr lang="en-US"/>
           </a:p>
@@ -8150,7 +8150,7 @@
           <a:p>
             <a:fld id="{EC4347D3-4C9A-C240-8F14-750059DFEEB0}" type="datetimeFigureOut">
               <a:rPr lang="en-US" smtClean="0"/>
-              <a:t>8/27/24</a:t>
+              <a:t>1/8/25</a:t>
             </a:fld>
             <a:endParaRPr lang="en-US"/>
           </a:p>
@@ -8382,7 +8382,7 @@
           <a:p>
             <a:fld id="{EC4347D3-4C9A-C240-8F14-750059DFEEB0}" type="datetimeFigureOut">
               <a:rPr lang="en-US" smtClean="0"/>
-              <a:t>8/27/24</a:t>
+              <a:t>1/8/25</a:t>
             </a:fld>
             <a:endParaRPr lang="en-US"/>
           </a:p>
@@ -8768,7 +8768,7 @@
           <a:p>
             <a:fld id="{EC4347D3-4C9A-C240-8F14-750059DFEEB0}" type="datetimeFigureOut">
               <a:rPr lang="en-US" smtClean="0"/>
-              <a:t>8/27/24</a:t>
+              <a:t>1/8/25</a:t>
             </a:fld>
             <a:endParaRPr lang="en-US"/>
           </a:p>
@@ -8891,7 +8891,7 @@
           <a:p>
             <a:fld id="{EC4347D3-4C9A-C240-8F14-750059DFEEB0}" type="datetimeFigureOut">
               <a:rPr lang="en-US" smtClean="0"/>
-              <a:t>8/27/24</a:t>
+              <a:t>1/8/25</a:t>
             </a:fld>
             <a:endParaRPr lang="en-US"/>
           </a:p>
@@ -8986,7 +8986,7 @@
           <a:p>
             <a:fld id="{EC4347D3-4C9A-C240-8F14-750059DFEEB0}" type="datetimeFigureOut">
               <a:rPr lang="en-US" smtClean="0"/>
-              <a:t>8/27/24</a:t>
+              <a:t>1/8/25</a:t>
             </a:fld>
             <a:endParaRPr lang="en-US"/>
           </a:p>
@@ -9235,7 +9235,7 @@
           <a:p>
             <a:fld id="{EC4347D3-4C9A-C240-8F14-750059DFEEB0}" type="datetimeFigureOut">
               <a:rPr lang="en-US" smtClean="0"/>
-              <a:t>8/27/24</a:t>
+              <a:t>1/8/25</a:t>
             </a:fld>
             <a:endParaRPr lang="en-US"/>
           </a:p>
@@ -9520,7 +9520,7 @@
           <a:p>
             <a:fld id="{EC4347D3-4C9A-C240-8F14-750059DFEEB0}" type="datetimeFigureOut">
               <a:rPr lang="en-US" smtClean="0"/>
-              <a:t>8/27/24</a:t>
+              <a:t>1/8/25</a:t>
             </a:fld>
             <a:endParaRPr lang="en-US"/>
           </a:p>
@@ -9643,7 +9643,7 @@
           <a:noFill/>
           <a:extLst>
             <a:ext uri="{909E8E84-426E-40dd-AFC4-6F175D3DCCD1}">
-              <a14:hiddenFill xmlns:a14="http://schemas.microsoft.com/office/drawing/2010/main" xmlns="">
+              <a14:hiddenFill xmlns="" xmlns:a14="http://schemas.microsoft.com/office/drawing/2010/main">
                 <a:solidFill>
                   <a:srgbClr val="FFFFFF"/>
                 </a:solidFill>
@@ -9717,7 +9717,7 @@
               </a:ln>
               <a:extLst>
                 <a:ext uri="{91240B29-F687-4f45-9708-019B960494DF}">
-                  <a14:hiddenLine xmlns:a14="http://schemas.microsoft.com/office/drawing/2010/main" xmlns="" w="9525">
+                  <a14:hiddenLine xmlns="" xmlns:a14="http://schemas.microsoft.com/office/drawing/2010/main" w="9525">
                     <a:solidFill>
                       <a:srgbClr val="000000"/>
                     </a:solidFill>
@@ -9807,7 +9807,7 @@
               </a:ln>
               <a:extLst>
                 <a:ext uri="{91240B29-F687-4f45-9708-019B960494DF}">
-                  <a14:hiddenLine xmlns:a14="http://schemas.microsoft.com/office/drawing/2010/main" xmlns="" w="9525">
+                  <a14:hiddenLine xmlns="" xmlns:a14="http://schemas.microsoft.com/office/drawing/2010/main" w="9525">
                     <a:solidFill>
                       <a:srgbClr val="000000"/>
                     </a:solidFill>
@@ -9897,7 +9897,7 @@
               </a:ln>
               <a:extLst>
                 <a:ext uri="{91240B29-F687-4f45-9708-019B960494DF}">
-                  <a14:hiddenLine xmlns:a14="http://schemas.microsoft.com/office/drawing/2010/main" xmlns="" w="9525">
+                  <a14:hiddenLine xmlns="" xmlns:a14="http://schemas.microsoft.com/office/drawing/2010/main" w="9525">
                     <a:solidFill>
                       <a:srgbClr val="000000"/>
                     </a:solidFill>
@@ -9959,7 +9959,7 @@
               </a:ln>
               <a:extLst>
                 <a:ext uri="{91240B29-F687-4f45-9708-019B960494DF}">
-                  <a14:hiddenLine xmlns:a14="http://schemas.microsoft.com/office/drawing/2010/main" xmlns="" w="9525">
+                  <a14:hiddenLine xmlns="" xmlns:a14="http://schemas.microsoft.com/office/drawing/2010/main" w="9525">
                     <a:solidFill>
                       <a:srgbClr val="000000"/>
                     </a:solidFill>
@@ -10049,7 +10049,7 @@
               </a:ln>
               <a:extLst>
                 <a:ext uri="{91240B29-F687-4f45-9708-019B960494DF}">
-                  <a14:hiddenLine xmlns:a14="http://schemas.microsoft.com/office/drawing/2010/main" xmlns="" w="9525">
+                  <a14:hiddenLine xmlns="" xmlns:a14="http://schemas.microsoft.com/office/drawing/2010/main" w="9525">
                     <a:solidFill>
                       <a:srgbClr val="000000"/>
                     </a:solidFill>
@@ -10111,7 +10111,7 @@
               </a:ln>
               <a:extLst>
                 <a:ext uri="{91240B29-F687-4f45-9708-019B960494DF}">
-                  <a14:hiddenLine xmlns:a14="http://schemas.microsoft.com/office/drawing/2010/main" xmlns="" w="9525">
+                  <a14:hiddenLine xmlns="" xmlns:a14="http://schemas.microsoft.com/office/drawing/2010/main" w="9525">
                     <a:solidFill>
                       <a:srgbClr val="000000"/>
                     </a:solidFill>
@@ -10173,7 +10173,7 @@
               </a:ln>
               <a:extLst>
                 <a:ext uri="{91240B29-F687-4f45-9708-019B960494DF}">
-                  <a14:hiddenLine xmlns:a14="http://schemas.microsoft.com/office/drawing/2010/main" xmlns="" w="9525">
+                  <a14:hiddenLine xmlns="" xmlns:a14="http://schemas.microsoft.com/office/drawing/2010/main" w="9525">
                     <a:solidFill>
                       <a:srgbClr val="000000"/>
                     </a:solidFill>
@@ -10263,7 +10263,7 @@
               </a:ln>
               <a:extLst>
                 <a:ext uri="{91240B29-F687-4f45-9708-019B960494DF}">
-                  <a14:hiddenLine xmlns:a14="http://schemas.microsoft.com/office/drawing/2010/main" xmlns="" w="9525">
+                  <a14:hiddenLine xmlns="" xmlns:a14="http://schemas.microsoft.com/office/drawing/2010/main" w="9525">
                     <a:solidFill>
                       <a:srgbClr val="000000"/>
                     </a:solidFill>
@@ -10353,7 +10353,7 @@
               </a:ln>
               <a:extLst>
                 <a:ext uri="{91240B29-F687-4f45-9708-019B960494DF}">
-                  <a14:hiddenLine xmlns:a14="http://schemas.microsoft.com/office/drawing/2010/main" xmlns="" w="9525">
+                  <a14:hiddenLine xmlns="" xmlns:a14="http://schemas.microsoft.com/office/drawing/2010/main" w="9525">
                     <a:solidFill>
                       <a:srgbClr val="000000"/>
                     </a:solidFill>
@@ -10415,7 +10415,7 @@
               </a:ln>
               <a:extLst>
                 <a:ext uri="{91240B29-F687-4f45-9708-019B960494DF}">
-                  <a14:hiddenLine xmlns:a14="http://schemas.microsoft.com/office/drawing/2010/main" xmlns="" w="9525">
+                  <a14:hiddenLine xmlns="" xmlns:a14="http://schemas.microsoft.com/office/drawing/2010/main" w="9525">
                     <a:solidFill>
                       <a:srgbClr val="000000"/>
                     </a:solidFill>
@@ -10525,7 +10525,7 @@
               </a:ln>
               <a:extLst>
                 <a:ext uri="{91240B29-F687-4f45-9708-019B960494DF}">
-                  <a14:hiddenLine xmlns:a14="http://schemas.microsoft.com/office/drawing/2010/main" xmlns="" w="9525">
+                  <a14:hiddenLine xmlns="" xmlns:a14="http://schemas.microsoft.com/office/drawing/2010/main" w="9525">
                     <a:solidFill>
                       <a:srgbClr val="000000"/>
                     </a:solidFill>
@@ -10609,7 +10609,7 @@
               </a:ln>
               <a:extLst>
                 <a:ext uri="{91240B29-F687-4f45-9708-019B960494DF}">
-                  <a14:hiddenLine xmlns:a14="http://schemas.microsoft.com/office/drawing/2010/main" xmlns="" w="9525">
+                  <a14:hiddenLine xmlns="" xmlns:a14="http://schemas.microsoft.com/office/drawing/2010/main" w="9525">
                     <a:solidFill>
                       <a:srgbClr val="000000"/>
                     </a:solidFill>
@@ -10671,7 +10671,7 @@
               </a:ln>
               <a:extLst>
                 <a:ext uri="{91240B29-F687-4f45-9708-019B960494DF}">
-                  <a14:hiddenLine xmlns:a14="http://schemas.microsoft.com/office/drawing/2010/main" xmlns="" w="9525">
+                  <a14:hiddenLine xmlns="" xmlns:a14="http://schemas.microsoft.com/office/drawing/2010/main" w="9525">
                     <a:solidFill>
                       <a:srgbClr val="000000"/>
                     </a:solidFill>
@@ -10733,7 +10733,7 @@
               </a:ln>
               <a:extLst>
                 <a:ext uri="{91240B29-F687-4f45-9708-019B960494DF}">
-                  <a14:hiddenLine xmlns:a14="http://schemas.microsoft.com/office/drawing/2010/main" xmlns="" w="9525">
+                  <a14:hiddenLine xmlns="" xmlns:a14="http://schemas.microsoft.com/office/drawing/2010/main" w="9525">
                     <a:solidFill>
                       <a:srgbClr val="000000"/>
                     </a:solidFill>
@@ -10823,7 +10823,7 @@
               </a:ln>
               <a:extLst>
                 <a:ext uri="{91240B29-F687-4f45-9708-019B960494DF}">
-                  <a14:hiddenLine xmlns:a14="http://schemas.microsoft.com/office/drawing/2010/main" xmlns="" w="9525">
+                  <a14:hiddenLine xmlns="" xmlns:a14="http://schemas.microsoft.com/office/drawing/2010/main" w="9525">
                     <a:solidFill>
                       <a:srgbClr val="000000"/>
                     </a:solidFill>
@@ -10857,7 +10857,7 @@
               </a:ln>
               <a:extLst>
                 <a:ext uri="{91240B29-F687-4f45-9708-019B960494DF}">
-                  <a14:hiddenLine xmlns:a14="http://schemas.microsoft.com/office/drawing/2010/main" xmlns="" w="9525">
+                  <a14:hiddenLine xmlns="" xmlns:a14="http://schemas.microsoft.com/office/drawing/2010/main" w="9525">
                     <a:solidFill>
                       <a:srgbClr val="000000"/>
                     </a:solidFill>
@@ -10922,7 +10922,7 @@
               </a:ln>
               <a:extLst>
                 <a:ext uri="{91240B29-F687-4f45-9708-019B960494DF}">
-                  <a14:hiddenLine xmlns:a14="http://schemas.microsoft.com/office/drawing/2010/main" xmlns="" w="9525">
+                  <a14:hiddenLine xmlns="" xmlns:a14="http://schemas.microsoft.com/office/drawing/2010/main" w="9525">
                     <a:solidFill>
                       <a:srgbClr val="000000"/>
                     </a:solidFill>
@@ -11012,7 +11012,7 @@
               </a:ln>
               <a:extLst>
                 <a:ext uri="{91240B29-F687-4f45-9708-019B960494DF}">
-                  <a14:hiddenLine xmlns:a14="http://schemas.microsoft.com/office/drawing/2010/main" xmlns="" w="9525">
+                  <a14:hiddenLine xmlns="" xmlns:a14="http://schemas.microsoft.com/office/drawing/2010/main" w="9525">
                     <a:solidFill>
                       <a:srgbClr val="000000"/>
                     </a:solidFill>
@@ -11074,7 +11074,7 @@
               </a:ln>
               <a:extLst>
                 <a:ext uri="{91240B29-F687-4f45-9708-019B960494DF}">
-                  <a14:hiddenLine xmlns:a14="http://schemas.microsoft.com/office/drawing/2010/main" xmlns="" w="9525">
+                  <a14:hiddenLine xmlns="" xmlns:a14="http://schemas.microsoft.com/office/drawing/2010/main" w="9525">
                     <a:solidFill>
                       <a:srgbClr val="000000"/>
                     </a:solidFill>
@@ -11164,7 +11164,7 @@
               </a:ln>
               <a:extLst>
                 <a:ext uri="{91240B29-F687-4f45-9708-019B960494DF}">
-                  <a14:hiddenLine xmlns:a14="http://schemas.microsoft.com/office/drawing/2010/main" xmlns="" w="9525">
+                  <a14:hiddenLine xmlns="" xmlns:a14="http://schemas.microsoft.com/office/drawing/2010/main" w="9525">
                     <a:solidFill>
                       <a:srgbClr val="000000"/>
                     </a:solidFill>
@@ -11229,7 +11229,7 @@
               </a:ln>
               <a:extLst>
                 <a:ext uri="{91240B29-F687-4f45-9708-019B960494DF}">
-                  <a14:hiddenLine xmlns:a14="http://schemas.microsoft.com/office/drawing/2010/main" xmlns="" w="9525">
+                  <a14:hiddenLine xmlns="" xmlns:a14="http://schemas.microsoft.com/office/drawing/2010/main" w="9525">
                     <a:solidFill>
                       <a:srgbClr val="000000"/>
                     </a:solidFill>
@@ -11291,7 +11291,7 @@
               </a:ln>
               <a:extLst>
                 <a:ext uri="{91240B29-F687-4f45-9708-019B960494DF}">
-                  <a14:hiddenLine xmlns:a14="http://schemas.microsoft.com/office/drawing/2010/main" xmlns="" w="9525">
+                  <a14:hiddenLine xmlns="" xmlns:a14="http://schemas.microsoft.com/office/drawing/2010/main" w="9525">
                     <a:solidFill>
                       <a:srgbClr val="000000"/>
                     </a:solidFill>
@@ -11381,7 +11381,7 @@
               </a:ln>
               <a:extLst>
                 <a:ext uri="{91240B29-F687-4f45-9708-019B960494DF}">
-                  <a14:hiddenLine xmlns:a14="http://schemas.microsoft.com/office/drawing/2010/main" xmlns="" w="9525">
+                  <a14:hiddenLine xmlns="" xmlns:a14="http://schemas.microsoft.com/office/drawing/2010/main" w="9525">
                     <a:solidFill>
                       <a:srgbClr val="000000"/>
                     </a:solidFill>
@@ -11471,7 +11471,7 @@
               </a:ln>
               <a:extLst>
                 <a:ext uri="{91240B29-F687-4f45-9708-019B960494DF}">
-                  <a14:hiddenLine xmlns:a14="http://schemas.microsoft.com/office/drawing/2010/main" xmlns="" w="9525">
+                  <a14:hiddenLine xmlns="" xmlns:a14="http://schemas.microsoft.com/office/drawing/2010/main" w="9525">
                     <a:solidFill>
                       <a:srgbClr val="000000"/>
                     </a:solidFill>
@@ -11536,7 +11536,7 @@
               </a:ln>
               <a:extLst>
                 <a:ext uri="{91240B29-F687-4f45-9708-019B960494DF}">
-                  <a14:hiddenLine xmlns:a14="http://schemas.microsoft.com/office/drawing/2010/main" xmlns="" w="9525">
+                  <a14:hiddenLine xmlns="" xmlns:a14="http://schemas.microsoft.com/office/drawing/2010/main" w="9525">
                     <a:solidFill>
                       <a:srgbClr val="000000"/>
                     </a:solidFill>
@@ -11656,7 +11656,7 @@
               </a:ln>
               <a:extLst>
                 <a:ext uri="{91240B29-F687-4f45-9708-019B960494DF}">
-                  <a14:hiddenLine xmlns:a14="http://schemas.microsoft.com/office/drawing/2010/main" xmlns="" w="9525">
+                  <a14:hiddenLine xmlns="" xmlns:a14="http://schemas.microsoft.com/office/drawing/2010/main" w="9525">
                     <a:solidFill>
                       <a:srgbClr val="000000"/>
                     </a:solidFill>
@@ -11737,7 +11737,7 @@
               </a:ln>
               <a:extLst>
                 <a:ext uri="{91240B29-F687-4f45-9708-019B960494DF}">
-                  <a14:hiddenLine xmlns:a14="http://schemas.microsoft.com/office/drawing/2010/main" xmlns="" w="9525">
+                  <a14:hiddenLine xmlns="" xmlns:a14="http://schemas.microsoft.com/office/drawing/2010/main" w="9525">
                     <a:solidFill>
                       <a:srgbClr val="000000"/>
                     </a:solidFill>
@@ -11852,7 +11852,7 @@
               </a:ln>
               <a:extLst>
                 <a:ext uri="{91240B29-F687-4f45-9708-019B960494DF}">
-                  <a14:hiddenLine xmlns:a14="http://schemas.microsoft.com/office/drawing/2010/main" xmlns="" w="9525">
+                  <a14:hiddenLine xmlns="" xmlns:a14="http://schemas.microsoft.com/office/drawing/2010/main" w="9525">
                     <a:solidFill>
                       <a:srgbClr val="000000"/>
                     </a:solidFill>
@@ -11942,7 +11942,7 @@
               </a:ln>
               <a:extLst>
                 <a:ext uri="{91240B29-F687-4f45-9708-019B960494DF}">
-                  <a14:hiddenLine xmlns:a14="http://schemas.microsoft.com/office/drawing/2010/main" xmlns="" w="9525">
+                  <a14:hiddenLine xmlns="" xmlns:a14="http://schemas.microsoft.com/office/drawing/2010/main" w="9525">
                     <a:solidFill>
                       <a:srgbClr val="000000"/>
                     </a:solidFill>
@@ -12007,7 +12007,7 @@
               </a:ln>
               <a:extLst>
                 <a:ext uri="{91240B29-F687-4f45-9708-019B960494DF}">
-                  <a14:hiddenLine xmlns:a14="http://schemas.microsoft.com/office/drawing/2010/main" xmlns="" w="9525">
+                  <a14:hiddenLine xmlns="" xmlns:a14="http://schemas.microsoft.com/office/drawing/2010/main" w="9525">
                     <a:solidFill>
                       <a:srgbClr val="000000"/>
                     </a:solidFill>
@@ -12097,7 +12097,7 @@
               </a:ln>
               <a:extLst>
                 <a:ext uri="{91240B29-F687-4f45-9708-019B960494DF}">
-                  <a14:hiddenLine xmlns:a14="http://schemas.microsoft.com/office/drawing/2010/main" xmlns="" w="9525">
+                  <a14:hiddenLine xmlns="" xmlns:a14="http://schemas.microsoft.com/office/drawing/2010/main" w="9525">
                     <a:solidFill>
                       <a:srgbClr val="000000"/>
                     </a:solidFill>
@@ -12165,7 +12165,7 @@
               </a:ln>
               <a:extLst>
                 <a:ext uri="{91240B29-F687-4f45-9708-019B960494DF}">
-                  <a14:hiddenLine xmlns:a14="http://schemas.microsoft.com/office/drawing/2010/main" xmlns="" w="9525">
+                  <a14:hiddenLine xmlns="" xmlns:a14="http://schemas.microsoft.com/office/drawing/2010/main" w="9525">
                     <a:solidFill>
                       <a:srgbClr val="000000"/>
                     </a:solidFill>
@@ -12255,7 +12255,7 @@
               </a:ln>
               <a:extLst>
                 <a:ext uri="{91240B29-F687-4f45-9708-019B960494DF}">
-                  <a14:hiddenLine xmlns:a14="http://schemas.microsoft.com/office/drawing/2010/main" xmlns="" w="9525">
+                  <a14:hiddenLine xmlns="" xmlns:a14="http://schemas.microsoft.com/office/drawing/2010/main" w="9525">
                     <a:solidFill>
                       <a:srgbClr val="000000"/>
                     </a:solidFill>
@@ -12323,7 +12323,7 @@
               </a:ln>
               <a:extLst>
                 <a:ext uri="{91240B29-F687-4f45-9708-019B960494DF}">
-                  <a14:hiddenLine xmlns:a14="http://schemas.microsoft.com/office/drawing/2010/main" xmlns="" w="9525">
+                  <a14:hiddenLine xmlns="" xmlns:a14="http://schemas.microsoft.com/office/drawing/2010/main" w="9525">
                     <a:solidFill>
                       <a:srgbClr val="000000"/>
                     </a:solidFill>
@@ -12413,7 +12413,7 @@
               </a:ln>
               <a:extLst>
                 <a:ext uri="{91240B29-F687-4f45-9708-019B960494DF}">
-                  <a14:hiddenLine xmlns:a14="http://schemas.microsoft.com/office/drawing/2010/main" xmlns="" w="9525">
+                  <a14:hiddenLine xmlns="" xmlns:a14="http://schemas.microsoft.com/office/drawing/2010/main" w="9525">
                     <a:solidFill>
                       <a:srgbClr val="000000"/>
                     </a:solidFill>
@@ -12447,7 +12447,7 @@
               </a:ln>
               <a:extLst>
                 <a:ext uri="{91240B29-F687-4f45-9708-019B960494DF}">
-                  <a14:hiddenLine xmlns:a14="http://schemas.microsoft.com/office/drawing/2010/main" xmlns="" w="9525">
+                  <a14:hiddenLine xmlns="" xmlns:a14="http://schemas.microsoft.com/office/drawing/2010/main" w="9525">
                     <a:solidFill>
                       <a:srgbClr val="000000"/>
                     </a:solidFill>
@@ -12587,7 +12587,7 @@
           <a:p>
             <a:fld id="{EC4347D3-4C9A-C240-8F14-750059DFEEB0}" type="datetimeFigureOut">
               <a:rPr lang="en-US" smtClean="0"/>
-              <a:t>8/27/24</a:t>
+              <a:t>1/8/25</a:t>
             </a:fld>
             <a:endParaRPr lang="en-US"/>
           </a:p>
@@ -14198,7 +14198,7 @@
         </p:spPr>
         <p:txBody>
           <a:bodyPr>
-            <a:normAutofit fontScale="92500" lnSpcReduction="10000"/>
+            <a:normAutofit/>
           </a:bodyPr>
           <a:lstStyle/>
           <a:p>
@@ -14211,14 +14211,7 @@
             <a:pPr lvl="1"/>
             <a:r>
               <a:rPr lang="en-US" dirty="0"/>
-              <a:t>Tu / Th 9:30 – 10:45 am @ Mechanical Engr. 205</a:t>
-            </a:r>
-          </a:p>
-          <a:p>
-            <a:pPr lvl="1"/>
-            <a:r>
-              <a:rPr lang="en-US" dirty="0"/>
-              <a:t>Tu / Th 12:30 - 1:45 pm @ Gilmer Hall 301</a:t>
+              <a:t>Tu / Th 11:00 – 12:15 am @ John W. Warner Hall 209</a:t>
             </a:r>
           </a:p>
           <a:p>
@@ -14228,31 +14221,21 @@
           <a:p>
             <a:r>
               <a:rPr lang="en-US" dirty="0"/>
-              <a:t>There may be a weekly discussion section (optional) hosted by our Graduate TA (stay tuned for if / when that will occur).</a:t>
+              <a:t>Lectures will be recorded and posted on Canvas -&gt; Lecture Recordings</a:t>
             </a:r>
           </a:p>
           <a:p>
             <a:pPr lvl="1"/>
-            <a:endParaRPr lang="en-US" dirty="0"/>
-          </a:p>
-          <a:p>
-            <a:r>
-              <a:rPr lang="en-US" dirty="0"/>
-              <a:t>Lectures will be recorded and posted on Canvas -&gt; Lecture Recordings</a:t>
+            <a:r>
+              <a:rPr lang="en-US" dirty="0"/>
+              <a:t>Using Panopto, so no live broadcast</a:t>
             </a:r>
           </a:p>
           <a:p>
             <a:pPr lvl="1"/>
             <a:r>
               <a:rPr lang="en-US" dirty="0"/>
-              <a:t>Using Panopto, so no live broadcast</a:t>
-            </a:r>
-          </a:p>
-          <a:p>
-            <a:pPr lvl="1"/>
-            <a:r>
-              <a:rPr lang="en-US" dirty="0"/>
-              <a:t>A note about recordings…they are a privilege, not a right.</a:t>
+              <a:t>A note about recordings…they are a privilege, not a right. If less than half of you are present in class, then I will not record the lecture.</a:t>
             </a:r>
           </a:p>
           <a:p>
@@ -14394,7 +14377,7 @@
             <a:pPr lvl="1"/>
             <a:r>
               <a:rPr lang="en-US" i="1" dirty="0"/>
-              <a:t>1: Intro, Review of Proofs, and Cardinality</a:t>
+              <a:t>1: Introduction and Cardinality</a:t>
             </a:r>
           </a:p>
           <a:p>
@@ -14734,22 +14717,14 @@
             <a:pPr lvl="1"/>
             <a:r>
               <a:rPr lang="en-US" sz="2000" dirty="0"/>
-              <a:t>Thu., Sep. 1</a:t>
-            </a:r>
-            <a:r>
-              <a:rPr lang="en-US" dirty="0"/>
-              <a:t>9</a:t>
-            </a:r>
+              <a:t>Thu., Feb. 6			Mod 1</a:t>
+            </a:r>
+          </a:p>
+          <a:p>
+            <a:pPr lvl="1"/>
             <a:r>
               <a:rPr lang="en-US" sz="2000" dirty="0"/>
-              <a:t>			Mod 1</a:t>
-            </a:r>
-          </a:p>
-          <a:p>
-            <a:pPr lvl="1"/>
-            <a:r>
-              <a:rPr lang="en-US" sz="2000" dirty="0"/>
-              <a:t>Thu., Oct. 10			Mod </a:t>
+              <a:t>Thu., Mar. 6			Mod </a:t>
             </a:r>
             <a:r>
               <a:rPr lang="en-US" dirty="0"/>
@@ -14764,38 +14739,30 @@
             </a:r>
             <a:r>
               <a:rPr lang="en-US" dirty="0"/>
-              <a:t>Oct</a:t>
+              <a:t>Mar</a:t>
             </a:r>
             <a:r>
               <a:rPr lang="en-US" sz="2000" dirty="0"/>
-              <a:t>. </a:t>
-            </a:r>
-            <a:r>
-              <a:rPr lang="en-US" dirty="0"/>
-              <a:t>31</a:t>
-            </a:r>
+              <a:t>. 27			Mod 3</a:t>
+            </a:r>
+          </a:p>
+          <a:p>
+            <a:pPr lvl="1"/>
+            <a:r>
+              <a:rPr lang="en-US" dirty="0"/>
+              <a:t>Thu., Apr. 17			Mod 4</a:t>
+            </a:r>
+            <a:endParaRPr lang="en-US" sz="2000" dirty="0"/>
+          </a:p>
+          <a:p>
+            <a:pPr lvl="1"/>
             <a:r>
               <a:rPr lang="en-US" sz="2000" dirty="0"/>
-              <a:t>			Mod 3</a:t>
-            </a:r>
-          </a:p>
-          <a:p>
-            <a:pPr lvl="1"/>
-            <a:r>
-              <a:rPr lang="en-US" dirty="0"/>
-              <a:t>Thu., Nov. 21			Mod 4</a:t>
-            </a:r>
-            <a:endParaRPr lang="en-US" sz="2000" dirty="0"/>
-          </a:p>
-          <a:p>
-            <a:pPr lvl="1"/>
-            <a:r>
-              <a:rPr lang="en-US" sz="2000" dirty="0"/>
-              <a:t>Dec. 9 (Maybe</a:t>
-            </a:r>
-            <a:r>
-              <a:rPr lang="en-US" dirty="0"/>
-              <a:t>)</a:t>
+              <a:t>May. 9 </a:t>
+            </a:r>
+            <a:r>
+              <a:rPr lang="en-US" dirty="0"/>
+              <a:t>	</a:t>
             </a:r>
             <a:r>
               <a:rPr lang="en-US" sz="2000" dirty="0"/>
@@ -14930,7 +14897,7 @@
             </a:r>
             <a:r>
               <a:rPr lang="en-US" b="1" i="1" u="sng" dirty="0"/>
-              <a:t>for each quiz</a:t>
+              <a:t>for each quiz (first attempt only)</a:t>
             </a:r>
             <a:r>
               <a:rPr lang="en-US" dirty="0"/>
@@ -14971,7 +14938,13 @@
           <a:p>
             <a:r>
               <a:rPr lang="en-US" dirty="0"/>
-              <a:t>If you earn above a 90%, rounding is meant to ensure you don’t take the retake on the final exam day.</a:t>
+              <a:t>Quizzes taken during the final exam session do not round</a:t>
+            </a:r>
+          </a:p>
+          <a:p>
+            <a:r>
+              <a:rPr lang="en-US" dirty="0"/>
+              <a:t>If you earn above a 90%, rounding is meant to ensure you don’t take the retake on the final exam day if you did really well on the first attempt.</a:t>
             </a:r>
           </a:p>
         </p:txBody>
@@ -15645,14 +15618,14 @@
             <a:pPr lvl="1"/>
             <a:r>
               <a:rPr lang="en-US" dirty="0"/>
-              <a:t>Anyone can fill out an online form to request a 10 day extension. Extensions will be granted for any reason as long as you articulate why you need extra time and when you plan to finish the homework by.</a:t>
+              <a:t>Anyone can fill out an online form to request a 7 day extension. Extensions will be granted for any reason as long as you articulate why you need extra time and when you plan to finish the homework by.</a:t>
             </a:r>
           </a:p>
           <a:p>
             <a:pPr lvl="1"/>
             <a:r>
               <a:rPr lang="en-US" dirty="0"/>
-              <a:t>NO submissions beyond this already generous 10 day window for any reason. That window IS your flexibility should anything arise.</a:t>
+              <a:t>NO submissions beyond this already generous 7 day window for any reason. That window IS your flexibility should anything arise.</a:t>
             </a:r>
           </a:p>
           <a:p>
@@ -18319,16 +18292,6 @@
             <a:r>
               <a:rPr lang="en-US" dirty="0"/>
               <a:t>: For submitting homework and seeing your grades, etc.</a:t>
-            </a:r>
-          </a:p>
-          <a:p>
-            <a:r>
-              <a:rPr lang="en-US" b="1" i="1" u="sng" dirty="0"/>
-              <a:t>Jira</a:t>
-            </a:r>
-            <a:r>
-              <a:rPr lang="en-US" dirty="0"/>
-              <a:t>: A ticketing system that we will use for student requests. Meant for private messages to Floryan and/or head Tas.</a:t>
             </a:r>
           </a:p>
           <a:p>

--- a/slides/00-CourseIntroduction.pptx
+++ b/slides/00-CourseIntroduction.pptx
@@ -5,7 +5,7 @@
     <p:sldMasterId id="2147484006" r:id="rId1"/>
   </p:sldMasterIdLst>
   <p:notesMasterIdLst>
-    <p:notesMasterId r:id="rId32"/>
+    <p:notesMasterId r:id="rId31"/>
   </p:notesMasterIdLst>
   <p:sldIdLst>
     <p:sldId id="256" r:id="rId2"/>
@@ -32,12 +32,11 @@
     <p:sldId id="506" r:id="rId23"/>
     <p:sldId id="491" r:id="rId24"/>
     <p:sldId id="496" r:id="rId25"/>
-    <p:sldId id="471" r:id="rId26"/>
-    <p:sldId id="485" r:id="rId27"/>
-    <p:sldId id="463" r:id="rId28"/>
-    <p:sldId id="502" r:id="rId29"/>
-    <p:sldId id="464" r:id="rId30"/>
-    <p:sldId id="514" r:id="rId31"/>
+    <p:sldId id="463" r:id="rId26"/>
+    <p:sldId id="502" r:id="rId27"/>
+    <p:sldId id="464" r:id="rId28"/>
+    <p:sldId id="515" r:id="rId29"/>
+    <p:sldId id="514" r:id="rId30"/>
   </p:sldIdLst>
   <p:sldSz cx="12192000" cy="6858000"/>
   <p:notesSz cx="6858000" cy="9144000"/>
@@ -226,7 +225,7 @@
           <a:p>
             <a:fld id="{C5B45307-6ED4-B142-BD64-10F739779302}" type="datetimeFigureOut">
               <a:rPr lang="en-US" smtClean="0"/>
-              <a:t>1/8/25</a:t>
+              <a:t>1/13/25</a:t>
             </a:fld>
             <a:endParaRPr lang="en-US"/>
           </a:p>
@@ -729,7 +728,7 @@
           <a:noFill/>
           <a:extLst>
             <a:ext uri="{909E8E84-426E-40dd-AFC4-6F175D3DCCD1}">
-              <a14:hiddenFill xmlns="" xmlns:a14="http://schemas.microsoft.com/office/drawing/2010/main">
+              <a14:hiddenFill xmlns:a14="http://schemas.microsoft.com/office/drawing/2010/main" xmlns="">
                 <a:solidFill>
                   <a:srgbClr val="FFFFFF"/>
                 </a:solidFill>
@@ -788,7 +787,7 @@
             </a:ln>
             <a:extLst>
               <a:ext uri="{91240B29-F687-4f45-9708-019B960494DF}">
-                <a14:hiddenLine xmlns="" xmlns:a14="http://schemas.microsoft.com/office/drawing/2010/main" w="9525">
+                <a14:hiddenLine xmlns:a14="http://schemas.microsoft.com/office/drawing/2010/main" xmlns="" w="9525">
                   <a:solidFill>
                     <a:srgbClr val="000000"/>
                   </a:solidFill>
@@ -878,7 +877,7 @@
             </a:ln>
             <a:extLst>
               <a:ext uri="{91240B29-F687-4f45-9708-019B960494DF}">
-                <a14:hiddenLine xmlns="" xmlns:a14="http://schemas.microsoft.com/office/drawing/2010/main" w="9525">
+                <a14:hiddenLine xmlns:a14="http://schemas.microsoft.com/office/drawing/2010/main" xmlns="" w="9525">
                   <a:solidFill>
                     <a:srgbClr val="000000"/>
                   </a:solidFill>
@@ -968,7 +967,7 @@
             </a:ln>
             <a:extLst>
               <a:ext uri="{91240B29-F687-4f45-9708-019B960494DF}">
-                <a14:hiddenLine xmlns="" xmlns:a14="http://schemas.microsoft.com/office/drawing/2010/main" w="9525">
+                <a14:hiddenLine xmlns:a14="http://schemas.microsoft.com/office/drawing/2010/main" xmlns="" w="9525">
                   <a:solidFill>
                     <a:srgbClr val="000000"/>
                   </a:solidFill>
@@ -1002,7 +1001,7 @@
             </a:ln>
             <a:extLst>
               <a:ext uri="{91240B29-F687-4f45-9708-019B960494DF}">
-                <a14:hiddenLine xmlns="" xmlns:a14="http://schemas.microsoft.com/office/drawing/2010/main" w="9525">
+                <a14:hiddenLine xmlns:a14="http://schemas.microsoft.com/office/drawing/2010/main" xmlns="" w="9525">
                   <a:solidFill>
                     <a:srgbClr val="000000"/>
                   </a:solidFill>
@@ -1092,7 +1091,7 @@
             </a:ln>
             <a:extLst>
               <a:ext uri="{91240B29-F687-4f45-9708-019B960494DF}">
-                <a14:hiddenLine xmlns="" xmlns:a14="http://schemas.microsoft.com/office/drawing/2010/main" w="9525">
+                <a14:hiddenLine xmlns:a14="http://schemas.microsoft.com/office/drawing/2010/main" xmlns="" w="9525">
                   <a:solidFill>
                     <a:srgbClr val="000000"/>
                   </a:solidFill>
@@ -1154,7 +1153,7 @@
             </a:ln>
             <a:extLst>
               <a:ext uri="{91240B29-F687-4f45-9708-019B960494DF}">
-                <a14:hiddenLine xmlns="" xmlns:a14="http://schemas.microsoft.com/office/drawing/2010/main" w="9525">
+                <a14:hiddenLine xmlns:a14="http://schemas.microsoft.com/office/drawing/2010/main" xmlns="" w="9525">
                   <a:solidFill>
                     <a:srgbClr val="000000"/>
                   </a:solidFill>
@@ -1216,7 +1215,7 @@
             </a:ln>
             <a:extLst>
               <a:ext uri="{91240B29-F687-4f45-9708-019B960494DF}">
-                <a14:hiddenLine xmlns="" xmlns:a14="http://schemas.microsoft.com/office/drawing/2010/main" w="9525">
+                <a14:hiddenLine xmlns:a14="http://schemas.microsoft.com/office/drawing/2010/main" xmlns="" w="9525">
                   <a:solidFill>
                     <a:srgbClr val="000000"/>
                   </a:solidFill>
@@ -1306,7 +1305,7 @@
             </a:ln>
             <a:extLst>
               <a:ext uri="{91240B29-F687-4f45-9708-019B960494DF}">
-                <a14:hiddenLine xmlns="" xmlns:a14="http://schemas.microsoft.com/office/drawing/2010/main" w="9525">
+                <a14:hiddenLine xmlns:a14="http://schemas.microsoft.com/office/drawing/2010/main" xmlns="" w="9525">
                   <a:solidFill>
                     <a:srgbClr val="000000"/>
                   </a:solidFill>
@@ -1368,7 +1367,7 @@
             </a:ln>
             <a:extLst>
               <a:ext uri="{91240B29-F687-4f45-9708-019B960494DF}">
-                <a14:hiddenLine xmlns="" xmlns:a14="http://schemas.microsoft.com/office/drawing/2010/main" w="9525">
+                <a14:hiddenLine xmlns:a14="http://schemas.microsoft.com/office/drawing/2010/main" xmlns="" w="9525">
                   <a:solidFill>
                     <a:srgbClr val="000000"/>
                   </a:solidFill>
@@ -1430,7 +1429,7 @@
             </a:ln>
             <a:extLst>
               <a:ext uri="{91240B29-F687-4f45-9708-019B960494DF}">
-                <a14:hiddenLine xmlns="" xmlns:a14="http://schemas.microsoft.com/office/drawing/2010/main" w="9525">
+                <a14:hiddenLine xmlns:a14="http://schemas.microsoft.com/office/drawing/2010/main" xmlns="" w="9525">
                   <a:solidFill>
                     <a:srgbClr val="000000"/>
                   </a:solidFill>
@@ -1520,7 +1519,7 @@
             </a:ln>
             <a:extLst>
               <a:ext uri="{91240B29-F687-4f45-9708-019B960494DF}">
-                <a14:hiddenLine xmlns="" xmlns:a14="http://schemas.microsoft.com/office/drawing/2010/main" w="9525">
+                <a14:hiddenLine xmlns:a14="http://schemas.microsoft.com/office/drawing/2010/main" xmlns="" w="9525">
                   <a:solidFill>
                     <a:srgbClr val="000000"/>
                   </a:solidFill>
@@ -1610,7 +1609,7 @@
             </a:ln>
             <a:extLst>
               <a:ext uri="{91240B29-F687-4f45-9708-019B960494DF}">
-                <a14:hiddenLine xmlns="" xmlns:a14="http://schemas.microsoft.com/office/drawing/2010/main" w="9525">
+                <a14:hiddenLine xmlns:a14="http://schemas.microsoft.com/office/drawing/2010/main" xmlns="" w="9525">
                   <a:solidFill>
                     <a:srgbClr val="000000"/>
                   </a:solidFill>
@@ -1672,7 +1671,7 @@
             </a:ln>
             <a:extLst>
               <a:ext uri="{91240B29-F687-4f45-9708-019B960494DF}">
-                <a14:hiddenLine xmlns="" xmlns:a14="http://schemas.microsoft.com/office/drawing/2010/main" w="9525">
+                <a14:hiddenLine xmlns:a14="http://schemas.microsoft.com/office/drawing/2010/main" xmlns="" w="9525">
                   <a:solidFill>
                     <a:srgbClr val="000000"/>
                   </a:solidFill>
@@ -1782,7 +1781,7 @@
             </a:ln>
             <a:extLst>
               <a:ext uri="{91240B29-F687-4f45-9708-019B960494DF}">
-                <a14:hiddenLine xmlns="" xmlns:a14="http://schemas.microsoft.com/office/drawing/2010/main" w="9525">
+                <a14:hiddenLine xmlns:a14="http://schemas.microsoft.com/office/drawing/2010/main" xmlns="" w="9525">
                   <a:solidFill>
                     <a:srgbClr val="000000"/>
                   </a:solidFill>
@@ -1844,7 +1843,7 @@
             </a:ln>
             <a:extLst>
               <a:ext uri="{91240B29-F687-4f45-9708-019B960494DF}">
-                <a14:hiddenLine xmlns="" xmlns:a14="http://schemas.microsoft.com/office/drawing/2010/main" w="9525">
+                <a14:hiddenLine xmlns:a14="http://schemas.microsoft.com/office/drawing/2010/main" xmlns="" w="9525">
                   <a:solidFill>
                     <a:srgbClr val="000000"/>
                   </a:solidFill>
@@ -1934,7 +1933,7 @@
             </a:ln>
             <a:extLst>
               <a:ext uri="{91240B29-F687-4f45-9708-019B960494DF}">
-                <a14:hiddenLine xmlns="" xmlns:a14="http://schemas.microsoft.com/office/drawing/2010/main" w="9525">
+                <a14:hiddenLine xmlns:a14="http://schemas.microsoft.com/office/drawing/2010/main" xmlns="" w="9525">
                   <a:solidFill>
                     <a:srgbClr val="000000"/>
                   </a:solidFill>
@@ -2024,7 +2023,7 @@
             </a:ln>
             <a:extLst>
               <a:ext uri="{91240B29-F687-4f45-9708-019B960494DF}">
-                <a14:hiddenLine xmlns="" xmlns:a14="http://schemas.microsoft.com/office/drawing/2010/main" w="9525">
+                <a14:hiddenLine xmlns:a14="http://schemas.microsoft.com/office/drawing/2010/main" xmlns="" w="9525">
                   <a:solidFill>
                     <a:srgbClr val="000000"/>
                   </a:solidFill>
@@ -2086,7 +2085,7 @@
             </a:ln>
             <a:extLst>
               <a:ext uri="{91240B29-F687-4f45-9708-019B960494DF}">
-                <a14:hiddenLine xmlns="" xmlns:a14="http://schemas.microsoft.com/office/drawing/2010/main" w="9525">
+                <a14:hiddenLine xmlns:a14="http://schemas.microsoft.com/office/drawing/2010/main" xmlns="" w="9525">
                   <a:solidFill>
                     <a:srgbClr val="000000"/>
                   </a:solidFill>
@@ -2176,7 +2175,7 @@
             </a:ln>
             <a:extLst>
               <a:ext uri="{91240B29-F687-4f45-9708-019B960494DF}">
-                <a14:hiddenLine xmlns="" xmlns:a14="http://schemas.microsoft.com/office/drawing/2010/main" w="9525">
+                <a14:hiddenLine xmlns:a14="http://schemas.microsoft.com/office/drawing/2010/main" xmlns="" w="9525">
                   <a:solidFill>
                     <a:srgbClr val="000000"/>
                   </a:solidFill>
@@ -2266,7 +2265,7 @@
             </a:ln>
             <a:extLst>
               <a:ext uri="{91240B29-F687-4f45-9708-019B960494DF}">
-                <a14:hiddenLine xmlns="" xmlns:a14="http://schemas.microsoft.com/office/drawing/2010/main" w="9525">
+                <a14:hiddenLine xmlns:a14="http://schemas.microsoft.com/office/drawing/2010/main" xmlns="" w="9525">
                   <a:solidFill>
                     <a:srgbClr val="000000"/>
                   </a:solidFill>
@@ -2322,7 +2321,7 @@
             </a:ln>
             <a:extLst>
               <a:ext uri="{91240B29-F687-4f45-9708-019B960494DF}">
-                <a14:hiddenLine xmlns="" xmlns:a14="http://schemas.microsoft.com/office/drawing/2010/main" w="9525">
+                <a14:hiddenLine xmlns:a14="http://schemas.microsoft.com/office/drawing/2010/main" xmlns="" w="9525">
                   <a:solidFill>
                     <a:srgbClr val="000000"/>
                   </a:solidFill>
@@ -2412,7 +2411,7 @@
             </a:ln>
             <a:extLst>
               <a:ext uri="{91240B29-F687-4f45-9708-019B960494DF}">
-                <a14:hiddenLine xmlns="" xmlns:a14="http://schemas.microsoft.com/office/drawing/2010/main" w="9525">
+                <a14:hiddenLine xmlns:a14="http://schemas.microsoft.com/office/drawing/2010/main" xmlns="" w="9525">
                   <a:solidFill>
                     <a:srgbClr val="000000"/>
                   </a:solidFill>
@@ -2468,7 +2467,7 @@
             </a:ln>
             <a:extLst>
               <a:ext uri="{91240B29-F687-4f45-9708-019B960494DF}">
-                <a14:hiddenLine xmlns="" xmlns:a14="http://schemas.microsoft.com/office/drawing/2010/main" w="9525">
+                <a14:hiddenLine xmlns:a14="http://schemas.microsoft.com/office/drawing/2010/main" xmlns="" w="9525">
                   <a:solidFill>
                     <a:srgbClr val="000000"/>
                   </a:solidFill>
@@ -2558,7 +2557,7 @@
             </a:ln>
             <a:extLst>
               <a:ext uri="{91240B29-F687-4f45-9708-019B960494DF}">
-                <a14:hiddenLine xmlns="" xmlns:a14="http://schemas.microsoft.com/office/drawing/2010/main" w="9525">
+                <a14:hiddenLine xmlns:a14="http://schemas.microsoft.com/office/drawing/2010/main" xmlns="" w="9525">
                   <a:solidFill>
                     <a:srgbClr val="000000"/>
                   </a:solidFill>
@@ -2626,7 +2625,7 @@
             </a:ln>
             <a:extLst>
               <a:ext uri="{91240B29-F687-4f45-9708-019B960494DF}">
-                <a14:hiddenLine xmlns="" xmlns:a14="http://schemas.microsoft.com/office/drawing/2010/main" w="9525">
+                <a14:hiddenLine xmlns:a14="http://schemas.microsoft.com/office/drawing/2010/main" xmlns="" w="9525">
                   <a:solidFill>
                     <a:srgbClr val="000000"/>
                   </a:solidFill>
@@ -2716,7 +2715,7 @@
             </a:ln>
             <a:extLst>
               <a:ext uri="{91240B29-F687-4f45-9708-019B960494DF}">
-                <a14:hiddenLine xmlns="" xmlns:a14="http://schemas.microsoft.com/office/drawing/2010/main" w="9525">
+                <a14:hiddenLine xmlns:a14="http://schemas.microsoft.com/office/drawing/2010/main" xmlns="" w="9525">
                   <a:solidFill>
                     <a:srgbClr val="000000"/>
                   </a:solidFill>
@@ -2784,7 +2783,7 @@
             </a:ln>
             <a:extLst>
               <a:ext uri="{91240B29-F687-4f45-9708-019B960494DF}">
-                <a14:hiddenLine xmlns="" xmlns:a14="http://schemas.microsoft.com/office/drawing/2010/main" w="9525">
+                <a14:hiddenLine xmlns:a14="http://schemas.microsoft.com/office/drawing/2010/main" xmlns="" w="9525">
                   <a:solidFill>
                     <a:srgbClr val="000000"/>
                   </a:solidFill>
@@ -2874,7 +2873,7 @@
             </a:ln>
             <a:extLst>
               <a:ext uri="{91240B29-F687-4f45-9708-019B960494DF}">
-                <a14:hiddenLine xmlns="" xmlns:a14="http://schemas.microsoft.com/office/drawing/2010/main" w="9525">
+                <a14:hiddenLine xmlns:a14="http://schemas.microsoft.com/office/drawing/2010/main" xmlns="" w="9525">
                   <a:solidFill>
                     <a:srgbClr val="000000"/>
                   </a:solidFill>
@@ -2908,7 +2907,7 @@
             </a:ln>
             <a:extLst>
               <a:ext uri="{91240B29-F687-4f45-9708-019B960494DF}">
-                <a14:hiddenLine xmlns="" xmlns:a14="http://schemas.microsoft.com/office/drawing/2010/main" w="9525">
+                <a14:hiddenLine xmlns:a14="http://schemas.microsoft.com/office/drawing/2010/main" xmlns="" w="9525">
                   <a:solidFill>
                     <a:srgbClr val="000000"/>
                   </a:solidFill>
@@ -2998,7 +2997,7 @@
             </a:ln>
             <a:extLst>
               <a:ext uri="{91240B29-F687-4f45-9708-019B960494DF}">
-                <a14:hiddenLine xmlns="" xmlns:a14="http://schemas.microsoft.com/office/drawing/2010/main" w="9525">
+                <a14:hiddenLine xmlns:a14="http://schemas.microsoft.com/office/drawing/2010/main" xmlns="" w="9525">
                   <a:solidFill>
                     <a:srgbClr val="000000"/>
                   </a:solidFill>
@@ -3060,7 +3059,7 @@
             </a:ln>
             <a:extLst>
               <a:ext uri="{91240B29-F687-4f45-9708-019B960494DF}">
-                <a14:hiddenLine xmlns="" xmlns:a14="http://schemas.microsoft.com/office/drawing/2010/main" w="9525">
+                <a14:hiddenLine xmlns:a14="http://schemas.microsoft.com/office/drawing/2010/main" xmlns="" w="9525">
                   <a:solidFill>
                     <a:srgbClr val="000000"/>
                   </a:solidFill>
@@ -3122,7 +3121,7 @@
             </a:ln>
             <a:extLst>
               <a:ext uri="{91240B29-F687-4f45-9708-019B960494DF}">
-                <a14:hiddenLine xmlns="" xmlns:a14="http://schemas.microsoft.com/office/drawing/2010/main" w="9525">
+                <a14:hiddenLine xmlns:a14="http://schemas.microsoft.com/office/drawing/2010/main" xmlns="" w="9525">
                   <a:solidFill>
                     <a:srgbClr val="000000"/>
                   </a:solidFill>
@@ -3212,7 +3211,7 @@
             </a:ln>
             <a:extLst>
               <a:ext uri="{91240B29-F687-4f45-9708-019B960494DF}">
-                <a14:hiddenLine xmlns="" xmlns:a14="http://schemas.microsoft.com/office/drawing/2010/main" w="9525">
+                <a14:hiddenLine xmlns:a14="http://schemas.microsoft.com/office/drawing/2010/main" xmlns="" w="9525">
                   <a:solidFill>
                     <a:srgbClr val="000000"/>
                   </a:solidFill>
@@ -3280,7 +3279,7 @@
             </a:ln>
             <a:extLst>
               <a:ext uri="{91240B29-F687-4f45-9708-019B960494DF}">
-                <a14:hiddenLine xmlns="" xmlns:a14="http://schemas.microsoft.com/office/drawing/2010/main" w="9525">
+                <a14:hiddenLine xmlns:a14="http://schemas.microsoft.com/office/drawing/2010/main" xmlns="" w="9525">
                   <a:solidFill>
                     <a:srgbClr val="000000"/>
                   </a:solidFill>
@@ -3342,7 +3341,7 @@
             </a:ln>
             <a:extLst>
               <a:ext uri="{91240B29-F687-4f45-9708-019B960494DF}">
-                <a14:hiddenLine xmlns="" xmlns:a14="http://schemas.microsoft.com/office/drawing/2010/main" w="9525">
+                <a14:hiddenLine xmlns:a14="http://schemas.microsoft.com/office/drawing/2010/main" xmlns="" w="9525">
                   <a:solidFill>
                     <a:srgbClr val="000000"/>
                   </a:solidFill>
@@ -3432,7 +3431,7 @@
             </a:ln>
             <a:extLst>
               <a:ext uri="{91240B29-F687-4f45-9708-019B960494DF}">
-                <a14:hiddenLine xmlns="" xmlns:a14="http://schemas.microsoft.com/office/drawing/2010/main" w="9525">
+                <a14:hiddenLine xmlns:a14="http://schemas.microsoft.com/office/drawing/2010/main" xmlns="" w="9525">
                   <a:solidFill>
                     <a:srgbClr val="000000"/>
                   </a:solidFill>
@@ -3494,7 +3493,7 @@
             </a:ln>
             <a:extLst>
               <a:ext uri="{91240B29-F687-4f45-9708-019B960494DF}">
-                <a14:hiddenLine xmlns="" xmlns:a14="http://schemas.microsoft.com/office/drawing/2010/main" w="9525">
+                <a14:hiddenLine xmlns:a14="http://schemas.microsoft.com/office/drawing/2010/main" xmlns="" w="9525">
                   <a:solidFill>
                     <a:srgbClr val="000000"/>
                   </a:solidFill>
@@ -3584,7 +3583,7 @@
             </a:ln>
             <a:extLst>
               <a:ext uri="{91240B29-F687-4f45-9708-019B960494DF}">
-                <a14:hiddenLine xmlns="" xmlns:a14="http://schemas.microsoft.com/office/drawing/2010/main" w="9525">
+                <a14:hiddenLine xmlns:a14="http://schemas.microsoft.com/office/drawing/2010/main" xmlns="" w="9525">
                   <a:solidFill>
                     <a:srgbClr val="000000"/>
                   </a:solidFill>
@@ -3646,7 +3645,7 @@
             </a:ln>
             <a:extLst>
               <a:ext uri="{91240B29-F687-4f45-9708-019B960494DF}">
-                <a14:hiddenLine xmlns="" xmlns:a14="http://schemas.microsoft.com/office/drawing/2010/main" w="9525">
+                <a14:hiddenLine xmlns:a14="http://schemas.microsoft.com/office/drawing/2010/main" xmlns="" w="9525">
                   <a:solidFill>
                     <a:srgbClr val="000000"/>
                   </a:solidFill>
@@ -3736,7 +3735,7 @@
             </a:ln>
             <a:extLst>
               <a:ext uri="{91240B29-F687-4f45-9708-019B960494DF}">
-                <a14:hiddenLine xmlns="" xmlns:a14="http://schemas.microsoft.com/office/drawing/2010/main" w="9525">
+                <a14:hiddenLine xmlns:a14="http://schemas.microsoft.com/office/drawing/2010/main" xmlns="" w="9525">
                   <a:solidFill>
                     <a:srgbClr val="000000"/>
                   </a:solidFill>
@@ -3770,7 +3769,7 @@
             </a:ln>
             <a:extLst>
               <a:ext uri="{91240B29-F687-4f45-9708-019B960494DF}">
-                <a14:hiddenLine xmlns="" xmlns:a14="http://schemas.microsoft.com/office/drawing/2010/main" w="9525">
+                <a14:hiddenLine xmlns:a14="http://schemas.microsoft.com/office/drawing/2010/main" xmlns="" w="9525">
                   <a:solidFill>
                     <a:srgbClr val="000000"/>
                   </a:solidFill>
@@ -3835,7 +3834,7 @@
             </a:ln>
             <a:extLst>
               <a:ext uri="{91240B29-F687-4f45-9708-019B960494DF}">
-                <a14:hiddenLine xmlns="" xmlns:a14="http://schemas.microsoft.com/office/drawing/2010/main" w="9525">
+                <a14:hiddenLine xmlns:a14="http://schemas.microsoft.com/office/drawing/2010/main" xmlns="" w="9525">
                   <a:solidFill>
                     <a:srgbClr val="000000"/>
                   </a:solidFill>
@@ -3925,7 +3924,7 @@
             </a:ln>
             <a:extLst>
               <a:ext uri="{91240B29-F687-4f45-9708-019B960494DF}">
-                <a14:hiddenLine xmlns="" xmlns:a14="http://schemas.microsoft.com/office/drawing/2010/main" w="9525">
+                <a14:hiddenLine xmlns:a14="http://schemas.microsoft.com/office/drawing/2010/main" xmlns="" w="9525">
                   <a:solidFill>
                     <a:srgbClr val="000000"/>
                   </a:solidFill>
@@ -3987,7 +3986,7 @@
             </a:ln>
             <a:extLst>
               <a:ext uri="{91240B29-F687-4f45-9708-019B960494DF}">
-                <a14:hiddenLine xmlns="" xmlns:a14="http://schemas.microsoft.com/office/drawing/2010/main" w="9525">
+                <a14:hiddenLine xmlns:a14="http://schemas.microsoft.com/office/drawing/2010/main" xmlns="" w="9525">
                   <a:solidFill>
                     <a:srgbClr val="000000"/>
                   </a:solidFill>
@@ -4077,7 +4076,7 @@
             </a:ln>
             <a:extLst>
               <a:ext uri="{91240B29-F687-4f45-9708-019B960494DF}">
-                <a14:hiddenLine xmlns="" xmlns:a14="http://schemas.microsoft.com/office/drawing/2010/main" w="9525">
+                <a14:hiddenLine xmlns:a14="http://schemas.microsoft.com/office/drawing/2010/main" xmlns="" w="9525">
                   <a:solidFill>
                     <a:srgbClr val="000000"/>
                   </a:solidFill>
@@ -4167,7 +4166,7 @@
             </a:ln>
             <a:extLst>
               <a:ext uri="{91240B29-F687-4f45-9708-019B960494DF}">
-                <a14:hiddenLine xmlns="" xmlns:a14="http://schemas.microsoft.com/office/drawing/2010/main" w="9525">
+                <a14:hiddenLine xmlns:a14="http://schemas.microsoft.com/office/drawing/2010/main" xmlns="" w="9525">
                   <a:solidFill>
                     <a:srgbClr val="000000"/>
                   </a:solidFill>
@@ -4232,7 +4231,7 @@
             </a:ln>
             <a:extLst>
               <a:ext uri="{91240B29-F687-4f45-9708-019B960494DF}">
-                <a14:hiddenLine xmlns="" xmlns:a14="http://schemas.microsoft.com/office/drawing/2010/main" w="9525">
+                <a14:hiddenLine xmlns:a14="http://schemas.microsoft.com/office/drawing/2010/main" xmlns="" w="9525">
                   <a:solidFill>
                     <a:srgbClr val="000000"/>
                   </a:solidFill>
@@ -4294,7 +4293,7 @@
             </a:ln>
             <a:extLst>
               <a:ext uri="{91240B29-F687-4f45-9708-019B960494DF}">
-                <a14:hiddenLine xmlns="" xmlns:a14="http://schemas.microsoft.com/office/drawing/2010/main" w="9525">
+                <a14:hiddenLine xmlns:a14="http://schemas.microsoft.com/office/drawing/2010/main" xmlns="" w="9525">
                   <a:solidFill>
                     <a:srgbClr val="000000"/>
                   </a:solidFill>
@@ -4384,7 +4383,7 @@
             </a:ln>
             <a:extLst>
               <a:ext uri="{91240B29-F687-4f45-9708-019B960494DF}">
-                <a14:hiddenLine xmlns="" xmlns:a14="http://schemas.microsoft.com/office/drawing/2010/main" w="9525">
+                <a14:hiddenLine xmlns:a14="http://schemas.microsoft.com/office/drawing/2010/main" xmlns="" w="9525">
                   <a:solidFill>
                     <a:srgbClr val="000000"/>
                   </a:solidFill>
@@ -4474,7 +4473,7 @@
             </a:ln>
             <a:extLst>
               <a:ext uri="{91240B29-F687-4f45-9708-019B960494DF}">
-                <a14:hiddenLine xmlns="" xmlns:a14="http://schemas.microsoft.com/office/drawing/2010/main" w="9525">
+                <a14:hiddenLine xmlns:a14="http://schemas.microsoft.com/office/drawing/2010/main" xmlns="" w="9525">
                   <a:solidFill>
                     <a:srgbClr val="000000"/>
                   </a:solidFill>
@@ -4536,7 +4535,7 @@
             </a:ln>
             <a:extLst>
               <a:ext uri="{91240B29-F687-4f45-9708-019B960494DF}">
-                <a14:hiddenLine xmlns="" xmlns:a14="http://schemas.microsoft.com/office/drawing/2010/main" w="9525">
+                <a14:hiddenLine xmlns:a14="http://schemas.microsoft.com/office/drawing/2010/main" xmlns="" w="9525">
                   <a:solidFill>
                     <a:srgbClr val="000000"/>
                   </a:solidFill>
@@ -4656,7 +4655,7 @@
             </a:ln>
             <a:extLst>
               <a:ext uri="{91240B29-F687-4f45-9708-019B960494DF}">
-                <a14:hiddenLine xmlns="" xmlns:a14="http://schemas.microsoft.com/office/drawing/2010/main" w="9525">
+                <a14:hiddenLine xmlns:a14="http://schemas.microsoft.com/office/drawing/2010/main" xmlns="" w="9525">
                   <a:solidFill>
                     <a:srgbClr val="000000"/>
                   </a:solidFill>
@@ -4724,7 +4723,7 @@
             </a:ln>
             <a:extLst>
               <a:ext uri="{91240B29-F687-4f45-9708-019B960494DF}">
-                <a14:hiddenLine xmlns="" xmlns:a14="http://schemas.microsoft.com/office/drawing/2010/main" w="9525">
+                <a14:hiddenLine xmlns:a14="http://schemas.microsoft.com/office/drawing/2010/main" xmlns="" w="9525">
                   <a:solidFill>
                     <a:srgbClr val="000000"/>
                   </a:solidFill>
@@ -4814,7 +4813,7 @@
             </a:ln>
             <a:extLst>
               <a:ext uri="{91240B29-F687-4f45-9708-019B960494DF}">
-                <a14:hiddenLine xmlns="" xmlns:a14="http://schemas.microsoft.com/office/drawing/2010/main" w="9525">
+                <a14:hiddenLine xmlns:a14="http://schemas.microsoft.com/office/drawing/2010/main" xmlns="" w="9525">
                   <a:solidFill>
                     <a:srgbClr val="000000"/>
                   </a:solidFill>
@@ -4954,7 +4953,7 @@
           <a:p>
             <a:fld id="{EC4347D3-4C9A-C240-8F14-750059DFEEB0}" type="datetimeFigureOut">
               <a:rPr lang="en-US" smtClean="0"/>
-              <a:t>1/8/25</a:t>
+              <a:t>1/13/25</a:t>
             </a:fld>
             <a:endParaRPr lang="en-US"/>
           </a:p>
@@ -5221,7 +5220,7 @@
           <a:p>
             <a:fld id="{EC4347D3-4C9A-C240-8F14-750059DFEEB0}" type="datetimeFigureOut">
               <a:rPr lang="en-US" smtClean="0"/>
-              <a:t>1/8/25</a:t>
+              <a:t>1/13/25</a:t>
             </a:fld>
             <a:endParaRPr lang="en-US"/>
           </a:p>
@@ -5417,7 +5416,7 @@
           <a:p>
             <a:fld id="{EC4347D3-4C9A-C240-8F14-750059DFEEB0}" type="datetimeFigureOut">
               <a:rPr lang="en-US" smtClean="0"/>
-              <a:t>1/8/25</a:t>
+              <a:t>1/13/25</a:t>
             </a:fld>
             <a:endParaRPr lang="en-US"/>
           </a:p>
@@ -5680,7 +5679,7 @@
           <a:p>
             <a:fld id="{EC4347D3-4C9A-C240-8F14-750059DFEEB0}" type="datetimeFigureOut">
               <a:rPr lang="en-US" smtClean="0"/>
-              <a:t>1/8/25</a:t>
+              <a:t>1/13/25</a:t>
             </a:fld>
             <a:endParaRPr lang="en-US"/>
           </a:p>
@@ -6114,7 +6113,7 @@
           <a:p>
             <a:fld id="{EC4347D3-4C9A-C240-8F14-750059DFEEB0}" type="datetimeFigureOut">
               <a:rPr lang="en-US" smtClean="0"/>
-              <a:t>1/8/25</a:t>
+              <a:t>1/13/25</a:t>
             </a:fld>
             <a:endParaRPr lang="en-US"/>
           </a:p>
@@ -6660,7 +6659,7 @@
           <a:p>
             <a:fld id="{EC4347D3-4C9A-C240-8F14-750059DFEEB0}" type="datetimeFigureOut">
               <a:rPr lang="en-US" smtClean="0"/>
-              <a:t>1/8/25</a:t>
+              <a:t>1/13/25</a:t>
             </a:fld>
             <a:endParaRPr lang="en-US"/>
           </a:p>
@@ -7380,7 +7379,7 @@
           <a:p>
             <a:fld id="{EC4347D3-4C9A-C240-8F14-750059DFEEB0}" type="datetimeFigureOut">
               <a:rPr lang="en-US" smtClean="0"/>
-              <a:t>1/8/25</a:t>
+              <a:t>1/13/25</a:t>
             </a:fld>
             <a:endParaRPr lang="en-US"/>
           </a:p>
@@ -7550,7 +7549,7 @@
           <a:p>
             <a:fld id="{EC4347D3-4C9A-C240-8F14-750059DFEEB0}" type="datetimeFigureOut">
               <a:rPr lang="en-US" smtClean="0"/>
-              <a:t>1/8/25</a:t>
+              <a:t>1/13/25</a:t>
             </a:fld>
             <a:endParaRPr lang="en-US"/>
           </a:p>
@@ -7730,7 +7729,7 @@
           <a:p>
             <a:fld id="{EC4347D3-4C9A-C240-8F14-750059DFEEB0}" type="datetimeFigureOut">
               <a:rPr lang="en-US" smtClean="0"/>
-              <a:t>1/8/25</a:t>
+              <a:t>1/13/25</a:t>
             </a:fld>
             <a:endParaRPr lang="en-US"/>
           </a:p>
@@ -7900,7 +7899,7 @@
           <a:p>
             <a:fld id="{EC4347D3-4C9A-C240-8F14-750059DFEEB0}" type="datetimeFigureOut">
               <a:rPr lang="en-US" smtClean="0"/>
-              <a:t>1/8/25</a:t>
+              <a:t>1/13/25</a:t>
             </a:fld>
             <a:endParaRPr lang="en-US"/>
           </a:p>
@@ -8150,7 +8149,7 @@
           <a:p>
             <a:fld id="{EC4347D3-4C9A-C240-8F14-750059DFEEB0}" type="datetimeFigureOut">
               <a:rPr lang="en-US" smtClean="0"/>
-              <a:t>1/8/25</a:t>
+              <a:t>1/13/25</a:t>
             </a:fld>
             <a:endParaRPr lang="en-US"/>
           </a:p>
@@ -8382,7 +8381,7 @@
           <a:p>
             <a:fld id="{EC4347D3-4C9A-C240-8F14-750059DFEEB0}" type="datetimeFigureOut">
               <a:rPr lang="en-US" smtClean="0"/>
-              <a:t>1/8/25</a:t>
+              <a:t>1/13/25</a:t>
             </a:fld>
             <a:endParaRPr lang="en-US"/>
           </a:p>
@@ -8768,7 +8767,7 @@
           <a:p>
             <a:fld id="{EC4347D3-4C9A-C240-8F14-750059DFEEB0}" type="datetimeFigureOut">
               <a:rPr lang="en-US" smtClean="0"/>
-              <a:t>1/8/25</a:t>
+              <a:t>1/13/25</a:t>
             </a:fld>
             <a:endParaRPr lang="en-US"/>
           </a:p>
@@ -8891,7 +8890,7 @@
           <a:p>
             <a:fld id="{EC4347D3-4C9A-C240-8F14-750059DFEEB0}" type="datetimeFigureOut">
               <a:rPr lang="en-US" smtClean="0"/>
-              <a:t>1/8/25</a:t>
+              <a:t>1/13/25</a:t>
             </a:fld>
             <a:endParaRPr lang="en-US"/>
           </a:p>
@@ -8986,7 +8985,7 @@
           <a:p>
             <a:fld id="{EC4347D3-4C9A-C240-8F14-750059DFEEB0}" type="datetimeFigureOut">
               <a:rPr lang="en-US" smtClean="0"/>
-              <a:t>1/8/25</a:t>
+              <a:t>1/13/25</a:t>
             </a:fld>
             <a:endParaRPr lang="en-US"/>
           </a:p>
@@ -9235,7 +9234,7 @@
           <a:p>
             <a:fld id="{EC4347D3-4C9A-C240-8F14-750059DFEEB0}" type="datetimeFigureOut">
               <a:rPr lang="en-US" smtClean="0"/>
-              <a:t>1/8/25</a:t>
+              <a:t>1/13/25</a:t>
             </a:fld>
             <a:endParaRPr lang="en-US"/>
           </a:p>
@@ -9520,7 +9519,7 @@
           <a:p>
             <a:fld id="{EC4347D3-4C9A-C240-8F14-750059DFEEB0}" type="datetimeFigureOut">
               <a:rPr lang="en-US" smtClean="0"/>
-              <a:t>1/8/25</a:t>
+              <a:t>1/13/25</a:t>
             </a:fld>
             <a:endParaRPr lang="en-US"/>
           </a:p>
@@ -9643,7 +9642,7 @@
           <a:noFill/>
           <a:extLst>
             <a:ext uri="{909E8E84-426E-40dd-AFC4-6F175D3DCCD1}">
-              <a14:hiddenFill xmlns="" xmlns:a14="http://schemas.microsoft.com/office/drawing/2010/main">
+              <a14:hiddenFill xmlns:a14="http://schemas.microsoft.com/office/drawing/2010/main" xmlns="">
                 <a:solidFill>
                   <a:srgbClr val="FFFFFF"/>
                 </a:solidFill>
@@ -9717,7 +9716,7 @@
               </a:ln>
               <a:extLst>
                 <a:ext uri="{91240B29-F687-4f45-9708-019B960494DF}">
-                  <a14:hiddenLine xmlns="" xmlns:a14="http://schemas.microsoft.com/office/drawing/2010/main" w="9525">
+                  <a14:hiddenLine xmlns:a14="http://schemas.microsoft.com/office/drawing/2010/main" xmlns="" w="9525">
                     <a:solidFill>
                       <a:srgbClr val="000000"/>
                     </a:solidFill>
@@ -9807,7 +9806,7 @@
               </a:ln>
               <a:extLst>
                 <a:ext uri="{91240B29-F687-4f45-9708-019B960494DF}">
-                  <a14:hiddenLine xmlns="" xmlns:a14="http://schemas.microsoft.com/office/drawing/2010/main" w="9525">
+                  <a14:hiddenLine xmlns:a14="http://schemas.microsoft.com/office/drawing/2010/main" xmlns="" w="9525">
                     <a:solidFill>
                       <a:srgbClr val="000000"/>
                     </a:solidFill>
@@ -9897,7 +9896,7 @@
               </a:ln>
               <a:extLst>
                 <a:ext uri="{91240B29-F687-4f45-9708-019B960494DF}">
-                  <a14:hiddenLine xmlns="" xmlns:a14="http://schemas.microsoft.com/office/drawing/2010/main" w="9525">
+                  <a14:hiddenLine xmlns:a14="http://schemas.microsoft.com/office/drawing/2010/main" xmlns="" w="9525">
                     <a:solidFill>
                       <a:srgbClr val="000000"/>
                     </a:solidFill>
@@ -9959,7 +9958,7 @@
               </a:ln>
               <a:extLst>
                 <a:ext uri="{91240B29-F687-4f45-9708-019B960494DF}">
-                  <a14:hiddenLine xmlns="" xmlns:a14="http://schemas.microsoft.com/office/drawing/2010/main" w="9525">
+                  <a14:hiddenLine xmlns:a14="http://schemas.microsoft.com/office/drawing/2010/main" xmlns="" w="9525">
                     <a:solidFill>
                       <a:srgbClr val="000000"/>
                     </a:solidFill>
@@ -10049,7 +10048,7 @@
               </a:ln>
               <a:extLst>
                 <a:ext uri="{91240B29-F687-4f45-9708-019B960494DF}">
-                  <a14:hiddenLine xmlns="" xmlns:a14="http://schemas.microsoft.com/office/drawing/2010/main" w="9525">
+                  <a14:hiddenLine xmlns:a14="http://schemas.microsoft.com/office/drawing/2010/main" xmlns="" w="9525">
                     <a:solidFill>
                       <a:srgbClr val="000000"/>
                     </a:solidFill>
@@ -10111,7 +10110,7 @@
               </a:ln>
               <a:extLst>
                 <a:ext uri="{91240B29-F687-4f45-9708-019B960494DF}">
-                  <a14:hiddenLine xmlns="" xmlns:a14="http://schemas.microsoft.com/office/drawing/2010/main" w="9525">
+                  <a14:hiddenLine xmlns:a14="http://schemas.microsoft.com/office/drawing/2010/main" xmlns="" w="9525">
                     <a:solidFill>
                       <a:srgbClr val="000000"/>
                     </a:solidFill>
@@ -10173,7 +10172,7 @@
               </a:ln>
               <a:extLst>
                 <a:ext uri="{91240B29-F687-4f45-9708-019B960494DF}">
-                  <a14:hiddenLine xmlns="" xmlns:a14="http://schemas.microsoft.com/office/drawing/2010/main" w="9525">
+                  <a14:hiddenLine xmlns:a14="http://schemas.microsoft.com/office/drawing/2010/main" xmlns="" w="9525">
                     <a:solidFill>
                       <a:srgbClr val="000000"/>
                     </a:solidFill>
@@ -10263,7 +10262,7 @@
               </a:ln>
               <a:extLst>
                 <a:ext uri="{91240B29-F687-4f45-9708-019B960494DF}">
-                  <a14:hiddenLine xmlns="" xmlns:a14="http://schemas.microsoft.com/office/drawing/2010/main" w="9525">
+                  <a14:hiddenLine xmlns:a14="http://schemas.microsoft.com/office/drawing/2010/main" xmlns="" w="9525">
                     <a:solidFill>
                       <a:srgbClr val="000000"/>
                     </a:solidFill>
@@ -10353,7 +10352,7 @@
               </a:ln>
               <a:extLst>
                 <a:ext uri="{91240B29-F687-4f45-9708-019B960494DF}">
-                  <a14:hiddenLine xmlns="" xmlns:a14="http://schemas.microsoft.com/office/drawing/2010/main" w="9525">
+                  <a14:hiddenLine xmlns:a14="http://schemas.microsoft.com/office/drawing/2010/main" xmlns="" w="9525">
                     <a:solidFill>
                       <a:srgbClr val="000000"/>
                     </a:solidFill>
@@ -10415,7 +10414,7 @@
               </a:ln>
               <a:extLst>
                 <a:ext uri="{91240B29-F687-4f45-9708-019B960494DF}">
-                  <a14:hiddenLine xmlns="" xmlns:a14="http://schemas.microsoft.com/office/drawing/2010/main" w="9525">
+                  <a14:hiddenLine xmlns:a14="http://schemas.microsoft.com/office/drawing/2010/main" xmlns="" w="9525">
                     <a:solidFill>
                       <a:srgbClr val="000000"/>
                     </a:solidFill>
@@ -10525,7 +10524,7 @@
               </a:ln>
               <a:extLst>
                 <a:ext uri="{91240B29-F687-4f45-9708-019B960494DF}">
-                  <a14:hiddenLine xmlns="" xmlns:a14="http://schemas.microsoft.com/office/drawing/2010/main" w="9525">
+                  <a14:hiddenLine xmlns:a14="http://schemas.microsoft.com/office/drawing/2010/main" xmlns="" w="9525">
                     <a:solidFill>
                       <a:srgbClr val="000000"/>
                     </a:solidFill>
@@ -10609,7 +10608,7 @@
               </a:ln>
               <a:extLst>
                 <a:ext uri="{91240B29-F687-4f45-9708-019B960494DF}">
-                  <a14:hiddenLine xmlns="" xmlns:a14="http://schemas.microsoft.com/office/drawing/2010/main" w="9525">
+                  <a14:hiddenLine xmlns:a14="http://schemas.microsoft.com/office/drawing/2010/main" xmlns="" w="9525">
                     <a:solidFill>
                       <a:srgbClr val="000000"/>
                     </a:solidFill>
@@ -10671,7 +10670,7 @@
               </a:ln>
               <a:extLst>
                 <a:ext uri="{91240B29-F687-4f45-9708-019B960494DF}">
-                  <a14:hiddenLine xmlns="" xmlns:a14="http://schemas.microsoft.com/office/drawing/2010/main" w="9525">
+                  <a14:hiddenLine xmlns:a14="http://schemas.microsoft.com/office/drawing/2010/main" xmlns="" w="9525">
                     <a:solidFill>
                       <a:srgbClr val="000000"/>
                     </a:solidFill>
@@ -10733,7 +10732,7 @@
               </a:ln>
               <a:extLst>
                 <a:ext uri="{91240B29-F687-4f45-9708-019B960494DF}">
-                  <a14:hiddenLine xmlns="" xmlns:a14="http://schemas.microsoft.com/office/drawing/2010/main" w="9525">
+                  <a14:hiddenLine xmlns:a14="http://schemas.microsoft.com/office/drawing/2010/main" xmlns="" w="9525">
                     <a:solidFill>
                       <a:srgbClr val="000000"/>
                     </a:solidFill>
@@ -10823,7 +10822,7 @@
               </a:ln>
               <a:extLst>
                 <a:ext uri="{91240B29-F687-4f45-9708-019B960494DF}">
-                  <a14:hiddenLine xmlns="" xmlns:a14="http://schemas.microsoft.com/office/drawing/2010/main" w="9525">
+                  <a14:hiddenLine xmlns:a14="http://schemas.microsoft.com/office/drawing/2010/main" xmlns="" w="9525">
                     <a:solidFill>
                       <a:srgbClr val="000000"/>
                     </a:solidFill>
@@ -10857,7 +10856,7 @@
               </a:ln>
               <a:extLst>
                 <a:ext uri="{91240B29-F687-4f45-9708-019B960494DF}">
-                  <a14:hiddenLine xmlns="" xmlns:a14="http://schemas.microsoft.com/office/drawing/2010/main" w="9525">
+                  <a14:hiddenLine xmlns:a14="http://schemas.microsoft.com/office/drawing/2010/main" xmlns="" w="9525">
                     <a:solidFill>
                       <a:srgbClr val="000000"/>
                     </a:solidFill>
@@ -10922,7 +10921,7 @@
               </a:ln>
               <a:extLst>
                 <a:ext uri="{91240B29-F687-4f45-9708-019B960494DF}">
-                  <a14:hiddenLine xmlns="" xmlns:a14="http://schemas.microsoft.com/office/drawing/2010/main" w="9525">
+                  <a14:hiddenLine xmlns:a14="http://schemas.microsoft.com/office/drawing/2010/main" xmlns="" w="9525">
                     <a:solidFill>
                       <a:srgbClr val="000000"/>
                     </a:solidFill>
@@ -11012,7 +11011,7 @@
               </a:ln>
               <a:extLst>
                 <a:ext uri="{91240B29-F687-4f45-9708-019B960494DF}">
-                  <a14:hiddenLine xmlns="" xmlns:a14="http://schemas.microsoft.com/office/drawing/2010/main" w="9525">
+                  <a14:hiddenLine xmlns:a14="http://schemas.microsoft.com/office/drawing/2010/main" xmlns="" w="9525">
                     <a:solidFill>
                       <a:srgbClr val="000000"/>
                     </a:solidFill>
@@ -11074,7 +11073,7 @@
               </a:ln>
               <a:extLst>
                 <a:ext uri="{91240B29-F687-4f45-9708-019B960494DF}">
-                  <a14:hiddenLine xmlns="" xmlns:a14="http://schemas.microsoft.com/office/drawing/2010/main" w="9525">
+                  <a14:hiddenLine xmlns:a14="http://schemas.microsoft.com/office/drawing/2010/main" xmlns="" w="9525">
                     <a:solidFill>
                       <a:srgbClr val="000000"/>
                     </a:solidFill>
@@ -11164,7 +11163,7 @@
               </a:ln>
               <a:extLst>
                 <a:ext uri="{91240B29-F687-4f45-9708-019B960494DF}">
-                  <a14:hiddenLine xmlns="" xmlns:a14="http://schemas.microsoft.com/office/drawing/2010/main" w="9525">
+                  <a14:hiddenLine xmlns:a14="http://schemas.microsoft.com/office/drawing/2010/main" xmlns="" w="9525">
                     <a:solidFill>
                       <a:srgbClr val="000000"/>
                     </a:solidFill>
@@ -11229,7 +11228,7 @@
               </a:ln>
               <a:extLst>
                 <a:ext uri="{91240B29-F687-4f45-9708-019B960494DF}">
-                  <a14:hiddenLine xmlns="" xmlns:a14="http://schemas.microsoft.com/office/drawing/2010/main" w="9525">
+                  <a14:hiddenLine xmlns:a14="http://schemas.microsoft.com/office/drawing/2010/main" xmlns="" w="9525">
                     <a:solidFill>
                       <a:srgbClr val="000000"/>
                     </a:solidFill>
@@ -11291,7 +11290,7 @@
               </a:ln>
               <a:extLst>
                 <a:ext uri="{91240B29-F687-4f45-9708-019B960494DF}">
-                  <a14:hiddenLine xmlns="" xmlns:a14="http://schemas.microsoft.com/office/drawing/2010/main" w="9525">
+                  <a14:hiddenLine xmlns:a14="http://schemas.microsoft.com/office/drawing/2010/main" xmlns="" w="9525">
                     <a:solidFill>
                       <a:srgbClr val="000000"/>
                     </a:solidFill>
@@ -11381,7 +11380,7 @@
               </a:ln>
               <a:extLst>
                 <a:ext uri="{91240B29-F687-4f45-9708-019B960494DF}">
-                  <a14:hiddenLine xmlns="" xmlns:a14="http://schemas.microsoft.com/office/drawing/2010/main" w="9525">
+                  <a14:hiddenLine xmlns:a14="http://schemas.microsoft.com/office/drawing/2010/main" xmlns="" w="9525">
                     <a:solidFill>
                       <a:srgbClr val="000000"/>
                     </a:solidFill>
@@ -11471,7 +11470,7 @@
               </a:ln>
               <a:extLst>
                 <a:ext uri="{91240B29-F687-4f45-9708-019B960494DF}">
-                  <a14:hiddenLine xmlns="" xmlns:a14="http://schemas.microsoft.com/office/drawing/2010/main" w="9525">
+                  <a14:hiddenLine xmlns:a14="http://schemas.microsoft.com/office/drawing/2010/main" xmlns="" w="9525">
                     <a:solidFill>
                       <a:srgbClr val="000000"/>
                     </a:solidFill>
@@ -11536,7 +11535,7 @@
               </a:ln>
               <a:extLst>
                 <a:ext uri="{91240B29-F687-4f45-9708-019B960494DF}">
-                  <a14:hiddenLine xmlns="" xmlns:a14="http://schemas.microsoft.com/office/drawing/2010/main" w="9525">
+                  <a14:hiddenLine xmlns:a14="http://schemas.microsoft.com/office/drawing/2010/main" xmlns="" w="9525">
                     <a:solidFill>
                       <a:srgbClr val="000000"/>
                     </a:solidFill>
@@ -11656,7 +11655,7 @@
               </a:ln>
               <a:extLst>
                 <a:ext uri="{91240B29-F687-4f45-9708-019B960494DF}">
-                  <a14:hiddenLine xmlns="" xmlns:a14="http://schemas.microsoft.com/office/drawing/2010/main" w="9525">
+                  <a14:hiddenLine xmlns:a14="http://schemas.microsoft.com/office/drawing/2010/main" xmlns="" w="9525">
                     <a:solidFill>
                       <a:srgbClr val="000000"/>
                     </a:solidFill>
@@ -11737,7 +11736,7 @@
               </a:ln>
               <a:extLst>
                 <a:ext uri="{91240B29-F687-4f45-9708-019B960494DF}">
-                  <a14:hiddenLine xmlns="" xmlns:a14="http://schemas.microsoft.com/office/drawing/2010/main" w="9525">
+                  <a14:hiddenLine xmlns:a14="http://schemas.microsoft.com/office/drawing/2010/main" xmlns="" w="9525">
                     <a:solidFill>
                       <a:srgbClr val="000000"/>
                     </a:solidFill>
@@ -11852,7 +11851,7 @@
               </a:ln>
               <a:extLst>
                 <a:ext uri="{91240B29-F687-4f45-9708-019B960494DF}">
-                  <a14:hiddenLine xmlns="" xmlns:a14="http://schemas.microsoft.com/office/drawing/2010/main" w="9525">
+                  <a14:hiddenLine xmlns:a14="http://schemas.microsoft.com/office/drawing/2010/main" xmlns="" w="9525">
                     <a:solidFill>
                       <a:srgbClr val="000000"/>
                     </a:solidFill>
@@ -11942,7 +11941,7 @@
               </a:ln>
               <a:extLst>
                 <a:ext uri="{91240B29-F687-4f45-9708-019B960494DF}">
-                  <a14:hiddenLine xmlns="" xmlns:a14="http://schemas.microsoft.com/office/drawing/2010/main" w="9525">
+                  <a14:hiddenLine xmlns:a14="http://schemas.microsoft.com/office/drawing/2010/main" xmlns="" w="9525">
                     <a:solidFill>
                       <a:srgbClr val="000000"/>
                     </a:solidFill>
@@ -12007,7 +12006,7 @@
               </a:ln>
               <a:extLst>
                 <a:ext uri="{91240B29-F687-4f45-9708-019B960494DF}">
-                  <a14:hiddenLine xmlns="" xmlns:a14="http://schemas.microsoft.com/office/drawing/2010/main" w="9525">
+                  <a14:hiddenLine xmlns:a14="http://schemas.microsoft.com/office/drawing/2010/main" xmlns="" w="9525">
                     <a:solidFill>
                       <a:srgbClr val="000000"/>
                     </a:solidFill>
@@ -12097,7 +12096,7 @@
               </a:ln>
               <a:extLst>
                 <a:ext uri="{91240B29-F687-4f45-9708-019B960494DF}">
-                  <a14:hiddenLine xmlns="" xmlns:a14="http://schemas.microsoft.com/office/drawing/2010/main" w="9525">
+                  <a14:hiddenLine xmlns:a14="http://schemas.microsoft.com/office/drawing/2010/main" xmlns="" w="9525">
                     <a:solidFill>
                       <a:srgbClr val="000000"/>
                     </a:solidFill>
@@ -12165,7 +12164,7 @@
               </a:ln>
               <a:extLst>
                 <a:ext uri="{91240B29-F687-4f45-9708-019B960494DF}">
-                  <a14:hiddenLine xmlns="" xmlns:a14="http://schemas.microsoft.com/office/drawing/2010/main" w="9525">
+                  <a14:hiddenLine xmlns:a14="http://schemas.microsoft.com/office/drawing/2010/main" xmlns="" w="9525">
                     <a:solidFill>
                       <a:srgbClr val="000000"/>
                     </a:solidFill>
@@ -12255,7 +12254,7 @@
               </a:ln>
               <a:extLst>
                 <a:ext uri="{91240B29-F687-4f45-9708-019B960494DF}">
-                  <a14:hiddenLine xmlns="" xmlns:a14="http://schemas.microsoft.com/office/drawing/2010/main" w="9525">
+                  <a14:hiddenLine xmlns:a14="http://schemas.microsoft.com/office/drawing/2010/main" xmlns="" w="9525">
                     <a:solidFill>
                       <a:srgbClr val="000000"/>
                     </a:solidFill>
@@ -12323,7 +12322,7 @@
               </a:ln>
               <a:extLst>
                 <a:ext uri="{91240B29-F687-4f45-9708-019B960494DF}">
-                  <a14:hiddenLine xmlns="" xmlns:a14="http://schemas.microsoft.com/office/drawing/2010/main" w="9525">
+                  <a14:hiddenLine xmlns:a14="http://schemas.microsoft.com/office/drawing/2010/main" xmlns="" w="9525">
                     <a:solidFill>
                       <a:srgbClr val="000000"/>
                     </a:solidFill>
@@ -12413,7 +12412,7 @@
               </a:ln>
               <a:extLst>
                 <a:ext uri="{91240B29-F687-4f45-9708-019B960494DF}">
-                  <a14:hiddenLine xmlns="" xmlns:a14="http://schemas.microsoft.com/office/drawing/2010/main" w="9525">
+                  <a14:hiddenLine xmlns:a14="http://schemas.microsoft.com/office/drawing/2010/main" xmlns="" w="9525">
                     <a:solidFill>
                       <a:srgbClr val="000000"/>
                     </a:solidFill>
@@ -12447,7 +12446,7 @@
               </a:ln>
               <a:extLst>
                 <a:ext uri="{91240B29-F687-4f45-9708-019B960494DF}">
-                  <a14:hiddenLine xmlns="" xmlns:a14="http://schemas.microsoft.com/office/drawing/2010/main" w="9525">
+                  <a14:hiddenLine xmlns:a14="http://schemas.microsoft.com/office/drawing/2010/main" xmlns="" w="9525">
                     <a:solidFill>
                       <a:srgbClr val="000000"/>
                     </a:solidFill>
@@ -12587,7 +12586,7 @@
           <a:p>
             <a:fld id="{EC4347D3-4C9A-C240-8F14-750059DFEEB0}" type="datetimeFigureOut">
               <a:rPr lang="en-US" smtClean="0"/>
-              <a:t>1/8/25</a:t>
+              <a:t>1/13/25</a:t>
             </a:fld>
             <a:endParaRPr lang="en-US"/>
           </a:p>
@@ -14240,6 +14239,13 @@
           </a:p>
           <a:p>
             <a:pPr lvl="1"/>
+            <a:r>
+              <a:rPr lang="en-US" b="1" i="1" u="sng" dirty="0"/>
+              <a:t>Some material (like extra examples or homework help) will NOT be in the recording</a:t>
+            </a:r>
+          </a:p>
+          <a:p>
+            <a:pPr lvl="1"/>
             <a:endParaRPr lang="en-US" dirty="0"/>
           </a:p>
           <a:p>
@@ -14893,58 +14899,24 @@
           <a:p>
             <a:r>
               <a:rPr lang="en-US" dirty="0"/>
-              <a:t>Two possible outcomes </a:t>
-            </a:r>
-            <a:r>
-              <a:rPr lang="en-US" b="1" i="1" u="sng" dirty="0"/>
-              <a:t>for each quiz (first attempt only)</a:t>
-            </a:r>
-            <a:r>
-              <a:rPr lang="en-US" dirty="0"/>
-              <a:t>:</a:t>
+              <a:t>You always receive the highest grade over all attempts (e.g., final exam retakes</a:t>
             </a:r>
           </a:p>
           <a:p>
             <a:pPr lvl="1"/>
             <a:r>
-              <a:rPr lang="en-US" b="1" i="1" u="sng" dirty="0"/>
-              <a:t>grade &lt;= 90 %</a:t>
-            </a:r>
-            <a:r>
-              <a:rPr lang="en-US" dirty="0"/>
-              <a:t>: You earn the grade as shown</a:t>
+              <a:rPr lang="en-US" dirty="0"/>
+              <a:t>E.g., if you receive a 16/20 during midterm, and 13/20 during retake you still earn the 16/20 on that quiz.</a:t>
             </a:r>
           </a:p>
           <a:p>
             <a:pPr lvl="1"/>
-            <a:r>
-              <a:rPr lang="en-US" b="1" i="1" u="sng" dirty="0"/>
-              <a:t>grade &gt; 90 %:</a:t>
-            </a:r>
-            <a:r>
-              <a:rPr lang="en-US" dirty="0"/>
-              <a:t> Grade is rounded up to a 100% (mastery!)</a:t>
-            </a:r>
-          </a:p>
-          <a:p>
             <a:endParaRPr lang="en-US" dirty="0"/>
           </a:p>
           <a:p>
             <a:r>
               <a:rPr lang="en-US" dirty="0"/>
-              <a:t>You always receive the highest grade over all attempts (e.g., final exam retakes</a:t>
-            </a:r>
-          </a:p>
-          <a:p>
-            <a:r>
-              <a:rPr lang="en-US" dirty="0"/>
-              <a:t>Quizzes taken during the final exam session do not round</a:t>
-            </a:r>
-          </a:p>
-          <a:p>
-            <a:r>
-              <a:rPr lang="en-US" dirty="0"/>
-              <a:t>If you earn above a 90%, rounding is meant to ensure you don’t take the retake on the final exam day if you did really well on the first attempt.</a:t>
+              <a:t>You should always prioritize retaking quizzes with the lowest grades (somewhat obvious).</a:t>
             </a:r>
           </a:p>
         </p:txBody>
@@ -16252,7 +16224,7 @@
       </p:grpSpPr>
       <p:sp>
         <p:nvSpPr>
-          <p:cNvPr id="16386" name="Title 1"/>
+          <p:cNvPr id="17410" name="Title 1"/>
           <p:cNvSpPr>
             <a:spLocks noGrp="1"/>
           </p:cNvSpPr>
@@ -16262,8 +16234,8 @@
         </p:nvSpPr>
         <p:spPr>
           <a:xfrm>
-            <a:off x="1141413" y="397455"/>
-            <a:ext cx="9905998" cy="828445"/>
+            <a:off x="1141413" y="457745"/>
+            <a:ext cx="9905998" cy="874078"/>
           </a:xfrm>
         </p:spPr>
         <p:txBody>
@@ -16273,14 +16245,14 @@
             <a:pPr algn="ctr"/>
             <a:r>
               <a:rPr lang="en-US" dirty="0"/>
-              <a:t>Homework: Programming Hints</a:t>
-            </a:r>
-          </a:p>
-        </p:txBody>
-      </p:sp>
-      <p:sp>
-        <p:nvSpPr>
-          <p:cNvPr id="16387" name="Content Placeholder 2"/>
+              <a:t>Homework: Written</a:t>
+            </a:r>
+          </a:p>
+        </p:txBody>
+      </p:sp>
+      <p:sp>
+        <p:nvSpPr>
+          <p:cNvPr id="17411" name="Content Placeholder 2"/>
           <p:cNvSpPr>
             <a:spLocks noGrp="1"/>
           </p:cNvSpPr>
@@ -16290,116 +16262,48 @@
         </p:nvSpPr>
         <p:spPr>
           <a:xfrm>
-            <a:off x="1371600" y="1526633"/>
-            <a:ext cx="9654176" cy="4950367"/>
+            <a:off x="1621861" y="1644997"/>
+            <a:ext cx="9274739" cy="4755803"/>
           </a:xfrm>
         </p:spPr>
         <p:txBody>
-          <a:bodyPr>
-            <a:normAutofit fontScale="92500" lnSpcReduction="10000"/>
-          </a:bodyPr>
+          <a:bodyPr/>
           <a:lstStyle/>
           <a:p>
             <a:r>
               <a:rPr lang="en-US" dirty="0"/>
-              <a:t>Understand the problem!</a:t>
-            </a:r>
-          </a:p>
-          <a:p>
-            <a:r>
-              <a:rPr lang="en-US" dirty="0"/>
-              <a:t>Consider all boundary cases</a:t>
-            </a:r>
-          </a:p>
-          <a:p>
-            <a:r>
-              <a:rPr lang="en-US" dirty="0"/>
-              <a:t>Use pre-existing library code</a:t>
-            </a:r>
-          </a:p>
-          <a:p>
-            <a:pPr lvl="1"/>
-            <a:r>
-              <a:rPr lang="en-US" dirty="0"/>
-              <a:t>Number formatting: </a:t>
+              <a:t>These assignments must be typeset in </a:t>
             </a:r>
             <a:r>
               <a:rPr lang="en-US" dirty="0" err="1"/>
-              <a:t>NumberFormat</a:t>
-            </a:r>
-            <a:r>
-              <a:rPr lang="en-US" dirty="0"/>
-              <a:t> in Java, </a:t>
-            </a:r>
-            <a:r>
-              <a:rPr lang="en-US" dirty="0" err="1"/>
-              <a:t>printf</a:t>
-            </a:r>
-            <a:r>
-              <a:rPr lang="en-US" dirty="0"/>
-              <a:t>() in C/C++</a:t>
-            </a:r>
-          </a:p>
-          <a:p>
-            <a:pPr lvl="1"/>
-            <a:r>
-              <a:rPr lang="en-US" dirty="0"/>
-              <a:t>Input: Scanner in Java, </a:t>
-            </a:r>
-            <a:r>
-              <a:rPr lang="en-US" dirty="0" err="1"/>
-              <a:t>scanf</a:t>
-            </a:r>
-            <a:r>
-              <a:rPr lang="en-US" dirty="0"/>
-              <a:t>() in C, </a:t>
-            </a:r>
-            <a:r>
-              <a:rPr lang="en-US" dirty="0" err="1"/>
-              <a:t>cin</a:t>
-            </a:r>
-            <a:r>
-              <a:rPr lang="en-US" dirty="0"/>
-              <a:t> in C++</a:t>
-            </a:r>
-          </a:p>
-          <a:p>
-            <a:r>
-              <a:rPr lang="en-US" dirty="0"/>
-              <a:t>Know how to handle floating point numbers</a:t>
-            </a:r>
-          </a:p>
-          <a:p>
-            <a:pPr lvl="1"/>
-            <a:r>
-              <a:rPr lang="en-US" dirty="0"/>
-              <a:t>Understand float/double precision issues</a:t>
-            </a:r>
-          </a:p>
-          <a:p>
-            <a:pPr lvl="1"/>
-            <a:r>
-              <a:rPr lang="en-US" dirty="0"/>
-              <a:t>Rounding, floating-point mod</a:t>
-            </a:r>
-          </a:p>
-          <a:p>
-            <a:r>
-              <a:rPr lang="en-US" dirty="0"/>
-              <a:t>Make sure it works for the provided test cases</a:t>
-            </a:r>
-          </a:p>
-          <a:p>
-            <a:r>
-              <a:rPr lang="en-US" dirty="0"/>
-              <a:t>Then write some of your own</a:t>
-            </a:r>
-          </a:p>
-          <a:p>
-            <a:r>
-              <a:rPr lang="en-US" dirty="0"/>
-              <a:t>Make sure you read the language specific details for submission!!!</a:t>
-            </a:r>
+              <a:t>LaTeX</a:t>
+            </a:r>
+            <a:endParaRPr lang="en-US" dirty="0"/>
+          </a:p>
+          <a:p>
+            <a:endParaRPr lang="en-US" dirty="0"/>
+          </a:p>
+          <a:p>
+            <a:r>
+              <a:rPr lang="en-US" dirty="0"/>
+              <a:t>I will provide a couple tutorials, guides, and templates when the first assignment is given out</a:t>
+            </a:r>
+          </a:p>
+          <a:p>
+            <a:endParaRPr lang="en-US" dirty="0"/>
+          </a:p>
+          <a:p>
+            <a:r>
+              <a:rPr lang="en-US" b="1" i="1" u="sng" dirty="0"/>
+              <a:t>You may not embed images of text or formulas</a:t>
+            </a:r>
+            <a:r>
+              <a:rPr lang="en-US" dirty="0"/>
+              <a:t>!</a:t>
+            </a:r>
+          </a:p>
+          <a:p>
+            <a:endParaRPr lang="en-US" dirty="0"/>
           </a:p>
         </p:txBody>
       </p:sp>
@@ -16430,7 +16334,7 @@
     </p:spTree>
     <p:extLst>
       <p:ext uri="{BB962C8B-B14F-4D97-AF65-F5344CB8AC3E}">
-        <p14:creationId xmlns:p14="http://schemas.microsoft.com/office/powerpoint/2010/main" val="1237736184"/>
+        <p14:creationId xmlns:p14="http://schemas.microsoft.com/office/powerpoint/2010/main" val="4248825475"/>
       </p:ext>
     </p:extLst>
   </p:cSld>
@@ -16459,7 +16363,13 @@
       </p:grpSpPr>
       <p:sp>
         <p:nvSpPr>
-          <p:cNvPr id="2" name="Title 1"/>
+          <p:cNvPr id="2" name="Title 1">
+            <a:extLst>
+              <a:ext uri="{FF2B5EF4-FFF2-40B4-BE49-F238E27FC236}">
+                <a16:creationId xmlns:a16="http://schemas.microsoft.com/office/drawing/2014/main" id="{8E5DC06E-652D-CD40-8782-E878E11BC092}"/>
+              </a:ext>
+            </a:extLst>
+          </p:cNvPr>
           <p:cNvSpPr>
             <a:spLocks noGrp="1"/>
           </p:cNvSpPr>
@@ -16469,8 +16379,8 @@
         </p:nvSpPr>
         <p:spPr>
           <a:xfrm>
-            <a:off x="1141413" y="437648"/>
-            <a:ext cx="9905998" cy="794787"/>
+            <a:off x="1141413" y="538132"/>
+            <a:ext cx="9905998" cy="799137"/>
           </a:xfrm>
         </p:spPr>
         <p:txBody>
@@ -16480,14 +16390,20 @@
             <a:pPr algn="ctr"/>
             <a:r>
               <a:rPr lang="en-US" dirty="0"/>
-              <a:t>Homework: Programming FAQ</a:t>
-            </a:r>
-          </a:p>
-        </p:txBody>
-      </p:sp>
-      <p:sp>
-        <p:nvSpPr>
-          <p:cNvPr id="4" name="Content Placeholder 3"/>
+              <a:t>Use of Online Code Etc.</a:t>
+            </a:r>
+          </a:p>
+        </p:txBody>
+      </p:sp>
+      <p:sp>
+        <p:nvSpPr>
+          <p:cNvPr id="4" name="Content Placeholder 3">
+            <a:extLst>
+              <a:ext uri="{FF2B5EF4-FFF2-40B4-BE49-F238E27FC236}">
+                <a16:creationId xmlns:a16="http://schemas.microsoft.com/office/drawing/2014/main" id="{8C2A69A9-9079-244C-BEAE-11CF7ACAB26E}"/>
+              </a:ext>
+            </a:extLst>
+          </p:cNvPr>
           <p:cNvSpPr>
             <a:spLocks noGrp="1"/>
           </p:cNvSpPr>
@@ -16497,26 +16413,44 @@
         </p:nvSpPr>
         <p:spPr>
           <a:xfrm>
-            <a:off x="1467229" y="1718106"/>
-            <a:ext cx="9429371" cy="4835094"/>
+            <a:off x="1447800" y="1722456"/>
+            <a:ext cx="9420888" cy="4830744"/>
           </a:xfrm>
         </p:spPr>
         <p:txBody>
           <a:bodyPr>
-            <a:normAutofit fontScale="92500" lnSpcReduction="10000"/>
+            <a:normAutofit fontScale="92500"/>
           </a:bodyPr>
           <a:lstStyle/>
           <a:p>
             <a:r>
-              <a:rPr lang="en-US" dirty="0"/>
-              <a:t>Do I need to write my own sorting methods.</a:t>
+              <a:rPr lang="en-US" u="sng" dirty="0"/>
+              <a:t>Studying</a:t>
+            </a:r>
+            <a:r>
+              <a:rPr lang="en-US" dirty="0"/>
+              <a:t> code or proofs online is permitted </a:t>
+            </a:r>
+            <a:r>
+              <a:rPr lang="en-US" u="sng" dirty="0"/>
+              <a:t>but only</a:t>
+            </a:r>
+            <a:r>
+              <a:rPr lang="en-US" dirty="0"/>
+              <a:t> for getting ideas</a:t>
+            </a:r>
+          </a:p>
+          <a:p>
+            <a:r>
+              <a:rPr lang="en-US" dirty="0"/>
+              <a:t>Copying or reusing code or proofs from an online source violates the pledge</a:t>
             </a:r>
           </a:p>
           <a:p>
             <a:pPr lvl="1"/>
             <a:r>
               <a:rPr lang="en-US" dirty="0"/>
-              <a:t>No, unless the point of that assignment is to write sorting methods, you can use libraries for this.</a:t>
+              <a:t>You must cite sources of any online code you use in this way in a comment in your source file(s)</a:t>
             </a:r>
           </a:p>
           <a:p>
@@ -16526,38 +16460,90 @@
           <a:p>
             <a:r>
               <a:rPr lang="en-US" dirty="0"/>
-              <a:t>Can I get the test cases from submission server?</a:t>
+              <a:t>Remember:  the purpose of the homework is</a:t>
             </a:r>
           </a:p>
           <a:p>
             <a:pPr lvl="1"/>
             <a:r>
               <a:rPr lang="en-US" dirty="0"/>
-              <a:t>No, part of the point is to work on brainstorming cases your code is missing without being told. Submission server will give limited feedback on purpose!</a:t>
+              <a:t>To </a:t>
+            </a:r>
+            <a:r>
+              <a:rPr lang="en-US" b="1" i="1" u="sng" dirty="0"/>
+              <a:t>practice</a:t>
+            </a:r>
+            <a:r>
+              <a:rPr lang="en-US" dirty="0"/>
+              <a:t> in an environment that is lower-stress</a:t>
             </a:r>
           </a:p>
           <a:p>
             <a:pPr lvl="1"/>
+            <a:r>
+              <a:rPr lang="en-US" dirty="0"/>
+              <a:t>To </a:t>
+            </a:r>
+            <a:r>
+              <a:rPr lang="en-US" b="1" i="1" u="sng" dirty="0"/>
+              <a:t>push yourself </a:t>
+            </a:r>
+            <a:r>
+              <a:rPr lang="en-US" dirty="0"/>
+              <a:t>to solve think about the theory of computation and to prepare you for the quizzes, NOT just to get a grade.</a:t>
+            </a:r>
+          </a:p>
+          <a:p>
+            <a:pPr lvl="1"/>
+            <a:r>
+              <a:rPr lang="en-US" dirty="0"/>
+              <a:t>To </a:t>
+            </a:r>
+            <a:r>
+              <a:rPr lang="en-US" b="1" i="1" u="sng" dirty="0"/>
+              <a:t>work out the logical part </a:t>
+            </a:r>
+            <a:r>
+              <a:rPr lang="en-US" dirty="0"/>
+              <a:t>of your brain </a:t>
+            </a:r>
+            <a:r>
+              <a:rPr lang="en-US" dirty="0">
+                <a:sym typeface="Wingdings" pitchFamily="2" charset="2"/>
+              </a:rPr>
+              <a:t></a:t>
+            </a:r>
             <a:endParaRPr lang="en-US" dirty="0"/>
           </a:p>
           <a:p>
-            <a:r>
-              <a:rPr lang="en-US" dirty="0"/>
-              <a:t>Will you help me debug my code?</a:t>
-            </a:r>
-          </a:p>
-          <a:p>
             <a:pPr lvl="1"/>
             <a:r>
               <a:rPr lang="en-US" dirty="0"/>
-              <a:t>No, we won’t. You need to learn how to do this on your own. I’m happy to give you advice on how to approach your debugging problems, but I will not sit down and debug code with you.</a:t>
-            </a:r>
-          </a:p>
-        </p:txBody>
-      </p:sp>
-      <p:sp>
-        <p:nvSpPr>
-          <p:cNvPr id="3" name="Slide Number Placeholder 2"/>
+              <a:t>To focus on </a:t>
+            </a:r>
+            <a:r>
+              <a:rPr lang="en-US" b="1" i="1" u="sng" dirty="0"/>
+              <a:t>attempting to solve problems yourself </a:t>
+            </a:r>
+            <a:r>
+              <a:rPr lang="en-US" dirty="0"/>
+              <a:t>before asking others for assistance.</a:t>
+            </a:r>
+          </a:p>
+          <a:p>
+            <a:endParaRPr lang="en-US" dirty="0"/>
+          </a:p>
+        </p:txBody>
+      </p:sp>
+      <p:sp>
+        <p:nvSpPr>
+          <p:cNvPr id="3" name="Slide Number Placeholder 2">
+            <a:extLst>
+              <a:ext uri="{FF2B5EF4-FFF2-40B4-BE49-F238E27FC236}">
+                <a16:creationId xmlns:a16="http://schemas.microsoft.com/office/drawing/2014/main" id="{56136DFE-FBB4-E24C-ABB6-77FCF4FCA26D}"/>
+              </a:ext>
+            </a:extLst>
+          </p:cNvPr>
           <p:cNvSpPr>
             <a:spLocks noGrp="1"/>
           </p:cNvSpPr>
@@ -16582,7 +16568,7 @@
     </p:spTree>
     <p:extLst>
       <p:ext uri="{BB962C8B-B14F-4D97-AF65-F5344CB8AC3E}">
-        <p14:creationId xmlns:p14="http://schemas.microsoft.com/office/powerpoint/2010/main" val="109002242"/>
+        <p14:creationId xmlns:p14="http://schemas.microsoft.com/office/powerpoint/2010/main" val="3316639139"/>
       </p:ext>
     </p:extLst>
   </p:cSld>
@@ -16611,7 +16597,7 @@
       </p:grpSpPr>
       <p:sp>
         <p:nvSpPr>
-          <p:cNvPr id="17410" name="Title 1"/>
+          <p:cNvPr id="18434" name="Title 1"/>
           <p:cNvSpPr>
             <a:spLocks noGrp="1"/>
           </p:cNvSpPr>
@@ -16621,8 +16607,8 @@
         </p:nvSpPr>
         <p:spPr>
           <a:xfrm>
-            <a:off x="1141413" y="457745"/>
-            <a:ext cx="9905998" cy="874078"/>
+            <a:off x="1141413" y="427600"/>
+            <a:ext cx="9905998" cy="823212"/>
           </a:xfrm>
         </p:spPr>
         <p:txBody>
@@ -16632,14 +16618,14 @@
             <a:pPr algn="ctr"/>
             <a:r>
               <a:rPr lang="en-US" dirty="0"/>
-              <a:t>Homework: Written</a:t>
-            </a:r>
-          </a:p>
-        </p:txBody>
-      </p:sp>
-      <p:sp>
-        <p:nvSpPr>
-          <p:cNvPr id="17411" name="Content Placeholder 2"/>
+              <a:t>Working in groups</a:t>
+            </a:r>
+          </a:p>
+        </p:txBody>
+      </p:sp>
+      <p:sp>
+        <p:nvSpPr>
+          <p:cNvPr id="18435" name="Content Placeholder 2"/>
           <p:cNvSpPr>
             <a:spLocks noGrp="1"/>
           </p:cNvSpPr>
@@ -16649,44 +16635,58 @@
         </p:nvSpPr>
         <p:spPr>
           <a:xfrm>
-            <a:off x="1621861" y="1644997"/>
-            <a:ext cx="9274739" cy="4755803"/>
+            <a:off x="1305446" y="1441730"/>
+            <a:ext cx="9819754" cy="5035270"/>
           </a:xfrm>
         </p:spPr>
         <p:txBody>
-          <a:bodyPr/>
+          <a:bodyPr>
+            <a:normAutofit/>
+          </a:bodyPr>
           <a:lstStyle/>
           <a:p>
             <a:r>
               <a:rPr lang="en-US" dirty="0"/>
-              <a:t>These assignments must be typeset in </a:t>
+              <a:t>For the homework, you may work together in groups of 3 or less (written assignments)</a:t>
+            </a:r>
+          </a:p>
+          <a:p>
+            <a:pPr lvl="1"/>
+            <a:r>
+              <a:rPr lang="en-US" dirty="0"/>
+              <a:t>Submit one homework per group (I believe </a:t>
             </a:r>
             <a:r>
               <a:rPr lang="en-US" dirty="0" err="1"/>
-              <a:t>LaTeX</a:t>
-            </a:r>
+              <a:t>Gradescope</a:t>
+            </a:r>
+            <a:r>
+              <a:rPr lang="en-US" dirty="0"/>
+              <a:t> supports this)</a:t>
+            </a:r>
+          </a:p>
+          <a:p>
             <a:endParaRPr lang="en-US" dirty="0"/>
           </a:p>
           <a:p>
-            <a:endParaRPr lang="en-US" dirty="0"/>
-          </a:p>
-          <a:p>
-            <a:r>
-              <a:rPr lang="en-US" dirty="0"/>
-              <a:t>I will provide a couple tutorials, guides, and templates when the first assignment is given out</a:t>
-            </a:r>
-          </a:p>
-          <a:p>
-            <a:endParaRPr lang="en-US" dirty="0"/>
-          </a:p>
-          <a:p>
-            <a:r>
-              <a:rPr lang="en-US" dirty="0"/>
-              <a:t>You may not embed images of text or formulas!</a:t>
-            </a:r>
-          </a:p>
-          <a:p>
-            <a:endParaRPr lang="en-US" dirty="0"/>
+            <a:r>
+              <a:rPr lang="en-US" dirty="0"/>
+              <a:t>For the programming homework, you may discuss the problems with your group of 3 or less, but you must:</a:t>
+            </a:r>
+          </a:p>
+          <a:p>
+            <a:pPr lvl="1"/>
+            <a:r>
+              <a:rPr lang="en-US" dirty="0"/>
+              <a:t>State who you worked with</a:t>
+            </a:r>
+          </a:p>
+          <a:p>
+            <a:pPr lvl="1"/>
+            <a:r>
+              <a:rPr lang="en-US" dirty="0"/>
+              <a:t>Type up your own implementation!</a:t>
+            </a:r>
           </a:p>
         </p:txBody>
       </p:sp>
@@ -16710,14 +16710,14 @@
               <a:pPr/>
               <a:t>27</a:t>
             </a:fld>
-            <a:endParaRPr lang="en-US"/>
+            <a:endParaRPr lang="en-US" dirty="0"/>
           </a:p>
         </p:txBody>
       </p:sp>
     </p:spTree>
     <p:extLst>
       <p:ext uri="{BB962C8B-B14F-4D97-AF65-F5344CB8AC3E}">
-        <p14:creationId xmlns:p14="http://schemas.microsoft.com/office/powerpoint/2010/main" val="4248825475"/>
+        <p14:creationId xmlns:p14="http://schemas.microsoft.com/office/powerpoint/2010/main" val="1292368053"/>
       </p:ext>
     </p:extLst>
   </p:cSld>
@@ -16746,13 +16746,7 @@
       </p:grpSpPr>
       <p:sp>
         <p:nvSpPr>
-          <p:cNvPr id="2" name="Title 1">
-            <a:extLst>
-              <a:ext uri="{FF2B5EF4-FFF2-40B4-BE49-F238E27FC236}">
-                <a16:creationId xmlns:a16="http://schemas.microsoft.com/office/drawing/2014/main" id="{8E5DC06E-652D-CD40-8782-E878E11BC092}"/>
-              </a:ext>
-            </a:extLst>
-          </p:cNvPr>
+          <p:cNvPr id="18434" name="Title 1"/>
           <p:cNvSpPr>
             <a:spLocks noGrp="1"/>
           </p:cNvSpPr>
@@ -16762,31 +16756,27 @@
         </p:nvSpPr>
         <p:spPr>
           <a:xfrm>
-            <a:off x="1141413" y="538132"/>
-            <a:ext cx="9905998" cy="799137"/>
+            <a:off x="1141413" y="427600"/>
+            <a:ext cx="9905998" cy="823212"/>
           </a:xfrm>
         </p:spPr>
         <p:txBody>
-          <a:bodyPr/>
+          <a:bodyPr>
+            <a:normAutofit fontScale="90000"/>
+          </a:bodyPr>
           <a:lstStyle/>
           <a:p>
             <a:pPr algn="ctr"/>
             <a:r>
               <a:rPr lang="en-US" dirty="0"/>
-              <a:t>Use of Online Code Etc.</a:t>
-            </a:r>
-          </a:p>
-        </p:txBody>
-      </p:sp>
-      <p:sp>
-        <p:nvSpPr>
-          <p:cNvPr id="4" name="Content Placeholder 3">
-            <a:extLst>
-              <a:ext uri="{FF2B5EF4-FFF2-40B4-BE49-F238E27FC236}">
-                <a16:creationId xmlns:a16="http://schemas.microsoft.com/office/drawing/2014/main" id="{8C2A69A9-9079-244C-BEAE-11CF7ACAB26E}"/>
-              </a:ext>
-            </a:extLst>
-          </p:cNvPr>
+              <a:t>On the subject of extensions and Attendance</a:t>
+            </a:r>
+          </a:p>
+        </p:txBody>
+      </p:sp>
+      <p:sp>
+        <p:nvSpPr>
+          <p:cNvPr id="18435" name="Content Placeholder 2"/>
           <p:cNvSpPr>
             <a:spLocks noGrp="1"/>
           </p:cNvSpPr>
@@ -16796,44 +16786,38 @@
         </p:nvSpPr>
         <p:spPr>
           <a:xfrm>
-            <a:off x="1447800" y="1722456"/>
-            <a:ext cx="9420888" cy="4830744"/>
+            <a:off x="1227656" y="1350290"/>
+            <a:ext cx="9819754" cy="5035270"/>
           </a:xfrm>
         </p:spPr>
         <p:txBody>
           <a:bodyPr>
-            <a:normAutofit fontScale="92500"/>
+            <a:normAutofit lnSpcReduction="10000"/>
           </a:bodyPr>
           <a:lstStyle/>
           <a:p>
             <a:r>
-              <a:rPr lang="en-US" u="sng" dirty="0"/>
-              <a:t>Studying</a:t>
-            </a:r>
-            <a:r>
-              <a:rPr lang="en-US" dirty="0"/>
-              <a:t> code or proofs online is permitted </a:t>
-            </a:r>
-            <a:r>
-              <a:rPr lang="en-US" u="sng" dirty="0"/>
-              <a:t>but only</a:t>
-            </a:r>
-            <a:r>
-              <a:rPr lang="en-US" dirty="0"/>
-              <a:t> for getting ideas</a:t>
-            </a:r>
-          </a:p>
-          <a:p>
-            <a:r>
-              <a:rPr lang="en-US" dirty="0"/>
-              <a:t>Copying or reusing code or proofs from an online source violates the pledge</a:t>
+              <a:rPr lang="en-US" b="1" i="1" u="sng" dirty="0"/>
+              <a:t>Attendance</a:t>
+            </a:r>
+            <a:r>
+              <a:rPr lang="en-US" dirty="0"/>
+              <a:t>: I want you to attend lecture, obviously. Don’t want to be strict about it…but do want to provide incentive for you to be here, which is good for your learning.</a:t>
             </a:r>
           </a:p>
           <a:p>
             <a:pPr lvl="1"/>
             <a:r>
               <a:rPr lang="en-US" dirty="0"/>
-              <a:t>You must cite sources of any online code you use in this way in a comment in your source file(s)</a:t>
+              <a:t>I will secretly keep track of the </a:t>
+            </a:r>
+            <a:r>
+              <a:rPr lang="en-US" b="1" i="1" u="sng" dirty="0"/>
+              <a:t>number of lectures in which less than 50 percent</a:t>
+            </a:r>
+            <a:r>
+              <a:rPr lang="en-US" dirty="0"/>
+              <a:t> of the class is present.</a:t>
             </a:r>
           </a:p>
           <a:p>
@@ -16843,90 +16827,44 @@
           <a:p>
             <a:r>
               <a:rPr lang="en-US" dirty="0"/>
-              <a:t>Remember:  the purpose of the homework is</a:t>
+              <a:t>Extensions: You should not use these unless you ABSOLUTELY need to.</a:t>
             </a:r>
           </a:p>
           <a:p>
             <a:pPr lvl="1"/>
             <a:r>
               <a:rPr lang="en-US" dirty="0"/>
-              <a:t>To </a:t>
+              <a:t>I will keep track of the </a:t>
             </a:r>
             <a:r>
               <a:rPr lang="en-US" b="1" i="1" u="sng" dirty="0"/>
-              <a:t>practice</a:t>
-            </a:r>
-            <a:r>
-              <a:rPr lang="en-US" dirty="0"/>
-              <a:t> in an environment that is lower-stress</a:t>
-            </a:r>
-          </a:p>
-          <a:p>
-            <a:pPr lvl="1"/>
-            <a:r>
-              <a:rPr lang="en-US" dirty="0"/>
-              <a:t>To </a:t>
-            </a:r>
-            <a:r>
-              <a:rPr lang="en-US" b="1" i="1" u="sng" dirty="0"/>
-              <a:t>push yourself </a:t>
-            </a:r>
-            <a:r>
-              <a:rPr lang="en-US" dirty="0"/>
-              <a:t>to solve think about the theory of computation and to prepare you for the quizzes, NOT just to get a grade.</a:t>
-            </a:r>
-          </a:p>
-          <a:p>
-            <a:pPr lvl="1"/>
-            <a:r>
-              <a:rPr lang="en-US" dirty="0"/>
-              <a:t>To </a:t>
-            </a:r>
-            <a:r>
-              <a:rPr lang="en-US" b="1" i="1" u="sng" dirty="0"/>
-              <a:t>work out the logical part </a:t>
-            </a:r>
-            <a:r>
-              <a:rPr lang="en-US" dirty="0"/>
-              <a:t>of your brain </a:t>
-            </a:r>
-            <a:r>
-              <a:rPr lang="en-US" dirty="0">
-                <a:sym typeface="Wingdings" pitchFamily="2" charset="2"/>
-              </a:rPr>
-              <a:t></a:t>
-            </a:r>
+              <a:t>percentage of assignments that are late</a:t>
+            </a:r>
+            <a:r>
+              <a:rPr lang="en-US" dirty="0"/>
+              <a:t>.</a:t>
+            </a:r>
+          </a:p>
+          <a:p>
             <a:endParaRPr lang="en-US" dirty="0"/>
           </a:p>
           <a:p>
-            <a:pPr lvl="1"/>
-            <a:r>
-              <a:rPr lang="en-US" dirty="0"/>
-              <a:t>To focus on </a:t>
-            </a:r>
-            <a:r>
-              <a:rPr lang="en-US" b="1" i="1" u="sng" dirty="0"/>
-              <a:t>attempting to solve problems yourself </a:t>
-            </a:r>
-            <a:r>
-              <a:rPr lang="en-US" dirty="0"/>
-              <a:t>before asking others for assistance.</a:t>
+            <a:r>
+              <a:rPr lang="en-US" dirty="0"/>
+              <a:t>Both of these numbers will be used in calculating your course curve at the end of the semester.</a:t>
             </a:r>
           </a:p>
           <a:p>
             <a:endParaRPr lang="en-US" dirty="0"/>
           </a:p>
-        </p:txBody>
-      </p:sp>
-      <p:sp>
-        <p:nvSpPr>
-          <p:cNvPr id="3" name="Slide Number Placeholder 2">
-            <a:extLst>
-              <a:ext uri="{FF2B5EF4-FFF2-40B4-BE49-F238E27FC236}">
-                <a16:creationId xmlns:a16="http://schemas.microsoft.com/office/drawing/2014/main" id="{56136DFE-FBB4-E24C-ABB6-77FCF4FCA26D}"/>
-              </a:ext>
-            </a:extLst>
-          </p:cNvPr>
+          <a:p>
+            <a:endParaRPr lang="en-US" dirty="0"/>
+          </a:p>
+        </p:txBody>
+      </p:sp>
+      <p:sp>
+        <p:nvSpPr>
+          <p:cNvPr id="4" name="Slide Number Placeholder 3"/>
           <p:cNvSpPr>
             <a:spLocks noGrp="1"/>
           </p:cNvSpPr>
@@ -16944,14 +16882,14 @@
               <a:pPr/>
               <a:t>28</a:t>
             </a:fld>
-            <a:endParaRPr lang="en-US"/>
+            <a:endParaRPr lang="en-US" dirty="0"/>
           </a:p>
         </p:txBody>
       </p:sp>
     </p:spTree>
     <p:extLst>
       <p:ext uri="{BB962C8B-B14F-4D97-AF65-F5344CB8AC3E}">
-        <p14:creationId xmlns:p14="http://schemas.microsoft.com/office/powerpoint/2010/main" val="3316639139"/>
+        <p14:creationId xmlns:p14="http://schemas.microsoft.com/office/powerpoint/2010/main" val="474709066"/>
       </p:ext>
     </p:extLst>
   </p:cSld>
@@ -17001,7 +16939,7 @@
             <a:pPr algn="ctr"/>
             <a:r>
               <a:rPr lang="en-US" dirty="0"/>
-              <a:t>Working in groups</a:t>
+              <a:t>I think that is all…</a:t>
             </a:r>
           </a:p>
         </p:txBody>
@@ -17030,45 +16968,7 @@
           <a:p>
             <a:r>
               <a:rPr lang="en-US" dirty="0"/>
-              <a:t>For the homework, you may work together in groups of 3 or less (written assignments)</a:t>
-            </a:r>
-          </a:p>
-          <a:p>
-            <a:pPr lvl="1"/>
-            <a:r>
-              <a:rPr lang="en-US" dirty="0"/>
-              <a:t>Submit one homework per group (I believe </a:t>
-            </a:r>
-            <a:r>
-              <a:rPr lang="en-US" dirty="0" err="1"/>
-              <a:t>Gradescope</a:t>
-            </a:r>
-            <a:r>
-              <a:rPr lang="en-US" dirty="0"/>
-              <a:t> supports this)</a:t>
-            </a:r>
-          </a:p>
-          <a:p>
-            <a:endParaRPr lang="en-US" dirty="0"/>
-          </a:p>
-          <a:p>
-            <a:r>
-              <a:rPr lang="en-US" dirty="0"/>
-              <a:t>For the programming homework, you may discuss the problems with your group of 3 or less, but you must:</a:t>
-            </a:r>
-          </a:p>
-          <a:p>
-            <a:pPr lvl="1"/>
-            <a:r>
-              <a:rPr lang="en-US" dirty="0"/>
-              <a:t>State who you worked with</a:t>
-            </a:r>
-          </a:p>
-          <a:p>
-            <a:pPr lvl="1"/>
-            <a:r>
-              <a:rPr lang="en-US" dirty="0"/>
-              <a:t>Type up your own implementation!</a:t>
+              <a:t>Any questions…</a:t>
             </a:r>
           </a:p>
         </p:txBody>
@@ -17100,7 +17000,7 @@
     </p:spTree>
     <p:extLst>
       <p:ext uri="{BB962C8B-B14F-4D97-AF65-F5344CB8AC3E}">
-        <p14:creationId xmlns:p14="http://schemas.microsoft.com/office/powerpoint/2010/main" val="1292368053"/>
+        <p14:creationId xmlns:p14="http://schemas.microsoft.com/office/powerpoint/2010/main" val="755208883"/>
       </p:ext>
     </p:extLst>
   </p:cSld>
@@ -17303,117 +17203,6 @@
     <p:extLst>
       <p:ext uri="{BB962C8B-B14F-4D97-AF65-F5344CB8AC3E}">
         <p14:creationId xmlns:p14="http://schemas.microsoft.com/office/powerpoint/2010/main" val="3749058203"/>
-      </p:ext>
-    </p:extLst>
-  </p:cSld>
-  <p:clrMapOvr>
-    <a:masterClrMapping/>
-  </p:clrMapOvr>
-</p:sld>
-</file>
-
-<file path=ppt/slides/slide30.xml><?xml version="1.0" encoding="utf-8"?>
-<p:sld xmlns:a="http://schemas.openxmlformats.org/drawingml/2006/main" xmlns:r="http://schemas.openxmlformats.org/officeDocument/2006/relationships" xmlns:p="http://schemas.openxmlformats.org/presentationml/2006/main">
-  <p:cSld>
-    <p:spTree>
-      <p:nvGrpSpPr>
-        <p:cNvPr id="1" name=""/>
-        <p:cNvGrpSpPr/>
-        <p:nvPr/>
-      </p:nvGrpSpPr>
-      <p:grpSpPr>
-        <a:xfrm>
-          <a:off x="0" y="0"/>
-          <a:ext cx="0" cy="0"/>
-          <a:chOff x="0" y="0"/>
-          <a:chExt cx="0" cy="0"/>
-        </a:xfrm>
-      </p:grpSpPr>
-      <p:sp>
-        <p:nvSpPr>
-          <p:cNvPr id="18434" name="Title 1"/>
-          <p:cNvSpPr>
-            <a:spLocks noGrp="1"/>
-          </p:cNvSpPr>
-          <p:nvPr>
-            <p:ph type="title"/>
-          </p:nvPr>
-        </p:nvSpPr>
-        <p:spPr>
-          <a:xfrm>
-            <a:off x="1141413" y="427600"/>
-            <a:ext cx="9905998" cy="823212"/>
-          </a:xfrm>
-        </p:spPr>
-        <p:txBody>
-          <a:bodyPr/>
-          <a:lstStyle/>
-          <a:p>
-            <a:pPr algn="ctr"/>
-            <a:r>
-              <a:rPr lang="en-US" dirty="0"/>
-              <a:t>I think that is all…</a:t>
-            </a:r>
-          </a:p>
-        </p:txBody>
-      </p:sp>
-      <p:sp>
-        <p:nvSpPr>
-          <p:cNvPr id="18435" name="Content Placeholder 2"/>
-          <p:cNvSpPr>
-            <a:spLocks noGrp="1"/>
-          </p:cNvSpPr>
-          <p:nvPr>
-            <p:ph idx="1"/>
-          </p:nvPr>
-        </p:nvSpPr>
-        <p:spPr>
-          <a:xfrm>
-            <a:off x="1305446" y="1441730"/>
-            <a:ext cx="9819754" cy="5035270"/>
-          </a:xfrm>
-        </p:spPr>
-        <p:txBody>
-          <a:bodyPr>
-            <a:normAutofit/>
-          </a:bodyPr>
-          <a:lstStyle/>
-          <a:p>
-            <a:r>
-              <a:rPr lang="en-US" dirty="0"/>
-              <a:t>Any questions…</a:t>
-            </a:r>
-          </a:p>
-        </p:txBody>
-      </p:sp>
-      <p:sp>
-        <p:nvSpPr>
-          <p:cNvPr id="4" name="Slide Number Placeholder 3"/>
-          <p:cNvSpPr>
-            <a:spLocks noGrp="1"/>
-          </p:cNvSpPr>
-          <p:nvPr>
-            <p:ph type="sldNum" sz="quarter" idx="12"/>
-          </p:nvPr>
-        </p:nvSpPr>
-        <p:spPr/>
-        <p:txBody>
-          <a:bodyPr/>
-          <a:lstStyle/>
-          <a:p>
-            <a:fld id="{F26D9103-0C5C-48AC-B68E-3ED2C1647047}" type="slidenum">
-              <a:rPr lang="en-US" smtClean="0"/>
-              <a:pPr/>
-              <a:t>30</a:t>
-            </a:fld>
-            <a:endParaRPr lang="en-US" dirty="0"/>
-          </a:p>
-        </p:txBody>
-      </p:sp>
-    </p:spTree>
-    <p:extLst>
-      <p:ext uri="{BB962C8B-B14F-4D97-AF65-F5344CB8AC3E}">
-        <p14:creationId xmlns:p14="http://schemas.microsoft.com/office/powerpoint/2010/main" val="755208883"/>
       </p:ext>
     </p:extLst>
   </p:cSld>

--- a/slides/00-CourseIntroduction.pptx
+++ b/slides/00-CourseIntroduction.pptx
@@ -225,7 +225,7 @@
           <a:p>
             <a:fld id="{C5B45307-6ED4-B142-BD64-10F739779302}" type="datetimeFigureOut">
               <a:rPr lang="en-US" smtClean="0"/>
-              <a:t>1/13/25</a:t>
+              <a:t>8/20/25</a:t>
             </a:fld>
             <a:endParaRPr lang="en-US"/>
           </a:p>
@@ -728,7 +728,7 @@
           <a:noFill/>
           <a:extLst>
             <a:ext uri="{909E8E84-426E-40dd-AFC4-6F175D3DCCD1}">
-              <a14:hiddenFill xmlns:a14="http://schemas.microsoft.com/office/drawing/2010/main" xmlns="">
+              <a14:hiddenFill xmlns="" xmlns:a14="http://schemas.microsoft.com/office/drawing/2010/main">
                 <a:solidFill>
                   <a:srgbClr val="FFFFFF"/>
                 </a:solidFill>
@@ -787,7 +787,7 @@
             </a:ln>
             <a:extLst>
               <a:ext uri="{91240B29-F687-4f45-9708-019B960494DF}">
-                <a14:hiddenLine xmlns:a14="http://schemas.microsoft.com/office/drawing/2010/main" xmlns="" w="9525">
+                <a14:hiddenLine xmlns="" xmlns:a14="http://schemas.microsoft.com/office/drawing/2010/main" w="9525">
                   <a:solidFill>
                     <a:srgbClr val="000000"/>
                   </a:solidFill>
@@ -877,7 +877,7 @@
             </a:ln>
             <a:extLst>
               <a:ext uri="{91240B29-F687-4f45-9708-019B960494DF}">
-                <a14:hiddenLine xmlns:a14="http://schemas.microsoft.com/office/drawing/2010/main" xmlns="" w="9525">
+                <a14:hiddenLine xmlns="" xmlns:a14="http://schemas.microsoft.com/office/drawing/2010/main" w="9525">
                   <a:solidFill>
                     <a:srgbClr val="000000"/>
                   </a:solidFill>
@@ -967,7 +967,7 @@
             </a:ln>
             <a:extLst>
               <a:ext uri="{91240B29-F687-4f45-9708-019B960494DF}">
-                <a14:hiddenLine xmlns:a14="http://schemas.microsoft.com/office/drawing/2010/main" xmlns="" w="9525">
+                <a14:hiddenLine xmlns="" xmlns:a14="http://schemas.microsoft.com/office/drawing/2010/main" w="9525">
                   <a:solidFill>
                     <a:srgbClr val="000000"/>
                   </a:solidFill>
@@ -1001,7 +1001,7 @@
             </a:ln>
             <a:extLst>
               <a:ext uri="{91240B29-F687-4f45-9708-019B960494DF}">
-                <a14:hiddenLine xmlns:a14="http://schemas.microsoft.com/office/drawing/2010/main" xmlns="" w="9525">
+                <a14:hiddenLine xmlns="" xmlns:a14="http://schemas.microsoft.com/office/drawing/2010/main" w="9525">
                   <a:solidFill>
                     <a:srgbClr val="000000"/>
                   </a:solidFill>
@@ -1091,7 +1091,7 @@
             </a:ln>
             <a:extLst>
               <a:ext uri="{91240B29-F687-4f45-9708-019B960494DF}">
-                <a14:hiddenLine xmlns:a14="http://schemas.microsoft.com/office/drawing/2010/main" xmlns="" w="9525">
+                <a14:hiddenLine xmlns="" xmlns:a14="http://schemas.microsoft.com/office/drawing/2010/main" w="9525">
                   <a:solidFill>
                     <a:srgbClr val="000000"/>
                   </a:solidFill>
@@ -1153,7 +1153,7 @@
             </a:ln>
             <a:extLst>
               <a:ext uri="{91240B29-F687-4f45-9708-019B960494DF}">
-                <a14:hiddenLine xmlns:a14="http://schemas.microsoft.com/office/drawing/2010/main" xmlns="" w="9525">
+                <a14:hiddenLine xmlns="" xmlns:a14="http://schemas.microsoft.com/office/drawing/2010/main" w="9525">
                   <a:solidFill>
                     <a:srgbClr val="000000"/>
                   </a:solidFill>
@@ -1215,7 +1215,7 @@
             </a:ln>
             <a:extLst>
               <a:ext uri="{91240B29-F687-4f45-9708-019B960494DF}">
-                <a14:hiddenLine xmlns:a14="http://schemas.microsoft.com/office/drawing/2010/main" xmlns="" w="9525">
+                <a14:hiddenLine xmlns="" xmlns:a14="http://schemas.microsoft.com/office/drawing/2010/main" w="9525">
                   <a:solidFill>
                     <a:srgbClr val="000000"/>
                   </a:solidFill>
@@ -1305,7 +1305,7 @@
             </a:ln>
             <a:extLst>
               <a:ext uri="{91240B29-F687-4f45-9708-019B960494DF}">
-                <a14:hiddenLine xmlns:a14="http://schemas.microsoft.com/office/drawing/2010/main" xmlns="" w="9525">
+                <a14:hiddenLine xmlns="" xmlns:a14="http://schemas.microsoft.com/office/drawing/2010/main" w="9525">
                   <a:solidFill>
                     <a:srgbClr val="000000"/>
                   </a:solidFill>
@@ -1367,7 +1367,7 @@
             </a:ln>
             <a:extLst>
               <a:ext uri="{91240B29-F687-4f45-9708-019B960494DF}">
-                <a14:hiddenLine xmlns:a14="http://schemas.microsoft.com/office/drawing/2010/main" xmlns="" w="9525">
+                <a14:hiddenLine xmlns="" xmlns:a14="http://schemas.microsoft.com/office/drawing/2010/main" w="9525">
                   <a:solidFill>
                     <a:srgbClr val="000000"/>
                   </a:solidFill>
@@ -1429,7 +1429,7 @@
             </a:ln>
             <a:extLst>
               <a:ext uri="{91240B29-F687-4f45-9708-019B960494DF}">
-                <a14:hiddenLine xmlns:a14="http://schemas.microsoft.com/office/drawing/2010/main" xmlns="" w="9525">
+                <a14:hiddenLine xmlns="" xmlns:a14="http://schemas.microsoft.com/office/drawing/2010/main" w="9525">
                   <a:solidFill>
                     <a:srgbClr val="000000"/>
                   </a:solidFill>
@@ -1519,7 +1519,7 @@
             </a:ln>
             <a:extLst>
               <a:ext uri="{91240B29-F687-4f45-9708-019B960494DF}">
-                <a14:hiddenLine xmlns:a14="http://schemas.microsoft.com/office/drawing/2010/main" xmlns="" w="9525">
+                <a14:hiddenLine xmlns="" xmlns:a14="http://schemas.microsoft.com/office/drawing/2010/main" w="9525">
                   <a:solidFill>
                     <a:srgbClr val="000000"/>
                   </a:solidFill>
@@ -1609,7 +1609,7 @@
             </a:ln>
             <a:extLst>
               <a:ext uri="{91240B29-F687-4f45-9708-019B960494DF}">
-                <a14:hiddenLine xmlns:a14="http://schemas.microsoft.com/office/drawing/2010/main" xmlns="" w="9525">
+                <a14:hiddenLine xmlns="" xmlns:a14="http://schemas.microsoft.com/office/drawing/2010/main" w="9525">
                   <a:solidFill>
                     <a:srgbClr val="000000"/>
                   </a:solidFill>
@@ -1671,7 +1671,7 @@
             </a:ln>
             <a:extLst>
               <a:ext uri="{91240B29-F687-4f45-9708-019B960494DF}">
-                <a14:hiddenLine xmlns:a14="http://schemas.microsoft.com/office/drawing/2010/main" xmlns="" w="9525">
+                <a14:hiddenLine xmlns="" xmlns:a14="http://schemas.microsoft.com/office/drawing/2010/main" w="9525">
                   <a:solidFill>
                     <a:srgbClr val="000000"/>
                   </a:solidFill>
@@ -1781,7 +1781,7 @@
             </a:ln>
             <a:extLst>
               <a:ext uri="{91240B29-F687-4f45-9708-019B960494DF}">
-                <a14:hiddenLine xmlns:a14="http://schemas.microsoft.com/office/drawing/2010/main" xmlns="" w="9525">
+                <a14:hiddenLine xmlns="" xmlns:a14="http://schemas.microsoft.com/office/drawing/2010/main" w="9525">
                   <a:solidFill>
                     <a:srgbClr val="000000"/>
                   </a:solidFill>
@@ -1843,7 +1843,7 @@
             </a:ln>
             <a:extLst>
               <a:ext uri="{91240B29-F687-4f45-9708-019B960494DF}">
-                <a14:hiddenLine xmlns:a14="http://schemas.microsoft.com/office/drawing/2010/main" xmlns="" w="9525">
+                <a14:hiddenLine xmlns="" xmlns:a14="http://schemas.microsoft.com/office/drawing/2010/main" w="9525">
                   <a:solidFill>
                     <a:srgbClr val="000000"/>
                   </a:solidFill>
@@ -1933,7 +1933,7 @@
             </a:ln>
             <a:extLst>
               <a:ext uri="{91240B29-F687-4f45-9708-019B960494DF}">
-                <a14:hiddenLine xmlns:a14="http://schemas.microsoft.com/office/drawing/2010/main" xmlns="" w="9525">
+                <a14:hiddenLine xmlns="" xmlns:a14="http://schemas.microsoft.com/office/drawing/2010/main" w="9525">
                   <a:solidFill>
                     <a:srgbClr val="000000"/>
                   </a:solidFill>
@@ -2023,7 +2023,7 @@
             </a:ln>
             <a:extLst>
               <a:ext uri="{91240B29-F687-4f45-9708-019B960494DF}">
-                <a14:hiddenLine xmlns:a14="http://schemas.microsoft.com/office/drawing/2010/main" xmlns="" w="9525">
+                <a14:hiddenLine xmlns="" xmlns:a14="http://schemas.microsoft.com/office/drawing/2010/main" w="9525">
                   <a:solidFill>
                     <a:srgbClr val="000000"/>
                   </a:solidFill>
@@ -2085,7 +2085,7 @@
             </a:ln>
             <a:extLst>
               <a:ext uri="{91240B29-F687-4f45-9708-019B960494DF}">
-                <a14:hiddenLine xmlns:a14="http://schemas.microsoft.com/office/drawing/2010/main" xmlns="" w="9525">
+                <a14:hiddenLine xmlns="" xmlns:a14="http://schemas.microsoft.com/office/drawing/2010/main" w="9525">
                   <a:solidFill>
                     <a:srgbClr val="000000"/>
                   </a:solidFill>
@@ -2175,7 +2175,7 @@
             </a:ln>
             <a:extLst>
               <a:ext uri="{91240B29-F687-4f45-9708-019B960494DF}">
-                <a14:hiddenLine xmlns:a14="http://schemas.microsoft.com/office/drawing/2010/main" xmlns="" w="9525">
+                <a14:hiddenLine xmlns="" xmlns:a14="http://schemas.microsoft.com/office/drawing/2010/main" w="9525">
                   <a:solidFill>
                     <a:srgbClr val="000000"/>
                   </a:solidFill>
@@ -2265,7 +2265,7 @@
             </a:ln>
             <a:extLst>
               <a:ext uri="{91240B29-F687-4f45-9708-019B960494DF}">
-                <a14:hiddenLine xmlns:a14="http://schemas.microsoft.com/office/drawing/2010/main" xmlns="" w="9525">
+                <a14:hiddenLine xmlns="" xmlns:a14="http://schemas.microsoft.com/office/drawing/2010/main" w="9525">
                   <a:solidFill>
                     <a:srgbClr val="000000"/>
                   </a:solidFill>
@@ -2321,7 +2321,7 @@
             </a:ln>
             <a:extLst>
               <a:ext uri="{91240B29-F687-4f45-9708-019B960494DF}">
-                <a14:hiddenLine xmlns:a14="http://schemas.microsoft.com/office/drawing/2010/main" xmlns="" w="9525">
+                <a14:hiddenLine xmlns="" xmlns:a14="http://schemas.microsoft.com/office/drawing/2010/main" w="9525">
                   <a:solidFill>
                     <a:srgbClr val="000000"/>
                   </a:solidFill>
@@ -2411,7 +2411,7 @@
             </a:ln>
             <a:extLst>
               <a:ext uri="{91240B29-F687-4f45-9708-019B960494DF}">
-                <a14:hiddenLine xmlns:a14="http://schemas.microsoft.com/office/drawing/2010/main" xmlns="" w="9525">
+                <a14:hiddenLine xmlns="" xmlns:a14="http://schemas.microsoft.com/office/drawing/2010/main" w="9525">
                   <a:solidFill>
                     <a:srgbClr val="000000"/>
                   </a:solidFill>
@@ -2467,7 +2467,7 @@
             </a:ln>
             <a:extLst>
               <a:ext uri="{91240B29-F687-4f45-9708-019B960494DF}">
-                <a14:hiddenLine xmlns:a14="http://schemas.microsoft.com/office/drawing/2010/main" xmlns="" w="9525">
+                <a14:hiddenLine xmlns="" xmlns:a14="http://schemas.microsoft.com/office/drawing/2010/main" w="9525">
                   <a:solidFill>
                     <a:srgbClr val="000000"/>
                   </a:solidFill>
@@ -2557,7 +2557,7 @@
             </a:ln>
             <a:extLst>
               <a:ext uri="{91240B29-F687-4f45-9708-019B960494DF}">
-                <a14:hiddenLine xmlns:a14="http://schemas.microsoft.com/office/drawing/2010/main" xmlns="" w="9525">
+                <a14:hiddenLine xmlns="" xmlns:a14="http://schemas.microsoft.com/office/drawing/2010/main" w="9525">
                   <a:solidFill>
                     <a:srgbClr val="000000"/>
                   </a:solidFill>
@@ -2625,7 +2625,7 @@
             </a:ln>
             <a:extLst>
               <a:ext uri="{91240B29-F687-4f45-9708-019B960494DF}">
-                <a14:hiddenLine xmlns:a14="http://schemas.microsoft.com/office/drawing/2010/main" xmlns="" w="9525">
+                <a14:hiddenLine xmlns="" xmlns:a14="http://schemas.microsoft.com/office/drawing/2010/main" w="9525">
                   <a:solidFill>
                     <a:srgbClr val="000000"/>
                   </a:solidFill>
@@ -2715,7 +2715,7 @@
             </a:ln>
             <a:extLst>
               <a:ext uri="{91240B29-F687-4f45-9708-019B960494DF}">
-                <a14:hiddenLine xmlns:a14="http://schemas.microsoft.com/office/drawing/2010/main" xmlns="" w="9525">
+                <a14:hiddenLine xmlns="" xmlns:a14="http://schemas.microsoft.com/office/drawing/2010/main" w="9525">
                   <a:solidFill>
                     <a:srgbClr val="000000"/>
                   </a:solidFill>
@@ -2783,7 +2783,7 @@
             </a:ln>
             <a:extLst>
               <a:ext uri="{91240B29-F687-4f45-9708-019B960494DF}">
-                <a14:hiddenLine xmlns:a14="http://schemas.microsoft.com/office/drawing/2010/main" xmlns="" w="9525">
+                <a14:hiddenLine xmlns="" xmlns:a14="http://schemas.microsoft.com/office/drawing/2010/main" w="9525">
                   <a:solidFill>
                     <a:srgbClr val="000000"/>
                   </a:solidFill>
@@ -2873,7 +2873,7 @@
             </a:ln>
             <a:extLst>
               <a:ext uri="{91240B29-F687-4f45-9708-019B960494DF}">
-                <a14:hiddenLine xmlns:a14="http://schemas.microsoft.com/office/drawing/2010/main" xmlns="" w="9525">
+                <a14:hiddenLine xmlns="" xmlns:a14="http://schemas.microsoft.com/office/drawing/2010/main" w="9525">
                   <a:solidFill>
                     <a:srgbClr val="000000"/>
                   </a:solidFill>
@@ -2907,7 +2907,7 @@
             </a:ln>
             <a:extLst>
               <a:ext uri="{91240B29-F687-4f45-9708-019B960494DF}">
-                <a14:hiddenLine xmlns:a14="http://schemas.microsoft.com/office/drawing/2010/main" xmlns="" w="9525">
+                <a14:hiddenLine xmlns="" xmlns:a14="http://schemas.microsoft.com/office/drawing/2010/main" w="9525">
                   <a:solidFill>
                     <a:srgbClr val="000000"/>
                   </a:solidFill>
@@ -2997,7 +2997,7 @@
             </a:ln>
             <a:extLst>
               <a:ext uri="{91240B29-F687-4f45-9708-019B960494DF}">
-                <a14:hiddenLine xmlns:a14="http://schemas.microsoft.com/office/drawing/2010/main" xmlns="" w="9525">
+                <a14:hiddenLine xmlns="" xmlns:a14="http://schemas.microsoft.com/office/drawing/2010/main" w="9525">
                   <a:solidFill>
                     <a:srgbClr val="000000"/>
                   </a:solidFill>
@@ -3059,7 +3059,7 @@
             </a:ln>
             <a:extLst>
               <a:ext uri="{91240B29-F687-4f45-9708-019B960494DF}">
-                <a14:hiddenLine xmlns:a14="http://schemas.microsoft.com/office/drawing/2010/main" xmlns="" w="9525">
+                <a14:hiddenLine xmlns="" xmlns:a14="http://schemas.microsoft.com/office/drawing/2010/main" w="9525">
                   <a:solidFill>
                     <a:srgbClr val="000000"/>
                   </a:solidFill>
@@ -3121,7 +3121,7 @@
             </a:ln>
             <a:extLst>
               <a:ext uri="{91240B29-F687-4f45-9708-019B960494DF}">
-                <a14:hiddenLine xmlns:a14="http://schemas.microsoft.com/office/drawing/2010/main" xmlns="" w="9525">
+                <a14:hiddenLine xmlns="" xmlns:a14="http://schemas.microsoft.com/office/drawing/2010/main" w="9525">
                   <a:solidFill>
                     <a:srgbClr val="000000"/>
                   </a:solidFill>
@@ -3211,7 +3211,7 @@
             </a:ln>
             <a:extLst>
               <a:ext uri="{91240B29-F687-4f45-9708-019B960494DF}">
-                <a14:hiddenLine xmlns:a14="http://schemas.microsoft.com/office/drawing/2010/main" xmlns="" w="9525">
+                <a14:hiddenLine xmlns="" xmlns:a14="http://schemas.microsoft.com/office/drawing/2010/main" w="9525">
                   <a:solidFill>
                     <a:srgbClr val="000000"/>
                   </a:solidFill>
@@ -3279,7 +3279,7 @@
             </a:ln>
             <a:extLst>
               <a:ext uri="{91240B29-F687-4f45-9708-019B960494DF}">
-                <a14:hiddenLine xmlns:a14="http://schemas.microsoft.com/office/drawing/2010/main" xmlns="" w="9525">
+                <a14:hiddenLine xmlns="" xmlns:a14="http://schemas.microsoft.com/office/drawing/2010/main" w="9525">
                   <a:solidFill>
                     <a:srgbClr val="000000"/>
                   </a:solidFill>
@@ -3341,7 +3341,7 @@
             </a:ln>
             <a:extLst>
               <a:ext uri="{91240B29-F687-4f45-9708-019B960494DF}">
-                <a14:hiddenLine xmlns:a14="http://schemas.microsoft.com/office/drawing/2010/main" xmlns="" w="9525">
+                <a14:hiddenLine xmlns="" xmlns:a14="http://schemas.microsoft.com/office/drawing/2010/main" w="9525">
                   <a:solidFill>
                     <a:srgbClr val="000000"/>
                   </a:solidFill>
@@ -3431,7 +3431,7 @@
             </a:ln>
             <a:extLst>
               <a:ext uri="{91240B29-F687-4f45-9708-019B960494DF}">
-                <a14:hiddenLine xmlns:a14="http://schemas.microsoft.com/office/drawing/2010/main" xmlns="" w="9525">
+                <a14:hiddenLine xmlns="" xmlns:a14="http://schemas.microsoft.com/office/drawing/2010/main" w="9525">
                   <a:solidFill>
                     <a:srgbClr val="000000"/>
                   </a:solidFill>
@@ -3493,7 +3493,7 @@
             </a:ln>
             <a:extLst>
               <a:ext uri="{91240B29-F687-4f45-9708-019B960494DF}">
-                <a14:hiddenLine xmlns:a14="http://schemas.microsoft.com/office/drawing/2010/main" xmlns="" w="9525">
+                <a14:hiddenLine xmlns="" xmlns:a14="http://schemas.microsoft.com/office/drawing/2010/main" w="9525">
                   <a:solidFill>
                     <a:srgbClr val="000000"/>
                   </a:solidFill>
@@ -3583,7 +3583,7 @@
             </a:ln>
             <a:extLst>
               <a:ext uri="{91240B29-F687-4f45-9708-019B960494DF}">
-                <a14:hiddenLine xmlns:a14="http://schemas.microsoft.com/office/drawing/2010/main" xmlns="" w="9525">
+                <a14:hiddenLine xmlns="" xmlns:a14="http://schemas.microsoft.com/office/drawing/2010/main" w="9525">
                   <a:solidFill>
                     <a:srgbClr val="000000"/>
                   </a:solidFill>
@@ -3645,7 +3645,7 @@
             </a:ln>
             <a:extLst>
               <a:ext uri="{91240B29-F687-4f45-9708-019B960494DF}">
-                <a14:hiddenLine xmlns:a14="http://schemas.microsoft.com/office/drawing/2010/main" xmlns="" w="9525">
+                <a14:hiddenLine xmlns="" xmlns:a14="http://schemas.microsoft.com/office/drawing/2010/main" w="9525">
                   <a:solidFill>
                     <a:srgbClr val="000000"/>
                   </a:solidFill>
@@ -3735,7 +3735,7 @@
             </a:ln>
             <a:extLst>
               <a:ext uri="{91240B29-F687-4f45-9708-019B960494DF}">
-                <a14:hiddenLine xmlns:a14="http://schemas.microsoft.com/office/drawing/2010/main" xmlns="" w="9525">
+                <a14:hiddenLine xmlns="" xmlns:a14="http://schemas.microsoft.com/office/drawing/2010/main" w="9525">
                   <a:solidFill>
                     <a:srgbClr val="000000"/>
                   </a:solidFill>
@@ -3769,7 +3769,7 @@
             </a:ln>
             <a:extLst>
               <a:ext uri="{91240B29-F687-4f45-9708-019B960494DF}">
-                <a14:hiddenLine xmlns:a14="http://schemas.microsoft.com/office/drawing/2010/main" xmlns="" w="9525">
+                <a14:hiddenLine xmlns="" xmlns:a14="http://schemas.microsoft.com/office/drawing/2010/main" w="9525">
                   <a:solidFill>
                     <a:srgbClr val="000000"/>
                   </a:solidFill>
@@ -3834,7 +3834,7 @@
             </a:ln>
             <a:extLst>
               <a:ext uri="{91240B29-F687-4f45-9708-019B960494DF}">
-                <a14:hiddenLine xmlns:a14="http://schemas.microsoft.com/office/drawing/2010/main" xmlns="" w="9525">
+                <a14:hiddenLine xmlns="" xmlns:a14="http://schemas.microsoft.com/office/drawing/2010/main" w="9525">
                   <a:solidFill>
                     <a:srgbClr val="000000"/>
                   </a:solidFill>
@@ -3924,7 +3924,7 @@
             </a:ln>
             <a:extLst>
               <a:ext uri="{91240B29-F687-4f45-9708-019B960494DF}">
-                <a14:hiddenLine xmlns:a14="http://schemas.microsoft.com/office/drawing/2010/main" xmlns="" w="9525">
+                <a14:hiddenLine xmlns="" xmlns:a14="http://schemas.microsoft.com/office/drawing/2010/main" w="9525">
                   <a:solidFill>
                     <a:srgbClr val="000000"/>
                   </a:solidFill>
@@ -3986,7 +3986,7 @@
             </a:ln>
             <a:extLst>
               <a:ext uri="{91240B29-F687-4f45-9708-019B960494DF}">
-                <a14:hiddenLine xmlns:a14="http://schemas.microsoft.com/office/drawing/2010/main" xmlns="" w="9525">
+                <a14:hiddenLine xmlns="" xmlns:a14="http://schemas.microsoft.com/office/drawing/2010/main" w="9525">
                   <a:solidFill>
                     <a:srgbClr val="000000"/>
                   </a:solidFill>
@@ -4076,7 +4076,7 @@
             </a:ln>
             <a:extLst>
               <a:ext uri="{91240B29-F687-4f45-9708-019B960494DF}">
-                <a14:hiddenLine xmlns:a14="http://schemas.microsoft.com/office/drawing/2010/main" xmlns="" w="9525">
+                <a14:hiddenLine xmlns="" xmlns:a14="http://schemas.microsoft.com/office/drawing/2010/main" w="9525">
                   <a:solidFill>
                     <a:srgbClr val="000000"/>
                   </a:solidFill>
@@ -4166,7 +4166,7 @@
             </a:ln>
             <a:extLst>
               <a:ext uri="{91240B29-F687-4f45-9708-019B960494DF}">
-                <a14:hiddenLine xmlns:a14="http://schemas.microsoft.com/office/drawing/2010/main" xmlns="" w="9525">
+                <a14:hiddenLine xmlns="" xmlns:a14="http://schemas.microsoft.com/office/drawing/2010/main" w="9525">
                   <a:solidFill>
                     <a:srgbClr val="000000"/>
                   </a:solidFill>
@@ -4231,7 +4231,7 @@
             </a:ln>
             <a:extLst>
               <a:ext uri="{91240B29-F687-4f45-9708-019B960494DF}">
-                <a14:hiddenLine xmlns:a14="http://schemas.microsoft.com/office/drawing/2010/main" xmlns="" w="9525">
+                <a14:hiddenLine xmlns="" xmlns:a14="http://schemas.microsoft.com/office/drawing/2010/main" w="9525">
                   <a:solidFill>
                     <a:srgbClr val="000000"/>
                   </a:solidFill>
@@ -4293,7 +4293,7 @@
             </a:ln>
             <a:extLst>
               <a:ext uri="{91240B29-F687-4f45-9708-019B960494DF}">
-                <a14:hiddenLine xmlns:a14="http://schemas.microsoft.com/office/drawing/2010/main" xmlns="" w="9525">
+                <a14:hiddenLine xmlns="" xmlns:a14="http://schemas.microsoft.com/office/drawing/2010/main" w="9525">
                   <a:solidFill>
                     <a:srgbClr val="000000"/>
                   </a:solidFill>
@@ -4383,7 +4383,7 @@
             </a:ln>
             <a:extLst>
               <a:ext uri="{91240B29-F687-4f45-9708-019B960494DF}">
-                <a14:hiddenLine xmlns:a14="http://schemas.microsoft.com/office/drawing/2010/main" xmlns="" w="9525">
+                <a14:hiddenLine xmlns="" xmlns:a14="http://schemas.microsoft.com/office/drawing/2010/main" w="9525">
                   <a:solidFill>
                     <a:srgbClr val="000000"/>
                   </a:solidFill>
@@ -4473,7 +4473,7 @@
             </a:ln>
             <a:extLst>
               <a:ext uri="{91240B29-F687-4f45-9708-019B960494DF}">
-                <a14:hiddenLine xmlns:a14="http://schemas.microsoft.com/office/drawing/2010/main" xmlns="" w="9525">
+                <a14:hiddenLine xmlns="" xmlns:a14="http://schemas.microsoft.com/office/drawing/2010/main" w="9525">
                   <a:solidFill>
                     <a:srgbClr val="000000"/>
                   </a:solidFill>
@@ -4535,7 +4535,7 @@
             </a:ln>
             <a:extLst>
               <a:ext uri="{91240B29-F687-4f45-9708-019B960494DF}">
-                <a14:hiddenLine xmlns:a14="http://schemas.microsoft.com/office/drawing/2010/main" xmlns="" w="9525">
+                <a14:hiddenLine xmlns="" xmlns:a14="http://schemas.microsoft.com/office/drawing/2010/main" w="9525">
                   <a:solidFill>
                     <a:srgbClr val="000000"/>
                   </a:solidFill>
@@ -4655,7 +4655,7 @@
             </a:ln>
             <a:extLst>
               <a:ext uri="{91240B29-F687-4f45-9708-019B960494DF}">
-                <a14:hiddenLine xmlns:a14="http://schemas.microsoft.com/office/drawing/2010/main" xmlns="" w="9525">
+                <a14:hiddenLine xmlns="" xmlns:a14="http://schemas.microsoft.com/office/drawing/2010/main" w="9525">
                   <a:solidFill>
                     <a:srgbClr val="000000"/>
                   </a:solidFill>
@@ -4723,7 +4723,7 @@
             </a:ln>
             <a:extLst>
               <a:ext uri="{91240B29-F687-4f45-9708-019B960494DF}">
-                <a14:hiddenLine xmlns:a14="http://schemas.microsoft.com/office/drawing/2010/main" xmlns="" w="9525">
+                <a14:hiddenLine xmlns="" xmlns:a14="http://schemas.microsoft.com/office/drawing/2010/main" w="9525">
                   <a:solidFill>
                     <a:srgbClr val="000000"/>
                   </a:solidFill>
@@ -4813,7 +4813,7 @@
             </a:ln>
             <a:extLst>
               <a:ext uri="{91240B29-F687-4f45-9708-019B960494DF}">
-                <a14:hiddenLine xmlns:a14="http://schemas.microsoft.com/office/drawing/2010/main" xmlns="" w="9525">
+                <a14:hiddenLine xmlns="" xmlns:a14="http://schemas.microsoft.com/office/drawing/2010/main" w="9525">
                   <a:solidFill>
                     <a:srgbClr val="000000"/>
                   </a:solidFill>
@@ -4951,9 +4951,9 @@
           <a:bodyPr/>
           <a:lstStyle/>
           <a:p>
-            <a:fld id="{EC4347D3-4C9A-C240-8F14-750059DFEEB0}" type="datetimeFigureOut">
+            <a:fld id="{402D7A8C-E8C9-C044-B17F-4F3BDC02CA13}" type="datetime1">
               <a:rPr lang="en-US" smtClean="0"/>
-              <a:t>1/13/25</a:t>
+              <a:t>8/20/25</a:t>
             </a:fld>
             <a:endParaRPr lang="en-US"/>
           </a:p>
@@ -5218,9 +5218,9 @@
           <a:bodyPr/>
           <a:lstStyle/>
           <a:p>
-            <a:fld id="{EC4347D3-4C9A-C240-8F14-750059DFEEB0}" type="datetimeFigureOut">
+            <a:fld id="{37F8A4E9-907E-024F-942D-1027DBDB6B95}" type="datetime1">
               <a:rPr lang="en-US" smtClean="0"/>
-              <a:t>1/13/25</a:t>
+              <a:t>8/20/25</a:t>
             </a:fld>
             <a:endParaRPr lang="en-US"/>
           </a:p>
@@ -5414,9 +5414,9 @@
           <a:bodyPr/>
           <a:lstStyle/>
           <a:p>
-            <a:fld id="{EC4347D3-4C9A-C240-8F14-750059DFEEB0}" type="datetimeFigureOut">
+            <a:fld id="{0FE75626-F07C-1141-9EC1-D81C02E85261}" type="datetime1">
               <a:rPr lang="en-US" smtClean="0"/>
-              <a:t>1/13/25</a:t>
+              <a:t>8/20/25</a:t>
             </a:fld>
             <a:endParaRPr lang="en-US"/>
           </a:p>
@@ -5677,9 +5677,9 @@
           <a:bodyPr/>
           <a:lstStyle/>
           <a:p>
-            <a:fld id="{EC4347D3-4C9A-C240-8F14-750059DFEEB0}" type="datetimeFigureOut">
+            <a:fld id="{A542032B-A565-A745-AD03-A3A1AE898D44}" type="datetime1">
               <a:rPr lang="en-US" smtClean="0"/>
-              <a:t>1/13/25</a:t>
+              <a:t>8/20/25</a:t>
             </a:fld>
             <a:endParaRPr lang="en-US"/>
           </a:p>
@@ -6111,9 +6111,9 @@
           <a:bodyPr/>
           <a:lstStyle/>
           <a:p>
-            <a:fld id="{EC4347D3-4C9A-C240-8F14-750059DFEEB0}" type="datetimeFigureOut">
+            <a:fld id="{D07DFA05-D8BC-F743-AAC8-830078F9EC2E}" type="datetime1">
               <a:rPr lang="en-US" smtClean="0"/>
-              <a:t>1/13/25</a:t>
+              <a:t>8/20/25</a:t>
             </a:fld>
             <a:endParaRPr lang="en-US"/>
           </a:p>
@@ -6657,9 +6657,9 @@
           <a:bodyPr/>
           <a:lstStyle/>
           <a:p>
-            <a:fld id="{EC4347D3-4C9A-C240-8F14-750059DFEEB0}" type="datetimeFigureOut">
+            <a:fld id="{A30ACE03-F6AA-B648-AEDA-6D288BF5F57D}" type="datetime1">
               <a:rPr lang="en-US" smtClean="0"/>
-              <a:t>1/13/25</a:t>
+              <a:t>8/20/25</a:t>
             </a:fld>
             <a:endParaRPr lang="en-US"/>
           </a:p>
@@ -7377,9 +7377,9 @@
           <a:bodyPr/>
           <a:lstStyle/>
           <a:p>
-            <a:fld id="{EC4347D3-4C9A-C240-8F14-750059DFEEB0}" type="datetimeFigureOut">
+            <a:fld id="{00CC296A-FFCD-5143-BB88-7498A31860D8}" type="datetime1">
               <a:rPr lang="en-US" smtClean="0"/>
-              <a:t>1/13/25</a:t>
+              <a:t>8/20/25</a:t>
             </a:fld>
             <a:endParaRPr lang="en-US"/>
           </a:p>
@@ -7547,9 +7547,9 @@
           <a:bodyPr/>
           <a:lstStyle/>
           <a:p>
-            <a:fld id="{EC4347D3-4C9A-C240-8F14-750059DFEEB0}" type="datetimeFigureOut">
+            <a:fld id="{C6A5FF73-2E33-5542-B000-2DC2E7840EBF}" type="datetime1">
               <a:rPr lang="en-US" smtClean="0"/>
-              <a:t>1/13/25</a:t>
+              <a:t>8/20/25</a:t>
             </a:fld>
             <a:endParaRPr lang="en-US"/>
           </a:p>
@@ -7727,9 +7727,9 @@
           <a:bodyPr/>
           <a:lstStyle/>
           <a:p>
-            <a:fld id="{EC4347D3-4C9A-C240-8F14-750059DFEEB0}" type="datetimeFigureOut">
+            <a:fld id="{02F42606-263B-9C4F-8747-C46201865648}" type="datetime1">
               <a:rPr lang="en-US" smtClean="0"/>
-              <a:t>1/13/25</a:t>
+              <a:t>8/20/25</a:t>
             </a:fld>
             <a:endParaRPr lang="en-US"/>
           </a:p>
@@ -7897,9 +7897,9 @@
           <a:bodyPr/>
           <a:lstStyle/>
           <a:p>
-            <a:fld id="{EC4347D3-4C9A-C240-8F14-750059DFEEB0}" type="datetimeFigureOut">
+            <a:fld id="{5F8D537B-242B-6E4B-B3AA-5700AD130DAB}" type="datetime1">
               <a:rPr lang="en-US" smtClean="0"/>
-              <a:t>1/13/25</a:t>
+              <a:t>8/20/25</a:t>
             </a:fld>
             <a:endParaRPr lang="en-US"/>
           </a:p>
@@ -8147,9 +8147,9 @@
           <a:bodyPr/>
           <a:lstStyle/>
           <a:p>
-            <a:fld id="{EC4347D3-4C9A-C240-8F14-750059DFEEB0}" type="datetimeFigureOut">
+            <a:fld id="{7BE0DB53-1439-2E4C-8FEF-8A4982596F3C}" type="datetime1">
               <a:rPr lang="en-US" smtClean="0"/>
-              <a:t>1/13/25</a:t>
+              <a:t>8/20/25</a:t>
             </a:fld>
             <a:endParaRPr lang="en-US"/>
           </a:p>
@@ -8379,9 +8379,9 @@
           <a:bodyPr/>
           <a:lstStyle/>
           <a:p>
-            <a:fld id="{EC4347D3-4C9A-C240-8F14-750059DFEEB0}" type="datetimeFigureOut">
+            <a:fld id="{DC68B4C4-E214-B54E-A5C2-DF036DC63B34}" type="datetime1">
               <a:rPr lang="en-US" smtClean="0"/>
-              <a:t>1/13/25</a:t>
+              <a:t>8/20/25</a:t>
             </a:fld>
             <a:endParaRPr lang="en-US"/>
           </a:p>
@@ -8765,9 +8765,9 @@
           <a:bodyPr/>
           <a:lstStyle/>
           <a:p>
-            <a:fld id="{EC4347D3-4C9A-C240-8F14-750059DFEEB0}" type="datetimeFigureOut">
+            <a:fld id="{7FAC456D-E6B2-0642-9BEB-83D0B9BAC47F}" type="datetime1">
               <a:rPr lang="en-US" smtClean="0"/>
-              <a:t>1/13/25</a:t>
+              <a:t>8/20/25</a:t>
             </a:fld>
             <a:endParaRPr lang="en-US"/>
           </a:p>
@@ -8888,9 +8888,9 @@
           <a:bodyPr/>
           <a:lstStyle/>
           <a:p>
-            <a:fld id="{EC4347D3-4C9A-C240-8F14-750059DFEEB0}" type="datetimeFigureOut">
+            <a:fld id="{16AA1968-45EA-A240-A17F-44B2A8A0BB1D}" type="datetime1">
               <a:rPr lang="en-US" smtClean="0"/>
-              <a:t>1/13/25</a:t>
+              <a:t>8/20/25</a:t>
             </a:fld>
             <a:endParaRPr lang="en-US"/>
           </a:p>
@@ -8983,9 +8983,9 @@
           <a:bodyPr/>
           <a:lstStyle/>
           <a:p>
-            <a:fld id="{EC4347D3-4C9A-C240-8F14-750059DFEEB0}" type="datetimeFigureOut">
+            <a:fld id="{26CFB313-9C91-AB4A-9BD3-BE60645D454E}" type="datetime1">
               <a:rPr lang="en-US" smtClean="0"/>
-              <a:t>1/13/25</a:t>
+              <a:t>8/20/25</a:t>
             </a:fld>
             <a:endParaRPr lang="en-US"/>
           </a:p>
@@ -9232,9 +9232,9 @@
           <a:bodyPr/>
           <a:lstStyle/>
           <a:p>
-            <a:fld id="{EC4347D3-4C9A-C240-8F14-750059DFEEB0}" type="datetimeFigureOut">
+            <a:fld id="{400DE57A-C1B2-FD48-B4C3-5BEA75776498}" type="datetime1">
               <a:rPr lang="en-US" smtClean="0"/>
-              <a:t>1/13/25</a:t>
+              <a:t>8/20/25</a:t>
             </a:fld>
             <a:endParaRPr lang="en-US"/>
           </a:p>
@@ -9517,9 +9517,9 @@
           <a:bodyPr/>
           <a:lstStyle/>
           <a:p>
-            <a:fld id="{EC4347D3-4C9A-C240-8F14-750059DFEEB0}" type="datetimeFigureOut">
+            <a:fld id="{A982DE63-F783-CF4C-A886-D3D65D6D3AA3}" type="datetime1">
               <a:rPr lang="en-US" smtClean="0"/>
-              <a:t>1/13/25</a:t>
+              <a:t>8/20/25</a:t>
             </a:fld>
             <a:endParaRPr lang="en-US"/>
           </a:p>
@@ -9642,7 +9642,7 @@
           <a:noFill/>
           <a:extLst>
             <a:ext uri="{909E8E84-426E-40dd-AFC4-6F175D3DCCD1}">
-              <a14:hiddenFill xmlns:a14="http://schemas.microsoft.com/office/drawing/2010/main" xmlns="">
+              <a14:hiddenFill xmlns="" xmlns:a14="http://schemas.microsoft.com/office/drawing/2010/main">
                 <a:solidFill>
                   <a:srgbClr val="FFFFFF"/>
                 </a:solidFill>
@@ -9716,7 +9716,7 @@
               </a:ln>
               <a:extLst>
                 <a:ext uri="{91240B29-F687-4f45-9708-019B960494DF}">
-                  <a14:hiddenLine xmlns:a14="http://schemas.microsoft.com/office/drawing/2010/main" xmlns="" w="9525">
+                  <a14:hiddenLine xmlns="" xmlns:a14="http://schemas.microsoft.com/office/drawing/2010/main" w="9525">
                     <a:solidFill>
                       <a:srgbClr val="000000"/>
                     </a:solidFill>
@@ -9806,7 +9806,7 @@
               </a:ln>
               <a:extLst>
                 <a:ext uri="{91240B29-F687-4f45-9708-019B960494DF}">
-                  <a14:hiddenLine xmlns:a14="http://schemas.microsoft.com/office/drawing/2010/main" xmlns="" w="9525">
+                  <a14:hiddenLine xmlns="" xmlns:a14="http://schemas.microsoft.com/office/drawing/2010/main" w="9525">
                     <a:solidFill>
                       <a:srgbClr val="000000"/>
                     </a:solidFill>
@@ -9896,7 +9896,7 @@
               </a:ln>
               <a:extLst>
                 <a:ext uri="{91240B29-F687-4f45-9708-019B960494DF}">
-                  <a14:hiddenLine xmlns:a14="http://schemas.microsoft.com/office/drawing/2010/main" xmlns="" w="9525">
+                  <a14:hiddenLine xmlns="" xmlns:a14="http://schemas.microsoft.com/office/drawing/2010/main" w="9525">
                     <a:solidFill>
                       <a:srgbClr val="000000"/>
                     </a:solidFill>
@@ -9958,7 +9958,7 @@
               </a:ln>
               <a:extLst>
                 <a:ext uri="{91240B29-F687-4f45-9708-019B960494DF}">
-                  <a14:hiddenLine xmlns:a14="http://schemas.microsoft.com/office/drawing/2010/main" xmlns="" w="9525">
+                  <a14:hiddenLine xmlns="" xmlns:a14="http://schemas.microsoft.com/office/drawing/2010/main" w="9525">
                     <a:solidFill>
                       <a:srgbClr val="000000"/>
                     </a:solidFill>
@@ -10048,7 +10048,7 @@
               </a:ln>
               <a:extLst>
                 <a:ext uri="{91240B29-F687-4f45-9708-019B960494DF}">
-                  <a14:hiddenLine xmlns:a14="http://schemas.microsoft.com/office/drawing/2010/main" xmlns="" w="9525">
+                  <a14:hiddenLine xmlns="" xmlns:a14="http://schemas.microsoft.com/office/drawing/2010/main" w="9525">
                     <a:solidFill>
                       <a:srgbClr val="000000"/>
                     </a:solidFill>
@@ -10110,7 +10110,7 @@
               </a:ln>
               <a:extLst>
                 <a:ext uri="{91240B29-F687-4f45-9708-019B960494DF}">
-                  <a14:hiddenLine xmlns:a14="http://schemas.microsoft.com/office/drawing/2010/main" xmlns="" w="9525">
+                  <a14:hiddenLine xmlns="" xmlns:a14="http://schemas.microsoft.com/office/drawing/2010/main" w="9525">
                     <a:solidFill>
                       <a:srgbClr val="000000"/>
                     </a:solidFill>
@@ -10172,7 +10172,7 @@
               </a:ln>
               <a:extLst>
                 <a:ext uri="{91240B29-F687-4f45-9708-019B960494DF}">
-                  <a14:hiddenLine xmlns:a14="http://schemas.microsoft.com/office/drawing/2010/main" xmlns="" w="9525">
+                  <a14:hiddenLine xmlns="" xmlns:a14="http://schemas.microsoft.com/office/drawing/2010/main" w="9525">
                     <a:solidFill>
                       <a:srgbClr val="000000"/>
                     </a:solidFill>
@@ -10262,7 +10262,7 @@
               </a:ln>
               <a:extLst>
                 <a:ext uri="{91240B29-F687-4f45-9708-019B960494DF}">
-                  <a14:hiddenLine xmlns:a14="http://schemas.microsoft.com/office/drawing/2010/main" xmlns="" w="9525">
+                  <a14:hiddenLine xmlns="" xmlns:a14="http://schemas.microsoft.com/office/drawing/2010/main" w="9525">
                     <a:solidFill>
                       <a:srgbClr val="000000"/>
                     </a:solidFill>
@@ -10352,7 +10352,7 @@
               </a:ln>
               <a:extLst>
                 <a:ext uri="{91240B29-F687-4f45-9708-019B960494DF}">
-                  <a14:hiddenLine xmlns:a14="http://schemas.microsoft.com/office/drawing/2010/main" xmlns="" w="9525">
+                  <a14:hiddenLine xmlns="" xmlns:a14="http://schemas.microsoft.com/office/drawing/2010/main" w="9525">
                     <a:solidFill>
                       <a:srgbClr val="000000"/>
                     </a:solidFill>
@@ -10414,7 +10414,7 @@
               </a:ln>
               <a:extLst>
                 <a:ext uri="{91240B29-F687-4f45-9708-019B960494DF}">
-                  <a14:hiddenLine xmlns:a14="http://schemas.microsoft.com/office/drawing/2010/main" xmlns="" w="9525">
+                  <a14:hiddenLine xmlns="" xmlns:a14="http://schemas.microsoft.com/office/drawing/2010/main" w="9525">
                     <a:solidFill>
                       <a:srgbClr val="000000"/>
                     </a:solidFill>
@@ -10524,7 +10524,7 @@
               </a:ln>
               <a:extLst>
                 <a:ext uri="{91240B29-F687-4f45-9708-019B960494DF}">
-                  <a14:hiddenLine xmlns:a14="http://schemas.microsoft.com/office/drawing/2010/main" xmlns="" w="9525">
+                  <a14:hiddenLine xmlns="" xmlns:a14="http://schemas.microsoft.com/office/drawing/2010/main" w="9525">
                     <a:solidFill>
                       <a:srgbClr val="000000"/>
                     </a:solidFill>
@@ -10608,7 +10608,7 @@
               </a:ln>
               <a:extLst>
                 <a:ext uri="{91240B29-F687-4f45-9708-019B960494DF}">
-                  <a14:hiddenLine xmlns:a14="http://schemas.microsoft.com/office/drawing/2010/main" xmlns="" w="9525">
+                  <a14:hiddenLine xmlns="" xmlns:a14="http://schemas.microsoft.com/office/drawing/2010/main" w="9525">
                     <a:solidFill>
                       <a:srgbClr val="000000"/>
                     </a:solidFill>
@@ -10670,7 +10670,7 @@
               </a:ln>
               <a:extLst>
                 <a:ext uri="{91240B29-F687-4f45-9708-019B960494DF}">
-                  <a14:hiddenLine xmlns:a14="http://schemas.microsoft.com/office/drawing/2010/main" xmlns="" w="9525">
+                  <a14:hiddenLine xmlns="" xmlns:a14="http://schemas.microsoft.com/office/drawing/2010/main" w="9525">
                     <a:solidFill>
                       <a:srgbClr val="000000"/>
                     </a:solidFill>
@@ -10732,7 +10732,7 @@
               </a:ln>
               <a:extLst>
                 <a:ext uri="{91240B29-F687-4f45-9708-019B960494DF}">
-                  <a14:hiddenLine xmlns:a14="http://schemas.microsoft.com/office/drawing/2010/main" xmlns="" w="9525">
+                  <a14:hiddenLine xmlns="" xmlns:a14="http://schemas.microsoft.com/office/drawing/2010/main" w="9525">
                     <a:solidFill>
                       <a:srgbClr val="000000"/>
                     </a:solidFill>
@@ -10822,7 +10822,7 @@
               </a:ln>
               <a:extLst>
                 <a:ext uri="{91240B29-F687-4f45-9708-019B960494DF}">
-                  <a14:hiddenLine xmlns:a14="http://schemas.microsoft.com/office/drawing/2010/main" xmlns="" w="9525">
+                  <a14:hiddenLine xmlns="" xmlns:a14="http://schemas.microsoft.com/office/drawing/2010/main" w="9525">
                     <a:solidFill>
                       <a:srgbClr val="000000"/>
                     </a:solidFill>
@@ -10856,7 +10856,7 @@
               </a:ln>
               <a:extLst>
                 <a:ext uri="{91240B29-F687-4f45-9708-019B960494DF}">
-                  <a14:hiddenLine xmlns:a14="http://schemas.microsoft.com/office/drawing/2010/main" xmlns="" w="9525">
+                  <a14:hiddenLine xmlns="" xmlns:a14="http://schemas.microsoft.com/office/drawing/2010/main" w="9525">
                     <a:solidFill>
                       <a:srgbClr val="000000"/>
                     </a:solidFill>
@@ -10921,7 +10921,7 @@
               </a:ln>
               <a:extLst>
                 <a:ext uri="{91240B29-F687-4f45-9708-019B960494DF}">
-                  <a14:hiddenLine xmlns:a14="http://schemas.microsoft.com/office/drawing/2010/main" xmlns="" w="9525">
+                  <a14:hiddenLine xmlns="" xmlns:a14="http://schemas.microsoft.com/office/drawing/2010/main" w="9525">
                     <a:solidFill>
                       <a:srgbClr val="000000"/>
                     </a:solidFill>
@@ -11011,7 +11011,7 @@
               </a:ln>
               <a:extLst>
                 <a:ext uri="{91240B29-F687-4f45-9708-019B960494DF}">
-                  <a14:hiddenLine xmlns:a14="http://schemas.microsoft.com/office/drawing/2010/main" xmlns="" w="9525">
+                  <a14:hiddenLine xmlns="" xmlns:a14="http://schemas.microsoft.com/office/drawing/2010/main" w="9525">
                     <a:solidFill>
                       <a:srgbClr val="000000"/>
                     </a:solidFill>
@@ -11073,7 +11073,7 @@
               </a:ln>
               <a:extLst>
                 <a:ext uri="{91240B29-F687-4f45-9708-019B960494DF}">
-                  <a14:hiddenLine xmlns:a14="http://schemas.microsoft.com/office/drawing/2010/main" xmlns="" w="9525">
+                  <a14:hiddenLine xmlns="" xmlns:a14="http://schemas.microsoft.com/office/drawing/2010/main" w="9525">
                     <a:solidFill>
                       <a:srgbClr val="000000"/>
                     </a:solidFill>
@@ -11163,7 +11163,7 @@
               </a:ln>
               <a:extLst>
                 <a:ext uri="{91240B29-F687-4f45-9708-019B960494DF}">
-                  <a14:hiddenLine xmlns:a14="http://schemas.microsoft.com/office/drawing/2010/main" xmlns="" w="9525">
+                  <a14:hiddenLine xmlns="" xmlns:a14="http://schemas.microsoft.com/office/drawing/2010/main" w="9525">
                     <a:solidFill>
                       <a:srgbClr val="000000"/>
                     </a:solidFill>
@@ -11228,7 +11228,7 @@
               </a:ln>
               <a:extLst>
                 <a:ext uri="{91240B29-F687-4f45-9708-019B960494DF}">
-                  <a14:hiddenLine xmlns:a14="http://schemas.microsoft.com/office/drawing/2010/main" xmlns="" w="9525">
+                  <a14:hiddenLine xmlns="" xmlns:a14="http://schemas.microsoft.com/office/drawing/2010/main" w="9525">
                     <a:solidFill>
                       <a:srgbClr val="000000"/>
                     </a:solidFill>
@@ -11290,7 +11290,7 @@
               </a:ln>
               <a:extLst>
                 <a:ext uri="{91240B29-F687-4f45-9708-019B960494DF}">
-                  <a14:hiddenLine xmlns:a14="http://schemas.microsoft.com/office/drawing/2010/main" xmlns="" w="9525">
+                  <a14:hiddenLine xmlns="" xmlns:a14="http://schemas.microsoft.com/office/drawing/2010/main" w="9525">
                     <a:solidFill>
                       <a:srgbClr val="000000"/>
                     </a:solidFill>
@@ -11380,7 +11380,7 @@
               </a:ln>
               <a:extLst>
                 <a:ext uri="{91240B29-F687-4f45-9708-019B960494DF}">
-                  <a14:hiddenLine xmlns:a14="http://schemas.microsoft.com/office/drawing/2010/main" xmlns="" w="9525">
+                  <a14:hiddenLine xmlns="" xmlns:a14="http://schemas.microsoft.com/office/drawing/2010/main" w="9525">
                     <a:solidFill>
                       <a:srgbClr val="000000"/>
                     </a:solidFill>
@@ -11470,7 +11470,7 @@
               </a:ln>
               <a:extLst>
                 <a:ext uri="{91240B29-F687-4f45-9708-019B960494DF}">
-                  <a14:hiddenLine xmlns:a14="http://schemas.microsoft.com/office/drawing/2010/main" xmlns="" w="9525">
+                  <a14:hiddenLine xmlns="" xmlns:a14="http://schemas.microsoft.com/office/drawing/2010/main" w="9525">
                     <a:solidFill>
                       <a:srgbClr val="000000"/>
                     </a:solidFill>
@@ -11535,7 +11535,7 @@
               </a:ln>
               <a:extLst>
                 <a:ext uri="{91240B29-F687-4f45-9708-019B960494DF}">
-                  <a14:hiddenLine xmlns:a14="http://schemas.microsoft.com/office/drawing/2010/main" xmlns="" w="9525">
+                  <a14:hiddenLine xmlns="" xmlns:a14="http://schemas.microsoft.com/office/drawing/2010/main" w="9525">
                     <a:solidFill>
                       <a:srgbClr val="000000"/>
                     </a:solidFill>
@@ -11655,7 +11655,7 @@
               </a:ln>
               <a:extLst>
                 <a:ext uri="{91240B29-F687-4f45-9708-019B960494DF}">
-                  <a14:hiddenLine xmlns:a14="http://schemas.microsoft.com/office/drawing/2010/main" xmlns="" w="9525">
+                  <a14:hiddenLine xmlns="" xmlns:a14="http://schemas.microsoft.com/office/drawing/2010/main" w="9525">
                     <a:solidFill>
                       <a:srgbClr val="000000"/>
                     </a:solidFill>
@@ -11736,7 +11736,7 @@
               </a:ln>
               <a:extLst>
                 <a:ext uri="{91240B29-F687-4f45-9708-019B960494DF}">
-                  <a14:hiddenLine xmlns:a14="http://schemas.microsoft.com/office/drawing/2010/main" xmlns="" w="9525">
+                  <a14:hiddenLine xmlns="" xmlns:a14="http://schemas.microsoft.com/office/drawing/2010/main" w="9525">
                     <a:solidFill>
                       <a:srgbClr val="000000"/>
                     </a:solidFill>
@@ -11851,7 +11851,7 @@
               </a:ln>
               <a:extLst>
                 <a:ext uri="{91240B29-F687-4f45-9708-019B960494DF}">
-                  <a14:hiddenLine xmlns:a14="http://schemas.microsoft.com/office/drawing/2010/main" xmlns="" w="9525">
+                  <a14:hiddenLine xmlns="" xmlns:a14="http://schemas.microsoft.com/office/drawing/2010/main" w="9525">
                     <a:solidFill>
                       <a:srgbClr val="000000"/>
                     </a:solidFill>
@@ -11941,7 +11941,7 @@
               </a:ln>
               <a:extLst>
                 <a:ext uri="{91240B29-F687-4f45-9708-019B960494DF}">
-                  <a14:hiddenLine xmlns:a14="http://schemas.microsoft.com/office/drawing/2010/main" xmlns="" w="9525">
+                  <a14:hiddenLine xmlns="" xmlns:a14="http://schemas.microsoft.com/office/drawing/2010/main" w="9525">
                     <a:solidFill>
                       <a:srgbClr val="000000"/>
                     </a:solidFill>
@@ -12006,7 +12006,7 @@
               </a:ln>
               <a:extLst>
                 <a:ext uri="{91240B29-F687-4f45-9708-019B960494DF}">
-                  <a14:hiddenLine xmlns:a14="http://schemas.microsoft.com/office/drawing/2010/main" xmlns="" w="9525">
+                  <a14:hiddenLine xmlns="" xmlns:a14="http://schemas.microsoft.com/office/drawing/2010/main" w="9525">
                     <a:solidFill>
                       <a:srgbClr val="000000"/>
                     </a:solidFill>
@@ -12096,7 +12096,7 @@
               </a:ln>
               <a:extLst>
                 <a:ext uri="{91240B29-F687-4f45-9708-019B960494DF}">
-                  <a14:hiddenLine xmlns:a14="http://schemas.microsoft.com/office/drawing/2010/main" xmlns="" w="9525">
+                  <a14:hiddenLine xmlns="" xmlns:a14="http://schemas.microsoft.com/office/drawing/2010/main" w="9525">
                     <a:solidFill>
                       <a:srgbClr val="000000"/>
                     </a:solidFill>
@@ -12164,7 +12164,7 @@
               </a:ln>
               <a:extLst>
                 <a:ext uri="{91240B29-F687-4f45-9708-019B960494DF}">
-                  <a14:hiddenLine xmlns:a14="http://schemas.microsoft.com/office/drawing/2010/main" xmlns="" w="9525">
+                  <a14:hiddenLine xmlns="" xmlns:a14="http://schemas.microsoft.com/office/drawing/2010/main" w="9525">
                     <a:solidFill>
                       <a:srgbClr val="000000"/>
                     </a:solidFill>
@@ -12254,7 +12254,7 @@
               </a:ln>
               <a:extLst>
                 <a:ext uri="{91240B29-F687-4f45-9708-019B960494DF}">
-                  <a14:hiddenLine xmlns:a14="http://schemas.microsoft.com/office/drawing/2010/main" xmlns="" w="9525">
+                  <a14:hiddenLine xmlns="" xmlns:a14="http://schemas.microsoft.com/office/drawing/2010/main" w="9525">
                     <a:solidFill>
                       <a:srgbClr val="000000"/>
                     </a:solidFill>
@@ -12322,7 +12322,7 @@
               </a:ln>
               <a:extLst>
                 <a:ext uri="{91240B29-F687-4f45-9708-019B960494DF}">
-                  <a14:hiddenLine xmlns:a14="http://schemas.microsoft.com/office/drawing/2010/main" xmlns="" w="9525">
+                  <a14:hiddenLine xmlns="" xmlns:a14="http://schemas.microsoft.com/office/drawing/2010/main" w="9525">
                     <a:solidFill>
                       <a:srgbClr val="000000"/>
                     </a:solidFill>
@@ -12412,7 +12412,7 @@
               </a:ln>
               <a:extLst>
                 <a:ext uri="{91240B29-F687-4f45-9708-019B960494DF}">
-                  <a14:hiddenLine xmlns:a14="http://schemas.microsoft.com/office/drawing/2010/main" xmlns="" w="9525">
+                  <a14:hiddenLine xmlns="" xmlns:a14="http://schemas.microsoft.com/office/drawing/2010/main" w="9525">
                     <a:solidFill>
                       <a:srgbClr val="000000"/>
                     </a:solidFill>
@@ -12446,7 +12446,7 @@
               </a:ln>
               <a:extLst>
                 <a:ext uri="{91240B29-F687-4f45-9708-019B960494DF}">
-                  <a14:hiddenLine xmlns:a14="http://schemas.microsoft.com/office/drawing/2010/main" xmlns="" w="9525">
+                  <a14:hiddenLine xmlns="" xmlns:a14="http://schemas.microsoft.com/office/drawing/2010/main" w="9525">
                     <a:solidFill>
                       <a:srgbClr val="000000"/>
                     </a:solidFill>
@@ -12584,9 +12584,9 @@
             </a:lvl1pPr>
           </a:lstStyle>
           <a:p>
-            <a:fld id="{EC4347D3-4C9A-C240-8F14-750059DFEEB0}" type="datetimeFigureOut">
+            <a:fld id="{59173DD1-A275-4445-AB1E-9DFF752BE39B}" type="datetime1">
               <a:rPr lang="en-US" smtClean="0"/>
-              <a:t>1/13/25</a:t>
+              <a:t>8/20/25</a:t>
             </a:fld>
             <a:endParaRPr lang="en-US"/>
           </a:p>
@@ -12697,6 +12697,7 @@
     <p:sldLayoutId id="2147484022" r:id="rId16"/>
     <p:sldLayoutId id="2147484023" r:id="rId17"/>
   </p:sldLayoutIdLst>
+  <p:hf sldNum="0" hdr="0" ftr="0" dt="0"/>
   <p:txStyles>
     <p:titleStyle>
       <a:lvl1pPr algn="l" defTabSz="914400" rtl="0" eaLnBrk="1" latinLnBrk="0" hangingPunct="1">
@@ -13078,7 +13079,7 @@
             </a:br>
             <a:r>
               <a:rPr lang="en-US" dirty="0"/>
-              <a:t>Mark Floryan</a:t>
+              <a:t>Mark Floryan, Ray Pettit</a:t>
             </a:r>
             <a:br>
               <a:rPr lang="en-US" dirty="0"/>
@@ -13314,30 +13315,6 @@
               <a:rPr lang="en-US" dirty="0"/>
               <a:t>Be effective in letting you know how you’re doing</a:t>
             </a:r>
-          </a:p>
-        </p:txBody>
-      </p:sp>
-      <p:sp>
-        <p:nvSpPr>
-          <p:cNvPr id="4" name="Slide Number Placeholder 3"/>
-          <p:cNvSpPr>
-            <a:spLocks noGrp="1"/>
-          </p:cNvSpPr>
-          <p:nvPr>
-            <p:ph type="sldNum" sz="quarter" idx="12"/>
-          </p:nvPr>
-        </p:nvSpPr>
-        <p:spPr/>
-        <p:txBody>
-          <a:bodyPr/>
-          <a:lstStyle/>
-          <a:p>
-            <a:fld id="{F26D9103-0C5C-48AC-B68E-3ED2C1647047}" type="slidenum">
-              <a:rPr lang="en-US" smtClean="0"/>
-              <a:pPr/>
-              <a:t>10</a:t>
-            </a:fld>
-            <a:endParaRPr lang="en-US"/>
           </a:p>
         </p:txBody>
       </p:sp>
@@ -13681,30 +13658,6 @@
           </a:p>
         </p:txBody>
       </p:sp>
-      <p:sp>
-        <p:nvSpPr>
-          <p:cNvPr id="4" name="Slide Number Placeholder 3"/>
-          <p:cNvSpPr>
-            <a:spLocks noGrp="1"/>
-          </p:cNvSpPr>
-          <p:nvPr>
-            <p:ph type="sldNum" sz="quarter" idx="12"/>
-          </p:nvPr>
-        </p:nvSpPr>
-        <p:spPr/>
-        <p:txBody>
-          <a:bodyPr/>
-          <a:lstStyle/>
-          <a:p>
-            <a:fld id="{F26D9103-0C5C-48AC-B68E-3ED2C1647047}" type="slidenum">
-              <a:rPr lang="en-US" smtClean="0"/>
-              <a:pPr/>
-              <a:t>11</a:t>
-            </a:fld>
-            <a:endParaRPr lang="en-US"/>
-          </a:p>
-        </p:txBody>
-      </p:sp>
     </p:spTree>
     <p:extLst>
       <p:ext uri="{BB962C8B-B14F-4D97-AF65-F5344CB8AC3E}">
@@ -13801,30 +13754,6 @@
               <a:buNone/>
             </a:pPr>
             <a:endParaRPr lang="en-US" dirty="0"/>
-          </a:p>
-        </p:txBody>
-      </p:sp>
-      <p:sp>
-        <p:nvSpPr>
-          <p:cNvPr id="8" name="Slide Number Placeholder 7"/>
-          <p:cNvSpPr>
-            <a:spLocks noGrp="1"/>
-          </p:cNvSpPr>
-          <p:nvPr>
-            <p:ph type="sldNum" sz="quarter" idx="12"/>
-          </p:nvPr>
-        </p:nvSpPr>
-        <p:spPr/>
-        <p:txBody>
-          <a:bodyPr/>
-          <a:lstStyle/>
-          <a:p>
-            <a:fld id="{F26D9103-0C5C-48AC-B68E-3ED2C1647047}" type="slidenum">
-              <a:rPr lang="en-US" smtClean="0"/>
-              <a:pPr/>
-              <a:t>12</a:t>
-            </a:fld>
-            <a:endParaRPr lang="en-US"/>
           </a:p>
         </p:txBody>
       </p:sp>
@@ -14210,7 +14139,14 @@
             <a:pPr lvl="1"/>
             <a:r>
               <a:rPr lang="en-US" dirty="0"/>
-              <a:t>Tu / Th 11:00 – 12:15 am @ John W. Warner Hall 209</a:t>
+              <a:t>Tu / Th 9:30 – 10:45 am @ Olsson Hall 120 (Floryan)</a:t>
+            </a:r>
+          </a:p>
+          <a:p>
+            <a:pPr lvl="1"/>
+            <a:r>
+              <a:rPr lang="en-US" dirty="0"/>
+              <a:t>Tu / Th 3:30 – 4:45 pm @ Olsson Hall 120 (Pettit)</a:t>
             </a:r>
           </a:p>
           <a:p>
@@ -14259,36 +14195,6 @@
           </a:p>
           <a:p>
             <a:endParaRPr lang="en-US" dirty="0"/>
-          </a:p>
-        </p:txBody>
-      </p:sp>
-      <p:sp>
-        <p:nvSpPr>
-          <p:cNvPr id="3" name="Slide Number Placeholder 2">
-            <a:extLst>
-              <a:ext uri="{FF2B5EF4-FFF2-40B4-BE49-F238E27FC236}">
-                <a16:creationId xmlns:a16="http://schemas.microsoft.com/office/drawing/2014/main" id="{6D13540E-69A5-B74F-91AB-DED5BA9812E6}"/>
-              </a:ext>
-            </a:extLst>
-          </p:cNvPr>
-          <p:cNvSpPr>
-            <a:spLocks noGrp="1"/>
-          </p:cNvSpPr>
-          <p:nvPr>
-            <p:ph type="sldNum" sz="quarter" idx="12"/>
-          </p:nvPr>
-        </p:nvSpPr>
-        <p:spPr/>
-        <p:txBody>
-          <a:bodyPr/>
-          <a:lstStyle/>
-          <a:p>
-            <a:fld id="{F26D9103-0C5C-48AC-B68E-3ED2C1647047}" type="slidenum">
-              <a:rPr lang="en-US" smtClean="0"/>
-              <a:pPr/>
-              <a:t>13</a:t>
-            </a:fld>
-            <a:endParaRPr lang="en-US"/>
           </a:p>
         </p:txBody>
       </p:sp>
@@ -14423,30 +14329,6 @@
           </a:p>
         </p:txBody>
       </p:sp>
-      <p:sp>
-        <p:nvSpPr>
-          <p:cNvPr id="4" name="Slide Number Placeholder 3"/>
-          <p:cNvSpPr>
-            <a:spLocks noGrp="1"/>
-          </p:cNvSpPr>
-          <p:nvPr>
-            <p:ph type="sldNum" sz="quarter" idx="12"/>
-          </p:nvPr>
-        </p:nvSpPr>
-        <p:spPr/>
-        <p:txBody>
-          <a:bodyPr/>
-          <a:lstStyle/>
-          <a:p>
-            <a:fld id="{F26D9103-0C5C-48AC-B68E-3ED2C1647047}" type="slidenum">
-              <a:rPr lang="en-US" smtClean="0"/>
-              <a:pPr/>
-              <a:t>14</a:t>
-            </a:fld>
-            <a:endParaRPr lang="en-US"/>
-          </a:p>
-        </p:txBody>
-      </p:sp>
     </p:spTree>
     <p:extLst>
       <p:ext uri="{BB962C8B-B14F-4D97-AF65-F5344CB8AC3E}">
@@ -14587,30 +14469,6 @@
           </a:p>
         </p:txBody>
       </p:sp>
-      <p:sp>
-        <p:nvSpPr>
-          <p:cNvPr id="4" name="Slide Number Placeholder 3"/>
-          <p:cNvSpPr>
-            <a:spLocks noGrp="1"/>
-          </p:cNvSpPr>
-          <p:nvPr>
-            <p:ph type="sldNum" sz="quarter" idx="12"/>
-          </p:nvPr>
-        </p:nvSpPr>
-        <p:spPr/>
-        <p:txBody>
-          <a:bodyPr/>
-          <a:lstStyle/>
-          <a:p>
-            <a:fld id="{F26D9103-0C5C-48AC-B68E-3ED2C1647047}" type="slidenum">
-              <a:rPr lang="en-US" smtClean="0"/>
-              <a:pPr/>
-              <a:t>15</a:t>
-            </a:fld>
-            <a:endParaRPr lang="en-US"/>
-          </a:p>
-        </p:txBody>
-      </p:sp>
     </p:spTree>
     <p:extLst>
       <p:ext uri="{BB962C8B-B14F-4D97-AF65-F5344CB8AC3E}">
@@ -14723,14 +14581,30 @@
             <a:pPr lvl="1"/>
             <a:r>
               <a:rPr lang="en-US" sz="2000" dirty="0"/>
-              <a:t>Thu., Feb. 6			Mod 1</a:t>
+              <a:t>Thu., Sep. </a:t>
+            </a:r>
+            <a:r>
+              <a:rPr lang="en-US" dirty="0"/>
+              <a:t>18</a:t>
+            </a:r>
+            <a:r>
+              <a:rPr lang="en-US" sz="2000" dirty="0"/>
+              <a:t>			Mod 1</a:t>
             </a:r>
           </a:p>
           <a:p>
             <a:pPr lvl="1"/>
             <a:r>
               <a:rPr lang="en-US" sz="2000" dirty="0"/>
-              <a:t>Thu., Mar. 6			Mod </a:t>
+              <a:t>Thu., Oct. </a:t>
+            </a:r>
+            <a:r>
+              <a:rPr lang="en-US" dirty="0"/>
+              <a:t>9	</a:t>
+            </a:r>
+            <a:r>
+              <a:rPr lang="en-US" sz="2000" dirty="0"/>
+              <a:t>			Mod </a:t>
             </a:r>
             <a:r>
               <a:rPr lang="en-US" dirty="0"/>
@@ -14741,34 +14615,30 @@
             <a:pPr lvl="1"/>
             <a:r>
               <a:rPr lang="en-US" sz="2000" dirty="0"/>
-              <a:t>Thu., </a:t>
-            </a:r>
-            <a:r>
-              <a:rPr lang="en-US" dirty="0"/>
-              <a:t>Mar</a:t>
+              <a:t>Thu., Oct. </a:t>
+            </a:r>
+            <a:r>
+              <a:rPr lang="en-US" dirty="0"/>
+              <a:t>30</a:t>
             </a:r>
             <a:r>
               <a:rPr lang="en-US" sz="2000" dirty="0"/>
-              <a:t>. 27			Mod 3</a:t>
+              <a:t>			Mod 3</a:t>
             </a:r>
           </a:p>
           <a:p>
             <a:pPr lvl="1"/>
             <a:r>
               <a:rPr lang="en-US" dirty="0"/>
-              <a:t>Thu., Apr. 17			Mod 4</a:t>
+              <a:t>Thu., Nov. 20			Mod 4</a:t>
             </a:r>
             <a:endParaRPr lang="en-US" sz="2000" dirty="0"/>
           </a:p>
           <a:p>
             <a:pPr lvl="1"/>
             <a:r>
-              <a:rPr lang="en-US" sz="2000" dirty="0"/>
-              <a:t>May. 9 </a:t>
-            </a:r>
-            <a:r>
-              <a:rPr lang="en-US" dirty="0"/>
-              <a:t>	</a:t>
+              <a:rPr lang="en-US" dirty="0"/>
+              <a:t>TBD	</a:t>
             </a:r>
             <a:r>
               <a:rPr lang="en-US" sz="2000" dirty="0"/>
@@ -14790,30 +14660,6 @@
           <a:p>
             <a:pPr lvl="1"/>
             <a:endParaRPr lang="en-US" dirty="0"/>
-          </a:p>
-        </p:txBody>
-      </p:sp>
-      <p:sp>
-        <p:nvSpPr>
-          <p:cNvPr id="4" name="Slide Number Placeholder 3"/>
-          <p:cNvSpPr>
-            <a:spLocks noGrp="1"/>
-          </p:cNvSpPr>
-          <p:nvPr>
-            <p:ph type="sldNum" sz="quarter" idx="12"/>
-          </p:nvPr>
-        </p:nvSpPr>
-        <p:spPr/>
-        <p:txBody>
-          <a:bodyPr/>
-          <a:lstStyle/>
-          <a:p>
-            <a:fld id="{F26D9103-0C5C-48AC-B68E-3ED2C1647047}" type="slidenum">
-              <a:rPr lang="en-US" smtClean="0"/>
-              <a:pPr/>
-              <a:t>16</a:t>
-            </a:fld>
-            <a:endParaRPr lang="en-US"/>
           </a:p>
         </p:txBody>
       </p:sp>
@@ -14921,30 +14767,6 @@
           </a:p>
         </p:txBody>
       </p:sp>
-      <p:sp>
-        <p:nvSpPr>
-          <p:cNvPr id="4" name="Slide Number Placeholder 3"/>
-          <p:cNvSpPr>
-            <a:spLocks noGrp="1"/>
-          </p:cNvSpPr>
-          <p:nvPr>
-            <p:ph type="sldNum" sz="quarter" idx="12"/>
-          </p:nvPr>
-        </p:nvSpPr>
-        <p:spPr/>
-        <p:txBody>
-          <a:bodyPr/>
-          <a:lstStyle/>
-          <a:p>
-            <a:fld id="{F26D9103-0C5C-48AC-B68E-3ED2C1647047}" type="slidenum">
-              <a:rPr lang="en-US" smtClean="0"/>
-              <a:pPr/>
-              <a:t>17</a:t>
-            </a:fld>
-            <a:endParaRPr lang="en-US"/>
-          </a:p>
-        </p:txBody>
-      </p:sp>
     </p:spTree>
     <p:extLst>
       <p:ext uri="{BB962C8B-B14F-4D97-AF65-F5344CB8AC3E}">
@@ -15086,30 +14908,6 @@
               <a:rPr lang="en-US" dirty="0"/>
               <a:t>You can attempt all four retakes if you want, but the exams are designed for there to be enough time to do two (maybe three) retakes.</a:t>
             </a:r>
-          </a:p>
-        </p:txBody>
-      </p:sp>
-      <p:sp>
-        <p:nvSpPr>
-          <p:cNvPr id="4" name="Slide Number Placeholder 3"/>
-          <p:cNvSpPr>
-            <a:spLocks noGrp="1"/>
-          </p:cNvSpPr>
-          <p:nvPr>
-            <p:ph type="sldNum" sz="quarter" idx="12"/>
-          </p:nvPr>
-        </p:nvSpPr>
-        <p:spPr/>
-        <p:txBody>
-          <a:bodyPr/>
-          <a:lstStyle/>
-          <a:p>
-            <a:fld id="{F26D9103-0C5C-48AC-B68E-3ED2C1647047}" type="slidenum">
-              <a:rPr lang="en-US" smtClean="0"/>
-              <a:pPr/>
-              <a:t>18</a:t>
-            </a:fld>
-            <a:endParaRPr lang="en-US" dirty="0"/>
           </a:p>
         </p:txBody>
       </p:sp>
@@ -15265,30 +15063,6 @@
               <a:rPr lang="en-US" dirty="0"/>
               <a:t>We won’t have many of these (probably just 1)</a:t>
             </a:r>
-          </a:p>
-        </p:txBody>
-      </p:sp>
-      <p:sp>
-        <p:nvSpPr>
-          <p:cNvPr id="4" name="Slide Number Placeholder 3"/>
-          <p:cNvSpPr>
-            <a:spLocks noGrp="1"/>
-          </p:cNvSpPr>
-          <p:nvPr>
-            <p:ph type="sldNum" sz="quarter" idx="12"/>
-          </p:nvPr>
-        </p:nvSpPr>
-        <p:spPr/>
-        <p:txBody>
-          <a:bodyPr/>
-          <a:lstStyle/>
-          <a:p>
-            <a:fld id="{F26D9103-0C5C-48AC-B68E-3ED2C1647047}" type="slidenum">
-              <a:rPr lang="en-US" smtClean="0"/>
-              <a:pPr/>
-              <a:t>19</a:t>
-            </a:fld>
-            <a:endParaRPr lang="en-US"/>
           </a:p>
         </p:txBody>
       </p:sp>
@@ -15430,30 +15204,6 @@
           </a:p>
         </p:txBody>
       </p:sp>
-      <p:sp>
-        <p:nvSpPr>
-          <p:cNvPr id="4" name="Slide Number Placeholder 3"/>
-          <p:cNvSpPr>
-            <a:spLocks noGrp="1"/>
-          </p:cNvSpPr>
-          <p:nvPr>
-            <p:ph type="sldNum" sz="quarter" idx="12"/>
-          </p:nvPr>
-        </p:nvSpPr>
-        <p:spPr/>
-        <p:txBody>
-          <a:bodyPr/>
-          <a:lstStyle/>
-          <a:p>
-            <a:fld id="{F26D9103-0C5C-48AC-B68E-3ED2C1647047}" type="slidenum">
-              <a:rPr lang="en-US" smtClean="0"/>
-              <a:pPr/>
-              <a:t>2</a:t>
-            </a:fld>
-            <a:endParaRPr lang="en-US" dirty="0"/>
-          </a:p>
-        </p:txBody>
-      </p:sp>
     </p:spTree>
     <p:extLst>
       <p:ext uri="{BB962C8B-B14F-4D97-AF65-F5344CB8AC3E}">
@@ -15602,30 +15352,6 @@
           </a:p>
           <a:p>
             <a:endParaRPr lang="en-US" dirty="0"/>
-          </a:p>
-        </p:txBody>
-      </p:sp>
-      <p:sp>
-        <p:nvSpPr>
-          <p:cNvPr id="4" name="Slide Number Placeholder 3"/>
-          <p:cNvSpPr>
-            <a:spLocks noGrp="1"/>
-          </p:cNvSpPr>
-          <p:nvPr>
-            <p:ph type="sldNum" sz="quarter" idx="12"/>
-          </p:nvPr>
-        </p:nvSpPr>
-        <p:spPr/>
-        <p:txBody>
-          <a:bodyPr/>
-          <a:lstStyle/>
-          <a:p>
-            <a:fld id="{F26D9103-0C5C-48AC-B68E-3ED2C1647047}" type="slidenum">
-              <a:rPr lang="en-US" smtClean="0"/>
-              <a:pPr/>
-              <a:t>20</a:t>
-            </a:fld>
-            <a:endParaRPr lang="en-US"/>
           </a:p>
         </p:txBody>
       </p:sp>
@@ -15751,30 +15477,6 @@
           </a:p>
         </p:txBody>
       </p:sp>
-      <p:sp>
-        <p:nvSpPr>
-          <p:cNvPr id="4" name="Slide Number Placeholder 3"/>
-          <p:cNvSpPr>
-            <a:spLocks noGrp="1"/>
-          </p:cNvSpPr>
-          <p:nvPr>
-            <p:ph type="sldNum" sz="quarter" idx="12"/>
-          </p:nvPr>
-        </p:nvSpPr>
-        <p:spPr/>
-        <p:txBody>
-          <a:bodyPr/>
-          <a:lstStyle/>
-          <a:p>
-            <a:fld id="{F26D9103-0C5C-48AC-B68E-3ED2C1647047}" type="slidenum">
-              <a:rPr lang="en-US" smtClean="0"/>
-              <a:pPr/>
-              <a:t>21</a:t>
-            </a:fld>
-            <a:endParaRPr lang="en-US"/>
-          </a:p>
-        </p:txBody>
-      </p:sp>
     </p:spTree>
     <p:extLst>
       <p:ext uri="{BB962C8B-B14F-4D97-AF65-F5344CB8AC3E}">
@@ -15900,30 +15602,6 @@
           </a:p>
           <a:p>
             <a:endParaRPr lang="en-US" dirty="0"/>
-          </a:p>
-        </p:txBody>
-      </p:sp>
-      <p:sp>
-        <p:nvSpPr>
-          <p:cNvPr id="4" name="Slide Number Placeholder 3"/>
-          <p:cNvSpPr>
-            <a:spLocks noGrp="1"/>
-          </p:cNvSpPr>
-          <p:nvPr>
-            <p:ph type="sldNum" sz="quarter" idx="12"/>
-          </p:nvPr>
-        </p:nvSpPr>
-        <p:spPr/>
-        <p:txBody>
-          <a:bodyPr/>
-          <a:lstStyle/>
-          <a:p>
-            <a:fld id="{F26D9103-0C5C-48AC-B68E-3ED2C1647047}" type="slidenum">
-              <a:rPr lang="en-US" smtClean="0"/>
-              <a:pPr/>
-              <a:t>22</a:t>
-            </a:fld>
-            <a:endParaRPr lang="en-US"/>
           </a:p>
         </p:txBody>
       </p:sp>
@@ -16061,30 +15739,6 @@
           </a:p>
         </p:txBody>
       </p:sp>
-      <p:sp>
-        <p:nvSpPr>
-          <p:cNvPr id="4" name="Slide Number Placeholder 3"/>
-          <p:cNvSpPr>
-            <a:spLocks noGrp="1"/>
-          </p:cNvSpPr>
-          <p:nvPr>
-            <p:ph type="sldNum" sz="quarter" idx="12"/>
-          </p:nvPr>
-        </p:nvSpPr>
-        <p:spPr/>
-        <p:txBody>
-          <a:bodyPr/>
-          <a:lstStyle/>
-          <a:p>
-            <a:fld id="{F26D9103-0C5C-48AC-B68E-3ED2C1647047}" type="slidenum">
-              <a:rPr lang="en-US" smtClean="0"/>
-              <a:pPr/>
-              <a:t>23</a:t>
-            </a:fld>
-            <a:endParaRPr lang="en-US" dirty="0"/>
-          </a:p>
-        </p:txBody>
-      </p:sp>
     </p:spTree>
     <p:extLst>
       <p:ext uri="{BB962C8B-B14F-4D97-AF65-F5344CB8AC3E}">
@@ -16165,30 +15819,6 @@
               <a:rPr lang="en-US" dirty="0"/>
               <a:t>Let’s discuss office hours by looking at the course website.</a:t>
             </a:r>
-          </a:p>
-        </p:txBody>
-      </p:sp>
-      <p:sp>
-        <p:nvSpPr>
-          <p:cNvPr id="4" name="Slide Number Placeholder 3"/>
-          <p:cNvSpPr>
-            <a:spLocks noGrp="1"/>
-          </p:cNvSpPr>
-          <p:nvPr>
-            <p:ph type="sldNum" sz="quarter" idx="12"/>
-          </p:nvPr>
-        </p:nvSpPr>
-        <p:spPr/>
-        <p:txBody>
-          <a:bodyPr/>
-          <a:lstStyle/>
-          <a:p>
-            <a:fld id="{F26D9103-0C5C-48AC-B68E-3ED2C1647047}" type="slidenum">
-              <a:rPr lang="en-US" smtClean="0"/>
-              <a:pPr/>
-              <a:t>24</a:t>
-            </a:fld>
-            <a:endParaRPr lang="en-US" dirty="0"/>
           </a:p>
         </p:txBody>
       </p:sp>
@@ -16304,30 +15934,6 @@
           </a:p>
           <a:p>
             <a:endParaRPr lang="en-US" dirty="0"/>
-          </a:p>
-        </p:txBody>
-      </p:sp>
-      <p:sp>
-        <p:nvSpPr>
-          <p:cNvPr id="4" name="Slide Number Placeholder 3"/>
-          <p:cNvSpPr>
-            <a:spLocks noGrp="1"/>
-          </p:cNvSpPr>
-          <p:nvPr>
-            <p:ph type="sldNum" sz="quarter" idx="12"/>
-          </p:nvPr>
-        </p:nvSpPr>
-        <p:spPr/>
-        <p:txBody>
-          <a:bodyPr/>
-          <a:lstStyle/>
-          <a:p>
-            <a:fld id="{F26D9103-0C5C-48AC-B68E-3ED2C1647047}" type="slidenum">
-              <a:rPr lang="en-US" smtClean="0"/>
-              <a:pPr/>
-              <a:t>25</a:t>
-            </a:fld>
-            <a:endParaRPr lang="en-US"/>
           </a:p>
         </p:txBody>
       </p:sp>
@@ -16535,36 +16141,6 @@
           </a:p>
         </p:txBody>
       </p:sp>
-      <p:sp>
-        <p:nvSpPr>
-          <p:cNvPr id="3" name="Slide Number Placeholder 2">
-            <a:extLst>
-              <a:ext uri="{FF2B5EF4-FFF2-40B4-BE49-F238E27FC236}">
-                <a16:creationId xmlns:a16="http://schemas.microsoft.com/office/drawing/2014/main" id="{56136DFE-FBB4-E24C-ABB6-77FCF4FCA26D}"/>
-              </a:ext>
-            </a:extLst>
-          </p:cNvPr>
-          <p:cNvSpPr>
-            <a:spLocks noGrp="1"/>
-          </p:cNvSpPr>
-          <p:nvPr>
-            <p:ph type="sldNum" sz="quarter" idx="12"/>
-          </p:nvPr>
-        </p:nvSpPr>
-        <p:spPr/>
-        <p:txBody>
-          <a:bodyPr/>
-          <a:lstStyle/>
-          <a:p>
-            <a:fld id="{F26D9103-0C5C-48AC-B68E-3ED2C1647047}" type="slidenum">
-              <a:rPr lang="en-US" smtClean="0"/>
-              <a:pPr/>
-              <a:t>26</a:t>
-            </a:fld>
-            <a:endParaRPr lang="en-US"/>
-          </a:p>
-        </p:txBody>
-      </p:sp>
     </p:spTree>
     <p:extLst>
       <p:ext uri="{BB962C8B-B14F-4D97-AF65-F5344CB8AC3E}">
@@ -16687,30 +16263,6 @@
               <a:rPr lang="en-US" dirty="0"/>
               <a:t>Type up your own implementation!</a:t>
             </a:r>
-          </a:p>
-        </p:txBody>
-      </p:sp>
-      <p:sp>
-        <p:nvSpPr>
-          <p:cNvPr id="4" name="Slide Number Placeholder 3"/>
-          <p:cNvSpPr>
-            <a:spLocks noGrp="1"/>
-          </p:cNvSpPr>
-          <p:nvPr>
-            <p:ph type="sldNum" sz="quarter" idx="12"/>
-          </p:nvPr>
-        </p:nvSpPr>
-        <p:spPr/>
-        <p:txBody>
-          <a:bodyPr/>
-          <a:lstStyle/>
-          <a:p>
-            <a:fld id="{F26D9103-0C5C-48AC-B68E-3ED2C1647047}" type="slidenum">
-              <a:rPr lang="en-US" smtClean="0"/>
-              <a:pPr/>
-              <a:t>27</a:t>
-            </a:fld>
-            <a:endParaRPr lang="en-US" dirty="0"/>
           </a:p>
         </p:txBody>
       </p:sp>
@@ -16792,7 +16344,7 @@
         </p:spPr>
         <p:txBody>
           <a:bodyPr>
-            <a:normAutofit lnSpcReduction="10000"/>
+            <a:normAutofit fontScale="92500"/>
           </a:bodyPr>
           <a:lstStyle/>
           <a:p>
@@ -16809,7 +16361,7 @@
             <a:pPr lvl="1"/>
             <a:r>
               <a:rPr lang="en-US" dirty="0"/>
-              <a:t>I will secretly keep track of the </a:t>
+              <a:t>I will keep track of the </a:t>
             </a:r>
             <a:r>
               <a:rPr lang="en-US" b="1" i="1" u="sng" dirty="0"/>
@@ -16851,37 +16403,13 @@
           <a:p>
             <a:r>
               <a:rPr lang="en-US" dirty="0"/>
-              <a:t>Both of these numbers will be used in calculating your course curve at the end of the semester.</a:t>
+              <a:t>Both of these numbers will be used in calculating your course curve at the end of the semester. Please do your best to not use the extension unless you absolutely need to!</a:t>
             </a:r>
           </a:p>
           <a:p>
             <a:endParaRPr lang="en-US" dirty="0"/>
           </a:p>
           <a:p>
-            <a:endParaRPr lang="en-US" dirty="0"/>
-          </a:p>
-        </p:txBody>
-      </p:sp>
-      <p:sp>
-        <p:nvSpPr>
-          <p:cNvPr id="4" name="Slide Number Placeholder 3"/>
-          <p:cNvSpPr>
-            <a:spLocks noGrp="1"/>
-          </p:cNvSpPr>
-          <p:nvPr>
-            <p:ph type="sldNum" sz="quarter" idx="12"/>
-          </p:nvPr>
-        </p:nvSpPr>
-        <p:spPr/>
-        <p:txBody>
-          <a:bodyPr/>
-          <a:lstStyle/>
-          <a:p>
-            <a:fld id="{F26D9103-0C5C-48AC-B68E-3ED2C1647047}" type="slidenum">
-              <a:rPr lang="en-US" smtClean="0"/>
-              <a:pPr/>
-              <a:t>28</a:t>
-            </a:fld>
             <a:endParaRPr lang="en-US" dirty="0"/>
           </a:p>
         </p:txBody>
@@ -16970,30 +16498,6 @@
               <a:rPr lang="en-US" dirty="0"/>
               <a:t>Any questions…</a:t>
             </a:r>
-          </a:p>
-        </p:txBody>
-      </p:sp>
-      <p:sp>
-        <p:nvSpPr>
-          <p:cNvPr id="4" name="Slide Number Placeholder 3"/>
-          <p:cNvSpPr>
-            <a:spLocks noGrp="1"/>
-          </p:cNvSpPr>
-          <p:nvPr>
-            <p:ph type="sldNum" sz="quarter" idx="12"/>
-          </p:nvPr>
-        </p:nvSpPr>
-        <p:spPr/>
-        <p:txBody>
-          <a:bodyPr/>
-          <a:lstStyle/>
-          <a:p>
-            <a:fld id="{F26D9103-0C5C-48AC-B68E-3ED2C1647047}" type="slidenum">
-              <a:rPr lang="en-US" smtClean="0"/>
-              <a:pPr/>
-              <a:t>29</a:t>
-            </a:fld>
-            <a:endParaRPr lang="en-US" dirty="0"/>
           </a:p>
         </p:txBody>
       </p:sp>
@@ -17175,30 +16679,6 @@
           </a:p>
         </p:txBody>
       </p:sp>
-      <p:sp>
-        <p:nvSpPr>
-          <p:cNvPr id="4" name="Slide Number Placeholder 3"/>
-          <p:cNvSpPr>
-            <a:spLocks noGrp="1"/>
-          </p:cNvSpPr>
-          <p:nvPr>
-            <p:ph type="sldNum" sz="quarter" idx="12"/>
-          </p:nvPr>
-        </p:nvSpPr>
-        <p:spPr/>
-        <p:txBody>
-          <a:bodyPr/>
-          <a:lstStyle/>
-          <a:p>
-            <a:fld id="{F26D9103-0C5C-48AC-B68E-3ED2C1647047}" type="slidenum">
-              <a:rPr lang="en-US" smtClean="0"/>
-              <a:pPr/>
-              <a:t>3</a:t>
-            </a:fld>
-            <a:endParaRPr lang="en-US" dirty="0"/>
-          </a:p>
-        </p:txBody>
-      </p:sp>
     </p:spTree>
     <p:extLst>
       <p:ext uri="{BB962C8B-B14F-4D97-AF65-F5344CB8AC3E}">
@@ -17266,30 +16746,6 @@
           <a:bodyPr/>
           <a:lstStyle/>
           <a:p>
-            <a:endParaRPr lang="en-US"/>
-          </a:p>
-        </p:txBody>
-      </p:sp>
-      <p:sp>
-        <p:nvSpPr>
-          <p:cNvPr id="3" name="Slide Number Placeholder 2"/>
-          <p:cNvSpPr>
-            <a:spLocks noGrp="1"/>
-          </p:cNvSpPr>
-          <p:nvPr>
-            <p:ph type="sldNum" sz="quarter" idx="12"/>
-          </p:nvPr>
-        </p:nvSpPr>
-        <p:spPr/>
-        <p:txBody>
-          <a:bodyPr/>
-          <a:lstStyle/>
-          <a:p>
-            <a:fld id="{F26D9103-0C5C-48AC-B68E-3ED2C1647047}" type="slidenum">
-              <a:rPr lang="en-US" smtClean="0"/>
-              <a:pPr/>
-              <a:t>4</a:t>
-            </a:fld>
             <a:endParaRPr lang="en-US"/>
           </a:p>
         </p:txBody>
@@ -17435,30 +16891,6 @@
           </a:p>
         </p:txBody>
       </p:sp>
-      <p:sp>
-        <p:nvSpPr>
-          <p:cNvPr id="4" name="Slide Number Placeholder 3"/>
-          <p:cNvSpPr>
-            <a:spLocks noGrp="1"/>
-          </p:cNvSpPr>
-          <p:nvPr>
-            <p:ph type="sldNum" sz="quarter" idx="12"/>
-          </p:nvPr>
-        </p:nvSpPr>
-        <p:spPr/>
-        <p:txBody>
-          <a:bodyPr/>
-          <a:lstStyle/>
-          <a:p>
-            <a:fld id="{F26D9103-0C5C-48AC-B68E-3ED2C1647047}" type="slidenum">
-              <a:rPr lang="en-US" smtClean="0"/>
-              <a:pPr/>
-              <a:t>5</a:t>
-            </a:fld>
-            <a:endParaRPr lang="en-US" dirty="0"/>
-          </a:p>
-        </p:txBody>
-      </p:sp>
     </p:spTree>
     <p:extLst>
       <p:ext uri="{BB962C8B-B14F-4D97-AF65-F5344CB8AC3E}">
@@ -17526,30 +16958,6 @@
           <a:bodyPr/>
           <a:lstStyle/>
           <a:p>
-            <a:endParaRPr lang="en-US"/>
-          </a:p>
-        </p:txBody>
-      </p:sp>
-      <p:sp>
-        <p:nvSpPr>
-          <p:cNvPr id="3" name="Slide Number Placeholder 2"/>
-          <p:cNvSpPr>
-            <a:spLocks noGrp="1"/>
-          </p:cNvSpPr>
-          <p:nvPr>
-            <p:ph type="sldNum" sz="quarter" idx="12"/>
-          </p:nvPr>
-        </p:nvSpPr>
-        <p:spPr/>
-        <p:txBody>
-          <a:bodyPr/>
-          <a:lstStyle/>
-          <a:p>
-            <a:fld id="{F26D9103-0C5C-48AC-B68E-3ED2C1647047}" type="slidenum">
-              <a:rPr lang="en-US" smtClean="0"/>
-              <a:pPr/>
-              <a:t>6</a:t>
-            </a:fld>
             <a:endParaRPr lang="en-US"/>
           </a:p>
         </p:txBody>
@@ -17751,30 +17159,6 @@
           </a:p>
         </p:txBody>
       </p:sp>
-      <p:sp>
-        <p:nvSpPr>
-          <p:cNvPr id="4" name="Slide Number Placeholder 3"/>
-          <p:cNvSpPr>
-            <a:spLocks noGrp="1"/>
-          </p:cNvSpPr>
-          <p:nvPr>
-            <p:ph type="sldNum" sz="quarter" idx="12"/>
-          </p:nvPr>
-        </p:nvSpPr>
-        <p:spPr/>
-        <p:txBody>
-          <a:bodyPr/>
-          <a:lstStyle/>
-          <a:p>
-            <a:fld id="{F26D9103-0C5C-48AC-B68E-3ED2C1647047}" type="slidenum">
-              <a:rPr lang="en-US" smtClean="0"/>
-              <a:pPr/>
-              <a:t>7</a:t>
-            </a:fld>
-            <a:endParaRPr lang="en-US" dirty="0"/>
-          </a:p>
-        </p:txBody>
-      </p:sp>
     </p:spTree>
     <p:extLst>
       <p:ext uri="{BB962C8B-B14F-4D97-AF65-F5344CB8AC3E}">
@@ -17936,30 +17320,6 @@
               <a:buFontTx/>
               <a:buChar char="-"/>
             </a:pPr>
-            <a:endParaRPr lang="en-US" dirty="0"/>
-          </a:p>
-        </p:txBody>
-      </p:sp>
-      <p:sp>
-        <p:nvSpPr>
-          <p:cNvPr id="4" name="Slide Number Placeholder 3"/>
-          <p:cNvSpPr>
-            <a:spLocks noGrp="1"/>
-          </p:cNvSpPr>
-          <p:nvPr>
-            <p:ph type="sldNum" sz="quarter" idx="12"/>
-          </p:nvPr>
-        </p:nvSpPr>
-        <p:spPr/>
-        <p:txBody>
-          <a:bodyPr/>
-          <a:lstStyle/>
-          <a:p>
-            <a:fld id="{F26D9103-0C5C-48AC-B68E-3ED2C1647047}" type="slidenum">
-              <a:rPr lang="en-US" smtClean="0"/>
-              <a:pPr/>
-              <a:t>8</a:t>
-            </a:fld>
             <a:endParaRPr lang="en-US" dirty="0"/>
           </a:p>
         </p:txBody>
@@ -18102,36 +17462,6 @@
           <a:p>
             <a:pPr lvl="1"/>
             <a:endParaRPr lang="en-US" dirty="0"/>
-          </a:p>
-        </p:txBody>
-      </p:sp>
-      <p:sp>
-        <p:nvSpPr>
-          <p:cNvPr id="3" name="Slide Number Placeholder 2">
-            <a:extLst>
-              <a:ext uri="{FF2B5EF4-FFF2-40B4-BE49-F238E27FC236}">
-                <a16:creationId xmlns:a16="http://schemas.microsoft.com/office/drawing/2014/main" id="{4409C9D4-846F-D543-85FE-C390EBACF5F4}"/>
-              </a:ext>
-            </a:extLst>
-          </p:cNvPr>
-          <p:cNvSpPr>
-            <a:spLocks noGrp="1"/>
-          </p:cNvSpPr>
-          <p:nvPr>
-            <p:ph type="sldNum" sz="quarter" idx="12"/>
-          </p:nvPr>
-        </p:nvSpPr>
-        <p:spPr/>
-        <p:txBody>
-          <a:bodyPr/>
-          <a:lstStyle/>
-          <a:p>
-            <a:fld id="{F26D9103-0C5C-48AC-B68E-3ED2C1647047}" type="slidenum">
-              <a:rPr lang="en-US" smtClean="0"/>
-              <a:pPr/>
-              <a:t>9</a:t>
-            </a:fld>
-            <a:endParaRPr lang="en-US"/>
           </a:p>
         </p:txBody>
       </p:sp>

--- a/slides/00-CourseIntroduction.pptx
+++ b/slides/00-CourseIntroduction.pptx
@@ -225,7 +225,7 @@
           <a:p>
             <a:fld id="{C5B45307-6ED4-B142-BD64-10F739779302}" type="datetimeFigureOut">
               <a:rPr lang="en-US" smtClean="0"/>
-              <a:t>8/20/25</a:t>
+              <a:t>8/25/25</a:t>
             </a:fld>
             <a:endParaRPr lang="en-US"/>
           </a:p>
@@ -728,7 +728,7 @@
           <a:noFill/>
           <a:extLst>
             <a:ext uri="{909E8E84-426E-40dd-AFC4-6F175D3DCCD1}">
-              <a14:hiddenFill xmlns="" xmlns:a14="http://schemas.microsoft.com/office/drawing/2010/main">
+              <a14:hiddenFill xmlns:a14="http://schemas.microsoft.com/office/drawing/2010/main" xmlns="">
                 <a:solidFill>
                   <a:srgbClr val="FFFFFF"/>
                 </a:solidFill>
@@ -787,7 +787,7 @@
             </a:ln>
             <a:extLst>
               <a:ext uri="{91240B29-F687-4f45-9708-019B960494DF}">
-                <a14:hiddenLine xmlns="" xmlns:a14="http://schemas.microsoft.com/office/drawing/2010/main" w="9525">
+                <a14:hiddenLine xmlns:a14="http://schemas.microsoft.com/office/drawing/2010/main" xmlns="" w="9525">
                   <a:solidFill>
                     <a:srgbClr val="000000"/>
                   </a:solidFill>
@@ -877,7 +877,7 @@
             </a:ln>
             <a:extLst>
               <a:ext uri="{91240B29-F687-4f45-9708-019B960494DF}">
-                <a14:hiddenLine xmlns="" xmlns:a14="http://schemas.microsoft.com/office/drawing/2010/main" w="9525">
+                <a14:hiddenLine xmlns:a14="http://schemas.microsoft.com/office/drawing/2010/main" xmlns="" w="9525">
                   <a:solidFill>
                     <a:srgbClr val="000000"/>
                   </a:solidFill>
@@ -967,7 +967,7 @@
             </a:ln>
             <a:extLst>
               <a:ext uri="{91240B29-F687-4f45-9708-019B960494DF}">
-                <a14:hiddenLine xmlns="" xmlns:a14="http://schemas.microsoft.com/office/drawing/2010/main" w="9525">
+                <a14:hiddenLine xmlns:a14="http://schemas.microsoft.com/office/drawing/2010/main" xmlns="" w="9525">
                   <a:solidFill>
                     <a:srgbClr val="000000"/>
                   </a:solidFill>
@@ -1001,7 +1001,7 @@
             </a:ln>
             <a:extLst>
               <a:ext uri="{91240B29-F687-4f45-9708-019B960494DF}">
-                <a14:hiddenLine xmlns="" xmlns:a14="http://schemas.microsoft.com/office/drawing/2010/main" w="9525">
+                <a14:hiddenLine xmlns:a14="http://schemas.microsoft.com/office/drawing/2010/main" xmlns="" w="9525">
                   <a:solidFill>
                     <a:srgbClr val="000000"/>
                   </a:solidFill>
@@ -1091,7 +1091,7 @@
             </a:ln>
             <a:extLst>
               <a:ext uri="{91240B29-F687-4f45-9708-019B960494DF}">
-                <a14:hiddenLine xmlns="" xmlns:a14="http://schemas.microsoft.com/office/drawing/2010/main" w="9525">
+                <a14:hiddenLine xmlns:a14="http://schemas.microsoft.com/office/drawing/2010/main" xmlns="" w="9525">
                   <a:solidFill>
                     <a:srgbClr val="000000"/>
                   </a:solidFill>
@@ -1153,7 +1153,7 @@
             </a:ln>
             <a:extLst>
               <a:ext uri="{91240B29-F687-4f45-9708-019B960494DF}">
-                <a14:hiddenLine xmlns="" xmlns:a14="http://schemas.microsoft.com/office/drawing/2010/main" w="9525">
+                <a14:hiddenLine xmlns:a14="http://schemas.microsoft.com/office/drawing/2010/main" xmlns="" w="9525">
                   <a:solidFill>
                     <a:srgbClr val="000000"/>
                   </a:solidFill>
@@ -1215,7 +1215,7 @@
             </a:ln>
             <a:extLst>
               <a:ext uri="{91240B29-F687-4f45-9708-019B960494DF}">
-                <a14:hiddenLine xmlns="" xmlns:a14="http://schemas.microsoft.com/office/drawing/2010/main" w="9525">
+                <a14:hiddenLine xmlns:a14="http://schemas.microsoft.com/office/drawing/2010/main" xmlns="" w="9525">
                   <a:solidFill>
                     <a:srgbClr val="000000"/>
                   </a:solidFill>
@@ -1305,7 +1305,7 @@
             </a:ln>
             <a:extLst>
               <a:ext uri="{91240B29-F687-4f45-9708-019B960494DF}">
-                <a14:hiddenLine xmlns="" xmlns:a14="http://schemas.microsoft.com/office/drawing/2010/main" w="9525">
+                <a14:hiddenLine xmlns:a14="http://schemas.microsoft.com/office/drawing/2010/main" xmlns="" w="9525">
                   <a:solidFill>
                     <a:srgbClr val="000000"/>
                   </a:solidFill>
@@ -1367,7 +1367,7 @@
             </a:ln>
             <a:extLst>
               <a:ext uri="{91240B29-F687-4f45-9708-019B960494DF}">
-                <a14:hiddenLine xmlns="" xmlns:a14="http://schemas.microsoft.com/office/drawing/2010/main" w="9525">
+                <a14:hiddenLine xmlns:a14="http://schemas.microsoft.com/office/drawing/2010/main" xmlns="" w="9525">
                   <a:solidFill>
                     <a:srgbClr val="000000"/>
                   </a:solidFill>
@@ -1429,7 +1429,7 @@
             </a:ln>
             <a:extLst>
               <a:ext uri="{91240B29-F687-4f45-9708-019B960494DF}">
-                <a14:hiddenLine xmlns="" xmlns:a14="http://schemas.microsoft.com/office/drawing/2010/main" w="9525">
+                <a14:hiddenLine xmlns:a14="http://schemas.microsoft.com/office/drawing/2010/main" xmlns="" w="9525">
                   <a:solidFill>
                     <a:srgbClr val="000000"/>
                   </a:solidFill>
@@ -1519,7 +1519,7 @@
             </a:ln>
             <a:extLst>
               <a:ext uri="{91240B29-F687-4f45-9708-019B960494DF}">
-                <a14:hiddenLine xmlns="" xmlns:a14="http://schemas.microsoft.com/office/drawing/2010/main" w="9525">
+                <a14:hiddenLine xmlns:a14="http://schemas.microsoft.com/office/drawing/2010/main" xmlns="" w="9525">
                   <a:solidFill>
                     <a:srgbClr val="000000"/>
                   </a:solidFill>
@@ -1609,7 +1609,7 @@
             </a:ln>
             <a:extLst>
               <a:ext uri="{91240B29-F687-4f45-9708-019B960494DF}">
-                <a14:hiddenLine xmlns="" xmlns:a14="http://schemas.microsoft.com/office/drawing/2010/main" w="9525">
+                <a14:hiddenLine xmlns:a14="http://schemas.microsoft.com/office/drawing/2010/main" xmlns="" w="9525">
                   <a:solidFill>
                     <a:srgbClr val="000000"/>
                   </a:solidFill>
@@ -1671,7 +1671,7 @@
             </a:ln>
             <a:extLst>
               <a:ext uri="{91240B29-F687-4f45-9708-019B960494DF}">
-                <a14:hiddenLine xmlns="" xmlns:a14="http://schemas.microsoft.com/office/drawing/2010/main" w="9525">
+                <a14:hiddenLine xmlns:a14="http://schemas.microsoft.com/office/drawing/2010/main" xmlns="" w="9525">
                   <a:solidFill>
                     <a:srgbClr val="000000"/>
                   </a:solidFill>
@@ -1781,7 +1781,7 @@
             </a:ln>
             <a:extLst>
               <a:ext uri="{91240B29-F687-4f45-9708-019B960494DF}">
-                <a14:hiddenLine xmlns="" xmlns:a14="http://schemas.microsoft.com/office/drawing/2010/main" w="9525">
+                <a14:hiddenLine xmlns:a14="http://schemas.microsoft.com/office/drawing/2010/main" xmlns="" w="9525">
                   <a:solidFill>
                     <a:srgbClr val="000000"/>
                   </a:solidFill>
@@ -1843,7 +1843,7 @@
             </a:ln>
             <a:extLst>
               <a:ext uri="{91240B29-F687-4f45-9708-019B960494DF}">
-                <a14:hiddenLine xmlns="" xmlns:a14="http://schemas.microsoft.com/office/drawing/2010/main" w="9525">
+                <a14:hiddenLine xmlns:a14="http://schemas.microsoft.com/office/drawing/2010/main" xmlns="" w="9525">
                   <a:solidFill>
                     <a:srgbClr val="000000"/>
                   </a:solidFill>
@@ -1933,7 +1933,7 @@
             </a:ln>
             <a:extLst>
               <a:ext uri="{91240B29-F687-4f45-9708-019B960494DF}">
-                <a14:hiddenLine xmlns="" xmlns:a14="http://schemas.microsoft.com/office/drawing/2010/main" w="9525">
+                <a14:hiddenLine xmlns:a14="http://schemas.microsoft.com/office/drawing/2010/main" xmlns="" w="9525">
                   <a:solidFill>
                     <a:srgbClr val="000000"/>
                   </a:solidFill>
@@ -2023,7 +2023,7 @@
             </a:ln>
             <a:extLst>
               <a:ext uri="{91240B29-F687-4f45-9708-019B960494DF}">
-                <a14:hiddenLine xmlns="" xmlns:a14="http://schemas.microsoft.com/office/drawing/2010/main" w="9525">
+                <a14:hiddenLine xmlns:a14="http://schemas.microsoft.com/office/drawing/2010/main" xmlns="" w="9525">
                   <a:solidFill>
                     <a:srgbClr val="000000"/>
                   </a:solidFill>
@@ -2085,7 +2085,7 @@
             </a:ln>
             <a:extLst>
               <a:ext uri="{91240B29-F687-4f45-9708-019B960494DF}">
-                <a14:hiddenLine xmlns="" xmlns:a14="http://schemas.microsoft.com/office/drawing/2010/main" w="9525">
+                <a14:hiddenLine xmlns:a14="http://schemas.microsoft.com/office/drawing/2010/main" xmlns="" w="9525">
                   <a:solidFill>
                     <a:srgbClr val="000000"/>
                   </a:solidFill>
@@ -2175,7 +2175,7 @@
             </a:ln>
             <a:extLst>
               <a:ext uri="{91240B29-F687-4f45-9708-019B960494DF}">
-                <a14:hiddenLine xmlns="" xmlns:a14="http://schemas.microsoft.com/office/drawing/2010/main" w="9525">
+                <a14:hiddenLine xmlns:a14="http://schemas.microsoft.com/office/drawing/2010/main" xmlns="" w="9525">
                   <a:solidFill>
                     <a:srgbClr val="000000"/>
                   </a:solidFill>
@@ -2265,7 +2265,7 @@
             </a:ln>
             <a:extLst>
               <a:ext uri="{91240B29-F687-4f45-9708-019B960494DF}">
-                <a14:hiddenLine xmlns="" xmlns:a14="http://schemas.microsoft.com/office/drawing/2010/main" w="9525">
+                <a14:hiddenLine xmlns:a14="http://schemas.microsoft.com/office/drawing/2010/main" xmlns="" w="9525">
                   <a:solidFill>
                     <a:srgbClr val="000000"/>
                   </a:solidFill>
@@ -2321,7 +2321,7 @@
             </a:ln>
             <a:extLst>
               <a:ext uri="{91240B29-F687-4f45-9708-019B960494DF}">
-                <a14:hiddenLine xmlns="" xmlns:a14="http://schemas.microsoft.com/office/drawing/2010/main" w="9525">
+                <a14:hiddenLine xmlns:a14="http://schemas.microsoft.com/office/drawing/2010/main" xmlns="" w="9525">
                   <a:solidFill>
                     <a:srgbClr val="000000"/>
                   </a:solidFill>
@@ -2411,7 +2411,7 @@
             </a:ln>
             <a:extLst>
               <a:ext uri="{91240B29-F687-4f45-9708-019B960494DF}">
-                <a14:hiddenLine xmlns="" xmlns:a14="http://schemas.microsoft.com/office/drawing/2010/main" w="9525">
+                <a14:hiddenLine xmlns:a14="http://schemas.microsoft.com/office/drawing/2010/main" xmlns="" w="9525">
                   <a:solidFill>
                     <a:srgbClr val="000000"/>
                   </a:solidFill>
@@ -2467,7 +2467,7 @@
             </a:ln>
             <a:extLst>
               <a:ext uri="{91240B29-F687-4f45-9708-019B960494DF}">
-                <a14:hiddenLine xmlns="" xmlns:a14="http://schemas.microsoft.com/office/drawing/2010/main" w="9525">
+                <a14:hiddenLine xmlns:a14="http://schemas.microsoft.com/office/drawing/2010/main" xmlns="" w="9525">
                   <a:solidFill>
                     <a:srgbClr val="000000"/>
                   </a:solidFill>
@@ -2557,7 +2557,7 @@
             </a:ln>
             <a:extLst>
               <a:ext uri="{91240B29-F687-4f45-9708-019B960494DF}">
-                <a14:hiddenLine xmlns="" xmlns:a14="http://schemas.microsoft.com/office/drawing/2010/main" w="9525">
+                <a14:hiddenLine xmlns:a14="http://schemas.microsoft.com/office/drawing/2010/main" xmlns="" w="9525">
                   <a:solidFill>
                     <a:srgbClr val="000000"/>
                   </a:solidFill>
@@ -2625,7 +2625,7 @@
             </a:ln>
             <a:extLst>
               <a:ext uri="{91240B29-F687-4f45-9708-019B960494DF}">
-                <a14:hiddenLine xmlns="" xmlns:a14="http://schemas.microsoft.com/office/drawing/2010/main" w="9525">
+                <a14:hiddenLine xmlns:a14="http://schemas.microsoft.com/office/drawing/2010/main" xmlns="" w="9525">
                   <a:solidFill>
                     <a:srgbClr val="000000"/>
                   </a:solidFill>
@@ -2715,7 +2715,7 @@
             </a:ln>
             <a:extLst>
               <a:ext uri="{91240B29-F687-4f45-9708-019B960494DF}">
-                <a14:hiddenLine xmlns="" xmlns:a14="http://schemas.microsoft.com/office/drawing/2010/main" w="9525">
+                <a14:hiddenLine xmlns:a14="http://schemas.microsoft.com/office/drawing/2010/main" xmlns="" w="9525">
                   <a:solidFill>
                     <a:srgbClr val="000000"/>
                   </a:solidFill>
@@ -2783,7 +2783,7 @@
             </a:ln>
             <a:extLst>
               <a:ext uri="{91240B29-F687-4f45-9708-019B960494DF}">
-                <a14:hiddenLine xmlns="" xmlns:a14="http://schemas.microsoft.com/office/drawing/2010/main" w="9525">
+                <a14:hiddenLine xmlns:a14="http://schemas.microsoft.com/office/drawing/2010/main" xmlns="" w="9525">
                   <a:solidFill>
                     <a:srgbClr val="000000"/>
                   </a:solidFill>
@@ -2873,7 +2873,7 @@
             </a:ln>
             <a:extLst>
               <a:ext uri="{91240B29-F687-4f45-9708-019B960494DF}">
-                <a14:hiddenLine xmlns="" xmlns:a14="http://schemas.microsoft.com/office/drawing/2010/main" w="9525">
+                <a14:hiddenLine xmlns:a14="http://schemas.microsoft.com/office/drawing/2010/main" xmlns="" w="9525">
                   <a:solidFill>
                     <a:srgbClr val="000000"/>
                   </a:solidFill>
@@ -2907,7 +2907,7 @@
             </a:ln>
             <a:extLst>
               <a:ext uri="{91240B29-F687-4f45-9708-019B960494DF}">
-                <a14:hiddenLine xmlns="" xmlns:a14="http://schemas.microsoft.com/office/drawing/2010/main" w="9525">
+                <a14:hiddenLine xmlns:a14="http://schemas.microsoft.com/office/drawing/2010/main" xmlns="" w="9525">
                   <a:solidFill>
                     <a:srgbClr val="000000"/>
                   </a:solidFill>
@@ -2997,7 +2997,7 @@
             </a:ln>
             <a:extLst>
               <a:ext uri="{91240B29-F687-4f45-9708-019B960494DF}">
-                <a14:hiddenLine xmlns="" xmlns:a14="http://schemas.microsoft.com/office/drawing/2010/main" w="9525">
+                <a14:hiddenLine xmlns:a14="http://schemas.microsoft.com/office/drawing/2010/main" xmlns="" w="9525">
                   <a:solidFill>
                     <a:srgbClr val="000000"/>
                   </a:solidFill>
@@ -3059,7 +3059,7 @@
             </a:ln>
             <a:extLst>
               <a:ext uri="{91240B29-F687-4f45-9708-019B960494DF}">
-                <a14:hiddenLine xmlns="" xmlns:a14="http://schemas.microsoft.com/office/drawing/2010/main" w="9525">
+                <a14:hiddenLine xmlns:a14="http://schemas.microsoft.com/office/drawing/2010/main" xmlns="" w="9525">
                   <a:solidFill>
                     <a:srgbClr val="000000"/>
                   </a:solidFill>
@@ -3121,7 +3121,7 @@
             </a:ln>
             <a:extLst>
               <a:ext uri="{91240B29-F687-4f45-9708-019B960494DF}">
-                <a14:hiddenLine xmlns="" xmlns:a14="http://schemas.microsoft.com/office/drawing/2010/main" w="9525">
+                <a14:hiddenLine xmlns:a14="http://schemas.microsoft.com/office/drawing/2010/main" xmlns="" w="9525">
                   <a:solidFill>
                     <a:srgbClr val="000000"/>
                   </a:solidFill>
@@ -3211,7 +3211,7 @@
             </a:ln>
             <a:extLst>
               <a:ext uri="{91240B29-F687-4f45-9708-019B960494DF}">
-                <a14:hiddenLine xmlns="" xmlns:a14="http://schemas.microsoft.com/office/drawing/2010/main" w="9525">
+                <a14:hiddenLine xmlns:a14="http://schemas.microsoft.com/office/drawing/2010/main" xmlns="" w="9525">
                   <a:solidFill>
                     <a:srgbClr val="000000"/>
                   </a:solidFill>
@@ -3279,7 +3279,7 @@
             </a:ln>
             <a:extLst>
               <a:ext uri="{91240B29-F687-4f45-9708-019B960494DF}">
-                <a14:hiddenLine xmlns="" xmlns:a14="http://schemas.microsoft.com/office/drawing/2010/main" w="9525">
+                <a14:hiddenLine xmlns:a14="http://schemas.microsoft.com/office/drawing/2010/main" xmlns="" w="9525">
                   <a:solidFill>
                     <a:srgbClr val="000000"/>
                   </a:solidFill>
@@ -3341,7 +3341,7 @@
             </a:ln>
             <a:extLst>
               <a:ext uri="{91240B29-F687-4f45-9708-019B960494DF}">
-                <a14:hiddenLine xmlns="" xmlns:a14="http://schemas.microsoft.com/office/drawing/2010/main" w="9525">
+                <a14:hiddenLine xmlns:a14="http://schemas.microsoft.com/office/drawing/2010/main" xmlns="" w="9525">
                   <a:solidFill>
                     <a:srgbClr val="000000"/>
                   </a:solidFill>
@@ -3431,7 +3431,7 @@
             </a:ln>
             <a:extLst>
               <a:ext uri="{91240B29-F687-4f45-9708-019B960494DF}">
-                <a14:hiddenLine xmlns="" xmlns:a14="http://schemas.microsoft.com/office/drawing/2010/main" w="9525">
+                <a14:hiddenLine xmlns:a14="http://schemas.microsoft.com/office/drawing/2010/main" xmlns="" w="9525">
                   <a:solidFill>
                     <a:srgbClr val="000000"/>
                   </a:solidFill>
@@ -3493,7 +3493,7 @@
             </a:ln>
             <a:extLst>
               <a:ext uri="{91240B29-F687-4f45-9708-019B960494DF}">
-                <a14:hiddenLine xmlns="" xmlns:a14="http://schemas.microsoft.com/office/drawing/2010/main" w="9525">
+                <a14:hiddenLine xmlns:a14="http://schemas.microsoft.com/office/drawing/2010/main" xmlns="" w="9525">
                   <a:solidFill>
                     <a:srgbClr val="000000"/>
                   </a:solidFill>
@@ -3583,7 +3583,7 @@
             </a:ln>
             <a:extLst>
               <a:ext uri="{91240B29-F687-4f45-9708-019B960494DF}">
-                <a14:hiddenLine xmlns="" xmlns:a14="http://schemas.microsoft.com/office/drawing/2010/main" w="9525">
+                <a14:hiddenLine xmlns:a14="http://schemas.microsoft.com/office/drawing/2010/main" xmlns="" w="9525">
                   <a:solidFill>
                     <a:srgbClr val="000000"/>
                   </a:solidFill>
@@ -3645,7 +3645,7 @@
             </a:ln>
             <a:extLst>
               <a:ext uri="{91240B29-F687-4f45-9708-019B960494DF}">
-                <a14:hiddenLine xmlns="" xmlns:a14="http://schemas.microsoft.com/office/drawing/2010/main" w="9525">
+                <a14:hiddenLine xmlns:a14="http://schemas.microsoft.com/office/drawing/2010/main" xmlns="" w="9525">
                   <a:solidFill>
                     <a:srgbClr val="000000"/>
                   </a:solidFill>
@@ -3735,7 +3735,7 @@
             </a:ln>
             <a:extLst>
               <a:ext uri="{91240B29-F687-4f45-9708-019B960494DF}">
-                <a14:hiddenLine xmlns="" xmlns:a14="http://schemas.microsoft.com/office/drawing/2010/main" w="9525">
+                <a14:hiddenLine xmlns:a14="http://schemas.microsoft.com/office/drawing/2010/main" xmlns="" w="9525">
                   <a:solidFill>
                     <a:srgbClr val="000000"/>
                   </a:solidFill>
@@ -3769,7 +3769,7 @@
             </a:ln>
             <a:extLst>
               <a:ext uri="{91240B29-F687-4f45-9708-019B960494DF}">
-                <a14:hiddenLine xmlns="" xmlns:a14="http://schemas.microsoft.com/office/drawing/2010/main" w="9525">
+                <a14:hiddenLine xmlns:a14="http://schemas.microsoft.com/office/drawing/2010/main" xmlns="" w="9525">
                   <a:solidFill>
                     <a:srgbClr val="000000"/>
                   </a:solidFill>
@@ -3834,7 +3834,7 @@
             </a:ln>
             <a:extLst>
               <a:ext uri="{91240B29-F687-4f45-9708-019B960494DF}">
-                <a14:hiddenLine xmlns="" xmlns:a14="http://schemas.microsoft.com/office/drawing/2010/main" w="9525">
+                <a14:hiddenLine xmlns:a14="http://schemas.microsoft.com/office/drawing/2010/main" xmlns="" w="9525">
                   <a:solidFill>
                     <a:srgbClr val="000000"/>
                   </a:solidFill>
@@ -3924,7 +3924,7 @@
             </a:ln>
             <a:extLst>
               <a:ext uri="{91240B29-F687-4f45-9708-019B960494DF}">
-                <a14:hiddenLine xmlns="" xmlns:a14="http://schemas.microsoft.com/office/drawing/2010/main" w="9525">
+                <a14:hiddenLine xmlns:a14="http://schemas.microsoft.com/office/drawing/2010/main" xmlns="" w="9525">
                   <a:solidFill>
                     <a:srgbClr val="000000"/>
                   </a:solidFill>
@@ -3986,7 +3986,7 @@
             </a:ln>
             <a:extLst>
               <a:ext uri="{91240B29-F687-4f45-9708-019B960494DF}">
-                <a14:hiddenLine xmlns="" xmlns:a14="http://schemas.microsoft.com/office/drawing/2010/main" w="9525">
+                <a14:hiddenLine xmlns:a14="http://schemas.microsoft.com/office/drawing/2010/main" xmlns="" w="9525">
                   <a:solidFill>
                     <a:srgbClr val="000000"/>
                   </a:solidFill>
@@ -4076,7 +4076,7 @@
             </a:ln>
             <a:extLst>
               <a:ext uri="{91240B29-F687-4f45-9708-019B960494DF}">
-                <a14:hiddenLine xmlns="" xmlns:a14="http://schemas.microsoft.com/office/drawing/2010/main" w="9525">
+                <a14:hiddenLine xmlns:a14="http://schemas.microsoft.com/office/drawing/2010/main" xmlns="" w="9525">
                   <a:solidFill>
                     <a:srgbClr val="000000"/>
                   </a:solidFill>
@@ -4166,7 +4166,7 @@
             </a:ln>
             <a:extLst>
               <a:ext uri="{91240B29-F687-4f45-9708-019B960494DF}">
-                <a14:hiddenLine xmlns="" xmlns:a14="http://schemas.microsoft.com/office/drawing/2010/main" w="9525">
+                <a14:hiddenLine xmlns:a14="http://schemas.microsoft.com/office/drawing/2010/main" xmlns="" w="9525">
                   <a:solidFill>
                     <a:srgbClr val="000000"/>
                   </a:solidFill>
@@ -4231,7 +4231,7 @@
             </a:ln>
             <a:extLst>
               <a:ext uri="{91240B29-F687-4f45-9708-019B960494DF}">
-                <a14:hiddenLine xmlns="" xmlns:a14="http://schemas.microsoft.com/office/drawing/2010/main" w="9525">
+                <a14:hiddenLine xmlns:a14="http://schemas.microsoft.com/office/drawing/2010/main" xmlns="" w="9525">
                   <a:solidFill>
                     <a:srgbClr val="000000"/>
                   </a:solidFill>
@@ -4293,7 +4293,7 @@
             </a:ln>
             <a:extLst>
               <a:ext uri="{91240B29-F687-4f45-9708-019B960494DF}">
-                <a14:hiddenLine xmlns="" xmlns:a14="http://schemas.microsoft.com/office/drawing/2010/main" w="9525">
+                <a14:hiddenLine xmlns:a14="http://schemas.microsoft.com/office/drawing/2010/main" xmlns="" w="9525">
                   <a:solidFill>
                     <a:srgbClr val="000000"/>
                   </a:solidFill>
@@ -4383,7 +4383,7 @@
             </a:ln>
             <a:extLst>
               <a:ext uri="{91240B29-F687-4f45-9708-019B960494DF}">
-                <a14:hiddenLine xmlns="" xmlns:a14="http://schemas.microsoft.com/office/drawing/2010/main" w="9525">
+                <a14:hiddenLine xmlns:a14="http://schemas.microsoft.com/office/drawing/2010/main" xmlns="" w="9525">
                   <a:solidFill>
                     <a:srgbClr val="000000"/>
                   </a:solidFill>
@@ -4473,7 +4473,7 @@
             </a:ln>
             <a:extLst>
               <a:ext uri="{91240B29-F687-4f45-9708-019B960494DF}">
-                <a14:hiddenLine xmlns="" xmlns:a14="http://schemas.microsoft.com/office/drawing/2010/main" w="9525">
+                <a14:hiddenLine xmlns:a14="http://schemas.microsoft.com/office/drawing/2010/main" xmlns="" w="9525">
                   <a:solidFill>
                     <a:srgbClr val="000000"/>
                   </a:solidFill>
@@ -4535,7 +4535,7 @@
             </a:ln>
             <a:extLst>
               <a:ext uri="{91240B29-F687-4f45-9708-019B960494DF}">
-                <a14:hiddenLine xmlns="" xmlns:a14="http://schemas.microsoft.com/office/drawing/2010/main" w="9525">
+                <a14:hiddenLine xmlns:a14="http://schemas.microsoft.com/office/drawing/2010/main" xmlns="" w="9525">
                   <a:solidFill>
                     <a:srgbClr val="000000"/>
                   </a:solidFill>
@@ -4655,7 +4655,7 @@
             </a:ln>
             <a:extLst>
               <a:ext uri="{91240B29-F687-4f45-9708-019B960494DF}">
-                <a14:hiddenLine xmlns="" xmlns:a14="http://schemas.microsoft.com/office/drawing/2010/main" w="9525">
+                <a14:hiddenLine xmlns:a14="http://schemas.microsoft.com/office/drawing/2010/main" xmlns="" w="9525">
                   <a:solidFill>
                     <a:srgbClr val="000000"/>
                   </a:solidFill>
@@ -4723,7 +4723,7 @@
             </a:ln>
             <a:extLst>
               <a:ext uri="{91240B29-F687-4f45-9708-019B960494DF}">
-                <a14:hiddenLine xmlns="" xmlns:a14="http://schemas.microsoft.com/office/drawing/2010/main" w="9525">
+                <a14:hiddenLine xmlns:a14="http://schemas.microsoft.com/office/drawing/2010/main" xmlns="" w="9525">
                   <a:solidFill>
                     <a:srgbClr val="000000"/>
                   </a:solidFill>
@@ -4813,7 +4813,7 @@
             </a:ln>
             <a:extLst>
               <a:ext uri="{91240B29-F687-4f45-9708-019B960494DF}">
-                <a14:hiddenLine xmlns="" xmlns:a14="http://schemas.microsoft.com/office/drawing/2010/main" w="9525">
+                <a14:hiddenLine xmlns:a14="http://schemas.microsoft.com/office/drawing/2010/main" xmlns="" w="9525">
                   <a:solidFill>
                     <a:srgbClr val="000000"/>
                   </a:solidFill>
@@ -4953,7 +4953,7 @@
           <a:p>
             <a:fld id="{402D7A8C-E8C9-C044-B17F-4F3BDC02CA13}" type="datetime1">
               <a:rPr lang="en-US" smtClean="0"/>
-              <a:t>8/20/25</a:t>
+              <a:t>8/25/25</a:t>
             </a:fld>
             <a:endParaRPr lang="en-US"/>
           </a:p>
@@ -5220,7 +5220,7 @@
           <a:p>
             <a:fld id="{37F8A4E9-907E-024F-942D-1027DBDB6B95}" type="datetime1">
               <a:rPr lang="en-US" smtClean="0"/>
-              <a:t>8/20/25</a:t>
+              <a:t>8/25/25</a:t>
             </a:fld>
             <a:endParaRPr lang="en-US"/>
           </a:p>
@@ -5416,7 +5416,7 @@
           <a:p>
             <a:fld id="{0FE75626-F07C-1141-9EC1-D81C02E85261}" type="datetime1">
               <a:rPr lang="en-US" smtClean="0"/>
-              <a:t>8/20/25</a:t>
+              <a:t>8/25/25</a:t>
             </a:fld>
             <a:endParaRPr lang="en-US"/>
           </a:p>
@@ -5679,7 +5679,7 @@
           <a:p>
             <a:fld id="{A542032B-A565-A745-AD03-A3A1AE898D44}" type="datetime1">
               <a:rPr lang="en-US" smtClean="0"/>
-              <a:t>8/20/25</a:t>
+              <a:t>8/25/25</a:t>
             </a:fld>
             <a:endParaRPr lang="en-US"/>
           </a:p>
@@ -6113,7 +6113,7 @@
           <a:p>
             <a:fld id="{D07DFA05-D8BC-F743-AAC8-830078F9EC2E}" type="datetime1">
               <a:rPr lang="en-US" smtClean="0"/>
-              <a:t>8/20/25</a:t>
+              <a:t>8/25/25</a:t>
             </a:fld>
             <a:endParaRPr lang="en-US"/>
           </a:p>
@@ -6659,7 +6659,7 @@
           <a:p>
             <a:fld id="{A30ACE03-F6AA-B648-AEDA-6D288BF5F57D}" type="datetime1">
               <a:rPr lang="en-US" smtClean="0"/>
-              <a:t>8/20/25</a:t>
+              <a:t>8/25/25</a:t>
             </a:fld>
             <a:endParaRPr lang="en-US"/>
           </a:p>
@@ -7379,7 +7379,7 @@
           <a:p>
             <a:fld id="{00CC296A-FFCD-5143-BB88-7498A31860D8}" type="datetime1">
               <a:rPr lang="en-US" smtClean="0"/>
-              <a:t>8/20/25</a:t>
+              <a:t>8/25/25</a:t>
             </a:fld>
             <a:endParaRPr lang="en-US"/>
           </a:p>
@@ -7549,7 +7549,7 @@
           <a:p>
             <a:fld id="{C6A5FF73-2E33-5542-B000-2DC2E7840EBF}" type="datetime1">
               <a:rPr lang="en-US" smtClean="0"/>
-              <a:t>8/20/25</a:t>
+              <a:t>8/25/25</a:t>
             </a:fld>
             <a:endParaRPr lang="en-US"/>
           </a:p>
@@ -7729,7 +7729,7 @@
           <a:p>
             <a:fld id="{02F42606-263B-9C4F-8747-C46201865648}" type="datetime1">
               <a:rPr lang="en-US" smtClean="0"/>
-              <a:t>8/20/25</a:t>
+              <a:t>8/25/25</a:t>
             </a:fld>
             <a:endParaRPr lang="en-US"/>
           </a:p>
@@ -7899,7 +7899,7 @@
           <a:p>
             <a:fld id="{5F8D537B-242B-6E4B-B3AA-5700AD130DAB}" type="datetime1">
               <a:rPr lang="en-US" smtClean="0"/>
-              <a:t>8/20/25</a:t>
+              <a:t>8/25/25</a:t>
             </a:fld>
             <a:endParaRPr lang="en-US"/>
           </a:p>
@@ -8149,7 +8149,7 @@
           <a:p>
             <a:fld id="{7BE0DB53-1439-2E4C-8FEF-8A4982596F3C}" type="datetime1">
               <a:rPr lang="en-US" smtClean="0"/>
-              <a:t>8/20/25</a:t>
+              <a:t>8/25/25</a:t>
             </a:fld>
             <a:endParaRPr lang="en-US"/>
           </a:p>
@@ -8381,7 +8381,7 @@
           <a:p>
             <a:fld id="{DC68B4C4-E214-B54E-A5C2-DF036DC63B34}" type="datetime1">
               <a:rPr lang="en-US" smtClean="0"/>
-              <a:t>8/20/25</a:t>
+              <a:t>8/25/25</a:t>
             </a:fld>
             <a:endParaRPr lang="en-US"/>
           </a:p>
@@ -8767,7 +8767,7 @@
           <a:p>
             <a:fld id="{7FAC456D-E6B2-0642-9BEB-83D0B9BAC47F}" type="datetime1">
               <a:rPr lang="en-US" smtClean="0"/>
-              <a:t>8/20/25</a:t>
+              <a:t>8/25/25</a:t>
             </a:fld>
             <a:endParaRPr lang="en-US"/>
           </a:p>
@@ -8890,7 +8890,7 @@
           <a:p>
             <a:fld id="{16AA1968-45EA-A240-A17F-44B2A8A0BB1D}" type="datetime1">
               <a:rPr lang="en-US" smtClean="0"/>
-              <a:t>8/20/25</a:t>
+              <a:t>8/25/25</a:t>
             </a:fld>
             <a:endParaRPr lang="en-US"/>
           </a:p>
@@ -8985,7 +8985,7 @@
           <a:p>
             <a:fld id="{26CFB313-9C91-AB4A-9BD3-BE60645D454E}" type="datetime1">
               <a:rPr lang="en-US" smtClean="0"/>
-              <a:t>8/20/25</a:t>
+              <a:t>8/25/25</a:t>
             </a:fld>
             <a:endParaRPr lang="en-US"/>
           </a:p>
@@ -9234,7 +9234,7 @@
           <a:p>
             <a:fld id="{400DE57A-C1B2-FD48-B4C3-5BEA75776498}" type="datetime1">
               <a:rPr lang="en-US" smtClean="0"/>
-              <a:t>8/20/25</a:t>
+              <a:t>8/25/25</a:t>
             </a:fld>
             <a:endParaRPr lang="en-US"/>
           </a:p>
@@ -9519,7 +9519,7 @@
           <a:p>
             <a:fld id="{A982DE63-F783-CF4C-A886-D3D65D6D3AA3}" type="datetime1">
               <a:rPr lang="en-US" smtClean="0"/>
-              <a:t>8/20/25</a:t>
+              <a:t>8/25/25</a:t>
             </a:fld>
             <a:endParaRPr lang="en-US"/>
           </a:p>
@@ -9642,7 +9642,7 @@
           <a:noFill/>
           <a:extLst>
             <a:ext uri="{909E8E84-426E-40dd-AFC4-6F175D3DCCD1}">
-              <a14:hiddenFill xmlns="" xmlns:a14="http://schemas.microsoft.com/office/drawing/2010/main">
+              <a14:hiddenFill xmlns:a14="http://schemas.microsoft.com/office/drawing/2010/main" xmlns="">
                 <a:solidFill>
                   <a:srgbClr val="FFFFFF"/>
                 </a:solidFill>
@@ -9716,7 +9716,7 @@
               </a:ln>
               <a:extLst>
                 <a:ext uri="{91240B29-F687-4f45-9708-019B960494DF}">
-                  <a14:hiddenLine xmlns="" xmlns:a14="http://schemas.microsoft.com/office/drawing/2010/main" w="9525">
+                  <a14:hiddenLine xmlns:a14="http://schemas.microsoft.com/office/drawing/2010/main" xmlns="" w="9525">
                     <a:solidFill>
                       <a:srgbClr val="000000"/>
                     </a:solidFill>
@@ -9806,7 +9806,7 @@
               </a:ln>
               <a:extLst>
                 <a:ext uri="{91240B29-F687-4f45-9708-019B960494DF}">
-                  <a14:hiddenLine xmlns="" xmlns:a14="http://schemas.microsoft.com/office/drawing/2010/main" w="9525">
+                  <a14:hiddenLine xmlns:a14="http://schemas.microsoft.com/office/drawing/2010/main" xmlns="" w="9525">
                     <a:solidFill>
                       <a:srgbClr val="000000"/>
                     </a:solidFill>
@@ -9896,7 +9896,7 @@
               </a:ln>
               <a:extLst>
                 <a:ext uri="{91240B29-F687-4f45-9708-019B960494DF}">
-                  <a14:hiddenLine xmlns="" xmlns:a14="http://schemas.microsoft.com/office/drawing/2010/main" w="9525">
+                  <a14:hiddenLine xmlns:a14="http://schemas.microsoft.com/office/drawing/2010/main" xmlns="" w="9525">
                     <a:solidFill>
                       <a:srgbClr val="000000"/>
                     </a:solidFill>
@@ -9958,7 +9958,7 @@
               </a:ln>
               <a:extLst>
                 <a:ext uri="{91240B29-F687-4f45-9708-019B960494DF}">
-                  <a14:hiddenLine xmlns="" xmlns:a14="http://schemas.microsoft.com/office/drawing/2010/main" w="9525">
+                  <a14:hiddenLine xmlns:a14="http://schemas.microsoft.com/office/drawing/2010/main" xmlns="" w="9525">
                     <a:solidFill>
                       <a:srgbClr val="000000"/>
                     </a:solidFill>
@@ -10048,7 +10048,7 @@
               </a:ln>
               <a:extLst>
                 <a:ext uri="{91240B29-F687-4f45-9708-019B960494DF}">
-                  <a14:hiddenLine xmlns="" xmlns:a14="http://schemas.microsoft.com/office/drawing/2010/main" w="9525">
+                  <a14:hiddenLine xmlns:a14="http://schemas.microsoft.com/office/drawing/2010/main" xmlns="" w="9525">
                     <a:solidFill>
                       <a:srgbClr val="000000"/>
                     </a:solidFill>
@@ -10110,7 +10110,7 @@
               </a:ln>
               <a:extLst>
                 <a:ext uri="{91240B29-F687-4f45-9708-019B960494DF}">
-                  <a14:hiddenLine xmlns="" xmlns:a14="http://schemas.microsoft.com/office/drawing/2010/main" w="9525">
+                  <a14:hiddenLine xmlns:a14="http://schemas.microsoft.com/office/drawing/2010/main" xmlns="" w="9525">
                     <a:solidFill>
                       <a:srgbClr val="000000"/>
                     </a:solidFill>
@@ -10172,7 +10172,7 @@
               </a:ln>
               <a:extLst>
                 <a:ext uri="{91240B29-F687-4f45-9708-019B960494DF}">
-                  <a14:hiddenLine xmlns="" xmlns:a14="http://schemas.microsoft.com/office/drawing/2010/main" w="9525">
+                  <a14:hiddenLine xmlns:a14="http://schemas.microsoft.com/office/drawing/2010/main" xmlns="" w="9525">
                     <a:solidFill>
                       <a:srgbClr val="000000"/>
                     </a:solidFill>
@@ -10262,7 +10262,7 @@
               </a:ln>
               <a:extLst>
                 <a:ext uri="{91240B29-F687-4f45-9708-019B960494DF}">
-                  <a14:hiddenLine xmlns="" xmlns:a14="http://schemas.microsoft.com/office/drawing/2010/main" w="9525">
+                  <a14:hiddenLine xmlns:a14="http://schemas.microsoft.com/office/drawing/2010/main" xmlns="" w="9525">
                     <a:solidFill>
                       <a:srgbClr val="000000"/>
                     </a:solidFill>
@@ -10352,7 +10352,7 @@
               </a:ln>
               <a:extLst>
                 <a:ext uri="{91240B29-F687-4f45-9708-019B960494DF}">
-                  <a14:hiddenLine xmlns="" xmlns:a14="http://schemas.microsoft.com/office/drawing/2010/main" w="9525">
+                  <a14:hiddenLine xmlns:a14="http://schemas.microsoft.com/office/drawing/2010/main" xmlns="" w="9525">
                     <a:solidFill>
                       <a:srgbClr val="000000"/>
                     </a:solidFill>
@@ -10414,7 +10414,7 @@
               </a:ln>
               <a:extLst>
                 <a:ext uri="{91240B29-F687-4f45-9708-019B960494DF}">
-                  <a14:hiddenLine xmlns="" xmlns:a14="http://schemas.microsoft.com/office/drawing/2010/main" w="9525">
+                  <a14:hiddenLine xmlns:a14="http://schemas.microsoft.com/office/drawing/2010/main" xmlns="" w="9525">
                     <a:solidFill>
                       <a:srgbClr val="000000"/>
                     </a:solidFill>
@@ -10524,7 +10524,7 @@
               </a:ln>
               <a:extLst>
                 <a:ext uri="{91240B29-F687-4f45-9708-019B960494DF}">
-                  <a14:hiddenLine xmlns="" xmlns:a14="http://schemas.microsoft.com/office/drawing/2010/main" w="9525">
+                  <a14:hiddenLine xmlns:a14="http://schemas.microsoft.com/office/drawing/2010/main" xmlns="" w="9525">
                     <a:solidFill>
                       <a:srgbClr val="000000"/>
                     </a:solidFill>
@@ -10608,7 +10608,7 @@
               </a:ln>
               <a:extLst>
                 <a:ext uri="{91240B29-F687-4f45-9708-019B960494DF}">
-                  <a14:hiddenLine xmlns="" xmlns:a14="http://schemas.microsoft.com/office/drawing/2010/main" w="9525">
+                  <a14:hiddenLine xmlns:a14="http://schemas.microsoft.com/office/drawing/2010/main" xmlns="" w="9525">
                     <a:solidFill>
                       <a:srgbClr val="000000"/>
                     </a:solidFill>
@@ -10670,7 +10670,7 @@
               </a:ln>
               <a:extLst>
                 <a:ext uri="{91240B29-F687-4f45-9708-019B960494DF}">
-                  <a14:hiddenLine xmlns="" xmlns:a14="http://schemas.microsoft.com/office/drawing/2010/main" w="9525">
+                  <a14:hiddenLine xmlns:a14="http://schemas.microsoft.com/office/drawing/2010/main" xmlns="" w="9525">
                     <a:solidFill>
                       <a:srgbClr val="000000"/>
                     </a:solidFill>
@@ -10732,7 +10732,7 @@
               </a:ln>
               <a:extLst>
                 <a:ext uri="{91240B29-F687-4f45-9708-019B960494DF}">
-                  <a14:hiddenLine xmlns="" xmlns:a14="http://schemas.microsoft.com/office/drawing/2010/main" w="9525">
+                  <a14:hiddenLine xmlns:a14="http://schemas.microsoft.com/office/drawing/2010/main" xmlns="" w="9525">
                     <a:solidFill>
                       <a:srgbClr val="000000"/>
                     </a:solidFill>
@@ -10822,7 +10822,7 @@
               </a:ln>
               <a:extLst>
                 <a:ext uri="{91240B29-F687-4f45-9708-019B960494DF}">
-                  <a14:hiddenLine xmlns="" xmlns:a14="http://schemas.microsoft.com/office/drawing/2010/main" w="9525">
+                  <a14:hiddenLine xmlns:a14="http://schemas.microsoft.com/office/drawing/2010/main" xmlns="" w="9525">
                     <a:solidFill>
                       <a:srgbClr val="000000"/>
                     </a:solidFill>
@@ -10856,7 +10856,7 @@
               </a:ln>
               <a:extLst>
                 <a:ext uri="{91240B29-F687-4f45-9708-019B960494DF}">
-                  <a14:hiddenLine xmlns="" xmlns:a14="http://schemas.microsoft.com/office/drawing/2010/main" w="9525">
+                  <a14:hiddenLine xmlns:a14="http://schemas.microsoft.com/office/drawing/2010/main" xmlns="" w="9525">
                     <a:solidFill>
                       <a:srgbClr val="000000"/>
                     </a:solidFill>
@@ -10921,7 +10921,7 @@
               </a:ln>
               <a:extLst>
                 <a:ext uri="{91240B29-F687-4f45-9708-019B960494DF}">
-                  <a14:hiddenLine xmlns="" xmlns:a14="http://schemas.microsoft.com/office/drawing/2010/main" w="9525">
+                  <a14:hiddenLine xmlns:a14="http://schemas.microsoft.com/office/drawing/2010/main" xmlns="" w="9525">
                     <a:solidFill>
                       <a:srgbClr val="000000"/>
                     </a:solidFill>
@@ -11011,7 +11011,7 @@
               </a:ln>
               <a:extLst>
                 <a:ext uri="{91240B29-F687-4f45-9708-019B960494DF}">
-                  <a14:hiddenLine xmlns="" xmlns:a14="http://schemas.microsoft.com/office/drawing/2010/main" w="9525">
+                  <a14:hiddenLine xmlns:a14="http://schemas.microsoft.com/office/drawing/2010/main" xmlns="" w="9525">
                     <a:solidFill>
                       <a:srgbClr val="000000"/>
                     </a:solidFill>
@@ -11073,7 +11073,7 @@
               </a:ln>
               <a:extLst>
                 <a:ext uri="{91240B29-F687-4f45-9708-019B960494DF}">
-                  <a14:hiddenLine xmlns="" xmlns:a14="http://schemas.microsoft.com/office/drawing/2010/main" w="9525">
+                  <a14:hiddenLine xmlns:a14="http://schemas.microsoft.com/office/drawing/2010/main" xmlns="" w="9525">
                     <a:solidFill>
                       <a:srgbClr val="000000"/>
                     </a:solidFill>
@@ -11163,7 +11163,7 @@
               </a:ln>
               <a:extLst>
                 <a:ext uri="{91240B29-F687-4f45-9708-019B960494DF}">
-                  <a14:hiddenLine xmlns="" xmlns:a14="http://schemas.microsoft.com/office/drawing/2010/main" w="9525">
+                  <a14:hiddenLine xmlns:a14="http://schemas.microsoft.com/office/drawing/2010/main" xmlns="" w="9525">
                     <a:solidFill>
                       <a:srgbClr val="000000"/>
                     </a:solidFill>
@@ -11228,7 +11228,7 @@
               </a:ln>
               <a:extLst>
                 <a:ext uri="{91240B29-F687-4f45-9708-019B960494DF}">
-                  <a14:hiddenLine xmlns="" xmlns:a14="http://schemas.microsoft.com/office/drawing/2010/main" w="9525">
+                  <a14:hiddenLine xmlns:a14="http://schemas.microsoft.com/office/drawing/2010/main" xmlns="" w="9525">
                     <a:solidFill>
                       <a:srgbClr val="000000"/>
                     </a:solidFill>
@@ -11290,7 +11290,7 @@
               </a:ln>
               <a:extLst>
                 <a:ext uri="{91240B29-F687-4f45-9708-019B960494DF}">
-                  <a14:hiddenLine xmlns="" xmlns:a14="http://schemas.microsoft.com/office/drawing/2010/main" w="9525">
+                  <a14:hiddenLine xmlns:a14="http://schemas.microsoft.com/office/drawing/2010/main" xmlns="" w="9525">
                     <a:solidFill>
                       <a:srgbClr val="000000"/>
                     </a:solidFill>
@@ -11380,7 +11380,7 @@
               </a:ln>
               <a:extLst>
                 <a:ext uri="{91240B29-F687-4f45-9708-019B960494DF}">
-                  <a14:hiddenLine xmlns="" xmlns:a14="http://schemas.microsoft.com/office/drawing/2010/main" w="9525">
+                  <a14:hiddenLine xmlns:a14="http://schemas.microsoft.com/office/drawing/2010/main" xmlns="" w="9525">
                     <a:solidFill>
                       <a:srgbClr val="000000"/>
                     </a:solidFill>
@@ -11470,7 +11470,7 @@
               </a:ln>
               <a:extLst>
                 <a:ext uri="{91240B29-F687-4f45-9708-019B960494DF}">
-                  <a14:hiddenLine xmlns="" xmlns:a14="http://schemas.microsoft.com/office/drawing/2010/main" w="9525">
+                  <a14:hiddenLine xmlns:a14="http://schemas.microsoft.com/office/drawing/2010/main" xmlns="" w="9525">
                     <a:solidFill>
                       <a:srgbClr val="000000"/>
                     </a:solidFill>
@@ -11535,7 +11535,7 @@
               </a:ln>
               <a:extLst>
                 <a:ext uri="{91240B29-F687-4f45-9708-019B960494DF}">
-                  <a14:hiddenLine xmlns="" xmlns:a14="http://schemas.microsoft.com/office/drawing/2010/main" w="9525">
+                  <a14:hiddenLine xmlns:a14="http://schemas.microsoft.com/office/drawing/2010/main" xmlns="" w="9525">
                     <a:solidFill>
                       <a:srgbClr val="000000"/>
                     </a:solidFill>
@@ -11655,7 +11655,7 @@
               </a:ln>
               <a:extLst>
                 <a:ext uri="{91240B29-F687-4f45-9708-019B960494DF}">
-                  <a14:hiddenLine xmlns="" xmlns:a14="http://schemas.microsoft.com/office/drawing/2010/main" w="9525">
+                  <a14:hiddenLine xmlns:a14="http://schemas.microsoft.com/office/drawing/2010/main" xmlns="" w="9525">
                     <a:solidFill>
                       <a:srgbClr val="000000"/>
                     </a:solidFill>
@@ -11736,7 +11736,7 @@
               </a:ln>
               <a:extLst>
                 <a:ext uri="{91240B29-F687-4f45-9708-019B960494DF}">
-                  <a14:hiddenLine xmlns="" xmlns:a14="http://schemas.microsoft.com/office/drawing/2010/main" w="9525">
+                  <a14:hiddenLine xmlns:a14="http://schemas.microsoft.com/office/drawing/2010/main" xmlns="" w="9525">
                     <a:solidFill>
                       <a:srgbClr val="000000"/>
                     </a:solidFill>
@@ -11851,7 +11851,7 @@
               </a:ln>
               <a:extLst>
                 <a:ext uri="{91240B29-F687-4f45-9708-019B960494DF}">
-                  <a14:hiddenLine xmlns="" xmlns:a14="http://schemas.microsoft.com/office/drawing/2010/main" w="9525">
+                  <a14:hiddenLine xmlns:a14="http://schemas.microsoft.com/office/drawing/2010/main" xmlns="" w="9525">
                     <a:solidFill>
                       <a:srgbClr val="000000"/>
                     </a:solidFill>
@@ -11941,7 +11941,7 @@
               </a:ln>
               <a:extLst>
                 <a:ext uri="{91240B29-F687-4f45-9708-019B960494DF}">
-                  <a14:hiddenLine xmlns="" xmlns:a14="http://schemas.microsoft.com/office/drawing/2010/main" w="9525">
+                  <a14:hiddenLine xmlns:a14="http://schemas.microsoft.com/office/drawing/2010/main" xmlns="" w="9525">
                     <a:solidFill>
                       <a:srgbClr val="000000"/>
                     </a:solidFill>
@@ -12006,7 +12006,7 @@
               </a:ln>
               <a:extLst>
                 <a:ext uri="{91240B29-F687-4f45-9708-019B960494DF}">
-                  <a14:hiddenLine xmlns="" xmlns:a14="http://schemas.microsoft.com/office/drawing/2010/main" w="9525">
+                  <a14:hiddenLine xmlns:a14="http://schemas.microsoft.com/office/drawing/2010/main" xmlns="" w="9525">
                     <a:solidFill>
                       <a:srgbClr val="000000"/>
                     </a:solidFill>
@@ -12096,7 +12096,7 @@
               </a:ln>
               <a:extLst>
                 <a:ext uri="{91240B29-F687-4f45-9708-019B960494DF}">
-                  <a14:hiddenLine xmlns="" xmlns:a14="http://schemas.microsoft.com/office/drawing/2010/main" w="9525">
+                  <a14:hiddenLine xmlns:a14="http://schemas.microsoft.com/office/drawing/2010/main" xmlns="" w="9525">
                     <a:solidFill>
                       <a:srgbClr val="000000"/>
                     </a:solidFill>
@@ -12164,7 +12164,7 @@
               </a:ln>
               <a:extLst>
                 <a:ext uri="{91240B29-F687-4f45-9708-019B960494DF}">
-                  <a14:hiddenLine xmlns="" xmlns:a14="http://schemas.microsoft.com/office/drawing/2010/main" w="9525">
+                  <a14:hiddenLine xmlns:a14="http://schemas.microsoft.com/office/drawing/2010/main" xmlns="" w="9525">
                     <a:solidFill>
                       <a:srgbClr val="000000"/>
                     </a:solidFill>
@@ -12254,7 +12254,7 @@
               </a:ln>
               <a:extLst>
                 <a:ext uri="{91240B29-F687-4f45-9708-019B960494DF}">
-                  <a14:hiddenLine xmlns="" xmlns:a14="http://schemas.microsoft.com/office/drawing/2010/main" w="9525">
+                  <a14:hiddenLine xmlns:a14="http://schemas.microsoft.com/office/drawing/2010/main" xmlns="" w="9525">
                     <a:solidFill>
                       <a:srgbClr val="000000"/>
                     </a:solidFill>
@@ -12322,7 +12322,7 @@
               </a:ln>
               <a:extLst>
                 <a:ext uri="{91240B29-F687-4f45-9708-019B960494DF}">
-                  <a14:hiddenLine xmlns="" xmlns:a14="http://schemas.microsoft.com/office/drawing/2010/main" w="9525">
+                  <a14:hiddenLine xmlns:a14="http://schemas.microsoft.com/office/drawing/2010/main" xmlns="" w="9525">
                     <a:solidFill>
                       <a:srgbClr val="000000"/>
                     </a:solidFill>
@@ -12412,7 +12412,7 @@
               </a:ln>
               <a:extLst>
                 <a:ext uri="{91240B29-F687-4f45-9708-019B960494DF}">
-                  <a14:hiddenLine xmlns="" xmlns:a14="http://schemas.microsoft.com/office/drawing/2010/main" w="9525">
+                  <a14:hiddenLine xmlns:a14="http://schemas.microsoft.com/office/drawing/2010/main" xmlns="" w="9525">
                     <a:solidFill>
                       <a:srgbClr val="000000"/>
                     </a:solidFill>
@@ -12446,7 +12446,7 @@
               </a:ln>
               <a:extLst>
                 <a:ext uri="{91240B29-F687-4f45-9708-019B960494DF}">
-                  <a14:hiddenLine xmlns="" xmlns:a14="http://schemas.microsoft.com/office/drawing/2010/main" w="9525">
+                  <a14:hiddenLine xmlns:a14="http://schemas.microsoft.com/office/drawing/2010/main" xmlns="" w="9525">
                     <a:solidFill>
                       <a:srgbClr val="000000"/>
                     </a:solidFill>
@@ -12586,7 +12586,7 @@
           <a:p>
             <a:fld id="{59173DD1-A275-4445-AB1E-9DFF752BE39B}" type="datetime1">
               <a:rPr lang="en-US" smtClean="0"/>
-              <a:t>8/20/25</a:t>
+              <a:t>8/25/25</a:t>
             </a:fld>
             <a:endParaRPr lang="en-US"/>
           </a:p>
@@ -15340,14 +15340,14 @@
             <a:pPr lvl="1"/>
             <a:r>
               <a:rPr lang="en-US" dirty="0"/>
-              <a:t>Anyone can fill out an online form to request a 7 day extension. Extensions will be granted for any reason as long as you articulate why you need extra time and when you plan to finish the homework by.</a:t>
+              <a:t>Anyone can fill out an online form to request a 5 day extension. Extensions will be granted for any reason as long as you articulate why you need extra time and when you plan to finish the homework by.</a:t>
             </a:r>
           </a:p>
           <a:p>
             <a:pPr lvl="1"/>
             <a:r>
               <a:rPr lang="en-US" dirty="0"/>
-              <a:t>NO submissions beyond this already generous 7 day window for any reason. That window IS your flexibility should anything arise.</a:t>
+              <a:t>NO submissions beyond this already generous 5 day window for any reason. That window IS your flexibility should anything arise.</a:t>
             </a:r>
           </a:p>
           <a:p>
@@ -17112,14 +17112,22 @@
             <a:pPr lvl="2"/>
             <a:r>
               <a:rPr lang="en-US" dirty="0"/>
-              <a:t>TBD</a:t>
+              <a:t>Chase </a:t>
+            </a:r>
+            <a:r>
+              <a:rPr lang="en-US" dirty="0" err="1"/>
+              <a:t>Fickles</a:t>
+            </a:r>
+            <a:r>
+              <a:rPr lang="en-US" dirty="0"/>
+              <a:t> (See course website for contact info)</a:t>
             </a:r>
           </a:p>
           <a:p>
             <a:pPr lvl="1"/>
             <a:r>
               <a:rPr lang="en-US" dirty="0"/>
-              <a:t>Undergraduates (~27)</a:t>
+              <a:t>Undergraduates (~17)</a:t>
             </a:r>
           </a:p>
           <a:p>

--- a/slides/00-CourseIntroduction.pptx
+++ b/slides/00-CourseIntroduction.pptx
@@ -225,7 +225,7 @@
           <a:p>
             <a:fld id="{C5B45307-6ED4-B142-BD64-10F739779302}" type="datetimeFigureOut">
               <a:rPr lang="en-US" smtClean="0"/>
-              <a:t>8/25/25</a:t>
+              <a:t>8/26/25</a:t>
             </a:fld>
             <a:endParaRPr lang="en-US"/>
           </a:p>
@@ -728,7 +728,7 @@
           <a:noFill/>
           <a:extLst>
             <a:ext uri="{909E8E84-426E-40dd-AFC4-6F175D3DCCD1}">
-              <a14:hiddenFill xmlns:a14="http://schemas.microsoft.com/office/drawing/2010/main" xmlns="">
+              <a14:hiddenFill xmlns="" xmlns:a14="http://schemas.microsoft.com/office/drawing/2010/main">
                 <a:solidFill>
                   <a:srgbClr val="FFFFFF"/>
                 </a:solidFill>
@@ -787,7 +787,7 @@
             </a:ln>
             <a:extLst>
               <a:ext uri="{91240B29-F687-4f45-9708-019B960494DF}">
-                <a14:hiddenLine xmlns:a14="http://schemas.microsoft.com/office/drawing/2010/main" xmlns="" w="9525">
+                <a14:hiddenLine xmlns="" xmlns:a14="http://schemas.microsoft.com/office/drawing/2010/main" w="9525">
                   <a:solidFill>
                     <a:srgbClr val="000000"/>
                   </a:solidFill>
@@ -877,7 +877,7 @@
             </a:ln>
             <a:extLst>
               <a:ext uri="{91240B29-F687-4f45-9708-019B960494DF}">
-                <a14:hiddenLine xmlns:a14="http://schemas.microsoft.com/office/drawing/2010/main" xmlns="" w="9525">
+                <a14:hiddenLine xmlns="" xmlns:a14="http://schemas.microsoft.com/office/drawing/2010/main" w="9525">
                   <a:solidFill>
                     <a:srgbClr val="000000"/>
                   </a:solidFill>
@@ -967,7 +967,7 @@
             </a:ln>
             <a:extLst>
               <a:ext uri="{91240B29-F687-4f45-9708-019B960494DF}">
-                <a14:hiddenLine xmlns:a14="http://schemas.microsoft.com/office/drawing/2010/main" xmlns="" w="9525">
+                <a14:hiddenLine xmlns="" xmlns:a14="http://schemas.microsoft.com/office/drawing/2010/main" w="9525">
                   <a:solidFill>
                     <a:srgbClr val="000000"/>
                   </a:solidFill>
@@ -1001,7 +1001,7 @@
             </a:ln>
             <a:extLst>
               <a:ext uri="{91240B29-F687-4f45-9708-019B960494DF}">
-                <a14:hiddenLine xmlns:a14="http://schemas.microsoft.com/office/drawing/2010/main" xmlns="" w="9525">
+                <a14:hiddenLine xmlns="" xmlns:a14="http://schemas.microsoft.com/office/drawing/2010/main" w="9525">
                   <a:solidFill>
                     <a:srgbClr val="000000"/>
                   </a:solidFill>
@@ -1091,7 +1091,7 @@
             </a:ln>
             <a:extLst>
               <a:ext uri="{91240B29-F687-4f45-9708-019B960494DF}">
-                <a14:hiddenLine xmlns:a14="http://schemas.microsoft.com/office/drawing/2010/main" xmlns="" w="9525">
+                <a14:hiddenLine xmlns="" xmlns:a14="http://schemas.microsoft.com/office/drawing/2010/main" w="9525">
                   <a:solidFill>
                     <a:srgbClr val="000000"/>
                   </a:solidFill>
@@ -1153,7 +1153,7 @@
             </a:ln>
             <a:extLst>
               <a:ext uri="{91240B29-F687-4f45-9708-019B960494DF}">
-                <a14:hiddenLine xmlns:a14="http://schemas.microsoft.com/office/drawing/2010/main" xmlns="" w="9525">
+                <a14:hiddenLine xmlns="" xmlns:a14="http://schemas.microsoft.com/office/drawing/2010/main" w="9525">
                   <a:solidFill>
                     <a:srgbClr val="000000"/>
                   </a:solidFill>
@@ -1215,7 +1215,7 @@
             </a:ln>
             <a:extLst>
               <a:ext uri="{91240B29-F687-4f45-9708-019B960494DF}">
-                <a14:hiddenLine xmlns:a14="http://schemas.microsoft.com/office/drawing/2010/main" xmlns="" w="9525">
+                <a14:hiddenLine xmlns="" xmlns:a14="http://schemas.microsoft.com/office/drawing/2010/main" w="9525">
                   <a:solidFill>
                     <a:srgbClr val="000000"/>
                   </a:solidFill>
@@ -1305,7 +1305,7 @@
             </a:ln>
             <a:extLst>
               <a:ext uri="{91240B29-F687-4f45-9708-019B960494DF}">
-                <a14:hiddenLine xmlns:a14="http://schemas.microsoft.com/office/drawing/2010/main" xmlns="" w="9525">
+                <a14:hiddenLine xmlns="" xmlns:a14="http://schemas.microsoft.com/office/drawing/2010/main" w="9525">
                   <a:solidFill>
                     <a:srgbClr val="000000"/>
                   </a:solidFill>
@@ -1367,7 +1367,7 @@
             </a:ln>
             <a:extLst>
               <a:ext uri="{91240B29-F687-4f45-9708-019B960494DF}">
-                <a14:hiddenLine xmlns:a14="http://schemas.microsoft.com/office/drawing/2010/main" xmlns="" w="9525">
+                <a14:hiddenLine xmlns="" xmlns:a14="http://schemas.microsoft.com/office/drawing/2010/main" w="9525">
                   <a:solidFill>
                     <a:srgbClr val="000000"/>
                   </a:solidFill>
@@ -1429,7 +1429,7 @@
             </a:ln>
             <a:extLst>
               <a:ext uri="{91240B29-F687-4f45-9708-019B960494DF}">
-                <a14:hiddenLine xmlns:a14="http://schemas.microsoft.com/office/drawing/2010/main" xmlns="" w="9525">
+                <a14:hiddenLine xmlns="" xmlns:a14="http://schemas.microsoft.com/office/drawing/2010/main" w="9525">
                   <a:solidFill>
                     <a:srgbClr val="000000"/>
                   </a:solidFill>
@@ -1519,7 +1519,7 @@
             </a:ln>
             <a:extLst>
               <a:ext uri="{91240B29-F687-4f45-9708-019B960494DF}">
-                <a14:hiddenLine xmlns:a14="http://schemas.microsoft.com/office/drawing/2010/main" xmlns="" w="9525">
+                <a14:hiddenLine xmlns="" xmlns:a14="http://schemas.microsoft.com/office/drawing/2010/main" w="9525">
                   <a:solidFill>
                     <a:srgbClr val="000000"/>
                   </a:solidFill>
@@ -1609,7 +1609,7 @@
             </a:ln>
             <a:extLst>
               <a:ext uri="{91240B29-F687-4f45-9708-019B960494DF}">
-                <a14:hiddenLine xmlns:a14="http://schemas.microsoft.com/office/drawing/2010/main" xmlns="" w="9525">
+                <a14:hiddenLine xmlns="" xmlns:a14="http://schemas.microsoft.com/office/drawing/2010/main" w="9525">
                   <a:solidFill>
                     <a:srgbClr val="000000"/>
                   </a:solidFill>
@@ -1671,7 +1671,7 @@
             </a:ln>
             <a:extLst>
               <a:ext uri="{91240B29-F687-4f45-9708-019B960494DF}">
-                <a14:hiddenLine xmlns:a14="http://schemas.microsoft.com/office/drawing/2010/main" xmlns="" w="9525">
+                <a14:hiddenLine xmlns="" xmlns:a14="http://schemas.microsoft.com/office/drawing/2010/main" w="9525">
                   <a:solidFill>
                     <a:srgbClr val="000000"/>
                   </a:solidFill>
@@ -1781,7 +1781,7 @@
             </a:ln>
             <a:extLst>
               <a:ext uri="{91240B29-F687-4f45-9708-019B960494DF}">
-                <a14:hiddenLine xmlns:a14="http://schemas.microsoft.com/office/drawing/2010/main" xmlns="" w="9525">
+                <a14:hiddenLine xmlns="" xmlns:a14="http://schemas.microsoft.com/office/drawing/2010/main" w="9525">
                   <a:solidFill>
                     <a:srgbClr val="000000"/>
                   </a:solidFill>
@@ -1843,7 +1843,7 @@
             </a:ln>
             <a:extLst>
               <a:ext uri="{91240B29-F687-4f45-9708-019B960494DF}">
-                <a14:hiddenLine xmlns:a14="http://schemas.microsoft.com/office/drawing/2010/main" xmlns="" w="9525">
+                <a14:hiddenLine xmlns="" xmlns:a14="http://schemas.microsoft.com/office/drawing/2010/main" w="9525">
                   <a:solidFill>
                     <a:srgbClr val="000000"/>
                   </a:solidFill>
@@ -1933,7 +1933,7 @@
             </a:ln>
             <a:extLst>
               <a:ext uri="{91240B29-F687-4f45-9708-019B960494DF}">
-                <a14:hiddenLine xmlns:a14="http://schemas.microsoft.com/office/drawing/2010/main" xmlns="" w="9525">
+                <a14:hiddenLine xmlns="" xmlns:a14="http://schemas.microsoft.com/office/drawing/2010/main" w="9525">
                   <a:solidFill>
                     <a:srgbClr val="000000"/>
                   </a:solidFill>
@@ -2023,7 +2023,7 @@
             </a:ln>
             <a:extLst>
               <a:ext uri="{91240B29-F687-4f45-9708-019B960494DF}">
-                <a14:hiddenLine xmlns:a14="http://schemas.microsoft.com/office/drawing/2010/main" xmlns="" w="9525">
+                <a14:hiddenLine xmlns="" xmlns:a14="http://schemas.microsoft.com/office/drawing/2010/main" w="9525">
                   <a:solidFill>
                     <a:srgbClr val="000000"/>
                   </a:solidFill>
@@ -2085,7 +2085,7 @@
             </a:ln>
             <a:extLst>
               <a:ext uri="{91240B29-F687-4f45-9708-019B960494DF}">
-                <a14:hiddenLine xmlns:a14="http://schemas.microsoft.com/office/drawing/2010/main" xmlns="" w="9525">
+                <a14:hiddenLine xmlns="" xmlns:a14="http://schemas.microsoft.com/office/drawing/2010/main" w="9525">
                   <a:solidFill>
                     <a:srgbClr val="000000"/>
                   </a:solidFill>
@@ -2175,7 +2175,7 @@
             </a:ln>
             <a:extLst>
               <a:ext uri="{91240B29-F687-4f45-9708-019B960494DF}">
-                <a14:hiddenLine xmlns:a14="http://schemas.microsoft.com/office/drawing/2010/main" xmlns="" w="9525">
+                <a14:hiddenLine xmlns="" xmlns:a14="http://schemas.microsoft.com/office/drawing/2010/main" w="9525">
                   <a:solidFill>
                     <a:srgbClr val="000000"/>
                   </a:solidFill>
@@ -2265,7 +2265,7 @@
             </a:ln>
             <a:extLst>
               <a:ext uri="{91240B29-F687-4f45-9708-019B960494DF}">
-                <a14:hiddenLine xmlns:a14="http://schemas.microsoft.com/office/drawing/2010/main" xmlns="" w="9525">
+                <a14:hiddenLine xmlns="" xmlns:a14="http://schemas.microsoft.com/office/drawing/2010/main" w="9525">
                   <a:solidFill>
                     <a:srgbClr val="000000"/>
                   </a:solidFill>
@@ -2321,7 +2321,7 @@
             </a:ln>
             <a:extLst>
               <a:ext uri="{91240B29-F687-4f45-9708-019B960494DF}">
-                <a14:hiddenLine xmlns:a14="http://schemas.microsoft.com/office/drawing/2010/main" xmlns="" w="9525">
+                <a14:hiddenLine xmlns="" xmlns:a14="http://schemas.microsoft.com/office/drawing/2010/main" w="9525">
                   <a:solidFill>
                     <a:srgbClr val="000000"/>
                   </a:solidFill>
@@ -2411,7 +2411,7 @@
             </a:ln>
             <a:extLst>
               <a:ext uri="{91240B29-F687-4f45-9708-019B960494DF}">
-                <a14:hiddenLine xmlns:a14="http://schemas.microsoft.com/office/drawing/2010/main" xmlns="" w="9525">
+                <a14:hiddenLine xmlns="" xmlns:a14="http://schemas.microsoft.com/office/drawing/2010/main" w="9525">
                   <a:solidFill>
                     <a:srgbClr val="000000"/>
                   </a:solidFill>
@@ -2467,7 +2467,7 @@
             </a:ln>
             <a:extLst>
               <a:ext uri="{91240B29-F687-4f45-9708-019B960494DF}">
-                <a14:hiddenLine xmlns:a14="http://schemas.microsoft.com/office/drawing/2010/main" xmlns="" w="9525">
+                <a14:hiddenLine xmlns="" xmlns:a14="http://schemas.microsoft.com/office/drawing/2010/main" w="9525">
                   <a:solidFill>
                     <a:srgbClr val="000000"/>
                   </a:solidFill>
@@ -2557,7 +2557,7 @@
             </a:ln>
             <a:extLst>
               <a:ext uri="{91240B29-F687-4f45-9708-019B960494DF}">
-                <a14:hiddenLine xmlns:a14="http://schemas.microsoft.com/office/drawing/2010/main" xmlns="" w="9525">
+                <a14:hiddenLine xmlns="" xmlns:a14="http://schemas.microsoft.com/office/drawing/2010/main" w="9525">
                   <a:solidFill>
                     <a:srgbClr val="000000"/>
                   </a:solidFill>
@@ -2625,7 +2625,7 @@
             </a:ln>
             <a:extLst>
               <a:ext uri="{91240B29-F687-4f45-9708-019B960494DF}">
-                <a14:hiddenLine xmlns:a14="http://schemas.microsoft.com/office/drawing/2010/main" xmlns="" w="9525">
+                <a14:hiddenLine xmlns="" xmlns:a14="http://schemas.microsoft.com/office/drawing/2010/main" w="9525">
                   <a:solidFill>
                     <a:srgbClr val="000000"/>
                   </a:solidFill>
@@ -2715,7 +2715,7 @@
             </a:ln>
             <a:extLst>
               <a:ext uri="{91240B29-F687-4f45-9708-019B960494DF}">
-                <a14:hiddenLine xmlns:a14="http://schemas.microsoft.com/office/drawing/2010/main" xmlns="" w="9525">
+                <a14:hiddenLine xmlns="" xmlns:a14="http://schemas.microsoft.com/office/drawing/2010/main" w="9525">
                   <a:solidFill>
                     <a:srgbClr val="000000"/>
                   </a:solidFill>
@@ -2783,7 +2783,7 @@
             </a:ln>
             <a:extLst>
               <a:ext uri="{91240B29-F687-4f45-9708-019B960494DF}">
-                <a14:hiddenLine xmlns:a14="http://schemas.microsoft.com/office/drawing/2010/main" xmlns="" w="9525">
+                <a14:hiddenLine xmlns="" xmlns:a14="http://schemas.microsoft.com/office/drawing/2010/main" w="9525">
                   <a:solidFill>
                     <a:srgbClr val="000000"/>
                   </a:solidFill>
@@ -2873,7 +2873,7 @@
             </a:ln>
             <a:extLst>
               <a:ext uri="{91240B29-F687-4f45-9708-019B960494DF}">
-                <a14:hiddenLine xmlns:a14="http://schemas.microsoft.com/office/drawing/2010/main" xmlns="" w="9525">
+                <a14:hiddenLine xmlns="" xmlns:a14="http://schemas.microsoft.com/office/drawing/2010/main" w="9525">
                   <a:solidFill>
                     <a:srgbClr val="000000"/>
                   </a:solidFill>
@@ -2907,7 +2907,7 @@
             </a:ln>
             <a:extLst>
               <a:ext uri="{91240B29-F687-4f45-9708-019B960494DF}">
-                <a14:hiddenLine xmlns:a14="http://schemas.microsoft.com/office/drawing/2010/main" xmlns="" w="9525">
+                <a14:hiddenLine xmlns="" xmlns:a14="http://schemas.microsoft.com/office/drawing/2010/main" w="9525">
                   <a:solidFill>
                     <a:srgbClr val="000000"/>
                   </a:solidFill>
@@ -2997,7 +2997,7 @@
             </a:ln>
             <a:extLst>
               <a:ext uri="{91240B29-F687-4f45-9708-019B960494DF}">
-                <a14:hiddenLine xmlns:a14="http://schemas.microsoft.com/office/drawing/2010/main" xmlns="" w="9525">
+                <a14:hiddenLine xmlns="" xmlns:a14="http://schemas.microsoft.com/office/drawing/2010/main" w="9525">
                   <a:solidFill>
                     <a:srgbClr val="000000"/>
                   </a:solidFill>
@@ -3059,7 +3059,7 @@
             </a:ln>
             <a:extLst>
               <a:ext uri="{91240B29-F687-4f45-9708-019B960494DF}">
-                <a14:hiddenLine xmlns:a14="http://schemas.microsoft.com/office/drawing/2010/main" xmlns="" w="9525">
+                <a14:hiddenLine xmlns="" xmlns:a14="http://schemas.microsoft.com/office/drawing/2010/main" w="9525">
                   <a:solidFill>
                     <a:srgbClr val="000000"/>
                   </a:solidFill>
@@ -3121,7 +3121,7 @@
             </a:ln>
             <a:extLst>
               <a:ext uri="{91240B29-F687-4f45-9708-019B960494DF}">
-                <a14:hiddenLine xmlns:a14="http://schemas.microsoft.com/office/drawing/2010/main" xmlns="" w="9525">
+                <a14:hiddenLine xmlns="" xmlns:a14="http://schemas.microsoft.com/office/drawing/2010/main" w="9525">
                   <a:solidFill>
                     <a:srgbClr val="000000"/>
                   </a:solidFill>
@@ -3211,7 +3211,7 @@
             </a:ln>
             <a:extLst>
               <a:ext uri="{91240B29-F687-4f45-9708-019B960494DF}">
-                <a14:hiddenLine xmlns:a14="http://schemas.microsoft.com/office/drawing/2010/main" xmlns="" w="9525">
+                <a14:hiddenLine xmlns="" xmlns:a14="http://schemas.microsoft.com/office/drawing/2010/main" w="9525">
                   <a:solidFill>
                     <a:srgbClr val="000000"/>
                   </a:solidFill>
@@ -3279,7 +3279,7 @@
             </a:ln>
             <a:extLst>
               <a:ext uri="{91240B29-F687-4f45-9708-019B960494DF}">
-                <a14:hiddenLine xmlns:a14="http://schemas.microsoft.com/office/drawing/2010/main" xmlns="" w="9525">
+                <a14:hiddenLine xmlns="" xmlns:a14="http://schemas.microsoft.com/office/drawing/2010/main" w="9525">
                   <a:solidFill>
                     <a:srgbClr val="000000"/>
                   </a:solidFill>
@@ -3341,7 +3341,7 @@
             </a:ln>
             <a:extLst>
               <a:ext uri="{91240B29-F687-4f45-9708-019B960494DF}">
-                <a14:hiddenLine xmlns:a14="http://schemas.microsoft.com/office/drawing/2010/main" xmlns="" w="9525">
+                <a14:hiddenLine xmlns="" xmlns:a14="http://schemas.microsoft.com/office/drawing/2010/main" w="9525">
                   <a:solidFill>
                     <a:srgbClr val="000000"/>
                   </a:solidFill>
@@ -3431,7 +3431,7 @@
             </a:ln>
             <a:extLst>
               <a:ext uri="{91240B29-F687-4f45-9708-019B960494DF}">
-                <a14:hiddenLine xmlns:a14="http://schemas.microsoft.com/office/drawing/2010/main" xmlns="" w="9525">
+                <a14:hiddenLine xmlns="" xmlns:a14="http://schemas.microsoft.com/office/drawing/2010/main" w="9525">
                   <a:solidFill>
                     <a:srgbClr val="000000"/>
                   </a:solidFill>
@@ -3493,7 +3493,7 @@
             </a:ln>
             <a:extLst>
               <a:ext uri="{91240B29-F687-4f45-9708-019B960494DF}">
-                <a14:hiddenLine xmlns:a14="http://schemas.microsoft.com/office/drawing/2010/main" xmlns="" w="9525">
+                <a14:hiddenLine xmlns="" xmlns:a14="http://schemas.microsoft.com/office/drawing/2010/main" w="9525">
                   <a:solidFill>
                     <a:srgbClr val="000000"/>
                   </a:solidFill>
@@ -3583,7 +3583,7 @@
             </a:ln>
             <a:extLst>
               <a:ext uri="{91240B29-F687-4f45-9708-019B960494DF}">
-                <a14:hiddenLine xmlns:a14="http://schemas.microsoft.com/office/drawing/2010/main" xmlns="" w="9525">
+                <a14:hiddenLine xmlns="" xmlns:a14="http://schemas.microsoft.com/office/drawing/2010/main" w="9525">
                   <a:solidFill>
                     <a:srgbClr val="000000"/>
                   </a:solidFill>
@@ -3645,7 +3645,7 @@
             </a:ln>
             <a:extLst>
               <a:ext uri="{91240B29-F687-4f45-9708-019B960494DF}">
-                <a14:hiddenLine xmlns:a14="http://schemas.microsoft.com/office/drawing/2010/main" xmlns="" w="9525">
+                <a14:hiddenLine xmlns="" xmlns:a14="http://schemas.microsoft.com/office/drawing/2010/main" w="9525">
                   <a:solidFill>
                     <a:srgbClr val="000000"/>
                   </a:solidFill>
@@ -3735,7 +3735,7 @@
             </a:ln>
             <a:extLst>
               <a:ext uri="{91240B29-F687-4f45-9708-019B960494DF}">
-                <a14:hiddenLine xmlns:a14="http://schemas.microsoft.com/office/drawing/2010/main" xmlns="" w="9525">
+                <a14:hiddenLine xmlns="" xmlns:a14="http://schemas.microsoft.com/office/drawing/2010/main" w="9525">
                   <a:solidFill>
                     <a:srgbClr val="000000"/>
                   </a:solidFill>
@@ -3769,7 +3769,7 @@
             </a:ln>
             <a:extLst>
               <a:ext uri="{91240B29-F687-4f45-9708-019B960494DF}">
-                <a14:hiddenLine xmlns:a14="http://schemas.microsoft.com/office/drawing/2010/main" xmlns="" w="9525">
+                <a14:hiddenLine xmlns="" xmlns:a14="http://schemas.microsoft.com/office/drawing/2010/main" w="9525">
                   <a:solidFill>
                     <a:srgbClr val="000000"/>
                   </a:solidFill>
@@ -3834,7 +3834,7 @@
             </a:ln>
             <a:extLst>
               <a:ext uri="{91240B29-F687-4f45-9708-019B960494DF}">
-                <a14:hiddenLine xmlns:a14="http://schemas.microsoft.com/office/drawing/2010/main" xmlns="" w="9525">
+                <a14:hiddenLine xmlns="" xmlns:a14="http://schemas.microsoft.com/office/drawing/2010/main" w="9525">
                   <a:solidFill>
                     <a:srgbClr val="000000"/>
                   </a:solidFill>
@@ -3924,7 +3924,7 @@
             </a:ln>
             <a:extLst>
               <a:ext uri="{91240B29-F687-4f45-9708-019B960494DF}">
-                <a14:hiddenLine xmlns:a14="http://schemas.microsoft.com/office/drawing/2010/main" xmlns="" w="9525">
+                <a14:hiddenLine xmlns="" xmlns:a14="http://schemas.microsoft.com/office/drawing/2010/main" w="9525">
                   <a:solidFill>
                     <a:srgbClr val="000000"/>
                   </a:solidFill>
@@ -3986,7 +3986,7 @@
             </a:ln>
             <a:extLst>
               <a:ext uri="{91240B29-F687-4f45-9708-019B960494DF}">
-                <a14:hiddenLine xmlns:a14="http://schemas.microsoft.com/office/drawing/2010/main" xmlns="" w="9525">
+                <a14:hiddenLine xmlns="" xmlns:a14="http://schemas.microsoft.com/office/drawing/2010/main" w="9525">
                   <a:solidFill>
                     <a:srgbClr val="000000"/>
                   </a:solidFill>
@@ -4076,7 +4076,7 @@
             </a:ln>
             <a:extLst>
               <a:ext uri="{91240B29-F687-4f45-9708-019B960494DF}">
-                <a14:hiddenLine xmlns:a14="http://schemas.microsoft.com/office/drawing/2010/main" xmlns="" w="9525">
+                <a14:hiddenLine xmlns="" xmlns:a14="http://schemas.microsoft.com/office/drawing/2010/main" w="9525">
                   <a:solidFill>
                     <a:srgbClr val="000000"/>
                   </a:solidFill>
@@ -4166,7 +4166,7 @@
             </a:ln>
             <a:extLst>
               <a:ext uri="{91240B29-F687-4f45-9708-019B960494DF}">
-                <a14:hiddenLine xmlns:a14="http://schemas.microsoft.com/office/drawing/2010/main" xmlns="" w="9525">
+                <a14:hiddenLine xmlns="" xmlns:a14="http://schemas.microsoft.com/office/drawing/2010/main" w="9525">
                   <a:solidFill>
                     <a:srgbClr val="000000"/>
                   </a:solidFill>
@@ -4231,7 +4231,7 @@
             </a:ln>
             <a:extLst>
               <a:ext uri="{91240B29-F687-4f45-9708-019B960494DF}">
-                <a14:hiddenLine xmlns:a14="http://schemas.microsoft.com/office/drawing/2010/main" xmlns="" w="9525">
+                <a14:hiddenLine xmlns="" xmlns:a14="http://schemas.microsoft.com/office/drawing/2010/main" w="9525">
                   <a:solidFill>
                     <a:srgbClr val="000000"/>
                   </a:solidFill>
@@ -4293,7 +4293,7 @@
             </a:ln>
             <a:extLst>
               <a:ext uri="{91240B29-F687-4f45-9708-019B960494DF}">
-                <a14:hiddenLine xmlns:a14="http://schemas.microsoft.com/office/drawing/2010/main" xmlns="" w="9525">
+                <a14:hiddenLine xmlns="" xmlns:a14="http://schemas.microsoft.com/office/drawing/2010/main" w="9525">
                   <a:solidFill>
                     <a:srgbClr val="000000"/>
                   </a:solidFill>
@@ -4383,7 +4383,7 @@
             </a:ln>
             <a:extLst>
               <a:ext uri="{91240B29-F687-4f45-9708-019B960494DF}">
-                <a14:hiddenLine xmlns:a14="http://schemas.microsoft.com/office/drawing/2010/main" xmlns="" w="9525">
+                <a14:hiddenLine xmlns="" xmlns:a14="http://schemas.microsoft.com/office/drawing/2010/main" w="9525">
                   <a:solidFill>
                     <a:srgbClr val="000000"/>
                   </a:solidFill>
@@ -4473,7 +4473,7 @@
             </a:ln>
             <a:extLst>
               <a:ext uri="{91240B29-F687-4f45-9708-019B960494DF}">
-                <a14:hiddenLine xmlns:a14="http://schemas.microsoft.com/office/drawing/2010/main" xmlns="" w="9525">
+                <a14:hiddenLine xmlns="" xmlns:a14="http://schemas.microsoft.com/office/drawing/2010/main" w="9525">
                   <a:solidFill>
                     <a:srgbClr val="000000"/>
                   </a:solidFill>
@@ -4535,7 +4535,7 @@
             </a:ln>
             <a:extLst>
               <a:ext uri="{91240B29-F687-4f45-9708-019B960494DF}">
-                <a14:hiddenLine xmlns:a14="http://schemas.microsoft.com/office/drawing/2010/main" xmlns="" w="9525">
+                <a14:hiddenLine xmlns="" xmlns:a14="http://schemas.microsoft.com/office/drawing/2010/main" w="9525">
                   <a:solidFill>
                     <a:srgbClr val="000000"/>
                   </a:solidFill>
@@ -4655,7 +4655,7 @@
             </a:ln>
             <a:extLst>
               <a:ext uri="{91240B29-F687-4f45-9708-019B960494DF}">
-                <a14:hiddenLine xmlns:a14="http://schemas.microsoft.com/office/drawing/2010/main" xmlns="" w="9525">
+                <a14:hiddenLine xmlns="" xmlns:a14="http://schemas.microsoft.com/office/drawing/2010/main" w="9525">
                   <a:solidFill>
                     <a:srgbClr val="000000"/>
                   </a:solidFill>
@@ -4723,7 +4723,7 @@
             </a:ln>
             <a:extLst>
               <a:ext uri="{91240B29-F687-4f45-9708-019B960494DF}">
-                <a14:hiddenLine xmlns:a14="http://schemas.microsoft.com/office/drawing/2010/main" xmlns="" w="9525">
+                <a14:hiddenLine xmlns="" xmlns:a14="http://schemas.microsoft.com/office/drawing/2010/main" w="9525">
                   <a:solidFill>
                     <a:srgbClr val="000000"/>
                   </a:solidFill>
@@ -4813,7 +4813,7 @@
             </a:ln>
             <a:extLst>
               <a:ext uri="{91240B29-F687-4f45-9708-019B960494DF}">
-                <a14:hiddenLine xmlns:a14="http://schemas.microsoft.com/office/drawing/2010/main" xmlns="" w="9525">
+                <a14:hiddenLine xmlns="" xmlns:a14="http://schemas.microsoft.com/office/drawing/2010/main" w="9525">
                   <a:solidFill>
                     <a:srgbClr val="000000"/>
                   </a:solidFill>
@@ -4953,7 +4953,7 @@
           <a:p>
             <a:fld id="{402D7A8C-E8C9-C044-B17F-4F3BDC02CA13}" type="datetime1">
               <a:rPr lang="en-US" smtClean="0"/>
-              <a:t>8/25/25</a:t>
+              <a:t>8/26/25</a:t>
             </a:fld>
             <a:endParaRPr lang="en-US"/>
           </a:p>
@@ -5220,7 +5220,7 @@
           <a:p>
             <a:fld id="{37F8A4E9-907E-024F-942D-1027DBDB6B95}" type="datetime1">
               <a:rPr lang="en-US" smtClean="0"/>
-              <a:t>8/25/25</a:t>
+              <a:t>8/26/25</a:t>
             </a:fld>
             <a:endParaRPr lang="en-US"/>
           </a:p>
@@ -5416,7 +5416,7 @@
           <a:p>
             <a:fld id="{0FE75626-F07C-1141-9EC1-D81C02E85261}" type="datetime1">
               <a:rPr lang="en-US" smtClean="0"/>
-              <a:t>8/25/25</a:t>
+              <a:t>8/26/25</a:t>
             </a:fld>
             <a:endParaRPr lang="en-US"/>
           </a:p>
@@ -5679,7 +5679,7 @@
           <a:p>
             <a:fld id="{A542032B-A565-A745-AD03-A3A1AE898D44}" type="datetime1">
               <a:rPr lang="en-US" smtClean="0"/>
-              <a:t>8/25/25</a:t>
+              <a:t>8/26/25</a:t>
             </a:fld>
             <a:endParaRPr lang="en-US"/>
           </a:p>
@@ -6113,7 +6113,7 @@
           <a:p>
             <a:fld id="{D07DFA05-D8BC-F743-AAC8-830078F9EC2E}" type="datetime1">
               <a:rPr lang="en-US" smtClean="0"/>
-              <a:t>8/25/25</a:t>
+              <a:t>8/26/25</a:t>
             </a:fld>
             <a:endParaRPr lang="en-US"/>
           </a:p>
@@ -6659,7 +6659,7 @@
           <a:p>
             <a:fld id="{A30ACE03-F6AA-B648-AEDA-6D288BF5F57D}" type="datetime1">
               <a:rPr lang="en-US" smtClean="0"/>
-              <a:t>8/25/25</a:t>
+              <a:t>8/26/25</a:t>
             </a:fld>
             <a:endParaRPr lang="en-US"/>
           </a:p>
@@ -7379,7 +7379,7 @@
           <a:p>
             <a:fld id="{00CC296A-FFCD-5143-BB88-7498A31860D8}" type="datetime1">
               <a:rPr lang="en-US" smtClean="0"/>
-              <a:t>8/25/25</a:t>
+              <a:t>8/26/25</a:t>
             </a:fld>
             <a:endParaRPr lang="en-US"/>
           </a:p>
@@ -7549,7 +7549,7 @@
           <a:p>
             <a:fld id="{C6A5FF73-2E33-5542-B000-2DC2E7840EBF}" type="datetime1">
               <a:rPr lang="en-US" smtClean="0"/>
-              <a:t>8/25/25</a:t>
+              <a:t>8/26/25</a:t>
             </a:fld>
             <a:endParaRPr lang="en-US"/>
           </a:p>
@@ -7729,7 +7729,7 @@
           <a:p>
             <a:fld id="{02F42606-263B-9C4F-8747-C46201865648}" type="datetime1">
               <a:rPr lang="en-US" smtClean="0"/>
-              <a:t>8/25/25</a:t>
+              <a:t>8/26/25</a:t>
             </a:fld>
             <a:endParaRPr lang="en-US"/>
           </a:p>
@@ -7899,7 +7899,7 @@
           <a:p>
             <a:fld id="{5F8D537B-242B-6E4B-B3AA-5700AD130DAB}" type="datetime1">
               <a:rPr lang="en-US" smtClean="0"/>
-              <a:t>8/25/25</a:t>
+              <a:t>8/26/25</a:t>
             </a:fld>
             <a:endParaRPr lang="en-US"/>
           </a:p>
@@ -8149,7 +8149,7 @@
           <a:p>
             <a:fld id="{7BE0DB53-1439-2E4C-8FEF-8A4982596F3C}" type="datetime1">
               <a:rPr lang="en-US" smtClean="0"/>
-              <a:t>8/25/25</a:t>
+              <a:t>8/26/25</a:t>
             </a:fld>
             <a:endParaRPr lang="en-US"/>
           </a:p>
@@ -8381,7 +8381,7 @@
           <a:p>
             <a:fld id="{DC68B4C4-E214-B54E-A5C2-DF036DC63B34}" type="datetime1">
               <a:rPr lang="en-US" smtClean="0"/>
-              <a:t>8/25/25</a:t>
+              <a:t>8/26/25</a:t>
             </a:fld>
             <a:endParaRPr lang="en-US"/>
           </a:p>
@@ -8767,7 +8767,7 @@
           <a:p>
             <a:fld id="{7FAC456D-E6B2-0642-9BEB-83D0B9BAC47F}" type="datetime1">
               <a:rPr lang="en-US" smtClean="0"/>
-              <a:t>8/25/25</a:t>
+              <a:t>8/26/25</a:t>
             </a:fld>
             <a:endParaRPr lang="en-US"/>
           </a:p>
@@ -8890,7 +8890,7 @@
           <a:p>
             <a:fld id="{16AA1968-45EA-A240-A17F-44B2A8A0BB1D}" type="datetime1">
               <a:rPr lang="en-US" smtClean="0"/>
-              <a:t>8/25/25</a:t>
+              <a:t>8/26/25</a:t>
             </a:fld>
             <a:endParaRPr lang="en-US"/>
           </a:p>
@@ -8985,7 +8985,7 @@
           <a:p>
             <a:fld id="{26CFB313-9C91-AB4A-9BD3-BE60645D454E}" type="datetime1">
               <a:rPr lang="en-US" smtClean="0"/>
-              <a:t>8/25/25</a:t>
+              <a:t>8/26/25</a:t>
             </a:fld>
             <a:endParaRPr lang="en-US"/>
           </a:p>
@@ -9234,7 +9234,7 @@
           <a:p>
             <a:fld id="{400DE57A-C1B2-FD48-B4C3-5BEA75776498}" type="datetime1">
               <a:rPr lang="en-US" smtClean="0"/>
-              <a:t>8/25/25</a:t>
+              <a:t>8/26/25</a:t>
             </a:fld>
             <a:endParaRPr lang="en-US"/>
           </a:p>
@@ -9519,7 +9519,7 @@
           <a:p>
             <a:fld id="{A982DE63-F783-CF4C-A886-D3D65D6D3AA3}" type="datetime1">
               <a:rPr lang="en-US" smtClean="0"/>
-              <a:t>8/25/25</a:t>
+              <a:t>8/26/25</a:t>
             </a:fld>
             <a:endParaRPr lang="en-US"/>
           </a:p>
@@ -9642,7 +9642,7 @@
           <a:noFill/>
           <a:extLst>
             <a:ext uri="{909E8E84-426E-40dd-AFC4-6F175D3DCCD1}">
-              <a14:hiddenFill xmlns:a14="http://schemas.microsoft.com/office/drawing/2010/main" xmlns="">
+              <a14:hiddenFill xmlns="" xmlns:a14="http://schemas.microsoft.com/office/drawing/2010/main">
                 <a:solidFill>
                   <a:srgbClr val="FFFFFF"/>
                 </a:solidFill>
@@ -9716,7 +9716,7 @@
               </a:ln>
               <a:extLst>
                 <a:ext uri="{91240B29-F687-4f45-9708-019B960494DF}">
-                  <a14:hiddenLine xmlns:a14="http://schemas.microsoft.com/office/drawing/2010/main" xmlns="" w="9525">
+                  <a14:hiddenLine xmlns="" xmlns:a14="http://schemas.microsoft.com/office/drawing/2010/main" w="9525">
                     <a:solidFill>
                       <a:srgbClr val="000000"/>
                     </a:solidFill>
@@ -9806,7 +9806,7 @@
               </a:ln>
               <a:extLst>
                 <a:ext uri="{91240B29-F687-4f45-9708-019B960494DF}">
-                  <a14:hiddenLine xmlns:a14="http://schemas.microsoft.com/office/drawing/2010/main" xmlns="" w="9525">
+                  <a14:hiddenLine xmlns="" xmlns:a14="http://schemas.microsoft.com/office/drawing/2010/main" w="9525">
                     <a:solidFill>
                       <a:srgbClr val="000000"/>
                     </a:solidFill>
@@ -9896,7 +9896,7 @@
               </a:ln>
               <a:extLst>
                 <a:ext uri="{91240B29-F687-4f45-9708-019B960494DF}">
-                  <a14:hiddenLine xmlns:a14="http://schemas.microsoft.com/office/drawing/2010/main" xmlns="" w="9525">
+                  <a14:hiddenLine xmlns="" xmlns:a14="http://schemas.microsoft.com/office/drawing/2010/main" w="9525">
                     <a:solidFill>
                       <a:srgbClr val="000000"/>
                     </a:solidFill>
@@ -9958,7 +9958,7 @@
               </a:ln>
               <a:extLst>
                 <a:ext uri="{91240B29-F687-4f45-9708-019B960494DF}">
-                  <a14:hiddenLine xmlns:a14="http://schemas.microsoft.com/office/drawing/2010/main" xmlns="" w="9525">
+                  <a14:hiddenLine xmlns="" xmlns:a14="http://schemas.microsoft.com/office/drawing/2010/main" w="9525">
                     <a:solidFill>
                       <a:srgbClr val="000000"/>
                     </a:solidFill>
@@ -10048,7 +10048,7 @@
               </a:ln>
               <a:extLst>
                 <a:ext uri="{91240B29-F687-4f45-9708-019B960494DF}">
-                  <a14:hiddenLine xmlns:a14="http://schemas.microsoft.com/office/drawing/2010/main" xmlns="" w="9525">
+                  <a14:hiddenLine xmlns="" xmlns:a14="http://schemas.microsoft.com/office/drawing/2010/main" w="9525">
                     <a:solidFill>
                       <a:srgbClr val="000000"/>
                     </a:solidFill>
@@ -10110,7 +10110,7 @@
               </a:ln>
               <a:extLst>
                 <a:ext uri="{91240B29-F687-4f45-9708-019B960494DF}">
-                  <a14:hiddenLine xmlns:a14="http://schemas.microsoft.com/office/drawing/2010/main" xmlns="" w="9525">
+                  <a14:hiddenLine xmlns="" xmlns:a14="http://schemas.microsoft.com/office/drawing/2010/main" w="9525">
                     <a:solidFill>
                       <a:srgbClr val="000000"/>
                     </a:solidFill>
@@ -10172,7 +10172,7 @@
               </a:ln>
               <a:extLst>
                 <a:ext uri="{91240B29-F687-4f45-9708-019B960494DF}">
-                  <a14:hiddenLine xmlns:a14="http://schemas.microsoft.com/office/drawing/2010/main" xmlns="" w="9525">
+                  <a14:hiddenLine xmlns="" xmlns:a14="http://schemas.microsoft.com/office/drawing/2010/main" w="9525">
                     <a:solidFill>
                       <a:srgbClr val="000000"/>
                     </a:solidFill>
@@ -10262,7 +10262,7 @@
               </a:ln>
               <a:extLst>
                 <a:ext uri="{91240B29-F687-4f45-9708-019B960494DF}">
-                  <a14:hiddenLine xmlns:a14="http://schemas.microsoft.com/office/drawing/2010/main" xmlns="" w="9525">
+                  <a14:hiddenLine xmlns="" xmlns:a14="http://schemas.microsoft.com/office/drawing/2010/main" w="9525">
                     <a:solidFill>
                       <a:srgbClr val="000000"/>
                     </a:solidFill>
@@ -10352,7 +10352,7 @@
               </a:ln>
               <a:extLst>
                 <a:ext uri="{91240B29-F687-4f45-9708-019B960494DF}">
-                  <a14:hiddenLine xmlns:a14="http://schemas.microsoft.com/office/drawing/2010/main" xmlns="" w="9525">
+                  <a14:hiddenLine xmlns="" xmlns:a14="http://schemas.microsoft.com/office/drawing/2010/main" w="9525">
                     <a:solidFill>
                       <a:srgbClr val="000000"/>
                     </a:solidFill>
@@ -10414,7 +10414,7 @@
               </a:ln>
               <a:extLst>
                 <a:ext uri="{91240B29-F687-4f45-9708-019B960494DF}">
-                  <a14:hiddenLine xmlns:a14="http://schemas.microsoft.com/office/drawing/2010/main" xmlns="" w="9525">
+                  <a14:hiddenLine xmlns="" xmlns:a14="http://schemas.microsoft.com/office/drawing/2010/main" w="9525">
                     <a:solidFill>
                       <a:srgbClr val="000000"/>
                     </a:solidFill>
@@ -10524,7 +10524,7 @@
               </a:ln>
               <a:extLst>
                 <a:ext uri="{91240B29-F687-4f45-9708-019B960494DF}">
-                  <a14:hiddenLine xmlns:a14="http://schemas.microsoft.com/office/drawing/2010/main" xmlns="" w="9525">
+                  <a14:hiddenLine xmlns="" xmlns:a14="http://schemas.microsoft.com/office/drawing/2010/main" w="9525">
                     <a:solidFill>
                       <a:srgbClr val="000000"/>
                     </a:solidFill>
@@ -10608,7 +10608,7 @@
               </a:ln>
               <a:extLst>
                 <a:ext uri="{91240B29-F687-4f45-9708-019B960494DF}">
-                  <a14:hiddenLine xmlns:a14="http://schemas.microsoft.com/office/drawing/2010/main" xmlns="" w="9525">
+                  <a14:hiddenLine xmlns="" xmlns:a14="http://schemas.microsoft.com/office/drawing/2010/main" w="9525">
                     <a:solidFill>
                       <a:srgbClr val="000000"/>
                     </a:solidFill>
@@ -10670,7 +10670,7 @@
               </a:ln>
               <a:extLst>
                 <a:ext uri="{91240B29-F687-4f45-9708-019B960494DF}">
-                  <a14:hiddenLine xmlns:a14="http://schemas.microsoft.com/office/drawing/2010/main" xmlns="" w="9525">
+                  <a14:hiddenLine xmlns="" xmlns:a14="http://schemas.microsoft.com/office/drawing/2010/main" w="9525">
                     <a:solidFill>
                       <a:srgbClr val="000000"/>
                     </a:solidFill>
@@ -10732,7 +10732,7 @@
               </a:ln>
               <a:extLst>
                 <a:ext uri="{91240B29-F687-4f45-9708-019B960494DF}">
-                  <a14:hiddenLine xmlns:a14="http://schemas.microsoft.com/office/drawing/2010/main" xmlns="" w="9525">
+                  <a14:hiddenLine xmlns="" xmlns:a14="http://schemas.microsoft.com/office/drawing/2010/main" w="9525">
                     <a:solidFill>
                       <a:srgbClr val="000000"/>
                     </a:solidFill>
@@ -10822,7 +10822,7 @@
               </a:ln>
               <a:extLst>
                 <a:ext uri="{91240B29-F687-4f45-9708-019B960494DF}">
-                  <a14:hiddenLine xmlns:a14="http://schemas.microsoft.com/office/drawing/2010/main" xmlns="" w="9525">
+                  <a14:hiddenLine xmlns="" xmlns:a14="http://schemas.microsoft.com/office/drawing/2010/main" w="9525">
                     <a:solidFill>
                       <a:srgbClr val="000000"/>
                     </a:solidFill>
@@ -10856,7 +10856,7 @@
               </a:ln>
               <a:extLst>
                 <a:ext uri="{91240B29-F687-4f45-9708-019B960494DF}">
-                  <a14:hiddenLine xmlns:a14="http://schemas.microsoft.com/office/drawing/2010/main" xmlns="" w="9525">
+                  <a14:hiddenLine xmlns="" xmlns:a14="http://schemas.microsoft.com/office/drawing/2010/main" w="9525">
                     <a:solidFill>
                       <a:srgbClr val="000000"/>
                     </a:solidFill>
@@ -10921,7 +10921,7 @@
               </a:ln>
               <a:extLst>
                 <a:ext uri="{91240B29-F687-4f45-9708-019B960494DF}">
-                  <a14:hiddenLine xmlns:a14="http://schemas.microsoft.com/office/drawing/2010/main" xmlns="" w="9525">
+                  <a14:hiddenLine xmlns="" xmlns:a14="http://schemas.microsoft.com/office/drawing/2010/main" w="9525">
                     <a:solidFill>
                       <a:srgbClr val="000000"/>
                     </a:solidFill>
@@ -11011,7 +11011,7 @@
               </a:ln>
               <a:extLst>
                 <a:ext uri="{91240B29-F687-4f45-9708-019B960494DF}">
-                  <a14:hiddenLine xmlns:a14="http://schemas.microsoft.com/office/drawing/2010/main" xmlns="" w="9525">
+                  <a14:hiddenLine xmlns="" xmlns:a14="http://schemas.microsoft.com/office/drawing/2010/main" w="9525">
                     <a:solidFill>
                       <a:srgbClr val="000000"/>
                     </a:solidFill>
@@ -11073,7 +11073,7 @@
               </a:ln>
               <a:extLst>
                 <a:ext uri="{91240B29-F687-4f45-9708-019B960494DF}">
-                  <a14:hiddenLine xmlns:a14="http://schemas.microsoft.com/office/drawing/2010/main" xmlns="" w="9525">
+                  <a14:hiddenLine xmlns="" xmlns:a14="http://schemas.microsoft.com/office/drawing/2010/main" w="9525">
                     <a:solidFill>
                       <a:srgbClr val="000000"/>
                     </a:solidFill>
@@ -11163,7 +11163,7 @@
               </a:ln>
               <a:extLst>
                 <a:ext uri="{91240B29-F687-4f45-9708-019B960494DF}">
-                  <a14:hiddenLine xmlns:a14="http://schemas.microsoft.com/office/drawing/2010/main" xmlns="" w="9525">
+                  <a14:hiddenLine xmlns="" xmlns:a14="http://schemas.microsoft.com/office/drawing/2010/main" w="9525">
                     <a:solidFill>
                       <a:srgbClr val="000000"/>
                     </a:solidFill>
@@ -11228,7 +11228,7 @@
               </a:ln>
               <a:extLst>
                 <a:ext uri="{91240B29-F687-4f45-9708-019B960494DF}">
-                  <a14:hiddenLine xmlns:a14="http://schemas.microsoft.com/office/drawing/2010/main" xmlns="" w="9525">
+                  <a14:hiddenLine xmlns="" xmlns:a14="http://schemas.microsoft.com/office/drawing/2010/main" w="9525">
                     <a:solidFill>
                       <a:srgbClr val="000000"/>
                     </a:solidFill>
@@ -11290,7 +11290,7 @@
               </a:ln>
               <a:extLst>
                 <a:ext uri="{91240B29-F687-4f45-9708-019B960494DF}">
-                  <a14:hiddenLine xmlns:a14="http://schemas.microsoft.com/office/drawing/2010/main" xmlns="" w="9525">
+                  <a14:hiddenLine xmlns="" xmlns:a14="http://schemas.microsoft.com/office/drawing/2010/main" w="9525">
                     <a:solidFill>
                       <a:srgbClr val="000000"/>
                     </a:solidFill>
@@ -11380,7 +11380,7 @@
               </a:ln>
               <a:extLst>
                 <a:ext uri="{91240B29-F687-4f45-9708-019B960494DF}">
-                  <a14:hiddenLine xmlns:a14="http://schemas.microsoft.com/office/drawing/2010/main" xmlns="" w="9525">
+                  <a14:hiddenLine xmlns="" xmlns:a14="http://schemas.microsoft.com/office/drawing/2010/main" w="9525">
                     <a:solidFill>
                       <a:srgbClr val="000000"/>
                     </a:solidFill>
@@ -11470,7 +11470,7 @@
               </a:ln>
               <a:extLst>
                 <a:ext uri="{91240B29-F687-4f45-9708-019B960494DF}">
-                  <a14:hiddenLine xmlns:a14="http://schemas.microsoft.com/office/drawing/2010/main" xmlns="" w="9525">
+                  <a14:hiddenLine xmlns="" xmlns:a14="http://schemas.microsoft.com/office/drawing/2010/main" w="9525">
                     <a:solidFill>
                       <a:srgbClr val="000000"/>
                     </a:solidFill>
@@ -11535,7 +11535,7 @@
               </a:ln>
               <a:extLst>
                 <a:ext uri="{91240B29-F687-4f45-9708-019B960494DF}">
-                  <a14:hiddenLine xmlns:a14="http://schemas.microsoft.com/office/drawing/2010/main" xmlns="" w="9525">
+                  <a14:hiddenLine xmlns="" xmlns:a14="http://schemas.microsoft.com/office/drawing/2010/main" w="9525">
                     <a:solidFill>
                       <a:srgbClr val="000000"/>
                     </a:solidFill>
@@ -11655,7 +11655,7 @@
               </a:ln>
               <a:extLst>
                 <a:ext uri="{91240B29-F687-4f45-9708-019B960494DF}">
-                  <a14:hiddenLine xmlns:a14="http://schemas.microsoft.com/office/drawing/2010/main" xmlns="" w="9525">
+                  <a14:hiddenLine xmlns="" xmlns:a14="http://schemas.microsoft.com/office/drawing/2010/main" w="9525">
                     <a:solidFill>
                       <a:srgbClr val="000000"/>
                     </a:solidFill>
@@ -11736,7 +11736,7 @@
               </a:ln>
               <a:extLst>
                 <a:ext uri="{91240B29-F687-4f45-9708-019B960494DF}">
-                  <a14:hiddenLine xmlns:a14="http://schemas.microsoft.com/office/drawing/2010/main" xmlns="" w="9525">
+                  <a14:hiddenLine xmlns="" xmlns:a14="http://schemas.microsoft.com/office/drawing/2010/main" w="9525">
                     <a:solidFill>
                       <a:srgbClr val="000000"/>
                     </a:solidFill>
@@ -11851,7 +11851,7 @@
               </a:ln>
               <a:extLst>
                 <a:ext uri="{91240B29-F687-4f45-9708-019B960494DF}">
-                  <a14:hiddenLine xmlns:a14="http://schemas.microsoft.com/office/drawing/2010/main" xmlns="" w="9525">
+                  <a14:hiddenLine xmlns="" xmlns:a14="http://schemas.microsoft.com/office/drawing/2010/main" w="9525">
                     <a:solidFill>
                       <a:srgbClr val="000000"/>
                     </a:solidFill>
@@ -11941,7 +11941,7 @@
               </a:ln>
               <a:extLst>
                 <a:ext uri="{91240B29-F687-4f45-9708-019B960494DF}">
-                  <a14:hiddenLine xmlns:a14="http://schemas.microsoft.com/office/drawing/2010/main" xmlns="" w="9525">
+                  <a14:hiddenLine xmlns="" xmlns:a14="http://schemas.microsoft.com/office/drawing/2010/main" w="9525">
                     <a:solidFill>
                       <a:srgbClr val="000000"/>
                     </a:solidFill>
@@ -12006,7 +12006,7 @@
               </a:ln>
               <a:extLst>
                 <a:ext uri="{91240B29-F687-4f45-9708-019B960494DF}">
-                  <a14:hiddenLine xmlns:a14="http://schemas.microsoft.com/office/drawing/2010/main" xmlns="" w="9525">
+                  <a14:hiddenLine xmlns="" xmlns:a14="http://schemas.microsoft.com/office/drawing/2010/main" w="9525">
                     <a:solidFill>
                       <a:srgbClr val="000000"/>
                     </a:solidFill>
@@ -12096,7 +12096,7 @@
               </a:ln>
               <a:extLst>
                 <a:ext uri="{91240B29-F687-4f45-9708-019B960494DF}">
-                  <a14:hiddenLine xmlns:a14="http://schemas.microsoft.com/office/drawing/2010/main" xmlns="" w="9525">
+                  <a14:hiddenLine xmlns="" xmlns:a14="http://schemas.microsoft.com/office/drawing/2010/main" w="9525">
                     <a:solidFill>
                       <a:srgbClr val="000000"/>
                     </a:solidFill>
@@ -12164,7 +12164,7 @@
               </a:ln>
               <a:extLst>
                 <a:ext uri="{91240B29-F687-4f45-9708-019B960494DF}">
-                  <a14:hiddenLine xmlns:a14="http://schemas.microsoft.com/office/drawing/2010/main" xmlns="" w="9525">
+                  <a14:hiddenLine xmlns="" xmlns:a14="http://schemas.microsoft.com/office/drawing/2010/main" w="9525">
                     <a:solidFill>
                       <a:srgbClr val="000000"/>
                     </a:solidFill>
@@ -12254,7 +12254,7 @@
               </a:ln>
               <a:extLst>
                 <a:ext uri="{91240B29-F687-4f45-9708-019B960494DF}">
-                  <a14:hiddenLine xmlns:a14="http://schemas.microsoft.com/office/drawing/2010/main" xmlns="" w="9525">
+                  <a14:hiddenLine xmlns="" xmlns:a14="http://schemas.microsoft.com/office/drawing/2010/main" w="9525">
                     <a:solidFill>
                       <a:srgbClr val="000000"/>
                     </a:solidFill>
@@ -12322,7 +12322,7 @@
               </a:ln>
               <a:extLst>
                 <a:ext uri="{91240B29-F687-4f45-9708-019B960494DF}">
-                  <a14:hiddenLine xmlns:a14="http://schemas.microsoft.com/office/drawing/2010/main" xmlns="" w="9525">
+                  <a14:hiddenLine xmlns="" xmlns:a14="http://schemas.microsoft.com/office/drawing/2010/main" w="9525">
                     <a:solidFill>
                       <a:srgbClr val="000000"/>
                     </a:solidFill>
@@ -12412,7 +12412,7 @@
               </a:ln>
               <a:extLst>
                 <a:ext uri="{91240B29-F687-4f45-9708-019B960494DF}">
-                  <a14:hiddenLine xmlns:a14="http://schemas.microsoft.com/office/drawing/2010/main" xmlns="" w="9525">
+                  <a14:hiddenLine xmlns="" xmlns:a14="http://schemas.microsoft.com/office/drawing/2010/main" w="9525">
                     <a:solidFill>
                       <a:srgbClr val="000000"/>
                     </a:solidFill>
@@ -12446,7 +12446,7 @@
               </a:ln>
               <a:extLst>
                 <a:ext uri="{91240B29-F687-4f45-9708-019B960494DF}">
-                  <a14:hiddenLine xmlns:a14="http://schemas.microsoft.com/office/drawing/2010/main" xmlns="" w="9525">
+                  <a14:hiddenLine xmlns="" xmlns:a14="http://schemas.microsoft.com/office/drawing/2010/main" w="9525">
                     <a:solidFill>
                       <a:srgbClr val="000000"/>
                     </a:solidFill>
@@ -12586,7 +12586,7 @@
           <a:p>
             <a:fld id="{59173DD1-A275-4445-AB1E-9DFF752BE39B}" type="datetime1">
               <a:rPr lang="en-US" smtClean="0"/>
-              <a:t>8/25/25</a:t>
+              <a:t>8/26/25</a:t>
             </a:fld>
             <a:endParaRPr lang="en-US"/>
           </a:p>
@@ -13173,7 +13173,7 @@
         </p:spPr>
         <p:txBody>
           <a:bodyPr>
-            <a:normAutofit/>
+            <a:normAutofit lnSpcReduction="10000"/>
           </a:bodyPr>
           <a:lstStyle/>
           <a:p>
@@ -13196,6 +13196,17 @@
             <a:r>
               <a:rPr lang="en-US" dirty="0"/>
               <a:t>When asked, prepare for things in advance</a:t>
+            </a:r>
+          </a:p>
+          <a:p>
+            <a:pPr lvl="1">
+              <a:lnSpc>
+                <a:spcPct val="90000"/>
+              </a:lnSpc>
+            </a:pPr>
+            <a:r>
+              <a:rPr lang="en-US" dirty="0"/>
+              <a:t>Do NOT use laptops or phones in class!</a:t>
             </a:r>
           </a:p>
           <a:p>
@@ -13364,7 +13375,7 @@
                                         <p:tgtEl>
                                           <p:spTgt spid="307203">
                                             <p:txEl>
-                                              <p:pRg st="8" end="8"/>
+                                              <p:pRg st="9" end="9"/>
                                             </p:txEl>
                                           </p:spTgt>
                                         </p:tgtEl>
@@ -13395,7 +13406,7 @@
                                         <p:tgtEl>
                                           <p:spTgt spid="307203">
                                             <p:txEl>
-                                              <p:pRg st="9" end="9"/>
+                                              <p:pRg st="10" end="10"/>
                                             </p:txEl>
                                           </p:spTgt>
                                         </p:tgtEl>
@@ -13426,7 +13437,7 @@
                                         <p:tgtEl>
                                           <p:spTgt spid="307203">
                                             <p:txEl>
-                                              <p:pRg st="10" end="10"/>
+                                              <p:pRg st="11" end="11"/>
                                             </p:txEl>
                                           </p:spTgt>
                                         </p:tgtEl>
@@ -13457,7 +13468,7 @@
                                         <p:tgtEl>
                                           <p:spTgt spid="307203">
                                             <p:txEl>
-                                              <p:pRg st="11" end="11"/>
+                                              <p:pRg st="12" end="12"/>
                                             </p:txEl>
                                           </p:spTgt>
                                         </p:tgtEl>
@@ -13488,7 +13499,7 @@
                                         <p:tgtEl>
                                           <p:spTgt spid="307203">
                                             <p:txEl>
-                                              <p:pRg st="12" end="12"/>
+                                              <p:pRg st="13" end="13"/>
                                             </p:txEl>
                                           </p:spTgt>
                                         </p:tgtEl>
